--- a/documentation/ELEN7046 Group 2 - Group Presention.pptx
+++ b/documentation/ELEN7046 Group 2 - Group Presention.pptx
@@ -1177,6 +1177,13 @@
         </dgm:presLayoutVars>
       </dgm:prSet>
       <dgm:spPr/>
+      <dgm:t>
+        <a:bodyPr/>
+        <a:lstStyle/>
+        <a:p>
+          <a:endParaRPr lang="en-ZA"/>
+        </a:p>
+      </dgm:t>
     </dgm:pt>
     <dgm:pt modelId="{F966B11B-6001-44A7-B167-58B437A9680F}" type="pres">
       <dgm:prSet presAssocID="{AA7C50F5-80C3-4B6B-A3E0-9037872983D4}" presName="hierRoot1" presStyleCnt="0">
@@ -1198,6 +1205,13 @@
         </dgm:presLayoutVars>
       </dgm:prSet>
       <dgm:spPr/>
+      <dgm:t>
+        <a:bodyPr/>
+        <a:lstStyle/>
+        <a:p>
+          <a:endParaRPr lang="en-ZA"/>
+        </a:p>
+      </dgm:t>
     </dgm:pt>
     <dgm:pt modelId="{269BA9FA-5FAE-4A45-9B7E-FB481D3351C4}" type="pres">
       <dgm:prSet presAssocID="{AA7C50F5-80C3-4B6B-A3E0-9037872983D4}" presName="titleText1" presStyleLbl="fgAcc0" presStyleIdx="0" presStyleCnt="1">
@@ -1218,6 +1232,13 @@
     <dgm:pt modelId="{3526CAC1-AE98-4E0F-9493-DFEED52EC86B}" type="pres">
       <dgm:prSet presAssocID="{AA7C50F5-80C3-4B6B-A3E0-9037872983D4}" presName="rootConnector1" presStyleLbl="node1" presStyleIdx="0" presStyleCnt="3"/>
       <dgm:spPr/>
+      <dgm:t>
+        <a:bodyPr/>
+        <a:lstStyle/>
+        <a:p>
+          <a:endParaRPr lang="en-ZA"/>
+        </a:p>
+      </dgm:t>
     </dgm:pt>
     <dgm:pt modelId="{21BB1A3A-5D3E-48F5-99C0-5D06C421509F}" type="pres">
       <dgm:prSet presAssocID="{AA7C50F5-80C3-4B6B-A3E0-9037872983D4}" presName="hierChild2" presStyleCnt="0"/>
@@ -1226,6 +1247,13 @@
     <dgm:pt modelId="{A0A20830-A5CB-419C-A9A6-AB4D90BFF247}" type="pres">
       <dgm:prSet presAssocID="{161A5568-1D4B-4116-B8CB-D6CE06203E9E}" presName="Name37" presStyleLbl="parChTrans1D2" presStyleIdx="0" presStyleCnt="4"/>
       <dgm:spPr/>
+      <dgm:t>
+        <a:bodyPr/>
+        <a:lstStyle/>
+        <a:p>
+          <a:endParaRPr lang="en-ZA"/>
+        </a:p>
+      </dgm:t>
     </dgm:pt>
     <dgm:pt modelId="{1008A2BA-27CE-4E15-B933-D3E5D5DA67A3}" type="pres">
       <dgm:prSet presAssocID="{6939A553-4A8E-48C7-BBD6-821238BF6B74}" presName="hierRoot2" presStyleCnt="0">
@@ -1263,10 +1291,24 @@
         </dgm:presLayoutVars>
       </dgm:prSet>
       <dgm:spPr/>
+      <dgm:t>
+        <a:bodyPr/>
+        <a:lstStyle/>
+        <a:p>
+          <a:endParaRPr lang="en-ZA"/>
+        </a:p>
+      </dgm:t>
     </dgm:pt>
     <dgm:pt modelId="{4542B687-9721-488A-827A-03F61031AA81}" type="pres">
       <dgm:prSet presAssocID="{6939A553-4A8E-48C7-BBD6-821238BF6B74}" presName="rootConnector" presStyleLbl="node2" presStyleIdx="0" presStyleCnt="0"/>
       <dgm:spPr/>
+      <dgm:t>
+        <a:bodyPr/>
+        <a:lstStyle/>
+        <a:p>
+          <a:endParaRPr lang="en-ZA"/>
+        </a:p>
+      </dgm:t>
     </dgm:pt>
     <dgm:pt modelId="{DDB18748-7A70-442F-8A47-F69D87FAD6D0}" type="pres">
       <dgm:prSet presAssocID="{6939A553-4A8E-48C7-BBD6-821238BF6B74}" presName="hierChild4" presStyleCnt="0"/>
@@ -1279,6 +1321,13 @@
     <dgm:pt modelId="{C828418F-E1A8-442E-9A95-664455048653}" type="pres">
       <dgm:prSet presAssocID="{8027ABA6-1D74-4CF3-95B2-2AD303F67272}" presName="Name37" presStyleLbl="parChTrans1D2" presStyleIdx="1" presStyleCnt="4"/>
       <dgm:spPr/>
+      <dgm:t>
+        <a:bodyPr/>
+        <a:lstStyle/>
+        <a:p>
+          <a:endParaRPr lang="en-ZA"/>
+        </a:p>
+      </dgm:t>
     </dgm:pt>
     <dgm:pt modelId="{3B774017-ABAF-4D74-88BB-B46E6056DF53}" type="pres">
       <dgm:prSet presAssocID="{BB2210B6-4A12-4196-9BB3-B0D234F72687}" presName="hierRoot2" presStyleCnt="0">
@@ -1300,6 +1349,13 @@
         </dgm:presLayoutVars>
       </dgm:prSet>
       <dgm:spPr/>
+      <dgm:t>
+        <a:bodyPr/>
+        <a:lstStyle/>
+        <a:p>
+          <a:endParaRPr lang="en-ZA"/>
+        </a:p>
+      </dgm:t>
     </dgm:pt>
     <dgm:pt modelId="{B0446AAF-4397-4B5B-9A42-9AB3D8C6BC80}" type="pres">
       <dgm:prSet presAssocID="{BB2210B6-4A12-4196-9BB3-B0D234F72687}" presName="titleText2" presStyleLbl="fgAcc1" presStyleIdx="1" presStyleCnt="3">
@@ -1309,10 +1365,24 @@
         </dgm:presLayoutVars>
       </dgm:prSet>
       <dgm:spPr/>
+      <dgm:t>
+        <a:bodyPr/>
+        <a:lstStyle/>
+        <a:p>
+          <a:endParaRPr lang="en-ZA"/>
+        </a:p>
+      </dgm:t>
     </dgm:pt>
     <dgm:pt modelId="{32345C22-826C-442A-A0F1-12E8D2E92B92}" type="pres">
       <dgm:prSet presAssocID="{BB2210B6-4A12-4196-9BB3-B0D234F72687}" presName="rootConnector" presStyleLbl="node2" presStyleIdx="0" presStyleCnt="0"/>
       <dgm:spPr/>
+      <dgm:t>
+        <a:bodyPr/>
+        <a:lstStyle/>
+        <a:p>
+          <a:endParaRPr lang="en-ZA"/>
+        </a:p>
+      </dgm:t>
     </dgm:pt>
     <dgm:pt modelId="{D567614E-3A72-4C44-8878-4C60A1559ECA}" type="pres">
       <dgm:prSet presAssocID="{BB2210B6-4A12-4196-9BB3-B0D234F72687}" presName="hierChild4" presStyleCnt="0"/>
@@ -1325,6 +1395,13 @@
     <dgm:pt modelId="{EC96A2C4-0170-4A5B-A227-8F32ADC6B7B8}" type="pres">
       <dgm:prSet presAssocID="{50715FB6-DB3B-4B97-B75F-E53C65045D94}" presName="Name37" presStyleLbl="parChTrans1D2" presStyleIdx="2" presStyleCnt="4"/>
       <dgm:spPr/>
+      <dgm:t>
+        <a:bodyPr/>
+        <a:lstStyle/>
+        <a:p>
+          <a:endParaRPr lang="en-ZA"/>
+        </a:p>
+      </dgm:t>
     </dgm:pt>
     <dgm:pt modelId="{68CB03ED-0058-4EAD-99B9-1C6FC77B44CA}" type="pres">
       <dgm:prSet presAssocID="{B22C12D7-6598-42EB-AEDB-955ECCE3ED37}" presName="hierRoot2" presStyleCnt="0">
@@ -1373,6 +1450,13 @@
     <dgm:pt modelId="{BDEAAC97-1D12-4405-AAAD-22B455FBC5CA}" type="pres">
       <dgm:prSet presAssocID="{B22C12D7-6598-42EB-AEDB-955ECCE3ED37}" presName="rootConnector" presStyleLbl="node2" presStyleIdx="0" presStyleCnt="0"/>
       <dgm:spPr/>
+      <dgm:t>
+        <a:bodyPr/>
+        <a:lstStyle/>
+        <a:p>
+          <a:endParaRPr lang="en-ZA"/>
+        </a:p>
+      </dgm:t>
     </dgm:pt>
     <dgm:pt modelId="{909EAE4A-AB8B-45A6-A190-B7705A19F56E}" type="pres">
       <dgm:prSet presAssocID="{B22C12D7-6598-42EB-AEDB-955ECCE3ED37}" presName="hierChild4" presStyleCnt="0"/>
@@ -1389,6 +1473,13 @@
     <dgm:pt modelId="{6C360D5A-E71F-4124-A8B2-EF079D09AA2F}" type="pres">
       <dgm:prSet presAssocID="{A8FB39C9-04BB-4308-84E8-73812A193080}" presName="Name96" presStyleLbl="parChTrans1D2" presStyleIdx="3" presStyleCnt="4"/>
       <dgm:spPr/>
+      <dgm:t>
+        <a:bodyPr/>
+        <a:lstStyle/>
+        <a:p>
+          <a:endParaRPr lang="en-ZA"/>
+        </a:p>
+      </dgm:t>
     </dgm:pt>
     <dgm:pt modelId="{1970B5C8-2C06-4C0B-9E53-4C1D035384E0}" type="pres">
       <dgm:prSet presAssocID="{BD76B61F-1188-40BA-8280-5ADAC3B823E0}" presName="hierRoot3" presStyleCnt="0">
@@ -1409,6 +1500,13 @@
         </dgm:presLayoutVars>
       </dgm:prSet>
       <dgm:spPr/>
+      <dgm:t>
+        <a:bodyPr/>
+        <a:lstStyle/>
+        <a:p>
+          <a:endParaRPr lang="en-ZA"/>
+        </a:p>
+      </dgm:t>
     </dgm:pt>
     <dgm:pt modelId="{6ADBF787-A318-47AB-A97F-93EF566C9E82}" type="pres">
       <dgm:prSet presAssocID="{BD76B61F-1188-40BA-8280-5ADAC3B823E0}" presName="titleText3" presStyleLbl="fgAcc2" presStyleIdx="0" presStyleCnt="1">
@@ -1429,6 +1527,13 @@
     <dgm:pt modelId="{56BCEB52-7910-4DA2-B3EE-12EF80F8C382}" type="pres">
       <dgm:prSet presAssocID="{BD76B61F-1188-40BA-8280-5ADAC3B823E0}" presName="rootConnector3" presStyleLbl="asst1" presStyleIdx="0" presStyleCnt="1"/>
       <dgm:spPr/>
+      <dgm:t>
+        <a:bodyPr/>
+        <a:lstStyle/>
+        <a:p>
+          <a:endParaRPr lang="en-ZA"/>
+        </a:p>
+      </dgm:t>
     </dgm:pt>
     <dgm:pt modelId="{D1C950E6-5013-4818-8281-79399BBE5C7B}" type="pres">
       <dgm:prSet presAssocID="{BD76B61F-1188-40BA-8280-5ADAC3B823E0}" presName="hierChild6" presStyleCnt="0"/>
@@ -4933,7 +5038,7 @@
             <a:fld id="{F7637903-34D2-4395-AB8A-F37BC36B49A1}" type="datetimeFigureOut">
               <a:rPr lang="en-ZA" smtClean="0"/>
               <a:pPr/>
-              <a:t>2016/06/13</a:t>
+              <a:t>2016/06/18</a:t>
             </a:fld>
             <a:endParaRPr lang="en-ZA"/>
           </a:p>
@@ -5385,7 +5490,7 @@
             <a:fld id="{414FF194-0FD9-45B7-958E-9E8663E82257}" type="datetimeFigureOut">
               <a:rPr lang="en-ZA" smtClean="0"/>
               <a:pPr/>
-              <a:t>2016/06/13</a:t>
+              <a:t>2016/06/18</a:t>
             </a:fld>
             <a:endParaRPr lang="en-ZA"/>
           </a:p>
@@ -5575,7 +5680,7 @@
             <a:fld id="{414FF194-0FD9-45B7-958E-9E8663E82257}" type="datetimeFigureOut">
               <a:rPr lang="en-ZA" smtClean="0"/>
               <a:pPr/>
-              <a:t>2016/06/13</a:t>
+              <a:t>2016/06/18</a:t>
             </a:fld>
             <a:endParaRPr lang="en-ZA"/>
           </a:p>
@@ -5775,7 +5880,7 @@
             <a:fld id="{414FF194-0FD9-45B7-958E-9E8663E82257}" type="datetimeFigureOut">
               <a:rPr lang="en-ZA" smtClean="0"/>
               <a:pPr/>
-              <a:t>2016/06/13</a:t>
+              <a:t>2016/06/18</a:t>
             </a:fld>
             <a:endParaRPr lang="en-ZA"/>
           </a:p>
@@ -5965,7 +6070,7 @@
             <a:fld id="{414FF194-0FD9-45B7-958E-9E8663E82257}" type="datetimeFigureOut">
               <a:rPr lang="en-ZA" smtClean="0"/>
               <a:pPr/>
-              <a:t>2016/06/13</a:t>
+              <a:t>2016/06/18</a:t>
             </a:fld>
             <a:endParaRPr lang="en-ZA"/>
           </a:p>
@@ -6231,7 +6336,7 @@
             <a:fld id="{414FF194-0FD9-45B7-958E-9E8663E82257}" type="datetimeFigureOut">
               <a:rPr lang="en-ZA" smtClean="0"/>
               <a:pPr/>
-              <a:t>2016/06/13</a:t>
+              <a:t>2016/06/18</a:t>
             </a:fld>
             <a:endParaRPr lang="en-ZA"/>
           </a:p>
@@ -6539,7 +6644,7 @@
             <a:fld id="{414FF194-0FD9-45B7-958E-9E8663E82257}" type="datetimeFigureOut">
               <a:rPr lang="en-ZA" smtClean="0"/>
               <a:pPr/>
-              <a:t>2016/06/13</a:t>
+              <a:t>2016/06/18</a:t>
             </a:fld>
             <a:endParaRPr lang="en-ZA"/>
           </a:p>
@@ -6981,7 +7086,7 @@
             <a:fld id="{414FF194-0FD9-45B7-958E-9E8663E82257}" type="datetimeFigureOut">
               <a:rPr lang="en-ZA" smtClean="0"/>
               <a:pPr/>
-              <a:t>2016/06/13</a:t>
+              <a:t>2016/06/18</a:t>
             </a:fld>
             <a:endParaRPr lang="en-ZA"/>
           </a:p>
@@ -7119,7 +7224,7 @@
             <a:fld id="{414FF194-0FD9-45B7-958E-9E8663E82257}" type="datetimeFigureOut">
               <a:rPr lang="en-ZA" smtClean="0"/>
               <a:pPr/>
-              <a:t>2016/06/13</a:t>
+              <a:t>2016/06/18</a:t>
             </a:fld>
             <a:endParaRPr lang="en-ZA"/>
           </a:p>
@@ -7234,7 +7339,7 @@
             <a:fld id="{414FF194-0FD9-45B7-958E-9E8663E82257}" type="datetimeFigureOut">
               <a:rPr lang="en-ZA" smtClean="0"/>
               <a:pPr/>
-              <a:t>2016/06/13</a:t>
+              <a:t>2016/06/18</a:t>
             </a:fld>
             <a:endParaRPr lang="en-ZA"/>
           </a:p>
@@ -7594,7 +7699,7 @@
             <a:fld id="{414FF194-0FD9-45B7-958E-9E8663E82257}" type="datetimeFigureOut">
               <a:rPr lang="en-ZA" smtClean="0"/>
               <a:pPr/>
-              <a:t>2016/06/13</a:t>
+              <a:t>2016/06/18</a:t>
             </a:fld>
             <a:endParaRPr lang="en-ZA"/>
           </a:p>
@@ -7867,7 +7972,7 @@
             <a:fld id="{414FF194-0FD9-45B7-958E-9E8663E82257}" type="datetimeFigureOut">
               <a:rPr lang="en-ZA" smtClean="0"/>
               <a:pPr/>
-              <a:t>2016/06/13</a:t>
+              <a:t>2016/06/18</a:t>
             </a:fld>
             <a:endParaRPr lang="en-ZA"/>
           </a:p>
@@ -8100,7 +8205,7 @@
             <a:fld id="{414FF194-0FD9-45B7-958E-9E8663E82257}" type="datetimeFigureOut">
               <a:rPr lang="en-ZA" smtClean="0"/>
               <a:pPr/>
-              <a:t>2016/06/13</a:t>
+              <a:t>2016/06/18</a:t>
             </a:fld>
             <a:endParaRPr lang="en-ZA"/>
           </a:p>
@@ -8518,15 +8623,7 @@
             <a:pPr algn="r"/>
             <a:r>
               <a:rPr lang="en-ZA" dirty="0" smtClean="0"/>
-              <a:t>Date: </a:t>
-            </a:r>
-            <a:r>
-              <a:rPr lang="en-ZA" dirty="0" smtClean="0"/>
-              <a:t>22</a:t>
-            </a:r>
-            <a:r>
-              <a:rPr lang="en-ZA" dirty="0" smtClean="0"/>
-              <a:t> June 2016</a:t>
+              <a:t>Date: 22 June 2016</a:t>
             </a:r>
             <a:endParaRPr lang="en-ZA" dirty="0"/>
           </a:p>
@@ -8754,11 +8851,7 @@
             </a:r>
             <a:r>
               <a:rPr lang="en-ZA" sz="1600" dirty="0"/>
-              <a:t>	</a:t>
-            </a:r>
-            <a:r>
-              <a:rPr lang="en-ZA" sz="1600" dirty="0"/>
-              <a:t>0602877N</a:t>
+              <a:t>	0602877N</a:t>
             </a:r>
             <a:r>
               <a:rPr lang="en-ZA" sz="1600" dirty="0" smtClean="0"/>
@@ -16101,11 +16194,7 @@
           <a:p>
             <a:r>
               <a:rPr lang="en-ZA" dirty="0" smtClean="0"/>
-              <a:t>Architecture: High </a:t>
-            </a:r>
-            <a:r>
-              <a:rPr lang="en-ZA" dirty="0" smtClean="0"/>
-              <a:t>Level Component Model</a:t>
+              <a:t>Architecture: High Level Component Model</a:t>
             </a:r>
             <a:endParaRPr lang="en-ZA" dirty="0"/>
           </a:p>
@@ -16703,191 +16792,6 @@
           </a:p>
         </p:txBody>
       </p:sp>
-      <p:sp>
-        <p:nvSpPr>
-          <p:cNvPr id="8" name="Rectangle 7"/>
-          <p:cNvSpPr/>
-          <p:nvPr/>
-        </p:nvSpPr>
-        <p:spPr>
-          <a:xfrm>
-            <a:off x="6732240" y="1268760"/>
-            <a:ext cx="2304256" cy="4968551"/>
-          </a:xfrm>
-          <a:prstGeom prst="rect">
-            <a:avLst/>
-          </a:prstGeom>
-          <a:noFill/>
-        </p:spPr>
-        <p:style>
-          <a:lnRef idx="2">
-            <a:schemeClr val="accent1">
-              <a:shade val="50000"/>
-            </a:schemeClr>
-          </a:lnRef>
-          <a:fillRef idx="1">
-            <a:schemeClr val="accent1"/>
-          </a:fillRef>
-          <a:effectRef idx="0">
-            <a:schemeClr val="accent1"/>
-          </a:effectRef>
-          <a:fontRef idx="minor">
-            <a:schemeClr val="lt1"/>
-          </a:fontRef>
-        </p:style>
-        <p:txBody>
-          <a:bodyPr rtlCol="0" anchor="t" anchorCtr="0"/>
-          <a:lstStyle/>
-          <a:p>
-            <a:pPr marL="342900" indent="-342900">
-              <a:buFont typeface="+mj-lt"/>
-              <a:buAutoNum type="arabicPeriod"/>
-            </a:pPr>
-            <a:r>
-              <a:rPr lang="en-ZA" sz="1400" dirty="0">
-                <a:solidFill>
-                  <a:schemeClr val="tx1"/>
-                </a:solidFill>
-              </a:rPr>
-              <a:t>U</a:t>
-            </a:r>
-            <a:r>
-              <a:rPr lang="en-ZA" sz="1400" dirty="0" smtClean="0">
-                <a:solidFill>
-                  <a:schemeClr val="tx1"/>
-                </a:solidFill>
-              </a:rPr>
-              <a:t>ser shall connect to the data visualization front-end using a browser</a:t>
-            </a:r>
-          </a:p>
-          <a:p>
-            <a:pPr marL="342900" indent="-342900">
-              <a:buFont typeface="+mj-lt"/>
-              <a:buAutoNum type="arabicPeriod"/>
-            </a:pPr>
-            <a:r>
-              <a:rPr lang="en-ZA" sz="1400" dirty="0" smtClean="0">
-                <a:solidFill>
-                  <a:schemeClr val="tx1"/>
-                </a:solidFill>
-              </a:rPr>
-              <a:t>Back-End service shall be exposed using .NET and IIS to present data to the user and to query </a:t>
-            </a:r>
-            <a:r>
-              <a:rPr lang="en-ZA" sz="1400" dirty="0" err="1" smtClean="0">
-                <a:solidFill>
-                  <a:schemeClr val="tx1"/>
-                </a:solidFill>
-              </a:rPr>
-              <a:t>Hadoop</a:t>
-            </a:r>
-            <a:endParaRPr lang="en-ZA" sz="1400" dirty="0" smtClean="0">
-              <a:solidFill>
-                <a:schemeClr val="tx1"/>
-              </a:solidFill>
-            </a:endParaRPr>
-          </a:p>
-          <a:p>
-            <a:pPr marL="342900" indent="-342900">
-              <a:buFont typeface="+mj-lt"/>
-              <a:buAutoNum type="arabicPeriod"/>
-            </a:pPr>
-            <a:r>
-              <a:rPr lang="en-ZA" sz="1400" dirty="0" smtClean="0">
-                <a:solidFill>
-                  <a:schemeClr val="tx1"/>
-                </a:solidFill>
-              </a:rPr>
-              <a:t>Twitter data shall be persisted here and user(s) will query it/ subscribe to a topic</a:t>
-            </a:r>
-          </a:p>
-          <a:p>
-            <a:pPr marL="342900" indent="-342900">
-              <a:buFont typeface="+mj-lt"/>
-              <a:buAutoNum type="arabicPeriod"/>
-            </a:pPr>
-            <a:r>
-              <a:rPr lang="en-ZA" sz="1400" dirty="0" smtClean="0">
-                <a:solidFill>
-                  <a:schemeClr val="tx1"/>
-                </a:solidFill>
-              </a:rPr>
-              <a:t>This component will be used to get twitter data/ streams</a:t>
-            </a:r>
-          </a:p>
-          <a:p>
-            <a:pPr marL="342900" indent="-342900">
-              <a:buFont typeface="+mj-lt"/>
-              <a:buAutoNum type="arabicPeriod"/>
-            </a:pPr>
-            <a:r>
-              <a:rPr lang="en-ZA" sz="1400" dirty="0" smtClean="0">
-                <a:solidFill>
-                  <a:schemeClr val="tx1"/>
-                </a:solidFill>
-              </a:rPr>
-              <a:t>Twitter will be the main source of our big data for the project.</a:t>
-            </a:r>
-          </a:p>
-          <a:p>
-            <a:pPr marL="342900" indent="-342900">
-              <a:buFont typeface="+mj-lt"/>
-              <a:buAutoNum type="arabicPeriod"/>
-            </a:pPr>
-            <a:r>
-              <a:rPr lang="en-ZA" sz="1400" dirty="0" err="1" smtClean="0">
-                <a:solidFill>
-                  <a:schemeClr val="tx1"/>
-                </a:solidFill>
-              </a:rPr>
-              <a:t>MongoDB</a:t>
-            </a:r>
-            <a:r>
-              <a:rPr lang="en-ZA" sz="1400" dirty="0" smtClean="0">
-                <a:solidFill>
-                  <a:schemeClr val="tx1"/>
-                </a:solidFill>
-              </a:rPr>
-              <a:t> will be used as temporary storage for the data before it is moved to </a:t>
-            </a:r>
-            <a:r>
-              <a:rPr lang="en-ZA" sz="1400" dirty="0" err="1" smtClean="0">
-                <a:solidFill>
-                  <a:schemeClr val="tx1"/>
-                </a:solidFill>
-              </a:rPr>
-              <a:t>Hadoop</a:t>
-            </a:r>
-            <a:endParaRPr lang="en-ZA" sz="1400" dirty="0" smtClean="0">
-              <a:solidFill>
-                <a:schemeClr val="tx1"/>
-              </a:solidFill>
-            </a:endParaRPr>
-          </a:p>
-          <a:p>
-            <a:pPr marL="342900" indent="-342900">
-              <a:buFont typeface="+mj-lt"/>
-              <a:buAutoNum type="arabicPeriod"/>
-            </a:pPr>
-            <a:endParaRPr lang="en-ZA" sz="1400" dirty="0" smtClean="0">
-              <a:solidFill>
-                <a:schemeClr val="tx1"/>
-              </a:solidFill>
-            </a:endParaRPr>
-          </a:p>
-          <a:p>
-            <a:pPr marL="342900" indent="-342900">
-              <a:buFont typeface="+mj-lt"/>
-              <a:buAutoNum type="arabicPeriod"/>
-            </a:pPr>
-            <a:endParaRPr lang="en-ZA" sz="1400" dirty="0">
-              <a:solidFill>
-                <a:schemeClr val="tx1"/>
-              </a:solidFill>
-            </a:endParaRPr>
-          </a:p>
-        </p:txBody>
-      </p:sp>
       <p:pic>
         <p:nvPicPr>
           <p:cNvPr id="3" name="Picture 2"/>
@@ -16910,8 +16814,8 @@
         </p:blipFill>
         <p:spPr>
           <a:xfrm>
-            <a:off x="611560" y="1544538"/>
-            <a:ext cx="5715000" cy="4476750"/>
+            <a:off x="144016" y="1196752"/>
+            <a:ext cx="8748464" cy="5419188"/>
           </a:xfrm>
           <a:prstGeom prst="rect">
             <a:avLst/>

--- a/documentation/ELEN7046 Group 2 - Group Presention.pptx
+++ b/documentation/ELEN7046 Group 2 - Group Presention.pptx
@@ -11,16 +11,16 @@
     <p:sldId id="256" r:id="rId2"/>
     <p:sldId id="378" r:id="rId3"/>
     <p:sldId id="294" r:id="rId4"/>
-    <p:sldId id="380" r:id="rId5"/>
+    <p:sldId id="393" r:id="rId5"/>
     <p:sldId id="379" r:id="rId6"/>
     <p:sldId id="385" r:id="rId7"/>
     <p:sldId id="386" r:id="rId8"/>
     <p:sldId id="331" r:id="rId9"/>
     <p:sldId id="387" r:id="rId10"/>
-    <p:sldId id="382" r:id="rId11"/>
-    <p:sldId id="389" r:id="rId12"/>
-    <p:sldId id="381" r:id="rId13"/>
-    <p:sldId id="388" r:id="rId14"/>
+    <p:sldId id="381" r:id="rId11"/>
+    <p:sldId id="388" r:id="rId12"/>
+    <p:sldId id="382" r:id="rId13"/>
+    <p:sldId id="389" r:id="rId14"/>
     <p:sldId id="383" r:id="rId15"/>
     <p:sldId id="390" r:id="rId16"/>
     <p:sldId id="384" r:id="rId17"/>
@@ -129,7 +129,7 @@
   </p:defaultTextStyle>
   <p:extLst>
     <p:ext uri="{EFAFB233-063F-42B5-8137-9DF3F51BA10A}">
-      <p15:sldGuideLst xmlns="" xmlns:p15="http://schemas.microsoft.com/office/powerpoint/2012/main">
+      <p15:sldGuideLst xmlns:p15="http://schemas.microsoft.com/office/powerpoint/2012/main" xmlns="">
         <p15:guide id="1" orient="horz" pos="2160">
           <p15:clr>
             <a:srgbClr val="A4A3A4"/>
@@ -893,7 +893,1374 @@
 </dgm:colorsDef>
 </file>
 
+<file path=ppt/diagrams/colors2.xml><?xml version="1.0" encoding="utf-8"?>
+<dgm:colorsDef xmlns:dgm="http://schemas.openxmlformats.org/drawingml/2006/diagram" xmlns:a="http://schemas.openxmlformats.org/drawingml/2006/main" uniqueId="urn:microsoft.com/office/officeart/2005/8/colors/accent1_2">
+  <dgm:title val=""/>
+  <dgm:desc val=""/>
+  <dgm:catLst>
+    <dgm:cat type="accent1" pri="11200"/>
+  </dgm:catLst>
+  <dgm:styleLbl name="node0">
+    <dgm:fillClrLst meth="repeat">
+      <a:schemeClr val="accent1"/>
+    </dgm:fillClrLst>
+    <dgm:linClrLst meth="repeat">
+      <a:schemeClr val="lt1"/>
+    </dgm:linClrLst>
+    <dgm:effectClrLst/>
+    <dgm:txLinClrLst/>
+    <dgm:txFillClrLst/>
+    <dgm:txEffectClrLst/>
+  </dgm:styleLbl>
+  <dgm:styleLbl name="alignNode1">
+    <dgm:fillClrLst meth="repeat">
+      <a:schemeClr val="accent1"/>
+    </dgm:fillClrLst>
+    <dgm:linClrLst meth="repeat">
+      <a:schemeClr val="accent1"/>
+    </dgm:linClrLst>
+    <dgm:effectClrLst/>
+    <dgm:txLinClrLst/>
+    <dgm:txFillClrLst/>
+    <dgm:txEffectClrLst/>
+  </dgm:styleLbl>
+  <dgm:styleLbl name="node1">
+    <dgm:fillClrLst meth="repeat">
+      <a:schemeClr val="accent1"/>
+    </dgm:fillClrLst>
+    <dgm:linClrLst meth="repeat">
+      <a:schemeClr val="lt1"/>
+    </dgm:linClrLst>
+    <dgm:effectClrLst/>
+    <dgm:txLinClrLst/>
+    <dgm:txFillClrLst/>
+    <dgm:txEffectClrLst/>
+  </dgm:styleLbl>
+  <dgm:styleLbl name="lnNode1">
+    <dgm:fillClrLst meth="repeat">
+      <a:schemeClr val="accent1"/>
+    </dgm:fillClrLst>
+    <dgm:linClrLst meth="repeat">
+      <a:schemeClr val="lt1"/>
+    </dgm:linClrLst>
+    <dgm:effectClrLst/>
+    <dgm:txLinClrLst/>
+    <dgm:txFillClrLst/>
+    <dgm:txEffectClrLst/>
+  </dgm:styleLbl>
+  <dgm:styleLbl name="vennNode1">
+    <dgm:fillClrLst meth="repeat">
+      <a:schemeClr val="accent1">
+        <a:alpha val="50000"/>
+      </a:schemeClr>
+    </dgm:fillClrLst>
+    <dgm:linClrLst meth="repeat">
+      <a:schemeClr val="lt1"/>
+    </dgm:linClrLst>
+    <dgm:effectClrLst/>
+    <dgm:txLinClrLst/>
+    <dgm:txFillClrLst/>
+    <dgm:txEffectClrLst/>
+  </dgm:styleLbl>
+  <dgm:styleLbl name="node2">
+    <dgm:fillClrLst meth="repeat">
+      <a:schemeClr val="accent1"/>
+    </dgm:fillClrLst>
+    <dgm:linClrLst meth="repeat">
+      <a:schemeClr val="lt1"/>
+    </dgm:linClrLst>
+    <dgm:effectClrLst/>
+    <dgm:txLinClrLst/>
+    <dgm:txFillClrLst/>
+    <dgm:txEffectClrLst/>
+  </dgm:styleLbl>
+  <dgm:styleLbl name="node3">
+    <dgm:fillClrLst meth="repeat">
+      <a:schemeClr val="accent1"/>
+    </dgm:fillClrLst>
+    <dgm:linClrLst meth="repeat">
+      <a:schemeClr val="lt1"/>
+    </dgm:linClrLst>
+    <dgm:effectClrLst/>
+    <dgm:txLinClrLst/>
+    <dgm:txFillClrLst/>
+    <dgm:txEffectClrLst/>
+  </dgm:styleLbl>
+  <dgm:styleLbl name="node4">
+    <dgm:fillClrLst meth="repeat">
+      <a:schemeClr val="accent1"/>
+    </dgm:fillClrLst>
+    <dgm:linClrLst meth="repeat">
+      <a:schemeClr val="lt1"/>
+    </dgm:linClrLst>
+    <dgm:effectClrLst/>
+    <dgm:txLinClrLst/>
+    <dgm:txFillClrLst/>
+    <dgm:txEffectClrLst/>
+  </dgm:styleLbl>
+  <dgm:styleLbl name="fgImgPlace1">
+    <dgm:fillClrLst meth="repeat">
+      <a:schemeClr val="accent1">
+        <a:tint val="50000"/>
+      </a:schemeClr>
+    </dgm:fillClrLst>
+    <dgm:linClrLst meth="repeat">
+      <a:schemeClr val="lt1"/>
+    </dgm:linClrLst>
+    <dgm:effectClrLst/>
+    <dgm:txLinClrLst/>
+    <dgm:txFillClrLst meth="repeat">
+      <a:schemeClr val="lt1"/>
+    </dgm:txFillClrLst>
+    <dgm:txEffectClrLst/>
+  </dgm:styleLbl>
+  <dgm:styleLbl name="alignImgPlace1">
+    <dgm:fillClrLst meth="repeat">
+      <a:schemeClr val="accent1">
+        <a:tint val="50000"/>
+      </a:schemeClr>
+    </dgm:fillClrLst>
+    <dgm:linClrLst meth="repeat">
+      <a:schemeClr val="lt1"/>
+    </dgm:linClrLst>
+    <dgm:effectClrLst/>
+    <dgm:txLinClrLst/>
+    <dgm:txFillClrLst meth="repeat">
+      <a:schemeClr val="lt1"/>
+    </dgm:txFillClrLst>
+    <dgm:txEffectClrLst/>
+  </dgm:styleLbl>
+  <dgm:styleLbl name="bgImgPlace1">
+    <dgm:fillClrLst meth="repeat">
+      <a:schemeClr val="accent1">
+        <a:tint val="50000"/>
+      </a:schemeClr>
+    </dgm:fillClrLst>
+    <dgm:linClrLst meth="repeat">
+      <a:schemeClr val="lt1"/>
+    </dgm:linClrLst>
+    <dgm:effectClrLst/>
+    <dgm:txLinClrLst/>
+    <dgm:txFillClrLst meth="repeat">
+      <a:schemeClr val="lt1"/>
+    </dgm:txFillClrLst>
+    <dgm:txEffectClrLst/>
+  </dgm:styleLbl>
+  <dgm:styleLbl name="sibTrans2D1">
+    <dgm:fillClrLst meth="repeat">
+      <a:schemeClr val="accent1">
+        <a:tint val="60000"/>
+      </a:schemeClr>
+    </dgm:fillClrLst>
+    <dgm:linClrLst meth="repeat">
+      <a:schemeClr val="accent1">
+        <a:tint val="60000"/>
+      </a:schemeClr>
+    </dgm:linClrLst>
+    <dgm:effectClrLst/>
+    <dgm:txLinClrLst/>
+    <dgm:txFillClrLst/>
+    <dgm:txEffectClrLst/>
+  </dgm:styleLbl>
+  <dgm:styleLbl name="fgSibTrans2D1">
+    <dgm:fillClrLst meth="repeat">
+      <a:schemeClr val="accent1">
+        <a:tint val="60000"/>
+      </a:schemeClr>
+    </dgm:fillClrLst>
+    <dgm:linClrLst meth="repeat">
+      <a:schemeClr val="accent1">
+        <a:tint val="60000"/>
+      </a:schemeClr>
+    </dgm:linClrLst>
+    <dgm:effectClrLst/>
+    <dgm:txLinClrLst/>
+    <dgm:txFillClrLst/>
+    <dgm:txEffectClrLst/>
+  </dgm:styleLbl>
+  <dgm:styleLbl name="bgSibTrans2D1">
+    <dgm:fillClrLst meth="repeat">
+      <a:schemeClr val="accent1">
+        <a:tint val="60000"/>
+      </a:schemeClr>
+    </dgm:fillClrLst>
+    <dgm:linClrLst meth="repeat">
+      <a:schemeClr val="accent1">
+        <a:tint val="60000"/>
+      </a:schemeClr>
+    </dgm:linClrLst>
+    <dgm:effectClrLst/>
+    <dgm:txLinClrLst/>
+    <dgm:txFillClrLst/>
+    <dgm:txEffectClrLst/>
+  </dgm:styleLbl>
+  <dgm:styleLbl name="sibTrans1D1">
+    <dgm:fillClrLst meth="repeat">
+      <a:schemeClr val="accent1"/>
+    </dgm:fillClrLst>
+    <dgm:linClrLst meth="repeat">
+      <a:schemeClr val="accent1"/>
+    </dgm:linClrLst>
+    <dgm:effectClrLst/>
+    <dgm:txLinClrLst/>
+    <dgm:txFillClrLst meth="repeat">
+      <a:schemeClr val="tx1"/>
+    </dgm:txFillClrLst>
+    <dgm:txEffectClrLst/>
+  </dgm:styleLbl>
+  <dgm:styleLbl name="callout">
+    <dgm:fillClrLst meth="repeat">
+      <a:schemeClr val="accent1"/>
+    </dgm:fillClrLst>
+    <dgm:linClrLst meth="repeat">
+      <a:schemeClr val="accent1">
+        <a:tint val="50000"/>
+      </a:schemeClr>
+    </dgm:linClrLst>
+    <dgm:effectClrLst/>
+    <dgm:txLinClrLst/>
+    <dgm:txFillClrLst meth="repeat">
+      <a:schemeClr val="tx1"/>
+    </dgm:txFillClrLst>
+    <dgm:txEffectClrLst/>
+  </dgm:styleLbl>
+  <dgm:styleLbl name="asst0">
+    <dgm:fillClrLst meth="repeat">
+      <a:schemeClr val="accent1"/>
+    </dgm:fillClrLst>
+    <dgm:linClrLst meth="repeat">
+      <a:schemeClr val="lt1"/>
+    </dgm:linClrLst>
+    <dgm:effectClrLst/>
+    <dgm:txLinClrLst/>
+    <dgm:txFillClrLst/>
+    <dgm:txEffectClrLst/>
+  </dgm:styleLbl>
+  <dgm:styleLbl name="asst1">
+    <dgm:fillClrLst meth="repeat">
+      <a:schemeClr val="accent1"/>
+    </dgm:fillClrLst>
+    <dgm:linClrLst meth="repeat">
+      <a:schemeClr val="lt1"/>
+    </dgm:linClrLst>
+    <dgm:effectClrLst/>
+    <dgm:txLinClrLst/>
+    <dgm:txFillClrLst/>
+    <dgm:txEffectClrLst/>
+  </dgm:styleLbl>
+  <dgm:styleLbl name="asst2">
+    <dgm:fillClrLst meth="repeat">
+      <a:schemeClr val="accent1"/>
+    </dgm:fillClrLst>
+    <dgm:linClrLst meth="repeat">
+      <a:schemeClr val="lt1"/>
+    </dgm:linClrLst>
+    <dgm:effectClrLst/>
+    <dgm:txLinClrLst/>
+    <dgm:txFillClrLst/>
+    <dgm:txEffectClrLst/>
+  </dgm:styleLbl>
+  <dgm:styleLbl name="asst3">
+    <dgm:fillClrLst meth="repeat">
+      <a:schemeClr val="accent1"/>
+    </dgm:fillClrLst>
+    <dgm:linClrLst meth="repeat">
+      <a:schemeClr val="lt1"/>
+    </dgm:linClrLst>
+    <dgm:effectClrLst/>
+    <dgm:txLinClrLst/>
+    <dgm:txFillClrLst/>
+    <dgm:txEffectClrLst/>
+  </dgm:styleLbl>
+  <dgm:styleLbl name="asst4">
+    <dgm:fillClrLst meth="repeat">
+      <a:schemeClr val="accent1"/>
+    </dgm:fillClrLst>
+    <dgm:linClrLst meth="repeat">
+      <a:schemeClr val="lt1"/>
+    </dgm:linClrLst>
+    <dgm:effectClrLst/>
+    <dgm:txLinClrLst/>
+    <dgm:txFillClrLst/>
+    <dgm:txEffectClrLst/>
+  </dgm:styleLbl>
+  <dgm:styleLbl name="parChTrans2D1">
+    <dgm:fillClrLst meth="repeat">
+      <a:schemeClr val="accent1">
+        <a:tint val="60000"/>
+      </a:schemeClr>
+    </dgm:fillClrLst>
+    <dgm:linClrLst meth="repeat">
+      <a:schemeClr val="accent1">
+        <a:tint val="60000"/>
+      </a:schemeClr>
+    </dgm:linClrLst>
+    <dgm:effectClrLst/>
+    <dgm:txLinClrLst/>
+    <dgm:txFillClrLst meth="repeat">
+      <a:schemeClr val="lt1"/>
+    </dgm:txFillClrLst>
+    <dgm:txEffectClrLst/>
+  </dgm:styleLbl>
+  <dgm:styleLbl name="parChTrans2D2">
+    <dgm:fillClrLst meth="repeat">
+      <a:schemeClr val="accent1"/>
+    </dgm:fillClrLst>
+    <dgm:linClrLst meth="repeat">
+      <a:schemeClr val="accent1"/>
+    </dgm:linClrLst>
+    <dgm:effectClrLst/>
+    <dgm:txLinClrLst/>
+    <dgm:txFillClrLst meth="repeat">
+      <a:schemeClr val="lt1"/>
+    </dgm:txFillClrLst>
+    <dgm:txEffectClrLst/>
+  </dgm:styleLbl>
+  <dgm:styleLbl name="parChTrans2D3">
+    <dgm:fillClrLst meth="repeat">
+      <a:schemeClr val="accent1"/>
+    </dgm:fillClrLst>
+    <dgm:linClrLst meth="repeat">
+      <a:schemeClr val="accent1"/>
+    </dgm:linClrLst>
+    <dgm:effectClrLst/>
+    <dgm:txLinClrLst/>
+    <dgm:txFillClrLst meth="repeat">
+      <a:schemeClr val="lt1"/>
+    </dgm:txFillClrLst>
+    <dgm:txEffectClrLst/>
+  </dgm:styleLbl>
+  <dgm:styleLbl name="parChTrans2D4">
+    <dgm:fillClrLst meth="repeat">
+      <a:schemeClr val="accent1"/>
+    </dgm:fillClrLst>
+    <dgm:linClrLst meth="repeat">
+      <a:schemeClr val="accent1"/>
+    </dgm:linClrLst>
+    <dgm:effectClrLst/>
+    <dgm:txLinClrLst/>
+    <dgm:txFillClrLst meth="repeat">
+      <a:schemeClr val="lt1"/>
+    </dgm:txFillClrLst>
+    <dgm:txEffectClrLst/>
+  </dgm:styleLbl>
+  <dgm:styleLbl name="parChTrans1D1">
+    <dgm:fillClrLst meth="repeat">
+      <a:schemeClr val="accent1"/>
+    </dgm:fillClrLst>
+    <dgm:linClrLst meth="repeat">
+      <a:schemeClr val="accent1">
+        <a:shade val="60000"/>
+      </a:schemeClr>
+    </dgm:linClrLst>
+    <dgm:effectClrLst/>
+    <dgm:txLinClrLst/>
+    <dgm:txFillClrLst meth="repeat">
+      <a:schemeClr val="tx1"/>
+    </dgm:txFillClrLst>
+    <dgm:txEffectClrLst/>
+  </dgm:styleLbl>
+  <dgm:styleLbl name="parChTrans1D2">
+    <dgm:fillClrLst meth="repeat">
+      <a:schemeClr val="accent1"/>
+    </dgm:fillClrLst>
+    <dgm:linClrLst meth="repeat">
+      <a:schemeClr val="accent1">
+        <a:shade val="60000"/>
+      </a:schemeClr>
+    </dgm:linClrLst>
+    <dgm:effectClrLst/>
+    <dgm:txLinClrLst/>
+    <dgm:txFillClrLst meth="repeat">
+      <a:schemeClr val="tx1"/>
+    </dgm:txFillClrLst>
+    <dgm:txEffectClrLst/>
+  </dgm:styleLbl>
+  <dgm:styleLbl name="parChTrans1D3">
+    <dgm:fillClrLst meth="repeat">
+      <a:schemeClr val="accent1"/>
+    </dgm:fillClrLst>
+    <dgm:linClrLst meth="repeat">
+      <a:schemeClr val="accent1">
+        <a:shade val="80000"/>
+      </a:schemeClr>
+    </dgm:linClrLst>
+    <dgm:effectClrLst/>
+    <dgm:txLinClrLst/>
+    <dgm:txFillClrLst meth="repeat">
+      <a:schemeClr val="tx1"/>
+    </dgm:txFillClrLst>
+    <dgm:txEffectClrLst/>
+  </dgm:styleLbl>
+  <dgm:styleLbl name="parChTrans1D4">
+    <dgm:fillClrLst meth="repeat">
+      <a:schemeClr val="accent1"/>
+    </dgm:fillClrLst>
+    <dgm:linClrLst meth="repeat">
+      <a:schemeClr val="accent1">
+        <a:shade val="80000"/>
+      </a:schemeClr>
+    </dgm:linClrLst>
+    <dgm:effectClrLst/>
+    <dgm:txLinClrLst/>
+    <dgm:txFillClrLst meth="repeat">
+      <a:schemeClr val="tx1"/>
+    </dgm:txFillClrLst>
+    <dgm:txEffectClrLst/>
+  </dgm:styleLbl>
+  <dgm:styleLbl name="fgAcc1">
+    <dgm:fillClrLst meth="repeat">
+      <a:schemeClr val="lt1">
+        <a:alpha val="90000"/>
+      </a:schemeClr>
+    </dgm:fillClrLst>
+    <dgm:linClrLst meth="repeat">
+      <a:schemeClr val="accent1"/>
+    </dgm:linClrLst>
+    <dgm:effectClrLst/>
+    <dgm:txLinClrLst/>
+    <dgm:txFillClrLst meth="repeat">
+      <a:schemeClr val="dk1"/>
+    </dgm:txFillClrLst>
+    <dgm:txEffectClrLst/>
+  </dgm:styleLbl>
+  <dgm:styleLbl name="conFgAcc1">
+    <dgm:fillClrLst meth="repeat">
+      <a:schemeClr val="lt1">
+        <a:alpha val="90000"/>
+      </a:schemeClr>
+    </dgm:fillClrLst>
+    <dgm:linClrLst meth="repeat">
+      <a:schemeClr val="accent1"/>
+    </dgm:linClrLst>
+    <dgm:effectClrLst/>
+    <dgm:txLinClrLst/>
+    <dgm:txFillClrLst meth="repeat">
+      <a:schemeClr val="dk1"/>
+    </dgm:txFillClrLst>
+    <dgm:txEffectClrLst/>
+  </dgm:styleLbl>
+  <dgm:styleLbl name="alignAcc1">
+    <dgm:fillClrLst meth="repeat">
+      <a:schemeClr val="lt1">
+        <a:alpha val="90000"/>
+      </a:schemeClr>
+    </dgm:fillClrLst>
+    <dgm:linClrLst meth="repeat">
+      <a:schemeClr val="accent1"/>
+    </dgm:linClrLst>
+    <dgm:effectClrLst/>
+    <dgm:txLinClrLst/>
+    <dgm:txFillClrLst meth="repeat">
+      <a:schemeClr val="dk1"/>
+    </dgm:txFillClrLst>
+    <dgm:txEffectClrLst/>
+  </dgm:styleLbl>
+  <dgm:styleLbl name="trAlignAcc1">
+    <dgm:fillClrLst meth="repeat">
+      <a:schemeClr val="lt1">
+        <a:alpha val="40000"/>
+      </a:schemeClr>
+    </dgm:fillClrLst>
+    <dgm:linClrLst meth="repeat">
+      <a:schemeClr val="accent1"/>
+    </dgm:linClrLst>
+    <dgm:effectClrLst/>
+    <dgm:txLinClrLst/>
+    <dgm:txFillClrLst meth="repeat">
+      <a:schemeClr val="dk1"/>
+    </dgm:txFillClrLst>
+    <dgm:txEffectClrLst/>
+  </dgm:styleLbl>
+  <dgm:styleLbl name="bgAcc1">
+    <dgm:fillClrLst meth="repeat">
+      <a:schemeClr val="lt1">
+        <a:alpha val="90000"/>
+      </a:schemeClr>
+    </dgm:fillClrLst>
+    <dgm:linClrLst meth="repeat">
+      <a:schemeClr val="accent1"/>
+    </dgm:linClrLst>
+    <dgm:effectClrLst/>
+    <dgm:txLinClrLst/>
+    <dgm:txFillClrLst meth="repeat">
+      <a:schemeClr val="dk1"/>
+    </dgm:txFillClrLst>
+    <dgm:txEffectClrLst/>
+  </dgm:styleLbl>
+  <dgm:styleLbl name="solidFgAcc1">
+    <dgm:fillClrLst meth="repeat">
+      <a:schemeClr val="lt1"/>
+    </dgm:fillClrLst>
+    <dgm:linClrLst meth="repeat">
+      <a:schemeClr val="accent1"/>
+    </dgm:linClrLst>
+    <dgm:effectClrLst/>
+    <dgm:txLinClrLst/>
+    <dgm:txFillClrLst meth="repeat">
+      <a:schemeClr val="dk1"/>
+    </dgm:txFillClrLst>
+    <dgm:txEffectClrLst/>
+  </dgm:styleLbl>
+  <dgm:styleLbl name="solidAlignAcc1">
+    <dgm:fillClrLst meth="repeat">
+      <a:schemeClr val="lt1"/>
+    </dgm:fillClrLst>
+    <dgm:linClrLst meth="repeat">
+      <a:schemeClr val="accent1"/>
+    </dgm:linClrLst>
+    <dgm:effectClrLst/>
+    <dgm:txLinClrLst/>
+    <dgm:txFillClrLst meth="repeat">
+      <a:schemeClr val="dk1"/>
+    </dgm:txFillClrLst>
+    <dgm:txEffectClrLst/>
+  </dgm:styleLbl>
+  <dgm:styleLbl name="solidBgAcc1">
+    <dgm:fillClrLst meth="repeat">
+      <a:schemeClr val="lt1"/>
+    </dgm:fillClrLst>
+    <dgm:linClrLst meth="repeat">
+      <a:schemeClr val="accent1"/>
+    </dgm:linClrLst>
+    <dgm:effectClrLst/>
+    <dgm:txLinClrLst/>
+    <dgm:txFillClrLst meth="repeat">
+      <a:schemeClr val="dk1"/>
+    </dgm:txFillClrLst>
+    <dgm:txEffectClrLst/>
+  </dgm:styleLbl>
+  <dgm:styleLbl name="fgAccFollowNode1">
+    <dgm:fillClrLst meth="repeat">
+      <a:schemeClr val="accent1">
+        <a:alpha val="90000"/>
+        <a:tint val="40000"/>
+      </a:schemeClr>
+    </dgm:fillClrLst>
+    <dgm:linClrLst meth="repeat">
+      <a:schemeClr val="accent1">
+        <a:alpha val="90000"/>
+        <a:tint val="40000"/>
+      </a:schemeClr>
+    </dgm:linClrLst>
+    <dgm:effectClrLst/>
+    <dgm:txLinClrLst/>
+    <dgm:txFillClrLst meth="repeat">
+      <a:schemeClr val="dk1"/>
+    </dgm:txFillClrLst>
+    <dgm:txEffectClrLst/>
+  </dgm:styleLbl>
+  <dgm:styleLbl name="alignAccFollowNode1">
+    <dgm:fillClrLst meth="repeat">
+      <a:schemeClr val="accent1">
+        <a:alpha val="90000"/>
+        <a:tint val="40000"/>
+      </a:schemeClr>
+    </dgm:fillClrLst>
+    <dgm:linClrLst meth="repeat">
+      <a:schemeClr val="accent1">
+        <a:alpha val="90000"/>
+        <a:tint val="40000"/>
+      </a:schemeClr>
+    </dgm:linClrLst>
+    <dgm:effectClrLst/>
+    <dgm:txLinClrLst/>
+    <dgm:txFillClrLst meth="repeat">
+      <a:schemeClr val="dk1"/>
+    </dgm:txFillClrLst>
+    <dgm:txEffectClrLst/>
+  </dgm:styleLbl>
+  <dgm:styleLbl name="bgAccFollowNode1">
+    <dgm:fillClrLst meth="repeat">
+      <a:schemeClr val="accent1">
+        <a:alpha val="90000"/>
+        <a:tint val="40000"/>
+      </a:schemeClr>
+    </dgm:fillClrLst>
+    <dgm:linClrLst meth="repeat">
+      <a:schemeClr val="accent1">
+        <a:alpha val="90000"/>
+        <a:tint val="40000"/>
+      </a:schemeClr>
+    </dgm:linClrLst>
+    <dgm:effectClrLst/>
+    <dgm:txLinClrLst/>
+    <dgm:txFillClrLst meth="repeat">
+      <a:schemeClr val="dk1"/>
+    </dgm:txFillClrLst>
+    <dgm:txEffectClrLst/>
+  </dgm:styleLbl>
+  <dgm:styleLbl name="fgAcc0">
+    <dgm:fillClrLst meth="repeat">
+      <a:schemeClr val="lt1">
+        <a:alpha val="90000"/>
+      </a:schemeClr>
+    </dgm:fillClrLst>
+    <dgm:linClrLst meth="repeat">
+      <a:schemeClr val="accent1"/>
+    </dgm:linClrLst>
+    <dgm:effectClrLst/>
+    <dgm:txLinClrLst/>
+    <dgm:txFillClrLst meth="repeat">
+      <a:schemeClr val="dk1"/>
+    </dgm:txFillClrLst>
+    <dgm:txEffectClrLst/>
+  </dgm:styleLbl>
+  <dgm:styleLbl name="fgAcc2">
+    <dgm:fillClrLst meth="repeat">
+      <a:schemeClr val="lt1">
+        <a:alpha val="90000"/>
+      </a:schemeClr>
+    </dgm:fillClrLst>
+    <dgm:linClrLst meth="repeat">
+      <a:schemeClr val="accent1"/>
+    </dgm:linClrLst>
+    <dgm:effectClrLst/>
+    <dgm:txLinClrLst/>
+    <dgm:txFillClrLst meth="repeat">
+      <a:schemeClr val="dk1"/>
+    </dgm:txFillClrLst>
+    <dgm:txEffectClrLst/>
+  </dgm:styleLbl>
+  <dgm:styleLbl name="fgAcc3">
+    <dgm:fillClrLst meth="repeat">
+      <a:schemeClr val="lt1">
+        <a:alpha val="90000"/>
+      </a:schemeClr>
+    </dgm:fillClrLst>
+    <dgm:linClrLst meth="repeat">
+      <a:schemeClr val="accent1"/>
+    </dgm:linClrLst>
+    <dgm:effectClrLst/>
+    <dgm:txLinClrLst/>
+    <dgm:txFillClrLst meth="repeat">
+      <a:schemeClr val="dk1"/>
+    </dgm:txFillClrLst>
+    <dgm:txEffectClrLst/>
+  </dgm:styleLbl>
+  <dgm:styleLbl name="fgAcc4">
+    <dgm:fillClrLst meth="repeat">
+      <a:schemeClr val="lt1">
+        <a:alpha val="90000"/>
+      </a:schemeClr>
+    </dgm:fillClrLst>
+    <dgm:linClrLst meth="repeat">
+      <a:schemeClr val="accent1"/>
+    </dgm:linClrLst>
+    <dgm:effectClrLst/>
+    <dgm:txLinClrLst/>
+    <dgm:txFillClrLst meth="repeat">
+      <a:schemeClr val="dk1"/>
+    </dgm:txFillClrLst>
+    <dgm:txEffectClrLst/>
+  </dgm:styleLbl>
+  <dgm:styleLbl name="bgShp">
+    <dgm:fillClrLst meth="repeat">
+      <a:schemeClr val="accent1">
+        <a:tint val="40000"/>
+      </a:schemeClr>
+    </dgm:fillClrLst>
+    <dgm:linClrLst meth="repeat">
+      <a:schemeClr val="accent1"/>
+    </dgm:linClrLst>
+    <dgm:effectClrLst/>
+    <dgm:txLinClrLst/>
+    <dgm:txFillClrLst meth="repeat">
+      <a:schemeClr val="dk1"/>
+    </dgm:txFillClrLst>
+    <dgm:txEffectClrLst/>
+  </dgm:styleLbl>
+  <dgm:styleLbl name="dkBgShp">
+    <dgm:fillClrLst meth="repeat">
+      <a:schemeClr val="accent1">
+        <a:shade val="80000"/>
+      </a:schemeClr>
+    </dgm:fillClrLst>
+    <dgm:linClrLst meth="repeat">
+      <a:schemeClr val="accent1"/>
+    </dgm:linClrLst>
+    <dgm:effectClrLst/>
+    <dgm:txLinClrLst/>
+    <dgm:txFillClrLst meth="repeat">
+      <a:schemeClr val="lt1"/>
+    </dgm:txFillClrLst>
+    <dgm:txEffectClrLst/>
+  </dgm:styleLbl>
+  <dgm:styleLbl name="trBgShp">
+    <dgm:fillClrLst meth="repeat">
+      <a:schemeClr val="accent1">
+        <a:tint val="50000"/>
+        <a:alpha val="40000"/>
+      </a:schemeClr>
+    </dgm:fillClrLst>
+    <dgm:linClrLst meth="repeat">
+      <a:schemeClr val="accent1"/>
+    </dgm:linClrLst>
+    <dgm:effectClrLst/>
+    <dgm:txLinClrLst/>
+    <dgm:txFillClrLst meth="repeat">
+      <a:schemeClr val="lt1"/>
+    </dgm:txFillClrLst>
+    <dgm:txEffectClrLst/>
+  </dgm:styleLbl>
+  <dgm:styleLbl name="fgShp">
+    <dgm:fillClrLst meth="repeat">
+      <a:schemeClr val="accent1">
+        <a:tint val="60000"/>
+      </a:schemeClr>
+    </dgm:fillClrLst>
+    <dgm:linClrLst meth="repeat">
+      <a:schemeClr val="lt1"/>
+    </dgm:linClrLst>
+    <dgm:effectClrLst/>
+    <dgm:txLinClrLst/>
+    <dgm:txFillClrLst meth="repeat">
+      <a:schemeClr val="dk1"/>
+    </dgm:txFillClrLst>
+    <dgm:txEffectClrLst/>
+  </dgm:styleLbl>
+  <dgm:styleLbl name="revTx">
+    <dgm:fillClrLst meth="repeat">
+      <a:schemeClr val="lt1">
+        <a:alpha val="0"/>
+      </a:schemeClr>
+    </dgm:fillClrLst>
+    <dgm:linClrLst meth="repeat">
+      <a:schemeClr val="dk1">
+        <a:alpha val="0"/>
+      </a:schemeClr>
+    </dgm:linClrLst>
+    <dgm:effectClrLst/>
+    <dgm:txLinClrLst/>
+    <dgm:txFillClrLst meth="repeat">
+      <a:schemeClr val="tx1"/>
+    </dgm:txFillClrLst>
+    <dgm:txEffectClrLst/>
+  </dgm:styleLbl>
+</dgm:colorsDef>
+</file>
+
 <file path=ppt/diagrams/data1.xml><?xml version="1.0" encoding="utf-8"?>
+<dgm:dataModel xmlns:dgm="http://schemas.openxmlformats.org/drawingml/2006/diagram" xmlns:a="http://schemas.openxmlformats.org/drawingml/2006/main">
+  <dgm:ptLst>
+    <dgm:pt modelId="{E1FEC15B-A86A-4550-8786-B0AF8EA913A2}" type="doc">
+      <dgm:prSet loTypeId="urn:microsoft.com/office/officeart/2005/8/layout/bList2" loCatId="list" qsTypeId="urn:microsoft.com/office/officeart/2005/8/quickstyle/simple1" qsCatId="simple" csTypeId="urn:microsoft.com/office/officeart/2005/8/colors/accent1_2" csCatId="accent1" phldr="1"/>
+      <dgm:spPr/>
+    </dgm:pt>
+    <dgm:pt modelId="{5F50C06F-FD0A-4292-A6ED-F3E374D722B1}">
+      <dgm:prSet phldrT="[Text]"/>
+      <dgm:spPr/>
+      <dgm:t>
+        <a:bodyPr/>
+        <a:lstStyle/>
+        <a:p>
+          <a:r>
+            <a:rPr lang="en-ZA" dirty="0" smtClean="0"/>
+            <a:t>Big Data Acquisition</a:t>
+          </a:r>
+          <a:endParaRPr lang="en-ZA" dirty="0"/>
+        </a:p>
+      </dgm:t>
+    </dgm:pt>
+    <dgm:pt modelId="{854832B9-7A9D-4DE8-AC41-19C5F0A2819B}" type="parTrans" cxnId="{03F7A881-FC41-4049-ABCE-6B81B5A5A279}">
+      <dgm:prSet/>
+      <dgm:spPr/>
+      <dgm:t>
+        <a:bodyPr/>
+        <a:lstStyle/>
+        <a:p>
+          <a:endParaRPr lang="en-ZA"/>
+        </a:p>
+      </dgm:t>
+    </dgm:pt>
+    <dgm:pt modelId="{321F69BA-979C-42C1-AD96-1B9E8C1BB66D}" type="sibTrans" cxnId="{03F7A881-FC41-4049-ABCE-6B81B5A5A279}">
+      <dgm:prSet/>
+      <dgm:spPr/>
+      <dgm:t>
+        <a:bodyPr/>
+        <a:lstStyle/>
+        <a:p>
+          <a:endParaRPr lang="en-ZA"/>
+        </a:p>
+      </dgm:t>
+    </dgm:pt>
+    <dgm:pt modelId="{B2F80D37-CF7D-42F3-88B3-04E9EE43C899}">
+      <dgm:prSet phldrT="[Text]"/>
+      <dgm:spPr/>
+      <dgm:t>
+        <a:bodyPr/>
+        <a:lstStyle/>
+        <a:p>
+          <a:r>
+            <a:rPr lang="en-ZA" dirty="0" smtClean="0"/>
+            <a:t>Processing</a:t>
+          </a:r>
+        </a:p>
+        <a:p>
+          <a:r>
+            <a:rPr lang="en-ZA" dirty="0" smtClean="0"/>
+            <a:t>Technologies</a:t>
+          </a:r>
+          <a:endParaRPr lang="en-ZA" dirty="0"/>
+        </a:p>
+      </dgm:t>
+    </dgm:pt>
+    <dgm:pt modelId="{E4869466-3A18-48B8-8D27-E91F77C59F2A}" type="parTrans" cxnId="{5C3288D8-238D-469E-BC8C-A295A31C5D96}">
+      <dgm:prSet/>
+      <dgm:spPr/>
+      <dgm:t>
+        <a:bodyPr/>
+        <a:lstStyle/>
+        <a:p>
+          <a:endParaRPr lang="en-ZA"/>
+        </a:p>
+      </dgm:t>
+    </dgm:pt>
+    <dgm:pt modelId="{47607884-8DA1-425F-BDE9-FF898617C071}" type="sibTrans" cxnId="{5C3288D8-238D-469E-BC8C-A295A31C5D96}">
+      <dgm:prSet/>
+      <dgm:spPr/>
+      <dgm:t>
+        <a:bodyPr/>
+        <a:lstStyle/>
+        <a:p>
+          <a:endParaRPr lang="en-ZA"/>
+        </a:p>
+      </dgm:t>
+    </dgm:pt>
+    <dgm:pt modelId="{2473F3B1-4CA4-4ECA-9D81-9FAB7CE7B9C1}">
+      <dgm:prSet phldrT="[Text]"/>
+      <dgm:spPr/>
+      <dgm:t>
+        <a:bodyPr/>
+        <a:lstStyle/>
+        <a:p>
+          <a:r>
+            <a:rPr lang="en-ZA" dirty="0" smtClean="0"/>
+            <a:t>Visualization</a:t>
+          </a:r>
+          <a:endParaRPr lang="en-ZA" dirty="0"/>
+        </a:p>
+      </dgm:t>
+    </dgm:pt>
+    <dgm:pt modelId="{DF5806CB-4261-4775-919D-D85CFA3D534A}" type="parTrans" cxnId="{20E33BAA-E00D-4522-8C31-5D16E0161F1A}">
+      <dgm:prSet/>
+      <dgm:spPr/>
+      <dgm:t>
+        <a:bodyPr/>
+        <a:lstStyle/>
+        <a:p>
+          <a:endParaRPr lang="en-ZA"/>
+        </a:p>
+      </dgm:t>
+    </dgm:pt>
+    <dgm:pt modelId="{6458B962-FDF8-4B37-B453-8702ECEE77AA}" type="sibTrans" cxnId="{20E33BAA-E00D-4522-8C31-5D16E0161F1A}">
+      <dgm:prSet/>
+      <dgm:spPr/>
+      <dgm:t>
+        <a:bodyPr/>
+        <a:lstStyle/>
+        <a:p>
+          <a:endParaRPr lang="en-ZA"/>
+        </a:p>
+      </dgm:t>
+    </dgm:pt>
+    <dgm:pt modelId="{1C662D2E-62C8-4308-97AB-8A2494DF5B7F}">
+      <dgm:prSet/>
+      <dgm:spPr/>
+      <dgm:t>
+        <a:bodyPr/>
+        <a:lstStyle/>
+        <a:p>
+          <a:r>
+            <a:rPr lang="en-ZA" dirty="0" smtClean="0"/>
+            <a:t>Acquisition of Elections related data from Twitter (US and RSA).</a:t>
+          </a:r>
+          <a:endParaRPr lang="en-ZA" dirty="0"/>
+        </a:p>
+      </dgm:t>
+    </dgm:pt>
+    <dgm:pt modelId="{4895B9AC-E7E7-40AC-A14F-29325B3F66C4}" type="parTrans" cxnId="{F50BEB17-A6AE-4596-B7EB-3EAECC4BED52}">
+      <dgm:prSet/>
+      <dgm:spPr/>
+      <dgm:t>
+        <a:bodyPr/>
+        <a:lstStyle/>
+        <a:p>
+          <a:endParaRPr lang="en-ZA"/>
+        </a:p>
+      </dgm:t>
+    </dgm:pt>
+    <dgm:pt modelId="{43F5F9BE-2D07-48AD-BAC2-7E8CF3B9AC36}" type="sibTrans" cxnId="{F50BEB17-A6AE-4596-B7EB-3EAECC4BED52}">
+      <dgm:prSet/>
+      <dgm:spPr/>
+      <dgm:t>
+        <a:bodyPr/>
+        <a:lstStyle/>
+        <a:p>
+          <a:endParaRPr lang="en-ZA"/>
+        </a:p>
+      </dgm:t>
+    </dgm:pt>
+    <dgm:pt modelId="{EC0BB363-FC50-4430-8EBC-7763D0F4A311}">
+      <dgm:prSet/>
+      <dgm:spPr/>
+      <dgm:t>
+        <a:bodyPr/>
+        <a:lstStyle/>
+        <a:p>
+          <a:r>
+            <a:rPr lang="en-ZA" dirty="0" smtClean="0"/>
+            <a:t>Validation of tweet Location.</a:t>
+          </a:r>
+          <a:endParaRPr lang="en-ZA" dirty="0"/>
+        </a:p>
+      </dgm:t>
+    </dgm:pt>
+    <dgm:pt modelId="{71FA2C89-1421-4698-9324-097FDCDD44B3}" type="parTrans" cxnId="{FBBF80BA-D909-49B3-B07A-492254A501BF}">
+      <dgm:prSet/>
+      <dgm:spPr/>
+      <dgm:t>
+        <a:bodyPr/>
+        <a:lstStyle/>
+        <a:p>
+          <a:endParaRPr lang="en-ZA"/>
+        </a:p>
+      </dgm:t>
+    </dgm:pt>
+    <dgm:pt modelId="{5238568F-015B-4D56-AFBD-942DE557D298}" type="sibTrans" cxnId="{FBBF80BA-D909-49B3-B07A-492254A501BF}">
+      <dgm:prSet/>
+      <dgm:spPr/>
+      <dgm:t>
+        <a:bodyPr/>
+        <a:lstStyle/>
+        <a:p>
+          <a:endParaRPr lang="en-ZA"/>
+        </a:p>
+      </dgm:t>
+    </dgm:pt>
+    <dgm:pt modelId="{8BC1F5AC-BF91-49EB-AD5F-1CAED566EF49}">
+      <dgm:prSet/>
+      <dgm:spPr/>
+      <dgm:t>
+        <a:bodyPr/>
+        <a:lstStyle/>
+        <a:p>
+          <a:r>
+            <a:rPr lang="en-ZA" dirty="0" smtClean="0"/>
+            <a:t>Raspberry Pi 3 Cluster.</a:t>
+          </a:r>
+          <a:endParaRPr lang="en-ZA" dirty="0"/>
+        </a:p>
+      </dgm:t>
+    </dgm:pt>
+    <dgm:pt modelId="{EADEBE29-B83A-4406-A1AA-0E7D17895763}" type="parTrans" cxnId="{452B75B4-CB25-455C-8428-400E40CCD4A5}">
+      <dgm:prSet/>
+      <dgm:spPr/>
+      <dgm:t>
+        <a:bodyPr/>
+        <a:lstStyle/>
+        <a:p>
+          <a:endParaRPr lang="en-ZA"/>
+        </a:p>
+      </dgm:t>
+    </dgm:pt>
+    <dgm:pt modelId="{44753D71-1D04-4FFA-B419-5612A383DC42}" type="sibTrans" cxnId="{452B75B4-CB25-455C-8428-400E40CCD4A5}">
+      <dgm:prSet/>
+      <dgm:spPr/>
+      <dgm:t>
+        <a:bodyPr/>
+        <a:lstStyle/>
+        <a:p>
+          <a:endParaRPr lang="en-ZA"/>
+        </a:p>
+      </dgm:t>
+    </dgm:pt>
+    <dgm:pt modelId="{3E50C466-CF40-480A-80D0-C2F480A3B578}">
+      <dgm:prSet/>
+      <dgm:spPr/>
+      <dgm:t>
+        <a:bodyPr/>
+        <a:lstStyle/>
+        <a:p>
+          <a:r>
+            <a:rPr lang="en-ZA" dirty="0" smtClean="0"/>
+            <a:t>Map-Reduce applied to process large set of data.</a:t>
+          </a:r>
+          <a:endParaRPr lang="en-ZA" dirty="0"/>
+        </a:p>
+      </dgm:t>
+    </dgm:pt>
+    <dgm:pt modelId="{45489811-B074-47D7-AB9D-2C8613114CAE}" type="parTrans" cxnId="{7BDE9EC6-24E6-4BA6-AF21-5CE0FD329256}">
+      <dgm:prSet/>
+      <dgm:spPr/>
+      <dgm:t>
+        <a:bodyPr/>
+        <a:lstStyle/>
+        <a:p>
+          <a:endParaRPr lang="en-ZA"/>
+        </a:p>
+      </dgm:t>
+    </dgm:pt>
+    <dgm:pt modelId="{D56665B0-82FF-4985-97B5-76A53DE15D4E}" type="sibTrans" cxnId="{7BDE9EC6-24E6-4BA6-AF21-5CE0FD329256}">
+      <dgm:prSet/>
+      <dgm:spPr/>
+      <dgm:t>
+        <a:bodyPr/>
+        <a:lstStyle/>
+        <a:p>
+          <a:endParaRPr lang="en-ZA"/>
+        </a:p>
+      </dgm:t>
+    </dgm:pt>
+    <dgm:pt modelId="{CD44F64B-E688-4E47-B9B2-CFBE3890867D}">
+      <dgm:prSet/>
+      <dgm:spPr/>
+      <dgm:t>
+        <a:bodyPr/>
+        <a:lstStyle/>
+        <a:p>
+          <a:endParaRPr lang="en-ZA" dirty="0"/>
+        </a:p>
+      </dgm:t>
+    </dgm:pt>
+    <dgm:pt modelId="{B941101A-72D0-411B-B539-BA7722845D41}" type="parTrans" cxnId="{CD58395F-E496-4EC2-8268-3548A64A6B8A}">
+      <dgm:prSet/>
+      <dgm:spPr/>
+      <dgm:t>
+        <a:bodyPr/>
+        <a:lstStyle/>
+        <a:p>
+          <a:endParaRPr lang="en-ZA"/>
+        </a:p>
+      </dgm:t>
+    </dgm:pt>
+    <dgm:pt modelId="{7753C19A-DA79-4F42-93F7-98315495E87B}" type="sibTrans" cxnId="{CD58395F-E496-4EC2-8268-3548A64A6B8A}">
+      <dgm:prSet/>
+      <dgm:spPr/>
+      <dgm:t>
+        <a:bodyPr/>
+        <a:lstStyle/>
+        <a:p>
+          <a:endParaRPr lang="en-ZA"/>
+        </a:p>
+      </dgm:t>
+    </dgm:pt>
+    <dgm:pt modelId="{4523CC93-775C-47D3-A4F3-737B9462444C}">
+      <dgm:prSet/>
+      <dgm:spPr/>
+      <dgm:t>
+        <a:bodyPr/>
+        <a:lstStyle/>
+        <a:p>
+          <a:r>
+            <a:rPr lang="en-ZA" dirty="0" smtClean="0"/>
+            <a:t>D3 Charts used for visualization of big data.</a:t>
+          </a:r>
+          <a:endParaRPr lang="en-ZA" dirty="0"/>
+        </a:p>
+      </dgm:t>
+    </dgm:pt>
+    <dgm:pt modelId="{DCE52719-EF2E-441A-9295-F4A0C13F95B6}" type="parTrans" cxnId="{5DF261EC-A4E5-43A6-A262-8EADD990C041}">
+      <dgm:prSet/>
+      <dgm:spPr/>
+      <dgm:t>
+        <a:bodyPr/>
+        <a:lstStyle/>
+        <a:p>
+          <a:endParaRPr lang="en-ZA"/>
+        </a:p>
+      </dgm:t>
+    </dgm:pt>
+    <dgm:pt modelId="{150BFDDA-150B-4CAE-967F-AD945FCC277E}" type="sibTrans" cxnId="{5DF261EC-A4E5-43A6-A262-8EADD990C041}">
+      <dgm:prSet/>
+      <dgm:spPr/>
+      <dgm:t>
+        <a:bodyPr/>
+        <a:lstStyle/>
+        <a:p>
+          <a:endParaRPr lang="en-ZA"/>
+        </a:p>
+      </dgm:t>
+    </dgm:pt>
+    <dgm:pt modelId="{76DC718D-08DA-470E-8286-34C0D8CC6B81}">
+      <dgm:prSet/>
+      <dgm:spPr/>
+      <dgm:t>
+        <a:bodyPr/>
+        <a:lstStyle/>
+        <a:p>
+          <a:endParaRPr lang="en-ZA" dirty="0"/>
+        </a:p>
+      </dgm:t>
+    </dgm:pt>
+    <dgm:pt modelId="{B1939173-52FC-4BAE-B6D1-8C52BD80DDDE}" type="parTrans" cxnId="{9A20E65C-550F-4FA4-874F-D20BB7976981}">
+      <dgm:prSet/>
+      <dgm:spPr/>
+      <dgm:t>
+        <a:bodyPr/>
+        <a:lstStyle/>
+        <a:p>
+          <a:endParaRPr lang="en-ZA"/>
+        </a:p>
+      </dgm:t>
+    </dgm:pt>
+    <dgm:pt modelId="{ED988F2C-0C25-434A-B9E6-5641AA4184E7}" type="sibTrans" cxnId="{9A20E65C-550F-4FA4-874F-D20BB7976981}">
+      <dgm:prSet/>
+      <dgm:spPr/>
+      <dgm:t>
+        <a:bodyPr/>
+        <a:lstStyle/>
+        <a:p>
+          <a:endParaRPr lang="en-ZA"/>
+        </a:p>
+      </dgm:t>
+    </dgm:pt>
+    <dgm:pt modelId="{B53510D2-BE6F-41A8-9976-DBAFDAC32E8D}" type="pres">
+      <dgm:prSet presAssocID="{E1FEC15B-A86A-4550-8786-B0AF8EA913A2}" presName="diagram" presStyleCnt="0">
+        <dgm:presLayoutVars>
+          <dgm:dir/>
+          <dgm:animLvl val="lvl"/>
+          <dgm:resizeHandles val="exact"/>
+        </dgm:presLayoutVars>
+      </dgm:prSet>
+      <dgm:spPr/>
+    </dgm:pt>
+    <dgm:pt modelId="{D02C9855-6810-44C4-9EC5-3A1CA9519665}" type="pres">
+      <dgm:prSet presAssocID="{5F50C06F-FD0A-4292-A6ED-F3E374D722B1}" presName="compNode" presStyleCnt="0"/>
+      <dgm:spPr/>
+    </dgm:pt>
+    <dgm:pt modelId="{0DF105FA-740D-4E87-8A9F-052BEA62FF1C}" type="pres">
+      <dgm:prSet presAssocID="{5F50C06F-FD0A-4292-A6ED-F3E374D722B1}" presName="childRect" presStyleLbl="bgAcc1" presStyleIdx="0" presStyleCnt="3">
+        <dgm:presLayoutVars>
+          <dgm:bulletEnabled val="1"/>
+        </dgm:presLayoutVars>
+      </dgm:prSet>
+      <dgm:spPr/>
+      <dgm:t>
+        <a:bodyPr/>
+        <a:lstStyle/>
+        <a:p>
+          <a:endParaRPr lang="en-ZA"/>
+        </a:p>
+      </dgm:t>
+    </dgm:pt>
+    <dgm:pt modelId="{AF00CD70-45DB-4352-ACF8-F7D5EC3A5139}" type="pres">
+      <dgm:prSet presAssocID="{5F50C06F-FD0A-4292-A6ED-F3E374D722B1}" presName="parentText" presStyleLbl="node1" presStyleIdx="0" presStyleCnt="0">
+        <dgm:presLayoutVars>
+          <dgm:chMax val="0"/>
+          <dgm:bulletEnabled val="1"/>
+        </dgm:presLayoutVars>
+      </dgm:prSet>
+      <dgm:spPr/>
+    </dgm:pt>
+    <dgm:pt modelId="{B43C6FFA-A63C-4CC2-869C-9368E3E7D9AE}" type="pres">
+      <dgm:prSet presAssocID="{5F50C06F-FD0A-4292-A6ED-F3E374D722B1}" presName="parentRect" presStyleLbl="alignNode1" presStyleIdx="0" presStyleCnt="3"/>
+      <dgm:spPr/>
+    </dgm:pt>
+    <dgm:pt modelId="{D186D58D-75C9-4C9D-B972-B07FC5C513EC}" type="pres">
+      <dgm:prSet presAssocID="{5F50C06F-FD0A-4292-A6ED-F3E374D722B1}" presName="adorn" presStyleLbl="fgAccFollowNode1" presStyleIdx="0" presStyleCnt="3"/>
+      <dgm:spPr>
+        <a:blipFill>
+          <a:blip xmlns:r="http://schemas.openxmlformats.org/officeDocument/2006/relationships" r:embed="rId1" cstate="print">
+            <a:extLst>
+              <a:ext uri="{28A0092B-C50C-407E-A947-70E740481C1C}">
+                <a14:useLocalDpi xmlns:a14="http://schemas.microsoft.com/office/drawing/2010/main" val="0"/>
+              </a:ext>
+            </a:extLst>
+          </a:blip>
+          <a:srcRect/>
+          <a:stretch>
+            <a:fillRect/>
+          </a:stretch>
+        </a:blipFill>
+      </dgm:spPr>
+    </dgm:pt>
+    <dgm:pt modelId="{1720DE7C-65D2-4112-A897-F7EA06B9748A}" type="pres">
+      <dgm:prSet presAssocID="{321F69BA-979C-42C1-AD96-1B9E8C1BB66D}" presName="sibTrans" presStyleLbl="sibTrans2D1" presStyleIdx="0" presStyleCnt="0"/>
+      <dgm:spPr/>
+    </dgm:pt>
+    <dgm:pt modelId="{C8ADA8B5-8A8F-41A6-8D09-2AAA74C226EA}" type="pres">
+      <dgm:prSet presAssocID="{B2F80D37-CF7D-42F3-88B3-04E9EE43C899}" presName="compNode" presStyleCnt="0"/>
+      <dgm:spPr/>
+    </dgm:pt>
+    <dgm:pt modelId="{3A2C7445-0125-4AB9-8BE8-CEA2ABBC6FA2}" type="pres">
+      <dgm:prSet presAssocID="{B2F80D37-CF7D-42F3-88B3-04E9EE43C899}" presName="childRect" presStyleLbl="bgAcc1" presStyleIdx="1" presStyleCnt="3">
+        <dgm:presLayoutVars>
+          <dgm:bulletEnabled val="1"/>
+        </dgm:presLayoutVars>
+      </dgm:prSet>
+      <dgm:spPr/>
+      <dgm:t>
+        <a:bodyPr/>
+        <a:lstStyle/>
+        <a:p>
+          <a:endParaRPr lang="en-ZA"/>
+        </a:p>
+      </dgm:t>
+    </dgm:pt>
+    <dgm:pt modelId="{8589C181-5E72-4953-8A0A-38810DCA72E1}" type="pres">
+      <dgm:prSet presAssocID="{B2F80D37-CF7D-42F3-88B3-04E9EE43C899}" presName="parentText" presStyleLbl="node1" presStyleIdx="0" presStyleCnt="0">
+        <dgm:presLayoutVars>
+          <dgm:chMax val="0"/>
+          <dgm:bulletEnabled val="1"/>
+        </dgm:presLayoutVars>
+      </dgm:prSet>
+      <dgm:spPr/>
+      <dgm:t>
+        <a:bodyPr/>
+        <a:lstStyle/>
+        <a:p>
+          <a:endParaRPr lang="en-ZA"/>
+        </a:p>
+      </dgm:t>
+    </dgm:pt>
+    <dgm:pt modelId="{1B102759-9C0E-4E46-BBAF-815180E6C660}" type="pres">
+      <dgm:prSet presAssocID="{B2F80D37-CF7D-42F3-88B3-04E9EE43C899}" presName="parentRect" presStyleLbl="alignNode1" presStyleIdx="1" presStyleCnt="3"/>
+      <dgm:spPr/>
+      <dgm:t>
+        <a:bodyPr/>
+        <a:lstStyle/>
+        <a:p>
+          <a:endParaRPr lang="en-ZA"/>
+        </a:p>
+      </dgm:t>
+    </dgm:pt>
+    <dgm:pt modelId="{44E662D3-2EC8-450B-ADD9-E0248C219788}" type="pres">
+      <dgm:prSet presAssocID="{B2F80D37-CF7D-42F3-88B3-04E9EE43C899}" presName="adorn" presStyleLbl="fgAccFollowNode1" presStyleIdx="1" presStyleCnt="3"/>
+      <dgm:spPr>
+        <a:blipFill>
+          <a:blip xmlns:r="http://schemas.openxmlformats.org/officeDocument/2006/relationships" r:embed="rId2" cstate="print">
+            <a:extLst>
+              <a:ext uri="{28A0092B-C50C-407E-A947-70E740481C1C}">
+                <a14:useLocalDpi xmlns:a14="http://schemas.microsoft.com/office/drawing/2010/main" val="0"/>
+              </a:ext>
+            </a:extLst>
+          </a:blip>
+          <a:srcRect/>
+          <a:stretch>
+            <a:fillRect l="-16000" r="-16000"/>
+          </a:stretch>
+        </a:blipFill>
+      </dgm:spPr>
+    </dgm:pt>
+    <dgm:pt modelId="{28E8840B-B189-4C3D-A85E-54240AB8FF56}" type="pres">
+      <dgm:prSet presAssocID="{47607884-8DA1-425F-BDE9-FF898617C071}" presName="sibTrans" presStyleLbl="sibTrans2D1" presStyleIdx="0" presStyleCnt="0"/>
+      <dgm:spPr/>
+    </dgm:pt>
+    <dgm:pt modelId="{43055C6E-62AE-4159-90FC-2DE0B967C67E}" type="pres">
+      <dgm:prSet presAssocID="{2473F3B1-4CA4-4ECA-9D81-9FAB7CE7B9C1}" presName="compNode" presStyleCnt="0"/>
+      <dgm:spPr/>
+    </dgm:pt>
+    <dgm:pt modelId="{95B1EFED-513F-4A29-B55B-CA51F90CA64D}" type="pres">
+      <dgm:prSet presAssocID="{2473F3B1-4CA4-4ECA-9D81-9FAB7CE7B9C1}" presName="childRect" presStyleLbl="bgAcc1" presStyleIdx="2" presStyleCnt="3">
+        <dgm:presLayoutVars>
+          <dgm:bulletEnabled val="1"/>
+        </dgm:presLayoutVars>
+      </dgm:prSet>
+      <dgm:spPr/>
+    </dgm:pt>
+    <dgm:pt modelId="{B9006448-0591-4BFB-BD2C-B8B5F42570E8}" type="pres">
+      <dgm:prSet presAssocID="{2473F3B1-4CA4-4ECA-9D81-9FAB7CE7B9C1}" presName="parentText" presStyleLbl="node1" presStyleIdx="0" presStyleCnt="0">
+        <dgm:presLayoutVars>
+          <dgm:chMax val="0"/>
+          <dgm:bulletEnabled val="1"/>
+        </dgm:presLayoutVars>
+      </dgm:prSet>
+      <dgm:spPr/>
+      <dgm:t>
+        <a:bodyPr/>
+        <a:lstStyle/>
+        <a:p>
+          <a:endParaRPr lang="en-ZA"/>
+        </a:p>
+      </dgm:t>
+    </dgm:pt>
+    <dgm:pt modelId="{25E887CD-DEF8-444A-B794-AFF888564F6F}" type="pres">
+      <dgm:prSet presAssocID="{2473F3B1-4CA4-4ECA-9D81-9FAB7CE7B9C1}" presName="parentRect" presStyleLbl="alignNode1" presStyleIdx="2" presStyleCnt="3"/>
+      <dgm:spPr/>
+      <dgm:t>
+        <a:bodyPr/>
+        <a:lstStyle/>
+        <a:p>
+          <a:endParaRPr lang="en-ZA"/>
+        </a:p>
+      </dgm:t>
+    </dgm:pt>
+    <dgm:pt modelId="{DAB14D1A-FCD4-4E07-BD41-7E2208164EAF}" type="pres">
+      <dgm:prSet presAssocID="{2473F3B1-4CA4-4ECA-9D81-9FAB7CE7B9C1}" presName="adorn" presStyleLbl="fgAccFollowNode1" presStyleIdx="2" presStyleCnt="3"/>
+      <dgm:spPr>
+        <a:blipFill>
+          <a:blip xmlns:r="http://schemas.openxmlformats.org/officeDocument/2006/relationships" r:embed="rId3" cstate="print">
+            <a:extLst>
+              <a:ext uri="{28A0092B-C50C-407E-A947-70E740481C1C}">
+                <a14:useLocalDpi xmlns:a14="http://schemas.microsoft.com/office/drawing/2010/main" val="0"/>
+              </a:ext>
+            </a:extLst>
+          </a:blip>
+          <a:srcRect/>
+          <a:stretch>
+            <a:fillRect l="-2000" r="-2000"/>
+          </a:stretch>
+        </a:blipFill>
+      </dgm:spPr>
+    </dgm:pt>
+  </dgm:ptLst>
+  <dgm:cxnLst>
+    <dgm:cxn modelId="{E664C455-6465-4FE2-A4CB-30E2F6A5D36B}" type="presOf" srcId="{1C662D2E-62C8-4308-97AB-8A2494DF5B7F}" destId="{0DF105FA-740D-4E87-8A9F-052BEA62FF1C}" srcOrd="0" destOrd="0" presId="urn:microsoft.com/office/officeart/2005/8/layout/bList2"/>
+    <dgm:cxn modelId="{CD58395F-E496-4EC2-8268-3548A64A6B8A}" srcId="{B2F80D37-CF7D-42F3-88B3-04E9EE43C899}" destId="{CD44F64B-E688-4E47-B9B2-CFBE3890867D}" srcOrd="2" destOrd="0" parTransId="{B941101A-72D0-411B-B539-BA7722845D41}" sibTransId="{7753C19A-DA79-4F42-93F7-98315495E87B}"/>
+    <dgm:cxn modelId="{247CA714-B54E-4423-95FE-B0ACD536D4CF}" type="presOf" srcId="{5F50C06F-FD0A-4292-A6ED-F3E374D722B1}" destId="{B43C6FFA-A63C-4CC2-869C-9368E3E7D9AE}" srcOrd="1" destOrd="0" presId="urn:microsoft.com/office/officeart/2005/8/layout/bList2"/>
+    <dgm:cxn modelId="{7DAC00C5-2BC0-4B53-8905-A1F0E761C51F}" type="presOf" srcId="{5F50C06F-FD0A-4292-A6ED-F3E374D722B1}" destId="{AF00CD70-45DB-4352-ACF8-F7D5EC3A5139}" srcOrd="0" destOrd="0" presId="urn:microsoft.com/office/officeart/2005/8/layout/bList2"/>
+    <dgm:cxn modelId="{F50BEB17-A6AE-4596-B7EB-3EAECC4BED52}" srcId="{5F50C06F-FD0A-4292-A6ED-F3E374D722B1}" destId="{1C662D2E-62C8-4308-97AB-8A2494DF5B7F}" srcOrd="0" destOrd="0" parTransId="{4895B9AC-E7E7-40AC-A14F-29325B3F66C4}" sibTransId="{43F5F9BE-2D07-48AD-BAC2-7E8CF3B9AC36}"/>
+    <dgm:cxn modelId="{FBBF80BA-D909-49B3-B07A-492254A501BF}" srcId="{5F50C06F-FD0A-4292-A6ED-F3E374D722B1}" destId="{EC0BB363-FC50-4430-8EBC-7763D0F4A311}" srcOrd="1" destOrd="0" parTransId="{71FA2C89-1421-4698-9324-097FDCDD44B3}" sibTransId="{5238568F-015B-4D56-AFBD-942DE557D298}"/>
+    <dgm:cxn modelId="{5DF261EC-A4E5-43A6-A262-8EADD990C041}" srcId="{2473F3B1-4CA4-4ECA-9D81-9FAB7CE7B9C1}" destId="{4523CC93-775C-47D3-A4F3-737B9462444C}" srcOrd="0" destOrd="0" parTransId="{DCE52719-EF2E-441A-9295-F4A0C13F95B6}" sibTransId="{150BFDDA-150B-4CAE-967F-AD945FCC277E}"/>
+    <dgm:cxn modelId="{63669DD6-C4FA-4B0D-BA20-A788B0C00847}" type="presOf" srcId="{47607884-8DA1-425F-BDE9-FF898617C071}" destId="{28E8840B-B189-4C3D-A85E-54240AB8FF56}" srcOrd="0" destOrd="0" presId="urn:microsoft.com/office/officeart/2005/8/layout/bList2"/>
+    <dgm:cxn modelId="{7BDE9EC6-24E6-4BA6-AF21-5CE0FD329256}" srcId="{B2F80D37-CF7D-42F3-88B3-04E9EE43C899}" destId="{3E50C466-CF40-480A-80D0-C2F480A3B578}" srcOrd="1" destOrd="0" parTransId="{45489811-B074-47D7-AB9D-2C8613114CAE}" sibTransId="{D56665B0-82FF-4985-97B5-76A53DE15D4E}"/>
+    <dgm:cxn modelId="{163856D0-1A91-483A-B0FC-223AC43A8928}" type="presOf" srcId="{CD44F64B-E688-4E47-B9B2-CFBE3890867D}" destId="{3A2C7445-0125-4AB9-8BE8-CEA2ABBC6FA2}" srcOrd="0" destOrd="2" presId="urn:microsoft.com/office/officeart/2005/8/layout/bList2"/>
+    <dgm:cxn modelId="{03F7A881-FC41-4049-ABCE-6B81B5A5A279}" srcId="{E1FEC15B-A86A-4550-8786-B0AF8EA913A2}" destId="{5F50C06F-FD0A-4292-A6ED-F3E374D722B1}" srcOrd="0" destOrd="0" parTransId="{854832B9-7A9D-4DE8-AC41-19C5F0A2819B}" sibTransId="{321F69BA-979C-42C1-AD96-1B9E8C1BB66D}"/>
+    <dgm:cxn modelId="{A1976212-8821-4644-A3EB-F2945BC9CB40}" type="presOf" srcId="{B2F80D37-CF7D-42F3-88B3-04E9EE43C899}" destId="{8589C181-5E72-4953-8A0A-38810DCA72E1}" srcOrd="0" destOrd="0" presId="urn:microsoft.com/office/officeart/2005/8/layout/bList2"/>
+    <dgm:cxn modelId="{CD918A62-22E0-407C-BD97-D5D1ACF7240F}" type="presOf" srcId="{4523CC93-775C-47D3-A4F3-737B9462444C}" destId="{95B1EFED-513F-4A29-B55B-CA51F90CA64D}" srcOrd="0" destOrd="0" presId="urn:microsoft.com/office/officeart/2005/8/layout/bList2"/>
+    <dgm:cxn modelId="{452B75B4-CB25-455C-8428-400E40CCD4A5}" srcId="{B2F80D37-CF7D-42F3-88B3-04E9EE43C899}" destId="{8BC1F5AC-BF91-49EB-AD5F-1CAED566EF49}" srcOrd="0" destOrd="0" parTransId="{EADEBE29-B83A-4406-A1AA-0E7D17895763}" sibTransId="{44753D71-1D04-4FFA-B419-5612A383DC42}"/>
+    <dgm:cxn modelId="{6C69AAD4-AE38-4397-B91C-38FE4EA6A9AB}" type="presOf" srcId="{321F69BA-979C-42C1-AD96-1B9E8C1BB66D}" destId="{1720DE7C-65D2-4112-A897-F7EA06B9748A}" srcOrd="0" destOrd="0" presId="urn:microsoft.com/office/officeart/2005/8/layout/bList2"/>
+    <dgm:cxn modelId="{5EF576D6-32FA-49CD-8A4B-EAF0130A622E}" type="presOf" srcId="{E1FEC15B-A86A-4550-8786-B0AF8EA913A2}" destId="{B53510D2-BE6F-41A8-9976-DBAFDAC32E8D}" srcOrd="0" destOrd="0" presId="urn:microsoft.com/office/officeart/2005/8/layout/bList2"/>
+    <dgm:cxn modelId="{5C3288D8-238D-469E-BC8C-A295A31C5D96}" srcId="{E1FEC15B-A86A-4550-8786-B0AF8EA913A2}" destId="{B2F80D37-CF7D-42F3-88B3-04E9EE43C899}" srcOrd="1" destOrd="0" parTransId="{E4869466-3A18-48B8-8D27-E91F77C59F2A}" sibTransId="{47607884-8DA1-425F-BDE9-FF898617C071}"/>
+    <dgm:cxn modelId="{1D930D88-E627-4773-941B-9DF519EC4AB0}" type="presOf" srcId="{EC0BB363-FC50-4430-8EBC-7763D0F4A311}" destId="{0DF105FA-740D-4E87-8A9F-052BEA62FF1C}" srcOrd="0" destOrd="1" presId="urn:microsoft.com/office/officeart/2005/8/layout/bList2"/>
+    <dgm:cxn modelId="{9A20E65C-550F-4FA4-874F-D20BB7976981}" srcId="{2473F3B1-4CA4-4ECA-9D81-9FAB7CE7B9C1}" destId="{76DC718D-08DA-470E-8286-34C0D8CC6B81}" srcOrd="1" destOrd="0" parTransId="{B1939173-52FC-4BAE-B6D1-8C52BD80DDDE}" sibTransId="{ED988F2C-0C25-434A-B9E6-5641AA4184E7}"/>
+    <dgm:cxn modelId="{70789B18-D080-4654-B416-5A5EC4D863C3}" type="presOf" srcId="{8BC1F5AC-BF91-49EB-AD5F-1CAED566EF49}" destId="{3A2C7445-0125-4AB9-8BE8-CEA2ABBC6FA2}" srcOrd="0" destOrd="0" presId="urn:microsoft.com/office/officeart/2005/8/layout/bList2"/>
+    <dgm:cxn modelId="{7BC51ECB-CB91-4647-AB8F-27D1564962A1}" type="presOf" srcId="{76DC718D-08DA-470E-8286-34C0D8CC6B81}" destId="{95B1EFED-513F-4A29-B55B-CA51F90CA64D}" srcOrd="0" destOrd="1" presId="urn:microsoft.com/office/officeart/2005/8/layout/bList2"/>
+    <dgm:cxn modelId="{20E33BAA-E00D-4522-8C31-5D16E0161F1A}" srcId="{E1FEC15B-A86A-4550-8786-B0AF8EA913A2}" destId="{2473F3B1-4CA4-4ECA-9D81-9FAB7CE7B9C1}" srcOrd="2" destOrd="0" parTransId="{DF5806CB-4261-4775-919D-D85CFA3D534A}" sibTransId="{6458B962-FDF8-4B37-B453-8702ECEE77AA}"/>
+    <dgm:cxn modelId="{63B44573-5D96-414D-9A11-1E1C086909E0}" type="presOf" srcId="{2473F3B1-4CA4-4ECA-9D81-9FAB7CE7B9C1}" destId="{25E887CD-DEF8-444A-B794-AFF888564F6F}" srcOrd="1" destOrd="0" presId="urn:microsoft.com/office/officeart/2005/8/layout/bList2"/>
+    <dgm:cxn modelId="{8915C7B6-414C-4125-88CE-BFC5FF10E9B5}" type="presOf" srcId="{3E50C466-CF40-480A-80D0-C2F480A3B578}" destId="{3A2C7445-0125-4AB9-8BE8-CEA2ABBC6FA2}" srcOrd="0" destOrd="1" presId="urn:microsoft.com/office/officeart/2005/8/layout/bList2"/>
+    <dgm:cxn modelId="{70D3F1FD-67F4-4702-AA58-9B71E1698A52}" type="presOf" srcId="{B2F80D37-CF7D-42F3-88B3-04E9EE43C899}" destId="{1B102759-9C0E-4E46-BBAF-815180E6C660}" srcOrd="1" destOrd="0" presId="urn:microsoft.com/office/officeart/2005/8/layout/bList2"/>
+    <dgm:cxn modelId="{DB29AAF0-24B3-4074-A20A-340253F7386E}" type="presOf" srcId="{2473F3B1-4CA4-4ECA-9D81-9FAB7CE7B9C1}" destId="{B9006448-0591-4BFB-BD2C-B8B5F42570E8}" srcOrd="0" destOrd="0" presId="urn:microsoft.com/office/officeart/2005/8/layout/bList2"/>
+    <dgm:cxn modelId="{7EB395E7-78BC-4760-AFA6-500847F94F63}" type="presParOf" srcId="{B53510D2-BE6F-41A8-9976-DBAFDAC32E8D}" destId="{D02C9855-6810-44C4-9EC5-3A1CA9519665}" srcOrd="0" destOrd="0" presId="urn:microsoft.com/office/officeart/2005/8/layout/bList2"/>
+    <dgm:cxn modelId="{46917EDE-BF1C-443F-A1C7-8DEB7CBEBBDE}" type="presParOf" srcId="{D02C9855-6810-44C4-9EC5-3A1CA9519665}" destId="{0DF105FA-740D-4E87-8A9F-052BEA62FF1C}" srcOrd="0" destOrd="0" presId="urn:microsoft.com/office/officeart/2005/8/layout/bList2"/>
+    <dgm:cxn modelId="{3A15B380-98BA-4ADB-821E-0CA6A03CD5A0}" type="presParOf" srcId="{D02C9855-6810-44C4-9EC5-3A1CA9519665}" destId="{AF00CD70-45DB-4352-ACF8-F7D5EC3A5139}" srcOrd="1" destOrd="0" presId="urn:microsoft.com/office/officeart/2005/8/layout/bList2"/>
+    <dgm:cxn modelId="{90D63BA6-63FF-4E94-841C-84EA495EE215}" type="presParOf" srcId="{D02C9855-6810-44C4-9EC5-3A1CA9519665}" destId="{B43C6FFA-A63C-4CC2-869C-9368E3E7D9AE}" srcOrd="2" destOrd="0" presId="urn:microsoft.com/office/officeart/2005/8/layout/bList2"/>
+    <dgm:cxn modelId="{6F810E05-A40D-41DD-9ADA-7CDE068CE296}" type="presParOf" srcId="{D02C9855-6810-44C4-9EC5-3A1CA9519665}" destId="{D186D58D-75C9-4C9D-B972-B07FC5C513EC}" srcOrd="3" destOrd="0" presId="urn:microsoft.com/office/officeart/2005/8/layout/bList2"/>
+    <dgm:cxn modelId="{E4CE2FC0-0AF4-4376-A455-46EA0060C219}" type="presParOf" srcId="{B53510D2-BE6F-41A8-9976-DBAFDAC32E8D}" destId="{1720DE7C-65D2-4112-A897-F7EA06B9748A}" srcOrd="1" destOrd="0" presId="urn:microsoft.com/office/officeart/2005/8/layout/bList2"/>
+    <dgm:cxn modelId="{ED2D7263-D4C5-4112-A0CE-50EA18B46147}" type="presParOf" srcId="{B53510D2-BE6F-41A8-9976-DBAFDAC32E8D}" destId="{C8ADA8B5-8A8F-41A6-8D09-2AAA74C226EA}" srcOrd="2" destOrd="0" presId="urn:microsoft.com/office/officeart/2005/8/layout/bList2"/>
+    <dgm:cxn modelId="{D5F7D5F1-E108-47A5-88B5-FC982AAC2560}" type="presParOf" srcId="{C8ADA8B5-8A8F-41A6-8D09-2AAA74C226EA}" destId="{3A2C7445-0125-4AB9-8BE8-CEA2ABBC6FA2}" srcOrd="0" destOrd="0" presId="urn:microsoft.com/office/officeart/2005/8/layout/bList2"/>
+    <dgm:cxn modelId="{5464A0F2-DE81-47E4-A76F-8C25B2B49E0A}" type="presParOf" srcId="{C8ADA8B5-8A8F-41A6-8D09-2AAA74C226EA}" destId="{8589C181-5E72-4953-8A0A-38810DCA72E1}" srcOrd="1" destOrd="0" presId="urn:microsoft.com/office/officeart/2005/8/layout/bList2"/>
+    <dgm:cxn modelId="{EF71B293-FFD2-4E0E-AE13-CCE97209510C}" type="presParOf" srcId="{C8ADA8B5-8A8F-41A6-8D09-2AAA74C226EA}" destId="{1B102759-9C0E-4E46-BBAF-815180E6C660}" srcOrd="2" destOrd="0" presId="urn:microsoft.com/office/officeart/2005/8/layout/bList2"/>
+    <dgm:cxn modelId="{60566D17-F5EC-48C6-BA3B-2AAEFD70544E}" type="presParOf" srcId="{C8ADA8B5-8A8F-41A6-8D09-2AAA74C226EA}" destId="{44E662D3-2EC8-450B-ADD9-E0248C219788}" srcOrd="3" destOrd="0" presId="urn:microsoft.com/office/officeart/2005/8/layout/bList2"/>
+    <dgm:cxn modelId="{D1EDD15A-44BB-4268-B9DE-6EA7C0DD2D15}" type="presParOf" srcId="{B53510D2-BE6F-41A8-9976-DBAFDAC32E8D}" destId="{28E8840B-B189-4C3D-A85E-54240AB8FF56}" srcOrd="3" destOrd="0" presId="urn:microsoft.com/office/officeart/2005/8/layout/bList2"/>
+    <dgm:cxn modelId="{EAF64638-BE1E-45F5-AF7C-E54D12D7E7E7}" type="presParOf" srcId="{B53510D2-BE6F-41A8-9976-DBAFDAC32E8D}" destId="{43055C6E-62AE-4159-90FC-2DE0B967C67E}" srcOrd="4" destOrd="0" presId="urn:microsoft.com/office/officeart/2005/8/layout/bList2"/>
+    <dgm:cxn modelId="{DB67A4BB-1E13-47BF-B395-CC596C2AB993}" type="presParOf" srcId="{43055C6E-62AE-4159-90FC-2DE0B967C67E}" destId="{95B1EFED-513F-4A29-B55B-CA51F90CA64D}" srcOrd="0" destOrd="0" presId="urn:microsoft.com/office/officeart/2005/8/layout/bList2"/>
+    <dgm:cxn modelId="{4A4A0CBB-D053-44F5-96BB-0D3F5EE2BD8B}" type="presParOf" srcId="{43055C6E-62AE-4159-90FC-2DE0B967C67E}" destId="{B9006448-0591-4BFB-BD2C-B8B5F42570E8}" srcOrd="1" destOrd="0" presId="urn:microsoft.com/office/officeart/2005/8/layout/bList2"/>
+    <dgm:cxn modelId="{3D85D995-432C-4A5D-897B-D1B6937FC344}" type="presParOf" srcId="{43055C6E-62AE-4159-90FC-2DE0B967C67E}" destId="{25E887CD-DEF8-444A-B794-AFF888564F6F}" srcOrd="2" destOrd="0" presId="urn:microsoft.com/office/officeart/2005/8/layout/bList2"/>
+    <dgm:cxn modelId="{B1E070CF-9375-48B1-B393-FEF6B559437A}" type="presParOf" srcId="{43055C6E-62AE-4159-90FC-2DE0B967C67E}" destId="{DAB14D1A-FCD4-4E07-BD41-7E2208164EAF}" srcOrd="3" destOrd="0" presId="urn:microsoft.com/office/officeart/2005/8/layout/bList2"/>
+  </dgm:cxnLst>
+  <dgm:bg/>
+  <dgm:whole/>
+  <dgm:extLst>
+    <a:ext uri="http://schemas.microsoft.com/office/drawing/2008/diagram">
+      <dsp:dataModelExt xmlns:dsp="http://schemas.microsoft.com/office/drawing/2008/diagram" relId="rId6" minVer="http://schemas.openxmlformats.org/drawingml/2006/diagram"/>
+    </a:ext>
+  </dgm:extLst>
+</dgm:dataModel>
+</file>
+
+<file path=ppt/diagrams/data2.xml><?xml version="1.0" encoding="utf-8"?>
 <dgm:dataModel xmlns:dgm="http://schemas.openxmlformats.org/drawingml/2006/diagram" xmlns:a="http://schemas.openxmlformats.org/drawingml/2006/main">
   <dgm:ptLst>
     <dgm:pt modelId="{232E5DB7-D505-4717-9153-937808215D97}" type="doc">
@@ -1621,6 +2988,736 @@
 </file>
 
 <file path=ppt/diagrams/drawing1.xml><?xml version="1.0" encoding="utf-8"?>
+<dsp:drawing xmlns:dgm="http://schemas.openxmlformats.org/drawingml/2006/diagram" xmlns:dsp="http://schemas.microsoft.com/office/drawing/2008/diagram" xmlns:a="http://schemas.openxmlformats.org/drawingml/2006/main">
+  <dsp:spTree>
+    <dsp:nvGrpSpPr>
+      <dsp:cNvPr id="0" name=""/>
+      <dsp:cNvGrpSpPr/>
+    </dsp:nvGrpSpPr>
+    <dsp:grpSpPr/>
+    <dsp:sp modelId="{0DF105FA-740D-4E87-8A9F-052BEA62FF1C}">
+      <dsp:nvSpPr>
+        <dsp:cNvPr id="0" name=""/>
+        <dsp:cNvSpPr/>
+      </dsp:nvSpPr>
+      <dsp:spPr>
+        <a:xfrm>
+          <a:off x="5562" y="884654"/>
+          <a:ext cx="2402387" cy="1793331"/>
+        </a:xfrm>
+        <a:prstGeom prst="round2SameRect">
+          <a:avLst>
+            <a:gd name="adj1" fmla="val 8000"/>
+            <a:gd name="adj2" fmla="val 0"/>
+          </a:avLst>
+        </a:prstGeom>
+        <a:solidFill>
+          <a:schemeClr val="lt1">
+            <a:alpha val="90000"/>
+            <a:hueOff val="0"/>
+            <a:satOff val="0"/>
+            <a:lumOff val="0"/>
+            <a:alphaOff val="0"/>
+          </a:schemeClr>
+        </a:solidFill>
+        <a:ln w="25400" cap="flat" cmpd="sng" algn="ctr">
+          <a:solidFill>
+            <a:schemeClr val="accent1">
+              <a:hueOff val="0"/>
+              <a:satOff val="0"/>
+              <a:lumOff val="0"/>
+              <a:alphaOff val="0"/>
+            </a:schemeClr>
+          </a:solidFill>
+          <a:prstDash val="solid"/>
+        </a:ln>
+        <a:effectLst/>
+      </dsp:spPr>
+      <dsp:style>
+        <a:lnRef idx="2">
+          <a:scrgbClr r="0" g="0" b="0"/>
+        </a:lnRef>
+        <a:fillRef idx="1">
+          <a:scrgbClr r="0" g="0" b="0"/>
+        </a:fillRef>
+        <a:effectRef idx="0">
+          <a:scrgbClr r="0" g="0" b="0"/>
+        </a:effectRef>
+        <a:fontRef idx="minor"/>
+      </dsp:style>
+      <dsp:txBody>
+        <a:bodyPr spcFirstLastPara="0" vert="horz" wrap="square" lIns="22860" tIns="68580" rIns="22860" bIns="22860" numCol="1" spcCol="1270" anchor="t" anchorCtr="0">
+          <a:noAutofit/>
+        </a:bodyPr>
+        <a:lstStyle/>
+        <a:p>
+          <a:pPr marL="171450" lvl="1" indent="-171450" algn="l" defTabSz="800100">
+            <a:lnSpc>
+              <a:spcPct val="90000"/>
+            </a:lnSpc>
+            <a:spcBef>
+              <a:spcPct val="0"/>
+            </a:spcBef>
+            <a:spcAft>
+              <a:spcPct val="15000"/>
+            </a:spcAft>
+            <a:buChar char="••"/>
+          </a:pPr>
+          <a:r>
+            <a:rPr lang="en-ZA" sz="1800" kern="1200" dirty="0" smtClean="0"/>
+            <a:t>Acquisition of Elections related data from Twitter (US and RSA).</a:t>
+          </a:r>
+          <a:endParaRPr lang="en-ZA" sz="1800" kern="1200" dirty="0"/>
+        </a:p>
+        <a:p>
+          <a:pPr marL="171450" lvl="1" indent="-171450" algn="l" defTabSz="800100">
+            <a:lnSpc>
+              <a:spcPct val="90000"/>
+            </a:lnSpc>
+            <a:spcBef>
+              <a:spcPct val="0"/>
+            </a:spcBef>
+            <a:spcAft>
+              <a:spcPct val="15000"/>
+            </a:spcAft>
+            <a:buChar char="••"/>
+          </a:pPr>
+          <a:r>
+            <a:rPr lang="en-ZA" sz="1800" kern="1200" dirty="0" smtClean="0"/>
+            <a:t>Validation of tweet Location.</a:t>
+          </a:r>
+          <a:endParaRPr lang="en-ZA" sz="1800" kern="1200" dirty="0"/>
+        </a:p>
+      </dsp:txBody>
+      <dsp:txXfrm>
+        <a:off x="47582" y="926674"/>
+        <a:ext cx="2318347" cy="1751311"/>
+      </dsp:txXfrm>
+    </dsp:sp>
+    <dsp:sp modelId="{B43C6FFA-A63C-4CC2-869C-9368E3E7D9AE}">
+      <dsp:nvSpPr>
+        <dsp:cNvPr id="0" name=""/>
+        <dsp:cNvSpPr/>
+      </dsp:nvSpPr>
+      <dsp:spPr>
+        <a:xfrm>
+          <a:off x="5562" y="2677985"/>
+          <a:ext cx="2402387" cy="771132"/>
+        </a:xfrm>
+        <a:prstGeom prst="rect">
+          <a:avLst/>
+        </a:prstGeom>
+        <a:solidFill>
+          <a:schemeClr val="accent1">
+            <a:hueOff val="0"/>
+            <a:satOff val="0"/>
+            <a:lumOff val="0"/>
+            <a:alphaOff val="0"/>
+          </a:schemeClr>
+        </a:solidFill>
+        <a:ln w="25400" cap="flat" cmpd="sng" algn="ctr">
+          <a:solidFill>
+            <a:schemeClr val="accent1">
+              <a:hueOff val="0"/>
+              <a:satOff val="0"/>
+              <a:lumOff val="0"/>
+              <a:alphaOff val="0"/>
+            </a:schemeClr>
+          </a:solidFill>
+          <a:prstDash val="solid"/>
+        </a:ln>
+        <a:effectLst/>
+      </dsp:spPr>
+      <dsp:style>
+        <a:lnRef idx="2">
+          <a:scrgbClr r="0" g="0" b="0"/>
+        </a:lnRef>
+        <a:fillRef idx="1">
+          <a:scrgbClr r="0" g="0" b="0"/>
+        </a:fillRef>
+        <a:effectRef idx="0">
+          <a:scrgbClr r="0" g="0" b="0"/>
+        </a:effectRef>
+        <a:fontRef idx="minor">
+          <a:schemeClr val="lt1"/>
+        </a:fontRef>
+      </dsp:style>
+      <dsp:txBody>
+        <a:bodyPr spcFirstLastPara="0" vert="horz" wrap="square" lIns="87630" tIns="0" rIns="29210" bIns="0" numCol="1" spcCol="1270" anchor="ctr" anchorCtr="0">
+          <a:noAutofit/>
+        </a:bodyPr>
+        <a:lstStyle/>
+        <a:p>
+          <a:pPr lvl="0" algn="l" defTabSz="1022350">
+            <a:lnSpc>
+              <a:spcPct val="90000"/>
+            </a:lnSpc>
+            <a:spcBef>
+              <a:spcPct val="0"/>
+            </a:spcBef>
+            <a:spcAft>
+              <a:spcPct val="35000"/>
+            </a:spcAft>
+          </a:pPr>
+          <a:r>
+            <a:rPr lang="en-ZA" sz="2300" kern="1200" dirty="0" smtClean="0"/>
+            <a:t>Big Data Acquisition</a:t>
+          </a:r>
+          <a:endParaRPr lang="en-ZA" sz="2300" kern="1200" dirty="0"/>
+        </a:p>
+      </dsp:txBody>
+      <dsp:txXfrm>
+        <a:off x="5562" y="2677985"/>
+        <a:ext cx="1691822" cy="771132"/>
+      </dsp:txXfrm>
+    </dsp:sp>
+    <dsp:sp modelId="{D186D58D-75C9-4C9D-B972-B07FC5C513EC}">
+      <dsp:nvSpPr>
+        <dsp:cNvPr id="0" name=""/>
+        <dsp:cNvSpPr/>
+      </dsp:nvSpPr>
+      <dsp:spPr>
+        <a:xfrm>
+          <a:off x="1765343" y="2800473"/>
+          <a:ext cx="840835" cy="840835"/>
+        </a:xfrm>
+        <a:prstGeom prst="ellipse">
+          <a:avLst/>
+        </a:prstGeom>
+        <a:blipFill>
+          <a:blip xmlns:r="http://schemas.openxmlformats.org/officeDocument/2006/relationships" r:embed="rId1" cstate="print">
+            <a:extLst>
+              <a:ext uri="{28A0092B-C50C-407E-A947-70E740481C1C}">
+                <a14:useLocalDpi xmlns:a14="http://schemas.microsoft.com/office/drawing/2010/main" val="0"/>
+              </a:ext>
+            </a:extLst>
+          </a:blip>
+          <a:srcRect/>
+          <a:stretch>
+            <a:fillRect/>
+          </a:stretch>
+        </a:blipFill>
+        <a:ln w="25400" cap="flat" cmpd="sng" algn="ctr">
+          <a:solidFill>
+            <a:schemeClr val="accent1">
+              <a:alpha val="90000"/>
+              <a:tint val="40000"/>
+              <a:hueOff val="0"/>
+              <a:satOff val="0"/>
+              <a:lumOff val="0"/>
+              <a:alphaOff val="0"/>
+            </a:schemeClr>
+          </a:solidFill>
+          <a:prstDash val="solid"/>
+        </a:ln>
+        <a:effectLst/>
+      </dsp:spPr>
+      <dsp:style>
+        <a:lnRef idx="2">
+          <a:scrgbClr r="0" g="0" b="0"/>
+        </a:lnRef>
+        <a:fillRef idx="1">
+          <a:scrgbClr r="0" g="0" b="0"/>
+        </a:fillRef>
+        <a:effectRef idx="0">
+          <a:scrgbClr r="0" g="0" b="0"/>
+        </a:effectRef>
+        <a:fontRef idx="minor"/>
+      </dsp:style>
+    </dsp:sp>
+    <dsp:sp modelId="{3A2C7445-0125-4AB9-8BE8-CEA2ABBC6FA2}">
+      <dsp:nvSpPr>
+        <dsp:cNvPr id="0" name=""/>
+        <dsp:cNvSpPr/>
+      </dsp:nvSpPr>
+      <dsp:spPr>
+        <a:xfrm>
+          <a:off x="2814491" y="884654"/>
+          <a:ext cx="2402387" cy="1793331"/>
+        </a:xfrm>
+        <a:prstGeom prst="round2SameRect">
+          <a:avLst>
+            <a:gd name="adj1" fmla="val 8000"/>
+            <a:gd name="adj2" fmla="val 0"/>
+          </a:avLst>
+        </a:prstGeom>
+        <a:solidFill>
+          <a:schemeClr val="lt1">
+            <a:alpha val="90000"/>
+            <a:hueOff val="0"/>
+            <a:satOff val="0"/>
+            <a:lumOff val="0"/>
+            <a:alphaOff val="0"/>
+          </a:schemeClr>
+        </a:solidFill>
+        <a:ln w="25400" cap="flat" cmpd="sng" algn="ctr">
+          <a:solidFill>
+            <a:schemeClr val="accent1">
+              <a:hueOff val="0"/>
+              <a:satOff val="0"/>
+              <a:lumOff val="0"/>
+              <a:alphaOff val="0"/>
+            </a:schemeClr>
+          </a:solidFill>
+          <a:prstDash val="solid"/>
+        </a:ln>
+        <a:effectLst/>
+      </dsp:spPr>
+      <dsp:style>
+        <a:lnRef idx="2">
+          <a:scrgbClr r="0" g="0" b="0"/>
+        </a:lnRef>
+        <a:fillRef idx="1">
+          <a:scrgbClr r="0" g="0" b="0"/>
+        </a:fillRef>
+        <a:effectRef idx="0">
+          <a:scrgbClr r="0" g="0" b="0"/>
+        </a:effectRef>
+        <a:fontRef idx="minor"/>
+      </dsp:style>
+      <dsp:txBody>
+        <a:bodyPr spcFirstLastPara="0" vert="horz" wrap="square" lIns="22860" tIns="68580" rIns="22860" bIns="22860" numCol="1" spcCol="1270" anchor="t" anchorCtr="0">
+          <a:noAutofit/>
+        </a:bodyPr>
+        <a:lstStyle/>
+        <a:p>
+          <a:pPr marL="171450" lvl="1" indent="-171450" algn="l" defTabSz="800100">
+            <a:lnSpc>
+              <a:spcPct val="90000"/>
+            </a:lnSpc>
+            <a:spcBef>
+              <a:spcPct val="0"/>
+            </a:spcBef>
+            <a:spcAft>
+              <a:spcPct val="15000"/>
+            </a:spcAft>
+            <a:buChar char="••"/>
+          </a:pPr>
+          <a:r>
+            <a:rPr lang="en-ZA" sz="1800" kern="1200" dirty="0" smtClean="0"/>
+            <a:t>Raspberry Pi 3 Cluster.</a:t>
+          </a:r>
+          <a:endParaRPr lang="en-ZA" sz="1800" kern="1200" dirty="0"/>
+        </a:p>
+        <a:p>
+          <a:pPr marL="171450" lvl="1" indent="-171450" algn="l" defTabSz="800100">
+            <a:lnSpc>
+              <a:spcPct val="90000"/>
+            </a:lnSpc>
+            <a:spcBef>
+              <a:spcPct val="0"/>
+            </a:spcBef>
+            <a:spcAft>
+              <a:spcPct val="15000"/>
+            </a:spcAft>
+            <a:buChar char="••"/>
+          </a:pPr>
+          <a:r>
+            <a:rPr lang="en-ZA" sz="1800" kern="1200" dirty="0" smtClean="0"/>
+            <a:t>Map-Reduce applied to process large set of data.</a:t>
+          </a:r>
+          <a:endParaRPr lang="en-ZA" sz="1800" kern="1200" dirty="0"/>
+        </a:p>
+        <a:p>
+          <a:pPr marL="171450" lvl="1" indent="-171450" algn="l" defTabSz="800100">
+            <a:lnSpc>
+              <a:spcPct val="90000"/>
+            </a:lnSpc>
+            <a:spcBef>
+              <a:spcPct val="0"/>
+            </a:spcBef>
+            <a:spcAft>
+              <a:spcPct val="15000"/>
+            </a:spcAft>
+            <a:buChar char="••"/>
+          </a:pPr>
+          <a:endParaRPr lang="en-ZA" sz="1800" kern="1200" dirty="0"/>
+        </a:p>
+      </dsp:txBody>
+      <dsp:txXfrm>
+        <a:off x="2856511" y="926674"/>
+        <a:ext cx="2318347" cy="1751311"/>
+      </dsp:txXfrm>
+    </dsp:sp>
+    <dsp:sp modelId="{1B102759-9C0E-4E46-BBAF-815180E6C660}">
+      <dsp:nvSpPr>
+        <dsp:cNvPr id="0" name=""/>
+        <dsp:cNvSpPr/>
+      </dsp:nvSpPr>
+      <dsp:spPr>
+        <a:xfrm>
+          <a:off x="2814491" y="2677985"/>
+          <a:ext cx="2402387" cy="771132"/>
+        </a:xfrm>
+        <a:prstGeom prst="rect">
+          <a:avLst/>
+        </a:prstGeom>
+        <a:solidFill>
+          <a:schemeClr val="accent1">
+            <a:hueOff val="0"/>
+            <a:satOff val="0"/>
+            <a:lumOff val="0"/>
+            <a:alphaOff val="0"/>
+          </a:schemeClr>
+        </a:solidFill>
+        <a:ln w="25400" cap="flat" cmpd="sng" algn="ctr">
+          <a:solidFill>
+            <a:schemeClr val="accent1">
+              <a:hueOff val="0"/>
+              <a:satOff val="0"/>
+              <a:lumOff val="0"/>
+              <a:alphaOff val="0"/>
+            </a:schemeClr>
+          </a:solidFill>
+          <a:prstDash val="solid"/>
+        </a:ln>
+        <a:effectLst/>
+      </dsp:spPr>
+      <dsp:style>
+        <a:lnRef idx="2">
+          <a:scrgbClr r="0" g="0" b="0"/>
+        </a:lnRef>
+        <a:fillRef idx="1">
+          <a:scrgbClr r="0" g="0" b="0"/>
+        </a:fillRef>
+        <a:effectRef idx="0">
+          <a:scrgbClr r="0" g="0" b="0"/>
+        </a:effectRef>
+        <a:fontRef idx="minor">
+          <a:schemeClr val="lt1"/>
+        </a:fontRef>
+      </dsp:style>
+      <dsp:txBody>
+        <a:bodyPr spcFirstLastPara="0" vert="horz" wrap="square" lIns="87630" tIns="0" rIns="29210" bIns="0" numCol="1" spcCol="1270" anchor="ctr" anchorCtr="0">
+          <a:noAutofit/>
+        </a:bodyPr>
+        <a:lstStyle/>
+        <a:p>
+          <a:pPr lvl="0" algn="l" defTabSz="1022350">
+            <a:lnSpc>
+              <a:spcPct val="90000"/>
+            </a:lnSpc>
+            <a:spcBef>
+              <a:spcPct val="0"/>
+            </a:spcBef>
+            <a:spcAft>
+              <a:spcPct val="35000"/>
+            </a:spcAft>
+          </a:pPr>
+          <a:r>
+            <a:rPr lang="en-ZA" sz="2300" kern="1200" dirty="0" smtClean="0"/>
+            <a:t>Processing</a:t>
+          </a:r>
+        </a:p>
+        <a:p>
+          <a:pPr lvl="0" algn="l" defTabSz="1022350">
+            <a:lnSpc>
+              <a:spcPct val="90000"/>
+            </a:lnSpc>
+            <a:spcBef>
+              <a:spcPct val="0"/>
+            </a:spcBef>
+            <a:spcAft>
+              <a:spcPct val="35000"/>
+            </a:spcAft>
+          </a:pPr>
+          <a:r>
+            <a:rPr lang="en-ZA" sz="2300" kern="1200" dirty="0" smtClean="0"/>
+            <a:t>Technologies</a:t>
+          </a:r>
+          <a:endParaRPr lang="en-ZA" sz="2300" kern="1200" dirty="0"/>
+        </a:p>
+      </dsp:txBody>
+      <dsp:txXfrm>
+        <a:off x="2814491" y="2677985"/>
+        <a:ext cx="1691822" cy="771132"/>
+      </dsp:txXfrm>
+    </dsp:sp>
+    <dsp:sp modelId="{44E662D3-2EC8-450B-ADD9-E0248C219788}">
+      <dsp:nvSpPr>
+        <dsp:cNvPr id="0" name=""/>
+        <dsp:cNvSpPr/>
+      </dsp:nvSpPr>
+      <dsp:spPr>
+        <a:xfrm>
+          <a:off x="4574273" y="2800473"/>
+          <a:ext cx="840835" cy="840835"/>
+        </a:xfrm>
+        <a:prstGeom prst="ellipse">
+          <a:avLst/>
+        </a:prstGeom>
+        <a:blipFill>
+          <a:blip xmlns:r="http://schemas.openxmlformats.org/officeDocument/2006/relationships" r:embed="rId2" cstate="print">
+            <a:extLst>
+              <a:ext uri="{28A0092B-C50C-407E-A947-70E740481C1C}">
+                <a14:useLocalDpi xmlns:a14="http://schemas.microsoft.com/office/drawing/2010/main" val="0"/>
+              </a:ext>
+            </a:extLst>
+          </a:blip>
+          <a:srcRect/>
+          <a:stretch>
+            <a:fillRect l="-16000" r="-16000"/>
+          </a:stretch>
+        </a:blipFill>
+        <a:ln w="25400" cap="flat" cmpd="sng" algn="ctr">
+          <a:solidFill>
+            <a:schemeClr val="accent1">
+              <a:alpha val="90000"/>
+              <a:tint val="40000"/>
+              <a:hueOff val="0"/>
+              <a:satOff val="0"/>
+              <a:lumOff val="0"/>
+              <a:alphaOff val="0"/>
+            </a:schemeClr>
+          </a:solidFill>
+          <a:prstDash val="solid"/>
+        </a:ln>
+        <a:effectLst/>
+      </dsp:spPr>
+      <dsp:style>
+        <a:lnRef idx="2">
+          <a:scrgbClr r="0" g="0" b="0"/>
+        </a:lnRef>
+        <a:fillRef idx="1">
+          <a:scrgbClr r="0" g="0" b="0"/>
+        </a:fillRef>
+        <a:effectRef idx="0">
+          <a:scrgbClr r="0" g="0" b="0"/>
+        </a:effectRef>
+        <a:fontRef idx="minor"/>
+      </dsp:style>
+    </dsp:sp>
+    <dsp:sp modelId="{95B1EFED-513F-4A29-B55B-CA51F90CA64D}">
+      <dsp:nvSpPr>
+        <dsp:cNvPr id="0" name=""/>
+        <dsp:cNvSpPr/>
+      </dsp:nvSpPr>
+      <dsp:spPr>
+        <a:xfrm>
+          <a:off x="5623420" y="884654"/>
+          <a:ext cx="2402387" cy="1793331"/>
+        </a:xfrm>
+        <a:prstGeom prst="round2SameRect">
+          <a:avLst>
+            <a:gd name="adj1" fmla="val 8000"/>
+            <a:gd name="adj2" fmla="val 0"/>
+          </a:avLst>
+        </a:prstGeom>
+        <a:solidFill>
+          <a:schemeClr val="lt1">
+            <a:alpha val="90000"/>
+            <a:hueOff val="0"/>
+            <a:satOff val="0"/>
+            <a:lumOff val="0"/>
+            <a:alphaOff val="0"/>
+          </a:schemeClr>
+        </a:solidFill>
+        <a:ln w="25400" cap="flat" cmpd="sng" algn="ctr">
+          <a:solidFill>
+            <a:schemeClr val="accent1">
+              <a:hueOff val="0"/>
+              <a:satOff val="0"/>
+              <a:lumOff val="0"/>
+              <a:alphaOff val="0"/>
+            </a:schemeClr>
+          </a:solidFill>
+          <a:prstDash val="solid"/>
+        </a:ln>
+        <a:effectLst/>
+      </dsp:spPr>
+      <dsp:style>
+        <a:lnRef idx="2">
+          <a:scrgbClr r="0" g="0" b="0"/>
+        </a:lnRef>
+        <a:fillRef idx="1">
+          <a:scrgbClr r="0" g="0" b="0"/>
+        </a:fillRef>
+        <a:effectRef idx="0">
+          <a:scrgbClr r="0" g="0" b="0"/>
+        </a:effectRef>
+        <a:fontRef idx="minor"/>
+      </dsp:style>
+      <dsp:txBody>
+        <a:bodyPr spcFirstLastPara="0" vert="horz" wrap="square" lIns="22860" tIns="68580" rIns="22860" bIns="22860" numCol="1" spcCol="1270" anchor="t" anchorCtr="0">
+          <a:noAutofit/>
+        </a:bodyPr>
+        <a:lstStyle/>
+        <a:p>
+          <a:pPr marL="171450" lvl="1" indent="-171450" algn="l" defTabSz="800100">
+            <a:lnSpc>
+              <a:spcPct val="90000"/>
+            </a:lnSpc>
+            <a:spcBef>
+              <a:spcPct val="0"/>
+            </a:spcBef>
+            <a:spcAft>
+              <a:spcPct val="15000"/>
+            </a:spcAft>
+            <a:buChar char="••"/>
+          </a:pPr>
+          <a:r>
+            <a:rPr lang="en-ZA" sz="1800" kern="1200" dirty="0" smtClean="0"/>
+            <a:t>D3 Charts used for visualization of big data.</a:t>
+          </a:r>
+          <a:endParaRPr lang="en-ZA" sz="1800" kern="1200" dirty="0"/>
+        </a:p>
+        <a:p>
+          <a:pPr marL="171450" lvl="1" indent="-171450" algn="l" defTabSz="800100">
+            <a:lnSpc>
+              <a:spcPct val="90000"/>
+            </a:lnSpc>
+            <a:spcBef>
+              <a:spcPct val="0"/>
+            </a:spcBef>
+            <a:spcAft>
+              <a:spcPct val="15000"/>
+            </a:spcAft>
+            <a:buChar char="••"/>
+          </a:pPr>
+          <a:endParaRPr lang="en-ZA" sz="1800" kern="1200" dirty="0"/>
+        </a:p>
+      </dsp:txBody>
+      <dsp:txXfrm>
+        <a:off x="5665440" y="926674"/>
+        <a:ext cx="2318347" cy="1751311"/>
+      </dsp:txXfrm>
+    </dsp:sp>
+    <dsp:sp modelId="{25E887CD-DEF8-444A-B794-AFF888564F6F}">
+      <dsp:nvSpPr>
+        <dsp:cNvPr id="0" name=""/>
+        <dsp:cNvSpPr/>
+      </dsp:nvSpPr>
+      <dsp:spPr>
+        <a:xfrm>
+          <a:off x="5623420" y="2677985"/>
+          <a:ext cx="2402387" cy="771132"/>
+        </a:xfrm>
+        <a:prstGeom prst="rect">
+          <a:avLst/>
+        </a:prstGeom>
+        <a:solidFill>
+          <a:schemeClr val="accent1">
+            <a:hueOff val="0"/>
+            <a:satOff val="0"/>
+            <a:lumOff val="0"/>
+            <a:alphaOff val="0"/>
+          </a:schemeClr>
+        </a:solidFill>
+        <a:ln w="25400" cap="flat" cmpd="sng" algn="ctr">
+          <a:solidFill>
+            <a:schemeClr val="accent1">
+              <a:hueOff val="0"/>
+              <a:satOff val="0"/>
+              <a:lumOff val="0"/>
+              <a:alphaOff val="0"/>
+            </a:schemeClr>
+          </a:solidFill>
+          <a:prstDash val="solid"/>
+        </a:ln>
+        <a:effectLst/>
+      </dsp:spPr>
+      <dsp:style>
+        <a:lnRef idx="2">
+          <a:scrgbClr r="0" g="0" b="0"/>
+        </a:lnRef>
+        <a:fillRef idx="1">
+          <a:scrgbClr r="0" g="0" b="0"/>
+        </a:fillRef>
+        <a:effectRef idx="0">
+          <a:scrgbClr r="0" g="0" b="0"/>
+        </a:effectRef>
+        <a:fontRef idx="minor">
+          <a:schemeClr val="lt1"/>
+        </a:fontRef>
+      </dsp:style>
+      <dsp:txBody>
+        <a:bodyPr spcFirstLastPara="0" vert="horz" wrap="square" lIns="87630" tIns="0" rIns="29210" bIns="0" numCol="1" spcCol="1270" anchor="ctr" anchorCtr="0">
+          <a:noAutofit/>
+        </a:bodyPr>
+        <a:lstStyle/>
+        <a:p>
+          <a:pPr lvl="0" algn="l" defTabSz="1022350">
+            <a:lnSpc>
+              <a:spcPct val="90000"/>
+            </a:lnSpc>
+            <a:spcBef>
+              <a:spcPct val="0"/>
+            </a:spcBef>
+            <a:spcAft>
+              <a:spcPct val="35000"/>
+            </a:spcAft>
+          </a:pPr>
+          <a:r>
+            <a:rPr lang="en-ZA" sz="2300" kern="1200" dirty="0" smtClean="0"/>
+            <a:t>Visualization</a:t>
+          </a:r>
+          <a:endParaRPr lang="en-ZA" sz="2300" kern="1200" dirty="0"/>
+        </a:p>
+      </dsp:txBody>
+      <dsp:txXfrm>
+        <a:off x="5623420" y="2677985"/>
+        <a:ext cx="1691822" cy="771132"/>
+      </dsp:txXfrm>
+    </dsp:sp>
+    <dsp:sp modelId="{DAB14D1A-FCD4-4E07-BD41-7E2208164EAF}">
+      <dsp:nvSpPr>
+        <dsp:cNvPr id="0" name=""/>
+        <dsp:cNvSpPr/>
+      </dsp:nvSpPr>
+      <dsp:spPr>
+        <a:xfrm>
+          <a:off x="7383202" y="2800473"/>
+          <a:ext cx="840835" cy="840835"/>
+        </a:xfrm>
+        <a:prstGeom prst="ellipse">
+          <a:avLst/>
+        </a:prstGeom>
+        <a:blipFill>
+          <a:blip xmlns:r="http://schemas.openxmlformats.org/officeDocument/2006/relationships" r:embed="rId3" cstate="print">
+            <a:extLst>
+              <a:ext uri="{28A0092B-C50C-407E-A947-70E740481C1C}">
+                <a14:useLocalDpi xmlns:a14="http://schemas.microsoft.com/office/drawing/2010/main" val="0"/>
+              </a:ext>
+            </a:extLst>
+          </a:blip>
+          <a:srcRect/>
+          <a:stretch>
+            <a:fillRect l="-2000" r="-2000"/>
+          </a:stretch>
+        </a:blipFill>
+        <a:ln w="25400" cap="flat" cmpd="sng" algn="ctr">
+          <a:solidFill>
+            <a:schemeClr val="accent1">
+              <a:alpha val="90000"/>
+              <a:tint val="40000"/>
+              <a:hueOff val="0"/>
+              <a:satOff val="0"/>
+              <a:lumOff val="0"/>
+              <a:alphaOff val="0"/>
+            </a:schemeClr>
+          </a:solidFill>
+          <a:prstDash val="solid"/>
+        </a:ln>
+        <a:effectLst/>
+      </dsp:spPr>
+      <dsp:style>
+        <a:lnRef idx="2">
+          <a:scrgbClr r="0" g="0" b="0"/>
+        </a:lnRef>
+        <a:fillRef idx="1">
+          <a:scrgbClr r="0" g="0" b="0"/>
+        </a:fillRef>
+        <a:effectRef idx="0">
+          <a:scrgbClr r="0" g="0" b="0"/>
+        </a:effectRef>
+        <a:fontRef idx="minor"/>
+      </dsp:style>
+    </dsp:sp>
+  </dsp:spTree>
+</dsp:drawing>
+</file>
+
+<file path=ppt/diagrams/drawing2.xml><?xml version="1.0" encoding="utf-8"?>
 <dsp:drawing xmlns:dgm="http://schemas.openxmlformats.org/drawingml/2006/diagram" xmlns:dsp="http://schemas.microsoft.com/office/drawing/2008/diagram" xmlns:a="http://schemas.openxmlformats.org/drawingml/2006/main">
   <dsp:spTree>
     <dsp:nvGrpSpPr>
@@ -2741,6 +4838,256 @@
 </file>
 
 <file path=ppt/diagrams/layout1.xml><?xml version="1.0" encoding="utf-8"?>
+<dgm:layoutDef xmlns:dgm="http://schemas.openxmlformats.org/drawingml/2006/diagram" xmlns:a="http://schemas.openxmlformats.org/drawingml/2006/main" uniqueId="urn:microsoft.com/office/officeart/2005/8/layout/bList2">
+  <dgm:title val=""/>
+  <dgm:desc val=""/>
+  <dgm:catLst>
+    <dgm:cat type="list" pri="7000"/>
+    <dgm:cat type="convert" pri="16000"/>
+    <dgm:cat type="picture" pri="28000"/>
+    <dgm:cat type="pictureconvert" pri="28000"/>
+  </dgm:catLst>
+  <dgm:sampData useDef="1">
+    <dgm:dataModel>
+      <dgm:ptLst/>
+      <dgm:bg/>
+      <dgm:whole/>
+    </dgm:dataModel>
+  </dgm:sampData>
+  <dgm:styleData>
+    <dgm:dataModel>
+      <dgm:ptLst>
+        <dgm:pt modelId="0" type="doc"/>
+        <dgm:pt modelId="1"/>
+        <dgm:pt modelId="11"/>
+        <dgm:pt modelId="2"/>
+        <dgm:pt modelId="21"/>
+      </dgm:ptLst>
+      <dgm:cxnLst>
+        <dgm:cxn modelId="4" srcId="0" destId="1" srcOrd="0" destOrd="0"/>
+        <dgm:cxn modelId="5" srcId="0" destId="2" srcOrd="1" destOrd="0"/>
+        <dgm:cxn modelId="13" srcId="1" destId="11" srcOrd="0" destOrd="0"/>
+        <dgm:cxn modelId="23" srcId="2" destId="21" srcOrd="0" destOrd="0"/>
+      </dgm:cxnLst>
+      <dgm:bg/>
+      <dgm:whole/>
+    </dgm:dataModel>
+  </dgm:styleData>
+  <dgm:clrData>
+    <dgm:dataModel>
+      <dgm:ptLst>
+        <dgm:pt modelId="0" type="doc"/>
+        <dgm:pt modelId="1"/>
+        <dgm:pt modelId="11"/>
+        <dgm:pt modelId="2"/>
+        <dgm:pt modelId="21"/>
+        <dgm:pt modelId="3"/>
+        <dgm:pt modelId="31"/>
+        <dgm:pt modelId="4"/>
+        <dgm:pt modelId="41"/>
+      </dgm:ptLst>
+      <dgm:cxnLst>
+        <dgm:cxn modelId="5" srcId="0" destId="1" srcOrd="0" destOrd="0"/>
+        <dgm:cxn modelId="6" srcId="0" destId="2" srcOrd="1" destOrd="0"/>
+        <dgm:cxn modelId="7" srcId="0" destId="3" srcOrd="2" destOrd="0"/>
+        <dgm:cxn modelId="8" srcId="0" destId="4" srcOrd="3" destOrd="0"/>
+        <dgm:cxn modelId="13" srcId="1" destId="11" srcOrd="0" destOrd="0"/>
+        <dgm:cxn modelId="23" srcId="2" destId="21" srcOrd="0" destOrd="0"/>
+        <dgm:cxn modelId="33" srcId="3" destId="31" srcOrd="0" destOrd="0"/>
+        <dgm:cxn modelId="43" srcId="4" destId="41" srcOrd="0" destOrd="0"/>
+      </dgm:cxnLst>
+      <dgm:bg/>
+      <dgm:whole/>
+    </dgm:dataModel>
+  </dgm:clrData>
+  <dgm:layoutNode name="diagram">
+    <dgm:varLst>
+      <dgm:dir/>
+      <dgm:animLvl val="lvl"/>
+      <dgm:resizeHandles val="exact"/>
+    </dgm:varLst>
+    <dgm:choose name="Name0">
+      <dgm:if name="Name1" axis="self" func="var" arg="dir" op="equ" val="norm">
+        <dgm:alg type="snake">
+          <dgm:param type="grDir" val="tL"/>
+          <dgm:param type="flowDir" val="row"/>
+          <dgm:param type="contDir" val="sameDir"/>
+          <dgm:param type="off" val="ctr"/>
+        </dgm:alg>
+      </dgm:if>
+      <dgm:else name="Name2">
+        <dgm:alg type="snake">
+          <dgm:param type="grDir" val="tR"/>
+          <dgm:param type="flowDir" val="row"/>
+          <dgm:param type="contDir" val="sameDir"/>
+          <dgm:param type="off" val="ctr"/>
+        </dgm:alg>
+      </dgm:else>
+    </dgm:choose>
+    <dgm:shape xmlns:r="http://schemas.openxmlformats.org/officeDocument/2006/relationships" r:blip="">
+      <dgm:adjLst/>
+    </dgm:shape>
+    <dgm:presOf/>
+    <dgm:constrLst>
+      <dgm:constr type="w" for="ch" forName="compNode" refType="w"/>
+      <dgm:constr type="w" for="ch" ptType="sibTrans" refType="w" refFor="ch" refForName="compNode" op="equ" fact="0.08"/>
+      <dgm:constr type="sp" refType="w" refFor="ch" refForName="compNode" op="equ" fact="0.16"/>
+      <dgm:constr type="primFontSz" for="des" forName="parentText" op="equ" val="65"/>
+      <dgm:constr type="primFontSz" for="des" forName="childRect" op="equ" val="65"/>
+    </dgm:constrLst>
+    <dgm:ruleLst/>
+    <dgm:forEach name="nodesForEach" axis="ch" ptType="node">
+      <dgm:layoutNode name="compNode">
+        <dgm:alg type="composite">
+          <dgm:param type="ar" val="0.943"/>
+        </dgm:alg>
+        <dgm:shape xmlns:r="http://schemas.openxmlformats.org/officeDocument/2006/relationships" r:blip="">
+          <dgm:adjLst/>
+        </dgm:shape>
+        <dgm:presOf/>
+        <dgm:choose name="Name3">
+          <dgm:if name="Name4" axis="self" func="var" arg="dir" op="equ" val="norm">
+            <dgm:constrLst>
+              <dgm:constr type="w" val="1"/>
+              <dgm:constr type="h" refType="w" fact="1.06"/>
+              <dgm:constr type="h" for="ch" forName="childRect" refType="h" fact="0.65"/>
+              <dgm:constr type="w" for="ch" forName="childRect" refType="w" fact="0.923"/>
+              <dgm:constr type="l" for="ch" forName="childRect"/>
+              <dgm:constr type="t" for="ch" forName="childRect"/>
+              <dgm:constr type="w" for="ch" forName="parentText" refType="w" fact="0.65"/>
+              <dgm:constr type="h" for="ch" forName="parentText" refType="h" refFor="ch" refForName="childRect" fact="0.43"/>
+              <dgm:constr type="l" for="ch" forName="parentText"/>
+              <dgm:constr type="t" for="ch" forName="parentText" refType="h" refFor="ch" refForName="childRect"/>
+              <dgm:constr type="w" for="ch" forName="parentRect" refType="w" fact="0.923"/>
+              <dgm:constr type="h" for="ch" forName="parentRect" refType="h" refFor="ch" refForName="parentText"/>
+              <dgm:constr type="l" for="ch" forName="parentRect"/>
+              <dgm:constr type="t" for="ch" forName="parentRect" refType="t" refFor="ch" refForName="parentText"/>
+              <dgm:constr type="w" for="ch" forName="adorn" refType="w" refFor="ch" refForName="parentRect" fact="0.35"/>
+              <dgm:constr type="h" for="ch" forName="adorn" refType="w" refFor="ch" refForName="parentRect" fact="0.35"/>
+              <dgm:constr type="b" for="ch" forName="adorn" refType="h"/>
+              <dgm:constr type="r" for="ch" forName="adorn" refType="w"/>
+            </dgm:constrLst>
+          </dgm:if>
+          <dgm:else name="Name5">
+            <dgm:constrLst>
+              <dgm:constr type="w" val="1"/>
+              <dgm:constr type="h" refType="w" fact="1.06"/>
+              <dgm:constr type="h" for="ch" forName="childRect" refType="h" fact="0.65"/>
+              <dgm:constr type="w" for="ch" forName="childRect" refType="w" fact="0.923"/>
+              <dgm:constr type="r" for="ch" forName="childRect" refType="w"/>
+              <dgm:constr type="t" for="ch" forName="childRect"/>
+              <dgm:constr type="w" for="ch" forName="parentText" refType="w" fact="0.65"/>
+              <dgm:constr type="h" for="ch" forName="parentText" refType="h" refFor="ch" refForName="childRect" fact="0.43"/>
+              <dgm:constr type="r" for="ch" forName="parentText" refType="w"/>
+              <dgm:constr type="t" for="ch" forName="parentText" refType="h" refFor="ch" refForName="childRect"/>
+              <dgm:constr type="w" for="ch" forName="parentRect" refType="w" fact="0.923"/>
+              <dgm:constr type="h" for="ch" forName="parentRect" refType="h" refFor="ch" refForName="parentText"/>
+              <dgm:constr type="r" for="ch" forName="parentRect" refType="w"/>
+              <dgm:constr type="t" for="ch" forName="parentRect" refType="t" refFor="ch" refForName="parentText"/>
+              <dgm:constr type="w" for="ch" forName="adorn" refType="w" refFor="ch" refForName="parentRect" fact="0.35"/>
+              <dgm:constr type="h" for="ch" forName="adorn" refType="w" refFor="ch" refForName="parentRect" fact="0.35"/>
+              <dgm:constr type="b" for="ch" forName="adorn" refType="h"/>
+              <dgm:constr type="l" for="ch" forName="adorn"/>
+            </dgm:constrLst>
+          </dgm:else>
+        </dgm:choose>
+        <dgm:ruleLst/>
+        <dgm:layoutNode name="childRect" styleLbl="bgAcc1">
+          <dgm:varLst>
+            <dgm:bulletEnabled val="1"/>
+          </dgm:varLst>
+          <dgm:alg type="tx">
+            <dgm:param type="stBulletLvl" val="1"/>
+          </dgm:alg>
+          <dgm:shape xmlns:r="http://schemas.openxmlformats.org/officeDocument/2006/relationships" type="round2SameRect" r:blip="">
+            <dgm:adjLst>
+              <dgm:adj idx="1" val="0.08"/>
+            </dgm:adjLst>
+          </dgm:shape>
+          <dgm:presOf axis="des" ptType="node"/>
+          <dgm:constrLst>
+            <dgm:constr type="secFontSz" refType="primFontSz"/>
+            <dgm:constr type="tMarg" refType="primFontSz" fact="0.3"/>
+            <dgm:constr type="bMarg" refType="primFontSz" fact="0.1"/>
+            <dgm:constr type="lMarg" refType="primFontSz" fact="0.1"/>
+            <dgm:constr type="rMarg" refType="primFontSz" fact="0.1"/>
+          </dgm:constrLst>
+          <dgm:ruleLst>
+            <dgm:rule type="primFontSz" val="5" fact="NaN" max="NaN"/>
+          </dgm:ruleLst>
+        </dgm:layoutNode>
+        <dgm:layoutNode name="parentText">
+          <dgm:varLst>
+            <dgm:chMax val="0"/>
+            <dgm:bulletEnabled val="1"/>
+          </dgm:varLst>
+          <dgm:choose name="Name6">
+            <dgm:if name="Name7" func="var" arg="dir" op="equ" val="norm">
+              <dgm:alg type="tx">
+                <dgm:param type="parTxLTRAlign" val="l"/>
+                <dgm:param type="parTxRTLAlign" val="l"/>
+              </dgm:alg>
+            </dgm:if>
+            <dgm:else name="Name8">
+              <dgm:alg type="tx">
+                <dgm:param type="parTxLTRAlign" val="r"/>
+                <dgm:param type="parTxRTLAlign" val="r"/>
+              </dgm:alg>
+            </dgm:else>
+          </dgm:choose>
+          <dgm:shape xmlns:r="http://schemas.openxmlformats.org/officeDocument/2006/relationships" type="rect" r:blip="" zOrderOff="1" hideGeom="1">
+            <dgm:adjLst/>
+          </dgm:shape>
+          <dgm:presOf axis="self" ptType="node"/>
+          <dgm:constrLst>
+            <dgm:constr type="tMarg"/>
+            <dgm:constr type="bMarg"/>
+            <dgm:constr type="lMarg" refType="primFontSz" fact="0.3"/>
+            <dgm:constr type="rMarg" refType="primFontSz" fact="0.1"/>
+          </dgm:constrLst>
+          <dgm:ruleLst>
+            <dgm:rule type="primFontSz" val="5" fact="NaN" max="NaN"/>
+          </dgm:ruleLst>
+        </dgm:layoutNode>
+        <dgm:layoutNode name="parentRect" styleLbl="alignNode1">
+          <dgm:alg type="sp"/>
+          <dgm:shape xmlns:r="http://schemas.openxmlformats.org/officeDocument/2006/relationships" type="rect" r:blip="">
+            <dgm:adjLst/>
+          </dgm:shape>
+          <dgm:presOf axis="self" ptType="node"/>
+          <dgm:constrLst/>
+          <dgm:ruleLst/>
+        </dgm:layoutNode>
+        <dgm:layoutNode name="adorn" styleLbl="fgAccFollowNode1">
+          <dgm:alg type="sp"/>
+          <dgm:shape xmlns:r="http://schemas.openxmlformats.org/officeDocument/2006/relationships" type="ellipse" r:blip="" blipPhldr="1">
+            <dgm:adjLst/>
+          </dgm:shape>
+          <dgm:presOf/>
+          <dgm:constrLst/>
+          <dgm:ruleLst/>
+        </dgm:layoutNode>
+      </dgm:layoutNode>
+      <dgm:forEach name="sibTransForEach" axis="followSib" ptType="sibTrans" cnt="1">
+        <dgm:layoutNode name="sibTrans">
+          <dgm:alg type="sp"/>
+          <dgm:shape xmlns:r="http://schemas.openxmlformats.org/officeDocument/2006/relationships" type="rect" r:blip="" hideGeom="1">
+            <dgm:adjLst/>
+          </dgm:shape>
+          <dgm:presOf axis="self"/>
+          <dgm:constrLst>
+            <dgm:constr type="w" val="1"/>
+            <dgm:constr type="h" refType="w"/>
+          </dgm:constrLst>
+          <dgm:ruleLst/>
+        </dgm:layoutNode>
+      </dgm:forEach>
+    </dgm:forEach>
+  </dgm:layoutNode>
+</dgm:layoutDef>
+</file>
+
+<file path=ppt/diagrams/layout2.xml><?xml version="1.0" encoding="utf-8"?>
 <dgm:layoutDef xmlns:dgm="http://schemas.openxmlformats.org/drawingml/2006/diagram" xmlns:a="http://schemas.openxmlformats.org/drawingml/2006/main" uniqueId="urn:microsoft.com/office/officeart/2008/layout/NameandTitleOrganizationalChart">
   <dgm:title val=""/>
   <dgm:desc val=""/>
@@ -3922,6 +6269,1040 @@
 </file>
 
 <file path=ppt/diagrams/quickStyle1.xml><?xml version="1.0" encoding="utf-8"?>
+<dgm:styleDef xmlns:dgm="http://schemas.openxmlformats.org/drawingml/2006/diagram" xmlns:a="http://schemas.openxmlformats.org/drawingml/2006/main" uniqueId="urn:microsoft.com/office/officeart/2005/8/quickstyle/simple1">
+  <dgm:title val=""/>
+  <dgm:desc val=""/>
+  <dgm:catLst>
+    <dgm:cat type="simple" pri="10100"/>
+  </dgm:catLst>
+  <dgm:scene3d>
+    <a:camera prst="orthographicFront"/>
+    <a:lightRig rig="threePt" dir="t"/>
+  </dgm:scene3d>
+  <dgm:styleLbl name="node0">
+    <dgm:scene3d>
+      <a:camera prst="orthographicFront"/>
+      <a:lightRig rig="threePt" dir="t"/>
+    </dgm:scene3d>
+    <dgm:sp3d/>
+    <dgm:txPr/>
+    <dgm:style>
+      <a:lnRef idx="2">
+        <a:scrgbClr r="0" g="0" b="0"/>
+      </a:lnRef>
+      <a:fillRef idx="1">
+        <a:scrgbClr r="0" g="0" b="0"/>
+      </a:fillRef>
+      <a:effectRef idx="0">
+        <a:scrgbClr r="0" g="0" b="0"/>
+      </a:effectRef>
+      <a:fontRef idx="minor">
+        <a:schemeClr val="lt1"/>
+      </a:fontRef>
+    </dgm:style>
+  </dgm:styleLbl>
+  <dgm:styleLbl name="lnNode1">
+    <dgm:scene3d>
+      <a:camera prst="orthographicFront"/>
+      <a:lightRig rig="threePt" dir="t"/>
+    </dgm:scene3d>
+    <dgm:sp3d/>
+    <dgm:txPr/>
+    <dgm:style>
+      <a:lnRef idx="2">
+        <a:scrgbClr r="0" g="0" b="0"/>
+      </a:lnRef>
+      <a:fillRef idx="1">
+        <a:scrgbClr r="0" g="0" b="0"/>
+      </a:fillRef>
+      <a:effectRef idx="0">
+        <a:scrgbClr r="0" g="0" b="0"/>
+      </a:effectRef>
+      <a:fontRef idx="minor">
+        <a:schemeClr val="lt1"/>
+      </a:fontRef>
+    </dgm:style>
+  </dgm:styleLbl>
+  <dgm:styleLbl name="vennNode1">
+    <dgm:scene3d>
+      <a:camera prst="orthographicFront"/>
+      <a:lightRig rig="threePt" dir="t"/>
+    </dgm:scene3d>
+    <dgm:sp3d/>
+    <dgm:txPr/>
+    <dgm:style>
+      <a:lnRef idx="2">
+        <a:scrgbClr r="0" g="0" b="0"/>
+      </a:lnRef>
+      <a:fillRef idx="1">
+        <a:scrgbClr r="0" g="0" b="0"/>
+      </a:fillRef>
+      <a:effectRef idx="0">
+        <a:scrgbClr r="0" g="0" b="0"/>
+      </a:effectRef>
+      <a:fontRef idx="minor">
+        <a:schemeClr val="tx1"/>
+      </a:fontRef>
+    </dgm:style>
+  </dgm:styleLbl>
+  <dgm:styleLbl name="alignNode1">
+    <dgm:scene3d>
+      <a:camera prst="orthographicFront"/>
+      <a:lightRig rig="threePt" dir="t"/>
+    </dgm:scene3d>
+    <dgm:sp3d/>
+    <dgm:txPr/>
+    <dgm:style>
+      <a:lnRef idx="2">
+        <a:scrgbClr r="0" g="0" b="0"/>
+      </a:lnRef>
+      <a:fillRef idx="1">
+        <a:scrgbClr r="0" g="0" b="0"/>
+      </a:fillRef>
+      <a:effectRef idx="0">
+        <a:scrgbClr r="0" g="0" b="0"/>
+      </a:effectRef>
+      <a:fontRef idx="minor">
+        <a:schemeClr val="lt1"/>
+      </a:fontRef>
+    </dgm:style>
+  </dgm:styleLbl>
+  <dgm:styleLbl name="node1">
+    <dgm:scene3d>
+      <a:camera prst="orthographicFront"/>
+      <a:lightRig rig="threePt" dir="t"/>
+    </dgm:scene3d>
+    <dgm:sp3d/>
+    <dgm:txPr/>
+    <dgm:style>
+      <a:lnRef idx="2">
+        <a:scrgbClr r="0" g="0" b="0"/>
+      </a:lnRef>
+      <a:fillRef idx="1">
+        <a:scrgbClr r="0" g="0" b="0"/>
+      </a:fillRef>
+      <a:effectRef idx="0">
+        <a:scrgbClr r="0" g="0" b="0"/>
+      </a:effectRef>
+      <a:fontRef idx="minor">
+        <a:schemeClr val="lt1"/>
+      </a:fontRef>
+    </dgm:style>
+  </dgm:styleLbl>
+  <dgm:styleLbl name="node2">
+    <dgm:scene3d>
+      <a:camera prst="orthographicFront"/>
+      <a:lightRig rig="threePt" dir="t"/>
+    </dgm:scene3d>
+    <dgm:sp3d/>
+    <dgm:txPr/>
+    <dgm:style>
+      <a:lnRef idx="2">
+        <a:scrgbClr r="0" g="0" b="0"/>
+      </a:lnRef>
+      <a:fillRef idx="1">
+        <a:scrgbClr r="0" g="0" b="0"/>
+      </a:fillRef>
+      <a:effectRef idx="0">
+        <a:scrgbClr r="0" g="0" b="0"/>
+      </a:effectRef>
+      <a:fontRef idx="minor">
+        <a:schemeClr val="lt1"/>
+      </a:fontRef>
+    </dgm:style>
+  </dgm:styleLbl>
+  <dgm:styleLbl name="node3">
+    <dgm:scene3d>
+      <a:camera prst="orthographicFront"/>
+      <a:lightRig rig="threePt" dir="t"/>
+    </dgm:scene3d>
+    <dgm:sp3d/>
+    <dgm:txPr/>
+    <dgm:style>
+      <a:lnRef idx="2">
+        <a:scrgbClr r="0" g="0" b="0"/>
+      </a:lnRef>
+      <a:fillRef idx="1">
+        <a:scrgbClr r="0" g="0" b="0"/>
+      </a:fillRef>
+      <a:effectRef idx="0">
+        <a:scrgbClr r="0" g="0" b="0"/>
+      </a:effectRef>
+      <a:fontRef idx="minor">
+        <a:schemeClr val="lt1"/>
+      </a:fontRef>
+    </dgm:style>
+  </dgm:styleLbl>
+  <dgm:styleLbl name="node4">
+    <dgm:scene3d>
+      <a:camera prst="orthographicFront"/>
+      <a:lightRig rig="threePt" dir="t"/>
+    </dgm:scene3d>
+    <dgm:sp3d/>
+    <dgm:txPr/>
+    <dgm:style>
+      <a:lnRef idx="2">
+        <a:scrgbClr r="0" g="0" b="0"/>
+      </a:lnRef>
+      <a:fillRef idx="1">
+        <a:scrgbClr r="0" g="0" b="0"/>
+      </a:fillRef>
+      <a:effectRef idx="0">
+        <a:scrgbClr r="0" g="0" b="0"/>
+      </a:effectRef>
+      <a:fontRef idx="minor">
+        <a:schemeClr val="lt1"/>
+      </a:fontRef>
+    </dgm:style>
+  </dgm:styleLbl>
+  <dgm:styleLbl name="fgImgPlace1">
+    <dgm:scene3d>
+      <a:camera prst="orthographicFront"/>
+      <a:lightRig rig="threePt" dir="t"/>
+    </dgm:scene3d>
+    <dgm:sp3d/>
+    <dgm:txPr/>
+    <dgm:style>
+      <a:lnRef idx="2">
+        <a:scrgbClr r="0" g="0" b="0"/>
+      </a:lnRef>
+      <a:fillRef idx="1">
+        <a:scrgbClr r="0" g="0" b="0"/>
+      </a:fillRef>
+      <a:effectRef idx="0">
+        <a:scrgbClr r="0" g="0" b="0"/>
+      </a:effectRef>
+      <a:fontRef idx="minor"/>
+    </dgm:style>
+  </dgm:styleLbl>
+  <dgm:styleLbl name="alignImgPlace1">
+    <dgm:scene3d>
+      <a:camera prst="orthographicFront"/>
+      <a:lightRig rig="threePt" dir="t"/>
+    </dgm:scene3d>
+    <dgm:sp3d/>
+    <dgm:txPr/>
+    <dgm:style>
+      <a:lnRef idx="2">
+        <a:scrgbClr r="0" g="0" b="0"/>
+      </a:lnRef>
+      <a:fillRef idx="1">
+        <a:scrgbClr r="0" g="0" b="0"/>
+      </a:fillRef>
+      <a:effectRef idx="0">
+        <a:scrgbClr r="0" g="0" b="0"/>
+      </a:effectRef>
+      <a:fontRef idx="minor"/>
+    </dgm:style>
+  </dgm:styleLbl>
+  <dgm:styleLbl name="bgImgPlace1">
+    <dgm:scene3d>
+      <a:camera prst="orthographicFront"/>
+      <a:lightRig rig="threePt" dir="t"/>
+    </dgm:scene3d>
+    <dgm:sp3d/>
+    <dgm:txPr/>
+    <dgm:style>
+      <a:lnRef idx="2">
+        <a:scrgbClr r="0" g="0" b="0"/>
+      </a:lnRef>
+      <a:fillRef idx="1">
+        <a:scrgbClr r="0" g="0" b="0"/>
+      </a:fillRef>
+      <a:effectRef idx="0">
+        <a:scrgbClr r="0" g="0" b="0"/>
+      </a:effectRef>
+      <a:fontRef idx="minor"/>
+    </dgm:style>
+  </dgm:styleLbl>
+  <dgm:styleLbl name="sibTrans2D1">
+    <dgm:scene3d>
+      <a:camera prst="orthographicFront"/>
+      <a:lightRig rig="threePt" dir="t"/>
+    </dgm:scene3d>
+    <dgm:sp3d/>
+    <dgm:txPr/>
+    <dgm:style>
+      <a:lnRef idx="0">
+        <a:scrgbClr r="0" g="0" b="0"/>
+      </a:lnRef>
+      <a:fillRef idx="1">
+        <a:scrgbClr r="0" g="0" b="0"/>
+      </a:fillRef>
+      <a:effectRef idx="0">
+        <a:scrgbClr r="0" g="0" b="0"/>
+      </a:effectRef>
+      <a:fontRef idx="minor">
+        <a:schemeClr val="lt1"/>
+      </a:fontRef>
+    </dgm:style>
+  </dgm:styleLbl>
+  <dgm:styleLbl name="fgSibTrans2D1">
+    <dgm:scene3d>
+      <a:camera prst="orthographicFront"/>
+      <a:lightRig rig="threePt" dir="t"/>
+    </dgm:scene3d>
+    <dgm:sp3d/>
+    <dgm:txPr/>
+    <dgm:style>
+      <a:lnRef idx="0">
+        <a:scrgbClr r="0" g="0" b="0"/>
+      </a:lnRef>
+      <a:fillRef idx="1">
+        <a:scrgbClr r="0" g="0" b="0"/>
+      </a:fillRef>
+      <a:effectRef idx="0">
+        <a:scrgbClr r="0" g="0" b="0"/>
+      </a:effectRef>
+      <a:fontRef idx="minor">
+        <a:schemeClr val="lt1"/>
+      </a:fontRef>
+    </dgm:style>
+  </dgm:styleLbl>
+  <dgm:styleLbl name="bgSibTrans2D1">
+    <dgm:scene3d>
+      <a:camera prst="orthographicFront"/>
+      <a:lightRig rig="threePt" dir="t"/>
+    </dgm:scene3d>
+    <dgm:sp3d/>
+    <dgm:txPr/>
+    <dgm:style>
+      <a:lnRef idx="0">
+        <a:scrgbClr r="0" g="0" b="0"/>
+      </a:lnRef>
+      <a:fillRef idx="1">
+        <a:scrgbClr r="0" g="0" b="0"/>
+      </a:fillRef>
+      <a:effectRef idx="0">
+        <a:scrgbClr r="0" g="0" b="0"/>
+      </a:effectRef>
+      <a:fontRef idx="minor">
+        <a:schemeClr val="lt1"/>
+      </a:fontRef>
+    </dgm:style>
+  </dgm:styleLbl>
+  <dgm:styleLbl name="sibTrans1D1">
+    <dgm:scene3d>
+      <a:camera prst="orthographicFront"/>
+      <a:lightRig rig="threePt" dir="t"/>
+    </dgm:scene3d>
+    <dgm:sp3d/>
+    <dgm:txPr/>
+    <dgm:style>
+      <a:lnRef idx="1">
+        <a:scrgbClr r="0" g="0" b="0"/>
+      </a:lnRef>
+      <a:fillRef idx="0">
+        <a:scrgbClr r="0" g="0" b="0"/>
+      </a:fillRef>
+      <a:effectRef idx="0">
+        <a:scrgbClr r="0" g="0" b="0"/>
+      </a:effectRef>
+      <a:fontRef idx="minor"/>
+    </dgm:style>
+  </dgm:styleLbl>
+  <dgm:styleLbl name="callout">
+    <dgm:scene3d>
+      <a:camera prst="orthographicFront"/>
+      <a:lightRig rig="threePt" dir="t"/>
+    </dgm:scene3d>
+    <dgm:sp3d/>
+    <dgm:txPr/>
+    <dgm:style>
+      <a:lnRef idx="2">
+        <a:scrgbClr r="0" g="0" b="0"/>
+      </a:lnRef>
+      <a:fillRef idx="1">
+        <a:scrgbClr r="0" g="0" b="0"/>
+      </a:fillRef>
+      <a:effectRef idx="0">
+        <a:scrgbClr r="0" g="0" b="0"/>
+      </a:effectRef>
+      <a:fontRef idx="minor"/>
+    </dgm:style>
+  </dgm:styleLbl>
+  <dgm:styleLbl name="asst0">
+    <dgm:scene3d>
+      <a:camera prst="orthographicFront"/>
+      <a:lightRig rig="threePt" dir="t"/>
+    </dgm:scene3d>
+    <dgm:sp3d/>
+    <dgm:txPr/>
+    <dgm:style>
+      <a:lnRef idx="2">
+        <a:scrgbClr r="0" g="0" b="0"/>
+      </a:lnRef>
+      <a:fillRef idx="1">
+        <a:scrgbClr r="0" g="0" b="0"/>
+      </a:fillRef>
+      <a:effectRef idx="0">
+        <a:scrgbClr r="0" g="0" b="0"/>
+      </a:effectRef>
+      <a:fontRef idx="minor">
+        <a:schemeClr val="lt1"/>
+      </a:fontRef>
+    </dgm:style>
+  </dgm:styleLbl>
+  <dgm:styleLbl name="asst1">
+    <dgm:scene3d>
+      <a:camera prst="orthographicFront"/>
+      <a:lightRig rig="threePt" dir="t"/>
+    </dgm:scene3d>
+    <dgm:sp3d/>
+    <dgm:txPr/>
+    <dgm:style>
+      <a:lnRef idx="2">
+        <a:scrgbClr r="0" g="0" b="0"/>
+      </a:lnRef>
+      <a:fillRef idx="1">
+        <a:scrgbClr r="0" g="0" b="0"/>
+      </a:fillRef>
+      <a:effectRef idx="0">
+        <a:scrgbClr r="0" g="0" b="0"/>
+      </a:effectRef>
+      <a:fontRef idx="minor">
+        <a:schemeClr val="lt1"/>
+      </a:fontRef>
+    </dgm:style>
+  </dgm:styleLbl>
+  <dgm:styleLbl name="asst2">
+    <dgm:scene3d>
+      <a:camera prst="orthographicFront"/>
+      <a:lightRig rig="threePt" dir="t"/>
+    </dgm:scene3d>
+    <dgm:sp3d/>
+    <dgm:txPr/>
+    <dgm:style>
+      <a:lnRef idx="2">
+        <a:scrgbClr r="0" g="0" b="0"/>
+      </a:lnRef>
+      <a:fillRef idx="1">
+        <a:scrgbClr r="0" g="0" b="0"/>
+      </a:fillRef>
+      <a:effectRef idx="0">
+        <a:scrgbClr r="0" g="0" b="0"/>
+      </a:effectRef>
+      <a:fontRef idx="minor">
+        <a:schemeClr val="lt1"/>
+      </a:fontRef>
+    </dgm:style>
+  </dgm:styleLbl>
+  <dgm:styleLbl name="asst3">
+    <dgm:scene3d>
+      <a:camera prst="orthographicFront"/>
+      <a:lightRig rig="threePt" dir="t"/>
+    </dgm:scene3d>
+    <dgm:sp3d/>
+    <dgm:txPr/>
+    <dgm:style>
+      <a:lnRef idx="2">
+        <a:scrgbClr r="0" g="0" b="0"/>
+      </a:lnRef>
+      <a:fillRef idx="1">
+        <a:scrgbClr r="0" g="0" b="0"/>
+      </a:fillRef>
+      <a:effectRef idx="0">
+        <a:scrgbClr r="0" g="0" b="0"/>
+      </a:effectRef>
+      <a:fontRef idx="minor">
+        <a:schemeClr val="lt1"/>
+      </a:fontRef>
+    </dgm:style>
+  </dgm:styleLbl>
+  <dgm:styleLbl name="asst4">
+    <dgm:scene3d>
+      <a:camera prst="orthographicFront"/>
+      <a:lightRig rig="threePt" dir="t"/>
+    </dgm:scene3d>
+    <dgm:sp3d/>
+    <dgm:txPr/>
+    <dgm:style>
+      <a:lnRef idx="2">
+        <a:scrgbClr r="0" g="0" b="0"/>
+      </a:lnRef>
+      <a:fillRef idx="1">
+        <a:scrgbClr r="0" g="0" b="0"/>
+      </a:fillRef>
+      <a:effectRef idx="0">
+        <a:scrgbClr r="0" g="0" b="0"/>
+      </a:effectRef>
+      <a:fontRef idx="minor">
+        <a:schemeClr val="lt1"/>
+      </a:fontRef>
+    </dgm:style>
+  </dgm:styleLbl>
+  <dgm:styleLbl name="parChTrans2D1">
+    <dgm:scene3d>
+      <a:camera prst="orthographicFront"/>
+      <a:lightRig rig="threePt" dir="t"/>
+    </dgm:scene3d>
+    <dgm:sp3d/>
+    <dgm:txPr/>
+    <dgm:style>
+      <a:lnRef idx="2">
+        <a:scrgbClr r="0" g="0" b="0"/>
+      </a:lnRef>
+      <a:fillRef idx="1">
+        <a:scrgbClr r="0" g="0" b="0"/>
+      </a:fillRef>
+      <a:effectRef idx="0">
+        <a:scrgbClr r="0" g="0" b="0"/>
+      </a:effectRef>
+      <a:fontRef idx="minor">
+        <a:schemeClr val="lt1"/>
+      </a:fontRef>
+    </dgm:style>
+  </dgm:styleLbl>
+  <dgm:styleLbl name="parChTrans2D2">
+    <dgm:scene3d>
+      <a:camera prst="orthographicFront"/>
+      <a:lightRig rig="threePt" dir="t"/>
+    </dgm:scene3d>
+    <dgm:sp3d/>
+    <dgm:txPr/>
+    <dgm:style>
+      <a:lnRef idx="2">
+        <a:scrgbClr r="0" g="0" b="0"/>
+      </a:lnRef>
+      <a:fillRef idx="1">
+        <a:scrgbClr r="0" g="0" b="0"/>
+      </a:fillRef>
+      <a:effectRef idx="0">
+        <a:scrgbClr r="0" g="0" b="0"/>
+      </a:effectRef>
+      <a:fontRef idx="minor">
+        <a:schemeClr val="lt1"/>
+      </a:fontRef>
+    </dgm:style>
+  </dgm:styleLbl>
+  <dgm:styleLbl name="parChTrans2D3">
+    <dgm:scene3d>
+      <a:camera prst="orthographicFront"/>
+      <a:lightRig rig="threePt" dir="t"/>
+    </dgm:scene3d>
+    <dgm:sp3d/>
+    <dgm:txPr/>
+    <dgm:style>
+      <a:lnRef idx="2">
+        <a:scrgbClr r="0" g="0" b="0"/>
+      </a:lnRef>
+      <a:fillRef idx="1">
+        <a:scrgbClr r="0" g="0" b="0"/>
+      </a:fillRef>
+      <a:effectRef idx="0">
+        <a:scrgbClr r="0" g="0" b="0"/>
+      </a:effectRef>
+      <a:fontRef idx="minor">
+        <a:schemeClr val="lt1"/>
+      </a:fontRef>
+    </dgm:style>
+  </dgm:styleLbl>
+  <dgm:styleLbl name="parChTrans2D4">
+    <dgm:scene3d>
+      <a:camera prst="orthographicFront"/>
+      <a:lightRig rig="threePt" dir="t"/>
+    </dgm:scene3d>
+    <dgm:sp3d/>
+    <dgm:txPr/>
+    <dgm:style>
+      <a:lnRef idx="2">
+        <a:scrgbClr r="0" g="0" b="0"/>
+      </a:lnRef>
+      <a:fillRef idx="1">
+        <a:scrgbClr r="0" g="0" b="0"/>
+      </a:fillRef>
+      <a:effectRef idx="0">
+        <a:scrgbClr r="0" g="0" b="0"/>
+      </a:effectRef>
+      <a:fontRef idx="minor">
+        <a:schemeClr val="lt1"/>
+      </a:fontRef>
+    </dgm:style>
+  </dgm:styleLbl>
+  <dgm:styleLbl name="parChTrans1D1">
+    <dgm:scene3d>
+      <a:camera prst="orthographicFront"/>
+      <a:lightRig rig="threePt" dir="t"/>
+    </dgm:scene3d>
+    <dgm:sp3d/>
+    <dgm:txPr/>
+    <dgm:style>
+      <a:lnRef idx="2">
+        <a:scrgbClr r="0" g="0" b="0"/>
+      </a:lnRef>
+      <a:fillRef idx="0">
+        <a:scrgbClr r="0" g="0" b="0"/>
+      </a:fillRef>
+      <a:effectRef idx="0">
+        <a:scrgbClr r="0" g="0" b="0"/>
+      </a:effectRef>
+      <a:fontRef idx="minor"/>
+    </dgm:style>
+  </dgm:styleLbl>
+  <dgm:styleLbl name="parChTrans1D2">
+    <dgm:scene3d>
+      <a:camera prst="orthographicFront"/>
+      <a:lightRig rig="threePt" dir="t"/>
+    </dgm:scene3d>
+    <dgm:sp3d/>
+    <dgm:txPr/>
+    <dgm:style>
+      <a:lnRef idx="2">
+        <a:scrgbClr r="0" g="0" b="0"/>
+      </a:lnRef>
+      <a:fillRef idx="0">
+        <a:scrgbClr r="0" g="0" b="0"/>
+      </a:fillRef>
+      <a:effectRef idx="0">
+        <a:scrgbClr r="0" g="0" b="0"/>
+      </a:effectRef>
+      <a:fontRef idx="minor"/>
+    </dgm:style>
+  </dgm:styleLbl>
+  <dgm:styleLbl name="parChTrans1D3">
+    <dgm:scene3d>
+      <a:camera prst="orthographicFront"/>
+      <a:lightRig rig="threePt" dir="t"/>
+    </dgm:scene3d>
+    <dgm:sp3d/>
+    <dgm:txPr/>
+    <dgm:style>
+      <a:lnRef idx="2">
+        <a:scrgbClr r="0" g="0" b="0"/>
+      </a:lnRef>
+      <a:fillRef idx="0">
+        <a:scrgbClr r="0" g="0" b="0"/>
+      </a:fillRef>
+      <a:effectRef idx="0">
+        <a:scrgbClr r="0" g="0" b="0"/>
+      </a:effectRef>
+      <a:fontRef idx="minor"/>
+    </dgm:style>
+  </dgm:styleLbl>
+  <dgm:styleLbl name="parChTrans1D4">
+    <dgm:scene3d>
+      <a:camera prst="orthographicFront"/>
+      <a:lightRig rig="threePt" dir="t"/>
+    </dgm:scene3d>
+    <dgm:sp3d/>
+    <dgm:txPr/>
+    <dgm:style>
+      <a:lnRef idx="2">
+        <a:scrgbClr r="0" g="0" b="0"/>
+      </a:lnRef>
+      <a:fillRef idx="0">
+        <a:scrgbClr r="0" g="0" b="0"/>
+      </a:fillRef>
+      <a:effectRef idx="0">
+        <a:scrgbClr r="0" g="0" b="0"/>
+      </a:effectRef>
+      <a:fontRef idx="minor"/>
+    </dgm:style>
+  </dgm:styleLbl>
+  <dgm:styleLbl name="fgAcc1">
+    <dgm:scene3d>
+      <a:camera prst="orthographicFront"/>
+      <a:lightRig rig="threePt" dir="t"/>
+    </dgm:scene3d>
+    <dgm:sp3d/>
+    <dgm:txPr/>
+    <dgm:style>
+      <a:lnRef idx="2">
+        <a:scrgbClr r="0" g="0" b="0"/>
+      </a:lnRef>
+      <a:fillRef idx="1">
+        <a:scrgbClr r="0" g="0" b="0"/>
+      </a:fillRef>
+      <a:effectRef idx="0">
+        <a:scrgbClr r="0" g="0" b="0"/>
+      </a:effectRef>
+      <a:fontRef idx="minor"/>
+    </dgm:style>
+  </dgm:styleLbl>
+  <dgm:styleLbl name="conFgAcc1">
+    <dgm:scene3d>
+      <a:camera prst="orthographicFront"/>
+      <a:lightRig rig="threePt" dir="t"/>
+    </dgm:scene3d>
+    <dgm:sp3d/>
+    <dgm:txPr/>
+    <dgm:style>
+      <a:lnRef idx="2">
+        <a:scrgbClr r="0" g="0" b="0"/>
+      </a:lnRef>
+      <a:fillRef idx="1">
+        <a:scrgbClr r="0" g="0" b="0"/>
+      </a:fillRef>
+      <a:effectRef idx="0">
+        <a:scrgbClr r="0" g="0" b="0"/>
+      </a:effectRef>
+      <a:fontRef idx="minor"/>
+    </dgm:style>
+  </dgm:styleLbl>
+  <dgm:styleLbl name="alignAcc1">
+    <dgm:scene3d>
+      <a:camera prst="orthographicFront"/>
+      <a:lightRig rig="threePt" dir="t"/>
+    </dgm:scene3d>
+    <dgm:sp3d/>
+    <dgm:txPr/>
+    <dgm:style>
+      <a:lnRef idx="2">
+        <a:scrgbClr r="0" g="0" b="0"/>
+      </a:lnRef>
+      <a:fillRef idx="1">
+        <a:scrgbClr r="0" g="0" b="0"/>
+      </a:fillRef>
+      <a:effectRef idx="0">
+        <a:scrgbClr r="0" g="0" b="0"/>
+      </a:effectRef>
+      <a:fontRef idx="minor"/>
+    </dgm:style>
+  </dgm:styleLbl>
+  <dgm:styleLbl name="trAlignAcc1">
+    <dgm:scene3d>
+      <a:camera prst="orthographicFront"/>
+      <a:lightRig rig="threePt" dir="t"/>
+    </dgm:scene3d>
+    <dgm:sp3d/>
+    <dgm:txPr/>
+    <dgm:style>
+      <a:lnRef idx="1">
+        <a:scrgbClr r="0" g="0" b="0"/>
+      </a:lnRef>
+      <a:fillRef idx="1">
+        <a:scrgbClr r="0" g="0" b="0"/>
+      </a:fillRef>
+      <a:effectRef idx="0">
+        <a:scrgbClr r="0" g="0" b="0"/>
+      </a:effectRef>
+      <a:fontRef idx="minor"/>
+    </dgm:style>
+  </dgm:styleLbl>
+  <dgm:styleLbl name="bgAcc1">
+    <dgm:scene3d>
+      <a:camera prst="orthographicFront"/>
+      <a:lightRig rig="threePt" dir="t"/>
+    </dgm:scene3d>
+    <dgm:sp3d/>
+    <dgm:txPr/>
+    <dgm:style>
+      <a:lnRef idx="2">
+        <a:scrgbClr r="0" g="0" b="0"/>
+      </a:lnRef>
+      <a:fillRef idx="1">
+        <a:scrgbClr r="0" g="0" b="0"/>
+      </a:fillRef>
+      <a:effectRef idx="0">
+        <a:scrgbClr r="0" g="0" b="0"/>
+      </a:effectRef>
+      <a:fontRef idx="minor"/>
+    </dgm:style>
+  </dgm:styleLbl>
+  <dgm:styleLbl name="solidFgAcc1">
+    <dgm:scene3d>
+      <a:camera prst="orthographicFront"/>
+      <a:lightRig rig="threePt" dir="t"/>
+    </dgm:scene3d>
+    <dgm:sp3d/>
+    <dgm:txPr/>
+    <dgm:style>
+      <a:lnRef idx="2">
+        <a:scrgbClr r="0" g="0" b="0"/>
+      </a:lnRef>
+      <a:fillRef idx="1">
+        <a:scrgbClr r="0" g="0" b="0"/>
+      </a:fillRef>
+      <a:effectRef idx="0">
+        <a:scrgbClr r="0" g="0" b="0"/>
+      </a:effectRef>
+      <a:fontRef idx="minor"/>
+    </dgm:style>
+  </dgm:styleLbl>
+  <dgm:styleLbl name="solidAlignAcc1">
+    <dgm:scene3d>
+      <a:camera prst="orthographicFront"/>
+      <a:lightRig rig="threePt" dir="t"/>
+    </dgm:scene3d>
+    <dgm:sp3d/>
+    <dgm:txPr/>
+    <dgm:style>
+      <a:lnRef idx="2">
+        <a:scrgbClr r="0" g="0" b="0"/>
+      </a:lnRef>
+      <a:fillRef idx="1">
+        <a:scrgbClr r="0" g="0" b="0"/>
+      </a:fillRef>
+      <a:effectRef idx="0">
+        <a:scrgbClr r="0" g="0" b="0"/>
+      </a:effectRef>
+      <a:fontRef idx="minor"/>
+    </dgm:style>
+  </dgm:styleLbl>
+  <dgm:styleLbl name="solidBgAcc1">
+    <dgm:scene3d>
+      <a:camera prst="orthographicFront"/>
+      <a:lightRig rig="threePt" dir="t"/>
+    </dgm:scene3d>
+    <dgm:sp3d/>
+    <dgm:txPr/>
+    <dgm:style>
+      <a:lnRef idx="2">
+        <a:scrgbClr r="0" g="0" b="0"/>
+      </a:lnRef>
+      <a:fillRef idx="1">
+        <a:scrgbClr r="0" g="0" b="0"/>
+      </a:fillRef>
+      <a:effectRef idx="0">
+        <a:scrgbClr r="0" g="0" b="0"/>
+      </a:effectRef>
+      <a:fontRef idx="minor"/>
+    </dgm:style>
+  </dgm:styleLbl>
+  <dgm:styleLbl name="fgAccFollowNode1">
+    <dgm:scene3d>
+      <a:camera prst="orthographicFront"/>
+      <a:lightRig rig="threePt" dir="t"/>
+    </dgm:scene3d>
+    <dgm:sp3d/>
+    <dgm:txPr/>
+    <dgm:style>
+      <a:lnRef idx="2">
+        <a:scrgbClr r="0" g="0" b="0"/>
+      </a:lnRef>
+      <a:fillRef idx="1">
+        <a:scrgbClr r="0" g="0" b="0"/>
+      </a:fillRef>
+      <a:effectRef idx="0">
+        <a:scrgbClr r="0" g="0" b="0"/>
+      </a:effectRef>
+      <a:fontRef idx="minor"/>
+    </dgm:style>
+  </dgm:styleLbl>
+  <dgm:styleLbl name="alignAccFollowNode1">
+    <dgm:scene3d>
+      <a:camera prst="orthographicFront"/>
+      <a:lightRig rig="threePt" dir="t"/>
+    </dgm:scene3d>
+    <dgm:sp3d/>
+    <dgm:txPr/>
+    <dgm:style>
+      <a:lnRef idx="2">
+        <a:scrgbClr r="0" g="0" b="0"/>
+      </a:lnRef>
+      <a:fillRef idx="1">
+        <a:scrgbClr r="0" g="0" b="0"/>
+      </a:fillRef>
+      <a:effectRef idx="0">
+        <a:scrgbClr r="0" g="0" b="0"/>
+      </a:effectRef>
+      <a:fontRef idx="minor"/>
+    </dgm:style>
+  </dgm:styleLbl>
+  <dgm:styleLbl name="bgAccFollowNode1">
+    <dgm:scene3d>
+      <a:camera prst="orthographicFront"/>
+      <a:lightRig rig="threePt" dir="t"/>
+    </dgm:scene3d>
+    <dgm:sp3d/>
+    <dgm:txPr/>
+    <dgm:style>
+      <a:lnRef idx="2">
+        <a:scrgbClr r="0" g="0" b="0"/>
+      </a:lnRef>
+      <a:fillRef idx="1">
+        <a:scrgbClr r="0" g="0" b="0"/>
+      </a:fillRef>
+      <a:effectRef idx="0">
+        <a:scrgbClr r="0" g="0" b="0"/>
+      </a:effectRef>
+      <a:fontRef idx="minor"/>
+    </dgm:style>
+  </dgm:styleLbl>
+  <dgm:styleLbl name="fgAcc0">
+    <dgm:scene3d>
+      <a:camera prst="orthographicFront"/>
+      <a:lightRig rig="threePt" dir="t"/>
+    </dgm:scene3d>
+    <dgm:sp3d/>
+    <dgm:txPr/>
+    <dgm:style>
+      <a:lnRef idx="2">
+        <a:scrgbClr r="0" g="0" b="0"/>
+      </a:lnRef>
+      <a:fillRef idx="1">
+        <a:scrgbClr r="0" g="0" b="0"/>
+      </a:fillRef>
+      <a:effectRef idx="0">
+        <a:scrgbClr r="0" g="0" b="0"/>
+      </a:effectRef>
+      <a:fontRef idx="minor"/>
+    </dgm:style>
+  </dgm:styleLbl>
+  <dgm:styleLbl name="fgAcc2">
+    <dgm:scene3d>
+      <a:camera prst="orthographicFront"/>
+      <a:lightRig rig="threePt" dir="t"/>
+    </dgm:scene3d>
+    <dgm:sp3d/>
+    <dgm:txPr/>
+    <dgm:style>
+      <a:lnRef idx="2">
+        <a:scrgbClr r="0" g="0" b="0"/>
+      </a:lnRef>
+      <a:fillRef idx="1">
+        <a:scrgbClr r="0" g="0" b="0"/>
+      </a:fillRef>
+      <a:effectRef idx="0">
+        <a:scrgbClr r="0" g="0" b="0"/>
+      </a:effectRef>
+      <a:fontRef idx="minor"/>
+    </dgm:style>
+  </dgm:styleLbl>
+  <dgm:styleLbl name="fgAcc3">
+    <dgm:scene3d>
+      <a:camera prst="orthographicFront"/>
+      <a:lightRig rig="threePt" dir="t"/>
+    </dgm:scene3d>
+    <dgm:sp3d/>
+    <dgm:txPr/>
+    <dgm:style>
+      <a:lnRef idx="2">
+        <a:scrgbClr r="0" g="0" b="0"/>
+      </a:lnRef>
+      <a:fillRef idx="1">
+        <a:scrgbClr r="0" g="0" b="0"/>
+      </a:fillRef>
+      <a:effectRef idx="0">
+        <a:scrgbClr r="0" g="0" b="0"/>
+      </a:effectRef>
+      <a:fontRef idx="minor"/>
+    </dgm:style>
+  </dgm:styleLbl>
+  <dgm:styleLbl name="fgAcc4">
+    <dgm:scene3d>
+      <a:camera prst="orthographicFront"/>
+      <a:lightRig rig="threePt" dir="t"/>
+    </dgm:scene3d>
+    <dgm:sp3d/>
+    <dgm:txPr/>
+    <dgm:style>
+      <a:lnRef idx="2">
+        <a:scrgbClr r="0" g="0" b="0"/>
+      </a:lnRef>
+      <a:fillRef idx="1">
+        <a:scrgbClr r="0" g="0" b="0"/>
+      </a:fillRef>
+      <a:effectRef idx="0">
+        <a:scrgbClr r="0" g="0" b="0"/>
+      </a:effectRef>
+      <a:fontRef idx="minor"/>
+    </dgm:style>
+  </dgm:styleLbl>
+  <dgm:styleLbl name="bgShp">
+    <dgm:scene3d>
+      <a:camera prst="orthographicFront"/>
+      <a:lightRig rig="threePt" dir="t"/>
+    </dgm:scene3d>
+    <dgm:sp3d/>
+    <dgm:txPr/>
+    <dgm:style>
+      <a:lnRef idx="0">
+        <a:scrgbClr r="0" g="0" b="0"/>
+      </a:lnRef>
+      <a:fillRef idx="1">
+        <a:scrgbClr r="0" g="0" b="0"/>
+      </a:fillRef>
+      <a:effectRef idx="0">
+        <a:scrgbClr r="0" g="0" b="0"/>
+      </a:effectRef>
+      <a:fontRef idx="minor"/>
+    </dgm:style>
+  </dgm:styleLbl>
+  <dgm:styleLbl name="dkBgShp">
+    <dgm:scene3d>
+      <a:camera prst="orthographicFront"/>
+      <a:lightRig rig="threePt" dir="t"/>
+    </dgm:scene3d>
+    <dgm:sp3d/>
+    <dgm:txPr/>
+    <dgm:style>
+      <a:lnRef idx="0">
+        <a:scrgbClr r="0" g="0" b="0"/>
+      </a:lnRef>
+      <a:fillRef idx="1">
+        <a:scrgbClr r="0" g="0" b="0"/>
+      </a:fillRef>
+      <a:effectRef idx="0">
+        <a:scrgbClr r="0" g="0" b="0"/>
+      </a:effectRef>
+      <a:fontRef idx="minor"/>
+    </dgm:style>
+  </dgm:styleLbl>
+  <dgm:styleLbl name="trBgShp">
+    <dgm:scene3d>
+      <a:camera prst="orthographicFront"/>
+      <a:lightRig rig="threePt" dir="t"/>
+    </dgm:scene3d>
+    <dgm:sp3d/>
+    <dgm:txPr/>
+    <dgm:style>
+      <a:lnRef idx="0">
+        <a:scrgbClr r="0" g="0" b="0"/>
+      </a:lnRef>
+      <a:fillRef idx="1">
+        <a:scrgbClr r="0" g="0" b="0"/>
+      </a:fillRef>
+      <a:effectRef idx="0">
+        <a:scrgbClr r="0" g="0" b="0"/>
+      </a:effectRef>
+      <a:fontRef idx="minor"/>
+    </dgm:style>
+  </dgm:styleLbl>
+  <dgm:styleLbl name="fgShp">
+    <dgm:scene3d>
+      <a:camera prst="orthographicFront"/>
+      <a:lightRig rig="threePt" dir="t"/>
+    </dgm:scene3d>
+    <dgm:sp3d/>
+    <dgm:txPr/>
+    <dgm:style>
+      <a:lnRef idx="2">
+        <a:scrgbClr r="0" g="0" b="0"/>
+      </a:lnRef>
+      <a:fillRef idx="1">
+        <a:scrgbClr r="0" g="0" b="0"/>
+      </a:fillRef>
+      <a:effectRef idx="0">
+        <a:scrgbClr r="0" g="0" b="0"/>
+      </a:effectRef>
+      <a:fontRef idx="minor"/>
+    </dgm:style>
+  </dgm:styleLbl>
+  <dgm:styleLbl name="revTx">
+    <dgm:scene3d>
+      <a:camera prst="orthographicFront"/>
+      <a:lightRig rig="threePt" dir="t"/>
+    </dgm:scene3d>
+    <dgm:sp3d/>
+    <dgm:txPr/>
+    <dgm:style>
+      <a:lnRef idx="0">
+        <a:scrgbClr r="0" g="0" b="0"/>
+      </a:lnRef>
+      <a:fillRef idx="0">
+        <a:scrgbClr r="0" g="0" b="0"/>
+      </a:fillRef>
+      <a:effectRef idx="0">
+        <a:scrgbClr r="0" g="0" b="0"/>
+      </a:effectRef>
+      <a:fontRef idx="minor"/>
+    </dgm:style>
+  </dgm:styleLbl>
+</dgm:styleDef>
+</file>
+
+<file path=ppt/diagrams/quickStyle2.xml><?xml version="1.0" encoding="utf-8"?>
 <dgm:styleDef xmlns:dgm="http://schemas.openxmlformats.org/drawingml/2006/diagram" xmlns:a="http://schemas.openxmlformats.org/drawingml/2006/main" uniqueId="urn:microsoft.com/office/officeart/2005/8/quickstyle/simple1">
   <dgm:title val=""/>
   <dgm:desc val=""/>
@@ -9097,12 +12478,16 @@
               <a:buNone/>
             </a:pPr>
             <a:r>
-              <a:rPr lang="en-ZA" dirty="0" smtClean="0"/>
-              <a:t>Kyle </a:t>
+              <a:rPr lang="en-ZA" dirty="0" err="1" smtClean="0"/>
+              <a:t>Matsobane</a:t>
             </a:r>
             <a:r>
-              <a:rPr lang="en-ZA" dirty="0" err="1"/>
-              <a:t>Trehaeven</a:t>
+              <a:rPr lang="en-ZA" dirty="0" smtClean="0"/>
+              <a:t> </a:t>
+            </a:r>
+            <a:r>
+              <a:rPr lang="en-ZA" dirty="0" err="1" smtClean="0"/>
+              <a:t>Khwinana</a:t>
             </a:r>
             <a:endParaRPr lang="en-ZA" dirty="0"/>
           </a:p>
@@ -9157,209 +12542,26 @@
         </p:nvSpPr>
         <p:spPr/>
         <p:txBody>
-          <a:bodyPr>
-            <a:normAutofit fontScale="90000"/>
-          </a:bodyPr>
+          <a:bodyPr/>
           <a:lstStyle/>
           <a:p>
             <a:r>
               <a:rPr lang="en-ZA" dirty="0" smtClean="0"/>
-              <a:t>Detailed Design: Streaming Data (Class Diagram)</a:t>
+              <a:t>Detailed Design: </a:t>
+            </a:r>
+            <a:r>
+              <a:rPr lang="en-ZA" dirty="0" smtClean="0"/>
+              <a:t>History/ Batch Data</a:t>
             </a:r>
             <a:endParaRPr lang="en-ZA" dirty="0"/>
           </a:p>
         </p:txBody>
       </p:sp>
-      <p:sp>
-        <p:nvSpPr>
-          <p:cNvPr id="8" name="Rectangle 7"/>
-          <p:cNvSpPr/>
-          <p:nvPr/>
-        </p:nvSpPr>
-        <p:spPr>
-          <a:xfrm>
-            <a:off x="6732240" y="1268760"/>
-            <a:ext cx="2304256" cy="4968551"/>
-          </a:xfrm>
-          <a:prstGeom prst="rect">
-            <a:avLst/>
-          </a:prstGeom>
-          <a:noFill/>
-        </p:spPr>
-        <p:style>
-          <a:lnRef idx="2">
-            <a:schemeClr val="accent1">
-              <a:shade val="50000"/>
-            </a:schemeClr>
-          </a:lnRef>
-          <a:fillRef idx="1">
-            <a:schemeClr val="accent1"/>
-          </a:fillRef>
-          <a:effectRef idx="0">
-            <a:schemeClr val="accent1"/>
-          </a:effectRef>
-          <a:fontRef idx="minor">
-            <a:schemeClr val="lt1"/>
-          </a:fontRef>
-        </p:style>
-        <p:txBody>
-          <a:bodyPr rtlCol="0" anchor="t" anchorCtr="0"/>
-          <a:lstStyle/>
-          <a:p>
-            <a:pPr marL="342900" indent="-342900">
-              <a:buFont typeface="+mj-lt"/>
-              <a:buAutoNum type="arabicPeriod"/>
-            </a:pPr>
-            <a:r>
-              <a:rPr lang="en-ZA" sz="1400" dirty="0">
-                <a:solidFill>
-                  <a:schemeClr val="tx1"/>
-                </a:solidFill>
-              </a:rPr>
-              <a:t>U</a:t>
-            </a:r>
-            <a:r>
-              <a:rPr lang="en-ZA" sz="1400" dirty="0" smtClean="0">
-                <a:solidFill>
-                  <a:schemeClr val="tx1"/>
-                </a:solidFill>
-              </a:rPr>
-              <a:t>ser shall connect to the data visualization front-end using a browser</a:t>
-            </a:r>
-          </a:p>
-          <a:p>
-            <a:pPr marL="342900" indent="-342900">
-              <a:buFont typeface="+mj-lt"/>
-              <a:buAutoNum type="arabicPeriod"/>
-            </a:pPr>
-            <a:r>
-              <a:rPr lang="en-ZA" sz="1400" dirty="0" smtClean="0">
-                <a:solidFill>
-                  <a:schemeClr val="tx1"/>
-                </a:solidFill>
-              </a:rPr>
-              <a:t>Back-End service shall be exposed using .NET and IIS to present data to the user and to query </a:t>
-            </a:r>
-            <a:r>
-              <a:rPr lang="en-ZA" sz="1400" dirty="0" err="1" smtClean="0">
-                <a:solidFill>
-                  <a:schemeClr val="tx1"/>
-                </a:solidFill>
-              </a:rPr>
-              <a:t>Hadoop</a:t>
-            </a:r>
-            <a:endParaRPr lang="en-ZA" sz="1400" dirty="0" smtClean="0">
-              <a:solidFill>
-                <a:schemeClr val="tx1"/>
-              </a:solidFill>
-            </a:endParaRPr>
-          </a:p>
-          <a:p>
-            <a:pPr marL="342900" indent="-342900">
-              <a:buFont typeface="+mj-lt"/>
-              <a:buAutoNum type="arabicPeriod"/>
-            </a:pPr>
-            <a:r>
-              <a:rPr lang="en-ZA" sz="1400" dirty="0" smtClean="0">
-                <a:solidFill>
-                  <a:schemeClr val="tx1"/>
-                </a:solidFill>
-              </a:rPr>
-              <a:t>Twitter data shall be persisted here and user(s) will query it/ subscribe to a topic</a:t>
-            </a:r>
-          </a:p>
-          <a:p>
-            <a:pPr marL="342900" indent="-342900">
-              <a:buFont typeface="+mj-lt"/>
-              <a:buAutoNum type="arabicPeriod"/>
-            </a:pPr>
-            <a:r>
-              <a:rPr lang="en-ZA" sz="1400" dirty="0" smtClean="0">
-                <a:solidFill>
-                  <a:schemeClr val="tx1"/>
-                </a:solidFill>
-              </a:rPr>
-              <a:t>This component will be used to get twitter data/ streams</a:t>
-            </a:r>
-          </a:p>
-          <a:p>
-            <a:pPr marL="342900" indent="-342900">
-              <a:buFont typeface="+mj-lt"/>
-              <a:buAutoNum type="arabicPeriod"/>
-            </a:pPr>
-            <a:r>
-              <a:rPr lang="en-ZA" sz="1400" dirty="0" smtClean="0">
-                <a:solidFill>
-                  <a:schemeClr val="tx1"/>
-                </a:solidFill>
-              </a:rPr>
-              <a:t>Twitter will be the main source of our big data for the project.</a:t>
-            </a:r>
-          </a:p>
-          <a:p>
-            <a:pPr marL="342900" indent="-342900">
-              <a:buFont typeface="+mj-lt"/>
-              <a:buAutoNum type="arabicPeriod"/>
-            </a:pPr>
-            <a:r>
-              <a:rPr lang="en-ZA" sz="1400" dirty="0" err="1" smtClean="0">
-                <a:solidFill>
-                  <a:schemeClr val="tx1"/>
-                </a:solidFill>
-              </a:rPr>
-              <a:t>MongoDB</a:t>
-            </a:r>
-            <a:r>
-              <a:rPr lang="en-ZA" sz="1400" dirty="0" smtClean="0">
-                <a:solidFill>
-                  <a:schemeClr val="tx1"/>
-                </a:solidFill>
-              </a:rPr>
-              <a:t> will be used as temporary storage for the data before it is moved to </a:t>
-            </a:r>
-            <a:r>
-              <a:rPr lang="en-ZA" sz="1400" dirty="0" err="1" smtClean="0">
-                <a:solidFill>
-                  <a:schemeClr val="tx1"/>
-                </a:solidFill>
-              </a:rPr>
-              <a:t>Hadoop</a:t>
-            </a:r>
-            <a:endParaRPr lang="en-ZA" sz="1400" dirty="0" smtClean="0">
-              <a:solidFill>
-                <a:schemeClr val="tx1"/>
-              </a:solidFill>
-            </a:endParaRPr>
-          </a:p>
-          <a:p>
-            <a:pPr marL="342900" indent="-342900">
-              <a:buFont typeface="+mj-lt"/>
-              <a:buAutoNum type="arabicPeriod"/>
-            </a:pPr>
-            <a:endParaRPr lang="en-ZA" sz="1400" dirty="0" smtClean="0">
-              <a:solidFill>
-                <a:schemeClr val="tx1"/>
-              </a:solidFill>
-            </a:endParaRPr>
-          </a:p>
-          <a:p>
-            <a:pPr marL="342900" indent="-342900">
-              <a:buFont typeface="+mj-lt"/>
-              <a:buAutoNum type="arabicPeriod"/>
-            </a:pPr>
-            <a:endParaRPr lang="en-ZA" sz="1400" dirty="0">
-              <a:solidFill>
-                <a:schemeClr val="tx1"/>
-              </a:solidFill>
-            </a:endParaRPr>
-          </a:p>
-        </p:txBody>
-      </p:sp>
       <p:pic>
         <p:nvPicPr>
-          <p:cNvPr id="12" name="Picture 11"/>
+          <p:cNvPr id="5" name="Picture 2"/>
           <p:cNvPicPr>
-            <a:picLocks noChangeAspect="1"/>
+            <a:picLocks noChangeAspect="1" noChangeArrowheads="1"/>
           </p:cNvPicPr>
           <p:nvPr/>
         </p:nvPicPr>
@@ -9371,24 +12573,58 @@
               </a:ext>
             </a:extLst>
           </a:blip>
+          <a:srcRect/>
           <a:stretch>
             <a:fillRect/>
           </a:stretch>
         </p:blipFill>
-        <p:spPr>
+        <p:spPr bwMode="auto">
           <a:xfrm>
-            <a:off x="83681" y="1292943"/>
-            <a:ext cx="6504543" cy="4944368"/>
+            <a:off x="107504" y="1268759"/>
+            <a:ext cx="8856983" cy="5328593"/>
           </a:xfrm>
           <a:prstGeom prst="rect">
             <a:avLst/>
           </a:prstGeom>
+          <a:noFill/>
+          <a:ln>
+            <a:noFill/>
+          </a:ln>
+          <a:effectLst/>
+          <a:extLst>
+            <a:ext uri="{909E8E84-426E-40DD-AFC4-6F175D3DCCD1}">
+              <a14:hiddenFill xmlns:a14="http://schemas.microsoft.com/office/drawing/2010/main">
+                <a:solidFill>
+                  <a:schemeClr val="accent1"/>
+                </a:solidFill>
+              </a14:hiddenFill>
+            </a:ext>
+            <a:ext uri="{91240B29-F687-4F45-9708-019B960494DF}">
+              <a14:hiddenLine xmlns:a14="http://schemas.microsoft.com/office/drawing/2010/main" w="9525">
+                <a:solidFill>
+                  <a:schemeClr val="tx1"/>
+                </a:solidFill>
+                <a:miter lim="800000"/>
+                <a:headEnd/>
+                <a:tailEnd/>
+              </a14:hiddenLine>
+            </a:ext>
+            <a:ext uri="{AF507438-7753-43E0-B8FC-AC1667EBCBE1}">
+              <a14:hiddenEffects xmlns:a14="http://schemas.microsoft.com/office/drawing/2010/main">
+                <a:effectLst>
+                  <a:outerShdw dist="35921" dir="2700000" algn="ctr" rotWithShape="0">
+                    <a:schemeClr val="bg2"/>
+                  </a:outerShdw>
+                </a:effectLst>
+              </a14:hiddenEffects>
+            </a:ext>
+          </a:extLst>
         </p:spPr>
       </p:pic>
     </p:spTree>
     <p:extLst>
       <p:ext uri="{BB962C8B-B14F-4D97-AF65-F5344CB8AC3E}">
-        <p14:creationId xmlns:p14="http://schemas.microsoft.com/office/powerpoint/2010/main" val="1562890518"/>
+        <p14:creationId xmlns:p14="http://schemas.microsoft.com/office/powerpoint/2010/main" val="3418122668"/>
       </p:ext>
     </p:extLst>
   </p:cSld>
@@ -9595,16 +12831,12 @@
               <a:buNone/>
             </a:pPr>
             <a:r>
-              <a:rPr lang="en-ZA" dirty="0" err="1" smtClean="0"/>
-              <a:t>Matsobane</a:t>
+              <a:rPr lang="en-ZA" dirty="0" smtClean="0"/>
+              <a:t>Kyle </a:t>
             </a:r>
             <a:r>
-              <a:rPr lang="en-ZA" dirty="0" smtClean="0"/>
-              <a:t> </a:t>
-            </a:r>
-            <a:r>
-              <a:rPr lang="en-ZA" dirty="0" err="1" smtClean="0"/>
-              <a:t>Khwinana</a:t>
+              <a:rPr lang="en-ZA" dirty="0" err="1"/>
+              <a:t>Trehaeven</a:t>
             </a:r>
             <a:endParaRPr lang="en-ZA" dirty="0"/>
           </a:p>
@@ -9659,12 +12891,18 @@
         </p:nvSpPr>
         <p:spPr/>
         <p:txBody>
-          <a:bodyPr/>
+          <a:bodyPr>
+            <a:normAutofit/>
+          </a:bodyPr>
           <a:lstStyle/>
           <a:p>
             <a:r>
               <a:rPr lang="en-ZA" dirty="0" smtClean="0"/>
-              <a:t>Detailed Design: Batch Data (Class Diagram)</a:t>
+              <a:t>Detailed Design: Streaming </a:t>
+            </a:r>
+            <a:r>
+              <a:rPr lang="en-ZA" dirty="0" smtClean="0"/>
+              <a:t>Data</a:t>
             </a:r>
             <a:endParaRPr lang="en-ZA" dirty="0"/>
           </a:p>
@@ -9857,9 +13095,9 @@
       </p:sp>
       <p:pic>
         <p:nvPicPr>
-          <p:cNvPr id="3" name="Picture 2"/>
+          <p:cNvPr id="5" name="Picture 2"/>
           <p:cNvPicPr>
-            <a:picLocks noChangeAspect="1"/>
+            <a:picLocks noChangeAspect="1" noChangeArrowheads="1"/>
           </p:cNvPicPr>
           <p:nvPr/>
         </p:nvPicPr>
@@ -9871,24 +13109,58 @@
               </a:ext>
             </a:extLst>
           </a:blip>
+          <a:srcRect/>
           <a:stretch>
             <a:fillRect/>
           </a:stretch>
         </p:blipFill>
-        <p:spPr>
+        <p:spPr bwMode="auto">
           <a:xfrm>
-            <a:off x="83681" y="1292943"/>
-            <a:ext cx="6504543" cy="4944368"/>
+            <a:off x="107504" y="1268759"/>
+            <a:ext cx="6552729" cy="4968551"/>
           </a:xfrm>
           <a:prstGeom prst="rect">
             <a:avLst/>
           </a:prstGeom>
+          <a:noFill/>
+          <a:ln>
+            <a:noFill/>
+          </a:ln>
+          <a:effectLst/>
+          <a:extLst>
+            <a:ext uri="{909E8E84-426E-40DD-AFC4-6F175D3DCCD1}">
+              <a14:hiddenFill xmlns:a14="http://schemas.microsoft.com/office/drawing/2010/main">
+                <a:solidFill>
+                  <a:schemeClr val="accent1"/>
+                </a:solidFill>
+              </a14:hiddenFill>
+            </a:ext>
+            <a:ext uri="{91240B29-F687-4F45-9708-019B960494DF}">
+              <a14:hiddenLine xmlns:a14="http://schemas.microsoft.com/office/drawing/2010/main" w="9525">
+                <a:solidFill>
+                  <a:schemeClr val="tx1"/>
+                </a:solidFill>
+                <a:miter lim="800000"/>
+                <a:headEnd/>
+                <a:tailEnd/>
+              </a14:hiddenLine>
+            </a:ext>
+            <a:ext uri="{AF507438-7753-43E0-B8FC-AC1667EBCBE1}">
+              <a14:hiddenEffects xmlns:a14="http://schemas.microsoft.com/office/drawing/2010/main">
+                <a:effectLst>
+                  <a:outerShdw dist="35921" dir="2700000" algn="ctr" rotWithShape="0">
+                    <a:schemeClr val="bg2"/>
+                  </a:outerShdw>
+                </a:effectLst>
+              </a14:hiddenEffects>
+            </a:ext>
+          </a:extLst>
         </p:spPr>
       </p:pic>
     </p:spTree>
     <p:extLst>
       <p:ext uri="{BB962C8B-B14F-4D97-AF65-F5344CB8AC3E}">
-        <p14:creationId xmlns:p14="http://schemas.microsoft.com/office/powerpoint/2010/main" val="3418122668"/>
+        <p14:creationId xmlns:p14="http://schemas.microsoft.com/office/powerpoint/2010/main" val="1562890518"/>
       </p:ext>
     </p:extLst>
   </p:cSld>
@@ -10947,7 +14219,7 @@
             <p:ph idx="1"/>
             <p:extLst>
               <p:ext uri="{D42A27DB-BD31-4B8C-83A1-F6EECF244321}">
-                <p14:modId xmlns:p14="http://schemas.microsoft.com/office/powerpoint/2010/main" val="4050922210"/>
+                <p14:modId xmlns:p14="http://schemas.microsoft.com/office/powerpoint/2010/main" val="2466945515"/>
               </p:ext>
             </p:extLst>
           </p:nvPr>
@@ -11020,6 +14292,14 @@
                     <a:bodyPr/>
                     <a:lstStyle/>
                     <a:p>
+                      <a:r>
+                        <a:rPr lang="en-ZA" dirty="0" smtClean="0"/>
+                        <a:t>Infrastructure</a:t>
+                      </a:r>
+                      <a:r>
+                        <a:rPr lang="en-ZA" baseline="0" dirty="0" smtClean="0"/>
+                        <a:t> for processing data and for running the Front-End (D3)</a:t>
+                      </a:r>
                       <a:endParaRPr lang="en-ZA" dirty="0"/>
                     </a:p>
                   </a:txBody>
@@ -11754,8 +15034,9 @@
             </a:pPr>
             <a:r>
               <a:rPr lang="en-ZA" sz="2400" dirty="0" smtClean="0"/>
-              <a:t>Overview</a:t>
+              <a:t>Context</a:t>
             </a:r>
+            <a:endParaRPr lang="en-ZA" sz="2400" dirty="0" smtClean="0"/>
           </a:p>
           <a:p>
             <a:pPr marL="457200" indent="-457200">
@@ -11903,53 +15184,41 @@
           <a:p>
             <a:r>
               <a:rPr lang="en-ZA" dirty="0" smtClean="0"/>
-              <a:t>Overview</a:t>
+              <a:t>Context</a:t>
             </a:r>
             <a:endParaRPr lang="en-ZA" dirty="0"/>
           </a:p>
         </p:txBody>
       </p:sp>
-      <p:sp>
-        <p:nvSpPr>
-          <p:cNvPr id="3" name="Content Placeholder 2"/>
-          <p:cNvSpPr>
-            <a:spLocks noGrp="1"/>
-          </p:cNvSpPr>
+      <p:graphicFrame>
+        <p:nvGraphicFramePr>
+          <p:cNvPr id="4" name="Content Placeholder 3"/>
+          <p:cNvGraphicFramePr>
+            <a:graphicFrameLocks noGrp="1"/>
+          </p:cNvGraphicFramePr>
           <p:nvPr>
             <p:ph idx="1"/>
+            <p:extLst>
+              <p:ext uri="{D42A27DB-BD31-4B8C-83A1-F6EECF244321}">
+                <p14:modId xmlns:p14="http://schemas.microsoft.com/office/powerpoint/2010/main" val="200611198"/>
+              </p:ext>
+            </p:extLst>
           </p:nvPr>
-        </p:nvSpPr>
-        <p:spPr/>
-        <p:txBody>
-          <a:bodyPr>
-            <a:normAutofit/>
-          </a:bodyPr>
-          <a:lstStyle/>
-          <a:p>
-            <a:pPr marL="0" indent="0">
-              <a:buNone/>
-            </a:pPr>
-            <a:endParaRPr lang="en-ZA" sz="2400" dirty="0" smtClean="0"/>
-          </a:p>
-          <a:p>
-            <a:pPr marL="514350" indent="-514350">
-              <a:buFont typeface="+mj-lt"/>
-              <a:buAutoNum type="arabicPeriod"/>
-            </a:pPr>
-            <a:endParaRPr lang="en-ZA" sz="1600" dirty="0" smtClean="0"/>
-          </a:p>
-          <a:p>
-            <a:pPr marL="0" indent="0">
-              <a:buNone/>
-            </a:pPr>
-            <a:endParaRPr lang="en-ZA" sz="1600" dirty="0"/>
-          </a:p>
-        </p:txBody>
-      </p:sp>
+        </p:nvGraphicFramePr>
+        <p:xfrm>
+          <a:off x="457200" y="1600200"/>
+          <a:ext cx="8229600" cy="4525963"/>
+        </p:xfrm>
+        <a:graphic>
+          <a:graphicData uri="http://schemas.openxmlformats.org/drawingml/2006/diagram">
+            <dgm:relIds xmlns:dgm="http://schemas.openxmlformats.org/drawingml/2006/diagram" xmlns:r="http://schemas.openxmlformats.org/officeDocument/2006/relationships" r:dm="rId2" r:lo="rId3" r:qs="rId4" r:cs="rId5"/>
+          </a:graphicData>
+        </a:graphic>
+      </p:graphicFrame>
     </p:spTree>
     <p:extLst>
       <p:ext uri="{BB962C8B-B14F-4D97-AF65-F5344CB8AC3E}">
-        <p14:creationId xmlns:p14="http://schemas.microsoft.com/office/powerpoint/2010/main" val="2366055696"/>
+        <p14:creationId xmlns:p14="http://schemas.microsoft.com/office/powerpoint/2010/main" val="2904220387"/>
       </p:ext>
     </p:extLst>
   </p:cSld>
@@ -12052,7 +15321,7 @@
 </file>
 
 <file path=ppt/slides/slide6.xml><?xml version="1.0" encoding="utf-8"?>
-<p:sld xmlns:a="http://schemas.openxmlformats.org/drawingml/2006/main" xmlns:r="http://schemas.openxmlformats.org/officeDocument/2006/relationships" xmlns:p="http://schemas.openxmlformats.org/presentationml/2006/main">
+<p:sld xmlns:a="http://schemas.openxmlformats.org/drawingml/2006/main" xmlns:r="http://schemas.openxmlformats.org/officeDocument/2006/relationships" xmlns:p="http://schemas.openxmlformats.org/presentationml/2006/main" show="0">
   <p:cSld>
     <p:spTree>
       <p:nvGrpSpPr>
@@ -12165,6 +15434,14 @@
   <p:clrMapOvr>
     <a:masterClrMapping/>
   </p:clrMapOvr>
+  <mc:AlternateContent xmlns:mc="http://schemas.openxmlformats.org/markup-compatibility/2006">
+    <mc:Choice xmlns:p14="http://schemas.microsoft.com/office/powerpoint/2010/main" Requires="p14">
+      <p:transition spd="slow" p14:dur="2000"/>
+    </mc:Choice>
+    <mc:Fallback>
+      <p:transition spd="slow"/>
+    </mc:Fallback>
+  </mc:AlternateContent>
   <p:timing>
     <p:tnLst>
       <p:par>
@@ -12209,7 +15486,11 @@
           <a:p>
             <a:r>
               <a:rPr lang="en-ZA" dirty="0" smtClean="0"/>
-              <a:t>Lifecycle Method: IBM RUP (Tailored)</a:t>
+              <a:t>Lifecycle Method: IBM RUP (</a:t>
+            </a:r>
+            <a:r>
+              <a:rPr lang="en-ZA" dirty="0" smtClean="0"/>
+              <a:t>Tailoring Process)</a:t>
             </a:r>
             <a:endParaRPr lang="en-ZA" dirty="0"/>
           </a:p>
@@ -12224,14 +15505,14 @@
           <p:nvPr>
             <p:extLst>
               <p:ext uri="{D42A27DB-BD31-4B8C-83A1-F6EECF244321}">
-                <p14:modId xmlns:p14="http://schemas.microsoft.com/office/powerpoint/2010/main" val="3757429372"/>
+                <p14:modId xmlns:p14="http://schemas.microsoft.com/office/powerpoint/2010/main" val="3468793531"/>
               </p:ext>
             </p:extLst>
           </p:nvPr>
         </p:nvGraphicFramePr>
         <p:xfrm>
-          <a:off x="179509" y="1196754"/>
-          <a:ext cx="8784982" cy="5608514"/>
+          <a:off x="539552" y="1196752"/>
+          <a:ext cx="7704856" cy="5040564"/>
         </p:xfrm>
         <a:graphic>
           <a:graphicData uri="http://schemas.openxmlformats.org/drawingml/2006/table">
@@ -12240,15 +15521,9 @@
                 <a:tableStyleId>{7DF18680-E054-41AD-8BC1-D1AEF772440D}</a:tableStyleId>
               </a:tblPr>
               <a:tblGrid>
-                <a:gridCol w="1028856"/>
-                <a:gridCol w="1470781"/>
-                <a:gridCol w="331444"/>
-                <a:gridCol w="1983482"/>
-                <a:gridCol w="331444"/>
-                <a:gridCol w="1712458"/>
-                <a:gridCol w="331444"/>
-                <a:gridCol w="1263629"/>
-                <a:gridCol w="331444"/>
+                <a:gridCol w="2370724"/>
+                <a:gridCol w="4570407"/>
+                <a:gridCol w="763725"/>
               </a:tblGrid>
               <a:tr h="252857">
                 <a:tc>
@@ -12258,21 +15533,30 @@
                     <a:p>
                       <a:pPr algn="ctr" fontAlgn="b"/>
                       <a:r>
-                        <a:rPr lang="en-ZA" sz="1000" u="none" strike="noStrike" dirty="0">
+                        <a:rPr lang="en-ZA" sz="1400" u="none" strike="noStrike" dirty="0">
+                          <a:solidFill>
+                            <a:schemeClr val="tx1"/>
+                          </a:solidFill>
                           <a:effectLst/>
                         </a:rPr>
                         <a:t>Core-Process Workflows</a:t>
                       </a:r>
-                      <a:endParaRPr lang="en-ZA" sz="1000" b="1" i="0" u="none" strike="noStrike" dirty="0">
+                      <a:endParaRPr lang="en-ZA" sz="1400" b="1" i="0" u="none" strike="noStrike" dirty="0">
                         <a:solidFill>
-                          <a:srgbClr val="000000"/>
+                          <a:schemeClr val="tx1"/>
                         </a:solidFill>
                         <a:effectLst/>
                         <a:latin typeface="Calibri"/>
                       </a:endParaRPr>
                     </a:p>
                   </a:txBody>
-                  <a:tcPr marL="4852" marR="4852" marT="4852" marB="0" anchor="b"/>
+                  <a:tcPr marL="4852" marR="4852" marT="4852" marB="0" anchor="b">
+                    <a:solidFill>
+                      <a:schemeClr val="bg1">
+                        <a:lumMod val="65000"/>
+                      </a:schemeClr>
+                    </a:solidFill>
+                  </a:tcPr>
                 </a:tc>
                 <a:tc>
                   <a:txBody>
@@ -12281,21 +15565,30 @@
                     <a:p>
                       <a:pPr algn="ctr" fontAlgn="b"/>
                       <a:r>
-                        <a:rPr lang="en-ZA" sz="1000" u="none" strike="noStrike" dirty="0">
+                        <a:rPr lang="en-ZA" sz="1400" b="1" u="none" strike="noStrike" dirty="0">
+                          <a:solidFill>
+                            <a:schemeClr val="tx1"/>
+                          </a:solidFill>
                           <a:effectLst/>
                         </a:rPr>
-                        <a:t>Inception Phase</a:t>
+                        <a:t>Elaboration Phase</a:t>
                       </a:r>
-                      <a:endParaRPr lang="en-ZA" sz="1000" b="1" i="0" u="none" strike="noStrike" dirty="0">
+                      <a:endParaRPr lang="en-ZA" sz="1400" b="1" i="0" u="none" strike="noStrike" dirty="0">
                         <a:solidFill>
-                          <a:srgbClr val="000000"/>
+                          <a:schemeClr val="tx1"/>
                         </a:solidFill>
                         <a:effectLst/>
                         <a:latin typeface="Calibri"/>
                       </a:endParaRPr>
                     </a:p>
                   </a:txBody>
-                  <a:tcPr marL="4852" marR="4852" marT="4852" marB="0" anchor="b"/>
+                  <a:tcPr marL="4852" marR="4852" marT="4852" marB="0" anchor="b">
+                    <a:solidFill>
+                      <a:schemeClr val="bg1">
+                        <a:lumMod val="65000"/>
+                      </a:schemeClr>
+                    </a:solidFill>
+                  </a:tcPr>
                 </a:tc>
                 <a:tc>
                   <a:txBody>
@@ -12304,159 +15597,30 @@
                     <a:p>
                       <a:pPr algn="ctr" fontAlgn="b"/>
                       <a:r>
-                        <a:rPr lang="en-ZA" sz="1000" u="none" strike="noStrike" dirty="0">
+                        <a:rPr lang="en-ZA" sz="1400" b="1" u="none" strike="noStrike" dirty="0">
+                          <a:solidFill>
+                            <a:schemeClr val="tx1"/>
+                          </a:solidFill>
                           <a:effectLst/>
                         </a:rPr>
                         <a:t>Tailoring</a:t>
                       </a:r>
-                      <a:endParaRPr lang="en-ZA" sz="1000" b="1" i="0" u="none" strike="noStrike" dirty="0">
+                      <a:endParaRPr lang="en-ZA" sz="1400" b="1" i="0" u="none" strike="noStrike" dirty="0">
                         <a:solidFill>
-                          <a:srgbClr val="000000"/>
+                          <a:schemeClr val="tx1"/>
                         </a:solidFill>
                         <a:effectLst/>
                         <a:latin typeface="Calibri"/>
                       </a:endParaRPr>
                     </a:p>
                   </a:txBody>
-                  <a:tcPr marL="4852" marR="4852" marT="4852" marB="0" anchor="b"/>
-                </a:tc>
-                <a:tc>
-                  <a:txBody>
-                    <a:bodyPr/>
-                    <a:lstStyle/>
-                    <a:p>
-                      <a:pPr algn="ctr" fontAlgn="b"/>
-                      <a:r>
-                        <a:rPr lang="en-ZA" sz="1000" u="none" strike="noStrike" dirty="0">
-                          <a:effectLst/>
-                        </a:rPr>
-                        <a:t>Elaboration Phase</a:t>
-                      </a:r>
-                      <a:endParaRPr lang="en-ZA" sz="1000" b="1" i="0" u="none" strike="noStrike" dirty="0">
-                        <a:solidFill>
-                          <a:srgbClr val="000000"/>
-                        </a:solidFill>
-                        <a:effectLst/>
-                        <a:latin typeface="Calibri"/>
-                      </a:endParaRPr>
-                    </a:p>
-                  </a:txBody>
-                  <a:tcPr marL="4852" marR="4852" marT="4852" marB="0" anchor="b"/>
-                </a:tc>
-                <a:tc>
-                  <a:txBody>
-                    <a:bodyPr/>
-                    <a:lstStyle/>
-                    <a:p>
-                      <a:pPr algn="ctr" fontAlgn="b"/>
-                      <a:r>
-                        <a:rPr lang="en-ZA" sz="1000" u="none" strike="noStrike" dirty="0">
-                          <a:effectLst/>
-                        </a:rPr>
-                        <a:t>Tailoring</a:t>
-                      </a:r>
-                      <a:endParaRPr lang="en-ZA" sz="1000" b="1" i="0" u="none" strike="noStrike" dirty="0">
-                        <a:solidFill>
-                          <a:srgbClr val="000000"/>
-                        </a:solidFill>
-                        <a:effectLst/>
-                        <a:latin typeface="Calibri"/>
-                      </a:endParaRPr>
-                    </a:p>
-                  </a:txBody>
-                  <a:tcPr marL="4852" marR="4852" marT="4852" marB="0" anchor="b"/>
-                </a:tc>
-                <a:tc>
-                  <a:txBody>
-                    <a:bodyPr/>
-                    <a:lstStyle/>
-                    <a:p>
-                      <a:pPr algn="ctr" fontAlgn="b"/>
-                      <a:r>
-                        <a:rPr lang="en-ZA" sz="1000" u="none" strike="noStrike" dirty="0">
-                          <a:effectLst/>
-                        </a:rPr>
-                        <a:t>Construction Phase</a:t>
-                      </a:r>
-                      <a:endParaRPr lang="en-ZA" sz="1000" b="1" i="0" u="none" strike="noStrike" dirty="0">
-                        <a:solidFill>
-                          <a:srgbClr val="000000"/>
-                        </a:solidFill>
-                        <a:effectLst/>
-                        <a:latin typeface="Calibri"/>
-                      </a:endParaRPr>
-                    </a:p>
-                  </a:txBody>
-                  <a:tcPr marL="4852" marR="4852" marT="4852" marB="0" anchor="b"/>
-                </a:tc>
-                <a:tc>
-                  <a:txBody>
-                    <a:bodyPr/>
-                    <a:lstStyle/>
-                    <a:p>
-                      <a:pPr algn="ctr" fontAlgn="b"/>
-                      <a:r>
-                        <a:rPr lang="en-ZA" sz="1000" u="none" strike="noStrike" dirty="0">
-                          <a:effectLst/>
-                        </a:rPr>
-                        <a:t>Tailoring</a:t>
-                      </a:r>
-                      <a:endParaRPr lang="en-ZA" sz="1000" b="1" i="0" u="none" strike="noStrike" dirty="0">
-                        <a:solidFill>
-                          <a:srgbClr val="000000"/>
-                        </a:solidFill>
-                        <a:effectLst/>
-                        <a:latin typeface="Calibri"/>
-                      </a:endParaRPr>
-                    </a:p>
-                  </a:txBody>
-                  <a:tcPr marL="4852" marR="4852" marT="4852" marB="0" anchor="b"/>
-                </a:tc>
-                <a:tc>
-                  <a:txBody>
-                    <a:bodyPr/>
-                    <a:lstStyle/>
-                    <a:p>
-                      <a:pPr algn="ctr" fontAlgn="b"/>
-                      <a:r>
-                        <a:rPr lang="en-ZA" sz="1000" u="none" strike="noStrike" dirty="0">
-                          <a:effectLst/>
-                        </a:rPr>
-                        <a:t>Transition Phase</a:t>
-                      </a:r>
-                      <a:endParaRPr lang="en-ZA" sz="1000" b="1" i="0" u="none" strike="noStrike" dirty="0">
-                        <a:solidFill>
-                          <a:srgbClr val="000000"/>
-                        </a:solidFill>
-                        <a:effectLst/>
-                        <a:latin typeface="Calibri"/>
-                      </a:endParaRPr>
-                    </a:p>
-                  </a:txBody>
-                  <a:tcPr marL="4852" marR="4852" marT="4852" marB="0" anchor="b"/>
-                </a:tc>
-                <a:tc>
-                  <a:txBody>
-                    <a:bodyPr/>
-                    <a:lstStyle/>
-                    <a:p>
-                      <a:pPr algn="ctr" fontAlgn="b"/>
-                      <a:r>
-                        <a:rPr lang="en-ZA" sz="1000" u="none" strike="noStrike" dirty="0">
-                          <a:effectLst/>
-                        </a:rPr>
-                        <a:t>Tailoring</a:t>
-                      </a:r>
-                      <a:endParaRPr lang="en-ZA" sz="1000" b="1" i="0" u="none" strike="noStrike" dirty="0">
-                        <a:solidFill>
-                          <a:srgbClr val="000000"/>
-                        </a:solidFill>
-                        <a:effectLst/>
-                        <a:latin typeface="Calibri"/>
-                      </a:endParaRPr>
-                    </a:p>
-                  </a:txBody>
-                  <a:tcPr marL="4852" marR="4852" marT="4852" marB="0" anchor="b"/>
+                  <a:tcPr marL="4852" marR="4852" marT="4852" marB="0" anchor="b">
+                    <a:solidFill>
+                      <a:schemeClr val="bg1">
+                        <a:lumMod val="65000"/>
+                      </a:schemeClr>
+                    </a:solidFill>
+                  </a:tcPr>
                 </a:tc>
               </a:tr>
               <a:tr h="252857">
@@ -12467,21 +15631,31 @@
                     <a:p>
                       <a:pPr algn="l" fontAlgn="ctr"/>
                       <a:r>
-                        <a:rPr lang="en-ZA" sz="1000" u="none" strike="noStrike" dirty="0">
+                        <a:rPr lang="en-ZA" sz="1400" u="none" strike="noStrike" dirty="0">
+                          <a:solidFill>
+                            <a:schemeClr val="tx1"/>
+                          </a:solidFill>
                           <a:effectLst/>
                         </a:rPr>
                         <a:t>Business Model</a:t>
                       </a:r>
-                      <a:endParaRPr lang="en-ZA" sz="1000" b="0" i="1" u="none" strike="noStrike" dirty="0">
+                      <a:endParaRPr lang="en-ZA" sz="1400" b="0" i="1" u="none" strike="noStrike" dirty="0">
                         <a:solidFill>
-                          <a:srgbClr val="000000"/>
+                          <a:schemeClr val="tx1"/>
                         </a:solidFill>
                         <a:effectLst/>
                         <a:latin typeface="Calibri"/>
                       </a:endParaRPr>
                     </a:p>
                   </a:txBody>
-                  <a:tcPr marL="4852" marR="4852" marT="4852" marB="0" anchor="ctr"/>
+                  <a:tcPr marL="4852" marR="4852" marT="4852" marB="0" anchor="ctr">
+                    <a:solidFill>
+                      <a:schemeClr val="tx2">
+                        <a:lumMod val="20000"/>
+                        <a:lumOff val="80000"/>
+                      </a:schemeClr>
+                    </a:solidFill>
+                  </a:tcPr>
                 </a:tc>
                 <a:tc>
                   <a:txBody>
@@ -12490,12 +15664,12 @@
                     <a:p>
                       <a:pPr algn="l" fontAlgn="b"/>
                       <a:r>
-                        <a:rPr lang="en-ZA" sz="1000" u="none" strike="noStrike">
+                        <a:rPr lang="en-ZA" sz="1400" u="none" strike="noStrike" dirty="0">
                           <a:effectLst/>
                         </a:rPr>
-                        <a:t>Vision Document</a:t>
+                        <a:t> </a:t>
                       </a:r>
-                      <a:endParaRPr lang="en-ZA" sz="1000" b="0" i="0" u="none" strike="noStrike">
+                      <a:endParaRPr lang="en-ZA" sz="1400" b="0" i="0" u="none" strike="noStrike" dirty="0">
                         <a:solidFill>
                           <a:srgbClr val="000000"/>
                         </a:solidFill>
@@ -12513,150 +15687,12 @@
                     <a:p>
                       <a:pPr algn="l" fontAlgn="b"/>
                       <a:r>
-                        <a:rPr lang="en-ZA" sz="1000" u="none" strike="noStrike">
-                          <a:effectLst/>
-                        </a:rPr>
-                        <a:t>N/A</a:t>
-                      </a:r>
-                      <a:endParaRPr lang="en-ZA" sz="1000" b="0" i="0" u="none" strike="noStrike">
-                        <a:solidFill>
-                          <a:srgbClr val="000000"/>
-                        </a:solidFill>
-                        <a:effectLst/>
-                        <a:latin typeface="Calibri"/>
-                      </a:endParaRPr>
-                    </a:p>
-                  </a:txBody>
-                  <a:tcPr marL="4852" marR="4852" marT="4852" marB="0" anchor="b"/>
-                </a:tc>
-                <a:tc>
-                  <a:txBody>
-                    <a:bodyPr/>
-                    <a:lstStyle/>
-                    <a:p>
-                      <a:pPr algn="l" fontAlgn="b"/>
-                      <a:r>
-                        <a:rPr lang="en-ZA" sz="1000" u="none" strike="noStrike" dirty="0">
+                        <a:rPr lang="en-ZA" sz="1400" u="none" strike="noStrike" dirty="0">
                           <a:effectLst/>
                         </a:rPr>
                         <a:t> </a:t>
                       </a:r>
-                      <a:endParaRPr lang="en-ZA" sz="1000" b="0" i="0" u="none" strike="noStrike" dirty="0">
-                        <a:solidFill>
-                          <a:srgbClr val="000000"/>
-                        </a:solidFill>
-                        <a:effectLst/>
-                        <a:latin typeface="Calibri"/>
-                      </a:endParaRPr>
-                    </a:p>
-                  </a:txBody>
-                  <a:tcPr marL="4852" marR="4852" marT="4852" marB="0" anchor="b"/>
-                </a:tc>
-                <a:tc>
-                  <a:txBody>
-                    <a:bodyPr/>
-                    <a:lstStyle/>
-                    <a:p>
-                      <a:pPr algn="l" fontAlgn="b"/>
-                      <a:r>
-                        <a:rPr lang="en-ZA" sz="1000" u="none" strike="noStrike">
-                          <a:effectLst/>
-                        </a:rPr>
-                        <a:t> </a:t>
-                      </a:r>
-                      <a:endParaRPr lang="en-ZA" sz="1000" b="0" i="0" u="none" strike="noStrike">
-                        <a:solidFill>
-                          <a:srgbClr val="000000"/>
-                        </a:solidFill>
-                        <a:effectLst/>
-                        <a:latin typeface="Calibri"/>
-                      </a:endParaRPr>
-                    </a:p>
-                  </a:txBody>
-                  <a:tcPr marL="4852" marR="4852" marT="4852" marB="0" anchor="b"/>
-                </a:tc>
-                <a:tc>
-                  <a:txBody>
-                    <a:bodyPr/>
-                    <a:lstStyle/>
-                    <a:p>
-                      <a:pPr algn="l" fontAlgn="b"/>
-                      <a:r>
-                        <a:rPr lang="en-ZA" sz="1000" u="none" strike="noStrike">
-                          <a:effectLst/>
-                        </a:rPr>
-                        <a:t> </a:t>
-                      </a:r>
-                      <a:endParaRPr lang="en-ZA" sz="1000" b="0" i="0" u="none" strike="noStrike">
-                        <a:solidFill>
-                          <a:srgbClr val="000000"/>
-                        </a:solidFill>
-                        <a:effectLst/>
-                        <a:latin typeface="Calibri"/>
-                      </a:endParaRPr>
-                    </a:p>
-                  </a:txBody>
-                  <a:tcPr marL="4852" marR="4852" marT="4852" marB="0" anchor="b"/>
-                </a:tc>
-                <a:tc>
-                  <a:txBody>
-                    <a:bodyPr/>
-                    <a:lstStyle/>
-                    <a:p>
-                      <a:pPr algn="l" fontAlgn="b"/>
-                      <a:r>
-                        <a:rPr lang="en-ZA" sz="1000" u="none" strike="noStrike">
-                          <a:effectLst/>
-                        </a:rPr>
-                        <a:t> </a:t>
-                      </a:r>
-                      <a:endParaRPr lang="en-ZA" sz="1000" b="0" i="0" u="none" strike="noStrike">
-                        <a:solidFill>
-                          <a:srgbClr val="000000"/>
-                        </a:solidFill>
-                        <a:effectLst/>
-                        <a:latin typeface="Calibri"/>
-                      </a:endParaRPr>
-                    </a:p>
-                  </a:txBody>
-                  <a:tcPr marL="4852" marR="4852" marT="4852" marB="0" anchor="b"/>
-                </a:tc>
-                <a:tc>
-                  <a:txBody>
-                    <a:bodyPr/>
-                    <a:lstStyle/>
-                    <a:p>
-                      <a:pPr algn="l" fontAlgn="b"/>
-                      <a:r>
-                        <a:rPr lang="en-ZA" sz="1000" u="none" strike="noStrike">
-                          <a:effectLst/>
-                        </a:rPr>
-                        <a:t> </a:t>
-                      </a:r>
-                      <a:endParaRPr lang="en-ZA" sz="1000" b="0" i="0" u="none" strike="noStrike">
-                        <a:solidFill>
-                          <a:srgbClr val="000000"/>
-                        </a:solidFill>
-                        <a:effectLst/>
-                        <a:latin typeface="Calibri"/>
-                      </a:endParaRPr>
-                    </a:p>
-                  </a:txBody>
-                  <a:tcPr marL="4852" marR="4852" marT="4852" marB="0" anchor="b"/>
-                </a:tc>
-                <a:tc>
-                  <a:txBody>
-                    <a:bodyPr/>
-                    <a:lstStyle/>
-                    <a:p>
-                      <a:pPr algn="l" fontAlgn="b"/>
-                      <a:r>
-                        <a:rPr lang="en-ZA" sz="1000" u="none" strike="noStrike">
-                          <a:effectLst/>
-                        </a:rPr>
-                        <a:t> </a:t>
-                      </a:r>
-                      <a:endParaRPr lang="en-ZA" sz="1000" b="0" i="0" u="none" strike="noStrike">
+                      <a:endParaRPr lang="en-ZA" sz="1400" b="0" i="0" u="none" strike="noStrike" dirty="0">
                         <a:solidFill>
                           <a:srgbClr val="000000"/>
                         </a:solidFill>
@@ -12686,12 +15722,12 @@
                     <a:p>
                       <a:pPr algn="l" fontAlgn="b"/>
                       <a:r>
-                        <a:rPr lang="en-ZA" sz="1000" u="none" strike="noStrike" dirty="0">
+                        <a:rPr lang="en-ZA" sz="1400" u="none" strike="noStrike">
                           <a:effectLst/>
                         </a:rPr>
-                        <a:t>A Business Model</a:t>
+                        <a:t> </a:t>
                       </a:r>
-                      <a:endParaRPr lang="en-ZA" sz="1000" b="0" i="0" u="none" strike="noStrike" dirty="0">
+                      <a:endParaRPr lang="en-ZA" sz="1400" b="0" i="0" u="none" strike="noStrike">
                         <a:solidFill>
                           <a:srgbClr val="000000"/>
                         </a:solidFill>
@@ -12709,150 +15745,12 @@
                     <a:p>
                       <a:pPr algn="l" fontAlgn="b"/>
                       <a:r>
-                        <a:rPr lang="en-ZA" sz="1000" u="none" strike="noStrike">
-                          <a:effectLst/>
-                        </a:rPr>
-                        <a:t>N/A</a:t>
-                      </a:r>
-                      <a:endParaRPr lang="en-ZA" sz="1000" b="0" i="0" u="none" strike="noStrike">
-                        <a:solidFill>
-                          <a:srgbClr val="000000"/>
-                        </a:solidFill>
-                        <a:effectLst/>
-                        <a:latin typeface="Calibri"/>
-                      </a:endParaRPr>
-                    </a:p>
-                  </a:txBody>
-                  <a:tcPr marL="4852" marR="4852" marT="4852" marB="0" anchor="b"/>
-                </a:tc>
-                <a:tc>
-                  <a:txBody>
-                    <a:bodyPr/>
-                    <a:lstStyle/>
-                    <a:p>
-                      <a:pPr algn="l" fontAlgn="b"/>
-                      <a:r>
-                        <a:rPr lang="en-ZA" sz="1000" u="none" strike="noStrike">
+                        <a:rPr lang="en-ZA" sz="1400" u="none" strike="noStrike" dirty="0">
                           <a:effectLst/>
                         </a:rPr>
                         <a:t> </a:t>
                       </a:r>
-                      <a:endParaRPr lang="en-ZA" sz="1000" b="0" i="0" u="none" strike="noStrike">
-                        <a:solidFill>
-                          <a:srgbClr val="000000"/>
-                        </a:solidFill>
-                        <a:effectLst/>
-                        <a:latin typeface="Calibri"/>
-                      </a:endParaRPr>
-                    </a:p>
-                  </a:txBody>
-                  <a:tcPr marL="4852" marR="4852" marT="4852" marB="0" anchor="b"/>
-                </a:tc>
-                <a:tc>
-                  <a:txBody>
-                    <a:bodyPr/>
-                    <a:lstStyle/>
-                    <a:p>
-                      <a:pPr algn="l" fontAlgn="b"/>
-                      <a:r>
-                        <a:rPr lang="en-ZA" sz="1000" u="none" strike="noStrike">
-                          <a:effectLst/>
-                        </a:rPr>
-                        <a:t> </a:t>
-                      </a:r>
-                      <a:endParaRPr lang="en-ZA" sz="1000" b="0" i="0" u="none" strike="noStrike">
-                        <a:solidFill>
-                          <a:srgbClr val="000000"/>
-                        </a:solidFill>
-                        <a:effectLst/>
-                        <a:latin typeface="Calibri"/>
-                      </a:endParaRPr>
-                    </a:p>
-                  </a:txBody>
-                  <a:tcPr marL="4852" marR="4852" marT="4852" marB="0" anchor="b"/>
-                </a:tc>
-                <a:tc>
-                  <a:txBody>
-                    <a:bodyPr/>
-                    <a:lstStyle/>
-                    <a:p>
-                      <a:pPr algn="l" fontAlgn="b"/>
-                      <a:r>
-                        <a:rPr lang="en-ZA" sz="1000" u="none" strike="noStrike">
-                          <a:effectLst/>
-                        </a:rPr>
-                        <a:t> </a:t>
-                      </a:r>
-                      <a:endParaRPr lang="en-ZA" sz="1000" b="0" i="0" u="none" strike="noStrike">
-                        <a:solidFill>
-                          <a:srgbClr val="000000"/>
-                        </a:solidFill>
-                        <a:effectLst/>
-                        <a:latin typeface="Calibri"/>
-                      </a:endParaRPr>
-                    </a:p>
-                  </a:txBody>
-                  <a:tcPr marL="4852" marR="4852" marT="4852" marB="0" anchor="b"/>
-                </a:tc>
-                <a:tc>
-                  <a:txBody>
-                    <a:bodyPr/>
-                    <a:lstStyle/>
-                    <a:p>
-                      <a:pPr algn="l" fontAlgn="b"/>
-                      <a:r>
-                        <a:rPr lang="en-ZA" sz="1000" u="none" strike="noStrike">
-                          <a:effectLst/>
-                        </a:rPr>
-                        <a:t> </a:t>
-                      </a:r>
-                      <a:endParaRPr lang="en-ZA" sz="1000" b="0" i="0" u="none" strike="noStrike">
-                        <a:solidFill>
-                          <a:srgbClr val="000000"/>
-                        </a:solidFill>
-                        <a:effectLst/>
-                        <a:latin typeface="Calibri"/>
-                      </a:endParaRPr>
-                    </a:p>
-                  </a:txBody>
-                  <a:tcPr marL="4852" marR="4852" marT="4852" marB="0" anchor="b"/>
-                </a:tc>
-                <a:tc>
-                  <a:txBody>
-                    <a:bodyPr/>
-                    <a:lstStyle/>
-                    <a:p>
-                      <a:pPr algn="l" fontAlgn="b"/>
-                      <a:r>
-                        <a:rPr lang="en-ZA" sz="1000" u="none" strike="noStrike">
-                          <a:effectLst/>
-                        </a:rPr>
-                        <a:t> </a:t>
-                      </a:r>
-                      <a:endParaRPr lang="en-ZA" sz="1000" b="0" i="0" u="none" strike="noStrike">
-                        <a:solidFill>
-                          <a:srgbClr val="000000"/>
-                        </a:solidFill>
-                        <a:effectLst/>
-                        <a:latin typeface="Calibri"/>
-                      </a:endParaRPr>
-                    </a:p>
-                  </a:txBody>
-                  <a:tcPr marL="4852" marR="4852" marT="4852" marB="0" anchor="b"/>
-                </a:tc>
-                <a:tc>
-                  <a:txBody>
-                    <a:bodyPr/>
-                    <a:lstStyle/>
-                    <a:p>
-                      <a:pPr algn="l" fontAlgn="b"/>
-                      <a:r>
-                        <a:rPr lang="en-ZA" sz="1000" u="none" strike="noStrike">
-                          <a:effectLst/>
-                        </a:rPr>
-                        <a:t> </a:t>
-                      </a:r>
-                      <a:endParaRPr lang="en-ZA" sz="1000" b="0" i="0" u="none" strike="noStrike">
+                      <a:endParaRPr lang="en-ZA" sz="1400" b="0" i="0" u="none" strike="noStrike" dirty="0">
                         <a:solidFill>
                           <a:srgbClr val="000000"/>
                         </a:solidFill>
@@ -12882,12 +15780,12 @@
                     <a:p>
                       <a:pPr algn="l" fontAlgn="b"/>
                       <a:r>
-                        <a:rPr lang="en-ZA" sz="1000" u="none" strike="noStrike">
+                        <a:rPr lang="en-ZA" sz="1400" u="none" strike="noStrike" dirty="0">
                           <a:effectLst/>
                         </a:rPr>
-                        <a:t>An Initial Business Case</a:t>
+                        <a:t> </a:t>
                       </a:r>
-                      <a:endParaRPr lang="en-ZA" sz="1000" b="0" i="0" u="none" strike="noStrike">
+                      <a:endParaRPr lang="en-ZA" sz="1400" b="0" i="0" u="none" strike="noStrike" dirty="0">
                         <a:solidFill>
                           <a:srgbClr val="000000"/>
                         </a:solidFill>
@@ -12905,150 +15803,12 @@
                     <a:p>
                       <a:pPr algn="l" fontAlgn="b"/>
                       <a:r>
-                        <a:rPr lang="en-ZA" sz="1000" u="none" strike="noStrike">
-                          <a:effectLst/>
-                        </a:rPr>
-                        <a:t>N/A</a:t>
-                      </a:r>
-                      <a:endParaRPr lang="en-ZA" sz="1000" b="0" i="0" u="none" strike="noStrike">
-                        <a:solidFill>
-                          <a:srgbClr val="000000"/>
-                        </a:solidFill>
-                        <a:effectLst/>
-                        <a:latin typeface="Calibri"/>
-                      </a:endParaRPr>
-                    </a:p>
-                  </a:txBody>
-                  <a:tcPr marL="4852" marR="4852" marT="4852" marB="0" anchor="b"/>
-                </a:tc>
-                <a:tc>
-                  <a:txBody>
-                    <a:bodyPr/>
-                    <a:lstStyle/>
-                    <a:p>
-                      <a:pPr algn="l" fontAlgn="b"/>
-                      <a:r>
-                        <a:rPr lang="en-ZA" sz="1000" u="none" strike="noStrike">
+                        <a:rPr lang="en-ZA" sz="1400" u="none" strike="noStrike" dirty="0">
                           <a:effectLst/>
                         </a:rPr>
                         <a:t> </a:t>
                       </a:r>
-                      <a:endParaRPr lang="en-ZA" sz="1000" b="0" i="0" u="none" strike="noStrike">
-                        <a:solidFill>
-                          <a:srgbClr val="000000"/>
-                        </a:solidFill>
-                        <a:effectLst/>
-                        <a:latin typeface="Calibri"/>
-                      </a:endParaRPr>
-                    </a:p>
-                  </a:txBody>
-                  <a:tcPr marL="4852" marR="4852" marT="4852" marB="0" anchor="b"/>
-                </a:tc>
-                <a:tc>
-                  <a:txBody>
-                    <a:bodyPr/>
-                    <a:lstStyle/>
-                    <a:p>
-                      <a:pPr algn="l" fontAlgn="b"/>
-                      <a:r>
-                        <a:rPr lang="en-ZA" sz="1000" u="none" strike="noStrike">
-                          <a:effectLst/>
-                        </a:rPr>
-                        <a:t> </a:t>
-                      </a:r>
-                      <a:endParaRPr lang="en-ZA" sz="1000" b="0" i="0" u="none" strike="noStrike">
-                        <a:solidFill>
-                          <a:srgbClr val="000000"/>
-                        </a:solidFill>
-                        <a:effectLst/>
-                        <a:latin typeface="Calibri"/>
-                      </a:endParaRPr>
-                    </a:p>
-                  </a:txBody>
-                  <a:tcPr marL="4852" marR="4852" marT="4852" marB="0" anchor="b"/>
-                </a:tc>
-                <a:tc>
-                  <a:txBody>
-                    <a:bodyPr/>
-                    <a:lstStyle/>
-                    <a:p>
-                      <a:pPr algn="l" fontAlgn="b"/>
-                      <a:r>
-                        <a:rPr lang="en-ZA" sz="1000" u="none" strike="noStrike">
-                          <a:effectLst/>
-                        </a:rPr>
-                        <a:t> </a:t>
-                      </a:r>
-                      <a:endParaRPr lang="en-ZA" sz="1000" b="0" i="0" u="none" strike="noStrike">
-                        <a:solidFill>
-                          <a:srgbClr val="000000"/>
-                        </a:solidFill>
-                        <a:effectLst/>
-                        <a:latin typeface="Calibri"/>
-                      </a:endParaRPr>
-                    </a:p>
-                  </a:txBody>
-                  <a:tcPr marL="4852" marR="4852" marT="4852" marB="0" anchor="b"/>
-                </a:tc>
-                <a:tc>
-                  <a:txBody>
-                    <a:bodyPr/>
-                    <a:lstStyle/>
-                    <a:p>
-                      <a:pPr algn="l" fontAlgn="b"/>
-                      <a:r>
-                        <a:rPr lang="en-ZA" sz="1000" u="none" strike="noStrike">
-                          <a:effectLst/>
-                        </a:rPr>
-                        <a:t> </a:t>
-                      </a:r>
-                      <a:endParaRPr lang="en-ZA" sz="1000" b="0" i="0" u="none" strike="noStrike">
-                        <a:solidFill>
-                          <a:srgbClr val="000000"/>
-                        </a:solidFill>
-                        <a:effectLst/>
-                        <a:latin typeface="Calibri"/>
-                      </a:endParaRPr>
-                    </a:p>
-                  </a:txBody>
-                  <a:tcPr marL="4852" marR="4852" marT="4852" marB="0" anchor="b"/>
-                </a:tc>
-                <a:tc>
-                  <a:txBody>
-                    <a:bodyPr/>
-                    <a:lstStyle/>
-                    <a:p>
-                      <a:pPr algn="l" fontAlgn="b"/>
-                      <a:r>
-                        <a:rPr lang="en-ZA" sz="1000" u="none" strike="noStrike">
-                          <a:effectLst/>
-                        </a:rPr>
-                        <a:t> </a:t>
-                      </a:r>
-                      <a:endParaRPr lang="en-ZA" sz="1000" b="0" i="0" u="none" strike="noStrike">
-                        <a:solidFill>
-                          <a:srgbClr val="000000"/>
-                        </a:solidFill>
-                        <a:effectLst/>
-                        <a:latin typeface="Calibri"/>
-                      </a:endParaRPr>
-                    </a:p>
-                  </a:txBody>
-                  <a:tcPr marL="4852" marR="4852" marT="4852" marB="0" anchor="b"/>
-                </a:tc>
-                <a:tc>
-                  <a:txBody>
-                    <a:bodyPr/>
-                    <a:lstStyle/>
-                    <a:p>
-                      <a:pPr algn="l" fontAlgn="b"/>
-                      <a:r>
-                        <a:rPr lang="en-ZA" sz="1000" u="none" strike="noStrike">
-                          <a:effectLst/>
-                        </a:rPr>
-                        <a:t> </a:t>
-                      </a:r>
-                      <a:endParaRPr lang="en-ZA" sz="1000" b="0" i="0" u="none" strike="noStrike">
+                      <a:endParaRPr lang="en-ZA" sz="1400" b="0" i="0" u="none" strike="noStrike" dirty="0">
                         <a:solidFill>
                           <a:srgbClr val="000000"/>
                         </a:solidFill>
@@ -13068,21 +15828,31 @@
                     <a:p>
                       <a:pPr algn="l" fontAlgn="ctr"/>
                       <a:r>
-                        <a:rPr lang="en-ZA" sz="1000" u="none" strike="noStrike" dirty="0">
+                        <a:rPr lang="en-ZA" sz="1400" u="none" strike="noStrike" dirty="0">
+                          <a:solidFill>
+                            <a:schemeClr val="tx1"/>
+                          </a:solidFill>
                           <a:effectLst/>
                         </a:rPr>
                         <a:t>Requirements</a:t>
                       </a:r>
-                      <a:endParaRPr lang="en-ZA" sz="1000" b="0" i="1" u="none" strike="noStrike" dirty="0">
+                      <a:endParaRPr lang="en-ZA" sz="1400" b="0" i="1" u="none" strike="noStrike" dirty="0">
                         <a:solidFill>
-                          <a:srgbClr val="000000"/>
+                          <a:schemeClr val="tx1"/>
                         </a:solidFill>
                         <a:effectLst/>
                         <a:latin typeface="Calibri"/>
                       </a:endParaRPr>
                     </a:p>
                   </a:txBody>
-                  <a:tcPr marL="4852" marR="4852" marT="4852" marB="0" anchor="ctr"/>
+                  <a:tcPr marL="4852" marR="4852" marT="4852" marB="0" anchor="ctr">
+                    <a:solidFill>
+                      <a:schemeClr val="tx2">
+                        <a:lumMod val="20000"/>
+                        <a:lumOff val="80000"/>
+                      </a:schemeClr>
+                    </a:solidFill>
+                  </a:tcPr>
                 </a:tc>
                 <a:tc>
                   <a:txBody>
@@ -13091,12 +15861,12 @@
                     <a:p>
                       <a:pPr algn="l" fontAlgn="b"/>
                       <a:r>
-                        <a:rPr lang="en-ZA" sz="1000" u="none" strike="noStrike">
+                        <a:rPr lang="en-ZA" sz="1400" u="none" strike="noStrike" dirty="0">
                           <a:effectLst/>
                         </a:rPr>
-                        <a:t>Initial Use-Case Model</a:t>
+                        <a:t>A Use-Case Model</a:t>
                       </a:r>
-                      <a:endParaRPr lang="en-ZA" sz="1000" b="0" i="0" u="none" strike="noStrike">
+                      <a:endParaRPr lang="en-ZA" sz="1400" b="0" i="0" u="none" strike="noStrike" dirty="0">
                         <a:solidFill>
                           <a:srgbClr val="000000"/>
                         </a:solidFill>
@@ -13114,150 +15884,12 @@
                     <a:p>
                       <a:pPr algn="l" fontAlgn="b"/>
                       <a:r>
-                        <a:rPr lang="en-ZA" sz="1000" u="none" strike="noStrike">
-                          <a:effectLst/>
-                        </a:rPr>
-                        <a:t>T</a:t>
-                      </a:r>
-                      <a:endParaRPr lang="en-ZA" sz="1000" b="0" i="0" u="none" strike="noStrike">
-                        <a:solidFill>
-                          <a:srgbClr val="000000"/>
-                        </a:solidFill>
-                        <a:effectLst/>
-                        <a:latin typeface="Calibri"/>
-                      </a:endParaRPr>
-                    </a:p>
-                  </a:txBody>
-                  <a:tcPr marL="4852" marR="4852" marT="4852" marB="0" anchor="b"/>
-                </a:tc>
-                <a:tc>
-                  <a:txBody>
-                    <a:bodyPr/>
-                    <a:lstStyle/>
-                    <a:p>
-                      <a:pPr algn="l" fontAlgn="b"/>
-                      <a:r>
-                        <a:rPr lang="en-ZA" sz="1000" u="none" strike="noStrike" dirty="0">
-                          <a:effectLst/>
-                        </a:rPr>
-                        <a:t>A Use-Case Model</a:t>
-                      </a:r>
-                      <a:endParaRPr lang="en-ZA" sz="1000" b="0" i="0" u="none" strike="noStrike" dirty="0">
-                        <a:solidFill>
-                          <a:srgbClr val="000000"/>
-                        </a:solidFill>
-                        <a:effectLst/>
-                        <a:latin typeface="Calibri"/>
-                      </a:endParaRPr>
-                    </a:p>
-                  </a:txBody>
-                  <a:tcPr marL="4852" marR="4852" marT="4852" marB="0" anchor="b"/>
-                </a:tc>
-                <a:tc>
-                  <a:txBody>
-                    <a:bodyPr/>
-                    <a:lstStyle/>
-                    <a:p>
-                      <a:pPr algn="l" fontAlgn="b"/>
-                      <a:r>
-                        <a:rPr lang="en-ZA" sz="1000" u="none" strike="noStrike">
+                        <a:rPr lang="en-ZA" sz="1400" u="none" strike="noStrike" dirty="0">
                           <a:effectLst/>
                         </a:rPr>
                         <a:t>T </a:t>
                       </a:r>
-                      <a:endParaRPr lang="en-ZA" sz="1000" b="0" i="0" u="none" strike="noStrike">
-                        <a:solidFill>
-                          <a:srgbClr val="000000"/>
-                        </a:solidFill>
-                        <a:effectLst/>
-                        <a:latin typeface="Calibri"/>
-                      </a:endParaRPr>
-                    </a:p>
-                  </a:txBody>
-                  <a:tcPr marL="4852" marR="4852" marT="4852" marB="0" anchor="b"/>
-                </a:tc>
-                <a:tc>
-                  <a:txBody>
-                    <a:bodyPr/>
-                    <a:lstStyle/>
-                    <a:p>
-                      <a:pPr algn="l" fontAlgn="b"/>
-                      <a:r>
-                        <a:rPr lang="en-ZA" sz="1000" u="none" strike="noStrike">
-                          <a:effectLst/>
-                        </a:rPr>
-                        <a:t> </a:t>
-                      </a:r>
-                      <a:endParaRPr lang="en-ZA" sz="1000" b="0" i="0" u="none" strike="noStrike">
-                        <a:solidFill>
-                          <a:srgbClr val="000000"/>
-                        </a:solidFill>
-                        <a:effectLst/>
-                        <a:latin typeface="Calibri"/>
-                      </a:endParaRPr>
-                    </a:p>
-                  </a:txBody>
-                  <a:tcPr marL="4852" marR="4852" marT="4852" marB="0" anchor="b"/>
-                </a:tc>
-                <a:tc>
-                  <a:txBody>
-                    <a:bodyPr/>
-                    <a:lstStyle/>
-                    <a:p>
-                      <a:pPr algn="l" fontAlgn="b"/>
-                      <a:r>
-                        <a:rPr lang="en-ZA" sz="1000" u="none" strike="noStrike">
-                          <a:effectLst/>
-                        </a:rPr>
-                        <a:t> </a:t>
-                      </a:r>
-                      <a:endParaRPr lang="en-ZA" sz="1000" b="0" i="0" u="none" strike="noStrike">
-                        <a:solidFill>
-                          <a:srgbClr val="000000"/>
-                        </a:solidFill>
-                        <a:effectLst/>
-                        <a:latin typeface="Calibri"/>
-                      </a:endParaRPr>
-                    </a:p>
-                  </a:txBody>
-                  <a:tcPr marL="4852" marR="4852" marT="4852" marB="0" anchor="b"/>
-                </a:tc>
-                <a:tc>
-                  <a:txBody>
-                    <a:bodyPr/>
-                    <a:lstStyle/>
-                    <a:p>
-                      <a:pPr algn="l" fontAlgn="b"/>
-                      <a:r>
-                        <a:rPr lang="en-ZA" sz="1000" u="none" strike="noStrike">
-                          <a:effectLst/>
-                        </a:rPr>
-                        <a:t> </a:t>
-                      </a:r>
-                      <a:endParaRPr lang="en-ZA" sz="1000" b="0" i="0" u="none" strike="noStrike">
-                        <a:solidFill>
-                          <a:srgbClr val="000000"/>
-                        </a:solidFill>
-                        <a:effectLst/>
-                        <a:latin typeface="Calibri"/>
-                      </a:endParaRPr>
-                    </a:p>
-                  </a:txBody>
-                  <a:tcPr marL="4852" marR="4852" marT="4852" marB="0" anchor="b"/>
-                </a:tc>
-                <a:tc>
-                  <a:txBody>
-                    <a:bodyPr/>
-                    <a:lstStyle/>
-                    <a:p>
-                      <a:pPr algn="l" fontAlgn="b"/>
-                      <a:r>
-                        <a:rPr lang="en-ZA" sz="1000" u="none" strike="noStrike">
-                          <a:effectLst/>
-                        </a:rPr>
-                        <a:t> </a:t>
-                      </a:r>
-                      <a:endParaRPr lang="en-ZA" sz="1000" b="0" i="0" u="none" strike="noStrike">
+                      <a:endParaRPr lang="en-ZA" sz="1400" b="0" i="0" u="none" strike="noStrike" dirty="0">
                         <a:solidFill>
                           <a:srgbClr val="000000"/>
                         </a:solidFill>
@@ -13287,12 +15919,12 @@
                     <a:p>
                       <a:pPr algn="l" fontAlgn="b"/>
                       <a:r>
-                        <a:rPr lang="en-ZA" sz="1000" u="none" strike="noStrike">
+                        <a:rPr lang="en-ZA" sz="1400" u="none" strike="noStrike">
                           <a:effectLst/>
                         </a:rPr>
-                        <a:t>One or Several Prototypes</a:t>
+                        <a:t>Supplementary Requirements Capturing (NFR)</a:t>
                       </a:r>
-                      <a:endParaRPr lang="en-ZA" sz="1000" b="0" i="0" u="none" strike="noStrike">
+                      <a:endParaRPr lang="en-ZA" sz="1400" b="0" i="0" u="none" strike="noStrike">
                         <a:solidFill>
                           <a:srgbClr val="000000"/>
                         </a:solidFill>
@@ -13310,150 +15942,12 @@
                     <a:p>
                       <a:pPr algn="l" fontAlgn="b"/>
                       <a:r>
-                        <a:rPr lang="en-ZA" sz="1000" u="none" strike="noStrike">
-                          <a:effectLst/>
-                        </a:rPr>
-                        <a:t>N/A</a:t>
-                      </a:r>
-                      <a:endParaRPr lang="en-ZA" sz="1000" b="0" i="0" u="none" strike="noStrike">
-                        <a:solidFill>
-                          <a:srgbClr val="000000"/>
-                        </a:solidFill>
-                        <a:effectLst/>
-                        <a:latin typeface="Calibri"/>
-                      </a:endParaRPr>
-                    </a:p>
-                  </a:txBody>
-                  <a:tcPr marL="4852" marR="4852" marT="4852" marB="0" anchor="b"/>
-                </a:tc>
-                <a:tc>
-                  <a:txBody>
-                    <a:bodyPr/>
-                    <a:lstStyle/>
-                    <a:p>
-                      <a:pPr algn="l" fontAlgn="b"/>
-                      <a:r>
-                        <a:rPr lang="en-ZA" sz="1000" u="none" strike="noStrike">
-                          <a:effectLst/>
-                        </a:rPr>
-                        <a:t>Supplementary Requirements Capturing (NFR)</a:t>
-                      </a:r>
-                      <a:endParaRPr lang="en-ZA" sz="1000" b="0" i="0" u="none" strike="noStrike">
-                        <a:solidFill>
-                          <a:srgbClr val="000000"/>
-                        </a:solidFill>
-                        <a:effectLst/>
-                        <a:latin typeface="Calibri"/>
-                      </a:endParaRPr>
-                    </a:p>
-                  </a:txBody>
-                  <a:tcPr marL="4852" marR="4852" marT="4852" marB="0" anchor="b"/>
-                </a:tc>
-                <a:tc>
-                  <a:txBody>
-                    <a:bodyPr/>
-                    <a:lstStyle/>
-                    <a:p>
-                      <a:pPr algn="l" fontAlgn="b"/>
-                      <a:r>
-                        <a:rPr lang="en-ZA" sz="1000" u="none" strike="noStrike">
+                        <a:rPr lang="en-ZA" sz="1400" u="none" strike="noStrike" dirty="0">
                           <a:effectLst/>
                         </a:rPr>
                         <a:t>T</a:t>
                       </a:r>
-                      <a:endParaRPr lang="en-ZA" sz="1000" b="0" i="0" u="none" strike="noStrike">
-                        <a:solidFill>
-                          <a:srgbClr val="000000"/>
-                        </a:solidFill>
-                        <a:effectLst/>
-                        <a:latin typeface="Calibri"/>
-                      </a:endParaRPr>
-                    </a:p>
-                  </a:txBody>
-                  <a:tcPr marL="4852" marR="4852" marT="4852" marB="0" anchor="b"/>
-                </a:tc>
-                <a:tc>
-                  <a:txBody>
-                    <a:bodyPr/>
-                    <a:lstStyle/>
-                    <a:p>
-                      <a:pPr algn="l" fontAlgn="b"/>
-                      <a:r>
-                        <a:rPr lang="en-ZA" sz="1000" u="none" strike="noStrike">
-                          <a:effectLst/>
-                        </a:rPr>
-                        <a:t> </a:t>
-                      </a:r>
-                      <a:endParaRPr lang="en-ZA" sz="1000" b="0" i="0" u="none" strike="noStrike">
-                        <a:solidFill>
-                          <a:srgbClr val="000000"/>
-                        </a:solidFill>
-                        <a:effectLst/>
-                        <a:latin typeface="Calibri"/>
-                      </a:endParaRPr>
-                    </a:p>
-                  </a:txBody>
-                  <a:tcPr marL="4852" marR="4852" marT="4852" marB="0" anchor="b"/>
-                </a:tc>
-                <a:tc>
-                  <a:txBody>
-                    <a:bodyPr/>
-                    <a:lstStyle/>
-                    <a:p>
-                      <a:pPr algn="l" fontAlgn="b"/>
-                      <a:r>
-                        <a:rPr lang="en-ZA" sz="1000" u="none" strike="noStrike">
-                          <a:effectLst/>
-                        </a:rPr>
-                        <a:t> </a:t>
-                      </a:r>
-                      <a:endParaRPr lang="en-ZA" sz="1000" b="0" i="0" u="none" strike="noStrike">
-                        <a:solidFill>
-                          <a:srgbClr val="000000"/>
-                        </a:solidFill>
-                        <a:effectLst/>
-                        <a:latin typeface="Calibri"/>
-                      </a:endParaRPr>
-                    </a:p>
-                  </a:txBody>
-                  <a:tcPr marL="4852" marR="4852" marT="4852" marB="0" anchor="b"/>
-                </a:tc>
-                <a:tc>
-                  <a:txBody>
-                    <a:bodyPr/>
-                    <a:lstStyle/>
-                    <a:p>
-                      <a:pPr algn="l" fontAlgn="b"/>
-                      <a:r>
-                        <a:rPr lang="en-ZA" sz="1000" u="none" strike="noStrike">
-                          <a:effectLst/>
-                        </a:rPr>
-                        <a:t> </a:t>
-                      </a:r>
-                      <a:endParaRPr lang="en-ZA" sz="1000" b="0" i="0" u="none" strike="noStrike">
-                        <a:solidFill>
-                          <a:srgbClr val="000000"/>
-                        </a:solidFill>
-                        <a:effectLst/>
-                        <a:latin typeface="Calibri"/>
-                      </a:endParaRPr>
-                    </a:p>
-                  </a:txBody>
-                  <a:tcPr marL="4852" marR="4852" marT="4852" marB="0" anchor="b"/>
-                </a:tc>
-                <a:tc>
-                  <a:txBody>
-                    <a:bodyPr/>
-                    <a:lstStyle/>
-                    <a:p>
-                      <a:pPr algn="l" fontAlgn="b"/>
-                      <a:r>
-                        <a:rPr lang="en-ZA" sz="1000" u="none" strike="noStrike">
-                          <a:effectLst/>
-                        </a:rPr>
-                        <a:t> </a:t>
-                      </a:r>
-                      <a:endParaRPr lang="en-ZA" sz="1000" b="0" i="0" u="none" strike="noStrike">
+                      <a:endParaRPr lang="en-ZA" sz="1400" b="0" i="0" u="none" strike="noStrike" dirty="0">
                         <a:solidFill>
                           <a:srgbClr val="000000"/>
                         </a:solidFill>
@@ -13473,12 +15967,45 @@
                     <a:p>
                       <a:pPr algn="l" fontAlgn="b"/>
                       <a:r>
-                        <a:rPr lang="en-ZA" sz="1000" u="none" strike="noStrike" dirty="0">
+                        <a:rPr lang="en-ZA" sz="1400" u="none" strike="noStrike" dirty="0">
+                          <a:solidFill>
+                            <a:schemeClr val="tx1"/>
+                          </a:solidFill>
                           <a:effectLst/>
                         </a:rPr>
                         <a:t>Analysis and Design</a:t>
                       </a:r>
-                      <a:endParaRPr lang="en-ZA" sz="1000" b="0" i="1" u="none" strike="noStrike" dirty="0">
+                      <a:endParaRPr lang="en-ZA" sz="1400" b="0" i="1" u="none" strike="noStrike" dirty="0">
+                        <a:solidFill>
+                          <a:schemeClr val="tx1"/>
+                        </a:solidFill>
+                        <a:effectLst/>
+                        <a:latin typeface="Calibri"/>
+                      </a:endParaRPr>
+                    </a:p>
+                  </a:txBody>
+                  <a:tcPr marL="4852" marR="4852" marT="4852" marB="0" anchor="b">
+                    <a:solidFill>
+                      <a:schemeClr val="tx2">
+                        <a:lumMod val="20000"/>
+                        <a:lumOff val="80000"/>
+                      </a:schemeClr>
+                    </a:solidFill>
+                  </a:tcPr>
+                </a:tc>
+                <a:tc>
+                  <a:txBody>
+                    <a:bodyPr/>
+                    <a:lstStyle/>
+                    <a:p>
+                      <a:pPr algn="l" fontAlgn="b"/>
+                      <a:r>
+                        <a:rPr lang="en-ZA" sz="1400" u="none" strike="noStrike">
+                          <a:effectLst/>
+                        </a:rPr>
+                        <a:t>A Software Architecture Description</a:t>
+                      </a:r>
+                      <a:endParaRPr lang="en-ZA" sz="1400" b="0" i="0" u="none" strike="noStrike">
                         <a:solidFill>
                           <a:srgbClr val="000000"/>
                         </a:solidFill>
@@ -13496,173 +16023,12 @@
                     <a:p>
                       <a:pPr algn="l" fontAlgn="b"/>
                       <a:r>
-                        <a:rPr lang="en-ZA" sz="1000" u="none" strike="noStrike">
-                          <a:effectLst/>
-                        </a:rPr>
-                        <a:t> </a:t>
-                      </a:r>
-                      <a:endParaRPr lang="en-ZA" sz="1000" b="0" i="0" u="none" strike="noStrike">
-                        <a:solidFill>
-                          <a:srgbClr val="000000"/>
-                        </a:solidFill>
-                        <a:effectLst/>
-                        <a:latin typeface="Calibri"/>
-                      </a:endParaRPr>
-                    </a:p>
-                  </a:txBody>
-                  <a:tcPr marL="4852" marR="4852" marT="4852" marB="0" anchor="b"/>
-                </a:tc>
-                <a:tc>
-                  <a:txBody>
-                    <a:bodyPr/>
-                    <a:lstStyle/>
-                    <a:p>
-                      <a:pPr algn="l" fontAlgn="b"/>
-                      <a:r>
-                        <a:rPr lang="en-ZA" sz="1000" u="none" strike="noStrike">
-                          <a:effectLst/>
-                        </a:rPr>
-                        <a:t> </a:t>
-                      </a:r>
-                      <a:endParaRPr lang="en-ZA" sz="1000" b="0" i="0" u="none" strike="noStrike">
-                        <a:solidFill>
-                          <a:srgbClr val="000000"/>
-                        </a:solidFill>
-                        <a:effectLst/>
-                        <a:latin typeface="Calibri"/>
-                      </a:endParaRPr>
-                    </a:p>
-                  </a:txBody>
-                  <a:tcPr marL="4852" marR="4852" marT="4852" marB="0" anchor="b"/>
-                </a:tc>
-                <a:tc>
-                  <a:txBody>
-                    <a:bodyPr/>
-                    <a:lstStyle/>
-                    <a:p>
-                      <a:pPr algn="l" fontAlgn="b"/>
-                      <a:r>
-                        <a:rPr lang="en-ZA" sz="1000" u="none" strike="noStrike">
-                          <a:effectLst/>
-                        </a:rPr>
-                        <a:t>A Software Architecture Description</a:t>
-                      </a:r>
-                      <a:endParaRPr lang="en-ZA" sz="1000" b="0" i="0" u="none" strike="noStrike">
-                        <a:solidFill>
-                          <a:srgbClr val="000000"/>
-                        </a:solidFill>
-                        <a:effectLst/>
-                        <a:latin typeface="Calibri"/>
-                      </a:endParaRPr>
-                    </a:p>
-                  </a:txBody>
-                  <a:tcPr marL="4852" marR="4852" marT="4852" marB="0" anchor="b"/>
-                </a:tc>
-                <a:tc>
-                  <a:txBody>
-                    <a:bodyPr/>
-                    <a:lstStyle/>
-                    <a:p>
-                      <a:pPr algn="l" fontAlgn="b"/>
-                      <a:r>
-                        <a:rPr lang="en-ZA" sz="1000" u="none" strike="noStrike">
+                        <a:rPr lang="en-ZA" sz="1400" u="none" strike="noStrike" dirty="0">
                           <a:effectLst/>
                         </a:rPr>
                         <a:t>I</a:t>
                       </a:r>
-                      <a:endParaRPr lang="en-ZA" sz="1000" b="0" i="0" u="none" strike="noStrike">
-                        <a:solidFill>
-                          <a:srgbClr val="000000"/>
-                        </a:solidFill>
-                        <a:effectLst/>
-                        <a:latin typeface="Calibri"/>
-                      </a:endParaRPr>
-                    </a:p>
-                  </a:txBody>
-                  <a:tcPr marL="4852" marR="4852" marT="4852" marB="0" anchor="b"/>
-                </a:tc>
-                <a:tc>
-                  <a:txBody>
-                    <a:bodyPr/>
-                    <a:lstStyle/>
-                    <a:p>
-                      <a:pPr algn="l" fontAlgn="b"/>
-                      <a:r>
-                        <a:rPr lang="en-ZA" sz="1000" u="none" strike="noStrike">
-                          <a:effectLst/>
-                        </a:rPr>
-                        <a:t> </a:t>
-                      </a:r>
-                      <a:endParaRPr lang="en-ZA" sz="1000" b="0" i="0" u="none" strike="noStrike">
-                        <a:solidFill>
-                          <a:srgbClr val="000000"/>
-                        </a:solidFill>
-                        <a:effectLst/>
-                        <a:latin typeface="Calibri"/>
-                      </a:endParaRPr>
-                    </a:p>
-                  </a:txBody>
-                  <a:tcPr marL="4852" marR="4852" marT="4852" marB="0" anchor="b"/>
-                </a:tc>
-                <a:tc>
-                  <a:txBody>
-                    <a:bodyPr/>
-                    <a:lstStyle/>
-                    <a:p>
-                      <a:pPr algn="l" fontAlgn="b"/>
-                      <a:r>
-                        <a:rPr lang="en-ZA" sz="1000" u="none" strike="noStrike">
-                          <a:effectLst/>
-                        </a:rPr>
-                        <a:t> </a:t>
-                      </a:r>
-                      <a:endParaRPr lang="en-ZA" sz="1000" b="0" i="0" u="none" strike="noStrike">
-                        <a:solidFill>
-                          <a:srgbClr val="000000"/>
-                        </a:solidFill>
-                        <a:effectLst/>
-                        <a:latin typeface="Calibri"/>
-                      </a:endParaRPr>
-                    </a:p>
-                  </a:txBody>
-                  <a:tcPr marL="4852" marR="4852" marT="4852" marB="0" anchor="b"/>
-                </a:tc>
-                <a:tc>
-                  <a:txBody>
-                    <a:bodyPr/>
-                    <a:lstStyle/>
-                    <a:p>
-                      <a:pPr algn="l" fontAlgn="b"/>
-                      <a:r>
-                        <a:rPr lang="en-ZA" sz="1000" u="none" strike="noStrike">
-                          <a:effectLst/>
-                        </a:rPr>
-                        <a:t> </a:t>
-                      </a:r>
-                      <a:endParaRPr lang="en-ZA" sz="1000" b="0" i="0" u="none" strike="noStrike">
-                        <a:solidFill>
-                          <a:srgbClr val="000000"/>
-                        </a:solidFill>
-                        <a:effectLst/>
-                        <a:latin typeface="Calibri"/>
-                      </a:endParaRPr>
-                    </a:p>
-                  </a:txBody>
-                  <a:tcPr marL="4852" marR="4852" marT="4852" marB="0" anchor="b"/>
-                </a:tc>
-                <a:tc>
-                  <a:txBody>
-                    <a:bodyPr/>
-                    <a:lstStyle/>
-                    <a:p>
-                      <a:pPr algn="l" fontAlgn="b"/>
-                      <a:r>
-                        <a:rPr lang="en-ZA" sz="1000" u="none" strike="noStrike">
-                          <a:effectLst/>
-                        </a:rPr>
-                        <a:t> </a:t>
-                      </a:r>
-                      <a:endParaRPr lang="en-ZA" sz="1000" b="0" i="0" u="none" strike="noStrike">
+                      <a:endParaRPr lang="en-ZA" sz="1400" b="0" i="0" u="none" strike="noStrike" dirty="0">
                         <a:solidFill>
                           <a:srgbClr val="000000"/>
                         </a:solidFill>
@@ -13682,12 +16048,45 @@
                     <a:p>
                       <a:pPr algn="l" fontAlgn="b"/>
                       <a:r>
-                        <a:rPr lang="en-ZA" sz="1000" u="none" strike="noStrike" dirty="0">
+                        <a:rPr lang="en-ZA" sz="1400" u="none" strike="noStrike" dirty="0">
+                          <a:solidFill>
+                            <a:schemeClr val="tx1"/>
+                          </a:solidFill>
                           <a:effectLst/>
                         </a:rPr>
                         <a:t>Implementation</a:t>
                       </a:r>
-                      <a:endParaRPr lang="en-ZA" sz="1000" b="0" i="1" u="none" strike="noStrike" dirty="0">
+                      <a:endParaRPr lang="en-ZA" sz="1400" b="0" i="1" u="none" strike="noStrike" dirty="0">
+                        <a:solidFill>
+                          <a:schemeClr val="tx1"/>
+                        </a:solidFill>
+                        <a:effectLst/>
+                        <a:latin typeface="Calibri"/>
+                      </a:endParaRPr>
+                    </a:p>
+                  </a:txBody>
+                  <a:tcPr marL="4852" marR="4852" marT="4852" marB="0" anchor="b">
+                    <a:solidFill>
+                      <a:schemeClr val="tx2">
+                        <a:lumMod val="20000"/>
+                        <a:lumOff val="80000"/>
+                      </a:schemeClr>
+                    </a:solidFill>
+                  </a:tcPr>
+                </a:tc>
+                <a:tc>
+                  <a:txBody>
+                    <a:bodyPr/>
+                    <a:lstStyle/>
+                    <a:p>
+                      <a:pPr algn="l" fontAlgn="b"/>
+                      <a:r>
+                        <a:rPr lang="en-ZA" sz="1400" u="none" strike="noStrike">
+                          <a:effectLst/>
+                        </a:rPr>
+                        <a:t>An Executable Architectural Prototype</a:t>
+                      </a:r>
+                      <a:endParaRPr lang="en-ZA" sz="1400" b="0" i="0" u="none" strike="noStrike">
                         <a:solidFill>
                           <a:srgbClr val="000000"/>
                         </a:solidFill>
@@ -13705,179 +16104,12 @@
                     <a:p>
                       <a:pPr algn="l" fontAlgn="b"/>
                       <a:r>
-                        <a:rPr lang="en-ZA" sz="1000" u="none" strike="noStrike">
-                          <a:effectLst/>
-                        </a:rPr>
-                        <a:t> </a:t>
-                      </a:r>
-                      <a:endParaRPr lang="en-ZA" sz="1000" b="0" i="0" u="none" strike="noStrike">
-                        <a:solidFill>
-                          <a:srgbClr val="000000"/>
-                        </a:solidFill>
-                        <a:effectLst/>
-                        <a:latin typeface="Calibri"/>
-                      </a:endParaRPr>
-                    </a:p>
-                  </a:txBody>
-                  <a:tcPr marL="4852" marR="4852" marT="4852" marB="0" anchor="b"/>
-                </a:tc>
-                <a:tc>
-                  <a:txBody>
-                    <a:bodyPr/>
-                    <a:lstStyle/>
-                    <a:p>
-                      <a:pPr algn="l" fontAlgn="b"/>
-                      <a:r>
-                        <a:rPr lang="en-ZA" sz="1000" u="none" strike="noStrike">
-                          <a:effectLst/>
-                        </a:rPr>
-                        <a:t> </a:t>
-                      </a:r>
-                      <a:endParaRPr lang="en-ZA" sz="1000" b="0" i="0" u="none" strike="noStrike">
-                        <a:solidFill>
-                          <a:srgbClr val="000000"/>
-                        </a:solidFill>
-                        <a:effectLst/>
-                        <a:latin typeface="Calibri"/>
-                      </a:endParaRPr>
-                    </a:p>
-                  </a:txBody>
-                  <a:tcPr marL="4852" marR="4852" marT="4852" marB="0" anchor="b"/>
-                </a:tc>
-                <a:tc>
-                  <a:txBody>
-                    <a:bodyPr/>
-                    <a:lstStyle/>
-                    <a:p>
-                      <a:pPr algn="l" fontAlgn="b"/>
-                      <a:r>
-                        <a:rPr lang="en-ZA" sz="1000" u="none" strike="noStrike">
-                          <a:effectLst/>
-                        </a:rPr>
-                        <a:t>An Executable Architectural Prototype</a:t>
-                      </a:r>
-                      <a:endParaRPr lang="en-ZA" sz="1000" b="0" i="0" u="none" strike="noStrike">
-                        <a:solidFill>
-                          <a:srgbClr val="000000"/>
-                        </a:solidFill>
-                        <a:effectLst/>
-                        <a:latin typeface="Calibri"/>
-                      </a:endParaRPr>
-                    </a:p>
-                  </a:txBody>
-                  <a:tcPr marL="4852" marR="4852" marT="4852" marB="0" anchor="b"/>
-                </a:tc>
-                <a:tc>
-                  <a:txBody>
-                    <a:bodyPr/>
-                    <a:lstStyle/>
-                    <a:p>
-                      <a:pPr algn="l" fontAlgn="b"/>
-                      <a:r>
-                        <a:rPr lang="en-ZA" sz="1000" u="none" strike="noStrike">
+                        <a:rPr lang="en-ZA" sz="1400" u="none" strike="noStrike" dirty="0">
                           <a:effectLst/>
                         </a:rPr>
                         <a:t>T</a:t>
                       </a:r>
-                      <a:endParaRPr lang="en-ZA" sz="1000" b="0" i="0" u="none" strike="noStrike">
-                        <a:solidFill>
-                          <a:srgbClr val="000000"/>
-                        </a:solidFill>
-                        <a:effectLst/>
-                        <a:latin typeface="Calibri"/>
-                      </a:endParaRPr>
-                    </a:p>
-                  </a:txBody>
-                  <a:tcPr marL="4852" marR="4852" marT="4852" marB="0" anchor="b"/>
-                </a:tc>
-                <a:tc>
-                  <a:txBody>
-                    <a:bodyPr/>
-                    <a:lstStyle/>
-                    <a:p>
-                      <a:pPr algn="l" fontAlgn="b"/>
-                      <a:r>
-                        <a:rPr lang="en-ZA" sz="1000" u="none" strike="noStrike" dirty="0" err="1">
-                          <a:effectLst/>
-                        </a:rPr>
-                        <a:t>Sofware</a:t>
-                      </a:r>
-                      <a:r>
-                        <a:rPr lang="en-ZA" sz="1000" u="none" strike="noStrike" dirty="0">
-                          <a:effectLst/>
-                        </a:rPr>
-                        <a:t> Product Integrated on adequate platforms</a:t>
-                      </a:r>
-                      <a:endParaRPr lang="en-ZA" sz="1000" b="0" i="0" u="none" strike="noStrike" dirty="0">
-                        <a:solidFill>
-                          <a:srgbClr val="000000"/>
-                        </a:solidFill>
-                        <a:effectLst/>
-                        <a:latin typeface="Calibri"/>
-                      </a:endParaRPr>
-                    </a:p>
-                  </a:txBody>
-                  <a:tcPr marL="4852" marR="4852" marT="4852" marB="0" anchor="b"/>
-                </a:tc>
-                <a:tc>
-                  <a:txBody>
-                    <a:bodyPr/>
-                    <a:lstStyle/>
-                    <a:p>
-                      <a:pPr algn="l" fontAlgn="b"/>
-                      <a:r>
-                        <a:rPr lang="en-ZA" sz="1000" u="none" strike="noStrike">
-                          <a:effectLst/>
-                        </a:rPr>
-                        <a:t>I</a:t>
-                      </a:r>
-                      <a:endParaRPr lang="en-ZA" sz="1000" b="0" i="0" u="none" strike="noStrike">
-                        <a:solidFill>
-                          <a:srgbClr val="000000"/>
-                        </a:solidFill>
-                        <a:effectLst/>
-                        <a:latin typeface="Calibri"/>
-                      </a:endParaRPr>
-                    </a:p>
-                  </a:txBody>
-                  <a:tcPr marL="4852" marR="4852" marT="4852" marB="0" anchor="b"/>
-                </a:tc>
-                <a:tc>
-                  <a:txBody>
-                    <a:bodyPr/>
-                    <a:lstStyle/>
-                    <a:p>
-                      <a:pPr algn="l" fontAlgn="b"/>
-                      <a:r>
-                        <a:rPr lang="en-ZA" sz="1000" u="none" strike="noStrike">
-                          <a:effectLst/>
-                        </a:rPr>
-                        <a:t> </a:t>
-                      </a:r>
-                      <a:endParaRPr lang="en-ZA" sz="1000" b="0" i="0" u="none" strike="noStrike">
-                        <a:solidFill>
-                          <a:srgbClr val="000000"/>
-                        </a:solidFill>
-                        <a:effectLst/>
-                        <a:latin typeface="Calibri"/>
-                      </a:endParaRPr>
-                    </a:p>
-                  </a:txBody>
-                  <a:tcPr marL="4852" marR="4852" marT="4852" marB="0" anchor="b"/>
-                </a:tc>
-                <a:tc>
-                  <a:txBody>
-                    <a:bodyPr/>
-                    <a:lstStyle/>
-                    <a:p>
-                      <a:pPr algn="l" fontAlgn="b"/>
-                      <a:r>
-                        <a:rPr lang="en-ZA" sz="1000" u="none" strike="noStrike">
-                          <a:effectLst/>
-                        </a:rPr>
-                        <a:t> </a:t>
-                      </a:r>
-                      <a:endParaRPr lang="en-ZA" sz="1000" b="0" i="0" u="none" strike="noStrike">
+                      <a:endParaRPr lang="en-ZA" sz="1400" b="0" i="0" u="none" strike="noStrike" dirty="0">
                         <a:solidFill>
                           <a:srgbClr val="000000"/>
                         </a:solidFill>
@@ -13897,12 +16129,45 @@
                     <a:p>
                       <a:pPr algn="l" fontAlgn="b"/>
                       <a:r>
-                        <a:rPr lang="en-ZA" sz="1000" u="none" strike="noStrike" dirty="0">
+                        <a:rPr lang="en-ZA" sz="1400" u="none" strike="noStrike" dirty="0">
+                          <a:solidFill>
+                            <a:schemeClr val="tx1"/>
+                          </a:solidFill>
                           <a:effectLst/>
                         </a:rPr>
                         <a:t>Test</a:t>
                       </a:r>
-                      <a:endParaRPr lang="en-ZA" sz="1000" b="0" i="1" u="none" strike="noStrike" dirty="0">
+                      <a:endParaRPr lang="en-ZA" sz="1400" b="0" i="1" u="none" strike="noStrike" dirty="0">
+                        <a:solidFill>
+                          <a:schemeClr val="tx1"/>
+                        </a:solidFill>
+                        <a:effectLst/>
+                        <a:latin typeface="Calibri"/>
+                      </a:endParaRPr>
+                    </a:p>
+                  </a:txBody>
+                  <a:tcPr marL="4852" marR="4852" marT="4852" marB="0" anchor="b">
+                    <a:solidFill>
+                      <a:schemeClr val="tx2">
+                        <a:lumMod val="20000"/>
+                        <a:lumOff val="80000"/>
+                      </a:schemeClr>
+                    </a:solidFill>
+                  </a:tcPr>
+                </a:tc>
+                <a:tc>
+                  <a:txBody>
+                    <a:bodyPr/>
+                    <a:lstStyle/>
+                    <a:p>
+                      <a:pPr algn="l" fontAlgn="b"/>
+                      <a:r>
+                        <a:rPr lang="en-ZA" sz="1400" u="none" strike="noStrike" dirty="0">
+                          <a:effectLst/>
+                        </a:rPr>
+                        <a:t> </a:t>
+                      </a:r>
+                      <a:endParaRPr lang="en-ZA" sz="1400" b="0" i="0" u="none" strike="noStrike" dirty="0">
                         <a:solidFill>
                           <a:srgbClr val="000000"/>
                         </a:solidFill>
@@ -13920,173 +16185,12 @@
                     <a:p>
                       <a:pPr algn="l" fontAlgn="b"/>
                       <a:r>
-                        <a:rPr lang="en-ZA" sz="1000" u="none" strike="noStrike">
+                        <a:rPr lang="en-ZA" sz="1400" u="none" strike="noStrike" dirty="0">
                           <a:effectLst/>
                         </a:rPr>
                         <a:t> </a:t>
                       </a:r>
-                      <a:endParaRPr lang="en-ZA" sz="1000" b="0" i="0" u="none" strike="noStrike">
-                        <a:solidFill>
-                          <a:srgbClr val="000000"/>
-                        </a:solidFill>
-                        <a:effectLst/>
-                        <a:latin typeface="Calibri"/>
-                      </a:endParaRPr>
-                    </a:p>
-                  </a:txBody>
-                  <a:tcPr marL="4852" marR="4852" marT="4852" marB="0" anchor="b"/>
-                </a:tc>
-                <a:tc>
-                  <a:txBody>
-                    <a:bodyPr/>
-                    <a:lstStyle/>
-                    <a:p>
-                      <a:pPr algn="l" fontAlgn="b"/>
-                      <a:r>
-                        <a:rPr lang="en-ZA" sz="1000" u="none" strike="noStrike">
-                          <a:effectLst/>
-                        </a:rPr>
-                        <a:t> </a:t>
-                      </a:r>
-                      <a:endParaRPr lang="en-ZA" sz="1000" b="0" i="0" u="none" strike="noStrike">
-                        <a:solidFill>
-                          <a:srgbClr val="000000"/>
-                        </a:solidFill>
-                        <a:effectLst/>
-                        <a:latin typeface="Calibri"/>
-                      </a:endParaRPr>
-                    </a:p>
-                  </a:txBody>
-                  <a:tcPr marL="4852" marR="4852" marT="4852" marB="0" anchor="b"/>
-                </a:tc>
-                <a:tc>
-                  <a:txBody>
-                    <a:bodyPr/>
-                    <a:lstStyle/>
-                    <a:p>
-                      <a:pPr algn="l" fontAlgn="b"/>
-                      <a:r>
-                        <a:rPr lang="en-ZA" sz="1000" u="none" strike="noStrike">
-                          <a:effectLst/>
-                        </a:rPr>
-                        <a:t> </a:t>
-                      </a:r>
-                      <a:endParaRPr lang="en-ZA" sz="1000" b="0" i="0" u="none" strike="noStrike">
-                        <a:solidFill>
-                          <a:srgbClr val="000000"/>
-                        </a:solidFill>
-                        <a:effectLst/>
-                        <a:latin typeface="Calibri"/>
-                      </a:endParaRPr>
-                    </a:p>
-                  </a:txBody>
-                  <a:tcPr marL="4852" marR="4852" marT="4852" marB="0" anchor="b"/>
-                </a:tc>
-                <a:tc>
-                  <a:txBody>
-                    <a:bodyPr/>
-                    <a:lstStyle/>
-                    <a:p>
-                      <a:pPr algn="l" fontAlgn="b"/>
-                      <a:r>
-                        <a:rPr lang="en-ZA" sz="1000" u="none" strike="noStrike">
-                          <a:effectLst/>
-                        </a:rPr>
-                        <a:t> </a:t>
-                      </a:r>
-                      <a:endParaRPr lang="en-ZA" sz="1000" b="0" i="0" u="none" strike="noStrike">
-                        <a:solidFill>
-                          <a:srgbClr val="000000"/>
-                        </a:solidFill>
-                        <a:effectLst/>
-                        <a:latin typeface="Calibri"/>
-                      </a:endParaRPr>
-                    </a:p>
-                  </a:txBody>
-                  <a:tcPr marL="4852" marR="4852" marT="4852" marB="0" anchor="b"/>
-                </a:tc>
-                <a:tc>
-                  <a:txBody>
-                    <a:bodyPr/>
-                    <a:lstStyle/>
-                    <a:p>
-                      <a:pPr algn="l" fontAlgn="b"/>
-                      <a:r>
-                        <a:rPr lang="en-ZA" sz="1000" u="none" strike="noStrike">
-                          <a:effectLst/>
-                        </a:rPr>
-                        <a:t> </a:t>
-                      </a:r>
-                      <a:endParaRPr lang="en-ZA" sz="1000" b="0" i="0" u="none" strike="noStrike">
-                        <a:solidFill>
-                          <a:srgbClr val="000000"/>
-                        </a:solidFill>
-                        <a:effectLst/>
-                        <a:latin typeface="Calibri"/>
-                      </a:endParaRPr>
-                    </a:p>
-                  </a:txBody>
-                  <a:tcPr marL="4852" marR="4852" marT="4852" marB="0" anchor="b"/>
-                </a:tc>
-                <a:tc>
-                  <a:txBody>
-                    <a:bodyPr/>
-                    <a:lstStyle/>
-                    <a:p>
-                      <a:pPr algn="l" fontAlgn="b"/>
-                      <a:r>
-                        <a:rPr lang="en-ZA" sz="1000" u="none" strike="noStrike">
-                          <a:effectLst/>
-                        </a:rPr>
-                        <a:t> </a:t>
-                      </a:r>
-                      <a:endParaRPr lang="en-ZA" sz="1000" b="0" i="0" u="none" strike="noStrike">
-                        <a:solidFill>
-                          <a:srgbClr val="000000"/>
-                        </a:solidFill>
-                        <a:effectLst/>
-                        <a:latin typeface="Calibri"/>
-                      </a:endParaRPr>
-                    </a:p>
-                  </a:txBody>
-                  <a:tcPr marL="4852" marR="4852" marT="4852" marB="0" anchor="b"/>
-                </a:tc>
-                <a:tc>
-                  <a:txBody>
-                    <a:bodyPr/>
-                    <a:lstStyle/>
-                    <a:p>
-                      <a:pPr algn="l" fontAlgn="b"/>
-                      <a:r>
-                        <a:rPr lang="en-ZA" sz="1000" u="none" strike="noStrike">
-                          <a:effectLst/>
-                        </a:rPr>
-                        <a:t>Beta Testing</a:t>
-                      </a:r>
-                      <a:endParaRPr lang="en-ZA" sz="1000" b="0" i="0" u="none" strike="noStrike">
-                        <a:solidFill>
-                          <a:srgbClr val="000000"/>
-                        </a:solidFill>
-                        <a:effectLst/>
-                        <a:latin typeface="Calibri"/>
-                      </a:endParaRPr>
-                    </a:p>
-                  </a:txBody>
-                  <a:tcPr marL="4852" marR="4852" marT="4852" marB="0" anchor="b"/>
-                </a:tc>
-                <a:tc>
-                  <a:txBody>
-                    <a:bodyPr/>
-                    <a:lstStyle/>
-                    <a:p>
-                      <a:pPr algn="l" fontAlgn="b"/>
-                      <a:r>
-                        <a:rPr lang="en-ZA" sz="1000" u="none" strike="noStrike">
-                          <a:effectLst/>
-                        </a:rPr>
-                        <a:t>T</a:t>
-                      </a:r>
-                      <a:endParaRPr lang="en-ZA" sz="1000" b="0" i="0" u="none" strike="noStrike">
+                      <a:endParaRPr lang="en-ZA" sz="1400" b="0" i="0" u="none" strike="noStrike" dirty="0">
                         <a:solidFill>
                           <a:srgbClr val="000000"/>
                         </a:solidFill>
@@ -14106,21 +16210,31 @@
                     <a:p>
                       <a:pPr algn="l" fontAlgn="ctr"/>
                       <a:r>
-                        <a:rPr lang="en-ZA" sz="1000" u="none" strike="noStrike" dirty="0">
+                        <a:rPr lang="en-ZA" sz="1400" u="none" strike="noStrike" dirty="0">
+                          <a:solidFill>
+                            <a:schemeClr val="tx1"/>
+                          </a:solidFill>
                           <a:effectLst/>
                         </a:rPr>
                         <a:t>Deployment</a:t>
                       </a:r>
-                      <a:endParaRPr lang="en-ZA" sz="1000" b="0" i="1" u="none" strike="noStrike" dirty="0">
+                      <a:endParaRPr lang="en-ZA" sz="1400" b="0" i="1" u="none" strike="noStrike" dirty="0">
                         <a:solidFill>
-                          <a:srgbClr val="000000"/>
+                          <a:schemeClr val="tx1"/>
                         </a:solidFill>
                         <a:effectLst/>
                         <a:latin typeface="Calibri"/>
                       </a:endParaRPr>
                     </a:p>
                   </a:txBody>
-                  <a:tcPr marL="4852" marR="4852" marT="4852" marB="0" anchor="ctr"/>
+                  <a:tcPr marL="4852" marR="4852" marT="4852" marB="0" anchor="ctr">
+                    <a:solidFill>
+                      <a:schemeClr val="tx2">
+                        <a:lumMod val="20000"/>
+                        <a:lumOff val="80000"/>
+                      </a:schemeClr>
+                    </a:solidFill>
+                  </a:tcPr>
                 </a:tc>
                 <a:tc>
                   <a:txBody>
@@ -14129,12 +16243,12 @@
                     <a:p>
                       <a:pPr algn="l" fontAlgn="b"/>
                       <a:r>
-                        <a:rPr lang="en-ZA" sz="1000" u="none" strike="noStrike">
+                        <a:rPr lang="en-ZA" sz="1400" u="none" strike="noStrike">
                           <a:effectLst/>
                         </a:rPr>
                         <a:t> </a:t>
                       </a:r>
-                      <a:endParaRPr lang="en-ZA" sz="1000" b="0" i="0" u="none" strike="noStrike">
+                      <a:endParaRPr lang="en-ZA" sz="1400" b="0" i="0" u="none" strike="noStrike">
                         <a:solidFill>
                           <a:srgbClr val="000000"/>
                         </a:solidFill>
@@ -14152,150 +16266,12 @@
                     <a:p>
                       <a:pPr algn="l" fontAlgn="b"/>
                       <a:r>
-                        <a:rPr lang="en-ZA" sz="1000" u="none" strike="noStrike">
+                        <a:rPr lang="en-ZA" sz="1400" u="none" strike="noStrike" dirty="0">
                           <a:effectLst/>
                         </a:rPr>
                         <a:t> </a:t>
                       </a:r>
-                      <a:endParaRPr lang="en-ZA" sz="1000" b="0" i="0" u="none" strike="noStrike">
-                        <a:solidFill>
-                          <a:srgbClr val="000000"/>
-                        </a:solidFill>
-                        <a:effectLst/>
-                        <a:latin typeface="Calibri"/>
-                      </a:endParaRPr>
-                    </a:p>
-                  </a:txBody>
-                  <a:tcPr marL="4852" marR="4852" marT="4852" marB="0" anchor="b"/>
-                </a:tc>
-                <a:tc>
-                  <a:txBody>
-                    <a:bodyPr/>
-                    <a:lstStyle/>
-                    <a:p>
-                      <a:pPr algn="l" fontAlgn="b"/>
-                      <a:r>
-                        <a:rPr lang="en-ZA" sz="1000" u="none" strike="noStrike">
-                          <a:effectLst/>
-                        </a:rPr>
-                        <a:t> </a:t>
-                      </a:r>
-                      <a:endParaRPr lang="en-ZA" sz="1000" b="0" i="0" u="none" strike="noStrike">
-                        <a:solidFill>
-                          <a:srgbClr val="000000"/>
-                        </a:solidFill>
-                        <a:effectLst/>
-                        <a:latin typeface="Calibri"/>
-                      </a:endParaRPr>
-                    </a:p>
-                  </a:txBody>
-                  <a:tcPr marL="4852" marR="4852" marT="4852" marB="0" anchor="b"/>
-                </a:tc>
-                <a:tc>
-                  <a:txBody>
-                    <a:bodyPr/>
-                    <a:lstStyle/>
-                    <a:p>
-                      <a:pPr algn="l" fontAlgn="b"/>
-                      <a:r>
-                        <a:rPr lang="en-ZA" sz="1000" u="none" strike="noStrike">
-                          <a:effectLst/>
-                        </a:rPr>
-                        <a:t> </a:t>
-                      </a:r>
-                      <a:endParaRPr lang="en-ZA" sz="1000" b="0" i="0" u="none" strike="noStrike">
-                        <a:solidFill>
-                          <a:srgbClr val="000000"/>
-                        </a:solidFill>
-                        <a:effectLst/>
-                        <a:latin typeface="Calibri"/>
-                      </a:endParaRPr>
-                    </a:p>
-                  </a:txBody>
-                  <a:tcPr marL="4852" marR="4852" marT="4852" marB="0" anchor="b"/>
-                </a:tc>
-                <a:tc>
-                  <a:txBody>
-                    <a:bodyPr/>
-                    <a:lstStyle/>
-                    <a:p>
-                      <a:pPr algn="l" fontAlgn="b"/>
-                      <a:r>
-                        <a:rPr lang="en-ZA" sz="1000" u="none" strike="noStrike">
-                          <a:effectLst/>
-                        </a:rPr>
-                        <a:t>A description of current release</a:t>
-                      </a:r>
-                      <a:endParaRPr lang="en-ZA" sz="1000" b="0" i="0" u="none" strike="noStrike">
-                        <a:solidFill>
-                          <a:srgbClr val="000000"/>
-                        </a:solidFill>
-                        <a:effectLst/>
-                        <a:latin typeface="Calibri"/>
-                      </a:endParaRPr>
-                    </a:p>
-                  </a:txBody>
-                  <a:tcPr marL="4852" marR="4852" marT="4852" marB="0" anchor="b"/>
-                </a:tc>
-                <a:tc>
-                  <a:txBody>
-                    <a:bodyPr/>
-                    <a:lstStyle/>
-                    <a:p>
-                      <a:pPr algn="l" fontAlgn="b"/>
-                      <a:r>
-                        <a:rPr lang="en-ZA" sz="1000" u="none" strike="noStrike">
-                          <a:effectLst/>
-                        </a:rPr>
-                        <a:t>T </a:t>
-                      </a:r>
-                      <a:endParaRPr lang="en-ZA" sz="1000" b="0" i="0" u="none" strike="noStrike">
-                        <a:solidFill>
-                          <a:srgbClr val="000000"/>
-                        </a:solidFill>
-                        <a:effectLst/>
-                        <a:latin typeface="Calibri"/>
-                      </a:endParaRPr>
-                    </a:p>
-                  </a:txBody>
-                  <a:tcPr marL="4852" marR="4852" marT="4852" marB="0" anchor="b"/>
-                </a:tc>
-                <a:tc>
-                  <a:txBody>
-                    <a:bodyPr/>
-                    <a:lstStyle/>
-                    <a:p>
-                      <a:pPr algn="l" fontAlgn="b"/>
-                      <a:r>
-                        <a:rPr lang="en-ZA" sz="1000" u="none" strike="noStrike">
-                          <a:effectLst/>
-                        </a:rPr>
-                        <a:t>Roll-out the project to the market</a:t>
-                      </a:r>
-                      <a:endParaRPr lang="en-ZA" sz="1000" b="0" i="0" u="none" strike="noStrike">
-                        <a:solidFill>
-                          <a:srgbClr val="000000"/>
-                        </a:solidFill>
-                        <a:effectLst/>
-                        <a:latin typeface="Calibri"/>
-                      </a:endParaRPr>
-                    </a:p>
-                  </a:txBody>
-                  <a:tcPr marL="4852" marR="4852" marT="4852" marB="0" anchor="b"/>
-                </a:tc>
-                <a:tc>
-                  <a:txBody>
-                    <a:bodyPr/>
-                    <a:lstStyle/>
-                    <a:p>
-                      <a:pPr algn="l" fontAlgn="b"/>
-                      <a:r>
-                        <a:rPr lang="en-ZA" sz="1000" u="none" strike="noStrike">
-                          <a:effectLst/>
-                        </a:rPr>
-                        <a:t>I</a:t>
-                      </a:r>
-                      <a:endParaRPr lang="en-ZA" sz="1000" b="0" i="0" u="none" strike="noStrike">
+                      <a:endParaRPr lang="en-ZA" sz="1400" b="0" i="0" u="none" strike="noStrike" dirty="0">
                         <a:solidFill>
                           <a:srgbClr val="000000"/>
                         </a:solidFill>
@@ -14325,12 +16301,12 @@
                     <a:p>
                       <a:pPr algn="l" fontAlgn="b"/>
                       <a:r>
-                        <a:rPr lang="en-ZA" sz="1000" u="none" strike="noStrike">
+                        <a:rPr lang="en-ZA" sz="1400" u="none" strike="noStrike" dirty="0">
                           <a:effectLst/>
                         </a:rPr>
                         <a:t> </a:t>
                       </a:r>
-                      <a:endParaRPr lang="en-ZA" sz="1000" b="0" i="0" u="none" strike="noStrike">
+                      <a:endParaRPr lang="en-ZA" sz="1400" b="0" i="0" u="none" strike="noStrike" dirty="0">
                         <a:solidFill>
                           <a:srgbClr val="000000"/>
                         </a:solidFill>
@@ -14348,150 +16324,12 @@
                     <a:p>
                       <a:pPr algn="l" fontAlgn="b"/>
                       <a:r>
-                        <a:rPr lang="en-ZA" sz="1000" u="none" strike="noStrike">
+                        <a:rPr lang="en-ZA" sz="1400" u="none" strike="noStrike" dirty="0">
                           <a:effectLst/>
                         </a:rPr>
                         <a:t> </a:t>
                       </a:r>
-                      <a:endParaRPr lang="en-ZA" sz="1000" b="0" i="0" u="none" strike="noStrike">
-                        <a:solidFill>
-                          <a:srgbClr val="000000"/>
-                        </a:solidFill>
-                        <a:effectLst/>
-                        <a:latin typeface="Calibri"/>
-                      </a:endParaRPr>
-                    </a:p>
-                  </a:txBody>
-                  <a:tcPr marL="4852" marR="4852" marT="4852" marB="0" anchor="b"/>
-                </a:tc>
-                <a:tc>
-                  <a:txBody>
-                    <a:bodyPr/>
-                    <a:lstStyle/>
-                    <a:p>
-                      <a:pPr algn="l" fontAlgn="b"/>
-                      <a:r>
-                        <a:rPr lang="en-ZA" sz="1000" u="none" strike="noStrike">
-                          <a:effectLst/>
-                        </a:rPr>
-                        <a:t> </a:t>
-                      </a:r>
-                      <a:endParaRPr lang="en-ZA" sz="1000" b="0" i="0" u="none" strike="noStrike">
-                        <a:solidFill>
-                          <a:srgbClr val="000000"/>
-                        </a:solidFill>
-                        <a:effectLst/>
-                        <a:latin typeface="Calibri"/>
-                      </a:endParaRPr>
-                    </a:p>
-                  </a:txBody>
-                  <a:tcPr marL="4852" marR="4852" marT="4852" marB="0" anchor="b"/>
-                </a:tc>
-                <a:tc>
-                  <a:txBody>
-                    <a:bodyPr/>
-                    <a:lstStyle/>
-                    <a:p>
-                      <a:pPr algn="l" fontAlgn="b"/>
-                      <a:r>
-                        <a:rPr lang="en-ZA" sz="1000" u="none" strike="noStrike">
-                          <a:effectLst/>
-                        </a:rPr>
-                        <a:t> </a:t>
-                      </a:r>
-                      <a:endParaRPr lang="en-ZA" sz="1000" b="0" i="0" u="none" strike="noStrike">
-                        <a:solidFill>
-                          <a:srgbClr val="000000"/>
-                        </a:solidFill>
-                        <a:effectLst/>
-                        <a:latin typeface="Calibri"/>
-                      </a:endParaRPr>
-                    </a:p>
-                  </a:txBody>
-                  <a:tcPr marL="4852" marR="4852" marT="4852" marB="0" anchor="b"/>
-                </a:tc>
-                <a:tc>
-                  <a:txBody>
-                    <a:bodyPr/>
-                    <a:lstStyle/>
-                    <a:p>
-                      <a:pPr algn="l" fontAlgn="b"/>
-                      <a:r>
-                        <a:rPr lang="en-ZA" sz="1000" u="none" strike="noStrike">
-                          <a:effectLst/>
-                        </a:rPr>
-                        <a:t> </a:t>
-                      </a:r>
-                      <a:endParaRPr lang="en-ZA" sz="1000" b="0" i="0" u="none" strike="noStrike">
-                        <a:solidFill>
-                          <a:srgbClr val="000000"/>
-                        </a:solidFill>
-                        <a:effectLst/>
-                        <a:latin typeface="Calibri"/>
-                      </a:endParaRPr>
-                    </a:p>
-                  </a:txBody>
-                  <a:tcPr marL="4852" marR="4852" marT="4852" marB="0" anchor="b"/>
-                </a:tc>
-                <a:tc>
-                  <a:txBody>
-                    <a:bodyPr/>
-                    <a:lstStyle/>
-                    <a:p>
-                      <a:pPr algn="l" fontAlgn="b"/>
-                      <a:r>
-                        <a:rPr lang="en-ZA" sz="1000" u="none" strike="noStrike">
-                          <a:effectLst/>
-                        </a:rPr>
-                        <a:t> </a:t>
-                      </a:r>
-                      <a:endParaRPr lang="en-ZA" sz="1000" b="0" i="0" u="none" strike="noStrike">
-                        <a:solidFill>
-                          <a:srgbClr val="000000"/>
-                        </a:solidFill>
-                        <a:effectLst/>
-                        <a:latin typeface="Calibri"/>
-                      </a:endParaRPr>
-                    </a:p>
-                  </a:txBody>
-                  <a:tcPr marL="4852" marR="4852" marT="4852" marB="0" anchor="b"/>
-                </a:tc>
-                <a:tc>
-                  <a:txBody>
-                    <a:bodyPr/>
-                    <a:lstStyle/>
-                    <a:p>
-                      <a:pPr algn="l" fontAlgn="b"/>
-                      <a:r>
-                        <a:rPr lang="en-ZA" sz="1000" u="none" strike="noStrike">
-                          <a:effectLst/>
-                        </a:rPr>
-                        <a:t>Parallel operation with legacy system</a:t>
-                      </a:r>
-                      <a:endParaRPr lang="en-ZA" sz="1000" b="0" i="0" u="none" strike="noStrike">
-                        <a:solidFill>
-                          <a:srgbClr val="000000"/>
-                        </a:solidFill>
-                        <a:effectLst/>
-                        <a:latin typeface="Calibri"/>
-                      </a:endParaRPr>
-                    </a:p>
-                  </a:txBody>
-                  <a:tcPr marL="4852" marR="4852" marT="4852" marB="0" anchor="b"/>
-                </a:tc>
-                <a:tc>
-                  <a:txBody>
-                    <a:bodyPr/>
-                    <a:lstStyle/>
-                    <a:p>
-                      <a:pPr algn="l" fontAlgn="b"/>
-                      <a:r>
-                        <a:rPr lang="en-ZA" sz="1000" u="none" strike="noStrike">
-                          <a:effectLst/>
-                        </a:rPr>
-                        <a:t>N/A</a:t>
-                      </a:r>
-                      <a:endParaRPr lang="en-ZA" sz="1000" b="0" i="0" u="none" strike="noStrike">
+                      <a:endParaRPr lang="en-ZA" sz="1400" b="0" i="0" u="none" strike="noStrike" dirty="0">
                         <a:solidFill>
                           <a:srgbClr val="000000"/>
                         </a:solidFill>
@@ -14521,12 +16359,12 @@
                     <a:p>
                       <a:pPr algn="l" fontAlgn="b"/>
                       <a:r>
-                        <a:rPr lang="en-ZA" sz="1000" u="none" strike="noStrike">
+                        <a:rPr lang="en-ZA" sz="1400" u="none" strike="noStrike">
                           <a:effectLst/>
                         </a:rPr>
                         <a:t> </a:t>
                       </a:r>
-                      <a:endParaRPr lang="en-ZA" sz="1000" b="0" i="0" u="none" strike="noStrike">
+                      <a:endParaRPr lang="en-ZA" sz="1400" b="0" i="0" u="none" strike="noStrike">
                         <a:solidFill>
                           <a:srgbClr val="000000"/>
                         </a:solidFill>
@@ -14544,150 +16382,12 @@
                     <a:p>
                       <a:pPr algn="l" fontAlgn="b"/>
                       <a:r>
-                        <a:rPr lang="en-ZA" sz="1000" u="none" strike="noStrike">
+                        <a:rPr lang="en-ZA" sz="1400" u="none" strike="noStrike" dirty="0">
                           <a:effectLst/>
                         </a:rPr>
                         <a:t> </a:t>
                       </a:r>
-                      <a:endParaRPr lang="en-ZA" sz="1000" b="0" i="0" u="none" strike="noStrike">
-                        <a:solidFill>
-                          <a:srgbClr val="000000"/>
-                        </a:solidFill>
-                        <a:effectLst/>
-                        <a:latin typeface="Calibri"/>
-                      </a:endParaRPr>
-                    </a:p>
-                  </a:txBody>
-                  <a:tcPr marL="4852" marR="4852" marT="4852" marB="0" anchor="b"/>
-                </a:tc>
-                <a:tc>
-                  <a:txBody>
-                    <a:bodyPr/>
-                    <a:lstStyle/>
-                    <a:p>
-                      <a:pPr algn="l" fontAlgn="b"/>
-                      <a:r>
-                        <a:rPr lang="en-ZA" sz="1000" u="none" strike="noStrike">
-                          <a:effectLst/>
-                        </a:rPr>
-                        <a:t> </a:t>
-                      </a:r>
-                      <a:endParaRPr lang="en-ZA" sz="1000" b="0" i="0" u="none" strike="noStrike">
-                        <a:solidFill>
-                          <a:srgbClr val="000000"/>
-                        </a:solidFill>
-                        <a:effectLst/>
-                        <a:latin typeface="Calibri"/>
-                      </a:endParaRPr>
-                    </a:p>
-                  </a:txBody>
-                  <a:tcPr marL="4852" marR="4852" marT="4852" marB="0" anchor="b"/>
-                </a:tc>
-                <a:tc>
-                  <a:txBody>
-                    <a:bodyPr/>
-                    <a:lstStyle/>
-                    <a:p>
-                      <a:pPr algn="l" fontAlgn="b"/>
-                      <a:r>
-                        <a:rPr lang="en-ZA" sz="1000" u="none" strike="noStrike">
-                          <a:effectLst/>
-                        </a:rPr>
-                        <a:t> </a:t>
-                      </a:r>
-                      <a:endParaRPr lang="en-ZA" sz="1000" b="0" i="0" u="none" strike="noStrike">
-                        <a:solidFill>
-                          <a:srgbClr val="000000"/>
-                        </a:solidFill>
-                        <a:effectLst/>
-                        <a:latin typeface="Calibri"/>
-                      </a:endParaRPr>
-                    </a:p>
-                  </a:txBody>
-                  <a:tcPr marL="4852" marR="4852" marT="4852" marB="0" anchor="b"/>
-                </a:tc>
-                <a:tc>
-                  <a:txBody>
-                    <a:bodyPr/>
-                    <a:lstStyle/>
-                    <a:p>
-                      <a:pPr algn="l" fontAlgn="b"/>
-                      <a:r>
-                        <a:rPr lang="en-ZA" sz="1000" u="none" strike="noStrike">
-                          <a:effectLst/>
-                        </a:rPr>
-                        <a:t> </a:t>
-                      </a:r>
-                      <a:endParaRPr lang="en-ZA" sz="1000" b="0" i="0" u="none" strike="noStrike">
-                        <a:solidFill>
-                          <a:srgbClr val="000000"/>
-                        </a:solidFill>
-                        <a:effectLst/>
-                        <a:latin typeface="Calibri"/>
-                      </a:endParaRPr>
-                    </a:p>
-                  </a:txBody>
-                  <a:tcPr marL="4852" marR="4852" marT="4852" marB="0" anchor="b"/>
-                </a:tc>
-                <a:tc>
-                  <a:txBody>
-                    <a:bodyPr/>
-                    <a:lstStyle/>
-                    <a:p>
-                      <a:pPr algn="l" fontAlgn="b"/>
-                      <a:r>
-                        <a:rPr lang="en-ZA" sz="1000" u="none" strike="noStrike">
-                          <a:effectLst/>
-                        </a:rPr>
-                        <a:t> </a:t>
-                      </a:r>
-                      <a:endParaRPr lang="en-ZA" sz="1000" b="0" i="0" u="none" strike="noStrike">
-                        <a:solidFill>
-                          <a:srgbClr val="000000"/>
-                        </a:solidFill>
-                        <a:effectLst/>
-                        <a:latin typeface="Calibri"/>
-                      </a:endParaRPr>
-                    </a:p>
-                  </a:txBody>
-                  <a:tcPr marL="4852" marR="4852" marT="4852" marB="0" anchor="b"/>
-                </a:tc>
-                <a:tc>
-                  <a:txBody>
-                    <a:bodyPr/>
-                    <a:lstStyle/>
-                    <a:p>
-                      <a:pPr algn="l" fontAlgn="b"/>
-                      <a:r>
-                        <a:rPr lang="en-ZA" sz="1000" u="none" strike="noStrike">
-                          <a:effectLst/>
-                        </a:rPr>
-                        <a:t>Conversion of operational databases</a:t>
-                      </a:r>
-                      <a:endParaRPr lang="en-ZA" sz="1000" b="0" i="0" u="none" strike="noStrike">
-                        <a:solidFill>
-                          <a:srgbClr val="000000"/>
-                        </a:solidFill>
-                        <a:effectLst/>
-                        <a:latin typeface="Calibri"/>
-                      </a:endParaRPr>
-                    </a:p>
-                  </a:txBody>
-                  <a:tcPr marL="4852" marR="4852" marT="4852" marB="0" anchor="b"/>
-                </a:tc>
-                <a:tc>
-                  <a:txBody>
-                    <a:bodyPr/>
-                    <a:lstStyle/>
-                    <a:p>
-                      <a:pPr algn="l" fontAlgn="b"/>
-                      <a:r>
-                        <a:rPr lang="en-ZA" sz="1000" u="none" strike="noStrike">
-                          <a:effectLst/>
-                        </a:rPr>
-                        <a:t>N/A</a:t>
-                      </a:r>
-                      <a:endParaRPr lang="en-ZA" sz="1000" b="0" i="0" u="none" strike="noStrike">
+                      <a:endParaRPr lang="en-ZA" sz="1400" b="0" i="0" u="none" strike="noStrike" dirty="0">
                         <a:solidFill>
                           <a:srgbClr val="000000"/>
                         </a:solidFill>
@@ -14707,12 +16407,45 @@
                     <a:p>
                       <a:pPr algn="l" fontAlgn="b"/>
                       <a:r>
-                        <a:rPr lang="en-ZA" sz="1000" u="none" strike="noStrike" dirty="0">
+                        <a:rPr lang="en-ZA" sz="1400" u="none" strike="noStrike" dirty="0">
+                          <a:solidFill>
+                            <a:schemeClr val="tx1"/>
+                          </a:solidFill>
                           <a:effectLst/>
                         </a:rPr>
                         <a:t> </a:t>
                       </a:r>
-                      <a:endParaRPr lang="en-ZA" sz="1000" b="0" i="0" u="none" strike="noStrike" dirty="0">
+                      <a:endParaRPr lang="en-ZA" sz="1400" b="0" i="0" u="none" strike="noStrike" dirty="0">
+                        <a:solidFill>
+                          <a:schemeClr val="tx1"/>
+                        </a:solidFill>
+                        <a:effectLst/>
+                        <a:latin typeface="Calibri"/>
+                      </a:endParaRPr>
+                    </a:p>
+                  </a:txBody>
+                  <a:tcPr marL="4852" marR="4852" marT="4852" marB="0" anchor="b">
+                    <a:solidFill>
+                      <a:schemeClr val="tx2">
+                        <a:lumMod val="20000"/>
+                        <a:lumOff val="80000"/>
+                      </a:schemeClr>
+                    </a:solidFill>
+                  </a:tcPr>
+                </a:tc>
+                <a:tc>
+                  <a:txBody>
+                    <a:bodyPr/>
+                    <a:lstStyle/>
+                    <a:p>
+                      <a:pPr algn="l" fontAlgn="b"/>
+                      <a:r>
+                        <a:rPr lang="en-ZA" sz="1400" u="none" strike="noStrike" dirty="0">
+                          <a:effectLst/>
+                        </a:rPr>
+                        <a:t> </a:t>
+                      </a:r>
+                      <a:endParaRPr lang="en-ZA" sz="1400" b="0" i="0" u="none" strike="noStrike" dirty="0">
                         <a:solidFill>
                           <a:srgbClr val="000000"/>
                         </a:solidFill>
@@ -14730,173 +16463,12 @@
                     <a:p>
                       <a:pPr algn="l" fontAlgn="b"/>
                       <a:r>
-                        <a:rPr lang="en-ZA" sz="1000" u="none" strike="noStrike">
+                        <a:rPr lang="en-ZA" sz="1400" u="none" strike="noStrike">
                           <a:effectLst/>
                         </a:rPr>
                         <a:t> </a:t>
                       </a:r>
-                      <a:endParaRPr lang="en-ZA" sz="1000" b="0" i="0" u="none" strike="noStrike">
-                        <a:solidFill>
-                          <a:srgbClr val="000000"/>
-                        </a:solidFill>
-                        <a:effectLst/>
-                        <a:latin typeface="Calibri"/>
-                      </a:endParaRPr>
-                    </a:p>
-                  </a:txBody>
-                  <a:tcPr marL="4852" marR="4852" marT="4852" marB="0" anchor="b"/>
-                </a:tc>
-                <a:tc>
-                  <a:txBody>
-                    <a:bodyPr/>
-                    <a:lstStyle/>
-                    <a:p>
-                      <a:pPr algn="l" fontAlgn="b"/>
-                      <a:r>
-                        <a:rPr lang="en-ZA" sz="1000" u="none" strike="noStrike">
-                          <a:effectLst/>
-                        </a:rPr>
-                        <a:t> </a:t>
-                      </a:r>
-                      <a:endParaRPr lang="en-ZA" sz="1000" b="0" i="0" u="none" strike="noStrike">
-                        <a:solidFill>
-                          <a:srgbClr val="000000"/>
-                        </a:solidFill>
-                        <a:effectLst/>
-                        <a:latin typeface="Calibri"/>
-                      </a:endParaRPr>
-                    </a:p>
-                  </a:txBody>
-                  <a:tcPr marL="4852" marR="4852" marT="4852" marB="0" anchor="b"/>
-                </a:tc>
-                <a:tc>
-                  <a:txBody>
-                    <a:bodyPr/>
-                    <a:lstStyle/>
-                    <a:p>
-                      <a:pPr algn="l" fontAlgn="b"/>
-                      <a:r>
-                        <a:rPr lang="en-ZA" sz="1000" u="none" strike="noStrike">
-                          <a:effectLst/>
-                        </a:rPr>
-                        <a:t> </a:t>
-                      </a:r>
-                      <a:endParaRPr lang="en-ZA" sz="1000" b="0" i="0" u="none" strike="noStrike">
-                        <a:solidFill>
-                          <a:srgbClr val="000000"/>
-                        </a:solidFill>
-                        <a:effectLst/>
-                        <a:latin typeface="Calibri"/>
-                      </a:endParaRPr>
-                    </a:p>
-                  </a:txBody>
-                  <a:tcPr marL="4852" marR="4852" marT="4852" marB="0" anchor="b"/>
-                </a:tc>
-                <a:tc>
-                  <a:txBody>
-                    <a:bodyPr/>
-                    <a:lstStyle/>
-                    <a:p>
-                      <a:pPr algn="l" fontAlgn="b"/>
-                      <a:r>
-                        <a:rPr lang="en-ZA" sz="1000" u="none" strike="noStrike">
-                          <a:effectLst/>
-                        </a:rPr>
-                        <a:t> </a:t>
-                      </a:r>
-                      <a:endParaRPr lang="en-ZA" sz="1000" b="0" i="0" u="none" strike="noStrike">
-                        <a:solidFill>
-                          <a:srgbClr val="000000"/>
-                        </a:solidFill>
-                        <a:effectLst/>
-                        <a:latin typeface="Calibri"/>
-                      </a:endParaRPr>
-                    </a:p>
-                  </a:txBody>
-                  <a:tcPr marL="4852" marR="4852" marT="4852" marB="0" anchor="b"/>
-                </a:tc>
-                <a:tc>
-                  <a:txBody>
-                    <a:bodyPr/>
-                    <a:lstStyle/>
-                    <a:p>
-                      <a:pPr algn="l" fontAlgn="b"/>
-                      <a:r>
-                        <a:rPr lang="en-ZA" sz="1000" u="none" strike="noStrike" dirty="0">
-                          <a:effectLst/>
-                        </a:rPr>
-                        <a:t> </a:t>
-                      </a:r>
-                      <a:endParaRPr lang="en-ZA" sz="1000" b="0" i="0" u="none" strike="noStrike" dirty="0">
-                        <a:solidFill>
-                          <a:srgbClr val="000000"/>
-                        </a:solidFill>
-                        <a:effectLst/>
-                        <a:latin typeface="Calibri"/>
-                      </a:endParaRPr>
-                    </a:p>
-                  </a:txBody>
-                  <a:tcPr marL="4852" marR="4852" marT="4852" marB="0" anchor="b"/>
-                </a:tc>
-                <a:tc>
-                  <a:txBody>
-                    <a:bodyPr/>
-                    <a:lstStyle/>
-                    <a:p>
-                      <a:pPr algn="l" fontAlgn="b"/>
-                      <a:r>
-                        <a:rPr lang="en-ZA" sz="1000" u="none" strike="noStrike">
-                          <a:effectLst/>
-                        </a:rPr>
-                        <a:t> </a:t>
-                      </a:r>
-                      <a:endParaRPr lang="en-ZA" sz="1000" b="0" i="0" u="none" strike="noStrike">
-                        <a:solidFill>
-                          <a:srgbClr val="000000"/>
-                        </a:solidFill>
-                        <a:effectLst/>
-                        <a:latin typeface="Calibri"/>
-                      </a:endParaRPr>
-                    </a:p>
-                  </a:txBody>
-                  <a:tcPr marL="4852" marR="4852" marT="4852" marB="0" anchor="b"/>
-                </a:tc>
-                <a:tc>
-                  <a:txBody>
-                    <a:bodyPr/>
-                    <a:lstStyle/>
-                    <a:p>
-                      <a:pPr algn="l" fontAlgn="b"/>
-                      <a:r>
-                        <a:rPr lang="en-ZA" sz="1000" u="none" strike="noStrike">
-                          <a:effectLst/>
-                        </a:rPr>
-                        <a:t> </a:t>
-                      </a:r>
-                      <a:endParaRPr lang="en-ZA" sz="1000" b="0" i="0" u="none" strike="noStrike">
-                        <a:solidFill>
-                          <a:srgbClr val="000000"/>
-                        </a:solidFill>
-                        <a:effectLst/>
-                        <a:latin typeface="Calibri"/>
-                      </a:endParaRPr>
-                    </a:p>
-                  </a:txBody>
-                  <a:tcPr marL="4852" marR="4852" marT="4852" marB="0" anchor="b"/>
-                </a:tc>
-                <a:tc>
-                  <a:txBody>
-                    <a:bodyPr/>
-                    <a:lstStyle/>
-                    <a:p>
-                      <a:pPr algn="l" fontAlgn="b"/>
-                      <a:r>
-                        <a:rPr lang="en-ZA" sz="1000" u="none" strike="noStrike">
-                          <a:effectLst/>
-                        </a:rPr>
-                        <a:t> </a:t>
-                      </a:r>
-                      <a:endParaRPr lang="en-ZA" sz="1000" b="0" i="0" u="none" strike="noStrike">
+                      <a:endParaRPr lang="en-ZA" sz="1400" b="0" i="0" u="none" strike="noStrike">
                         <a:solidFill>
                           <a:srgbClr val="000000"/>
                         </a:solidFill>
@@ -14916,12 +16488,151 @@
                     <a:p>
                       <a:pPr algn="l" fontAlgn="b"/>
                       <a:r>
-                        <a:rPr lang="en-ZA" sz="1000" u="none" strike="noStrike">
+                        <a:rPr lang="en-ZA" sz="1400" u="none" strike="noStrike" dirty="0">
+                          <a:solidFill>
+                            <a:schemeClr val="tx1"/>
+                          </a:solidFill>
                           <a:effectLst/>
                         </a:rPr>
                         <a:t>Core Supporting Workflows</a:t>
                       </a:r>
-                      <a:endParaRPr lang="en-ZA" sz="1000" b="1" i="0" u="none" strike="noStrike">
+                      <a:endParaRPr lang="en-ZA" sz="1400" b="1" i="0" u="none" strike="noStrike" dirty="0">
+                        <a:solidFill>
+                          <a:schemeClr val="tx1"/>
+                        </a:solidFill>
+                        <a:effectLst/>
+                        <a:latin typeface="Calibri"/>
+                      </a:endParaRPr>
+                    </a:p>
+                  </a:txBody>
+                  <a:tcPr marL="4852" marR="4852" marT="4852" marB="0" anchor="b">
+                    <a:solidFill>
+                      <a:schemeClr val="bg1">
+                        <a:lumMod val="65000"/>
+                      </a:schemeClr>
+                    </a:solidFill>
+                  </a:tcPr>
+                </a:tc>
+                <a:tc>
+                  <a:txBody>
+                    <a:bodyPr/>
+                    <a:lstStyle/>
+                    <a:p>
+                      <a:pPr algn="ctr" fontAlgn="b"/>
+                      <a:r>
+                        <a:rPr lang="en-ZA" sz="1400" b="1" u="none" strike="noStrike" dirty="0">
+                          <a:solidFill>
+                            <a:schemeClr val="tx1"/>
+                          </a:solidFill>
+                          <a:effectLst/>
+                        </a:rPr>
+                        <a:t>Elaboration Phase</a:t>
+                      </a:r>
+                      <a:endParaRPr lang="en-ZA" sz="1400" b="1" i="0" u="none" strike="noStrike" dirty="0">
+                        <a:solidFill>
+                          <a:schemeClr val="tx1"/>
+                        </a:solidFill>
+                        <a:effectLst/>
+                        <a:latin typeface="Calibri"/>
+                      </a:endParaRPr>
+                    </a:p>
+                  </a:txBody>
+                  <a:tcPr marL="4852" marR="4852" marT="4852" marB="0" anchor="b">
+                    <a:solidFill>
+                      <a:schemeClr val="bg1">
+                        <a:lumMod val="65000"/>
+                      </a:schemeClr>
+                    </a:solidFill>
+                  </a:tcPr>
+                </a:tc>
+                <a:tc>
+                  <a:txBody>
+                    <a:bodyPr/>
+                    <a:lstStyle/>
+                    <a:p>
+                      <a:pPr algn="ctr" fontAlgn="b"/>
+                      <a:r>
+                        <a:rPr lang="en-ZA" sz="1400" b="1" u="none" strike="noStrike" dirty="0">
+                          <a:solidFill>
+                            <a:schemeClr val="tx1"/>
+                          </a:solidFill>
+                          <a:effectLst/>
+                        </a:rPr>
+                        <a:t>Tailoring</a:t>
+                      </a:r>
+                      <a:endParaRPr lang="en-ZA" sz="1400" b="1" i="0" u="none" strike="noStrike" dirty="0">
+                        <a:solidFill>
+                          <a:schemeClr val="tx1"/>
+                        </a:solidFill>
+                        <a:effectLst/>
+                        <a:latin typeface="Calibri"/>
+                      </a:endParaRPr>
+                    </a:p>
+                  </a:txBody>
+                  <a:tcPr marL="4852" marR="4852" marT="4852" marB="0" anchor="b">
+                    <a:solidFill>
+                      <a:schemeClr val="bg1">
+                        <a:lumMod val="65000"/>
+                      </a:schemeClr>
+                    </a:solidFill>
+                  </a:tcPr>
+                </a:tc>
+              </a:tr>
+              <a:tr h="252857">
+                <a:tc>
+                  <a:txBody>
+                    <a:bodyPr/>
+                    <a:lstStyle/>
+                    <a:p>
+                      <a:pPr algn="l" fontAlgn="b"/>
+                      <a:r>
+                        <a:rPr lang="en-ZA" sz="1400" u="none" strike="noStrike" dirty="0" err="1">
+                          <a:solidFill>
+                            <a:schemeClr val="tx1"/>
+                          </a:solidFill>
+                          <a:effectLst/>
+                        </a:rPr>
+                        <a:t>Config</a:t>
+                      </a:r>
+                      <a:r>
+                        <a:rPr lang="en-ZA" sz="1400" u="none" strike="noStrike" dirty="0">
+                          <a:solidFill>
+                            <a:schemeClr val="tx1"/>
+                          </a:solidFill>
+                          <a:effectLst/>
+                        </a:rPr>
+                        <a:t> &amp; Change Management</a:t>
+                      </a:r>
+                      <a:endParaRPr lang="en-ZA" sz="1400" b="0" i="1" u="none" strike="noStrike" dirty="0">
+                        <a:solidFill>
+                          <a:schemeClr val="tx1"/>
+                        </a:solidFill>
+                        <a:effectLst/>
+                        <a:latin typeface="Calibri"/>
+                      </a:endParaRPr>
+                    </a:p>
+                  </a:txBody>
+                  <a:tcPr marL="4852" marR="4852" marT="4852" marB="0" anchor="b">
+                    <a:solidFill>
+                      <a:schemeClr val="bg2">
+                        <a:lumMod val="75000"/>
+                      </a:schemeClr>
+                    </a:solidFill>
+                  </a:tcPr>
+                </a:tc>
+                <a:tc>
+                  <a:txBody>
+                    <a:bodyPr/>
+                    <a:lstStyle/>
+                    <a:p>
+                      <a:pPr algn="l" fontAlgn="b"/>
+                      <a:r>
+                        <a:rPr lang="en-ZA" sz="1400" u="none" strike="noStrike">
+                          <a:effectLst/>
+                        </a:rPr>
+                        <a:t>A Preliminary User Manual (Optional)</a:t>
+                      </a:r>
+                      <a:endParaRPr lang="en-ZA" sz="1400" b="0" i="0" u="none" strike="noStrike">
                         <a:solidFill>
                           <a:srgbClr val="000000"/>
                         </a:solidFill>
@@ -14939,382 +16650,12 @@
                     <a:p>
                       <a:pPr algn="l" fontAlgn="b"/>
                       <a:r>
-                        <a:rPr lang="en-ZA" sz="1000" u="none" strike="noStrike">
-                          <a:effectLst/>
-                        </a:rPr>
-                        <a:t> </a:t>
-                      </a:r>
-                      <a:endParaRPr lang="en-ZA" sz="1000" b="0" i="0" u="none" strike="noStrike">
-                        <a:solidFill>
-                          <a:srgbClr val="000000"/>
-                        </a:solidFill>
-                        <a:effectLst/>
-                        <a:latin typeface="Calibri"/>
-                      </a:endParaRPr>
-                    </a:p>
-                  </a:txBody>
-                  <a:tcPr marL="4852" marR="4852" marT="4852" marB="0" anchor="b"/>
-                </a:tc>
-                <a:tc>
-                  <a:txBody>
-                    <a:bodyPr/>
-                    <a:lstStyle/>
-                    <a:p>
-                      <a:pPr algn="l" fontAlgn="b"/>
-                      <a:r>
-                        <a:rPr lang="en-ZA" sz="1000" u="none" strike="noStrike">
-                          <a:effectLst/>
-                        </a:rPr>
-                        <a:t> </a:t>
-                      </a:r>
-                      <a:endParaRPr lang="en-ZA" sz="1000" b="0" i="0" u="none" strike="noStrike">
-                        <a:solidFill>
-                          <a:srgbClr val="000000"/>
-                        </a:solidFill>
-                        <a:effectLst/>
-                        <a:latin typeface="Calibri"/>
-                      </a:endParaRPr>
-                    </a:p>
-                  </a:txBody>
-                  <a:tcPr marL="4852" marR="4852" marT="4852" marB="0" anchor="b"/>
-                </a:tc>
-                <a:tc>
-                  <a:txBody>
-                    <a:bodyPr/>
-                    <a:lstStyle/>
-                    <a:p>
-                      <a:pPr algn="l" fontAlgn="b"/>
-                      <a:r>
-                        <a:rPr lang="en-ZA" sz="1000" u="none" strike="noStrike">
-                          <a:effectLst/>
-                        </a:rPr>
-                        <a:t> </a:t>
-                      </a:r>
-                      <a:endParaRPr lang="en-ZA" sz="1000" b="0" i="0" u="none" strike="noStrike">
-                        <a:solidFill>
-                          <a:srgbClr val="000000"/>
-                        </a:solidFill>
-                        <a:effectLst/>
-                        <a:latin typeface="Calibri"/>
-                      </a:endParaRPr>
-                    </a:p>
-                  </a:txBody>
-                  <a:tcPr marL="4852" marR="4852" marT="4852" marB="0" anchor="b"/>
-                </a:tc>
-                <a:tc>
-                  <a:txBody>
-                    <a:bodyPr/>
-                    <a:lstStyle/>
-                    <a:p>
-                      <a:pPr algn="l" fontAlgn="b"/>
-                      <a:r>
-                        <a:rPr lang="en-ZA" sz="1000" u="none" strike="noStrike">
-                          <a:effectLst/>
-                        </a:rPr>
-                        <a:t> </a:t>
-                      </a:r>
-                      <a:endParaRPr lang="en-ZA" sz="1000" b="0" i="0" u="none" strike="noStrike">
-                        <a:solidFill>
-                          <a:srgbClr val="000000"/>
-                        </a:solidFill>
-                        <a:effectLst/>
-                        <a:latin typeface="Calibri"/>
-                      </a:endParaRPr>
-                    </a:p>
-                  </a:txBody>
-                  <a:tcPr marL="4852" marR="4852" marT="4852" marB="0" anchor="b"/>
-                </a:tc>
-                <a:tc>
-                  <a:txBody>
-                    <a:bodyPr/>
-                    <a:lstStyle/>
-                    <a:p>
-                      <a:pPr algn="l" fontAlgn="b"/>
-                      <a:r>
-                        <a:rPr lang="en-ZA" sz="1000" u="none" strike="noStrike">
-                          <a:effectLst/>
-                        </a:rPr>
-                        <a:t> </a:t>
-                      </a:r>
-                      <a:endParaRPr lang="en-ZA" sz="1000" b="0" i="0" u="none" strike="noStrike">
-                        <a:solidFill>
-                          <a:srgbClr val="000000"/>
-                        </a:solidFill>
-                        <a:effectLst/>
-                        <a:latin typeface="Calibri"/>
-                      </a:endParaRPr>
-                    </a:p>
-                  </a:txBody>
-                  <a:tcPr marL="4852" marR="4852" marT="4852" marB="0" anchor="b"/>
-                </a:tc>
-                <a:tc>
-                  <a:txBody>
-                    <a:bodyPr/>
-                    <a:lstStyle/>
-                    <a:p>
-                      <a:pPr algn="l" fontAlgn="b"/>
-                      <a:r>
-                        <a:rPr lang="en-ZA" sz="1000" u="none" strike="noStrike">
-                          <a:effectLst/>
-                        </a:rPr>
-                        <a:t> </a:t>
-                      </a:r>
-                      <a:endParaRPr lang="en-ZA" sz="1000" b="0" i="0" u="none" strike="noStrike">
-                        <a:solidFill>
-                          <a:srgbClr val="000000"/>
-                        </a:solidFill>
-                        <a:effectLst/>
-                        <a:latin typeface="Calibri"/>
-                      </a:endParaRPr>
-                    </a:p>
-                  </a:txBody>
-                  <a:tcPr marL="4852" marR="4852" marT="4852" marB="0" anchor="b"/>
-                </a:tc>
-                <a:tc>
-                  <a:txBody>
-                    <a:bodyPr/>
-                    <a:lstStyle/>
-                    <a:p>
-                      <a:pPr algn="l" fontAlgn="b"/>
-                      <a:r>
-                        <a:rPr lang="en-ZA" sz="1000" u="none" strike="noStrike">
-                          <a:effectLst/>
-                        </a:rPr>
-                        <a:t> </a:t>
-                      </a:r>
-                      <a:endParaRPr lang="en-ZA" sz="1000" b="0" i="0" u="none" strike="noStrike">
-                        <a:solidFill>
-                          <a:srgbClr val="000000"/>
-                        </a:solidFill>
-                        <a:effectLst/>
-                        <a:latin typeface="Calibri"/>
-                      </a:endParaRPr>
-                    </a:p>
-                  </a:txBody>
-                  <a:tcPr marL="4852" marR="4852" marT="4852" marB="0" anchor="b"/>
-                </a:tc>
-                <a:tc>
-                  <a:txBody>
-                    <a:bodyPr/>
-                    <a:lstStyle/>
-                    <a:p>
-                      <a:pPr algn="l" fontAlgn="b"/>
-                      <a:r>
-                        <a:rPr lang="en-ZA" sz="1000" u="none" strike="noStrike">
-                          <a:effectLst/>
-                        </a:rPr>
-                        <a:t> </a:t>
-                      </a:r>
-                      <a:endParaRPr lang="en-ZA" sz="1000" b="0" i="0" u="none" strike="noStrike">
-                        <a:solidFill>
-                          <a:srgbClr val="000000"/>
-                        </a:solidFill>
-                        <a:effectLst/>
-                        <a:latin typeface="Calibri"/>
-                      </a:endParaRPr>
-                    </a:p>
-                  </a:txBody>
-                  <a:tcPr marL="4852" marR="4852" marT="4852" marB="0" anchor="b"/>
-                </a:tc>
-              </a:tr>
-              <a:tr h="252857">
-                <a:tc>
-                  <a:txBody>
-                    <a:bodyPr/>
-                    <a:lstStyle/>
-                    <a:p>
-                      <a:pPr algn="l" fontAlgn="b"/>
-                      <a:r>
-                        <a:rPr lang="en-ZA" sz="1000" u="none" strike="noStrike">
-                          <a:effectLst/>
-                        </a:rPr>
-                        <a:t>Config &amp; Change Management</a:t>
-                      </a:r>
-                      <a:endParaRPr lang="en-ZA" sz="1000" b="0" i="1" u="none" strike="noStrike">
-                        <a:solidFill>
-                          <a:srgbClr val="000000"/>
-                        </a:solidFill>
-                        <a:effectLst/>
-                        <a:latin typeface="Calibri"/>
-                      </a:endParaRPr>
-                    </a:p>
-                  </a:txBody>
-                  <a:tcPr marL="4852" marR="4852" marT="4852" marB="0" anchor="b"/>
-                </a:tc>
-                <a:tc>
-                  <a:txBody>
-                    <a:bodyPr/>
-                    <a:lstStyle/>
-                    <a:p>
-                      <a:pPr algn="l" fontAlgn="b"/>
-                      <a:r>
-                        <a:rPr lang="en-ZA" sz="1000" u="none" strike="noStrike">
-                          <a:effectLst/>
-                        </a:rPr>
-                        <a:t> </a:t>
-                      </a:r>
-                      <a:endParaRPr lang="en-ZA" sz="1000" b="0" i="0" u="none" strike="noStrike">
-                        <a:solidFill>
-                          <a:srgbClr val="000000"/>
-                        </a:solidFill>
-                        <a:effectLst/>
-                        <a:latin typeface="Calibri"/>
-                      </a:endParaRPr>
-                    </a:p>
-                  </a:txBody>
-                  <a:tcPr marL="4852" marR="4852" marT="4852" marB="0" anchor="b"/>
-                </a:tc>
-                <a:tc>
-                  <a:txBody>
-                    <a:bodyPr/>
-                    <a:lstStyle/>
-                    <a:p>
-                      <a:pPr algn="l" fontAlgn="b"/>
-                      <a:r>
-                        <a:rPr lang="en-ZA" sz="1000" u="none" strike="noStrike">
-                          <a:effectLst/>
-                        </a:rPr>
-                        <a:t> </a:t>
-                      </a:r>
-                      <a:endParaRPr lang="en-ZA" sz="1000" b="0" i="0" u="none" strike="noStrike">
-                        <a:solidFill>
-                          <a:srgbClr val="000000"/>
-                        </a:solidFill>
-                        <a:effectLst/>
-                        <a:latin typeface="Calibri"/>
-                      </a:endParaRPr>
-                    </a:p>
-                  </a:txBody>
-                  <a:tcPr marL="4852" marR="4852" marT="4852" marB="0" anchor="b"/>
-                </a:tc>
-                <a:tc>
-                  <a:txBody>
-                    <a:bodyPr/>
-                    <a:lstStyle/>
-                    <a:p>
-                      <a:pPr algn="l" fontAlgn="b"/>
-                      <a:r>
-                        <a:rPr lang="en-ZA" sz="1000" u="none" strike="noStrike">
-                          <a:effectLst/>
-                        </a:rPr>
-                        <a:t>A Preliminary User Manual (Optional)</a:t>
-                      </a:r>
-                      <a:endParaRPr lang="en-ZA" sz="1000" b="0" i="0" u="none" strike="noStrike">
-                        <a:solidFill>
-                          <a:srgbClr val="000000"/>
-                        </a:solidFill>
-                        <a:effectLst/>
-                        <a:latin typeface="Calibri"/>
-                      </a:endParaRPr>
-                    </a:p>
-                  </a:txBody>
-                  <a:tcPr marL="4852" marR="4852" marT="4852" marB="0" anchor="b"/>
-                </a:tc>
-                <a:tc>
-                  <a:txBody>
-                    <a:bodyPr/>
-                    <a:lstStyle/>
-                    <a:p>
-                      <a:pPr algn="l" fontAlgn="b"/>
-                      <a:r>
-                        <a:rPr lang="en-ZA" sz="1000" u="none" strike="noStrike">
+                        <a:rPr lang="en-ZA" sz="1400" u="none" strike="noStrike">
                           <a:effectLst/>
                         </a:rPr>
                         <a:t>N/A</a:t>
                       </a:r>
-                      <a:endParaRPr lang="en-ZA" sz="1000" b="0" i="0" u="none" strike="noStrike">
-                        <a:solidFill>
-                          <a:srgbClr val="000000"/>
-                        </a:solidFill>
-                        <a:effectLst/>
-                        <a:latin typeface="Calibri"/>
-                      </a:endParaRPr>
-                    </a:p>
-                  </a:txBody>
-                  <a:tcPr marL="4852" marR="4852" marT="4852" marB="0" anchor="b"/>
-                </a:tc>
-                <a:tc>
-                  <a:txBody>
-                    <a:bodyPr/>
-                    <a:lstStyle/>
-                    <a:p>
-                      <a:pPr algn="l" fontAlgn="b"/>
-                      <a:r>
-                        <a:rPr lang="en-ZA" sz="1000" u="none" strike="noStrike">
-                          <a:effectLst/>
-                        </a:rPr>
-                        <a:t>The User Manuals</a:t>
-                      </a:r>
-                      <a:endParaRPr lang="en-ZA" sz="1000" b="0" i="0" u="none" strike="noStrike">
-                        <a:solidFill>
-                          <a:srgbClr val="000000"/>
-                        </a:solidFill>
-                        <a:effectLst/>
-                        <a:latin typeface="Calibri"/>
-                      </a:endParaRPr>
-                    </a:p>
-                  </a:txBody>
-                  <a:tcPr marL="4852" marR="4852" marT="4852" marB="0" anchor="b"/>
-                </a:tc>
-                <a:tc>
-                  <a:txBody>
-                    <a:bodyPr/>
-                    <a:lstStyle/>
-                    <a:p>
-                      <a:pPr algn="l" fontAlgn="b"/>
-                      <a:r>
-                        <a:rPr lang="en-ZA" sz="1000" u="none" strike="noStrike">
-                          <a:effectLst/>
-                        </a:rPr>
-                        <a:t>N/A</a:t>
-                      </a:r>
-                      <a:endParaRPr lang="en-ZA" sz="1000" b="0" i="0" u="none" strike="noStrike">
-                        <a:solidFill>
-                          <a:srgbClr val="000000"/>
-                        </a:solidFill>
-                        <a:effectLst/>
-                        <a:latin typeface="Calibri"/>
-                      </a:endParaRPr>
-                    </a:p>
-                  </a:txBody>
-                  <a:tcPr marL="4852" marR="4852" marT="4852" marB="0" anchor="b"/>
-                </a:tc>
-                <a:tc>
-                  <a:txBody>
-                    <a:bodyPr/>
-                    <a:lstStyle/>
-                    <a:p>
-                      <a:pPr algn="l" fontAlgn="b"/>
-                      <a:r>
-                        <a:rPr lang="en-ZA" sz="1000" u="none" strike="noStrike">
-                          <a:effectLst/>
-                        </a:rPr>
-                        <a:t>Training of users and maintainers</a:t>
-                      </a:r>
-                      <a:endParaRPr lang="en-ZA" sz="1000" b="0" i="0" u="none" strike="noStrike">
-                        <a:solidFill>
-                          <a:srgbClr val="000000"/>
-                        </a:solidFill>
-                        <a:effectLst/>
-                        <a:latin typeface="Calibri"/>
-                      </a:endParaRPr>
-                    </a:p>
-                  </a:txBody>
-                  <a:tcPr marL="4852" marR="4852" marT="4852" marB="0" anchor="b"/>
-                </a:tc>
-                <a:tc>
-                  <a:txBody>
-                    <a:bodyPr/>
-                    <a:lstStyle/>
-                    <a:p>
-                      <a:pPr algn="l" fontAlgn="b"/>
-                      <a:r>
-                        <a:rPr lang="en-ZA" sz="1000" u="none" strike="noStrike">
-                          <a:effectLst/>
-                        </a:rPr>
-                        <a:t>N/A</a:t>
-                      </a:r>
-                      <a:endParaRPr lang="en-ZA" sz="1000" b="0" i="0" u="none" strike="noStrike">
+                      <a:endParaRPr lang="en-ZA" sz="1400" b="0" i="0" u="none" strike="noStrike">
                         <a:solidFill>
                           <a:srgbClr val="000000"/>
                         </a:solidFill>
@@ -15334,21 +16675,30 @@
                     <a:p>
                       <a:pPr algn="l" fontAlgn="ctr"/>
                       <a:r>
-                        <a:rPr lang="en-ZA" sz="1000" u="none" strike="noStrike">
+                        <a:rPr lang="en-ZA" sz="1400" u="none" strike="noStrike" dirty="0">
+                          <a:solidFill>
+                            <a:schemeClr val="tx1"/>
+                          </a:solidFill>
                           <a:effectLst/>
                         </a:rPr>
                         <a:t>Project Management</a:t>
                       </a:r>
-                      <a:endParaRPr lang="en-ZA" sz="1000" b="0" i="1" u="none" strike="noStrike">
+                      <a:endParaRPr lang="en-ZA" sz="1400" b="0" i="1" u="none" strike="noStrike" dirty="0">
                         <a:solidFill>
-                          <a:srgbClr val="000000"/>
+                          <a:schemeClr val="tx1"/>
                         </a:solidFill>
                         <a:effectLst/>
                         <a:latin typeface="Calibri"/>
                       </a:endParaRPr>
                     </a:p>
                   </a:txBody>
-                  <a:tcPr marL="4852" marR="4852" marT="4852" marB="0" anchor="ctr"/>
+                  <a:tcPr marL="4852" marR="4852" marT="4852" marB="0" anchor="ctr">
+                    <a:solidFill>
+                      <a:schemeClr val="bg2">
+                        <a:lumMod val="75000"/>
+                      </a:schemeClr>
+                    </a:solidFill>
+                  </a:tcPr>
                 </a:tc>
                 <a:tc>
                   <a:txBody>
@@ -15357,12 +16707,12 @@
                     <a:p>
                       <a:pPr algn="l" fontAlgn="b"/>
                       <a:r>
-                        <a:rPr lang="en-ZA" sz="1000" u="none" strike="noStrike">
+                        <a:rPr lang="en-ZA" sz="1400" u="none" strike="noStrike">
                           <a:effectLst/>
                         </a:rPr>
-                        <a:t>An Initial Rist Assessment</a:t>
+                        <a:t>A Revised Risk List and business case</a:t>
                       </a:r>
-                      <a:endParaRPr lang="en-ZA" sz="1000" b="0" i="0" u="none" strike="noStrike">
+                      <a:endParaRPr lang="en-ZA" sz="1400" b="0" i="0" u="none" strike="noStrike">
                         <a:solidFill>
                           <a:srgbClr val="000000"/>
                         </a:solidFill>
@@ -15380,150 +16730,12 @@
                     <a:p>
                       <a:pPr algn="l" fontAlgn="b"/>
                       <a:r>
-                        <a:rPr lang="en-ZA" sz="1000" u="none" strike="noStrike">
+                        <a:rPr lang="en-ZA" sz="1400" u="none" strike="noStrike">
                           <a:effectLst/>
                         </a:rPr>
                         <a:t>T</a:t>
                       </a:r>
-                      <a:endParaRPr lang="en-ZA" sz="1000" b="0" i="0" u="none" strike="noStrike">
-                        <a:solidFill>
-                          <a:srgbClr val="000000"/>
-                        </a:solidFill>
-                        <a:effectLst/>
-                        <a:latin typeface="Calibri"/>
-                      </a:endParaRPr>
-                    </a:p>
-                  </a:txBody>
-                  <a:tcPr marL="4852" marR="4852" marT="4852" marB="0" anchor="b"/>
-                </a:tc>
-                <a:tc>
-                  <a:txBody>
-                    <a:bodyPr/>
-                    <a:lstStyle/>
-                    <a:p>
-                      <a:pPr algn="l" fontAlgn="b"/>
-                      <a:r>
-                        <a:rPr lang="en-ZA" sz="1000" u="none" strike="noStrike">
-                          <a:effectLst/>
-                        </a:rPr>
-                        <a:t>A Revised Risk List and business case</a:t>
-                      </a:r>
-                      <a:endParaRPr lang="en-ZA" sz="1000" b="0" i="0" u="none" strike="noStrike">
-                        <a:solidFill>
-                          <a:srgbClr val="000000"/>
-                        </a:solidFill>
-                        <a:effectLst/>
-                        <a:latin typeface="Calibri"/>
-                      </a:endParaRPr>
-                    </a:p>
-                  </a:txBody>
-                  <a:tcPr marL="4852" marR="4852" marT="4852" marB="0" anchor="b"/>
-                </a:tc>
-                <a:tc>
-                  <a:txBody>
-                    <a:bodyPr/>
-                    <a:lstStyle/>
-                    <a:p>
-                      <a:pPr algn="l" fontAlgn="b"/>
-                      <a:r>
-                        <a:rPr lang="en-ZA" sz="1000" u="none" strike="noStrike">
-                          <a:effectLst/>
-                        </a:rPr>
-                        <a:t>T</a:t>
-                      </a:r>
-                      <a:endParaRPr lang="en-ZA" sz="1000" b="0" i="0" u="none" strike="noStrike">
-                        <a:solidFill>
-                          <a:srgbClr val="000000"/>
-                        </a:solidFill>
-                        <a:effectLst/>
-                        <a:latin typeface="Calibri"/>
-                      </a:endParaRPr>
-                    </a:p>
-                  </a:txBody>
-                  <a:tcPr marL="4852" marR="4852" marT="4852" marB="0" anchor="b"/>
-                </a:tc>
-                <a:tc>
-                  <a:txBody>
-                    <a:bodyPr/>
-                    <a:lstStyle/>
-                    <a:p>
-                      <a:pPr algn="l" fontAlgn="b"/>
-                      <a:r>
-                        <a:rPr lang="en-ZA" sz="1000" u="none" strike="noStrike">
-                          <a:effectLst/>
-                        </a:rPr>
-                        <a:t> </a:t>
-                      </a:r>
-                      <a:endParaRPr lang="en-ZA" sz="1000" b="0" i="0" u="none" strike="noStrike">
-                        <a:solidFill>
-                          <a:srgbClr val="000000"/>
-                        </a:solidFill>
-                        <a:effectLst/>
-                        <a:latin typeface="Calibri"/>
-                      </a:endParaRPr>
-                    </a:p>
-                  </a:txBody>
-                  <a:tcPr marL="4852" marR="4852" marT="4852" marB="0" anchor="b"/>
-                </a:tc>
-                <a:tc>
-                  <a:txBody>
-                    <a:bodyPr/>
-                    <a:lstStyle/>
-                    <a:p>
-                      <a:pPr algn="l" fontAlgn="b"/>
-                      <a:r>
-                        <a:rPr lang="en-ZA" sz="1000" u="none" strike="noStrike">
-                          <a:effectLst/>
-                        </a:rPr>
-                        <a:t> </a:t>
-                      </a:r>
-                      <a:endParaRPr lang="en-ZA" sz="1000" b="0" i="0" u="none" strike="noStrike">
-                        <a:solidFill>
-                          <a:srgbClr val="000000"/>
-                        </a:solidFill>
-                        <a:effectLst/>
-                        <a:latin typeface="Calibri"/>
-                      </a:endParaRPr>
-                    </a:p>
-                  </a:txBody>
-                  <a:tcPr marL="4852" marR="4852" marT="4852" marB="0" anchor="b"/>
-                </a:tc>
-                <a:tc>
-                  <a:txBody>
-                    <a:bodyPr/>
-                    <a:lstStyle/>
-                    <a:p>
-                      <a:pPr algn="l" fontAlgn="b"/>
-                      <a:r>
-                        <a:rPr lang="en-ZA" sz="1000" u="none" strike="noStrike">
-                          <a:effectLst/>
-                        </a:rPr>
-                        <a:t> </a:t>
-                      </a:r>
-                      <a:endParaRPr lang="en-ZA" sz="1000" b="0" i="0" u="none" strike="noStrike">
-                        <a:solidFill>
-                          <a:srgbClr val="000000"/>
-                        </a:solidFill>
-                        <a:effectLst/>
-                        <a:latin typeface="Calibri"/>
-                      </a:endParaRPr>
-                    </a:p>
-                  </a:txBody>
-                  <a:tcPr marL="4852" marR="4852" marT="4852" marB="0" anchor="b"/>
-                </a:tc>
-                <a:tc>
-                  <a:txBody>
-                    <a:bodyPr/>
-                    <a:lstStyle/>
-                    <a:p>
-                      <a:pPr algn="l" fontAlgn="b"/>
-                      <a:r>
-                        <a:rPr lang="en-ZA" sz="1000" u="none" strike="noStrike">
-                          <a:effectLst/>
-                        </a:rPr>
-                        <a:t> </a:t>
-                      </a:r>
-                      <a:endParaRPr lang="en-ZA" sz="1000" b="0" i="0" u="none" strike="noStrike">
+                      <a:endParaRPr lang="en-ZA" sz="1400" b="0" i="0" u="none" strike="noStrike">
                         <a:solidFill>
                           <a:srgbClr val="000000"/>
                         </a:solidFill>
@@ -15553,12 +16765,18 @@
                     <a:p>
                       <a:pPr algn="l" fontAlgn="b"/>
                       <a:r>
-                        <a:rPr lang="en-ZA" sz="1000" u="none" strike="noStrike">
+                        <a:rPr lang="en-ZA" sz="1400" u="none" strike="noStrike" dirty="0">
                           <a:effectLst/>
                         </a:rPr>
-                        <a:t>A Project Plan Showing Phases and Iterations</a:t>
+                        <a:t>A development plan for overall </a:t>
                       </a:r>
-                      <a:endParaRPr lang="en-ZA" sz="1000" b="0" i="0" u="none" strike="noStrike">
+                      <a:r>
+                        <a:rPr lang="en-ZA" sz="1400" u="none" strike="noStrike" dirty="0" smtClean="0">
+                          <a:effectLst/>
+                        </a:rPr>
+                        <a:t>project</a:t>
+                      </a:r>
+                      <a:endParaRPr lang="en-ZA" sz="1400" b="0" i="0" u="none" strike="noStrike" dirty="0">
                         <a:solidFill>
                           <a:srgbClr val="000000"/>
                         </a:solidFill>
@@ -15576,150 +16794,12 @@
                     <a:p>
                       <a:pPr algn="l" fontAlgn="b"/>
                       <a:r>
-                        <a:rPr lang="en-ZA" sz="1000" u="none" strike="noStrike">
+                        <a:rPr lang="en-ZA" sz="1400" u="none" strike="noStrike">
                           <a:effectLst/>
                         </a:rPr>
                         <a:t>T</a:t>
                       </a:r>
-                      <a:endParaRPr lang="en-ZA" sz="1000" b="0" i="0" u="none" strike="noStrike">
-                        <a:solidFill>
-                          <a:srgbClr val="000000"/>
-                        </a:solidFill>
-                        <a:effectLst/>
-                        <a:latin typeface="Calibri"/>
-                      </a:endParaRPr>
-                    </a:p>
-                  </a:txBody>
-                  <a:tcPr marL="4852" marR="4852" marT="4852" marB="0" anchor="b"/>
-                </a:tc>
-                <a:tc>
-                  <a:txBody>
-                    <a:bodyPr/>
-                    <a:lstStyle/>
-                    <a:p>
-                      <a:pPr algn="l" fontAlgn="b"/>
-                      <a:r>
-                        <a:rPr lang="en-ZA" sz="1000" u="none" strike="noStrike">
-                          <a:effectLst/>
-                        </a:rPr>
-                        <a:t>A development plan for overall of project</a:t>
-                      </a:r>
-                      <a:endParaRPr lang="en-ZA" sz="1000" b="0" i="0" u="none" strike="noStrike">
-                        <a:solidFill>
-                          <a:srgbClr val="000000"/>
-                        </a:solidFill>
-                        <a:effectLst/>
-                        <a:latin typeface="Calibri"/>
-                      </a:endParaRPr>
-                    </a:p>
-                  </a:txBody>
-                  <a:tcPr marL="4852" marR="4852" marT="4852" marB="0" anchor="b"/>
-                </a:tc>
-                <a:tc>
-                  <a:txBody>
-                    <a:bodyPr/>
-                    <a:lstStyle/>
-                    <a:p>
-                      <a:pPr algn="l" fontAlgn="b"/>
-                      <a:r>
-                        <a:rPr lang="en-ZA" sz="1000" u="none" strike="noStrike">
-                          <a:effectLst/>
-                        </a:rPr>
-                        <a:t>T</a:t>
-                      </a:r>
-                      <a:endParaRPr lang="en-ZA" sz="1000" b="0" i="0" u="none" strike="noStrike">
-                        <a:solidFill>
-                          <a:srgbClr val="000000"/>
-                        </a:solidFill>
-                        <a:effectLst/>
-                        <a:latin typeface="Calibri"/>
-                      </a:endParaRPr>
-                    </a:p>
-                  </a:txBody>
-                  <a:tcPr marL="4852" marR="4852" marT="4852" marB="0" anchor="b"/>
-                </a:tc>
-                <a:tc>
-                  <a:txBody>
-                    <a:bodyPr/>
-                    <a:lstStyle/>
-                    <a:p>
-                      <a:pPr algn="l" fontAlgn="b"/>
-                      <a:r>
-                        <a:rPr lang="en-ZA" sz="1000" u="none" strike="noStrike">
-                          <a:effectLst/>
-                        </a:rPr>
-                        <a:t> </a:t>
-                      </a:r>
-                      <a:endParaRPr lang="en-ZA" sz="1000" b="0" i="0" u="none" strike="noStrike">
-                        <a:solidFill>
-                          <a:srgbClr val="000000"/>
-                        </a:solidFill>
-                        <a:effectLst/>
-                        <a:latin typeface="Calibri"/>
-                      </a:endParaRPr>
-                    </a:p>
-                  </a:txBody>
-                  <a:tcPr marL="4852" marR="4852" marT="4852" marB="0" anchor="b"/>
-                </a:tc>
-                <a:tc>
-                  <a:txBody>
-                    <a:bodyPr/>
-                    <a:lstStyle/>
-                    <a:p>
-                      <a:pPr algn="l" fontAlgn="b"/>
-                      <a:r>
-                        <a:rPr lang="en-ZA" sz="1000" u="none" strike="noStrike">
-                          <a:effectLst/>
-                        </a:rPr>
-                        <a:t> </a:t>
-                      </a:r>
-                      <a:endParaRPr lang="en-ZA" sz="1000" b="0" i="0" u="none" strike="noStrike">
-                        <a:solidFill>
-                          <a:srgbClr val="000000"/>
-                        </a:solidFill>
-                        <a:effectLst/>
-                        <a:latin typeface="Calibri"/>
-                      </a:endParaRPr>
-                    </a:p>
-                  </a:txBody>
-                  <a:tcPr marL="4852" marR="4852" marT="4852" marB="0" anchor="b"/>
-                </a:tc>
-                <a:tc>
-                  <a:txBody>
-                    <a:bodyPr/>
-                    <a:lstStyle/>
-                    <a:p>
-                      <a:pPr algn="l" fontAlgn="b"/>
-                      <a:r>
-                        <a:rPr lang="en-ZA" sz="1000" u="none" strike="noStrike">
-                          <a:effectLst/>
-                        </a:rPr>
-                        <a:t> </a:t>
-                      </a:r>
-                      <a:endParaRPr lang="en-ZA" sz="1000" b="0" i="0" u="none" strike="noStrike">
-                        <a:solidFill>
-                          <a:srgbClr val="000000"/>
-                        </a:solidFill>
-                        <a:effectLst/>
-                        <a:latin typeface="Calibri"/>
-                      </a:endParaRPr>
-                    </a:p>
-                  </a:txBody>
-                  <a:tcPr marL="4852" marR="4852" marT="4852" marB="0" anchor="b"/>
-                </a:tc>
-                <a:tc>
-                  <a:txBody>
-                    <a:bodyPr/>
-                    <a:lstStyle/>
-                    <a:p>
-                      <a:pPr algn="l" fontAlgn="b"/>
-                      <a:r>
-                        <a:rPr lang="en-ZA" sz="1000" u="none" strike="noStrike">
-                          <a:effectLst/>
-                        </a:rPr>
-                        <a:t> </a:t>
-                      </a:r>
-                      <a:endParaRPr lang="en-ZA" sz="1000" b="0" i="0" u="none" strike="noStrike">
+                      <a:endParaRPr lang="en-ZA" sz="1400" b="0" i="0" u="none" strike="noStrike">
                         <a:solidFill>
                           <a:srgbClr val="000000"/>
                         </a:solidFill>
@@ -15749,12 +16829,12 @@
                     <a:p>
                       <a:pPr algn="l" fontAlgn="b"/>
                       <a:r>
-                        <a:rPr lang="en-ZA" sz="1000" u="none" strike="noStrike">
+                        <a:rPr lang="en-ZA" sz="1400" u="none" strike="noStrike">
                           <a:effectLst/>
                         </a:rPr>
-                        <a:t>An Initial Project Glossary (Domain Model)</a:t>
+                        <a:t>An Updated development case specifying process to follow</a:t>
                       </a:r>
-                      <a:endParaRPr lang="en-ZA" sz="1000" b="0" i="0" u="none" strike="noStrike">
+                      <a:endParaRPr lang="en-ZA" sz="1400" b="0" i="0" u="none" strike="noStrike">
                         <a:solidFill>
                           <a:srgbClr val="000000"/>
                         </a:solidFill>
@@ -15772,150 +16852,12 @@
                     <a:p>
                       <a:pPr algn="l" fontAlgn="b"/>
                       <a:r>
-                        <a:rPr lang="en-ZA" sz="1000" u="none" strike="noStrike">
-                          <a:effectLst/>
-                        </a:rPr>
-                        <a:t>N/A</a:t>
-                      </a:r>
-                      <a:endParaRPr lang="en-ZA" sz="1000" b="0" i="0" u="none" strike="noStrike">
-                        <a:solidFill>
-                          <a:srgbClr val="000000"/>
-                        </a:solidFill>
-                        <a:effectLst/>
-                        <a:latin typeface="Calibri"/>
-                      </a:endParaRPr>
-                    </a:p>
-                  </a:txBody>
-                  <a:tcPr marL="4852" marR="4852" marT="4852" marB="0" anchor="b"/>
-                </a:tc>
-                <a:tc>
-                  <a:txBody>
-                    <a:bodyPr/>
-                    <a:lstStyle/>
-                    <a:p>
-                      <a:pPr algn="l" fontAlgn="b"/>
-                      <a:r>
-                        <a:rPr lang="en-ZA" sz="1000" u="none" strike="noStrike">
-                          <a:effectLst/>
-                        </a:rPr>
-                        <a:t>An Updated development case specifying process to follow</a:t>
-                      </a:r>
-                      <a:endParaRPr lang="en-ZA" sz="1000" b="0" i="0" u="none" strike="noStrike">
-                        <a:solidFill>
-                          <a:srgbClr val="000000"/>
-                        </a:solidFill>
-                        <a:effectLst/>
-                        <a:latin typeface="Calibri"/>
-                      </a:endParaRPr>
-                    </a:p>
-                  </a:txBody>
-                  <a:tcPr marL="4852" marR="4852" marT="4852" marB="0" anchor="b"/>
-                </a:tc>
-                <a:tc>
-                  <a:txBody>
-                    <a:bodyPr/>
-                    <a:lstStyle/>
-                    <a:p>
-                      <a:pPr algn="l" fontAlgn="b"/>
-                      <a:r>
-                        <a:rPr lang="en-ZA" sz="1000" u="none" strike="noStrike">
+                        <a:rPr lang="en-ZA" sz="1400" u="none" strike="noStrike">
                           <a:effectLst/>
                         </a:rPr>
                         <a:t>T</a:t>
                       </a:r>
-                      <a:endParaRPr lang="en-ZA" sz="1000" b="0" i="0" u="none" strike="noStrike">
-                        <a:solidFill>
-                          <a:srgbClr val="000000"/>
-                        </a:solidFill>
-                        <a:effectLst/>
-                        <a:latin typeface="Calibri"/>
-                      </a:endParaRPr>
-                    </a:p>
-                  </a:txBody>
-                  <a:tcPr marL="4852" marR="4852" marT="4852" marB="0" anchor="b"/>
-                </a:tc>
-                <a:tc>
-                  <a:txBody>
-                    <a:bodyPr/>
-                    <a:lstStyle/>
-                    <a:p>
-                      <a:pPr algn="l" fontAlgn="b"/>
-                      <a:r>
-                        <a:rPr lang="en-ZA" sz="1000" u="none" strike="noStrike">
-                          <a:effectLst/>
-                        </a:rPr>
-                        <a:t> </a:t>
-                      </a:r>
-                      <a:endParaRPr lang="en-ZA" sz="1000" b="0" i="0" u="none" strike="noStrike">
-                        <a:solidFill>
-                          <a:srgbClr val="000000"/>
-                        </a:solidFill>
-                        <a:effectLst/>
-                        <a:latin typeface="Calibri"/>
-                      </a:endParaRPr>
-                    </a:p>
-                  </a:txBody>
-                  <a:tcPr marL="4852" marR="4852" marT="4852" marB="0" anchor="b"/>
-                </a:tc>
-                <a:tc>
-                  <a:txBody>
-                    <a:bodyPr/>
-                    <a:lstStyle/>
-                    <a:p>
-                      <a:pPr algn="l" fontAlgn="b"/>
-                      <a:r>
-                        <a:rPr lang="en-ZA" sz="1000" u="none" strike="noStrike">
-                          <a:effectLst/>
-                        </a:rPr>
-                        <a:t> </a:t>
-                      </a:r>
-                      <a:endParaRPr lang="en-ZA" sz="1000" b="0" i="0" u="none" strike="noStrike">
-                        <a:solidFill>
-                          <a:srgbClr val="000000"/>
-                        </a:solidFill>
-                        <a:effectLst/>
-                        <a:latin typeface="Calibri"/>
-                      </a:endParaRPr>
-                    </a:p>
-                  </a:txBody>
-                  <a:tcPr marL="4852" marR="4852" marT="4852" marB="0" anchor="b"/>
-                </a:tc>
-                <a:tc>
-                  <a:txBody>
-                    <a:bodyPr/>
-                    <a:lstStyle/>
-                    <a:p>
-                      <a:pPr algn="l" fontAlgn="b"/>
-                      <a:r>
-                        <a:rPr lang="en-ZA" sz="1000" u="none" strike="noStrike">
-                          <a:effectLst/>
-                        </a:rPr>
-                        <a:t> </a:t>
-                      </a:r>
-                      <a:endParaRPr lang="en-ZA" sz="1000" b="0" i="0" u="none" strike="noStrike">
-                        <a:solidFill>
-                          <a:srgbClr val="000000"/>
-                        </a:solidFill>
-                        <a:effectLst/>
-                        <a:latin typeface="Calibri"/>
-                      </a:endParaRPr>
-                    </a:p>
-                  </a:txBody>
-                  <a:tcPr marL="4852" marR="4852" marT="4852" marB="0" anchor="b"/>
-                </a:tc>
-                <a:tc>
-                  <a:txBody>
-                    <a:bodyPr/>
-                    <a:lstStyle/>
-                    <a:p>
-                      <a:pPr algn="l" fontAlgn="b"/>
-                      <a:r>
-                        <a:rPr lang="en-ZA" sz="1000" u="none" strike="noStrike">
-                          <a:effectLst/>
-                        </a:rPr>
-                        <a:t> </a:t>
-                      </a:r>
-                      <a:endParaRPr lang="en-ZA" sz="1000" b="0" i="0" u="none" strike="noStrike">
+                      <a:endParaRPr lang="en-ZA" sz="1400" b="0" i="0" u="none" strike="noStrike">
                         <a:solidFill>
                           <a:srgbClr val="000000"/>
                         </a:solidFill>
@@ -15935,12 +16877,44 @@
                     <a:p>
                       <a:pPr algn="l" fontAlgn="b"/>
                       <a:r>
-                        <a:rPr lang="en-ZA" sz="1000" u="none" strike="noStrike">
+                        <a:rPr lang="en-ZA" sz="1400" u="none" strike="noStrike" dirty="0">
+                          <a:solidFill>
+                            <a:schemeClr val="tx1"/>
+                          </a:solidFill>
                           <a:effectLst/>
                         </a:rPr>
                         <a:t>Environment</a:t>
                       </a:r>
-                      <a:endParaRPr lang="en-ZA" sz="1000" b="0" i="1" u="none" strike="noStrike">
+                      <a:endParaRPr lang="en-ZA" sz="1400" b="0" i="1" u="none" strike="noStrike" dirty="0">
+                        <a:solidFill>
+                          <a:schemeClr val="tx1"/>
+                        </a:solidFill>
+                        <a:effectLst/>
+                        <a:latin typeface="Calibri"/>
+                      </a:endParaRPr>
+                    </a:p>
+                  </a:txBody>
+                  <a:tcPr marL="4852" marR="4852" marT="4852" marB="0" anchor="b">
+                    <a:solidFill>
+                      <a:schemeClr val="bg2">
+                        <a:lumMod val="75000"/>
+                      </a:schemeClr>
+                    </a:solidFill>
+                  </a:tcPr>
+                </a:tc>
+                <a:tc>
+                  <a:txBody>
+                    <a:bodyPr/>
+                    <a:lstStyle/>
+                    <a:p>
+                      <a:pPr algn="l" fontAlgn="b"/>
+                      <a:r>
+                        <a:rPr lang="en-ZA" sz="1400" u="none" strike="noStrike">
+                          <a:effectLst/>
+                        </a:rPr>
+                        <a:t> </a:t>
+                      </a:r>
+                      <a:endParaRPr lang="en-ZA" sz="1400" b="0" i="0" u="none" strike="noStrike">
                         <a:solidFill>
                           <a:srgbClr val="000000"/>
                         </a:solidFill>
@@ -15958,173 +16932,12 @@
                     <a:p>
                       <a:pPr algn="l" fontAlgn="b"/>
                       <a:r>
-                        <a:rPr lang="en-ZA" sz="1000" u="none" strike="noStrike">
+                        <a:rPr lang="en-ZA" sz="1400" u="none" strike="noStrike" dirty="0">
                           <a:effectLst/>
                         </a:rPr>
                         <a:t> </a:t>
                       </a:r>
-                      <a:endParaRPr lang="en-ZA" sz="1000" b="0" i="0" u="none" strike="noStrike">
-                        <a:solidFill>
-                          <a:srgbClr val="000000"/>
-                        </a:solidFill>
-                        <a:effectLst/>
-                        <a:latin typeface="Calibri"/>
-                      </a:endParaRPr>
-                    </a:p>
-                  </a:txBody>
-                  <a:tcPr marL="4852" marR="4852" marT="4852" marB="0" anchor="b"/>
-                </a:tc>
-                <a:tc>
-                  <a:txBody>
-                    <a:bodyPr/>
-                    <a:lstStyle/>
-                    <a:p>
-                      <a:pPr algn="l" fontAlgn="b"/>
-                      <a:r>
-                        <a:rPr lang="en-ZA" sz="1000" u="none" strike="noStrike">
-                          <a:effectLst/>
-                        </a:rPr>
-                        <a:t> </a:t>
-                      </a:r>
-                      <a:endParaRPr lang="en-ZA" sz="1000" b="0" i="0" u="none" strike="noStrike">
-                        <a:solidFill>
-                          <a:srgbClr val="000000"/>
-                        </a:solidFill>
-                        <a:effectLst/>
-                        <a:latin typeface="Calibri"/>
-                      </a:endParaRPr>
-                    </a:p>
-                  </a:txBody>
-                  <a:tcPr marL="4852" marR="4852" marT="4852" marB="0" anchor="b"/>
-                </a:tc>
-                <a:tc>
-                  <a:txBody>
-                    <a:bodyPr/>
-                    <a:lstStyle/>
-                    <a:p>
-                      <a:pPr algn="l" fontAlgn="b"/>
-                      <a:r>
-                        <a:rPr lang="en-ZA" sz="1000" u="none" strike="noStrike">
-                          <a:effectLst/>
-                        </a:rPr>
-                        <a:t> </a:t>
-                      </a:r>
-                      <a:endParaRPr lang="en-ZA" sz="1000" b="0" i="0" u="none" strike="noStrike">
-                        <a:solidFill>
-                          <a:srgbClr val="000000"/>
-                        </a:solidFill>
-                        <a:effectLst/>
-                        <a:latin typeface="Calibri"/>
-                      </a:endParaRPr>
-                    </a:p>
-                  </a:txBody>
-                  <a:tcPr marL="4852" marR="4852" marT="4852" marB="0" anchor="b"/>
-                </a:tc>
-                <a:tc>
-                  <a:txBody>
-                    <a:bodyPr/>
-                    <a:lstStyle/>
-                    <a:p>
-                      <a:pPr algn="l" fontAlgn="b"/>
-                      <a:r>
-                        <a:rPr lang="en-ZA" sz="1000" u="none" strike="noStrike">
-                          <a:effectLst/>
-                        </a:rPr>
-                        <a:t> </a:t>
-                      </a:r>
-                      <a:endParaRPr lang="en-ZA" sz="1000" b="0" i="0" u="none" strike="noStrike">
-                        <a:solidFill>
-                          <a:srgbClr val="000000"/>
-                        </a:solidFill>
-                        <a:effectLst/>
-                        <a:latin typeface="Calibri"/>
-                      </a:endParaRPr>
-                    </a:p>
-                  </a:txBody>
-                  <a:tcPr marL="4852" marR="4852" marT="4852" marB="0" anchor="b"/>
-                </a:tc>
-                <a:tc>
-                  <a:txBody>
-                    <a:bodyPr/>
-                    <a:lstStyle/>
-                    <a:p>
-                      <a:pPr algn="l" fontAlgn="b"/>
-                      <a:r>
-                        <a:rPr lang="en-ZA" sz="1000" u="none" strike="noStrike">
-                          <a:effectLst/>
-                        </a:rPr>
-                        <a:t> </a:t>
-                      </a:r>
-                      <a:endParaRPr lang="en-ZA" sz="1000" b="0" i="0" u="none" strike="noStrike">
-                        <a:solidFill>
-                          <a:srgbClr val="000000"/>
-                        </a:solidFill>
-                        <a:effectLst/>
-                        <a:latin typeface="Calibri"/>
-                      </a:endParaRPr>
-                    </a:p>
-                  </a:txBody>
-                  <a:tcPr marL="4852" marR="4852" marT="4852" marB="0" anchor="b"/>
-                </a:tc>
-                <a:tc>
-                  <a:txBody>
-                    <a:bodyPr/>
-                    <a:lstStyle/>
-                    <a:p>
-                      <a:pPr algn="l" fontAlgn="b"/>
-                      <a:r>
-                        <a:rPr lang="en-ZA" sz="1000" u="none" strike="noStrike">
-                          <a:effectLst/>
-                        </a:rPr>
-                        <a:t> </a:t>
-                      </a:r>
-                      <a:endParaRPr lang="en-ZA" sz="1000" b="0" i="0" u="none" strike="noStrike">
-                        <a:solidFill>
-                          <a:srgbClr val="000000"/>
-                        </a:solidFill>
-                        <a:effectLst/>
-                        <a:latin typeface="Calibri"/>
-                      </a:endParaRPr>
-                    </a:p>
-                  </a:txBody>
-                  <a:tcPr marL="4852" marR="4852" marT="4852" marB="0" anchor="b"/>
-                </a:tc>
-                <a:tc>
-                  <a:txBody>
-                    <a:bodyPr/>
-                    <a:lstStyle/>
-                    <a:p>
-                      <a:pPr algn="l" fontAlgn="b"/>
-                      <a:r>
-                        <a:rPr lang="en-ZA" sz="1000" u="none" strike="noStrike">
-                          <a:effectLst/>
-                        </a:rPr>
-                        <a:t> </a:t>
-                      </a:r>
-                      <a:endParaRPr lang="en-ZA" sz="1000" b="0" i="0" u="none" strike="noStrike">
-                        <a:solidFill>
-                          <a:srgbClr val="000000"/>
-                        </a:solidFill>
-                        <a:effectLst/>
-                        <a:latin typeface="Calibri"/>
-                      </a:endParaRPr>
-                    </a:p>
-                  </a:txBody>
-                  <a:tcPr marL="4852" marR="4852" marT="4852" marB="0" anchor="b"/>
-                </a:tc>
-                <a:tc>
-                  <a:txBody>
-                    <a:bodyPr/>
-                    <a:lstStyle/>
-                    <a:p>
-                      <a:pPr algn="l" fontAlgn="b"/>
-                      <a:r>
-                        <a:rPr lang="en-ZA" sz="1000" u="none" strike="noStrike" dirty="0">
-                          <a:effectLst/>
-                        </a:rPr>
-                        <a:t> </a:t>
-                      </a:r>
-                      <a:endParaRPr lang="en-ZA" sz="1000" b="0" i="0" u="none" strike="noStrike" dirty="0">
+                      <a:endParaRPr lang="en-ZA" sz="1400" b="0" i="0" u="none" strike="noStrike" dirty="0">
                         <a:solidFill>
                           <a:srgbClr val="000000"/>
                         </a:solidFill>
@@ -16140,6 +16953,100 @@
           </a:graphicData>
         </a:graphic>
       </p:graphicFrame>
+      <p:sp>
+        <p:nvSpPr>
+          <p:cNvPr id="3" name="TextBox 2"/>
+          <p:cNvSpPr txBox="1"/>
+          <p:nvPr/>
+        </p:nvSpPr>
+        <p:spPr>
+          <a:xfrm>
+            <a:off x="858830" y="6346469"/>
+            <a:ext cx="1283557" cy="369332"/>
+          </a:xfrm>
+          <a:prstGeom prst="rect">
+            <a:avLst/>
+          </a:prstGeom>
+          <a:noFill/>
+        </p:spPr>
+        <p:txBody>
+          <a:bodyPr wrap="none" rtlCol="0">
+            <a:spAutoFit/>
+          </a:bodyPr>
+          <a:lstStyle/>
+          <a:p>
+            <a:r>
+              <a:rPr lang="en-ZA" b="1" dirty="0" smtClean="0"/>
+              <a:t>T = Tailored</a:t>
+            </a:r>
+            <a:endParaRPr lang="en-ZA" b="1" dirty="0"/>
+          </a:p>
+        </p:txBody>
+      </p:sp>
+      <p:sp>
+        <p:nvSpPr>
+          <p:cNvPr id="5" name="TextBox 4"/>
+          <p:cNvSpPr txBox="1"/>
+          <p:nvPr/>
+        </p:nvSpPr>
+        <p:spPr>
+          <a:xfrm>
+            <a:off x="2433849" y="6346469"/>
+            <a:ext cx="2109488" cy="369332"/>
+          </a:xfrm>
+          <a:prstGeom prst="rect">
+            <a:avLst/>
+          </a:prstGeom>
+          <a:noFill/>
+        </p:spPr>
+        <p:txBody>
+          <a:bodyPr wrap="none" rtlCol="0">
+            <a:spAutoFit/>
+          </a:bodyPr>
+          <a:lstStyle/>
+          <a:p>
+            <a:r>
+              <a:rPr lang="en-ZA" b="1" dirty="0" smtClean="0"/>
+              <a:t>N/A = Not Delivered</a:t>
+            </a:r>
+            <a:endParaRPr lang="en-ZA" b="1" dirty="0"/>
+          </a:p>
+        </p:txBody>
+      </p:sp>
+      <p:sp>
+        <p:nvSpPr>
+          <p:cNvPr id="6" name="TextBox 5"/>
+          <p:cNvSpPr txBox="1"/>
+          <p:nvPr/>
+        </p:nvSpPr>
+        <p:spPr>
+          <a:xfrm>
+            <a:off x="4809460" y="6314203"/>
+            <a:ext cx="1289135" cy="369332"/>
+          </a:xfrm>
+          <a:prstGeom prst="rect">
+            <a:avLst/>
+          </a:prstGeom>
+          <a:noFill/>
+        </p:spPr>
+        <p:txBody>
+          <a:bodyPr wrap="none" rtlCol="0">
+            <a:spAutoFit/>
+          </a:bodyPr>
+          <a:lstStyle/>
+          <a:p>
+            <a:r>
+              <a:rPr lang="en-ZA" b="1" dirty="0"/>
+              <a:t>I</a:t>
+            </a:r>
+            <a:r>
+              <a:rPr lang="en-ZA" b="1" dirty="0" smtClean="0"/>
+              <a:t> = Included</a:t>
+            </a:r>
+            <a:endParaRPr lang="en-ZA" b="1" dirty="0"/>
+          </a:p>
+        </p:txBody>
+      </p:sp>
     </p:spTree>
     <p:extLst>
       <p:ext uri="{BB962C8B-B14F-4D97-AF65-F5344CB8AC3E}">
@@ -16222,7 +17129,7 @@
         </p:blipFill>
         <p:spPr>
           <a:xfrm>
-            <a:off x="107504" y="1268760"/>
+            <a:off x="107504" y="1224415"/>
             <a:ext cx="6624736" cy="4868881"/>
           </a:xfrm>
           <a:prstGeom prst="rect">
@@ -17391,7 +18298,7 @@
   <a:extraClrSchemeLst/>
   <a:extLst>
     <a:ext uri="{05A4C25C-085E-4340-85A3-A5531E510DB2}">
-      <thm15:themeFamily xmlns="" xmlns:thm15="http://schemas.microsoft.com/office/thememl/2012/main" name="Office Theme" id="{62F939B6-93AF-4DB8-9C6B-D6C7DFDC589F}" vid="{4A3C46E8-61CC-4603-A589-7422A47A8E4A}"/>
+      <thm15:themeFamily xmlns:thm15="http://schemas.microsoft.com/office/thememl/2012/main" xmlns="" name="Office Theme" id="{62F939B6-93AF-4DB8-9C6B-D6C7DFDC589F}" vid="{4A3C46E8-61CC-4603-A589-7422A47A8E4A}"/>
     </a:ext>
   </a:extLst>
 </a:theme>

--- a/documentation/ELEN7046 Group 2 - Group Presention.pptx
+++ b/documentation/ELEN7046 Group 2 - Group Presention.pptx
@@ -5,7 +5,7 @@
     <p:sldMasterId id="2147483648" r:id="rId1"/>
   </p:sldMasterIdLst>
   <p:notesMasterIdLst>
-    <p:notesMasterId r:id="rId23"/>
+    <p:notesMasterId r:id="rId32"/>
   </p:notesMasterIdLst>
   <p:sldIdLst>
     <p:sldId id="256" r:id="rId2"/>
@@ -15,20 +15,29 @@
     <p:sldId id="379" r:id="rId6"/>
     <p:sldId id="385" r:id="rId7"/>
     <p:sldId id="386" r:id="rId8"/>
-    <p:sldId id="331" r:id="rId9"/>
-    <p:sldId id="387" r:id="rId10"/>
+    <p:sldId id="401" r:id="rId9"/>
+    <p:sldId id="402" r:id="rId10"/>
     <p:sldId id="381" r:id="rId11"/>
-    <p:sldId id="388" r:id="rId12"/>
-    <p:sldId id="382" r:id="rId13"/>
-    <p:sldId id="389" r:id="rId14"/>
-    <p:sldId id="383" r:id="rId15"/>
-    <p:sldId id="390" r:id="rId16"/>
-    <p:sldId id="384" r:id="rId17"/>
-    <p:sldId id="391" r:id="rId18"/>
-    <p:sldId id="369" r:id="rId19"/>
-    <p:sldId id="341" r:id="rId20"/>
-    <p:sldId id="392" r:id="rId21"/>
-    <p:sldId id="358" r:id="rId22"/>
+    <p:sldId id="397" r:id="rId12"/>
+    <p:sldId id="399" r:id="rId13"/>
+    <p:sldId id="400" r:id="rId14"/>
+    <p:sldId id="382" r:id="rId15"/>
+    <p:sldId id="403" r:id="rId16"/>
+    <p:sldId id="389" r:id="rId17"/>
+    <p:sldId id="383" r:id="rId18"/>
+    <p:sldId id="395" r:id="rId19"/>
+    <p:sldId id="394" r:id="rId20"/>
+    <p:sldId id="390" r:id="rId21"/>
+    <p:sldId id="384" r:id="rId22"/>
+    <p:sldId id="398" r:id="rId23"/>
+    <p:sldId id="369" r:id="rId24"/>
+    <p:sldId id="341" r:id="rId25"/>
+    <p:sldId id="392" r:id="rId26"/>
+    <p:sldId id="358" r:id="rId27"/>
+    <p:sldId id="404" r:id="rId28"/>
+    <p:sldId id="391" r:id="rId29"/>
+    <p:sldId id="405" r:id="rId30"/>
+    <p:sldId id="406" r:id="rId31"/>
   </p:sldIdLst>
   <p:sldSz cx="9144000" cy="6858000" type="screen4x3"/>
   <p:notesSz cx="6858000" cy="9144000"/>
@@ -1801,43 +1810,6 @@
         </a:p>
       </dgm:t>
     </dgm:pt>
-    <dgm:pt modelId="{EC0BB363-FC50-4430-8EBC-7763D0F4A311}">
-      <dgm:prSet/>
-      <dgm:spPr/>
-      <dgm:t>
-        <a:bodyPr/>
-        <a:lstStyle/>
-        <a:p>
-          <a:r>
-            <a:rPr lang="en-ZA" dirty="0" smtClean="0"/>
-            <a:t>Validation of tweet Location.</a:t>
-          </a:r>
-          <a:endParaRPr lang="en-ZA" dirty="0"/>
-        </a:p>
-      </dgm:t>
-    </dgm:pt>
-    <dgm:pt modelId="{71FA2C89-1421-4698-9324-097FDCDD44B3}" type="parTrans" cxnId="{FBBF80BA-D909-49B3-B07A-492254A501BF}">
-      <dgm:prSet/>
-      <dgm:spPr/>
-      <dgm:t>
-        <a:bodyPr/>
-        <a:lstStyle/>
-        <a:p>
-          <a:endParaRPr lang="en-ZA"/>
-        </a:p>
-      </dgm:t>
-    </dgm:pt>
-    <dgm:pt modelId="{5238568F-015B-4D56-AFBD-942DE557D298}" type="sibTrans" cxnId="{FBBF80BA-D909-49B3-B07A-492254A501BF}">
-      <dgm:prSet/>
-      <dgm:spPr/>
-      <dgm:t>
-        <a:bodyPr/>
-        <a:lstStyle/>
-        <a:p>
-          <a:endParaRPr lang="en-ZA"/>
-        </a:p>
-      </dgm:t>
-    </dgm:pt>
     <dgm:pt modelId="{8BC1F5AC-BF91-49EB-AD5F-1CAED566EF49}">
       <dgm:prSet/>
       <dgm:spPr/>
@@ -1847,7 +1819,11 @@
         <a:p>
           <a:r>
             <a:rPr lang="en-ZA" dirty="0" smtClean="0"/>
-            <a:t>Raspberry Pi 3 Cluster.</a:t>
+            <a:t>Raspberry </a:t>
+          </a:r>
+          <a:r>
+            <a:rPr lang="en-ZA" dirty="0" smtClean="0"/>
+            <a:t>Pi 3 Cluster.</a:t>
           </a:r>
           <a:endParaRPr lang="en-ZA" dirty="0"/>
         </a:p>
@@ -1884,7 +1860,15 @@
         <a:p>
           <a:r>
             <a:rPr lang="en-ZA" dirty="0" smtClean="0"/>
-            <a:t>Map-Reduce applied to process large set of data.</a:t>
+            <a:t>Map-Reduce applied to process large </a:t>
+          </a:r>
+          <a:r>
+            <a:rPr lang="en-ZA" dirty="0" smtClean="0"/>
+            <a:t>sets </a:t>
+          </a:r>
+          <a:r>
+            <a:rPr lang="en-ZA" dirty="0" smtClean="0"/>
+            <a:t>of data.</a:t>
           </a:r>
           <a:endParaRPr lang="en-ZA" dirty="0"/>
         </a:p>
@@ -1954,7 +1938,15 @@
         <a:p>
           <a:r>
             <a:rPr lang="en-ZA" dirty="0" smtClean="0"/>
-            <a:t>D3 Charts used for visualization of big data.</a:t>
+            <a:t>D3 Charts used for visualization of </a:t>
+          </a:r>
+          <a:r>
+            <a:rPr lang="en-ZA" dirty="0" smtClean="0"/>
+            <a:t>Big Data</a:t>
+          </a:r>
+          <a:r>
+            <a:rPr lang="en-ZA" dirty="0" smtClean="0"/>
+            <a:t>.</a:t>
           </a:r>
           <a:endParaRPr lang="en-ZA" dirty="0"/>
         </a:p>
@@ -1989,6 +1981,10 @@
         <a:bodyPr/>
         <a:lstStyle/>
         <a:p>
+          <a:r>
+            <a:rPr lang="en-ZA" dirty="0" smtClean="0"/>
+            <a:t>Web presentation using Node.js</a:t>
+          </a:r>
           <a:endParaRPr lang="en-ZA" dirty="0"/>
         </a:p>
       </dgm:t>
@@ -2005,6 +2001,43 @@
       </dgm:t>
     </dgm:pt>
     <dgm:pt modelId="{ED988F2C-0C25-434A-B9E6-5641AA4184E7}" type="sibTrans" cxnId="{9A20E65C-550F-4FA4-874F-D20BB7976981}">
+      <dgm:prSet/>
+      <dgm:spPr/>
+      <dgm:t>
+        <a:bodyPr/>
+        <a:lstStyle/>
+        <a:p>
+          <a:endParaRPr lang="en-ZA"/>
+        </a:p>
+      </dgm:t>
+    </dgm:pt>
+    <dgm:pt modelId="{8F6B5AD0-FD8C-4BD0-9987-904348CF8613}">
+      <dgm:prSet/>
+      <dgm:spPr/>
+      <dgm:t>
+        <a:bodyPr/>
+        <a:lstStyle/>
+        <a:p>
+          <a:r>
+            <a:rPr lang="en-ZA" dirty="0" smtClean="0"/>
+            <a:t>Past and Present feeds</a:t>
+          </a:r>
+          <a:endParaRPr lang="en-ZA" dirty="0"/>
+        </a:p>
+      </dgm:t>
+    </dgm:pt>
+    <dgm:pt modelId="{09727A18-09CD-41EA-93FB-499E1D8BE0CF}" type="parTrans" cxnId="{05A538FB-2657-403A-AD64-7D6B00AB6CCC}">
+      <dgm:prSet/>
+      <dgm:spPr/>
+      <dgm:t>
+        <a:bodyPr/>
+        <a:lstStyle/>
+        <a:p>
+          <a:endParaRPr lang="en-ZA"/>
+        </a:p>
+      </dgm:t>
+    </dgm:pt>
+    <dgm:pt modelId="{F299E563-08C7-44EA-B95C-70991494CF0A}" type="sibTrans" cxnId="{05A538FB-2657-403A-AD64-7D6B00AB6CCC}">
       <dgm:prSet/>
       <dgm:spPr/>
       <dgm:t>
@@ -2052,10 +2085,24 @@
         </dgm:presLayoutVars>
       </dgm:prSet>
       <dgm:spPr/>
+      <dgm:t>
+        <a:bodyPr/>
+        <a:lstStyle/>
+        <a:p>
+          <a:endParaRPr lang="en-ZA"/>
+        </a:p>
+      </dgm:t>
     </dgm:pt>
     <dgm:pt modelId="{B43C6FFA-A63C-4CC2-869C-9368E3E7D9AE}" type="pres">
       <dgm:prSet presAssocID="{5F50C06F-FD0A-4292-A6ED-F3E374D722B1}" presName="parentRect" presStyleLbl="alignNode1" presStyleIdx="0" presStyleCnt="3"/>
       <dgm:spPr/>
+      <dgm:t>
+        <a:bodyPr/>
+        <a:lstStyle/>
+        <a:p>
+          <a:endParaRPr lang="en-ZA"/>
+        </a:p>
+      </dgm:t>
     </dgm:pt>
     <dgm:pt modelId="{D186D58D-75C9-4C9D-B972-B07FC5C513EC}" type="pres">
       <dgm:prSet presAssocID="{5F50C06F-FD0A-4292-A6ED-F3E374D722B1}" presName="adorn" presStyleLbl="fgAccFollowNode1" presStyleIdx="0" presStyleCnt="3"/>
@@ -2078,6 +2125,13 @@
     <dgm:pt modelId="{1720DE7C-65D2-4112-A897-F7EA06B9748A}" type="pres">
       <dgm:prSet presAssocID="{321F69BA-979C-42C1-AD96-1B9E8C1BB66D}" presName="sibTrans" presStyleLbl="sibTrans2D1" presStyleIdx="0" presStyleCnt="0"/>
       <dgm:spPr/>
+      <dgm:t>
+        <a:bodyPr/>
+        <a:lstStyle/>
+        <a:p>
+          <a:endParaRPr lang="en-ZA"/>
+        </a:p>
+      </dgm:t>
     </dgm:pt>
     <dgm:pt modelId="{C8ADA8B5-8A8F-41A6-8D09-2AAA74C226EA}" type="pres">
       <dgm:prSet presAssocID="{B2F80D37-CF7D-42F3-88B3-04E9EE43C899}" presName="compNode" presStyleCnt="0"/>
@@ -2146,6 +2200,13 @@
     <dgm:pt modelId="{28E8840B-B189-4C3D-A85E-54240AB8FF56}" type="pres">
       <dgm:prSet presAssocID="{47607884-8DA1-425F-BDE9-FF898617C071}" presName="sibTrans" presStyleLbl="sibTrans2D1" presStyleIdx="0" presStyleCnt="0"/>
       <dgm:spPr/>
+      <dgm:t>
+        <a:bodyPr/>
+        <a:lstStyle/>
+        <a:p>
+          <a:endParaRPr lang="en-ZA"/>
+        </a:p>
+      </dgm:t>
     </dgm:pt>
     <dgm:pt modelId="{43055C6E-62AE-4159-90FC-2DE0B967C67E}" type="pres">
       <dgm:prSet presAssocID="{2473F3B1-4CA4-4ECA-9D81-9FAB7CE7B9C1}" presName="compNode" presStyleCnt="0"/>
@@ -2158,6 +2219,13 @@
         </dgm:presLayoutVars>
       </dgm:prSet>
       <dgm:spPr/>
+      <dgm:t>
+        <a:bodyPr/>
+        <a:lstStyle/>
+        <a:p>
+          <a:endParaRPr lang="en-ZA"/>
+        </a:p>
+      </dgm:t>
     </dgm:pt>
     <dgm:pt modelId="{B9006448-0591-4BFB-BD2C-B8B5F42570E8}" type="pres">
       <dgm:prSet presAssocID="{2473F3B1-4CA4-4ECA-9D81-9FAB7CE7B9C1}" presName="parentText" presStyleLbl="node1" presStyleIdx="0" presStyleCnt="0">
@@ -2211,19 +2279,18 @@
     <dgm:cxn modelId="{247CA714-B54E-4423-95FE-B0ACD536D4CF}" type="presOf" srcId="{5F50C06F-FD0A-4292-A6ED-F3E374D722B1}" destId="{B43C6FFA-A63C-4CC2-869C-9368E3E7D9AE}" srcOrd="1" destOrd="0" presId="urn:microsoft.com/office/officeart/2005/8/layout/bList2"/>
     <dgm:cxn modelId="{7DAC00C5-2BC0-4B53-8905-A1F0E761C51F}" type="presOf" srcId="{5F50C06F-FD0A-4292-A6ED-F3E374D722B1}" destId="{AF00CD70-45DB-4352-ACF8-F7D5EC3A5139}" srcOrd="0" destOrd="0" presId="urn:microsoft.com/office/officeart/2005/8/layout/bList2"/>
     <dgm:cxn modelId="{F50BEB17-A6AE-4596-B7EB-3EAECC4BED52}" srcId="{5F50C06F-FD0A-4292-A6ED-F3E374D722B1}" destId="{1C662D2E-62C8-4308-97AB-8A2494DF5B7F}" srcOrd="0" destOrd="0" parTransId="{4895B9AC-E7E7-40AC-A14F-29325B3F66C4}" sibTransId="{43F5F9BE-2D07-48AD-BAC2-7E8CF3B9AC36}"/>
-    <dgm:cxn modelId="{FBBF80BA-D909-49B3-B07A-492254A501BF}" srcId="{5F50C06F-FD0A-4292-A6ED-F3E374D722B1}" destId="{EC0BB363-FC50-4430-8EBC-7763D0F4A311}" srcOrd="1" destOrd="0" parTransId="{71FA2C89-1421-4698-9324-097FDCDD44B3}" sibTransId="{5238568F-015B-4D56-AFBD-942DE557D298}"/>
     <dgm:cxn modelId="{5DF261EC-A4E5-43A6-A262-8EADD990C041}" srcId="{2473F3B1-4CA4-4ECA-9D81-9FAB7CE7B9C1}" destId="{4523CC93-775C-47D3-A4F3-737B9462444C}" srcOrd="0" destOrd="0" parTransId="{DCE52719-EF2E-441A-9295-F4A0C13F95B6}" sibTransId="{150BFDDA-150B-4CAE-967F-AD945FCC277E}"/>
     <dgm:cxn modelId="{63669DD6-C4FA-4B0D-BA20-A788B0C00847}" type="presOf" srcId="{47607884-8DA1-425F-BDE9-FF898617C071}" destId="{28E8840B-B189-4C3D-A85E-54240AB8FF56}" srcOrd="0" destOrd="0" presId="urn:microsoft.com/office/officeart/2005/8/layout/bList2"/>
     <dgm:cxn modelId="{7BDE9EC6-24E6-4BA6-AF21-5CE0FD329256}" srcId="{B2F80D37-CF7D-42F3-88B3-04E9EE43C899}" destId="{3E50C466-CF40-480A-80D0-C2F480A3B578}" srcOrd="1" destOrd="0" parTransId="{45489811-B074-47D7-AB9D-2C8613114CAE}" sibTransId="{D56665B0-82FF-4985-97B5-76A53DE15D4E}"/>
     <dgm:cxn modelId="{163856D0-1A91-483A-B0FC-223AC43A8928}" type="presOf" srcId="{CD44F64B-E688-4E47-B9B2-CFBE3890867D}" destId="{3A2C7445-0125-4AB9-8BE8-CEA2ABBC6FA2}" srcOrd="0" destOrd="2" presId="urn:microsoft.com/office/officeart/2005/8/layout/bList2"/>
     <dgm:cxn modelId="{03F7A881-FC41-4049-ABCE-6B81B5A5A279}" srcId="{E1FEC15B-A86A-4550-8786-B0AF8EA913A2}" destId="{5F50C06F-FD0A-4292-A6ED-F3E374D722B1}" srcOrd="0" destOrd="0" parTransId="{854832B9-7A9D-4DE8-AC41-19C5F0A2819B}" sibTransId="{321F69BA-979C-42C1-AD96-1B9E8C1BB66D}"/>
     <dgm:cxn modelId="{A1976212-8821-4644-A3EB-F2945BC9CB40}" type="presOf" srcId="{B2F80D37-CF7D-42F3-88B3-04E9EE43C899}" destId="{8589C181-5E72-4953-8A0A-38810DCA72E1}" srcOrd="0" destOrd="0" presId="urn:microsoft.com/office/officeart/2005/8/layout/bList2"/>
+    <dgm:cxn modelId="{05A538FB-2657-403A-AD64-7D6B00AB6CCC}" srcId="{5F50C06F-FD0A-4292-A6ED-F3E374D722B1}" destId="{8F6B5AD0-FD8C-4BD0-9987-904348CF8613}" srcOrd="1" destOrd="0" parTransId="{09727A18-09CD-41EA-93FB-499E1D8BE0CF}" sibTransId="{F299E563-08C7-44EA-B95C-70991494CF0A}"/>
     <dgm:cxn modelId="{CD918A62-22E0-407C-BD97-D5D1ACF7240F}" type="presOf" srcId="{4523CC93-775C-47D3-A4F3-737B9462444C}" destId="{95B1EFED-513F-4A29-B55B-CA51F90CA64D}" srcOrd="0" destOrd="0" presId="urn:microsoft.com/office/officeart/2005/8/layout/bList2"/>
     <dgm:cxn modelId="{452B75B4-CB25-455C-8428-400E40CCD4A5}" srcId="{B2F80D37-CF7D-42F3-88B3-04E9EE43C899}" destId="{8BC1F5AC-BF91-49EB-AD5F-1CAED566EF49}" srcOrd="0" destOrd="0" parTransId="{EADEBE29-B83A-4406-A1AA-0E7D17895763}" sibTransId="{44753D71-1D04-4FFA-B419-5612A383DC42}"/>
     <dgm:cxn modelId="{6C69AAD4-AE38-4397-B91C-38FE4EA6A9AB}" type="presOf" srcId="{321F69BA-979C-42C1-AD96-1B9E8C1BB66D}" destId="{1720DE7C-65D2-4112-A897-F7EA06B9748A}" srcOrd="0" destOrd="0" presId="urn:microsoft.com/office/officeart/2005/8/layout/bList2"/>
     <dgm:cxn modelId="{5EF576D6-32FA-49CD-8A4B-EAF0130A622E}" type="presOf" srcId="{E1FEC15B-A86A-4550-8786-B0AF8EA913A2}" destId="{B53510D2-BE6F-41A8-9976-DBAFDAC32E8D}" srcOrd="0" destOrd="0" presId="urn:microsoft.com/office/officeart/2005/8/layout/bList2"/>
     <dgm:cxn modelId="{5C3288D8-238D-469E-BC8C-A295A31C5D96}" srcId="{E1FEC15B-A86A-4550-8786-B0AF8EA913A2}" destId="{B2F80D37-CF7D-42F3-88B3-04E9EE43C899}" srcOrd="1" destOrd="0" parTransId="{E4869466-3A18-48B8-8D27-E91F77C59F2A}" sibTransId="{47607884-8DA1-425F-BDE9-FF898617C071}"/>
-    <dgm:cxn modelId="{1D930D88-E627-4773-941B-9DF519EC4AB0}" type="presOf" srcId="{EC0BB363-FC50-4430-8EBC-7763D0F4A311}" destId="{0DF105FA-740D-4E87-8A9F-052BEA62FF1C}" srcOrd="0" destOrd="1" presId="urn:microsoft.com/office/officeart/2005/8/layout/bList2"/>
     <dgm:cxn modelId="{9A20E65C-550F-4FA4-874F-D20BB7976981}" srcId="{2473F3B1-4CA4-4ECA-9D81-9FAB7CE7B9C1}" destId="{76DC718D-08DA-470E-8286-34C0D8CC6B81}" srcOrd="1" destOrd="0" parTransId="{B1939173-52FC-4BAE-B6D1-8C52BD80DDDE}" sibTransId="{ED988F2C-0C25-434A-B9E6-5641AA4184E7}"/>
     <dgm:cxn modelId="{70789B18-D080-4654-B416-5A5EC4D863C3}" type="presOf" srcId="{8BC1F5AC-BF91-49EB-AD5F-1CAED566EF49}" destId="{3A2C7445-0125-4AB9-8BE8-CEA2ABBC6FA2}" srcOrd="0" destOrd="0" presId="urn:microsoft.com/office/officeart/2005/8/layout/bList2"/>
     <dgm:cxn modelId="{7BC51ECB-CB91-4647-AB8F-27D1564962A1}" type="presOf" srcId="{76DC718D-08DA-470E-8286-34C0D8CC6B81}" destId="{95B1EFED-513F-4A29-B55B-CA51F90CA64D}" srcOrd="0" destOrd="1" presId="urn:microsoft.com/office/officeart/2005/8/layout/bList2"/>
@@ -2232,6 +2299,7 @@
     <dgm:cxn modelId="{8915C7B6-414C-4125-88CE-BFC5FF10E9B5}" type="presOf" srcId="{3E50C466-CF40-480A-80D0-C2F480A3B578}" destId="{3A2C7445-0125-4AB9-8BE8-CEA2ABBC6FA2}" srcOrd="0" destOrd="1" presId="urn:microsoft.com/office/officeart/2005/8/layout/bList2"/>
     <dgm:cxn modelId="{70D3F1FD-67F4-4702-AA58-9B71E1698A52}" type="presOf" srcId="{B2F80D37-CF7D-42F3-88B3-04E9EE43C899}" destId="{1B102759-9C0E-4E46-BBAF-815180E6C660}" srcOrd="1" destOrd="0" presId="urn:microsoft.com/office/officeart/2005/8/layout/bList2"/>
     <dgm:cxn modelId="{DB29AAF0-24B3-4074-A20A-340253F7386E}" type="presOf" srcId="{2473F3B1-4CA4-4ECA-9D81-9FAB7CE7B9C1}" destId="{B9006448-0591-4BFB-BD2C-B8B5F42570E8}" srcOrd="0" destOrd="0" presId="urn:microsoft.com/office/officeart/2005/8/layout/bList2"/>
+    <dgm:cxn modelId="{BEF46985-BE4D-4606-8C44-6C3E0FA874B3}" type="presOf" srcId="{8F6B5AD0-FD8C-4BD0-9987-904348CF8613}" destId="{0DF105FA-740D-4E87-8A9F-052BEA62FF1C}" srcOrd="0" destOrd="1" presId="urn:microsoft.com/office/officeart/2005/8/layout/bList2"/>
     <dgm:cxn modelId="{7EB395E7-78BC-4760-AFA6-500847F94F63}" type="presParOf" srcId="{B53510D2-BE6F-41A8-9976-DBAFDAC32E8D}" destId="{D02C9855-6810-44C4-9EC5-3A1CA9519665}" srcOrd="0" destOrd="0" presId="urn:microsoft.com/office/officeart/2005/8/layout/bList2"/>
     <dgm:cxn modelId="{46917EDE-BF1C-443F-A1C7-8DEB7CBEBBDE}" type="presParOf" srcId="{D02C9855-6810-44C4-9EC5-3A1CA9519665}" destId="{0DF105FA-740D-4E87-8A9F-052BEA62FF1C}" srcOrd="0" destOrd="0" presId="urn:microsoft.com/office/officeart/2005/8/layout/bList2"/>
     <dgm:cxn modelId="{3A15B380-98BA-4ADB-821E-0CA6A03CD5A0}" type="presParOf" srcId="{D02C9855-6810-44C4-9EC5-3A1CA9519665}" destId="{AF00CD70-45DB-4352-ACF8-F7D5EC3A5139}" srcOrd="1" destOrd="0" presId="urn:microsoft.com/office/officeart/2005/8/layout/bList2"/>
@@ -2264,7 +2332,7 @@
 <dgm:dataModel xmlns:dgm="http://schemas.openxmlformats.org/drawingml/2006/diagram" xmlns:a="http://schemas.openxmlformats.org/drawingml/2006/main">
   <dgm:ptLst>
     <dgm:pt modelId="{232E5DB7-D505-4717-9153-937808215D97}" type="doc">
-      <dgm:prSet loTypeId="urn:microsoft.com/office/officeart/2008/layout/NameandTitleOrganizationalChart" loCatId="hierarchy" qsTypeId="urn:microsoft.com/office/officeart/2005/8/quickstyle/simple1" qsCatId="simple" csTypeId="urn:microsoft.com/office/officeart/2005/8/colors/accent1_2" csCatId="accent1" phldr="1"/>
+      <dgm:prSet loTypeId="urn:microsoft.com/office/officeart/2005/8/layout/vList5" loCatId="list" qsTypeId="urn:microsoft.com/office/officeart/2005/8/quickstyle/simple1" qsCatId="simple" csTypeId="urn:microsoft.com/office/officeart/2005/8/colors/accent1_2" csCatId="accent1" phldr="1"/>
       <dgm:spPr/>
       <dgm:t>
         <a:bodyPr/>
@@ -2275,57 +2343,6 @@
       </dgm:t>
     </dgm:pt>
     <dgm:pt modelId="{AA7C50F5-80C3-4B6B-A3E0-9037872983D4}">
-      <dgm:prSet phldrT="[Text]"/>
-      <dgm:spPr/>
-      <dgm:t>
-        <a:bodyPr/>
-        <a:lstStyle/>
-        <a:p>
-          <a:r>
-            <a:rPr lang="en-ZA" dirty="0" smtClean="0"/>
-            <a:t>Dave </a:t>
-          </a:r>
-          <a:r>
-            <a:rPr lang="en-ZA" dirty="0" err="1" smtClean="0"/>
-            <a:t>Cloete</a:t>
-          </a:r>
-          <a:endParaRPr lang="en-ZA" dirty="0"/>
-        </a:p>
-      </dgm:t>
-    </dgm:pt>
-    <dgm:pt modelId="{B9AF1C81-ABE5-4FCD-9736-278D32AC3013}" type="parTrans" cxnId="{169E0D9C-CD96-466F-9D78-D1C60E42CBD0}">
-      <dgm:prSet/>
-      <dgm:spPr/>
-      <dgm:t>
-        <a:bodyPr/>
-        <a:lstStyle/>
-        <a:p>
-          <a:endParaRPr lang="en-ZA"/>
-        </a:p>
-      </dgm:t>
-    </dgm:pt>
-    <dgm:pt modelId="{60296B72-10B1-459F-A0C8-BEB109F4BB3C}" type="sibTrans" cxnId="{169E0D9C-CD96-466F-9D78-D1C60E42CBD0}">
-      <dgm:prSet/>
-      <dgm:spPr/>
-      <dgm:t>
-        <a:bodyPr/>
-        <a:lstStyle/>
-        <a:p>
-          <a:r>
-            <a:rPr lang="en-ZA" dirty="0" smtClean="0"/>
-            <a:t>Overall PM</a:t>
-          </a:r>
-        </a:p>
-        <a:p>
-          <a:r>
-            <a:rPr lang="en-ZA" dirty="0" smtClean="0"/>
-            <a:t>UX Design – Visualization </a:t>
-          </a:r>
-          <a:endParaRPr lang="en-ZA" dirty="0"/>
-        </a:p>
-      </dgm:t>
-    </dgm:pt>
-    <dgm:pt modelId="{BD76B61F-1188-40BA-8280-5ADAC3B823E0}" type="asst">
       <dgm:prSet phldrT="[Text]"/>
       <dgm:spPr/>
       <dgm:t>
@@ -2348,7 +2365,7 @@
         </a:p>
       </dgm:t>
     </dgm:pt>
-    <dgm:pt modelId="{A8FB39C9-04BB-4308-84E8-73812A193080}" type="parTrans" cxnId="{69F70141-DE85-4EB9-90F3-9167F62D11AE}">
+    <dgm:pt modelId="{B9AF1C81-ABE5-4FCD-9736-278D32AC3013}" type="parTrans" cxnId="{169E0D9C-CD96-466F-9D78-D1C60E42CBD0}">
       <dgm:prSet/>
       <dgm:spPr/>
       <dgm:t>
@@ -2359,25 +2376,9 @@
         </a:p>
       </dgm:t>
     </dgm:pt>
-    <dgm:pt modelId="{B9DE29F1-581E-48BF-9A79-3A8AC43E0BD8}" type="sibTrans" cxnId="{69F70141-DE85-4EB9-90F3-9167F62D11AE}">
+    <dgm:pt modelId="{60296B72-10B1-459F-A0C8-BEB109F4BB3C}" type="sibTrans" cxnId="{169E0D9C-CD96-466F-9D78-D1C60E42CBD0}">
       <dgm:prSet/>
       <dgm:spPr/>
-      <dgm:t>
-        <a:bodyPr/>
-        <a:lstStyle/>
-        <a:p>
-          <a:r>
-            <a:rPr lang="en-ZA" dirty="0" smtClean="0"/>
-            <a:t>Development Method</a:t>
-          </a:r>
-        </a:p>
-        <a:p>
-          <a:r>
-            <a:rPr lang="en-ZA" dirty="0" smtClean="0"/>
-            <a:t>Architecture</a:t>
-          </a:r>
-        </a:p>
-      </dgm:t>
     </dgm:pt>
     <dgm:pt modelId="{6939A553-4A8E-48C7-BBD6-821238BF6B74}">
       <dgm:prSet phldrT="[Text]"/>
@@ -2412,23 +2413,6 @@
     <dgm:pt modelId="{171AF5E4-2D7E-4D40-89AC-CE9D5C96181C}" type="sibTrans" cxnId="{DABE777D-9966-4C10-AFCD-A4BAFD439A62}">
       <dgm:prSet/>
       <dgm:spPr/>
-      <dgm:t>
-        <a:bodyPr/>
-        <a:lstStyle/>
-        <a:p>
-          <a:r>
-            <a:rPr lang="en-ZA" dirty="0" smtClean="0"/>
-            <a:t>Big Data Acquisition</a:t>
-          </a:r>
-        </a:p>
-        <a:p>
-          <a:r>
-            <a:rPr lang="en-ZA" dirty="0" smtClean="0"/>
-            <a:t>Streaming</a:t>
-          </a:r>
-          <a:endParaRPr lang="en-ZA" dirty="0"/>
-        </a:p>
-      </dgm:t>
     </dgm:pt>
     <dgm:pt modelId="{BB2210B6-4A12-4196-9BB3-B0D234F72687}">
       <dgm:prSet phldrT="[Text]"/>
@@ -2438,16 +2422,8 @@
         <a:lstStyle/>
         <a:p>
           <a:r>
-            <a:rPr lang="en-ZA" dirty="0" err="1" smtClean="0"/>
-            <a:t>Matsobane</a:t>
-          </a:r>
-          <a:r>
             <a:rPr lang="en-ZA" dirty="0" smtClean="0"/>
-            <a:t> </a:t>
-          </a:r>
-          <a:r>
-            <a:rPr lang="en-ZA" dirty="0" err="1" smtClean="0"/>
-            <a:t>Khwinana</a:t>
+            <a:t>Development for data Acquisition (Streaming)</a:t>
           </a:r>
           <a:endParaRPr lang="en-ZA" dirty="0"/>
         </a:p>
@@ -2467,23 +2443,6 @@
     <dgm:pt modelId="{2D4BCB54-577F-4B30-84AC-A41048A2CDE0}" type="sibTrans" cxnId="{0A7BB9F2-7166-4553-8EB5-F3312736A2DE}">
       <dgm:prSet/>
       <dgm:spPr/>
-      <dgm:t>
-        <a:bodyPr/>
-        <a:lstStyle/>
-        <a:p>
-          <a:r>
-            <a:rPr lang="en-ZA" dirty="0" smtClean="0"/>
-            <a:t>Big Data Acquisition</a:t>
-          </a:r>
-        </a:p>
-        <a:p>
-          <a:r>
-            <a:rPr lang="en-ZA" dirty="0" smtClean="0"/>
-            <a:t>Batch - History</a:t>
-          </a:r>
-          <a:endParaRPr lang="en-ZA" dirty="0"/>
-        </a:p>
-      </dgm:t>
     </dgm:pt>
     <dgm:pt modelId="{B22C12D7-6598-42EB-AEDB-955ECCE3ED37}">
       <dgm:prSet phldrT="[Text]"/>
@@ -2514,33 +2473,448 @@
     <dgm:pt modelId="{004B4015-B64C-4630-9231-744E708F21DB}" type="sibTrans" cxnId="{529CE926-80D2-4D7B-B43B-5C837BAD46AF}">
       <dgm:prSet/>
       <dgm:spPr/>
+    </dgm:pt>
+    <dgm:pt modelId="{FDC53BE9-A705-4749-8252-AF3F62D3A6EC}" type="asst">
+      <dgm:prSet phldrT="[Text]"/>
+      <dgm:spPr/>
+      <dgm:t>
+        <a:bodyPr/>
+        <a:lstStyle/>
+        <a:p>
+          <a:r>
+            <a:rPr lang="en-ZA" dirty="0" err="1" smtClean="0"/>
+            <a:t>Matsobane</a:t>
+          </a:r>
+          <a:r>
+            <a:rPr lang="en-ZA" dirty="0" smtClean="0"/>
+            <a:t> </a:t>
+          </a:r>
+          <a:r>
+            <a:rPr lang="en-ZA" dirty="0" err="1" smtClean="0"/>
+            <a:t>Khwinana</a:t>
+          </a:r>
+          <a:endParaRPr lang="en-ZA" dirty="0"/>
+        </a:p>
+      </dgm:t>
+    </dgm:pt>
+    <dgm:pt modelId="{9138B1F9-3195-4928-ABC5-020268A56597}" type="parTrans" cxnId="{8339D25F-51F9-4D97-9AD6-FA26BAAC8145}">
+      <dgm:prSet/>
+      <dgm:spPr/>
+      <dgm:t>
+        <a:bodyPr/>
+        <a:lstStyle/>
+        <a:p>
+          <a:endParaRPr lang="en-ZA"/>
+        </a:p>
+      </dgm:t>
+    </dgm:pt>
+    <dgm:pt modelId="{598C29E1-0725-49BE-A8A0-D7E382B86146}" type="sibTrans" cxnId="{8339D25F-51F9-4D97-9AD6-FA26BAAC8145}">
+      <dgm:prSet/>
+      <dgm:spPr/>
+      <dgm:t>
+        <a:bodyPr/>
+        <a:lstStyle/>
+        <a:p>
+          <a:endParaRPr lang="en-ZA"/>
+        </a:p>
+      </dgm:t>
+    </dgm:pt>
+    <dgm:pt modelId="{87F0A62A-18B0-4F16-B60B-5918AD43389C}">
+      <dgm:prSet phldrT="[Text]"/>
+      <dgm:spPr/>
       <dgm:t>
         <a:bodyPr/>
         <a:lstStyle/>
         <a:p>
           <a:r>
             <a:rPr lang="en-ZA" dirty="0" smtClean="0"/>
-            <a:t>Big Data Processing</a:t>
+            <a:t>Dave </a:t>
           </a:r>
-        </a:p>
-        <a:p>
           <a:r>
-            <a:rPr lang="en-ZA" dirty="0" smtClean="0"/>
-            <a:t>MAP Reduce</a:t>
+            <a:rPr lang="en-ZA" dirty="0" err="1" smtClean="0"/>
+            <a:t>Cloete</a:t>
           </a:r>
           <a:endParaRPr lang="en-ZA" dirty="0"/>
         </a:p>
       </dgm:t>
     </dgm:pt>
-    <dgm:pt modelId="{773E46B7-A6B6-40C3-AFAB-80DCD76C5E68}" type="pres">
-      <dgm:prSet presAssocID="{232E5DB7-D505-4717-9153-937808215D97}" presName="hierChild1" presStyleCnt="0">
+    <dgm:pt modelId="{6B0945F7-BC5A-42C4-8BF8-9BC1EEE07B2A}" type="parTrans" cxnId="{AE2AAB98-A669-4EBE-B9DE-F839979F465D}">
+      <dgm:prSet/>
+      <dgm:spPr/>
+      <dgm:t>
+        <a:bodyPr/>
+        <a:lstStyle/>
+        <a:p>
+          <a:endParaRPr lang="en-ZA"/>
+        </a:p>
+      </dgm:t>
+    </dgm:pt>
+    <dgm:pt modelId="{FA2EA263-216C-4F95-9656-7751D944F445}" type="sibTrans" cxnId="{AE2AAB98-A669-4EBE-B9DE-F839979F465D}">
+      <dgm:prSet/>
+      <dgm:spPr/>
+      <dgm:t>
+        <a:bodyPr/>
+        <a:lstStyle/>
+        <a:p>
+          <a:endParaRPr lang="en-ZA"/>
+        </a:p>
+      </dgm:t>
+    </dgm:pt>
+    <dgm:pt modelId="{E8CA82A3-9C82-4570-B61E-CF83171FA95B}">
+      <dgm:prSet phldrT="[Text]"/>
+      <dgm:spPr/>
+      <dgm:t>
+        <a:bodyPr/>
+        <a:lstStyle/>
+        <a:p>
+          <a:r>
+            <a:rPr lang="en-ZA" dirty="0" smtClean="0"/>
+            <a:t>Development Method</a:t>
+          </a:r>
+          <a:endParaRPr lang="en-ZA" dirty="0"/>
+        </a:p>
+      </dgm:t>
+    </dgm:pt>
+    <dgm:pt modelId="{37C8DEDC-3493-4C2D-BAD0-F994868B8976}" type="parTrans" cxnId="{66742202-5075-4FED-B1D6-9BE613EBCE01}">
+      <dgm:prSet/>
+      <dgm:spPr/>
+      <dgm:t>
+        <a:bodyPr/>
+        <a:lstStyle/>
+        <a:p>
+          <a:endParaRPr lang="en-ZA"/>
+        </a:p>
+      </dgm:t>
+    </dgm:pt>
+    <dgm:pt modelId="{DE962135-E7E9-452F-9B2C-C25FB9091D44}" type="sibTrans" cxnId="{66742202-5075-4FED-B1D6-9BE613EBCE01}">
+      <dgm:prSet/>
+      <dgm:spPr/>
+      <dgm:t>
+        <a:bodyPr/>
+        <a:lstStyle/>
+        <a:p>
+          <a:endParaRPr lang="en-ZA"/>
+        </a:p>
+      </dgm:t>
+    </dgm:pt>
+    <dgm:pt modelId="{6FEEE26C-93AC-4F65-9CE2-44CB6E9F7C8E}">
+      <dgm:prSet phldrT="[Text]"/>
+      <dgm:spPr/>
+      <dgm:t>
+        <a:bodyPr/>
+        <a:lstStyle/>
+        <a:p>
+          <a:r>
+            <a:rPr lang="en-ZA" dirty="0" smtClean="0"/>
+            <a:t>Architecture (High Level Designs)</a:t>
+          </a:r>
+          <a:endParaRPr lang="en-ZA" dirty="0"/>
+        </a:p>
+      </dgm:t>
+    </dgm:pt>
+    <dgm:pt modelId="{94EF5083-CBBA-485A-8EA3-3856DC3DF391}" type="parTrans" cxnId="{F57F3935-0B91-4DCC-9628-4904299ABC86}">
+      <dgm:prSet/>
+      <dgm:spPr/>
+      <dgm:t>
+        <a:bodyPr/>
+        <a:lstStyle/>
+        <a:p>
+          <a:endParaRPr lang="en-ZA"/>
+        </a:p>
+      </dgm:t>
+    </dgm:pt>
+    <dgm:pt modelId="{9E77CE8E-8F1B-4DC0-A95F-0E853E59E4E1}" type="sibTrans" cxnId="{F57F3935-0B91-4DCC-9628-4904299ABC86}">
+      <dgm:prSet/>
+      <dgm:spPr/>
+      <dgm:t>
+        <a:bodyPr/>
+        <a:lstStyle/>
+        <a:p>
+          <a:endParaRPr lang="en-ZA"/>
+        </a:p>
+      </dgm:t>
+    </dgm:pt>
+    <dgm:pt modelId="{97E2A061-F932-4959-ABB6-A60FA11376F6}" type="asst">
+      <dgm:prSet phldrT="[Text]"/>
+      <dgm:spPr/>
+      <dgm:t>
+        <a:bodyPr/>
+        <a:lstStyle/>
+        <a:p>
+          <a:r>
+            <a:rPr lang="en-ZA" dirty="0" smtClean="0"/>
+            <a:t>Development for data Acquisition (History)</a:t>
+          </a:r>
+          <a:endParaRPr lang="en-ZA" dirty="0"/>
+        </a:p>
+      </dgm:t>
+    </dgm:pt>
+    <dgm:pt modelId="{81589820-609F-41AB-A232-B3B0D28210CD}" type="parTrans" cxnId="{2AE312C0-9EC4-4E4E-BE51-A30F10210F93}">
+      <dgm:prSet/>
+      <dgm:spPr/>
+      <dgm:t>
+        <a:bodyPr/>
+        <a:lstStyle/>
+        <a:p>
+          <a:endParaRPr lang="en-ZA"/>
+        </a:p>
+      </dgm:t>
+    </dgm:pt>
+    <dgm:pt modelId="{3E6D994E-3405-46D1-9077-13979B098AC1}" type="sibTrans" cxnId="{2AE312C0-9EC4-4E4E-BE51-A30F10210F93}">
+      <dgm:prSet/>
+      <dgm:spPr/>
+      <dgm:t>
+        <a:bodyPr/>
+        <a:lstStyle/>
+        <a:p>
+          <a:endParaRPr lang="en-ZA"/>
+        </a:p>
+      </dgm:t>
+    </dgm:pt>
+    <dgm:pt modelId="{C64CC183-9EA4-4CD8-86FD-9797D16FDB7F}" type="asst">
+      <dgm:prSet phldrT="[Text]"/>
+      <dgm:spPr/>
+      <dgm:t>
+        <a:bodyPr/>
+        <a:lstStyle/>
+        <a:p>
+          <a:r>
+            <a:rPr lang="en-ZA" dirty="0" smtClean="0"/>
+            <a:t>Involvement in the Visualization Development</a:t>
+          </a:r>
+          <a:endParaRPr lang="en-ZA" dirty="0"/>
+        </a:p>
+      </dgm:t>
+    </dgm:pt>
+    <dgm:pt modelId="{2D06086A-5032-4A1C-ABE7-A15FF7995D74}" type="parTrans" cxnId="{601B26A5-D8FE-4CE6-8E56-715DE4A9401F}">
+      <dgm:prSet/>
+      <dgm:spPr/>
+      <dgm:t>
+        <a:bodyPr/>
+        <a:lstStyle/>
+        <a:p>
+          <a:endParaRPr lang="en-ZA"/>
+        </a:p>
+      </dgm:t>
+    </dgm:pt>
+    <dgm:pt modelId="{40E25689-6D92-4331-83CB-181C85492574}" type="sibTrans" cxnId="{601B26A5-D8FE-4CE6-8E56-715DE4A9401F}">
+      <dgm:prSet/>
+      <dgm:spPr/>
+      <dgm:t>
+        <a:bodyPr/>
+        <a:lstStyle/>
+        <a:p>
+          <a:endParaRPr lang="en-ZA"/>
+        </a:p>
+      </dgm:t>
+    </dgm:pt>
+    <dgm:pt modelId="{F9D61DB9-E353-4419-953C-736E9200F979}">
+      <dgm:prSet/>
+      <dgm:spPr/>
+      <dgm:t>
+        <a:bodyPr/>
+        <a:lstStyle/>
+        <a:p>
+          <a:r>
+            <a:rPr lang="en-ZA" dirty="0" smtClean="0"/>
+            <a:t>Involvement in the </a:t>
+          </a:r>
+          <a:r>
+            <a:rPr lang="en-ZA" dirty="0" err="1" smtClean="0"/>
+            <a:t>Scala</a:t>
+          </a:r>
+          <a:r>
+            <a:rPr lang="en-ZA" dirty="0" smtClean="0"/>
+            <a:t> Development</a:t>
+          </a:r>
+          <a:endParaRPr lang="en-ZA" dirty="0"/>
+        </a:p>
+      </dgm:t>
+    </dgm:pt>
+    <dgm:pt modelId="{F4F4A29C-DC61-466C-A4FB-D8459BE71A36}" type="parTrans" cxnId="{7CB09E4F-4EA6-4BB8-96D0-C72D1DD46832}">
+      <dgm:prSet/>
+      <dgm:spPr/>
+      <dgm:t>
+        <a:bodyPr/>
+        <a:lstStyle/>
+        <a:p>
+          <a:endParaRPr lang="en-ZA"/>
+        </a:p>
+      </dgm:t>
+    </dgm:pt>
+    <dgm:pt modelId="{29282FF7-9538-4B70-9402-0E38806752FC}" type="sibTrans" cxnId="{7CB09E4F-4EA6-4BB8-96D0-C72D1DD46832}">
+      <dgm:prSet/>
+      <dgm:spPr/>
+      <dgm:t>
+        <a:bodyPr/>
+        <a:lstStyle/>
+        <a:p>
+          <a:endParaRPr lang="en-ZA"/>
+        </a:p>
+      </dgm:t>
+    </dgm:pt>
+    <dgm:pt modelId="{FCFF1BE1-6626-4BE9-97BA-AE945C01598D}">
+      <dgm:prSet phldrT="[Text]"/>
+      <dgm:spPr/>
+      <dgm:t>
+        <a:bodyPr/>
+        <a:lstStyle/>
+        <a:p>
+          <a:r>
+            <a:rPr lang="en-ZA" dirty="0" smtClean="0"/>
+            <a:t>Infrastructure Setup (Pi Cluster)</a:t>
+          </a:r>
+          <a:endParaRPr lang="en-ZA" dirty="0"/>
+        </a:p>
+      </dgm:t>
+    </dgm:pt>
+    <dgm:pt modelId="{1AB50658-3FFE-470D-ADC6-38955EBFD2F1}" type="parTrans" cxnId="{60C78A7F-DA57-42CB-9191-4A531B7CC7F9}">
+      <dgm:prSet/>
+      <dgm:spPr/>
+      <dgm:t>
+        <a:bodyPr/>
+        <a:lstStyle/>
+        <a:p>
+          <a:endParaRPr lang="en-ZA"/>
+        </a:p>
+      </dgm:t>
+    </dgm:pt>
+    <dgm:pt modelId="{58ED1B0F-53B7-40AD-BD4D-4FFDBBCB05A1}" type="sibTrans" cxnId="{60C78A7F-DA57-42CB-9191-4A531B7CC7F9}">
+      <dgm:prSet/>
+      <dgm:spPr/>
+      <dgm:t>
+        <a:bodyPr/>
+        <a:lstStyle/>
+        <a:p>
+          <a:endParaRPr lang="en-ZA"/>
+        </a:p>
+      </dgm:t>
+    </dgm:pt>
+    <dgm:pt modelId="{749B406E-2EDC-4F7B-958A-0E9633C6D842}">
+      <dgm:prSet phldrT="[Text]"/>
+      <dgm:spPr/>
+      <dgm:t>
+        <a:bodyPr/>
+        <a:lstStyle/>
+        <a:p>
+          <a:r>
+            <a:rPr lang="en-ZA" dirty="0" err="1" smtClean="0"/>
+            <a:t>MapReduce</a:t>
+          </a:r>
+          <a:r>
+            <a:rPr lang="en-ZA" dirty="0" smtClean="0"/>
+            <a:t> Development using </a:t>
+          </a:r>
+          <a:r>
+            <a:rPr lang="en-ZA" dirty="0" err="1" smtClean="0"/>
+            <a:t>Scala</a:t>
+          </a:r>
+          <a:endParaRPr lang="en-ZA" dirty="0"/>
+        </a:p>
+      </dgm:t>
+    </dgm:pt>
+    <dgm:pt modelId="{B872E514-CE30-46F2-AB8D-33BCAA449FB6}" type="parTrans" cxnId="{BF62952C-BCA1-4A6E-935E-076377BA23D4}">
+      <dgm:prSet/>
+      <dgm:spPr/>
+      <dgm:t>
+        <a:bodyPr/>
+        <a:lstStyle/>
+        <a:p>
+          <a:endParaRPr lang="en-ZA"/>
+        </a:p>
+      </dgm:t>
+    </dgm:pt>
+    <dgm:pt modelId="{090F1A99-1337-4B5D-9ECE-4469080F1537}" type="sibTrans" cxnId="{BF62952C-BCA1-4A6E-935E-076377BA23D4}">
+      <dgm:prSet/>
+      <dgm:spPr/>
+      <dgm:t>
+        <a:bodyPr/>
+        <a:lstStyle/>
+        <a:p>
+          <a:endParaRPr lang="en-ZA"/>
+        </a:p>
+      </dgm:t>
+    </dgm:pt>
+    <dgm:pt modelId="{483C21AF-0959-46E8-8048-0EAF1F766E6F}">
+      <dgm:prSet phldrT="[Text]"/>
+      <dgm:spPr/>
+      <dgm:t>
+        <a:bodyPr/>
+        <a:lstStyle/>
+        <a:p>
+          <a:r>
+            <a:rPr lang="en-ZA" dirty="0" smtClean="0"/>
+            <a:t>UX Design</a:t>
+          </a:r>
+          <a:endParaRPr lang="en-ZA" dirty="0"/>
+        </a:p>
+      </dgm:t>
+    </dgm:pt>
+    <dgm:pt modelId="{35B27C95-4EC2-4072-899F-9962121496DC}" type="parTrans" cxnId="{89B38B15-1030-4759-B447-2DEF2E83EC18}">
+      <dgm:prSet/>
+      <dgm:spPr/>
+      <dgm:t>
+        <a:bodyPr/>
+        <a:lstStyle/>
+        <a:p>
+          <a:endParaRPr lang="en-ZA"/>
+        </a:p>
+      </dgm:t>
+    </dgm:pt>
+    <dgm:pt modelId="{4C7C7465-DBD8-487E-B798-7815F45D2A95}" type="sibTrans" cxnId="{89B38B15-1030-4759-B447-2DEF2E83EC18}">
+      <dgm:prSet/>
+      <dgm:spPr/>
+      <dgm:t>
+        <a:bodyPr/>
+        <a:lstStyle/>
+        <a:p>
+          <a:endParaRPr lang="en-ZA"/>
+        </a:p>
+      </dgm:t>
+    </dgm:pt>
+    <dgm:pt modelId="{949E01F0-F38B-4A7A-8181-FFA92C487CBF}">
+      <dgm:prSet phldrT="[Text]"/>
+      <dgm:spPr/>
+      <dgm:t>
+        <a:bodyPr/>
+        <a:lstStyle/>
+        <a:p>
+          <a:r>
+            <a:rPr lang="en-ZA" dirty="0" smtClean="0"/>
+            <a:t>Development for visualization</a:t>
+          </a:r>
+          <a:endParaRPr lang="en-ZA" dirty="0"/>
+        </a:p>
+      </dgm:t>
+    </dgm:pt>
+    <dgm:pt modelId="{E5231ED9-28FB-481D-B519-DF56DE1060EB}" type="parTrans" cxnId="{D8F4EC94-17E8-45C7-85AC-C048AE2D59F4}">
+      <dgm:prSet/>
+      <dgm:spPr/>
+      <dgm:t>
+        <a:bodyPr/>
+        <a:lstStyle/>
+        <a:p>
+          <a:endParaRPr lang="en-ZA"/>
+        </a:p>
+      </dgm:t>
+    </dgm:pt>
+    <dgm:pt modelId="{274465B6-E61E-4C52-AF66-15EF0C29E8E1}" type="sibTrans" cxnId="{D8F4EC94-17E8-45C7-85AC-C048AE2D59F4}">
+      <dgm:prSet/>
+      <dgm:spPr/>
+      <dgm:t>
+        <a:bodyPr/>
+        <a:lstStyle/>
+        <a:p>
+          <a:endParaRPr lang="en-ZA"/>
+        </a:p>
+      </dgm:t>
+    </dgm:pt>
+    <dgm:pt modelId="{71CACC11-2EE5-442B-800A-B68D5E07D1B0}" type="pres">
+      <dgm:prSet presAssocID="{232E5DB7-D505-4717-9153-937808215D97}" presName="Name0" presStyleCnt="0">
         <dgm:presLayoutVars>
-          <dgm:orgChart val="1"/>
-          <dgm:chPref val="1"/>
           <dgm:dir/>
-          <dgm:animOne val="branch"/>
           <dgm:animLvl val="lvl"/>
-          <dgm:resizeHandles/>
+          <dgm:resizeHandles val="exact"/>
         </dgm:presLayoutVars>
       </dgm:prSet>
       <dgm:spPr/>
@@ -2552,23 +2926,15 @@
         </a:p>
       </dgm:t>
     </dgm:pt>
-    <dgm:pt modelId="{F966B11B-6001-44A7-B167-58B437A9680F}" type="pres">
-      <dgm:prSet presAssocID="{AA7C50F5-80C3-4B6B-A3E0-9037872983D4}" presName="hierRoot1" presStyleCnt="0">
-        <dgm:presLayoutVars>
-          <dgm:hierBranch val="init"/>
-        </dgm:presLayoutVars>
-      </dgm:prSet>
+    <dgm:pt modelId="{4CB9BB21-CECC-4F0B-BE20-DFD1A9C873D1}" type="pres">
+      <dgm:prSet presAssocID="{AA7C50F5-80C3-4B6B-A3E0-9037872983D4}" presName="linNode" presStyleCnt="0"/>
       <dgm:spPr/>
     </dgm:pt>
-    <dgm:pt modelId="{CE9FEDB5-8A44-4AD3-A69D-FC1D8923D716}" type="pres">
-      <dgm:prSet presAssocID="{AA7C50F5-80C3-4B6B-A3E0-9037872983D4}" presName="rootComposite1" presStyleCnt="0"/>
-      <dgm:spPr/>
-    </dgm:pt>
-    <dgm:pt modelId="{83B6F7C0-29DA-4FBC-842A-1DA278EE8BA2}" type="pres">
-      <dgm:prSet presAssocID="{AA7C50F5-80C3-4B6B-A3E0-9037872983D4}" presName="rootText1" presStyleLbl="node0" presStyleIdx="0" presStyleCnt="1">
+    <dgm:pt modelId="{C0C08FCA-06B8-4086-AD2E-DD8AE069A46F}" type="pres">
+      <dgm:prSet presAssocID="{AA7C50F5-80C3-4B6B-A3E0-9037872983D4}" presName="parentText" presStyleLbl="node1" presStyleIdx="0" presStyleCnt="4">
         <dgm:presLayoutVars>
-          <dgm:chMax/>
-          <dgm:chPref val="3"/>
+          <dgm:chMax val="1"/>
+          <dgm:bulletEnabled val="1"/>
         </dgm:presLayoutVars>
       </dgm:prSet>
       <dgm:spPr/>
@@ -2580,11 +2946,10 @@
         </a:p>
       </dgm:t>
     </dgm:pt>
-    <dgm:pt modelId="{269BA9FA-5FAE-4A45-9B7E-FB481D3351C4}" type="pres">
-      <dgm:prSet presAssocID="{AA7C50F5-80C3-4B6B-A3E0-9037872983D4}" presName="titleText1" presStyleLbl="fgAcc0" presStyleIdx="0" presStyleCnt="1">
+    <dgm:pt modelId="{2A986EE6-034F-4385-90B7-FC80EE89016F}" type="pres">
+      <dgm:prSet presAssocID="{AA7C50F5-80C3-4B6B-A3E0-9037872983D4}" presName="descendantText" presStyleLbl="alignAccFollowNode1" presStyleIdx="0" presStyleCnt="5">
         <dgm:presLayoutVars>
-          <dgm:chMax val="0"/>
-          <dgm:chPref val="0"/>
+          <dgm:bulletEnabled val="1"/>
         </dgm:presLayoutVars>
       </dgm:prSet>
       <dgm:spPr/>
@@ -2596,49 +2961,19 @@
         </a:p>
       </dgm:t>
     </dgm:pt>
-    <dgm:pt modelId="{3526CAC1-AE98-4E0F-9493-DFEED52EC86B}" type="pres">
-      <dgm:prSet presAssocID="{AA7C50F5-80C3-4B6B-A3E0-9037872983D4}" presName="rootConnector1" presStyleLbl="node1" presStyleIdx="0" presStyleCnt="3"/>
-      <dgm:spPr/>
-      <dgm:t>
-        <a:bodyPr/>
-        <a:lstStyle/>
-        <a:p>
-          <a:endParaRPr lang="en-ZA"/>
-        </a:p>
-      </dgm:t>
-    </dgm:pt>
-    <dgm:pt modelId="{21BB1A3A-5D3E-48F5-99C0-5D06C421509F}" type="pres">
-      <dgm:prSet presAssocID="{AA7C50F5-80C3-4B6B-A3E0-9037872983D4}" presName="hierChild2" presStyleCnt="0"/>
+    <dgm:pt modelId="{BD4E7C0A-FEB6-4015-B071-B0E487DB42E6}" type="pres">
+      <dgm:prSet presAssocID="{60296B72-10B1-459F-A0C8-BEB109F4BB3C}" presName="sp" presStyleCnt="0"/>
       <dgm:spPr/>
     </dgm:pt>
-    <dgm:pt modelId="{A0A20830-A5CB-419C-A9A6-AB4D90BFF247}" type="pres">
-      <dgm:prSet presAssocID="{161A5568-1D4B-4116-B8CB-D6CE06203E9E}" presName="Name37" presStyleLbl="parChTrans1D2" presStyleIdx="0" presStyleCnt="4"/>
-      <dgm:spPr/>
-      <dgm:t>
-        <a:bodyPr/>
-        <a:lstStyle/>
-        <a:p>
-          <a:endParaRPr lang="en-ZA"/>
-        </a:p>
-      </dgm:t>
-    </dgm:pt>
-    <dgm:pt modelId="{1008A2BA-27CE-4E15-B933-D3E5D5DA67A3}" type="pres">
-      <dgm:prSet presAssocID="{6939A553-4A8E-48C7-BBD6-821238BF6B74}" presName="hierRoot2" presStyleCnt="0">
-        <dgm:presLayoutVars>
-          <dgm:hierBranch val="init"/>
-        </dgm:presLayoutVars>
-      </dgm:prSet>
+    <dgm:pt modelId="{50E31995-8A4F-4D54-BBF3-CF53A8177EC0}" type="pres">
+      <dgm:prSet presAssocID="{FDC53BE9-A705-4749-8252-AF3F62D3A6EC}" presName="linNode" presStyleCnt="0"/>
       <dgm:spPr/>
     </dgm:pt>
-    <dgm:pt modelId="{044A3EA5-4F67-4436-89B4-59B244EE4A3B}" type="pres">
-      <dgm:prSet presAssocID="{6939A553-4A8E-48C7-BBD6-821238BF6B74}" presName="rootComposite" presStyleCnt="0"/>
-      <dgm:spPr/>
-    </dgm:pt>
-    <dgm:pt modelId="{EA12A656-B41D-467F-B776-DADD9A9604D1}" type="pres">
-      <dgm:prSet presAssocID="{6939A553-4A8E-48C7-BBD6-821238BF6B74}" presName="rootText" presStyleLbl="node1" presStyleIdx="0" presStyleCnt="3">
+    <dgm:pt modelId="{49276122-CC35-4C58-ACFE-4421EDC3BB1C}" type="pres">
+      <dgm:prSet presAssocID="{FDC53BE9-A705-4749-8252-AF3F62D3A6EC}" presName="parentText" presStyleLbl="asst0" presStyleIdx="0" presStyleCnt="1">
         <dgm:presLayoutVars>
-          <dgm:chMax/>
-          <dgm:chPref val="3"/>
+          <dgm:chMax val="1"/>
+          <dgm:bulletEnabled val="1"/>
         </dgm:presLayoutVars>
       </dgm:prSet>
       <dgm:spPr/>
@@ -2650,11 +2985,10 @@
         </a:p>
       </dgm:t>
     </dgm:pt>
-    <dgm:pt modelId="{345618B9-C000-40B3-B6AD-642C37D8559B}" type="pres">
-      <dgm:prSet presAssocID="{6939A553-4A8E-48C7-BBD6-821238BF6B74}" presName="titleText2" presStyleLbl="fgAcc1" presStyleIdx="0" presStyleCnt="3">
+    <dgm:pt modelId="{90575AF9-6771-42E7-8297-FFB5E33A0D3B}" type="pres">
+      <dgm:prSet presAssocID="{FDC53BE9-A705-4749-8252-AF3F62D3A6EC}" presName="descendantText" presStyleLbl="alignAccFollowNode1" presStyleIdx="1" presStyleCnt="5">
         <dgm:presLayoutVars>
-          <dgm:chMax val="0"/>
-          <dgm:chPref val="0"/>
+          <dgm:bulletEnabled val="1"/>
         </dgm:presLayoutVars>
       </dgm:prSet>
       <dgm:spPr/>
@@ -2666,53 +3000,19 @@
         </a:p>
       </dgm:t>
     </dgm:pt>
-    <dgm:pt modelId="{4542B687-9721-488A-827A-03F61031AA81}" type="pres">
-      <dgm:prSet presAssocID="{6939A553-4A8E-48C7-BBD6-821238BF6B74}" presName="rootConnector" presStyleLbl="node2" presStyleIdx="0" presStyleCnt="0"/>
-      <dgm:spPr/>
-      <dgm:t>
-        <a:bodyPr/>
-        <a:lstStyle/>
-        <a:p>
-          <a:endParaRPr lang="en-ZA"/>
-        </a:p>
-      </dgm:t>
-    </dgm:pt>
-    <dgm:pt modelId="{DDB18748-7A70-442F-8A47-F69D87FAD6D0}" type="pres">
-      <dgm:prSet presAssocID="{6939A553-4A8E-48C7-BBD6-821238BF6B74}" presName="hierChild4" presStyleCnt="0"/>
+    <dgm:pt modelId="{4D428847-E76D-4275-B4A8-C6F94EDC9FD9}" type="pres">
+      <dgm:prSet presAssocID="{598C29E1-0725-49BE-A8A0-D7E382B86146}" presName="sp" presStyleCnt="0"/>
       <dgm:spPr/>
     </dgm:pt>
-    <dgm:pt modelId="{F436A10C-287B-4A76-8603-5EBCA59E4431}" type="pres">
-      <dgm:prSet presAssocID="{6939A553-4A8E-48C7-BBD6-821238BF6B74}" presName="hierChild5" presStyleCnt="0"/>
+    <dgm:pt modelId="{616065F2-7665-4DA1-ADF7-BEAB8ABF47FE}" type="pres">
+      <dgm:prSet presAssocID="{6939A553-4A8E-48C7-BBD6-821238BF6B74}" presName="linNode" presStyleCnt="0"/>
       <dgm:spPr/>
     </dgm:pt>
-    <dgm:pt modelId="{C828418F-E1A8-442E-9A95-664455048653}" type="pres">
-      <dgm:prSet presAssocID="{8027ABA6-1D74-4CF3-95B2-2AD303F67272}" presName="Name37" presStyleLbl="parChTrans1D2" presStyleIdx="1" presStyleCnt="4"/>
-      <dgm:spPr/>
-      <dgm:t>
-        <a:bodyPr/>
-        <a:lstStyle/>
-        <a:p>
-          <a:endParaRPr lang="en-ZA"/>
-        </a:p>
-      </dgm:t>
-    </dgm:pt>
-    <dgm:pt modelId="{3B774017-ABAF-4D74-88BB-B46E6056DF53}" type="pres">
-      <dgm:prSet presAssocID="{BB2210B6-4A12-4196-9BB3-B0D234F72687}" presName="hierRoot2" presStyleCnt="0">
+    <dgm:pt modelId="{F9407FD9-796C-4F14-A944-BF95CAA34F7B}" type="pres">
+      <dgm:prSet presAssocID="{6939A553-4A8E-48C7-BBD6-821238BF6B74}" presName="parentText" presStyleLbl="node1" presStyleIdx="1" presStyleCnt="4">
         <dgm:presLayoutVars>
-          <dgm:hierBranch val="init"/>
-        </dgm:presLayoutVars>
-      </dgm:prSet>
-      <dgm:spPr/>
-    </dgm:pt>
-    <dgm:pt modelId="{0E771658-55ED-437B-8ECC-971F84660F95}" type="pres">
-      <dgm:prSet presAssocID="{BB2210B6-4A12-4196-9BB3-B0D234F72687}" presName="rootComposite" presStyleCnt="0"/>
-      <dgm:spPr/>
-    </dgm:pt>
-    <dgm:pt modelId="{4F3830C7-C381-4374-B0F3-3CC142E4EB6B}" type="pres">
-      <dgm:prSet presAssocID="{BB2210B6-4A12-4196-9BB3-B0D234F72687}" presName="rootText" presStyleLbl="node1" presStyleIdx="1" presStyleCnt="3">
-        <dgm:presLayoutVars>
-          <dgm:chMax/>
-          <dgm:chPref val="3"/>
+          <dgm:chMax val="1"/>
+          <dgm:bulletEnabled val="1"/>
         </dgm:presLayoutVars>
       </dgm:prSet>
       <dgm:spPr/>
@@ -2724,11 +3024,10 @@
         </a:p>
       </dgm:t>
     </dgm:pt>
-    <dgm:pt modelId="{B0446AAF-4397-4B5B-9A42-9AB3D8C6BC80}" type="pres">
-      <dgm:prSet presAssocID="{BB2210B6-4A12-4196-9BB3-B0D234F72687}" presName="titleText2" presStyleLbl="fgAcc1" presStyleIdx="1" presStyleCnt="3">
+    <dgm:pt modelId="{B7A79A14-E83B-4602-A7AB-05CB35248E2A}" type="pres">
+      <dgm:prSet presAssocID="{6939A553-4A8E-48C7-BBD6-821238BF6B74}" presName="descendantText" presStyleLbl="alignAccFollowNode1" presStyleIdx="2" presStyleCnt="5">
         <dgm:presLayoutVars>
-          <dgm:chMax val="0"/>
-          <dgm:chPref val="0"/>
+          <dgm:bulletEnabled val="1"/>
         </dgm:presLayoutVars>
       </dgm:prSet>
       <dgm:spPr/>
@@ -2740,53 +3039,19 @@
         </a:p>
       </dgm:t>
     </dgm:pt>
-    <dgm:pt modelId="{32345C22-826C-442A-A0F1-12E8D2E92B92}" type="pres">
-      <dgm:prSet presAssocID="{BB2210B6-4A12-4196-9BB3-B0D234F72687}" presName="rootConnector" presStyleLbl="node2" presStyleIdx="0" presStyleCnt="0"/>
-      <dgm:spPr/>
-      <dgm:t>
-        <a:bodyPr/>
-        <a:lstStyle/>
-        <a:p>
-          <a:endParaRPr lang="en-ZA"/>
-        </a:p>
-      </dgm:t>
-    </dgm:pt>
-    <dgm:pt modelId="{D567614E-3A72-4C44-8878-4C60A1559ECA}" type="pres">
-      <dgm:prSet presAssocID="{BB2210B6-4A12-4196-9BB3-B0D234F72687}" presName="hierChild4" presStyleCnt="0"/>
+    <dgm:pt modelId="{03EDBDD0-735A-42FC-B64B-477FEB465389}" type="pres">
+      <dgm:prSet presAssocID="{171AF5E4-2D7E-4D40-89AC-CE9D5C96181C}" presName="sp" presStyleCnt="0"/>
       <dgm:spPr/>
     </dgm:pt>
-    <dgm:pt modelId="{C5683B14-4C74-42AB-A460-8B0F1941548F}" type="pres">
-      <dgm:prSet presAssocID="{BB2210B6-4A12-4196-9BB3-B0D234F72687}" presName="hierChild5" presStyleCnt="0"/>
+    <dgm:pt modelId="{7CB5F1A4-0885-46F5-B0CC-31BCB6EFEADF}" type="pres">
+      <dgm:prSet presAssocID="{B22C12D7-6598-42EB-AEDB-955ECCE3ED37}" presName="linNode" presStyleCnt="0"/>
       <dgm:spPr/>
     </dgm:pt>
-    <dgm:pt modelId="{EC96A2C4-0170-4A5B-A227-8F32ADC6B7B8}" type="pres">
-      <dgm:prSet presAssocID="{50715FB6-DB3B-4B97-B75F-E53C65045D94}" presName="Name37" presStyleLbl="parChTrans1D2" presStyleIdx="2" presStyleCnt="4"/>
-      <dgm:spPr/>
-      <dgm:t>
-        <a:bodyPr/>
-        <a:lstStyle/>
-        <a:p>
-          <a:endParaRPr lang="en-ZA"/>
-        </a:p>
-      </dgm:t>
-    </dgm:pt>
-    <dgm:pt modelId="{68CB03ED-0058-4EAD-99B9-1C6FC77B44CA}" type="pres">
-      <dgm:prSet presAssocID="{B22C12D7-6598-42EB-AEDB-955ECCE3ED37}" presName="hierRoot2" presStyleCnt="0">
+    <dgm:pt modelId="{65910030-1EB9-4D53-8463-A5F680A8CA41}" type="pres">
+      <dgm:prSet presAssocID="{B22C12D7-6598-42EB-AEDB-955ECCE3ED37}" presName="parentText" presStyleLbl="node1" presStyleIdx="2" presStyleCnt="4">
         <dgm:presLayoutVars>
-          <dgm:hierBranch val="init"/>
-        </dgm:presLayoutVars>
-      </dgm:prSet>
-      <dgm:spPr/>
-    </dgm:pt>
-    <dgm:pt modelId="{23A3FB6B-EC8B-4A2A-B29B-D4FE9392ACFB}" type="pres">
-      <dgm:prSet presAssocID="{B22C12D7-6598-42EB-AEDB-955ECCE3ED37}" presName="rootComposite" presStyleCnt="0"/>
-      <dgm:spPr/>
-    </dgm:pt>
-    <dgm:pt modelId="{FCE058DD-35EE-4EE0-BA41-C9AB764403D1}" type="pres">
-      <dgm:prSet presAssocID="{B22C12D7-6598-42EB-AEDB-955ECCE3ED37}" presName="rootText" presStyleLbl="node1" presStyleIdx="2" presStyleCnt="3">
-        <dgm:presLayoutVars>
-          <dgm:chMax/>
-          <dgm:chPref val="3"/>
+          <dgm:chMax val="1"/>
+          <dgm:bulletEnabled val="1"/>
         </dgm:presLayoutVars>
       </dgm:prSet>
       <dgm:spPr/>
@@ -2798,11 +3063,10 @@
         </a:p>
       </dgm:t>
     </dgm:pt>
-    <dgm:pt modelId="{237B9A08-BF89-41B7-ACEB-2D78511B17D5}" type="pres">
-      <dgm:prSet presAssocID="{B22C12D7-6598-42EB-AEDB-955ECCE3ED37}" presName="titleText2" presStyleLbl="fgAcc1" presStyleIdx="2" presStyleCnt="3">
+    <dgm:pt modelId="{D39486CA-2C85-4BFC-B0A0-95EC326746C6}" type="pres">
+      <dgm:prSet presAssocID="{B22C12D7-6598-42EB-AEDB-955ECCE3ED37}" presName="descendantText" presStyleLbl="alignAccFollowNode1" presStyleIdx="3" presStyleCnt="5">
         <dgm:presLayoutVars>
-          <dgm:chMax val="0"/>
-          <dgm:chPref val="0"/>
+          <dgm:bulletEnabled val="1"/>
         </dgm:presLayoutVars>
       </dgm:prSet>
       <dgm:spPr/>
@@ -2814,56 +3078,19 @@
         </a:p>
       </dgm:t>
     </dgm:pt>
-    <dgm:pt modelId="{BDEAAC97-1D12-4405-AAAD-22B455FBC5CA}" type="pres">
-      <dgm:prSet presAssocID="{B22C12D7-6598-42EB-AEDB-955ECCE3ED37}" presName="rootConnector" presStyleLbl="node2" presStyleIdx="0" presStyleCnt="0"/>
-      <dgm:spPr/>
-      <dgm:t>
-        <a:bodyPr/>
-        <a:lstStyle/>
-        <a:p>
-          <a:endParaRPr lang="en-ZA"/>
-        </a:p>
-      </dgm:t>
-    </dgm:pt>
-    <dgm:pt modelId="{909EAE4A-AB8B-45A6-A190-B7705A19F56E}" type="pres">
-      <dgm:prSet presAssocID="{B22C12D7-6598-42EB-AEDB-955ECCE3ED37}" presName="hierChild4" presStyleCnt="0"/>
+    <dgm:pt modelId="{57EF6EAE-3141-4625-9781-DD20B6348971}" type="pres">
+      <dgm:prSet presAssocID="{004B4015-B64C-4630-9231-744E708F21DB}" presName="sp" presStyleCnt="0"/>
       <dgm:spPr/>
     </dgm:pt>
-    <dgm:pt modelId="{50737036-B85D-4B85-AC76-7D13A21701C9}" type="pres">
-      <dgm:prSet presAssocID="{B22C12D7-6598-42EB-AEDB-955ECCE3ED37}" presName="hierChild5" presStyleCnt="0"/>
+    <dgm:pt modelId="{CE4D619C-E51A-46A0-A077-A8B0B6E36594}" type="pres">
+      <dgm:prSet presAssocID="{87F0A62A-18B0-4F16-B60B-5918AD43389C}" presName="linNode" presStyleCnt="0"/>
       <dgm:spPr/>
     </dgm:pt>
-    <dgm:pt modelId="{E3241234-8924-410B-B59F-84E5EA046C66}" type="pres">
-      <dgm:prSet presAssocID="{AA7C50F5-80C3-4B6B-A3E0-9037872983D4}" presName="hierChild3" presStyleCnt="0"/>
-      <dgm:spPr/>
-    </dgm:pt>
-    <dgm:pt modelId="{6C360D5A-E71F-4124-A8B2-EF079D09AA2F}" type="pres">
-      <dgm:prSet presAssocID="{A8FB39C9-04BB-4308-84E8-73812A193080}" presName="Name96" presStyleLbl="parChTrans1D2" presStyleIdx="3" presStyleCnt="4"/>
-      <dgm:spPr/>
-      <dgm:t>
-        <a:bodyPr/>
-        <a:lstStyle/>
-        <a:p>
-          <a:endParaRPr lang="en-ZA"/>
-        </a:p>
-      </dgm:t>
-    </dgm:pt>
-    <dgm:pt modelId="{1970B5C8-2C06-4C0B-9E53-4C1D035384E0}" type="pres">
-      <dgm:prSet presAssocID="{BD76B61F-1188-40BA-8280-5ADAC3B823E0}" presName="hierRoot3" presStyleCnt="0">
+    <dgm:pt modelId="{9AA63C3A-4DE2-47F5-ADA6-B3F4914E2864}" type="pres">
+      <dgm:prSet presAssocID="{87F0A62A-18B0-4F16-B60B-5918AD43389C}" presName="parentText" presStyleLbl="node1" presStyleIdx="3" presStyleCnt="4">
         <dgm:presLayoutVars>
-          <dgm:hierBranch val="init"/>
-        </dgm:presLayoutVars>
-      </dgm:prSet>
-      <dgm:spPr/>
-    </dgm:pt>
-    <dgm:pt modelId="{EB840E71-1024-4C42-A54A-8A70D344FAB6}" type="pres">
-      <dgm:prSet presAssocID="{BD76B61F-1188-40BA-8280-5ADAC3B823E0}" presName="rootComposite3" presStyleCnt="0"/>
-      <dgm:spPr/>
-    </dgm:pt>
-    <dgm:pt modelId="{72268CF5-8E8D-4EF7-9D5C-8B8C69E36D74}" type="pres">
-      <dgm:prSet presAssocID="{BD76B61F-1188-40BA-8280-5ADAC3B823E0}" presName="rootText3" presStyleLbl="asst1" presStyleIdx="0" presStyleCnt="1">
-        <dgm:presLayoutVars>
-          <dgm:chPref val="3"/>
+          <dgm:chMax val="1"/>
+          <dgm:bulletEnabled val="1"/>
         </dgm:presLayoutVars>
       </dgm:prSet>
       <dgm:spPr/>
@@ -2875,11 +3102,10 @@
         </a:p>
       </dgm:t>
     </dgm:pt>
-    <dgm:pt modelId="{6ADBF787-A318-47AB-A97F-93EF566C9E82}" type="pres">
-      <dgm:prSet presAssocID="{BD76B61F-1188-40BA-8280-5ADAC3B823E0}" presName="titleText3" presStyleLbl="fgAcc2" presStyleIdx="0" presStyleCnt="1">
+    <dgm:pt modelId="{CE826B59-B46F-4631-BFA5-1EF688F29B10}" type="pres">
+      <dgm:prSet presAssocID="{87F0A62A-18B0-4F16-B60B-5918AD43389C}" presName="descendantText" presStyleLbl="alignAccFollowNode1" presStyleIdx="4" presStyleCnt="5">
         <dgm:presLayoutVars>
-          <dgm:chMax val="0"/>
-          <dgm:chPref val="0"/>
+          <dgm:bulletEnabled val="1"/>
         </dgm:presLayoutVars>
       </dgm:prSet>
       <dgm:spPr/>
@@ -2891,91 +3117,58 @@
         </a:p>
       </dgm:t>
     </dgm:pt>
-    <dgm:pt modelId="{56BCEB52-7910-4DA2-B3EE-12EF80F8C382}" type="pres">
-      <dgm:prSet presAssocID="{BD76B61F-1188-40BA-8280-5ADAC3B823E0}" presName="rootConnector3" presStyleLbl="asst1" presStyleIdx="0" presStyleCnt="1"/>
-      <dgm:spPr/>
-      <dgm:t>
-        <a:bodyPr/>
-        <a:lstStyle/>
-        <a:p>
-          <a:endParaRPr lang="en-ZA"/>
-        </a:p>
-      </dgm:t>
-    </dgm:pt>
-    <dgm:pt modelId="{D1C950E6-5013-4818-8281-79399BBE5C7B}" type="pres">
-      <dgm:prSet presAssocID="{BD76B61F-1188-40BA-8280-5ADAC3B823E0}" presName="hierChild6" presStyleCnt="0"/>
-      <dgm:spPr/>
-    </dgm:pt>
-    <dgm:pt modelId="{940FDD83-4A26-47BA-937A-37F82A1D3882}" type="pres">
-      <dgm:prSet presAssocID="{BD76B61F-1188-40BA-8280-5ADAC3B823E0}" presName="hierChild7" presStyleCnt="0"/>
-      <dgm:spPr/>
-    </dgm:pt>
   </dgm:ptLst>
   <dgm:cxnLst>
-    <dgm:cxn modelId="{073FC946-5F4E-400D-8E46-33CF159B0A0A}" type="presOf" srcId="{6939A553-4A8E-48C7-BBD6-821238BF6B74}" destId="{4542B687-9721-488A-827A-03F61031AA81}" srcOrd="1" destOrd="0" presId="urn:microsoft.com/office/officeart/2008/layout/NameandTitleOrganizationalChart"/>
-    <dgm:cxn modelId="{30ED0BC8-8725-498B-BE8F-283673295469}" type="presOf" srcId="{BB2210B6-4A12-4196-9BB3-B0D234F72687}" destId="{32345C22-826C-442A-A0F1-12E8D2E92B92}" srcOrd="1" destOrd="0" presId="urn:microsoft.com/office/officeart/2008/layout/NameandTitleOrganizationalChart"/>
-    <dgm:cxn modelId="{F14C6B0E-1744-4295-B2AB-97D66ED47348}" type="presOf" srcId="{A8FB39C9-04BB-4308-84E8-73812A193080}" destId="{6C360D5A-E71F-4124-A8B2-EF079D09AA2F}" srcOrd="0" destOrd="0" presId="urn:microsoft.com/office/officeart/2008/layout/NameandTitleOrganizationalChart"/>
-    <dgm:cxn modelId="{69F70141-DE85-4EB9-90F3-9167F62D11AE}" srcId="{AA7C50F5-80C3-4B6B-A3E0-9037872983D4}" destId="{BD76B61F-1188-40BA-8280-5ADAC3B823E0}" srcOrd="0" destOrd="0" parTransId="{A8FB39C9-04BB-4308-84E8-73812A193080}" sibTransId="{B9DE29F1-581E-48BF-9A79-3A8AC43E0BD8}"/>
-    <dgm:cxn modelId="{A55ED790-5B7A-4702-BB53-B09A1956877C}" type="presOf" srcId="{B22C12D7-6598-42EB-AEDB-955ECCE3ED37}" destId="{BDEAAC97-1D12-4405-AAAD-22B455FBC5CA}" srcOrd="1" destOrd="0" presId="urn:microsoft.com/office/officeart/2008/layout/NameandTitleOrganizationalChart"/>
-    <dgm:cxn modelId="{46B12063-87CA-4F03-AA05-60A46BDC4249}" type="presOf" srcId="{AA7C50F5-80C3-4B6B-A3E0-9037872983D4}" destId="{83B6F7C0-29DA-4FBC-842A-1DA278EE8BA2}" srcOrd="0" destOrd="0" presId="urn:microsoft.com/office/officeart/2008/layout/NameandTitleOrganizationalChart"/>
-    <dgm:cxn modelId="{49AFC7E2-5E27-4656-8358-87E51C22DCDC}" type="presOf" srcId="{2D4BCB54-577F-4B30-84AC-A41048A2CDE0}" destId="{B0446AAF-4397-4B5B-9A42-9AB3D8C6BC80}" srcOrd="0" destOrd="0" presId="urn:microsoft.com/office/officeart/2008/layout/NameandTitleOrganizationalChart"/>
-    <dgm:cxn modelId="{C1D1BD7D-6796-42B5-B99F-D07FD6BCB923}" type="presOf" srcId="{AA7C50F5-80C3-4B6B-A3E0-9037872983D4}" destId="{3526CAC1-AE98-4E0F-9493-DFEED52EC86B}" srcOrd="1" destOrd="0" presId="urn:microsoft.com/office/officeart/2008/layout/NameandTitleOrganizationalChart"/>
-    <dgm:cxn modelId="{B30FFCA0-5EB5-48EF-A018-A752FA2D64FF}" type="presOf" srcId="{171AF5E4-2D7E-4D40-89AC-CE9D5C96181C}" destId="{345618B9-C000-40B3-B6AD-642C37D8559B}" srcOrd="0" destOrd="0" presId="urn:microsoft.com/office/officeart/2008/layout/NameandTitleOrganizationalChart"/>
-    <dgm:cxn modelId="{529CE926-80D2-4D7B-B43B-5C837BAD46AF}" srcId="{AA7C50F5-80C3-4B6B-A3E0-9037872983D4}" destId="{B22C12D7-6598-42EB-AEDB-955ECCE3ED37}" srcOrd="3" destOrd="0" parTransId="{50715FB6-DB3B-4B97-B75F-E53C65045D94}" sibTransId="{004B4015-B64C-4630-9231-744E708F21DB}"/>
+    <dgm:cxn modelId="{D10C7C96-FFAB-4C0D-A444-A740B04054EF}" type="presOf" srcId="{AA7C50F5-80C3-4B6B-A3E0-9037872983D4}" destId="{C0C08FCA-06B8-4086-AD2E-DD8AE069A46F}" srcOrd="0" destOrd="0" presId="urn:microsoft.com/office/officeart/2005/8/layout/vList5"/>
+    <dgm:cxn modelId="{529CE926-80D2-4D7B-B43B-5C837BAD46AF}" srcId="{232E5DB7-D505-4717-9153-937808215D97}" destId="{B22C12D7-6598-42EB-AEDB-955ECCE3ED37}" srcOrd="3" destOrd="0" parTransId="{50715FB6-DB3B-4B97-B75F-E53C65045D94}" sibTransId="{004B4015-B64C-4630-9231-744E708F21DB}"/>
+    <dgm:cxn modelId="{CA66F524-7758-4F17-9EE3-9759611891B3}" type="presOf" srcId="{87F0A62A-18B0-4F16-B60B-5918AD43389C}" destId="{9AA63C3A-4DE2-47F5-ADA6-B3F4914E2864}" srcOrd="0" destOrd="0" presId="urn:microsoft.com/office/officeart/2005/8/layout/vList5"/>
+    <dgm:cxn modelId="{AE2AAB98-A669-4EBE-B9DE-F839979F465D}" srcId="{232E5DB7-D505-4717-9153-937808215D97}" destId="{87F0A62A-18B0-4F16-B60B-5918AD43389C}" srcOrd="4" destOrd="0" parTransId="{6B0945F7-BC5A-42C4-8BF8-9BC1EEE07B2A}" sibTransId="{FA2EA263-216C-4F95-9656-7751D944F445}"/>
     <dgm:cxn modelId="{169E0D9C-CD96-466F-9D78-D1C60E42CBD0}" srcId="{232E5DB7-D505-4717-9153-937808215D97}" destId="{AA7C50F5-80C3-4B6B-A3E0-9037872983D4}" srcOrd="0" destOrd="0" parTransId="{B9AF1C81-ABE5-4FCD-9736-278D32AC3013}" sibTransId="{60296B72-10B1-459F-A0C8-BEB109F4BB3C}"/>
-    <dgm:cxn modelId="{6E666EA5-0F84-4A35-97C1-54E1A0260367}" type="presOf" srcId="{161A5568-1D4B-4116-B8CB-D6CE06203E9E}" destId="{A0A20830-A5CB-419C-A9A6-AB4D90BFF247}" srcOrd="0" destOrd="0" presId="urn:microsoft.com/office/officeart/2008/layout/NameandTitleOrganizationalChart"/>
-    <dgm:cxn modelId="{CB238E22-C5EA-4352-B864-341704D7E617}" type="presOf" srcId="{B22C12D7-6598-42EB-AEDB-955ECCE3ED37}" destId="{FCE058DD-35EE-4EE0-BA41-C9AB764403D1}" srcOrd="0" destOrd="0" presId="urn:microsoft.com/office/officeart/2008/layout/NameandTitleOrganizationalChart"/>
-    <dgm:cxn modelId="{5C758E0D-7F90-4D8A-AADB-1DB53900FFB2}" type="presOf" srcId="{BD76B61F-1188-40BA-8280-5ADAC3B823E0}" destId="{72268CF5-8E8D-4EF7-9D5C-8B8C69E36D74}" srcOrd="0" destOrd="0" presId="urn:microsoft.com/office/officeart/2008/layout/NameandTitleOrganizationalChart"/>
-    <dgm:cxn modelId="{FBEC628B-E9EA-48F4-B9FB-C2B19F31ADA4}" type="presOf" srcId="{B9DE29F1-581E-48BF-9A79-3A8AC43E0BD8}" destId="{6ADBF787-A318-47AB-A97F-93EF566C9E82}" srcOrd="0" destOrd="0" presId="urn:microsoft.com/office/officeart/2008/layout/NameandTitleOrganizationalChart"/>
-    <dgm:cxn modelId="{05710FC2-80F3-47C8-B307-C8F09C6E8A5A}" type="presOf" srcId="{50715FB6-DB3B-4B97-B75F-E53C65045D94}" destId="{EC96A2C4-0170-4A5B-A227-8F32ADC6B7B8}" srcOrd="0" destOrd="0" presId="urn:microsoft.com/office/officeart/2008/layout/NameandTitleOrganizationalChart"/>
-    <dgm:cxn modelId="{FCC303E4-5592-4BBF-AD89-0396F84661AF}" type="presOf" srcId="{6939A553-4A8E-48C7-BBD6-821238BF6B74}" destId="{EA12A656-B41D-467F-B776-DADD9A9604D1}" srcOrd="0" destOrd="0" presId="urn:microsoft.com/office/officeart/2008/layout/NameandTitleOrganizationalChart"/>
-    <dgm:cxn modelId="{71AC6F08-F019-498C-A53E-1531CDE3B301}" type="presOf" srcId="{232E5DB7-D505-4717-9153-937808215D97}" destId="{773E46B7-A6B6-40C3-AFAB-80DCD76C5E68}" srcOrd="0" destOrd="0" presId="urn:microsoft.com/office/officeart/2008/layout/NameandTitleOrganizationalChart"/>
-    <dgm:cxn modelId="{84DA3E11-4BA0-4C0C-A313-F0ABA0817DB9}" type="presOf" srcId="{BD76B61F-1188-40BA-8280-5ADAC3B823E0}" destId="{56BCEB52-7910-4DA2-B3EE-12EF80F8C382}" srcOrd="1" destOrd="0" presId="urn:microsoft.com/office/officeart/2008/layout/NameandTitleOrganizationalChart"/>
-    <dgm:cxn modelId="{0A7BB9F2-7166-4553-8EB5-F3312736A2DE}" srcId="{AA7C50F5-80C3-4B6B-A3E0-9037872983D4}" destId="{BB2210B6-4A12-4196-9BB3-B0D234F72687}" srcOrd="2" destOrd="0" parTransId="{8027ABA6-1D74-4CF3-95B2-2AD303F67272}" sibTransId="{2D4BCB54-577F-4B30-84AC-A41048A2CDE0}"/>
-    <dgm:cxn modelId="{79ACF0ED-332C-4177-8A1E-0906897B74BD}" type="presOf" srcId="{BB2210B6-4A12-4196-9BB3-B0D234F72687}" destId="{4F3830C7-C381-4374-B0F3-3CC142E4EB6B}" srcOrd="0" destOrd="0" presId="urn:microsoft.com/office/officeart/2008/layout/NameandTitleOrganizationalChart"/>
-    <dgm:cxn modelId="{36CACBBA-6523-4919-B56A-79785658EF95}" type="presOf" srcId="{004B4015-B64C-4630-9231-744E708F21DB}" destId="{237B9A08-BF89-41B7-ACEB-2D78511B17D5}" srcOrd="0" destOrd="0" presId="urn:microsoft.com/office/officeart/2008/layout/NameandTitleOrganizationalChart"/>
-    <dgm:cxn modelId="{5A44951D-5D60-4EA1-B548-D920FFF8E1FF}" type="presOf" srcId="{8027ABA6-1D74-4CF3-95B2-2AD303F67272}" destId="{C828418F-E1A8-442E-9A95-664455048653}" srcOrd="0" destOrd="0" presId="urn:microsoft.com/office/officeart/2008/layout/NameandTitleOrganizationalChart"/>
-    <dgm:cxn modelId="{DABE777D-9966-4C10-AFCD-A4BAFD439A62}" srcId="{AA7C50F5-80C3-4B6B-A3E0-9037872983D4}" destId="{6939A553-4A8E-48C7-BBD6-821238BF6B74}" srcOrd="1" destOrd="0" parTransId="{161A5568-1D4B-4116-B8CB-D6CE06203E9E}" sibTransId="{171AF5E4-2D7E-4D40-89AC-CE9D5C96181C}"/>
-    <dgm:cxn modelId="{3BA6D7B1-E862-4874-9F70-9482046840E8}" type="presOf" srcId="{60296B72-10B1-459F-A0C8-BEB109F4BB3C}" destId="{269BA9FA-5FAE-4A45-9B7E-FB481D3351C4}" srcOrd="0" destOrd="0" presId="urn:microsoft.com/office/officeart/2008/layout/NameandTitleOrganizationalChart"/>
-    <dgm:cxn modelId="{4D8133CA-4854-495F-B176-9AD2887694C9}" type="presParOf" srcId="{773E46B7-A6B6-40C3-AFAB-80DCD76C5E68}" destId="{F966B11B-6001-44A7-B167-58B437A9680F}" srcOrd="0" destOrd="0" presId="urn:microsoft.com/office/officeart/2008/layout/NameandTitleOrganizationalChart"/>
-    <dgm:cxn modelId="{8795863E-6325-46B1-9B93-613C8B06EBEF}" type="presParOf" srcId="{F966B11B-6001-44A7-B167-58B437A9680F}" destId="{CE9FEDB5-8A44-4AD3-A69D-FC1D8923D716}" srcOrd="0" destOrd="0" presId="urn:microsoft.com/office/officeart/2008/layout/NameandTitleOrganizationalChart"/>
-    <dgm:cxn modelId="{E17DBDE8-EE3A-4A81-81EF-87E490BCE277}" type="presParOf" srcId="{CE9FEDB5-8A44-4AD3-A69D-FC1D8923D716}" destId="{83B6F7C0-29DA-4FBC-842A-1DA278EE8BA2}" srcOrd="0" destOrd="0" presId="urn:microsoft.com/office/officeart/2008/layout/NameandTitleOrganizationalChart"/>
-    <dgm:cxn modelId="{46C39BE7-450D-4F11-909C-24222C3AB524}" type="presParOf" srcId="{CE9FEDB5-8A44-4AD3-A69D-FC1D8923D716}" destId="{269BA9FA-5FAE-4A45-9B7E-FB481D3351C4}" srcOrd="1" destOrd="0" presId="urn:microsoft.com/office/officeart/2008/layout/NameandTitleOrganizationalChart"/>
-    <dgm:cxn modelId="{738379BE-187E-4779-85C5-F9B0AD6C0A83}" type="presParOf" srcId="{CE9FEDB5-8A44-4AD3-A69D-FC1D8923D716}" destId="{3526CAC1-AE98-4E0F-9493-DFEED52EC86B}" srcOrd="2" destOrd="0" presId="urn:microsoft.com/office/officeart/2008/layout/NameandTitleOrganizationalChart"/>
-    <dgm:cxn modelId="{8A348783-B3A1-446F-9B85-E6F9357CB714}" type="presParOf" srcId="{F966B11B-6001-44A7-B167-58B437A9680F}" destId="{21BB1A3A-5D3E-48F5-99C0-5D06C421509F}" srcOrd="1" destOrd="0" presId="urn:microsoft.com/office/officeart/2008/layout/NameandTitleOrganizationalChart"/>
-    <dgm:cxn modelId="{2F7ACCDD-C535-4DD3-89AC-27DDE07C6405}" type="presParOf" srcId="{21BB1A3A-5D3E-48F5-99C0-5D06C421509F}" destId="{A0A20830-A5CB-419C-A9A6-AB4D90BFF247}" srcOrd="0" destOrd="0" presId="urn:microsoft.com/office/officeart/2008/layout/NameandTitleOrganizationalChart"/>
-    <dgm:cxn modelId="{1CC4EDD1-6A49-4450-A2A1-32E83626D7D8}" type="presParOf" srcId="{21BB1A3A-5D3E-48F5-99C0-5D06C421509F}" destId="{1008A2BA-27CE-4E15-B933-D3E5D5DA67A3}" srcOrd="1" destOrd="0" presId="urn:microsoft.com/office/officeart/2008/layout/NameandTitleOrganizationalChart"/>
-    <dgm:cxn modelId="{0E2F9CFA-214C-4EE0-8D24-84ABF21A804F}" type="presParOf" srcId="{1008A2BA-27CE-4E15-B933-D3E5D5DA67A3}" destId="{044A3EA5-4F67-4436-89B4-59B244EE4A3B}" srcOrd="0" destOrd="0" presId="urn:microsoft.com/office/officeart/2008/layout/NameandTitleOrganizationalChart"/>
-    <dgm:cxn modelId="{22FB0FCD-3639-48CC-B16E-375DBE8DF954}" type="presParOf" srcId="{044A3EA5-4F67-4436-89B4-59B244EE4A3B}" destId="{EA12A656-B41D-467F-B776-DADD9A9604D1}" srcOrd="0" destOrd="0" presId="urn:microsoft.com/office/officeart/2008/layout/NameandTitleOrganizationalChart"/>
-    <dgm:cxn modelId="{142F9224-36E8-443B-9857-02571B64377D}" type="presParOf" srcId="{044A3EA5-4F67-4436-89B4-59B244EE4A3B}" destId="{345618B9-C000-40B3-B6AD-642C37D8559B}" srcOrd="1" destOrd="0" presId="urn:microsoft.com/office/officeart/2008/layout/NameandTitleOrganizationalChart"/>
-    <dgm:cxn modelId="{E27EDF7B-6C32-4FB4-A084-AD5234096047}" type="presParOf" srcId="{044A3EA5-4F67-4436-89B4-59B244EE4A3B}" destId="{4542B687-9721-488A-827A-03F61031AA81}" srcOrd="2" destOrd="0" presId="urn:microsoft.com/office/officeart/2008/layout/NameandTitleOrganizationalChart"/>
-    <dgm:cxn modelId="{89C73E82-AFE5-4AC8-A441-1A0B8FB4AF18}" type="presParOf" srcId="{1008A2BA-27CE-4E15-B933-D3E5D5DA67A3}" destId="{DDB18748-7A70-442F-8A47-F69D87FAD6D0}" srcOrd="1" destOrd="0" presId="urn:microsoft.com/office/officeart/2008/layout/NameandTitleOrganizationalChart"/>
-    <dgm:cxn modelId="{EA6A942E-8C76-4E50-9513-22886A81002A}" type="presParOf" srcId="{1008A2BA-27CE-4E15-B933-D3E5D5DA67A3}" destId="{F436A10C-287B-4A76-8603-5EBCA59E4431}" srcOrd="2" destOrd="0" presId="urn:microsoft.com/office/officeart/2008/layout/NameandTitleOrganizationalChart"/>
-    <dgm:cxn modelId="{AAAC0E41-5501-43F4-81F5-4100546FA998}" type="presParOf" srcId="{21BB1A3A-5D3E-48F5-99C0-5D06C421509F}" destId="{C828418F-E1A8-442E-9A95-664455048653}" srcOrd="2" destOrd="0" presId="urn:microsoft.com/office/officeart/2008/layout/NameandTitleOrganizationalChart"/>
-    <dgm:cxn modelId="{F0C37A19-ECF9-46BE-B696-0A5FD297B6E0}" type="presParOf" srcId="{21BB1A3A-5D3E-48F5-99C0-5D06C421509F}" destId="{3B774017-ABAF-4D74-88BB-B46E6056DF53}" srcOrd="3" destOrd="0" presId="urn:microsoft.com/office/officeart/2008/layout/NameandTitleOrganizationalChart"/>
-    <dgm:cxn modelId="{63E43DBF-8423-4D03-B694-7DD36FF2C1D1}" type="presParOf" srcId="{3B774017-ABAF-4D74-88BB-B46E6056DF53}" destId="{0E771658-55ED-437B-8ECC-971F84660F95}" srcOrd="0" destOrd="0" presId="urn:microsoft.com/office/officeart/2008/layout/NameandTitleOrganizationalChart"/>
-    <dgm:cxn modelId="{9D681504-3BB4-45D2-A7FC-1C627FCC5275}" type="presParOf" srcId="{0E771658-55ED-437B-8ECC-971F84660F95}" destId="{4F3830C7-C381-4374-B0F3-3CC142E4EB6B}" srcOrd="0" destOrd="0" presId="urn:microsoft.com/office/officeart/2008/layout/NameandTitleOrganizationalChart"/>
-    <dgm:cxn modelId="{5FBA6C64-82B5-4BA7-9DE1-6FD0DA45ADE8}" type="presParOf" srcId="{0E771658-55ED-437B-8ECC-971F84660F95}" destId="{B0446AAF-4397-4B5B-9A42-9AB3D8C6BC80}" srcOrd="1" destOrd="0" presId="urn:microsoft.com/office/officeart/2008/layout/NameandTitleOrganizationalChart"/>
-    <dgm:cxn modelId="{3DC18E00-CD48-46C6-9D98-A53CDA3407BF}" type="presParOf" srcId="{0E771658-55ED-437B-8ECC-971F84660F95}" destId="{32345C22-826C-442A-A0F1-12E8D2E92B92}" srcOrd="2" destOrd="0" presId="urn:microsoft.com/office/officeart/2008/layout/NameandTitleOrganizationalChart"/>
-    <dgm:cxn modelId="{1CE68E0E-AC68-49DC-B2C8-7ABD559A65B6}" type="presParOf" srcId="{3B774017-ABAF-4D74-88BB-B46E6056DF53}" destId="{D567614E-3A72-4C44-8878-4C60A1559ECA}" srcOrd="1" destOrd="0" presId="urn:microsoft.com/office/officeart/2008/layout/NameandTitleOrganizationalChart"/>
-    <dgm:cxn modelId="{90734453-9051-40F9-8D7B-DC1DC8E7917C}" type="presParOf" srcId="{3B774017-ABAF-4D74-88BB-B46E6056DF53}" destId="{C5683B14-4C74-42AB-A460-8B0F1941548F}" srcOrd="2" destOrd="0" presId="urn:microsoft.com/office/officeart/2008/layout/NameandTitleOrganizationalChart"/>
-    <dgm:cxn modelId="{35DA8C17-5819-40F1-B331-A2ACF8B0AD83}" type="presParOf" srcId="{21BB1A3A-5D3E-48F5-99C0-5D06C421509F}" destId="{EC96A2C4-0170-4A5B-A227-8F32ADC6B7B8}" srcOrd="4" destOrd="0" presId="urn:microsoft.com/office/officeart/2008/layout/NameandTitleOrganizationalChart"/>
-    <dgm:cxn modelId="{5E995042-EE01-4996-BF29-1D5469B79FA9}" type="presParOf" srcId="{21BB1A3A-5D3E-48F5-99C0-5D06C421509F}" destId="{68CB03ED-0058-4EAD-99B9-1C6FC77B44CA}" srcOrd="5" destOrd="0" presId="urn:microsoft.com/office/officeart/2008/layout/NameandTitleOrganizationalChart"/>
-    <dgm:cxn modelId="{A05A825A-C892-4B41-B28F-CFDCB1856B75}" type="presParOf" srcId="{68CB03ED-0058-4EAD-99B9-1C6FC77B44CA}" destId="{23A3FB6B-EC8B-4A2A-B29B-D4FE9392ACFB}" srcOrd="0" destOrd="0" presId="urn:microsoft.com/office/officeart/2008/layout/NameandTitleOrganizationalChart"/>
-    <dgm:cxn modelId="{43A51D92-DE3F-422C-8A71-F0531E9150C3}" type="presParOf" srcId="{23A3FB6B-EC8B-4A2A-B29B-D4FE9392ACFB}" destId="{FCE058DD-35EE-4EE0-BA41-C9AB764403D1}" srcOrd="0" destOrd="0" presId="urn:microsoft.com/office/officeart/2008/layout/NameandTitleOrganizationalChart"/>
-    <dgm:cxn modelId="{01C6103D-7960-435E-B130-69203B0EEB5E}" type="presParOf" srcId="{23A3FB6B-EC8B-4A2A-B29B-D4FE9392ACFB}" destId="{237B9A08-BF89-41B7-ACEB-2D78511B17D5}" srcOrd="1" destOrd="0" presId="urn:microsoft.com/office/officeart/2008/layout/NameandTitleOrganizationalChart"/>
-    <dgm:cxn modelId="{FB81F4B6-31DB-4302-8CC6-7F2F7DFFB955}" type="presParOf" srcId="{23A3FB6B-EC8B-4A2A-B29B-D4FE9392ACFB}" destId="{BDEAAC97-1D12-4405-AAAD-22B455FBC5CA}" srcOrd="2" destOrd="0" presId="urn:microsoft.com/office/officeart/2008/layout/NameandTitleOrganizationalChart"/>
-    <dgm:cxn modelId="{A7CF2836-79EC-4D00-B4BC-8F91E0EF82E9}" type="presParOf" srcId="{68CB03ED-0058-4EAD-99B9-1C6FC77B44CA}" destId="{909EAE4A-AB8B-45A6-A190-B7705A19F56E}" srcOrd="1" destOrd="0" presId="urn:microsoft.com/office/officeart/2008/layout/NameandTitleOrganizationalChart"/>
-    <dgm:cxn modelId="{3B043358-E6EE-43A3-ABAE-A708873E05B9}" type="presParOf" srcId="{68CB03ED-0058-4EAD-99B9-1C6FC77B44CA}" destId="{50737036-B85D-4B85-AC76-7D13A21701C9}" srcOrd="2" destOrd="0" presId="urn:microsoft.com/office/officeart/2008/layout/NameandTitleOrganizationalChart"/>
-    <dgm:cxn modelId="{76325585-17ED-4C1B-8C04-37F3BA7B736D}" type="presParOf" srcId="{F966B11B-6001-44A7-B167-58B437A9680F}" destId="{E3241234-8924-410B-B59F-84E5EA046C66}" srcOrd="2" destOrd="0" presId="urn:microsoft.com/office/officeart/2008/layout/NameandTitleOrganizationalChart"/>
-    <dgm:cxn modelId="{ACB16AB5-D69E-4A0A-B61E-5A2955FAFA11}" type="presParOf" srcId="{E3241234-8924-410B-B59F-84E5EA046C66}" destId="{6C360D5A-E71F-4124-A8B2-EF079D09AA2F}" srcOrd="0" destOrd="0" presId="urn:microsoft.com/office/officeart/2008/layout/NameandTitleOrganizationalChart"/>
-    <dgm:cxn modelId="{175233C8-8633-4F06-A1BB-912E8363B087}" type="presParOf" srcId="{E3241234-8924-410B-B59F-84E5EA046C66}" destId="{1970B5C8-2C06-4C0B-9E53-4C1D035384E0}" srcOrd="1" destOrd="0" presId="urn:microsoft.com/office/officeart/2008/layout/NameandTitleOrganizationalChart"/>
-    <dgm:cxn modelId="{F6A1D0C2-5CF0-4AF3-B64E-36FDB54CBFB0}" type="presParOf" srcId="{1970B5C8-2C06-4C0B-9E53-4C1D035384E0}" destId="{EB840E71-1024-4C42-A54A-8A70D344FAB6}" srcOrd="0" destOrd="0" presId="urn:microsoft.com/office/officeart/2008/layout/NameandTitleOrganizationalChart"/>
-    <dgm:cxn modelId="{ACB76B40-4D97-42E1-9DAC-40E3112B85FB}" type="presParOf" srcId="{EB840E71-1024-4C42-A54A-8A70D344FAB6}" destId="{72268CF5-8E8D-4EF7-9D5C-8B8C69E36D74}" srcOrd="0" destOrd="0" presId="urn:microsoft.com/office/officeart/2008/layout/NameandTitleOrganizationalChart"/>
-    <dgm:cxn modelId="{79B806E8-1645-4571-8B18-BE84937B6AE2}" type="presParOf" srcId="{EB840E71-1024-4C42-A54A-8A70D344FAB6}" destId="{6ADBF787-A318-47AB-A97F-93EF566C9E82}" srcOrd="1" destOrd="0" presId="urn:microsoft.com/office/officeart/2008/layout/NameandTitleOrganizationalChart"/>
-    <dgm:cxn modelId="{087E1EC1-7D1C-4803-B8D6-E5BC4230C306}" type="presParOf" srcId="{EB840E71-1024-4C42-A54A-8A70D344FAB6}" destId="{56BCEB52-7910-4DA2-B3EE-12EF80F8C382}" srcOrd="2" destOrd="0" presId="urn:microsoft.com/office/officeart/2008/layout/NameandTitleOrganizationalChart"/>
-    <dgm:cxn modelId="{401E82CE-08B5-4A3E-B8C0-F2BD09ED643B}" type="presParOf" srcId="{1970B5C8-2C06-4C0B-9E53-4C1D035384E0}" destId="{D1C950E6-5013-4818-8281-79399BBE5C7B}" srcOrd="1" destOrd="0" presId="urn:microsoft.com/office/officeart/2008/layout/NameandTitleOrganizationalChart"/>
-    <dgm:cxn modelId="{EEF7DCD1-D660-42D4-84E9-298D754C65DC}" type="presParOf" srcId="{1970B5C8-2C06-4C0B-9E53-4C1D035384E0}" destId="{940FDD83-4A26-47BA-937A-37F82A1D3882}" srcOrd="2" destOrd="0" presId="urn:microsoft.com/office/officeart/2008/layout/NameandTitleOrganizationalChart"/>
+    <dgm:cxn modelId="{53587B9A-010D-4D91-A3D9-C864F0C1D3A2}" type="presOf" srcId="{F9D61DB9-E353-4419-953C-736E9200F979}" destId="{B7A79A14-E83B-4602-A7AB-05CB35248E2A}" srcOrd="0" destOrd="1" presId="urn:microsoft.com/office/officeart/2005/8/layout/vList5"/>
+    <dgm:cxn modelId="{10B3E02E-358F-4223-9510-80BA72297C7B}" type="presOf" srcId="{749B406E-2EDC-4F7B-958A-0E9633C6D842}" destId="{D39486CA-2C85-4BFC-B0A0-95EC326746C6}" srcOrd="0" destOrd="1" presId="urn:microsoft.com/office/officeart/2005/8/layout/vList5"/>
+    <dgm:cxn modelId="{6D042667-3239-4687-9AEF-83125E63072B}" type="presOf" srcId="{C64CC183-9EA4-4CD8-86FD-9797D16FDB7F}" destId="{90575AF9-6771-42E7-8297-FFB5E33A0D3B}" srcOrd="0" destOrd="1" presId="urn:microsoft.com/office/officeart/2005/8/layout/vList5"/>
+    <dgm:cxn modelId="{BF62952C-BCA1-4A6E-935E-076377BA23D4}" srcId="{B22C12D7-6598-42EB-AEDB-955ECCE3ED37}" destId="{749B406E-2EDC-4F7B-958A-0E9633C6D842}" srcOrd="1" destOrd="0" parTransId="{B872E514-CE30-46F2-AB8D-33BCAA449FB6}" sibTransId="{090F1A99-1337-4B5D-9ECE-4469080F1537}"/>
+    <dgm:cxn modelId="{D8F4EC94-17E8-45C7-85AC-C048AE2D59F4}" srcId="{87F0A62A-18B0-4F16-B60B-5918AD43389C}" destId="{949E01F0-F38B-4A7A-8181-FFA92C487CBF}" srcOrd="1" destOrd="0" parTransId="{E5231ED9-28FB-481D-B519-DF56DE1060EB}" sibTransId="{274465B6-E61E-4C52-AF66-15EF0C29E8E1}"/>
+    <dgm:cxn modelId="{60C78A7F-DA57-42CB-9191-4A531B7CC7F9}" srcId="{B22C12D7-6598-42EB-AEDB-955ECCE3ED37}" destId="{FCFF1BE1-6626-4BE9-97BA-AE945C01598D}" srcOrd="0" destOrd="0" parTransId="{1AB50658-3FFE-470D-ADC6-38955EBFD2F1}" sibTransId="{58ED1B0F-53B7-40AD-BD4D-4FFDBBCB05A1}"/>
+    <dgm:cxn modelId="{2AE312C0-9EC4-4E4E-BE51-A30F10210F93}" srcId="{FDC53BE9-A705-4749-8252-AF3F62D3A6EC}" destId="{97E2A061-F932-4959-ABB6-A60FA11376F6}" srcOrd="0" destOrd="0" parTransId="{81589820-609F-41AB-A232-B3B0D28210CD}" sibTransId="{3E6D994E-3405-46D1-9077-13979B098AC1}"/>
+    <dgm:cxn modelId="{0A7BB9F2-7166-4553-8EB5-F3312736A2DE}" srcId="{6939A553-4A8E-48C7-BBD6-821238BF6B74}" destId="{BB2210B6-4A12-4196-9BB3-B0D234F72687}" srcOrd="0" destOrd="0" parTransId="{8027ABA6-1D74-4CF3-95B2-2AD303F67272}" sibTransId="{2D4BCB54-577F-4B30-84AC-A41048A2CDE0}"/>
+    <dgm:cxn modelId="{01A36629-DB0D-46E9-941E-BA8AA5474C28}" type="presOf" srcId="{232E5DB7-D505-4717-9153-937808215D97}" destId="{71CACC11-2EE5-442B-800A-B68D5E07D1B0}" srcOrd="0" destOrd="0" presId="urn:microsoft.com/office/officeart/2005/8/layout/vList5"/>
+    <dgm:cxn modelId="{3BA1885F-2152-4DC5-9368-008F1F19EE4B}" type="presOf" srcId="{FDC53BE9-A705-4749-8252-AF3F62D3A6EC}" destId="{49276122-CC35-4C58-ACFE-4421EDC3BB1C}" srcOrd="0" destOrd="0" presId="urn:microsoft.com/office/officeart/2005/8/layout/vList5"/>
+    <dgm:cxn modelId="{28DCB9E7-38B7-481F-877E-1BF32635D6B6}" type="presOf" srcId="{949E01F0-F38B-4A7A-8181-FFA92C487CBF}" destId="{CE826B59-B46F-4631-BFA5-1EF688F29B10}" srcOrd="0" destOrd="1" presId="urn:microsoft.com/office/officeart/2005/8/layout/vList5"/>
+    <dgm:cxn modelId="{DABE777D-9966-4C10-AFCD-A4BAFD439A62}" srcId="{232E5DB7-D505-4717-9153-937808215D97}" destId="{6939A553-4A8E-48C7-BBD6-821238BF6B74}" srcOrd="2" destOrd="0" parTransId="{161A5568-1D4B-4116-B8CB-D6CE06203E9E}" sibTransId="{171AF5E4-2D7E-4D40-89AC-CE9D5C96181C}"/>
+    <dgm:cxn modelId="{9CE20EC1-9FF8-4BF0-A94A-34B4BFBD895C}" type="presOf" srcId="{E8CA82A3-9C82-4570-B61E-CF83171FA95B}" destId="{2A986EE6-034F-4385-90B7-FC80EE89016F}" srcOrd="0" destOrd="0" presId="urn:microsoft.com/office/officeart/2005/8/layout/vList5"/>
+    <dgm:cxn modelId="{EC996D96-9CB3-4EF0-A8E4-C5789C6AC4D2}" type="presOf" srcId="{6FEEE26C-93AC-4F65-9CE2-44CB6E9F7C8E}" destId="{2A986EE6-034F-4385-90B7-FC80EE89016F}" srcOrd="0" destOrd="1" presId="urn:microsoft.com/office/officeart/2005/8/layout/vList5"/>
+    <dgm:cxn modelId="{7CB09E4F-4EA6-4BB8-96D0-C72D1DD46832}" srcId="{6939A553-4A8E-48C7-BBD6-821238BF6B74}" destId="{F9D61DB9-E353-4419-953C-736E9200F979}" srcOrd="1" destOrd="0" parTransId="{F4F4A29C-DC61-466C-A4FB-D8459BE71A36}" sibTransId="{29282FF7-9538-4B70-9402-0E38806752FC}"/>
+    <dgm:cxn modelId="{093818C5-7A0D-4900-84A9-3DA4EC176D35}" type="presOf" srcId="{BB2210B6-4A12-4196-9BB3-B0D234F72687}" destId="{B7A79A14-E83B-4602-A7AB-05CB35248E2A}" srcOrd="0" destOrd="0" presId="urn:microsoft.com/office/officeart/2005/8/layout/vList5"/>
+    <dgm:cxn modelId="{55E3A622-C6D7-4CDC-B3DF-237EEE8F2855}" type="presOf" srcId="{97E2A061-F932-4959-ABB6-A60FA11376F6}" destId="{90575AF9-6771-42E7-8297-FFB5E33A0D3B}" srcOrd="0" destOrd="0" presId="urn:microsoft.com/office/officeart/2005/8/layout/vList5"/>
+    <dgm:cxn modelId="{D9FA0E60-9D9C-4BB4-9723-5D7EF699D0A6}" type="presOf" srcId="{B22C12D7-6598-42EB-AEDB-955ECCE3ED37}" destId="{65910030-1EB9-4D53-8463-A5F680A8CA41}" srcOrd="0" destOrd="0" presId="urn:microsoft.com/office/officeart/2005/8/layout/vList5"/>
+    <dgm:cxn modelId="{89B38B15-1030-4759-B447-2DEF2E83EC18}" srcId="{87F0A62A-18B0-4F16-B60B-5918AD43389C}" destId="{483C21AF-0959-46E8-8048-0EAF1F766E6F}" srcOrd="0" destOrd="0" parTransId="{35B27C95-4EC2-4072-899F-9962121496DC}" sibTransId="{4C7C7465-DBD8-487E-B798-7815F45D2A95}"/>
+    <dgm:cxn modelId="{682DBC85-BCA5-4F7F-AB26-F5D27B703997}" type="presOf" srcId="{483C21AF-0959-46E8-8048-0EAF1F766E6F}" destId="{CE826B59-B46F-4631-BFA5-1EF688F29B10}" srcOrd="0" destOrd="0" presId="urn:microsoft.com/office/officeart/2005/8/layout/vList5"/>
+    <dgm:cxn modelId="{09EEFC4B-A350-4D14-8DFF-8779D45EFBF5}" type="presOf" srcId="{FCFF1BE1-6626-4BE9-97BA-AE945C01598D}" destId="{D39486CA-2C85-4BFC-B0A0-95EC326746C6}" srcOrd="0" destOrd="0" presId="urn:microsoft.com/office/officeart/2005/8/layout/vList5"/>
+    <dgm:cxn modelId="{601B26A5-D8FE-4CE6-8E56-715DE4A9401F}" srcId="{FDC53BE9-A705-4749-8252-AF3F62D3A6EC}" destId="{C64CC183-9EA4-4CD8-86FD-9797D16FDB7F}" srcOrd="1" destOrd="0" parTransId="{2D06086A-5032-4A1C-ABE7-A15FF7995D74}" sibTransId="{40E25689-6D92-4331-83CB-181C85492574}"/>
+    <dgm:cxn modelId="{8339D25F-51F9-4D97-9AD6-FA26BAAC8145}" srcId="{232E5DB7-D505-4717-9153-937808215D97}" destId="{FDC53BE9-A705-4749-8252-AF3F62D3A6EC}" srcOrd="1" destOrd="0" parTransId="{9138B1F9-3195-4928-ABC5-020268A56597}" sibTransId="{598C29E1-0725-49BE-A8A0-D7E382B86146}"/>
+    <dgm:cxn modelId="{F57F3935-0B91-4DCC-9628-4904299ABC86}" srcId="{AA7C50F5-80C3-4B6B-A3E0-9037872983D4}" destId="{6FEEE26C-93AC-4F65-9CE2-44CB6E9F7C8E}" srcOrd="1" destOrd="0" parTransId="{94EF5083-CBBA-485A-8EA3-3856DC3DF391}" sibTransId="{9E77CE8E-8F1B-4DC0-A95F-0E853E59E4E1}"/>
+    <dgm:cxn modelId="{66742202-5075-4FED-B1D6-9BE613EBCE01}" srcId="{AA7C50F5-80C3-4B6B-A3E0-9037872983D4}" destId="{E8CA82A3-9C82-4570-B61E-CF83171FA95B}" srcOrd="0" destOrd="0" parTransId="{37C8DEDC-3493-4C2D-BAD0-F994868B8976}" sibTransId="{DE962135-E7E9-452F-9B2C-C25FB9091D44}"/>
+    <dgm:cxn modelId="{89AF81D9-4339-4889-A60F-311D5F67A7C7}" type="presOf" srcId="{6939A553-4A8E-48C7-BBD6-821238BF6B74}" destId="{F9407FD9-796C-4F14-A944-BF95CAA34F7B}" srcOrd="0" destOrd="0" presId="urn:microsoft.com/office/officeart/2005/8/layout/vList5"/>
+    <dgm:cxn modelId="{564C2255-E899-40F3-82CB-5DDEFDB36F35}" type="presParOf" srcId="{71CACC11-2EE5-442B-800A-B68D5E07D1B0}" destId="{4CB9BB21-CECC-4F0B-BE20-DFD1A9C873D1}" srcOrd="0" destOrd="0" presId="urn:microsoft.com/office/officeart/2005/8/layout/vList5"/>
+    <dgm:cxn modelId="{0E76E3CF-303F-4746-965B-83FD4470290A}" type="presParOf" srcId="{4CB9BB21-CECC-4F0B-BE20-DFD1A9C873D1}" destId="{C0C08FCA-06B8-4086-AD2E-DD8AE069A46F}" srcOrd="0" destOrd="0" presId="urn:microsoft.com/office/officeart/2005/8/layout/vList5"/>
+    <dgm:cxn modelId="{988310B1-3E23-4983-A242-9781A35A6540}" type="presParOf" srcId="{4CB9BB21-CECC-4F0B-BE20-DFD1A9C873D1}" destId="{2A986EE6-034F-4385-90B7-FC80EE89016F}" srcOrd="1" destOrd="0" presId="urn:microsoft.com/office/officeart/2005/8/layout/vList5"/>
+    <dgm:cxn modelId="{44BEF870-A31C-4FE5-A31A-C9CCB0CAF6FC}" type="presParOf" srcId="{71CACC11-2EE5-442B-800A-B68D5E07D1B0}" destId="{BD4E7C0A-FEB6-4015-B071-B0E487DB42E6}" srcOrd="1" destOrd="0" presId="urn:microsoft.com/office/officeart/2005/8/layout/vList5"/>
+    <dgm:cxn modelId="{B0B1BA4B-3DFA-447B-BF56-0062F6010BBC}" type="presParOf" srcId="{71CACC11-2EE5-442B-800A-B68D5E07D1B0}" destId="{50E31995-8A4F-4D54-BBF3-CF53A8177EC0}" srcOrd="2" destOrd="0" presId="urn:microsoft.com/office/officeart/2005/8/layout/vList5"/>
+    <dgm:cxn modelId="{9B37EF0D-6C5A-4740-848A-DBFB2BC4325C}" type="presParOf" srcId="{50E31995-8A4F-4D54-BBF3-CF53A8177EC0}" destId="{49276122-CC35-4C58-ACFE-4421EDC3BB1C}" srcOrd="0" destOrd="0" presId="urn:microsoft.com/office/officeart/2005/8/layout/vList5"/>
+    <dgm:cxn modelId="{3D83393D-F399-4A37-974E-FF92F83DF9F6}" type="presParOf" srcId="{50E31995-8A4F-4D54-BBF3-CF53A8177EC0}" destId="{90575AF9-6771-42E7-8297-FFB5E33A0D3B}" srcOrd="1" destOrd="0" presId="urn:microsoft.com/office/officeart/2005/8/layout/vList5"/>
+    <dgm:cxn modelId="{604A5EC3-DCEE-4B66-AA95-1AB1DC403B7F}" type="presParOf" srcId="{71CACC11-2EE5-442B-800A-B68D5E07D1B0}" destId="{4D428847-E76D-4275-B4A8-C6F94EDC9FD9}" srcOrd="3" destOrd="0" presId="urn:microsoft.com/office/officeart/2005/8/layout/vList5"/>
+    <dgm:cxn modelId="{A4E9EB24-8B55-4F8C-A10B-AF2A7FAEF6F9}" type="presParOf" srcId="{71CACC11-2EE5-442B-800A-B68D5E07D1B0}" destId="{616065F2-7665-4DA1-ADF7-BEAB8ABF47FE}" srcOrd="4" destOrd="0" presId="urn:microsoft.com/office/officeart/2005/8/layout/vList5"/>
+    <dgm:cxn modelId="{0A0F3B38-10C2-4F21-874A-38ED2A055BBA}" type="presParOf" srcId="{616065F2-7665-4DA1-ADF7-BEAB8ABF47FE}" destId="{F9407FD9-796C-4F14-A944-BF95CAA34F7B}" srcOrd="0" destOrd="0" presId="urn:microsoft.com/office/officeart/2005/8/layout/vList5"/>
+    <dgm:cxn modelId="{C846AADF-D959-42BC-B6E3-3A9190CB866A}" type="presParOf" srcId="{616065F2-7665-4DA1-ADF7-BEAB8ABF47FE}" destId="{B7A79A14-E83B-4602-A7AB-05CB35248E2A}" srcOrd="1" destOrd="0" presId="urn:microsoft.com/office/officeart/2005/8/layout/vList5"/>
+    <dgm:cxn modelId="{58E8F020-8C3E-47D5-BE61-7EB320A5FA37}" type="presParOf" srcId="{71CACC11-2EE5-442B-800A-B68D5E07D1B0}" destId="{03EDBDD0-735A-42FC-B64B-477FEB465389}" srcOrd="5" destOrd="0" presId="urn:microsoft.com/office/officeart/2005/8/layout/vList5"/>
+    <dgm:cxn modelId="{56CB1A8A-5032-48C1-B4D1-835049DA980A}" type="presParOf" srcId="{71CACC11-2EE5-442B-800A-B68D5E07D1B0}" destId="{7CB5F1A4-0885-46F5-B0CC-31BCB6EFEADF}" srcOrd="6" destOrd="0" presId="urn:microsoft.com/office/officeart/2005/8/layout/vList5"/>
+    <dgm:cxn modelId="{692D3CCC-F08D-4783-A314-FC19E6AEA798}" type="presParOf" srcId="{7CB5F1A4-0885-46F5-B0CC-31BCB6EFEADF}" destId="{65910030-1EB9-4D53-8463-A5F680A8CA41}" srcOrd="0" destOrd="0" presId="urn:microsoft.com/office/officeart/2005/8/layout/vList5"/>
+    <dgm:cxn modelId="{91274630-F320-40FF-A496-507F9BAE64FF}" type="presParOf" srcId="{7CB5F1A4-0885-46F5-B0CC-31BCB6EFEADF}" destId="{D39486CA-2C85-4BFC-B0A0-95EC326746C6}" srcOrd="1" destOrd="0" presId="urn:microsoft.com/office/officeart/2005/8/layout/vList5"/>
+    <dgm:cxn modelId="{F86969F3-4987-4BE2-9F79-677E8C7EC55E}" type="presParOf" srcId="{71CACC11-2EE5-442B-800A-B68D5E07D1B0}" destId="{57EF6EAE-3141-4625-9781-DD20B6348971}" srcOrd="7" destOrd="0" presId="urn:microsoft.com/office/officeart/2005/8/layout/vList5"/>
+    <dgm:cxn modelId="{20E8AADC-26D8-4D83-836B-8818B032ACC9}" type="presParOf" srcId="{71CACC11-2EE5-442B-800A-B68D5E07D1B0}" destId="{CE4D619C-E51A-46A0-A077-A8B0B6E36594}" srcOrd="8" destOrd="0" presId="urn:microsoft.com/office/officeart/2005/8/layout/vList5"/>
+    <dgm:cxn modelId="{8F46E142-C36B-41F3-BCCC-14D761CB1373}" type="presParOf" srcId="{CE4D619C-E51A-46A0-A077-A8B0B6E36594}" destId="{9AA63C3A-4DE2-47F5-ADA6-B3F4914E2864}" srcOrd="0" destOrd="0" presId="urn:microsoft.com/office/officeart/2005/8/layout/vList5"/>
+    <dgm:cxn modelId="{3E4C1BBA-E8C0-432C-BE4C-871D85BD0F04}" type="presParOf" srcId="{CE4D619C-E51A-46A0-A077-A8B0B6E36594}" destId="{CE826B59-B46F-4631-BFA5-1EF688F29B10}" srcOrd="1" destOrd="0" presId="urn:microsoft.com/office/officeart/2005/8/layout/vList5"/>
   </dgm:cxnLst>
   <dgm:bg/>
   <dgm:whole/>
@@ -3084,7 +3277,7 @@
           </a:pPr>
           <a:r>
             <a:rPr lang="en-ZA" sz="1800" kern="1200" dirty="0" smtClean="0"/>
-            <a:t>Validation of tweet Location.</a:t>
+            <a:t>Past and Present feeds</a:t>
           </a:r>
           <a:endParaRPr lang="en-ZA" sz="1800" kern="1200" dirty="0"/>
         </a:p>
@@ -3295,7 +3488,11 @@
           </a:pPr>
           <a:r>
             <a:rPr lang="en-ZA" sz="1800" kern="1200" dirty="0" smtClean="0"/>
-            <a:t>Raspberry Pi 3 Cluster.</a:t>
+            <a:t>Raspberry </a:t>
+          </a:r>
+          <a:r>
+            <a:rPr lang="en-ZA" sz="1800" kern="1200" dirty="0" smtClean="0"/>
+            <a:t>Pi 3 Cluster.</a:t>
           </a:r>
           <a:endParaRPr lang="en-ZA" sz="1800" kern="1200" dirty="0"/>
         </a:p>
@@ -3314,7 +3511,15 @@
           </a:pPr>
           <a:r>
             <a:rPr lang="en-ZA" sz="1800" kern="1200" dirty="0" smtClean="0"/>
-            <a:t>Map-Reduce applied to process large set of data.</a:t>
+            <a:t>Map-Reduce applied to process large </a:t>
+          </a:r>
+          <a:r>
+            <a:rPr lang="en-ZA" sz="1800" kern="1200" dirty="0" smtClean="0"/>
+            <a:t>sets </a:t>
+          </a:r>
+          <a:r>
+            <a:rPr lang="en-ZA" sz="1800" kern="1200" dirty="0" smtClean="0"/>
+            <a:t>of data.</a:t>
           </a:r>
           <a:endParaRPr lang="en-ZA" sz="1800" kern="1200" dirty="0"/>
         </a:p>
@@ -3557,7 +3762,15 @@
           </a:pPr>
           <a:r>
             <a:rPr lang="en-ZA" sz="1800" kern="1200" dirty="0" smtClean="0"/>
-            <a:t>D3 Charts used for visualization of big data.</a:t>
+            <a:t>D3 Charts used for visualization of </a:t>
+          </a:r>
+          <a:r>
+            <a:rPr lang="en-ZA" sz="1800" kern="1200" dirty="0" smtClean="0"/>
+            <a:t>Big Data</a:t>
+          </a:r>
+          <a:r>
+            <a:rPr lang="en-ZA" sz="1800" kern="1200" dirty="0" smtClean="0"/>
+            <a:t>.</a:t>
           </a:r>
           <a:endParaRPr lang="en-ZA" sz="1800" kern="1200" dirty="0"/>
         </a:p>
@@ -3574,6 +3787,10 @@
             </a:spcAft>
             <a:buChar char="••"/>
           </a:pPr>
+          <a:r>
+            <a:rPr lang="en-ZA" sz="1800" kern="1200" dirty="0" smtClean="0"/>
+            <a:t>Web presentation using Node.js</a:t>
+          </a:r>
           <a:endParaRPr lang="en-ZA" sz="1800" kern="1200" dirty="0"/>
         </a:p>
       </dsp:txBody>
@@ -3725,41 +3942,34 @@
       <dsp:cNvGrpSpPr/>
     </dsp:nvGrpSpPr>
     <dsp:grpSpPr/>
-    <dsp:sp modelId="{6C360D5A-E71F-4124-A8B2-EF079D09AA2F}">
+    <dsp:sp modelId="{2A986EE6-034F-4385-90B7-FC80EE89016F}">
       <dsp:nvSpPr>
         <dsp:cNvPr id="0" name=""/>
         <dsp:cNvSpPr/>
       </dsp:nvSpPr>
       <dsp:spPr>
-        <a:xfrm>
-          <a:off x="3662697" y="1061542"/>
-          <a:ext cx="349729" cy="1142545"/>
+        <a:xfrm rot="5400000">
+          <a:off x="5248282" y="-2196676"/>
+          <a:ext cx="695690" cy="5266944"/>
         </a:xfrm>
-        <a:custGeom>
+        <a:prstGeom prst="round2SameRect">
           <a:avLst/>
-          <a:gdLst/>
-          <a:ahLst/>
-          <a:cxnLst/>
-          <a:rect l="0" t="0" r="0" b="0"/>
-          <a:pathLst>
-            <a:path>
-              <a:moveTo>
-                <a:pt x="349729" y="0"/>
-              </a:moveTo>
-              <a:lnTo>
-                <a:pt x="349729" y="1142545"/>
-              </a:lnTo>
-              <a:lnTo>
-                <a:pt x="0" y="1142545"/>
-              </a:lnTo>
-            </a:path>
-          </a:pathLst>
-        </a:custGeom>
-        <a:noFill/>
+        </a:prstGeom>
+        <a:solidFill>
+          <a:schemeClr val="accent1">
+            <a:alpha val="90000"/>
+            <a:tint val="40000"/>
+            <a:hueOff val="0"/>
+            <a:satOff val="0"/>
+            <a:lumOff val="0"/>
+            <a:alphaOff val="0"/>
+          </a:schemeClr>
+        </a:solidFill>
         <a:ln w="25400" cap="flat" cmpd="sng" algn="ctr">
           <a:solidFill>
             <a:schemeClr val="accent1">
-              <a:shade val="60000"/>
+              <a:alpha val="90000"/>
+              <a:tint val="40000"/>
               <a:hueOff val="0"/>
               <a:satOff val="0"/>
               <a:lumOff val="0"/>
@@ -3774,7 +3984,7 @@
         <a:lnRef idx="2">
           <a:scrgbClr r="0" g="0" b="0"/>
         </a:lnRef>
-        <a:fillRef idx="0">
+        <a:fillRef idx="1">
           <a:scrgbClr r="0" g="0" b="0"/>
         </a:fillRef>
         <a:effectRef idx="0">
@@ -3782,195 +3992,66 @@
         </a:effectRef>
         <a:fontRef idx="minor"/>
       </dsp:style>
+      <dsp:txBody>
+        <a:bodyPr spcFirstLastPara="0" vert="horz" wrap="square" lIns="68580" tIns="34290" rIns="68580" bIns="34290" numCol="1" spcCol="1270" anchor="ctr" anchorCtr="0">
+          <a:noAutofit/>
+        </a:bodyPr>
+        <a:lstStyle/>
+        <a:p>
+          <a:pPr marL="171450" lvl="1" indent="-171450" algn="l" defTabSz="800100">
+            <a:lnSpc>
+              <a:spcPct val="90000"/>
+            </a:lnSpc>
+            <a:spcBef>
+              <a:spcPct val="0"/>
+            </a:spcBef>
+            <a:spcAft>
+              <a:spcPct val="15000"/>
+            </a:spcAft>
+            <a:buChar char="••"/>
+          </a:pPr>
+          <a:r>
+            <a:rPr lang="en-ZA" sz="1800" kern="1200" dirty="0" smtClean="0"/>
+            <a:t>Development Method</a:t>
+          </a:r>
+          <a:endParaRPr lang="en-ZA" sz="1800" kern="1200" dirty="0"/>
+        </a:p>
+        <a:p>
+          <a:pPr marL="171450" lvl="1" indent="-171450" algn="l" defTabSz="800100">
+            <a:lnSpc>
+              <a:spcPct val="90000"/>
+            </a:lnSpc>
+            <a:spcBef>
+              <a:spcPct val="0"/>
+            </a:spcBef>
+            <a:spcAft>
+              <a:spcPct val="15000"/>
+            </a:spcAft>
+            <a:buChar char="••"/>
+          </a:pPr>
+          <a:r>
+            <a:rPr lang="en-ZA" sz="1800" kern="1200" dirty="0" smtClean="0"/>
+            <a:t>Architecture (High Level Designs)</a:t>
+          </a:r>
+          <a:endParaRPr lang="en-ZA" sz="1800" kern="1200" dirty="0"/>
+        </a:p>
+      </dsp:txBody>
+      <dsp:txXfrm rot="-5400000">
+        <a:off x="2962656" y="122911"/>
+        <a:ext cx="5232983" cy="627768"/>
+      </dsp:txXfrm>
     </dsp:sp>
-    <dsp:sp modelId="{EC96A2C4-0170-4A5B-A227-8F32ADC6B7B8}">
+    <dsp:sp modelId="{C0C08FCA-06B8-4086-AD2E-DD8AE069A46F}">
       <dsp:nvSpPr>
         <dsp:cNvPr id="0" name=""/>
         <dsp:cNvSpPr/>
       </dsp:nvSpPr>
       <dsp:spPr>
         <a:xfrm>
-          <a:off x="4012426" y="1061542"/>
-          <a:ext cx="2746936" cy="2285090"/>
+          <a:off x="0" y="1988"/>
+          <a:ext cx="2962656" cy="869612"/>
         </a:xfrm>
-        <a:custGeom>
-          <a:avLst/>
-          <a:gdLst/>
-          <a:ahLst/>
-          <a:cxnLst/>
-          <a:rect l="0" t="0" r="0" b="0"/>
-          <a:pathLst>
-            <a:path>
-              <a:moveTo>
-                <a:pt x="0" y="0"/>
-              </a:moveTo>
-              <a:lnTo>
-                <a:pt x="0" y="2037735"/>
-              </a:lnTo>
-              <a:lnTo>
-                <a:pt x="2746936" y="2037735"/>
-              </a:lnTo>
-              <a:lnTo>
-                <a:pt x="2746936" y="2285090"/>
-              </a:lnTo>
-            </a:path>
-          </a:pathLst>
-        </a:custGeom>
-        <a:noFill/>
-        <a:ln w="25400" cap="flat" cmpd="sng" algn="ctr">
-          <a:solidFill>
-            <a:schemeClr val="accent1">
-              <a:shade val="60000"/>
-              <a:hueOff val="0"/>
-              <a:satOff val="0"/>
-              <a:lumOff val="0"/>
-              <a:alphaOff val="0"/>
-            </a:schemeClr>
-          </a:solidFill>
-          <a:prstDash val="solid"/>
-        </a:ln>
-        <a:effectLst/>
-      </dsp:spPr>
-      <dsp:style>
-        <a:lnRef idx="2">
-          <a:scrgbClr r="0" g="0" b="0"/>
-        </a:lnRef>
-        <a:fillRef idx="0">
-          <a:scrgbClr r="0" g="0" b="0"/>
-        </a:fillRef>
-        <a:effectRef idx="0">
-          <a:scrgbClr r="0" g="0" b="0"/>
-        </a:effectRef>
-        <a:fontRef idx="minor"/>
-      </dsp:style>
-    </dsp:sp>
-    <dsp:sp modelId="{C828418F-E1A8-442E-9A95-664455048653}">
-      <dsp:nvSpPr>
-        <dsp:cNvPr id="0" name=""/>
-        <dsp:cNvSpPr/>
-      </dsp:nvSpPr>
-      <dsp:spPr>
-        <a:xfrm>
-          <a:off x="3966706" y="1061542"/>
-          <a:ext cx="91440" cy="2285090"/>
-        </a:xfrm>
-        <a:custGeom>
-          <a:avLst/>
-          <a:gdLst/>
-          <a:ahLst/>
-          <a:cxnLst/>
-          <a:rect l="0" t="0" r="0" b="0"/>
-          <a:pathLst>
-            <a:path>
-              <a:moveTo>
-                <a:pt x="45720" y="0"/>
-              </a:moveTo>
-              <a:lnTo>
-                <a:pt x="45720" y="2285090"/>
-              </a:lnTo>
-            </a:path>
-          </a:pathLst>
-        </a:custGeom>
-        <a:noFill/>
-        <a:ln w="25400" cap="flat" cmpd="sng" algn="ctr">
-          <a:solidFill>
-            <a:schemeClr val="accent1">
-              <a:shade val="60000"/>
-              <a:hueOff val="0"/>
-              <a:satOff val="0"/>
-              <a:lumOff val="0"/>
-              <a:alphaOff val="0"/>
-            </a:schemeClr>
-          </a:solidFill>
-          <a:prstDash val="solid"/>
-        </a:ln>
-        <a:effectLst/>
-      </dsp:spPr>
-      <dsp:style>
-        <a:lnRef idx="2">
-          <a:scrgbClr r="0" g="0" b="0"/>
-        </a:lnRef>
-        <a:fillRef idx="0">
-          <a:scrgbClr r="0" g="0" b="0"/>
-        </a:fillRef>
-        <a:effectRef idx="0">
-          <a:scrgbClr r="0" g="0" b="0"/>
-        </a:effectRef>
-        <a:fontRef idx="minor"/>
-      </dsp:style>
-    </dsp:sp>
-    <dsp:sp modelId="{A0A20830-A5CB-419C-A9A6-AB4D90BFF247}">
-      <dsp:nvSpPr>
-        <dsp:cNvPr id="0" name=""/>
-        <dsp:cNvSpPr/>
-      </dsp:nvSpPr>
-      <dsp:spPr>
-        <a:xfrm>
-          <a:off x="1265489" y="1061542"/>
-          <a:ext cx="2746936" cy="2285090"/>
-        </a:xfrm>
-        <a:custGeom>
-          <a:avLst/>
-          <a:gdLst/>
-          <a:ahLst/>
-          <a:cxnLst/>
-          <a:rect l="0" t="0" r="0" b="0"/>
-          <a:pathLst>
-            <a:path>
-              <a:moveTo>
-                <a:pt x="2746936" y="0"/>
-              </a:moveTo>
-              <a:lnTo>
-                <a:pt x="2746936" y="2037735"/>
-              </a:lnTo>
-              <a:lnTo>
-                <a:pt x="0" y="2037735"/>
-              </a:lnTo>
-              <a:lnTo>
-                <a:pt x="0" y="2285090"/>
-              </a:lnTo>
-            </a:path>
-          </a:pathLst>
-        </a:custGeom>
-        <a:noFill/>
-        <a:ln w="25400" cap="flat" cmpd="sng" algn="ctr">
-          <a:solidFill>
-            <a:schemeClr val="accent1">
-              <a:shade val="60000"/>
-              <a:hueOff val="0"/>
-              <a:satOff val="0"/>
-              <a:lumOff val="0"/>
-              <a:alphaOff val="0"/>
-            </a:schemeClr>
-          </a:solidFill>
-          <a:prstDash val="solid"/>
-        </a:ln>
-        <a:effectLst/>
-      </dsp:spPr>
-      <dsp:style>
-        <a:lnRef idx="2">
-          <a:scrgbClr r="0" g="0" b="0"/>
-        </a:lnRef>
-        <a:fillRef idx="0">
-          <a:scrgbClr r="0" g="0" b="0"/>
-        </a:fillRef>
-        <a:effectRef idx="0">
-          <a:scrgbClr r="0" g="0" b="0"/>
-        </a:effectRef>
-        <a:fontRef idx="minor"/>
-      </dsp:style>
-    </dsp:sp>
-    <dsp:sp modelId="{83B6F7C0-29DA-4FBC-842A-1DA278EE8BA2}">
-      <dsp:nvSpPr>
-        <dsp:cNvPr id="0" name=""/>
-        <dsp:cNvSpPr/>
-      </dsp:nvSpPr>
-      <dsp:spPr>
-        <a:xfrm>
-          <a:off x="2988687" y="1448"/>
-          <a:ext cx="2047478" cy="1060093"/>
-        </a:xfrm>
-        <a:prstGeom prst="rect">
+        <a:prstGeom prst="roundRect">
           <a:avLst/>
         </a:prstGeom>
         <a:solidFill>
@@ -4009,12 +4090,12 @@
         </a:fontRef>
       </dsp:style>
       <dsp:txBody>
-        <a:bodyPr spcFirstLastPara="0" vert="horz" wrap="square" lIns="19685" tIns="19685" rIns="19685" bIns="149591" numCol="1" spcCol="1270" anchor="ctr" anchorCtr="0">
+        <a:bodyPr spcFirstLastPara="0" vert="horz" wrap="square" lIns="91440" tIns="45720" rIns="91440" bIns="45720" numCol="1" spcCol="1270" anchor="ctr" anchorCtr="0">
           <a:noAutofit/>
         </a:bodyPr>
         <a:lstStyle/>
         <a:p>
-          <a:pPr lvl="0" algn="ctr" defTabSz="1377950">
+          <a:pPr lvl="0" algn="ctr" defTabSz="1066800">
             <a:lnSpc>
               <a:spcPct val="90000"/>
             </a:lnSpc>
@@ -4026,37 +4107,42 @@
             </a:spcAft>
           </a:pPr>
           <a:r>
-            <a:rPr lang="en-ZA" sz="3100" kern="1200" dirty="0" smtClean="0"/>
-            <a:t>Dave </a:t>
+            <a:rPr lang="en-ZA" sz="2400" kern="1200" dirty="0" err="1" smtClean="0"/>
+            <a:t>Sidwell</a:t>
           </a:r>
           <a:r>
-            <a:rPr lang="en-ZA" sz="3100" kern="1200" dirty="0" err="1" smtClean="0"/>
-            <a:t>Cloete</a:t>
+            <a:rPr lang="en-ZA" sz="2400" kern="1200" dirty="0" smtClean="0"/>
+            <a:t> </a:t>
           </a:r>
-          <a:endParaRPr lang="en-ZA" sz="3100" kern="1200" dirty="0"/>
+          <a:r>
+            <a:rPr lang="en-ZA" sz="2400" kern="1200" dirty="0" err="1" smtClean="0"/>
+            <a:t>Mokhemisa</a:t>
+          </a:r>
+          <a:endParaRPr lang="en-ZA" sz="2400" kern="1200" dirty="0"/>
         </a:p>
       </dsp:txBody>
       <dsp:txXfrm>
-        <a:off x="2988687" y="1448"/>
-        <a:ext cx="2047478" cy="1060093"/>
+        <a:off x="42451" y="44439"/>
+        <a:ext cx="2877754" cy="784710"/>
       </dsp:txXfrm>
     </dsp:sp>
-    <dsp:sp modelId="{269BA9FA-5FAE-4A45-9B7E-FB481D3351C4}">
+    <dsp:sp modelId="{90575AF9-6771-42E7-8297-FFB5E33A0D3B}">
       <dsp:nvSpPr>
         <dsp:cNvPr id="0" name=""/>
         <dsp:cNvSpPr/>
       </dsp:nvSpPr>
       <dsp:spPr>
-        <a:xfrm>
-          <a:off x="3398182" y="825965"/>
-          <a:ext cx="1842730" cy="353364"/>
+        <a:xfrm rot="5400000">
+          <a:off x="5248282" y="-1283583"/>
+          <a:ext cx="695690" cy="5266944"/>
         </a:xfrm>
-        <a:prstGeom prst="rect">
+        <a:prstGeom prst="round2SameRect">
           <a:avLst/>
         </a:prstGeom>
         <a:solidFill>
-          <a:schemeClr val="lt1">
+          <a:schemeClr val="accent1">
             <a:alpha val="90000"/>
+            <a:tint val="40000"/>
             <a:hueOff val="0"/>
             <a:satOff val="0"/>
             <a:lumOff val="0"/>
@@ -4066,6 +4152,8 @@
         <a:ln w="25400" cap="flat" cmpd="sng" algn="ctr">
           <a:solidFill>
             <a:schemeClr val="accent1">
+              <a:alpha val="90000"/>
+              <a:tint val="40000"/>
               <a:hueOff val="0"/>
               <a:satOff val="0"/>
               <a:lumOff val="0"/>
@@ -4089,12 +4177,12 @@
         <a:fontRef idx="minor"/>
       </dsp:style>
       <dsp:txBody>
-        <a:bodyPr spcFirstLastPara="0" vert="horz" wrap="square" lIns="25400" tIns="6350" rIns="25400" bIns="6350" numCol="1" spcCol="1270" anchor="ctr" anchorCtr="0">
+        <a:bodyPr spcFirstLastPara="0" vert="horz" wrap="square" lIns="68580" tIns="34290" rIns="68580" bIns="34290" numCol="1" spcCol="1270" anchor="ctr" anchorCtr="0">
           <a:noAutofit/>
         </a:bodyPr>
         <a:lstStyle/>
         <a:p>
-          <a:pPr lvl="0" algn="r" defTabSz="444500">
+          <a:pPr marL="171450" lvl="1" indent="-171450" algn="l" defTabSz="800100">
             <a:lnSpc>
               <a:spcPct val="90000"/>
             </a:lnSpc>
@@ -4102,16 +4190,18 @@
               <a:spcPct val="0"/>
             </a:spcBef>
             <a:spcAft>
-              <a:spcPct val="35000"/>
+              <a:spcPct val="15000"/>
             </a:spcAft>
+            <a:buChar char="••"/>
           </a:pPr>
           <a:r>
-            <a:rPr lang="en-ZA" sz="1000" kern="1200" dirty="0" smtClean="0"/>
-            <a:t>Overall PM</a:t>
+            <a:rPr lang="en-ZA" sz="1800" kern="1200" dirty="0" smtClean="0"/>
+            <a:t>Development for data Acquisition (History)</a:t>
           </a:r>
+          <a:endParaRPr lang="en-ZA" sz="1800" kern="1200" dirty="0"/>
         </a:p>
         <a:p>
-          <a:pPr lvl="0" algn="r" defTabSz="444500">
+          <a:pPr marL="171450" lvl="1" indent="-171450" algn="l" defTabSz="800100">
             <a:lnSpc>
               <a:spcPct val="90000"/>
             </a:lnSpc>
@@ -4119,32 +4209,33 @@
               <a:spcPct val="0"/>
             </a:spcBef>
             <a:spcAft>
-              <a:spcPct val="35000"/>
+              <a:spcPct val="15000"/>
             </a:spcAft>
+            <a:buChar char="••"/>
           </a:pPr>
           <a:r>
-            <a:rPr lang="en-ZA" sz="1000" kern="1200" dirty="0" smtClean="0"/>
-            <a:t>UX Design – Visualization </a:t>
+            <a:rPr lang="en-ZA" sz="1800" kern="1200" dirty="0" smtClean="0"/>
+            <a:t>Involvement in the Visualization Development</a:t>
           </a:r>
-          <a:endParaRPr lang="en-ZA" sz="1000" kern="1200" dirty="0"/>
+          <a:endParaRPr lang="en-ZA" sz="1800" kern="1200" dirty="0"/>
         </a:p>
       </dsp:txBody>
-      <dsp:txXfrm>
-        <a:off x="3398182" y="825965"/>
-        <a:ext cx="1842730" cy="353364"/>
+      <dsp:txXfrm rot="-5400000">
+        <a:off x="2962656" y="1036004"/>
+        <a:ext cx="5232983" cy="627768"/>
       </dsp:txXfrm>
     </dsp:sp>
-    <dsp:sp modelId="{EA12A656-B41D-467F-B776-DADD9A9604D1}">
+    <dsp:sp modelId="{49276122-CC35-4C58-ACFE-4421EDC3BB1C}">
       <dsp:nvSpPr>
         <dsp:cNvPr id="0" name=""/>
         <dsp:cNvSpPr/>
       </dsp:nvSpPr>
       <dsp:spPr>
         <a:xfrm>
-          <a:off x="241750" y="3346632"/>
-          <a:ext cx="2047478" cy="1060093"/>
+          <a:off x="0" y="915082"/>
+          <a:ext cx="2962656" cy="869612"/>
         </a:xfrm>
-        <a:prstGeom prst="rect">
+        <a:prstGeom prst="roundRect">
           <a:avLst/>
         </a:prstGeom>
         <a:solidFill>
@@ -4183,12 +4274,12 @@
         </a:fontRef>
       </dsp:style>
       <dsp:txBody>
-        <a:bodyPr spcFirstLastPara="0" vert="horz" wrap="square" lIns="19685" tIns="19685" rIns="19685" bIns="149591" numCol="1" spcCol="1270" anchor="ctr" anchorCtr="0">
+        <a:bodyPr spcFirstLastPara="0" vert="horz" wrap="square" lIns="91440" tIns="45720" rIns="91440" bIns="45720" numCol="1" spcCol="1270" anchor="ctr" anchorCtr="0">
           <a:noAutofit/>
         </a:bodyPr>
         <a:lstStyle/>
         <a:p>
-          <a:pPr lvl="0" algn="ctr" defTabSz="1377950">
+          <a:pPr lvl="0" algn="ctr" defTabSz="1066800">
             <a:lnSpc>
               <a:spcPct val="90000"/>
             </a:lnSpc>
@@ -4200,37 +4291,42 @@
             </a:spcAft>
           </a:pPr>
           <a:r>
-            <a:rPr lang="en-ZA" sz="3100" kern="1200" dirty="0" smtClean="0"/>
-            <a:t>Kyle </a:t>
+            <a:rPr lang="en-ZA" sz="2400" kern="1200" dirty="0" err="1" smtClean="0"/>
+            <a:t>Matsobane</a:t>
           </a:r>
           <a:r>
-            <a:rPr lang="en-ZA" sz="3100" kern="1200" dirty="0" err="1" smtClean="0"/>
-            <a:t>Trehaeven</a:t>
+            <a:rPr lang="en-ZA" sz="2400" kern="1200" dirty="0" smtClean="0"/>
+            <a:t> </a:t>
           </a:r>
-          <a:endParaRPr lang="en-ZA" sz="3100" kern="1200" dirty="0"/>
+          <a:r>
+            <a:rPr lang="en-ZA" sz="2400" kern="1200" dirty="0" err="1" smtClean="0"/>
+            <a:t>Khwinana</a:t>
+          </a:r>
+          <a:endParaRPr lang="en-ZA" sz="2400" kern="1200" dirty="0"/>
         </a:p>
       </dsp:txBody>
       <dsp:txXfrm>
-        <a:off x="241750" y="3346632"/>
-        <a:ext cx="2047478" cy="1060093"/>
+        <a:off x="42451" y="957533"/>
+        <a:ext cx="2877754" cy="784710"/>
       </dsp:txXfrm>
     </dsp:sp>
-    <dsp:sp modelId="{345618B9-C000-40B3-B6AD-642C37D8559B}">
+    <dsp:sp modelId="{B7A79A14-E83B-4602-A7AB-05CB35248E2A}">
       <dsp:nvSpPr>
         <dsp:cNvPr id="0" name=""/>
         <dsp:cNvSpPr/>
       </dsp:nvSpPr>
       <dsp:spPr>
-        <a:xfrm>
-          <a:off x="651246" y="4171149"/>
-          <a:ext cx="1842730" cy="353364"/>
+        <a:xfrm rot="5400000">
+          <a:off x="5248282" y="-370490"/>
+          <a:ext cx="695690" cy="5266944"/>
         </a:xfrm>
-        <a:prstGeom prst="rect">
+        <a:prstGeom prst="round2SameRect">
           <a:avLst/>
         </a:prstGeom>
         <a:solidFill>
-          <a:schemeClr val="lt1">
+          <a:schemeClr val="accent1">
             <a:alpha val="90000"/>
+            <a:tint val="40000"/>
             <a:hueOff val="0"/>
             <a:satOff val="0"/>
             <a:lumOff val="0"/>
@@ -4240,6 +4336,8 @@
         <a:ln w="25400" cap="flat" cmpd="sng" algn="ctr">
           <a:solidFill>
             <a:schemeClr val="accent1">
+              <a:alpha val="90000"/>
+              <a:tint val="40000"/>
               <a:hueOff val="0"/>
               <a:satOff val="0"/>
               <a:lumOff val="0"/>
@@ -4263,12 +4361,12 @@
         <a:fontRef idx="minor"/>
       </dsp:style>
       <dsp:txBody>
-        <a:bodyPr spcFirstLastPara="0" vert="horz" wrap="square" lIns="25400" tIns="6350" rIns="25400" bIns="6350" numCol="1" spcCol="1270" anchor="ctr" anchorCtr="0">
+        <a:bodyPr spcFirstLastPara="0" vert="horz" wrap="square" lIns="68580" tIns="34290" rIns="68580" bIns="34290" numCol="1" spcCol="1270" anchor="ctr" anchorCtr="0">
           <a:noAutofit/>
         </a:bodyPr>
         <a:lstStyle/>
         <a:p>
-          <a:pPr lvl="0" algn="r" defTabSz="444500">
+          <a:pPr marL="171450" lvl="1" indent="-171450" algn="l" defTabSz="800100">
             <a:lnSpc>
               <a:spcPct val="90000"/>
             </a:lnSpc>
@@ -4276,16 +4374,18 @@
               <a:spcPct val="0"/>
             </a:spcBef>
             <a:spcAft>
-              <a:spcPct val="35000"/>
+              <a:spcPct val="15000"/>
             </a:spcAft>
+            <a:buChar char="••"/>
           </a:pPr>
           <a:r>
-            <a:rPr lang="en-ZA" sz="1000" kern="1200" dirty="0" smtClean="0"/>
-            <a:t>Big Data Acquisition</a:t>
+            <a:rPr lang="en-ZA" sz="1800" kern="1200" dirty="0" smtClean="0"/>
+            <a:t>Development for data Acquisition (Streaming)</a:t>
           </a:r>
+          <a:endParaRPr lang="en-ZA" sz="1800" kern="1200" dirty="0"/>
         </a:p>
         <a:p>
-          <a:pPr lvl="0" algn="r" defTabSz="444500">
+          <a:pPr marL="171450" lvl="1" indent="-171450" algn="l" defTabSz="800100">
             <a:lnSpc>
               <a:spcPct val="90000"/>
             </a:lnSpc>
@@ -4293,32 +4393,41 @@
               <a:spcPct val="0"/>
             </a:spcBef>
             <a:spcAft>
-              <a:spcPct val="35000"/>
+              <a:spcPct val="15000"/>
             </a:spcAft>
+            <a:buChar char="••"/>
           </a:pPr>
           <a:r>
-            <a:rPr lang="en-ZA" sz="1000" kern="1200" dirty="0" smtClean="0"/>
-            <a:t>Streaming</a:t>
+            <a:rPr lang="en-ZA" sz="1800" kern="1200" dirty="0" smtClean="0"/>
+            <a:t>Involvement in the </a:t>
           </a:r>
-          <a:endParaRPr lang="en-ZA" sz="1000" kern="1200" dirty="0"/>
+          <a:r>
+            <a:rPr lang="en-ZA" sz="1800" kern="1200" dirty="0" err="1" smtClean="0"/>
+            <a:t>Scala</a:t>
+          </a:r>
+          <a:r>
+            <a:rPr lang="en-ZA" sz="1800" kern="1200" dirty="0" smtClean="0"/>
+            <a:t> Development</a:t>
+          </a:r>
+          <a:endParaRPr lang="en-ZA" sz="1800" kern="1200" dirty="0"/>
         </a:p>
       </dsp:txBody>
-      <dsp:txXfrm>
-        <a:off x="651246" y="4171149"/>
-        <a:ext cx="1842730" cy="353364"/>
+      <dsp:txXfrm rot="-5400000">
+        <a:off x="2962656" y="1949097"/>
+        <a:ext cx="5232983" cy="627768"/>
       </dsp:txXfrm>
     </dsp:sp>
-    <dsp:sp modelId="{4F3830C7-C381-4374-B0F3-3CC142E4EB6B}">
+    <dsp:sp modelId="{F9407FD9-796C-4F14-A944-BF95CAA34F7B}">
       <dsp:nvSpPr>
         <dsp:cNvPr id="0" name=""/>
         <dsp:cNvSpPr/>
       </dsp:nvSpPr>
       <dsp:spPr>
         <a:xfrm>
-          <a:off x="2988687" y="3346632"/>
-          <a:ext cx="2047478" cy="1060093"/>
+          <a:off x="0" y="1828175"/>
+          <a:ext cx="2962656" cy="869612"/>
         </a:xfrm>
-        <a:prstGeom prst="rect">
+        <a:prstGeom prst="roundRect">
           <a:avLst/>
         </a:prstGeom>
         <a:solidFill>
@@ -4357,12 +4466,12 @@
         </a:fontRef>
       </dsp:style>
       <dsp:txBody>
-        <a:bodyPr spcFirstLastPara="0" vert="horz" wrap="square" lIns="19685" tIns="19685" rIns="19685" bIns="149591" numCol="1" spcCol="1270" anchor="ctr" anchorCtr="0">
+        <a:bodyPr spcFirstLastPara="0" vert="horz" wrap="square" lIns="91440" tIns="45720" rIns="91440" bIns="45720" numCol="1" spcCol="1270" anchor="ctr" anchorCtr="0">
           <a:noAutofit/>
         </a:bodyPr>
         <a:lstStyle/>
         <a:p>
-          <a:pPr lvl="0" algn="ctr" defTabSz="1377950">
+          <a:pPr lvl="0" algn="ctr" defTabSz="1066800">
             <a:lnSpc>
               <a:spcPct val="90000"/>
             </a:lnSpc>
@@ -4374,41 +4483,38 @@
             </a:spcAft>
           </a:pPr>
           <a:r>
-            <a:rPr lang="en-ZA" sz="3100" kern="1200" dirty="0" err="1" smtClean="0"/>
-            <a:t>Matsobane</a:t>
+            <a:rPr lang="en-ZA" sz="2400" kern="1200" dirty="0" smtClean="0"/>
+            <a:t>Kyle </a:t>
           </a:r>
           <a:r>
-            <a:rPr lang="en-ZA" sz="3100" kern="1200" dirty="0" smtClean="0"/>
-            <a:t> </a:t>
+            <a:rPr lang="en-ZA" sz="2400" kern="1200" dirty="0" err="1" smtClean="0"/>
+            <a:t>Trehaeven</a:t>
           </a:r>
-          <a:r>
-            <a:rPr lang="en-ZA" sz="3100" kern="1200" dirty="0" err="1" smtClean="0"/>
-            <a:t>Khwinana</a:t>
-          </a:r>
-          <a:endParaRPr lang="en-ZA" sz="3100" kern="1200" dirty="0"/>
+          <a:endParaRPr lang="en-ZA" sz="2400" kern="1200" dirty="0"/>
         </a:p>
       </dsp:txBody>
       <dsp:txXfrm>
-        <a:off x="2988687" y="3346632"/>
-        <a:ext cx="2047478" cy="1060093"/>
+        <a:off x="42451" y="1870626"/>
+        <a:ext cx="2877754" cy="784710"/>
       </dsp:txXfrm>
     </dsp:sp>
-    <dsp:sp modelId="{B0446AAF-4397-4B5B-9A42-9AB3D8C6BC80}">
+    <dsp:sp modelId="{D39486CA-2C85-4BFC-B0A0-95EC326746C6}">
       <dsp:nvSpPr>
         <dsp:cNvPr id="0" name=""/>
         <dsp:cNvSpPr/>
       </dsp:nvSpPr>
       <dsp:spPr>
-        <a:xfrm>
-          <a:off x="3398182" y="4171149"/>
-          <a:ext cx="1842730" cy="353364"/>
+        <a:xfrm rot="5400000">
+          <a:off x="5248282" y="542602"/>
+          <a:ext cx="695690" cy="5266944"/>
         </a:xfrm>
-        <a:prstGeom prst="rect">
+        <a:prstGeom prst="round2SameRect">
           <a:avLst/>
         </a:prstGeom>
         <a:solidFill>
-          <a:schemeClr val="lt1">
+          <a:schemeClr val="accent1">
             <a:alpha val="90000"/>
+            <a:tint val="40000"/>
             <a:hueOff val="0"/>
             <a:satOff val="0"/>
             <a:lumOff val="0"/>
@@ -4418,6 +4524,8 @@
         <a:ln w="25400" cap="flat" cmpd="sng" algn="ctr">
           <a:solidFill>
             <a:schemeClr val="accent1">
+              <a:alpha val="90000"/>
+              <a:tint val="40000"/>
               <a:hueOff val="0"/>
               <a:satOff val="0"/>
               <a:lumOff val="0"/>
@@ -4441,12 +4549,12 @@
         <a:fontRef idx="minor"/>
       </dsp:style>
       <dsp:txBody>
-        <a:bodyPr spcFirstLastPara="0" vert="horz" wrap="square" lIns="25400" tIns="6350" rIns="25400" bIns="6350" numCol="1" spcCol="1270" anchor="ctr" anchorCtr="0">
+        <a:bodyPr spcFirstLastPara="0" vert="horz" wrap="square" lIns="68580" tIns="34290" rIns="68580" bIns="34290" numCol="1" spcCol="1270" anchor="ctr" anchorCtr="0">
           <a:noAutofit/>
         </a:bodyPr>
         <a:lstStyle/>
         <a:p>
-          <a:pPr lvl="0" algn="r" defTabSz="444500">
+          <a:pPr marL="171450" lvl="1" indent="-171450" algn="l" defTabSz="800100">
             <a:lnSpc>
               <a:spcPct val="90000"/>
             </a:lnSpc>
@@ -4454,16 +4562,18 @@
               <a:spcPct val="0"/>
             </a:spcBef>
             <a:spcAft>
-              <a:spcPct val="35000"/>
+              <a:spcPct val="15000"/>
             </a:spcAft>
+            <a:buChar char="••"/>
           </a:pPr>
           <a:r>
-            <a:rPr lang="en-ZA" sz="1000" kern="1200" dirty="0" smtClean="0"/>
-            <a:t>Big Data Acquisition</a:t>
+            <a:rPr lang="en-ZA" sz="1800" kern="1200" dirty="0" smtClean="0"/>
+            <a:t>Infrastructure Setup (Pi Cluster)</a:t>
           </a:r>
+          <a:endParaRPr lang="en-ZA" sz="1800" kern="1200" dirty="0"/>
         </a:p>
         <a:p>
-          <a:pPr lvl="0" algn="r" defTabSz="444500">
+          <a:pPr marL="171450" lvl="1" indent="-171450" algn="l" defTabSz="800100">
             <a:lnSpc>
               <a:spcPct val="90000"/>
             </a:lnSpc>
@@ -4471,32 +4581,41 @@
               <a:spcPct val="0"/>
             </a:spcBef>
             <a:spcAft>
-              <a:spcPct val="35000"/>
+              <a:spcPct val="15000"/>
             </a:spcAft>
+            <a:buChar char="••"/>
           </a:pPr>
           <a:r>
-            <a:rPr lang="en-ZA" sz="1000" kern="1200" dirty="0" smtClean="0"/>
-            <a:t>Batch - History</a:t>
+            <a:rPr lang="en-ZA" sz="1800" kern="1200" dirty="0" err="1" smtClean="0"/>
+            <a:t>MapReduce</a:t>
           </a:r>
-          <a:endParaRPr lang="en-ZA" sz="1000" kern="1200" dirty="0"/>
+          <a:r>
+            <a:rPr lang="en-ZA" sz="1800" kern="1200" dirty="0" smtClean="0"/>
+            <a:t> Development using </a:t>
+          </a:r>
+          <a:r>
+            <a:rPr lang="en-ZA" sz="1800" kern="1200" dirty="0" err="1" smtClean="0"/>
+            <a:t>Scala</a:t>
+          </a:r>
+          <a:endParaRPr lang="en-ZA" sz="1800" kern="1200" dirty="0"/>
         </a:p>
       </dsp:txBody>
-      <dsp:txXfrm>
-        <a:off x="3398182" y="4171149"/>
-        <a:ext cx="1842730" cy="353364"/>
+      <dsp:txXfrm rot="-5400000">
+        <a:off x="2962656" y="2862190"/>
+        <a:ext cx="5232983" cy="627768"/>
       </dsp:txXfrm>
     </dsp:sp>
-    <dsp:sp modelId="{FCE058DD-35EE-4EE0-BA41-C9AB764403D1}">
+    <dsp:sp modelId="{65910030-1EB9-4D53-8463-A5F680A8CA41}">
       <dsp:nvSpPr>
         <dsp:cNvPr id="0" name=""/>
         <dsp:cNvSpPr/>
       </dsp:nvSpPr>
       <dsp:spPr>
         <a:xfrm>
-          <a:off x="5735623" y="3346632"/>
-          <a:ext cx="2047478" cy="1060093"/>
+          <a:off x="0" y="2741268"/>
+          <a:ext cx="2962656" cy="869612"/>
         </a:xfrm>
-        <a:prstGeom prst="rect">
+        <a:prstGeom prst="roundRect">
           <a:avLst/>
         </a:prstGeom>
         <a:solidFill>
@@ -4535,12 +4654,12 @@
         </a:fontRef>
       </dsp:style>
       <dsp:txBody>
-        <a:bodyPr spcFirstLastPara="0" vert="horz" wrap="square" lIns="19685" tIns="19685" rIns="19685" bIns="149591" numCol="1" spcCol="1270" anchor="ctr" anchorCtr="0">
+        <a:bodyPr spcFirstLastPara="0" vert="horz" wrap="square" lIns="91440" tIns="45720" rIns="91440" bIns="45720" numCol="1" spcCol="1270" anchor="ctr" anchorCtr="0">
           <a:noAutofit/>
         </a:bodyPr>
         <a:lstStyle/>
         <a:p>
-          <a:pPr lvl="0" algn="ctr" defTabSz="1377950">
+          <a:pPr lvl="0" algn="ctr" defTabSz="1066800">
             <a:lnSpc>
               <a:spcPct val="90000"/>
             </a:lnSpc>
@@ -4552,33 +4671,34 @@
             </a:spcAft>
           </a:pPr>
           <a:r>
-            <a:rPr lang="en-ZA" sz="3100" kern="1200" dirty="0" smtClean="0"/>
+            <a:rPr lang="en-ZA" sz="2400" kern="1200" dirty="0" smtClean="0"/>
             <a:t>Gareth Stephenson</a:t>
           </a:r>
-          <a:endParaRPr lang="en-ZA" sz="3100" kern="1200" dirty="0"/>
+          <a:endParaRPr lang="en-ZA" sz="2400" kern="1200" dirty="0"/>
         </a:p>
       </dsp:txBody>
       <dsp:txXfrm>
-        <a:off x="5735623" y="3346632"/>
-        <a:ext cx="2047478" cy="1060093"/>
+        <a:off x="42451" y="2783719"/>
+        <a:ext cx="2877754" cy="784710"/>
       </dsp:txXfrm>
     </dsp:sp>
-    <dsp:sp modelId="{237B9A08-BF89-41B7-ACEB-2D78511B17D5}">
+    <dsp:sp modelId="{CE826B59-B46F-4631-BFA5-1EF688F29B10}">
       <dsp:nvSpPr>
         <dsp:cNvPr id="0" name=""/>
         <dsp:cNvSpPr/>
       </dsp:nvSpPr>
       <dsp:spPr>
-        <a:xfrm>
-          <a:off x="6145118" y="4171149"/>
-          <a:ext cx="1842730" cy="353364"/>
+        <a:xfrm rot="5400000">
+          <a:off x="5248282" y="1455695"/>
+          <a:ext cx="695690" cy="5266944"/>
         </a:xfrm>
-        <a:prstGeom prst="rect">
+        <a:prstGeom prst="round2SameRect">
           <a:avLst/>
         </a:prstGeom>
         <a:solidFill>
-          <a:schemeClr val="lt1">
+          <a:schemeClr val="accent1">
             <a:alpha val="90000"/>
+            <a:tint val="40000"/>
             <a:hueOff val="0"/>
             <a:satOff val="0"/>
             <a:lumOff val="0"/>
@@ -4588,6 +4708,8 @@
         <a:ln w="25400" cap="flat" cmpd="sng" algn="ctr">
           <a:solidFill>
             <a:schemeClr val="accent1">
+              <a:alpha val="90000"/>
+              <a:tint val="40000"/>
               <a:hueOff val="0"/>
               <a:satOff val="0"/>
               <a:lumOff val="0"/>
@@ -4611,12 +4733,12 @@
         <a:fontRef idx="minor"/>
       </dsp:style>
       <dsp:txBody>
-        <a:bodyPr spcFirstLastPara="0" vert="horz" wrap="square" lIns="25400" tIns="6350" rIns="25400" bIns="6350" numCol="1" spcCol="1270" anchor="ctr" anchorCtr="0">
+        <a:bodyPr spcFirstLastPara="0" vert="horz" wrap="square" lIns="68580" tIns="34290" rIns="68580" bIns="34290" numCol="1" spcCol="1270" anchor="ctr" anchorCtr="0">
           <a:noAutofit/>
         </a:bodyPr>
         <a:lstStyle/>
         <a:p>
-          <a:pPr lvl="0" algn="r" defTabSz="444500">
+          <a:pPr marL="171450" lvl="1" indent="-171450" algn="l" defTabSz="800100">
             <a:lnSpc>
               <a:spcPct val="90000"/>
             </a:lnSpc>
@@ -4624,16 +4746,18 @@
               <a:spcPct val="0"/>
             </a:spcBef>
             <a:spcAft>
-              <a:spcPct val="35000"/>
+              <a:spcPct val="15000"/>
             </a:spcAft>
+            <a:buChar char="••"/>
           </a:pPr>
           <a:r>
-            <a:rPr lang="en-ZA" sz="1000" kern="1200" dirty="0" smtClean="0"/>
-            <a:t>Big Data Processing</a:t>
+            <a:rPr lang="en-ZA" sz="1800" kern="1200" dirty="0" smtClean="0"/>
+            <a:t>UX Design</a:t>
           </a:r>
+          <a:endParaRPr lang="en-ZA" sz="1800" kern="1200" dirty="0"/>
         </a:p>
         <a:p>
-          <a:pPr lvl="0" algn="r" defTabSz="444500">
+          <a:pPr marL="171450" lvl="1" indent="-171450" algn="l" defTabSz="800100">
             <a:lnSpc>
               <a:spcPct val="90000"/>
             </a:lnSpc>
@@ -4641,32 +4765,33 @@
               <a:spcPct val="0"/>
             </a:spcBef>
             <a:spcAft>
-              <a:spcPct val="35000"/>
+              <a:spcPct val="15000"/>
             </a:spcAft>
+            <a:buChar char="••"/>
           </a:pPr>
           <a:r>
-            <a:rPr lang="en-ZA" sz="1000" kern="1200" dirty="0" smtClean="0"/>
-            <a:t>MAP Reduce</a:t>
+            <a:rPr lang="en-ZA" sz="1800" kern="1200" dirty="0" smtClean="0"/>
+            <a:t>Development for visualization</a:t>
           </a:r>
-          <a:endParaRPr lang="en-ZA" sz="1000" kern="1200" dirty="0"/>
+          <a:endParaRPr lang="en-ZA" sz="1800" kern="1200" dirty="0"/>
         </a:p>
       </dsp:txBody>
-      <dsp:txXfrm>
-        <a:off x="6145118" y="4171149"/>
-        <a:ext cx="1842730" cy="353364"/>
+      <dsp:txXfrm rot="-5400000">
+        <a:off x="2962656" y="3775283"/>
+        <a:ext cx="5232983" cy="627768"/>
       </dsp:txXfrm>
     </dsp:sp>
-    <dsp:sp modelId="{72268CF5-8E8D-4EF7-9D5C-8B8C69E36D74}">
+    <dsp:sp modelId="{9AA63C3A-4DE2-47F5-ADA6-B3F4914E2864}">
       <dsp:nvSpPr>
         <dsp:cNvPr id="0" name=""/>
         <dsp:cNvSpPr/>
       </dsp:nvSpPr>
       <dsp:spPr>
         <a:xfrm>
-          <a:off x="1615218" y="1674040"/>
-          <a:ext cx="2047478" cy="1060093"/>
+          <a:off x="0" y="3654361"/>
+          <a:ext cx="2962656" cy="869612"/>
         </a:xfrm>
-        <a:prstGeom prst="rect">
+        <a:prstGeom prst="roundRect">
           <a:avLst/>
         </a:prstGeom>
         <a:solidFill>
@@ -4705,12 +4830,12 @@
         </a:fontRef>
       </dsp:style>
       <dsp:txBody>
-        <a:bodyPr spcFirstLastPara="0" vert="horz" wrap="square" lIns="19685" tIns="19685" rIns="19685" bIns="149591" numCol="1" spcCol="1270" anchor="ctr" anchorCtr="0">
+        <a:bodyPr spcFirstLastPara="0" vert="horz" wrap="square" lIns="91440" tIns="45720" rIns="91440" bIns="45720" numCol="1" spcCol="1270" anchor="ctr" anchorCtr="0">
           <a:noAutofit/>
         </a:bodyPr>
         <a:lstStyle/>
         <a:p>
-          <a:pPr lvl="0" algn="ctr" defTabSz="1377950">
+          <a:pPr lvl="0" algn="ctr" defTabSz="1066800">
             <a:lnSpc>
               <a:spcPct val="90000"/>
             </a:lnSpc>
@@ -4722,115 +4847,19 @@
             </a:spcAft>
           </a:pPr>
           <a:r>
-            <a:rPr lang="en-ZA" sz="3100" kern="1200" dirty="0" err="1" smtClean="0"/>
-            <a:t>Sidwell</a:t>
+            <a:rPr lang="en-ZA" sz="2400" kern="1200" dirty="0" smtClean="0"/>
+            <a:t>Dave </a:t>
           </a:r>
           <a:r>
-            <a:rPr lang="en-ZA" sz="3100" kern="1200" dirty="0" smtClean="0"/>
-            <a:t> </a:t>
+            <a:rPr lang="en-ZA" sz="2400" kern="1200" dirty="0" err="1" smtClean="0"/>
+            <a:t>Cloete</a:t>
           </a:r>
-          <a:r>
-            <a:rPr lang="en-ZA" sz="3100" kern="1200" dirty="0" err="1" smtClean="0"/>
-            <a:t>Mokhemisa</a:t>
-          </a:r>
-          <a:endParaRPr lang="en-ZA" sz="3100" kern="1200" dirty="0"/>
+          <a:endParaRPr lang="en-ZA" sz="2400" kern="1200" dirty="0"/>
         </a:p>
       </dsp:txBody>
       <dsp:txXfrm>
-        <a:off x="1615218" y="1674040"/>
-        <a:ext cx="2047478" cy="1060093"/>
-      </dsp:txXfrm>
-    </dsp:sp>
-    <dsp:sp modelId="{6ADBF787-A318-47AB-A97F-93EF566C9E82}">
-      <dsp:nvSpPr>
-        <dsp:cNvPr id="0" name=""/>
-        <dsp:cNvSpPr/>
-      </dsp:nvSpPr>
-      <dsp:spPr>
-        <a:xfrm>
-          <a:off x="2024714" y="2498557"/>
-          <a:ext cx="1842730" cy="353364"/>
-        </a:xfrm>
-        <a:prstGeom prst="rect">
-          <a:avLst/>
-        </a:prstGeom>
-        <a:solidFill>
-          <a:schemeClr val="lt1">
-            <a:alpha val="90000"/>
-            <a:hueOff val="0"/>
-            <a:satOff val="0"/>
-            <a:lumOff val="0"/>
-            <a:alphaOff val="0"/>
-          </a:schemeClr>
-        </a:solidFill>
-        <a:ln w="25400" cap="flat" cmpd="sng" algn="ctr">
-          <a:solidFill>
-            <a:schemeClr val="accent1">
-              <a:hueOff val="0"/>
-              <a:satOff val="0"/>
-              <a:lumOff val="0"/>
-              <a:alphaOff val="0"/>
-            </a:schemeClr>
-          </a:solidFill>
-          <a:prstDash val="solid"/>
-        </a:ln>
-        <a:effectLst/>
-      </dsp:spPr>
-      <dsp:style>
-        <a:lnRef idx="2">
-          <a:scrgbClr r="0" g="0" b="0"/>
-        </a:lnRef>
-        <a:fillRef idx="1">
-          <a:scrgbClr r="0" g="0" b="0"/>
-        </a:fillRef>
-        <a:effectRef idx="0">
-          <a:scrgbClr r="0" g="0" b="0"/>
-        </a:effectRef>
-        <a:fontRef idx="minor"/>
-      </dsp:style>
-      <dsp:txBody>
-        <a:bodyPr spcFirstLastPara="0" vert="horz" wrap="square" lIns="25400" tIns="6350" rIns="25400" bIns="6350" numCol="1" spcCol="1270" anchor="ctr" anchorCtr="0">
-          <a:noAutofit/>
-        </a:bodyPr>
-        <a:lstStyle/>
-        <a:p>
-          <a:pPr lvl="0" algn="r" defTabSz="444500">
-            <a:lnSpc>
-              <a:spcPct val="90000"/>
-            </a:lnSpc>
-            <a:spcBef>
-              <a:spcPct val="0"/>
-            </a:spcBef>
-            <a:spcAft>
-              <a:spcPct val="35000"/>
-            </a:spcAft>
-          </a:pPr>
-          <a:r>
-            <a:rPr lang="en-ZA" sz="1000" kern="1200" dirty="0" smtClean="0"/>
-            <a:t>Development Method</a:t>
-          </a:r>
-        </a:p>
-        <a:p>
-          <a:pPr lvl="0" algn="r" defTabSz="444500">
-            <a:lnSpc>
-              <a:spcPct val="90000"/>
-            </a:lnSpc>
-            <a:spcBef>
-              <a:spcPct val="0"/>
-            </a:spcBef>
-            <a:spcAft>
-              <a:spcPct val="35000"/>
-            </a:spcAft>
-          </a:pPr>
-          <a:r>
-            <a:rPr lang="en-ZA" sz="1000" kern="1200" dirty="0" smtClean="0"/>
-            <a:t>Architecture</a:t>
-          </a:r>
-        </a:p>
-      </dsp:txBody>
-      <dsp:txXfrm>
-        <a:off x="2024714" y="2498557"/>
-        <a:ext cx="1842730" cy="353364"/>
+        <a:off x="42451" y="3696812"/>
+        <a:ext cx="2877754" cy="784710"/>
       </dsp:txXfrm>
     </dsp:sp>
   </dsp:spTree>
@@ -5088,11 +5117,12 @@
 </file>
 
 <file path=ppt/diagrams/layout2.xml><?xml version="1.0" encoding="utf-8"?>
-<dgm:layoutDef xmlns:dgm="http://schemas.openxmlformats.org/drawingml/2006/diagram" xmlns:a="http://schemas.openxmlformats.org/drawingml/2006/main" uniqueId="urn:microsoft.com/office/officeart/2008/layout/NameandTitleOrganizationalChart">
+<dgm:layoutDef xmlns:dgm="http://schemas.openxmlformats.org/drawingml/2006/diagram" xmlns:a="http://schemas.openxmlformats.org/drawingml/2006/main" uniqueId="urn:microsoft.com/office/officeart/2005/8/layout/vList5">
   <dgm:title val=""/>
   <dgm:desc val=""/>
   <dgm:catLst>
-    <dgm:cat type="hierarchy" pri="1250"/>
+    <dgm:cat type="list" pri="15000"/>
+    <dgm:cat type="convert" pri="2000"/>
   </dgm:catLst>
   <dgm:sampData>
     <dgm:dataModel>
@@ -5101,25 +5131,41 @@
         <dgm:pt modelId="1">
           <dgm:prSet phldr="1"/>
         </dgm:pt>
-        <dgm:pt modelId="2" type="asst">
+        <dgm:pt modelId="11">
+          <dgm:prSet phldr="1"/>
+        </dgm:pt>
+        <dgm:pt modelId="12">
+          <dgm:prSet phldr="1"/>
+        </dgm:pt>
+        <dgm:pt modelId="2">
+          <dgm:prSet phldr="1"/>
+        </dgm:pt>
+        <dgm:pt modelId="21">
+          <dgm:prSet phldr="1"/>
+        </dgm:pt>
+        <dgm:pt modelId="22">
           <dgm:prSet phldr="1"/>
         </dgm:pt>
         <dgm:pt modelId="3">
           <dgm:prSet phldr="1"/>
         </dgm:pt>
-        <dgm:pt modelId="4">
+        <dgm:pt modelId="31">
           <dgm:prSet phldr="1"/>
         </dgm:pt>
-        <dgm:pt modelId="5">
+        <dgm:pt modelId="32">
           <dgm:prSet phldr="1"/>
         </dgm:pt>
       </dgm:ptLst>
       <dgm:cxnLst>
-        <dgm:cxn modelId="5" srcId="0" destId="1" srcOrd="0" destOrd="0"/>
-        <dgm:cxn modelId="6" srcId="1" destId="2" srcOrd="0" destOrd="0"/>
-        <dgm:cxn modelId="7" srcId="1" destId="3" srcOrd="1" destOrd="0"/>
-        <dgm:cxn modelId="8" srcId="1" destId="4" srcOrd="2" destOrd="0"/>
-        <dgm:cxn modelId="9" srcId="1" destId="5" srcOrd="3" destOrd="0"/>
+        <dgm:cxn modelId="4" srcId="0" destId="1" srcOrd="0" destOrd="0"/>
+        <dgm:cxn modelId="5" srcId="0" destId="2" srcOrd="1" destOrd="0"/>
+        <dgm:cxn modelId="6" srcId="0" destId="3" srcOrd="2" destOrd="0"/>
+        <dgm:cxn modelId="13" srcId="1" destId="11" srcOrd="0" destOrd="0"/>
+        <dgm:cxn modelId="14" srcId="1" destId="12" srcOrd="1" destOrd="0"/>
+        <dgm:cxn modelId="23" srcId="2" destId="21" srcOrd="0" destOrd="0"/>
+        <dgm:cxn modelId="24" srcId="2" destId="22" srcOrd="1" destOrd="0"/>
+        <dgm:cxn modelId="33" srcId="3" destId="31" srcOrd="0" destOrd="0"/>
+        <dgm:cxn modelId="34" srcId="3" destId="32" srcOrd="1" destOrd="0"/>
       </dgm:cxnLst>
       <dgm:bg/>
       <dgm:whole/>
@@ -5130,13 +5176,15 @@
       <dgm:ptLst>
         <dgm:pt modelId="0" type="doc"/>
         <dgm:pt modelId="1"/>
-        <dgm:pt modelId="12"/>
-        <dgm:pt modelId="13"/>
+        <dgm:pt modelId="11"/>
+        <dgm:pt modelId="2"/>
+        <dgm:pt modelId="21"/>
       </dgm:ptLst>
       <dgm:cxnLst>
-        <dgm:cxn modelId="2" srcId="0" destId="1" srcOrd="0" destOrd="0"/>
-        <dgm:cxn modelId="16" srcId="1" destId="12" srcOrd="1" destOrd="0"/>
-        <dgm:cxn modelId="17" srcId="1" destId="13" srcOrd="2" destOrd="0"/>
+        <dgm:cxn modelId="4" srcId="0" destId="1" srcOrd="0" destOrd="0"/>
+        <dgm:cxn modelId="5" srcId="0" destId="2" srcOrd="1" destOrd="0"/>
+        <dgm:cxn modelId="13" srcId="1" destId="11" srcOrd="0" destOrd="0"/>
+        <dgm:cxn modelId="23" srcId="2" destId="21" srcOrd="0" destOrd="0"/>
       </dgm:cxnLst>
       <dgm:bg/>
       <dgm:whole/>
@@ -5147,40 +5195,45 @@
       <dgm:ptLst>
         <dgm:pt modelId="0" type="doc"/>
         <dgm:pt modelId="1"/>
-        <dgm:pt modelId="11" type="asst"/>
-        <dgm:pt modelId="12"/>
-        <dgm:pt modelId="13"/>
-        <dgm:pt modelId="14"/>
+        <dgm:pt modelId="11"/>
+        <dgm:pt modelId="2"/>
+        <dgm:pt modelId="21"/>
+        <dgm:pt modelId="3"/>
+        <dgm:pt modelId="31"/>
+        <dgm:pt modelId="4"/>
+        <dgm:pt modelId="41"/>
       </dgm:ptLst>
       <dgm:cxnLst>
-        <dgm:cxn modelId="2" srcId="0" destId="1" srcOrd="0" destOrd="0"/>
-        <dgm:cxn modelId="15" srcId="1" destId="11" srcOrd="0" destOrd="0"/>
-        <dgm:cxn modelId="16" srcId="1" destId="12" srcOrd="1" destOrd="0"/>
-        <dgm:cxn modelId="17" srcId="1" destId="13" srcOrd="2" destOrd="0"/>
-        <dgm:cxn modelId="18" srcId="1" destId="14" srcOrd="2" destOrd="0"/>
+        <dgm:cxn modelId="5" srcId="0" destId="1" srcOrd="0" destOrd="0"/>
+        <dgm:cxn modelId="6" srcId="0" destId="2" srcOrd="1" destOrd="0"/>
+        <dgm:cxn modelId="7" srcId="0" destId="3" srcOrd="2" destOrd="0"/>
+        <dgm:cxn modelId="8" srcId="0" destId="4" srcOrd="3" destOrd="0"/>
+        <dgm:cxn modelId="13" srcId="1" destId="11" srcOrd="0" destOrd="0"/>
+        <dgm:cxn modelId="23" srcId="2" destId="21" srcOrd="0" destOrd="0"/>
+        <dgm:cxn modelId="33" srcId="3" destId="31" srcOrd="0" destOrd="0"/>
+        <dgm:cxn modelId="43" srcId="4" destId="41" srcOrd="0" destOrd="0"/>
       </dgm:cxnLst>
       <dgm:bg/>
       <dgm:whole/>
     </dgm:dataModel>
   </dgm:clrData>
-  <dgm:layoutNode name="hierChild1">
+  <dgm:layoutNode name="Name0">
     <dgm:varLst>
-      <dgm:orgChart val="1"/>
-      <dgm:chPref val="1"/>
       <dgm:dir/>
-      <dgm:animOne val="branch"/>
       <dgm:animLvl val="lvl"/>
-      <dgm:resizeHandles/>
+      <dgm:resizeHandles val="exact"/>
     </dgm:varLst>
-    <dgm:choose name="Name0">
-      <dgm:if name="Name1" func="var" arg="dir" op="equ" val="norm">
-        <dgm:alg type="hierChild">
-          <dgm:param type="linDir" val="fromL"/>
+    <dgm:choose name="Name1">
+      <dgm:if name="Name2" func="var" arg="dir" op="equ" val="norm">
+        <dgm:alg type="lin">
+          <dgm:param type="linDir" val="fromT"/>
+          <dgm:param type="nodeHorzAlign" val="l"/>
         </dgm:alg>
       </dgm:if>
-      <dgm:else name="Name2">
-        <dgm:alg type="hierChild">
-          <dgm:param type="linDir" val="fromR"/>
+      <dgm:else name="Name3">
+        <dgm:alg type="lin">
+          <dgm:param type="linDir" val="fromT"/>
+          <dgm:param type="nodeHorzAlign" val="r"/>
         </dgm:alg>
       </dgm:else>
     </dgm:choose>
@@ -5189,1078 +5242,106 @@
     </dgm:shape>
     <dgm:presOf/>
     <dgm:constrLst>
-      <dgm:constr type="w" for="des" forName="rootComposite1" refType="w" fact="10"/>
-      <dgm:constr type="h" for="des" forName="rootComposite1" refType="w" refFor="des" refForName="rootComposite1" fact="0.5"/>
-      <dgm:constr type="w" for="des" forName="rootComposite" refType="w" fact="10"/>
-      <dgm:constr type="h" for="des" forName="rootComposite" refType="w" refFor="des" refForName="rootComposite1" fact="0.5"/>
-      <dgm:constr type="w" for="des" forName="rootComposite3" refType="w" fact="10"/>
-      <dgm:constr type="h" for="des" forName="rootComposite3" refType="w" refFor="des" refForName="rootComposite1" fact="0.5"/>
-      <dgm:constr type="primFontSz" for="des" ptType="node" op="equ"/>
-      <dgm:constr type="sp" for="des" op="equ"/>
-      <dgm:constr type="sp" for="des" forName="hierRoot1" refType="w" refFor="des" refForName="rootComposite1" fact="0.21"/>
-      <dgm:constr type="sp" for="des" forName="hierRoot2" refType="sp" refFor="des" refForName="hierRoot1"/>
-      <dgm:constr type="sp" for="des" forName="hierRoot3" refType="sp" refFor="des" refForName="hierRoot1"/>
-      <dgm:constr type="sibSp" refType="w" refFor="des" refForName="rootComposite1" fact="0.21"/>
-      <dgm:constr type="sibSp" for="des" forName="hierChild2" refType="sibSp"/>
-      <dgm:constr type="sibSp" for="des" forName="hierChild3" refType="sibSp"/>
-      <dgm:constr type="sibSp" for="des" forName="hierChild4" refType="sibSp"/>
-      <dgm:constr type="sibSp" for="des" forName="hierChild5" refType="sibSp"/>
-      <dgm:constr type="sibSp" for="des" forName="hierChild6" refType="sibSp"/>
-      <dgm:constr type="sibSp" for="des" forName="hierChild7" refType="sibSp"/>
-      <dgm:constr type="secSibSp" refType="w" refFor="des" refForName="rootComposite1" fact="0.21"/>
-      <dgm:constr type="secSibSp" for="des" forName="hierChild2" refType="secSibSp"/>
-      <dgm:constr type="secSibSp" for="des" forName="hierChild3" refType="secSibSp"/>
-      <dgm:constr type="secSibSp" for="des" forName="hierChild4" refType="secSibSp"/>
-      <dgm:constr type="secSibSp" for="des" forName="hierChild5" refType="secSibSp"/>
-      <dgm:constr type="secSibSp" for="des" forName="hierChild6" refType="secSibSp"/>
-      <dgm:constr type="secSibSp" for="des" forName="hierChild7" refType="secSibSp"/>
+      <dgm:constr type="h" for="ch" forName="linNode" refType="h"/>
+      <dgm:constr type="w" for="ch" forName="linNode" refType="w"/>
+      <dgm:constr type="h" for="ch" forName="sp" refType="h" fact="0.05"/>
+      <dgm:constr type="primFontSz" for="des" forName="parentText" op="equ" val="65"/>
+      <dgm:constr type="secFontSz" for="des" forName="descendantText" op="equ"/>
     </dgm:constrLst>
     <dgm:ruleLst/>
-    <dgm:forEach name="Name3" axis="ch">
-      <dgm:forEach name="Name4" axis="self" ptType="node">
-        <dgm:layoutNode name="hierRoot1">
+    <dgm:forEach name="Name4" axis="ch" ptType="node">
+      <dgm:layoutNode name="linNode">
+        <dgm:choose name="Name5">
+          <dgm:if name="Name6" func="var" arg="dir" op="equ" val="norm">
+            <dgm:alg type="lin">
+              <dgm:param type="linDir" val="fromL"/>
+            </dgm:alg>
+          </dgm:if>
+          <dgm:else name="Name7">
+            <dgm:alg type="lin">
+              <dgm:param type="linDir" val="fromR"/>
+            </dgm:alg>
+          </dgm:else>
+        </dgm:choose>
+        <dgm:shape xmlns:r="http://schemas.openxmlformats.org/officeDocument/2006/relationships" r:blip="">
+          <dgm:adjLst/>
+        </dgm:shape>
+        <dgm:presOf/>
+        <dgm:constrLst>
+          <dgm:constr type="w" for="ch" forName="parentText" refType="w" fact="0.36"/>
+          <dgm:constr type="w" for="ch" forName="descendantText" refType="w" fact="0.64"/>
+          <dgm:constr type="h" for="ch" forName="parentText" refType="h"/>
+          <dgm:constr type="h" for="ch" forName="descendantText" refType="h" refFor="ch" refForName="parentText" fact="0.8"/>
+        </dgm:constrLst>
+        <dgm:ruleLst/>
+        <dgm:layoutNode name="parentText">
           <dgm:varLst>
-            <dgm:hierBranch val="init"/>
+            <dgm:chMax val="1"/>
+            <dgm:bulletEnabled val="1"/>
           </dgm:varLst>
-          <dgm:choose name="Name5">
-            <dgm:if name="Name6" func="var" arg="hierBranch" op="equ" val="l">
-              <dgm:choose name="Name7">
-                <dgm:if name="Name8" axis="ch" ptType="asst" func="cnt" op="gte" val="1">
-                  <dgm:alg type="hierRoot">
-                    <dgm:param type="hierAlign" val="tR"/>
-                  </dgm:alg>
-                  <dgm:constrLst>
-                    <dgm:constr type="alignOff" val="0.65"/>
-                  </dgm:constrLst>
+          <dgm:alg type="tx"/>
+          <dgm:shape xmlns:r="http://schemas.openxmlformats.org/officeDocument/2006/relationships" type="roundRect" r:blip="" zOrderOff="3">
+            <dgm:adjLst/>
+          </dgm:shape>
+          <dgm:presOf axis="self" ptType="node"/>
+          <dgm:constrLst>
+            <dgm:constr type="tMarg" refType="primFontSz" fact="0.15"/>
+            <dgm:constr type="bMarg" refType="primFontSz" fact="0.15"/>
+            <dgm:constr type="lMarg" refType="primFontSz" fact="0.3"/>
+            <dgm:constr type="rMarg" refType="primFontSz" fact="0.3"/>
+          </dgm:constrLst>
+          <dgm:ruleLst>
+            <dgm:rule type="primFontSz" val="5" fact="NaN" max="NaN"/>
+          </dgm:ruleLst>
+        </dgm:layoutNode>
+        <dgm:choose name="Name8">
+          <dgm:if name="Name9" axis="ch" ptType="node" func="cnt" op="gte" val="1">
+            <dgm:layoutNode name="descendantText" styleLbl="alignAccFollowNode1">
+              <dgm:varLst>
+                <dgm:bulletEnabled val="1"/>
+              </dgm:varLst>
+              <dgm:alg type="tx">
+                <dgm:param type="stBulletLvl" val="1"/>
+                <dgm:param type="txAnchorVertCh" val="mid"/>
+              </dgm:alg>
+              <dgm:choose name="Name10">
+                <dgm:if name="Name11" func="var" arg="dir" op="equ" val="norm">
+                  <dgm:shape xmlns:r="http://schemas.openxmlformats.org/officeDocument/2006/relationships" rot="90" type="round2SameRect" r:blip="">
+                    <dgm:adjLst/>
+                  </dgm:shape>
                 </dgm:if>
-                <dgm:else name="Name9">
-                  <dgm:alg type="hierRoot">
-                    <dgm:param type="hierAlign" val="tR"/>
-                  </dgm:alg>
-                  <dgm:constrLst>
-                    <dgm:constr type="alignOff" val="0.25"/>
-                  </dgm:constrLst>
+                <dgm:else name="Name12">
+                  <dgm:shape xmlns:r="http://schemas.openxmlformats.org/officeDocument/2006/relationships" rot="-90" type="round2SameRect" r:blip="">
+                    <dgm:adjLst/>
+                  </dgm:shape>
                 </dgm:else>
               </dgm:choose>
-            </dgm:if>
-            <dgm:if name="Name10" func="var" arg="hierBranch" op="equ" val="r">
-              <dgm:choose name="Name11">
-                <dgm:if name="Name12" axis="ch" ptType="asst" func="cnt" op="gte" val="1">
-                  <dgm:alg type="hierRoot">
-                    <dgm:param type="hierAlign" val="tL"/>
-                  </dgm:alg>
-                  <dgm:constrLst>
-                    <dgm:constr type="alignOff" val="0.65"/>
-                  </dgm:constrLst>
-                </dgm:if>
-                <dgm:else name="Name13">
-                  <dgm:alg type="hierRoot">
-                    <dgm:param type="hierAlign" val="tL"/>
-                  </dgm:alg>
-                  <dgm:constrLst>
-                    <dgm:constr type="alignOff" val="0.25"/>
-                  </dgm:constrLst>
-                </dgm:else>
-              </dgm:choose>
-            </dgm:if>
-            <dgm:if name="Name14" func="var" arg="hierBranch" op="equ" val="hang">
-              <dgm:alg type="hierRoot"/>
+              <dgm:presOf axis="des" ptType="node"/>
               <dgm:constrLst>
-                <dgm:constr type="alignOff" val="0.65"/>
+                <dgm:constr type="secFontSz" val="65"/>
+                <dgm:constr type="primFontSz" refType="secFontSz"/>
+                <dgm:constr type="lMarg" refType="secFontSz" fact="0.3"/>
+                <dgm:constr type="rMarg" refType="secFontSz" fact="0.3"/>
+                <dgm:constr type="tMarg" refType="secFontSz" fact="0.15"/>
+                <dgm:constr type="bMarg" refType="secFontSz" fact="0.15"/>
               </dgm:constrLst>
-            </dgm:if>
-            <dgm:else name="Name15">
-              <dgm:alg type="hierRoot"/>
-              <dgm:constrLst>
-                <dgm:constr type="alignOff"/>
-                <dgm:constr type="bendDist" for="des" ptType="parTrans" refType="sp" fact="0.5"/>
-              </dgm:constrLst>
-            </dgm:else>
-          </dgm:choose>
+              <dgm:ruleLst>
+                <dgm:rule type="secFontSz" val="5" fact="NaN" max="NaN"/>
+              </dgm:ruleLst>
+            </dgm:layoutNode>
+          </dgm:if>
+          <dgm:else name="Name13"/>
+        </dgm:choose>
+      </dgm:layoutNode>
+      <dgm:forEach name="Name14" axis="followSib" ptType="sibTrans" cnt="1">
+        <dgm:layoutNode name="sp">
+          <dgm:alg type="sp"/>
           <dgm:shape xmlns:r="http://schemas.openxmlformats.org/officeDocument/2006/relationships" r:blip="">
             <dgm:adjLst/>
           </dgm:shape>
           <dgm:presOf/>
+          <dgm:constrLst/>
           <dgm:ruleLst/>
-          <dgm:layoutNode name="rootComposite1">
-            <dgm:alg type="composite"/>
-            <dgm:shape xmlns:r="http://schemas.openxmlformats.org/officeDocument/2006/relationships" r:blip="">
-              <dgm:adjLst/>
-            </dgm:shape>
-            <dgm:presOf axis="self" ptType="node" cnt="1"/>
-            <dgm:choose name="Name16">
-              <dgm:if name="Name17" func="var" arg="hierBranch" op="equ" val="init">
-                <dgm:constrLst>
-                  <dgm:constr type="l" for="ch" forName="rootText1"/>
-                  <dgm:constr type="t" for="ch" forName="rootText1"/>
-                  <dgm:constr type="w" for="ch" forName="rootText1" refType="w"/>
-                  <dgm:constr type="h" for="ch" forName="rootText1" refType="h" fact="0.9"/>
-                  <dgm:constr type="l" for="ch" forName="titleText1" refType="w" fact="0.2"/>
-                  <dgm:constr type="t" for="ch" forName="titleText1" refType="h" fact="0.7"/>
-                  <dgm:constr type="w" for="ch" forName="titleText1" refType="w" fact="0.9"/>
-                  <dgm:constr type="h" for="ch" forName="titleText1" refType="h" fact="0.3"/>
-                  <dgm:constr type="primFontSz" for="des" forName="titleText1" refType="primFontSz" refFor="des" refForName="rootText1" op="lte"/>
-                  <dgm:constr type="l" for="ch" forName="rootConnector1"/>
-                  <dgm:constr type="t" for="ch" forName="rootConnector1"/>
-                  <dgm:constr type="w" for="ch" forName="rootConnector1" refType="w" refFor="ch" refForName="rootText1" fact="0.2"/>
-                  <dgm:constr type="h" for="ch" forName="rootConnector1" refType="h" refFor="ch" refForName="rootText1"/>
-                </dgm:constrLst>
-              </dgm:if>
-              <dgm:if name="Name18" func="var" arg="hierBranch" op="equ" val="l">
-                <dgm:constrLst>
-                  <dgm:constr type="l" for="ch" forName="rootText1"/>
-                  <dgm:constr type="t" for="ch" forName="rootText1"/>
-                  <dgm:constr type="w" for="ch" forName="rootText1" refType="w"/>
-                  <dgm:constr type="h" for="ch" forName="rootText1" refType="h" fact="0.9"/>
-                  <dgm:constr type="l" for="ch" forName="titleText1" refType="w" fact="0.2"/>
-                  <dgm:constr type="t" for="ch" forName="titleText1" refType="h" fact="0.7"/>
-                  <dgm:constr type="w" for="ch" forName="titleText1" refType="w" fact="0.9"/>
-                  <dgm:constr type="h" for="ch" forName="titleText1" refType="h" fact="0.3"/>
-                  <dgm:constr type="primFontSz" for="des" forName="titleText1" refType="primFontSz" refFor="des" refForName="rootText1" op="lte"/>
-                  <dgm:constr type="r" for="ch" forName="rootConnector1" refType="w"/>
-                  <dgm:constr type="t" for="ch" forName="rootConnector1"/>
-                  <dgm:constr type="w" for="ch" forName="rootConnector1" refType="w" refFor="ch" refForName="rootText1" fact="0.2"/>
-                  <dgm:constr type="h" for="ch" forName="rootConnector1" refType="h" refFor="ch" refForName="rootText1"/>
-                </dgm:constrLst>
-              </dgm:if>
-              <dgm:if name="Name19" func="var" arg="hierBranch" op="equ" val="r">
-                <dgm:constrLst>
-                  <dgm:constr type="l" for="ch" forName="rootText1"/>
-                  <dgm:constr type="t" for="ch" forName="rootText1"/>
-                  <dgm:constr type="w" for="ch" forName="rootText1" refType="w"/>
-                  <dgm:constr type="h" for="ch" forName="rootText1" refType="h" fact="0.9"/>
-                  <dgm:constr type="l" for="ch" forName="titleText1" refType="w" fact="0.2"/>
-                  <dgm:constr type="t" for="ch" forName="titleText1" refType="h" fact="0.7"/>
-                  <dgm:constr type="w" for="ch" forName="titleText1" refType="w" fact="0.9"/>
-                  <dgm:constr type="h" for="ch" forName="titleText1" refType="h" fact="0.3"/>
-                  <dgm:constr type="primFontSz" for="des" forName="titleText1" refType="primFontSz" refFor="des" refForName="rootText1" op="lte"/>
-                  <dgm:constr type="l" for="ch" forName="rootConnector1"/>
-                  <dgm:constr type="t" for="ch" forName="rootConnector1"/>
-                  <dgm:constr type="w" for="ch" forName="rootConnector1" refType="w" refFor="ch" refForName="rootText1" fact="0.2"/>
-                  <dgm:constr type="h" for="ch" forName="rootConnector1" refType="h" refFor="ch" refForName="rootText1"/>
-                </dgm:constrLst>
-              </dgm:if>
-              <dgm:else name="Name20">
-                <dgm:constrLst>
-                  <dgm:constr type="l" for="ch" forName="rootText1"/>
-                  <dgm:constr type="t" for="ch" forName="rootText1"/>
-                  <dgm:constr type="w" for="ch" forName="rootText1" refType="w"/>
-                  <dgm:constr type="h" for="ch" forName="rootText1" refType="h" fact="0.9"/>
-                  <dgm:constr type="l" for="ch" forName="titleText1" refType="w" fact="0.2"/>
-                  <dgm:constr type="t" for="ch" forName="titleText1" refType="h" fact="0.7"/>
-                  <dgm:constr type="w" for="ch" forName="titleText1" refType="w" fact="0.9"/>
-                  <dgm:constr type="h" for="ch" forName="titleText1" refType="h" fact="0.3"/>
-                  <dgm:constr type="primFontSz" for="des" forName="titleText1" refType="primFontSz" refFor="des" refForName="rootText1" op="lte"/>
-                  <dgm:constr type="r" for="ch" forName="rootConnector1" refType="w"/>
-                  <dgm:constr type="t" for="ch" forName="rootConnector1"/>
-                  <dgm:constr type="w" for="ch" forName="rootConnector1" refType="w" refFor="ch" refForName="rootText1" fact="0.2"/>
-                  <dgm:constr type="h" for="ch" forName="rootConnector1" refType="h" refFor="ch" refForName="rootText1"/>
-                </dgm:constrLst>
-              </dgm:else>
-            </dgm:choose>
-            <dgm:ruleLst/>
-            <dgm:layoutNode name="rootText1" styleLbl="node0">
-              <dgm:varLst>
-                <dgm:chMax/>
-                <dgm:chPref val="3"/>
-              </dgm:varLst>
-              <dgm:alg type="tx"/>
-              <dgm:shape xmlns:r="http://schemas.openxmlformats.org/officeDocument/2006/relationships" type="rect" r:blip="">
-                <dgm:adjLst/>
-              </dgm:shape>
-              <dgm:presOf axis="self" ptType="node" cnt="1"/>
-              <dgm:constrLst>
-                <dgm:constr type="primFontSz" val="65"/>
-                <dgm:constr type="lMarg" refType="primFontSz" fact="0.05"/>
-                <dgm:constr type="rMarg" refType="primFontSz" fact="0.05"/>
-                <dgm:constr type="tMarg" refType="primFontSz" fact="0.05"/>
-                <dgm:constr type="bMarg" refType="h" fact="0.4"/>
-              </dgm:constrLst>
-              <dgm:ruleLst>
-                <dgm:rule type="primFontSz" val="5" fact="NaN" max="NaN"/>
-              </dgm:ruleLst>
-            </dgm:layoutNode>
-            <dgm:layoutNode name="titleText1" styleLbl="fgAcc0">
-              <dgm:varLst>
-                <dgm:chMax val="0"/>
-                <dgm:chPref val="0"/>
-              </dgm:varLst>
-              <dgm:alg type="tx">
-                <dgm:param type="parTxLTRAlign" val="r"/>
-              </dgm:alg>
-              <dgm:shape xmlns:r="http://schemas.openxmlformats.org/officeDocument/2006/relationships" type="rect" r:blip="">
-                <dgm:adjLst/>
-              </dgm:shape>
-              <dgm:presOf axis="followSib" ptType="sibTrans" hideLastTrans="0" cnt="1"/>
-              <dgm:constrLst>
-                <dgm:constr type="primFontSz" val="65"/>
-                <dgm:constr type="lMarg" refType="primFontSz" fact="0.2"/>
-                <dgm:constr type="rMarg" refType="primFontSz" fact="0.2"/>
-                <dgm:constr type="tMarg" refType="primFontSz" fact="0.05"/>
-                <dgm:constr type="bMarg" refType="primFontSz" fact="0.05"/>
-              </dgm:constrLst>
-              <dgm:ruleLst>
-                <dgm:rule type="primFontSz" val="5" fact="NaN" max="NaN"/>
-              </dgm:ruleLst>
-            </dgm:layoutNode>
-            <dgm:layoutNode name="rootConnector1" moveWith="rootText1">
-              <dgm:alg type="sp"/>
-              <dgm:shape xmlns:r="http://schemas.openxmlformats.org/officeDocument/2006/relationships" type="rect" r:blip="" hideGeom="1">
-                <dgm:adjLst/>
-              </dgm:shape>
-              <dgm:presOf axis="self" ptType="node" cnt="1"/>
-              <dgm:constrLst/>
-              <dgm:ruleLst/>
-            </dgm:layoutNode>
-          </dgm:layoutNode>
-          <dgm:layoutNode name="hierChild2">
-            <dgm:choose name="Name21">
-              <dgm:if name="Name22" func="var" arg="hierBranch" op="equ" val="l">
-                <dgm:alg type="hierChild">
-                  <dgm:param type="chAlign" val="r"/>
-                  <dgm:param type="linDir" val="fromT"/>
-                </dgm:alg>
-              </dgm:if>
-              <dgm:if name="Name23" func="var" arg="hierBranch" op="equ" val="r">
-                <dgm:alg type="hierChild">
-                  <dgm:param type="chAlign" val="l"/>
-                  <dgm:param type="linDir" val="fromT"/>
-                </dgm:alg>
-              </dgm:if>
-              <dgm:if name="Name24" func="var" arg="hierBranch" op="equ" val="hang">
-                <dgm:choose name="Name25">
-                  <dgm:if name="Name26" func="var" arg="dir" op="equ" val="norm">
-                    <dgm:alg type="hierChild">
-                      <dgm:param type="chAlign" val="l"/>
-                      <dgm:param type="linDir" val="fromL"/>
-                      <dgm:param type="secChAlign" val="t"/>
-                      <dgm:param type="secLinDir" val="fromT"/>
-                    </dgm:alg>
-                  </dgm:if>
-                  <dgm:else name="Name27">
-                    <dgm:alg type="hierChild">
-                      <dgm:param type="chAlign" val="l"/>
-                      <dgm:param type="linDir" val="fromR"/>
-                      <dgm:param type="secChAlign" val="t"/>
-                      <dgm:param type="secLinDir" val="fromT"/>
-                    </dgm:alg>
-                  </dgm:else>
-                </dgm:choose>
-              </dgm:if>
-              <dgm:else name="Name28">
-                <dgm:choose name="Name29">
-                  <dgm:if name="Name30" func="var" arg="dir" op="equ" val="norm">
-                    <dgm:alg type="hierChild"/>
-                  </dgm:if>
-                  <dgm:else name="Name31">
-                    <dgm:alg type="hierChild">
-                      <dgm:param type="linDir" val="fromR"/>
-                    </dgm:alg>
-                  </dgm:else>
-                </dgm:choose>
-              </dgm:else>
-            </dgm:choose>
-            <dgm:shape xmlns:r="http://schemas.openxmlformats.org/officeDocument/2006/relationships" r:blip="">
-              <dgm:adjLst/>
-            </dgm:shape>
-            <dgm:presOf/>
-            <dgm:constrLst/>
-            <dgm:ruleLst/>
-            <dgm:forEach name="rep2a" axis="ch" ptType="nonAsst">
-              <dgm:forEach name="Name32" axis="precedSib" ptType="parTrans" st="-1" cnt="1">
-                <dgm:choose name="Name33">
-                  <dgm:if name="Name34" func="var" arg="hierBranch" op="equ" val="std">
-                    <dgm:layoutNode name="Name35">
-                      <dgm:alg type="conn">
-                        <dgm:param type="connRout" val="bend"/>
-                        <dgm:param type="dim" val="1D"/>
-                        <dgm:param type="endSty" val="noArr"/>
-                        <dgm:param type="begPts" val="bCtr"/>
-                        <dgm:param type="endPts" val="tCtr"/>
-                        <dgm:param type="bendPt" val="end"/>
-                      </dgm:alg>
-                      <dgm:shape xmlns:r="http://schemas.openxmlformats.org/officeDocument/2006/relationships" type="conn" r:blip="" zOrderOff="-99999">
-                        <dgm:adjLst/>
-                      </dgm:shape>
-                      <dgm:presOf axis="self"/>
-                      <dgm:constrLst>
-                        <dgm:constr type="begPad"/>
-                        <dgm:constr type="endPad"/>
-                      </dgm:constrLst>
-                      <dgm:ruleLst/>
-                    </dgm:layoutNode>
-                  </dgm:if>
-                  <dgm:if name="Name36" func="var" arg="hierBranch" op="equ" val="init">
-                    <dgm:layoutNode name="Name37">
-                      <dgm:choose name="Name38">
-                        <dgm:if name="Name39" axis="self" func="depth" op="lte" val="2">
-                          <dgm:alg type="conn">
-                            <dgm:param type="connRout" val="bend"/>
-                            <dgm:param type="dim" val="1D"/>
-                            <dgm:param type="endSty" val="noArr"/>
-                            <dgm:param type="begPts" val="bCtr"/>
-                            <dgm:param type="endPts" val="tCtr"/>
-                            <dgm:param type="bendPt" val="end"/>
-                          </dgm:alg>
-                        </dgm:if>
-                        <dgm:else name="Name40">
-                          <dgm:alg type="conn">
-                            <dgm:param type="connRout" val="bend"/>
-                            <dgm:param type="dim" val="1D"/>
-                            <dgm:param type="endSty" val="noArr"/>
-                            <dgm:param type="begPts" val="bCtr"/>
-                            <dgm:param type="endPts" val="tCtr"/>
-                            <dgm:param type="bendPt" val="end"/>
-                          </dgm:alg>
-                        </dgm:else>
-                      </dgm:choose>
-                      <dgm:shape xmlns:r="http://schemas.openxmlformats.org/officeDocument/2006/relationships" type="conn" r:blip="" zOrderOff="-99999">
-                        <dgm:adjLst/>
-                      </dgm:shape>
-                      <dgm:presOf axis="self"/>
-                      <dgm:constrLst>
-                        <dgm:constr type="begPad"/>
-                        <dgm:constr type="endPad"/>
-                      </dgm:constrLst>
-                      <dgm:ruleLst/>
-                    </dgm:layoutNode>
-                  </dgm:if>
-                  <dgm:if name="Name41" func="var" arg="hierBranch" op="equ" val="hang">
-                    <dgm:layoutNode name="Name42">
-                      <dgm:alg type="conn">
-                        <dgm:param type="connRout" val="bend"/>
-                        <dgm:param type="dim" val="1D"/>
-                        <dgm:param type="endSty" val="noArr"/>
-                        <dgm:param type="begPts" val="bCtr"/>
-                        <dgm:param type="endPts" val="midL midR"/>
-                      </dgm:alg>
-                      <dgm:shape xmlns:r="http://schemas.openxmlformats.org/officeDocument/2006/relationships" type="conn" r:blip="" zOrderOff="-99999">
-                        <dgm:adjLst/>
-                      </dgm:shape>
-                      <dgm:presOf axis="self"/>
-                      <dgm:constrLst>
-                        <dgm:constr type="begPad"/>
-                        <dgm:constr type="endPad"/>
-                      </dgm:constrLst>
-                      <dgm:ruleLst/>
-                    </dgm:layoutNode>
-                  </dgm:if>
-                  <dgm:else name="Name43">
-                    <dgm:layoutNode name="Name44">
-                      <dgm:choose name="Name45">
-                        <dgm:if name="Name46" axis="self" func="depth" op="lte" val="2">
-                          <dgm:choose name="Name47">
-                            <dgm:if name="Name48" axis="par ch" ptType="node asst" func="cnt" op="gte" val="1">
-                              <dgm:alg type="conn">
-                                <dgm:param type="connRout" val="bend"/>
-                                <dgm:param type="dim" val="1D"/>
-                                <dgm:param type="endSty" val="noArr"/>
-                                <dgm:param type="begPts" val="bCtr"/>
-                                <dgm:param type="endPts" val="midL midR"/>
-                              </dgm:alg>
-                            </dgm:if>
-                            <dgm:else name="Name49">
-                              <dgm:alg type="conn">
-                                <dgm:param type="connRout" val="bend"/>
-                                <dgm:param type="dim" val="1D"/>
-                                <dgm:param type="endSty" val="noArr"/>
-                                <dgm:param type="begPts" val="bCtr"/>
-                                <dgm:param type="endPts" val="midL midR"/>
-                                <dgm:param type="srcNode" val="rootConnector1"/>
-                              </dgm:alg>
-                            </dgm:else>
-                          </dgm:choose>
-                        </dgm:if>
-                        <dgm:else name="Name50">
-                          <dgm:choose name="Name51">
-                            <dgm:if name="Name52" axis="par ch" ptType="node asst" func="cnt" op="gte" val="1">
-                              <dgm:alg type="conn">
-                                <dgm:param type="connRout" val="bend"/>
-                                <dgm:param type="dim" val="1D"/>
-                                <dgm:param type="endSty" val="noArr"/>
-                                <dgm:param type="begPts" val="bCtr"/>
-                                <dgm:param type="endPts" val="midL midR"/>
-                              </dgm:alg>
-                            </dgm:if>
-                            <dgm:else name="Name53">
-                              <dgm:alg type="conn">
-                                <dgm:param type="connRout" val="bend"/>
-                                <dgm:param type="dim" val="1D"/>
-                                <dgm:param type="endSty" val="noArr"/>
-                                <dgm:param type="begPts" val="bCtr"/>
-                                <dgm:param type="endPts" val="midL midR"/>
-                                <dgm:param type="srcNode" val="rootConnector"/>
-                              </dgm:alg>
-                            </dgm:else>
-                          </dgm:choose>
-                        </dgm:else>
-                      </dgm:choose>
-                      <dgm:shape xmlns:r="http://schemas.openxmlformats.org/officeDocument/2006/relationships" type="conn" r:blip="" zOrderOff="-99999">
-                        <dgm:adjLst/>
-                      </dgm:shape>
-                      <dgm:presOf axis="self"/>
-                      <dgm:constrLst>
-                        <dgm:constr type="begPad"/>
-                        <dgm:constr type="endPad"/>
-                      </dgm:constrLst>
-                      <dgm:ruleLst/>
-                    </dgm:layoutNode>
-                  </dgm:else>
-                </dgm:choose>
-              </dgm:forEach>
-              <dgm:layoutNode name="hierRoot2">
-                <dgm:varLst>
-                  <dgm:hierBranch val="init"/>
-                </dgm:varLst>
-                <dgm:choose name="Name54">
-                  <dgm:if name="Name55" func="var" arg="hierBranch" op="equ" val="l">
-                    <dgm:choose name="Name56">
-                      <dgm:if name="Name57" axis="ch" ptType="asst" func="cnt" op="gte" val="1">
-                        <dgm:alg type="hierRoot">
-                          <dgm:param type="hierAlign" val="tR"/>
-                        </dgm:alg>
-                        <dgm:shape xmlns:r="http://schemas.openxmlformats.org/officeDocument/2006/relationships" r:blip="">
-                          <dgm:adjLst/>
-                        </dgm:shape>
-                        <dgm:presOf/>
-                        <dgm:constrLst>
-                          <dgm:constr type="alignOff" val="0.65"/>
-                        </dgm:constrLst>
-                      </dgm:if>
-                      <dgm:else name="Name58">
-                        <dgm:alg type="hierRoot">
-                          <dgm:param type="hierAlign" val="tR"/>
-                        </dgm:alg>
-                        <dgm:shape xmlns:r="http://schemas.openxmlformats.org/officeDocument/2006/relationships" r:blip="">
-                          <dgm:adjLst/>
-                        </dgm:shape>
-                        <dgm:presOf/>
-                        <dgm:constrLst>
-                          <dgm:constr type="alignOff" val="0.25"/>
-                        </dgm:constrLst>
-                      </dgm:else>
-                    </dgm:choose>
-                  </dgm:if>
-                  <dgm:if name="Name59" func="var" arg="hierBranch" op="equ" val="r">
-                    <dgm:choose name="Name60">
-                      <dgm:if name="Name61" axis="ch" ptType="asst" func="cnt" op="gte" val="1">
-                        <dgm:alg type="hierRoot">
-                          <dgm:param type="hierAlign" val="tL"/>
-                        </dgm:alg>
-                        <dgm:shape xmlns:r="http://schemas.openxmlformats.org/officeDocument/2006/relationships" r:blip="">
-                          <dgm:adjLst/>
-                        </dgm:shape>
-                        <dgm:presOf/>
-                        <dgm:constrLst>
-                          <dgm:constr type="alignOff" val="0.65"/>
-                        </dgm:constrLst>
-                      </dgm:if>
-                      <dgm:else name="Name62">
-                        <dgm:alg type="hierRoot">
-                          <dgm:param type="hierAlign" val="tL"/>
-                        </dgm:alg>
-                        <dgm:shape xmlns:r="http://schemas.openxmlformats.org/officeDocument/2006/relationships" r:blip="">
-                          <dgm:adjLst/>
-                        </dgm:shape>
-                        <dgm:presOf/>
-                        <dgm:constrLst>
-                          <dgm:constr type="alignOff" val="0.25"/>
-                        </dgm:constrLst>
-                      </dgm:else>
-                    </dgm:choose>
-                  </dgm:if>
-                  <dgm:if name="Name63" func="var" arg="hierBranch" op="equ" val="std">
-                    <dgm:alg type="hierRoot"/>
-                    <dgm:shape xmlns:r="http://schemas.openxmlformats.org/officeDocument/2006/relationships" r:blip="">
-                      <dgm:adjLst/>
-                    </dgm:shape>
-                    <dgm:presOf/>
-                    <dgm:constrLst>
-                      <dgm:constr type="alignOff"/>
-                      <dgm:constr type="bendDist" for="des" ptType="parTrans" refType="sp" fact="0.5"/>
-                    </dgm:constrLst>
-                  </dgm:if>
-                  <dgm:if name="Name64" func="var" arg="hierBranch" op="equ" val="init">
-                    <dgm:alg type="hierRoot"/>
-                    <dgm:shape xmlns:r="http://schemas.openxmlformats.org/officeDocument/2006/relationships" r:blip="">
-                      <dgm:adjLst/>
-                    </dgm:shape>
-                    <dgm:presOf/>
-                    <dgm:constrLst>
-                      <dgm:constr type="alignOff"/>
-                      <dgm:constr type="bendDist" for="des" ptType="parTrans" refType="sp" fact="0.5"/>
-                    </dgm:constrLst>
-                  </dgm:if>
-                  <dgm:else name="Name65">
-                    <dgm:alg type="hierRoot"/>
-                    <dgm:shape xmlns:r="http://schemas.openxmlformats.org/officeDocument/2006/relationships" r:blip="">
-                      <dgm:adjLst/>
-                    </dgm:shape>
-                    <dgm:presOf/>
-                    <dgm:constrLst>
-                      <dgm:constr type="alignOff" val="0.65"/>
-                    </dgm:constrLst>
-                  </dgm:else>
-                </dgm:choose>
-                <dgm:ruleLst/>
-                <dgm:layoutNode name="rootComposite">
-                  <dgm:alg type="composite"/>
-                  <dgm:shape xmlns:r="http://schemas.openxmlformats.org/officeDocument/2006/relationships" r:blip="">
-                    <dgm:adjLst/>
-                  </dgm:shape>
-                  <dgm:presOf axis="self" ptType="node" cnt="1"/>
-                  <dgm:choose name="Name66">
-                    <dgm:if name="Name67" func="var" arg="hierBranch" op="equ" val="init">
-                      <dgm:constrLst>
-                        <dgm:constr type="l" for="ch" forName="rootText"/>
-                        <dgm:constr type="t" for="ch" forName="rootText"/>
-                        <dgm:constr type="w" for="ch" forName="rootText" refType="w"/>
-                        <dgm:constr type="h" for="ch" forName="rootText" refType="h" fact="0.9"/>
-                        <dgm:constr type="l" for="ch" forName="titleText2" refType="w" fact="0.2"/>
-                        <dgm:constr type="t" for="ch" forName="titleText2" refType="h" fact="0.7"/>
-                        <dgm:constr type="w" for="ch" forName="titleText2" refType="w" fact="0.9"/>
-                        <dgm:constr type="h" for="ch" forName="titleText2" refType="h" fact="0.3"/>
-                        <dgm:constr type="primFontSz" for="des" forName="titleText2" refType="primFontSz" refFor="des" refForName="rootText1" op="lte"/>
-                        <dgm:constr type="l" for="ch" forName="rootConnector"/>
-                        <dgm:constr type="t" for="ch" forName="rootConnector"/>
-                        <dgm:constr type="w" for="ch" forName="rootConnector" refType="w" refFor="ch" refForName="rootText" fact="0.2"/>
-                        <dgm:constr type="h" for="ch" forName="rootConnector" refType="h" refFor="ch" refForName="rootText"/>
-                      </dgm:constrLst>
-                    </dgm:if>
-                    <dgm:if name="Name68" func="var" arg="hierBranch" op="equ" val="l">
-                      <dgm:constrLst>
-                        <dgm:constr type="l" for="ch" forName="rootText"/>
-                        <dgm:constr type="t" for="ch" forName="rootText"/>
-                        <dgm:constr type="w" for="ch" forName="rootText" refType="w"/>
-                        <dgm:constr type="h" for="ch" forName="rootText" refType="h" fact="0.9"/>
-                        <dgm:constr type="l" for="ch" forName="titleText2" refType="w" fact="0.2"/>
-                        <dgm:constr type="t" for="ch" forName="titleText2" refType="h" fact="0.7"/>
-                        <dgm:constr type="w" for="ch" forName="titleText2" refType="w" fact="0.9"/>
-                        <dgm:constr type="h" for="ch" forName="titleText2" refType="h" fact="0.3"/>
-                        <dgm:constr type="primFontSz" for="des" forName="titleText2" refType="primFontSz" refFor="des" refForName="rootText1" op="lte"/>
-                        <dgm:constr type="r" for="ch" forName="rootConnector" refType="w"/>
-                        <dgm:constr type="t" for="ch" forName="rootConnector"/>
-                        <dgm:constr type="w" for="ch" forName="rootConnector" refType="w" refFor="ch" refForName="rootText" fact="0.2"/>
-                        <dgm:constr type="h" for="ch" forName="rootConnector" refType="h" refFor="ch" refForName="rootText"/>
-                      </dgm:constrLst>
-                    </dgm:if>
-                    <dgm:if name="Name69" func="var" arg="hierBranch" op="equ" val="r">
-                      <dgm:constrLst>
-                        <dgm:constr type="l" for="ch" forName="rootText"/>
-                        <dgm:constr type="t" for="ch" forName="rootText"/>
-                        <dgm:constr type="w" for="ch" forName="rootText" refType="w"/>
-                        <dgm:constr type="h" for="ch" forName="rootText" refType="h" fact="0.9"/>
-                        <dgm:constr type="l" for="ch" forName="titleText2" refType="w" fact="0.2"/>
-                        <dgm:constr type="t" for="ch" forName="titleText2" refType="h" fact="0.7"/>
-                        <dgm:constr type="w" for="ch" forName="titleText2" refType="w" fact="0.9"/>
-                        <dgm:constr type="h" for="ch" forName="titleText2" refType="h" fact="0.3"/>
-                        <dgm:constr type="primFontSz" for="des" forName="titleText2" refType="primFontSz" refFor="des" refForName="rootText1" op="lte"/>
-                        <dgm:constr type="l" for="ch" forName="rootConnector"/>
-                        <dgm:constr type="t" for="ch" forName="rootConnector"/>
-                        <dgm:constr type="w" for="ch" forName="rootConnector" refType="w" refFor="ch" refForName="rootText" fact="0.2"/>
-                        <dgm:constr type="h" for="ch" forName="rootConnector" refType="h" refFor="ch" refForName="rootText"/>
-                      </dgm:constrLst>
-                    </dgm:if>
-                    <dgm:else name="Name70">
-                      <dgm:constrLst>
-                        <dgm:constr type="l" for="ch" forName="rootText"/>
-                        <dgm:constr type="t" for="ch" forName="rootText"/>
-                        <dgm:constr type="w" for="ch" forName="rootText" refType="w"/>
-                        <dgm:constr type="h" for="ch" forName="rootText" refType="h" fact="0.9"/>
-                        <dgm:constr type="l" for="ch" forName="titleText2" refType="w" fact="0.2"/>
-                        <dgm:constr type="t" for="ch" forName="titleText2" refType="h" fact="0.7"/>
-                        <dgm:constr type="w" for="ch" forName="titleText2" refType="w" fact="0.9"/>
-                        <dgm:constr type="h" for="ch" forName="titleText2" refType="h" fact="0.3"/>
-                        <dgm:constr type="primFontSz" for="des" forName="titleText2" refType="primFontSz" refFor="des" refForName="rootText1" op="lte"/>
-                        <dgm:constr type="r" for="ch" forName="rootConnector" refType="w"/>
-                        <dgm:constr type="t" for="ch" forName="rootConnector"/>
-                        <dgm:constr type="w" for="ch" forName="rootConnector" refType="w" refFor="ch" refForName="rootText" fact="0.2"/>
-                        <dgm:constr type="h" for="ch" forName="rootConnector" refType="h" refFor="ch" refForName="rootText"/>
-                      </dgm:constrLst>
-                    </dgm:else>
-                  </dgm:choose>
-                  <dgm:ruleLst/>
-                  <dgm:layoutNode name="rootText" styleLbl="node1">
-                    <dgm:varLst>
-                      <dgm:chMax/>
-                      <dgm:chPref val="3"/>
-                    </dgm:varLst>
-                    <dgm:alg type="tx"/>
-                    <dgm:shape xmlns:r="http://schemas.openxmlformats.org/officeDocument/2006/relationships" type="rect" r:blip="">
-                      <dgm:adjLst/>
-                    </dgm:shape>
-                    <dgm:presOf axis="self" ptType="node" cnt="1"/>
-                    <dgm:constrLst>
-                      <dgm:constr type="primFontSz" val="65"/>
-                      <dgm:constr type="lMarg" refType="primFontSz" fact="0.05"/>
-                      <dgm:constr type="rMarg" refType="primFontSz" fact="0.05"/>
-                      <dgm:constr type="tMarg" refType="primFontSz" fact="0.05"/>
-                      <dgm:constr type="bMarg" refType="h" fact="0.4"/>
-                    </dgm:constrLst>
-                    <dgm:ruleLst>
-                      <dgm:rule type="primFontSz" val="5" fact="NaN" max="NaN"/>
-                    </dgm:ruleLst>
-                  </dgm:layoutNode>
-                  <dgm:layoutNode name="titleText2" styleLbl="fgAcc1">
-                    <dgm:varLst>
-                      <dgm:chMax val="0"/>
-                      <dgm:chPref val="0"/>
-                    </dgm:varLst>
-                    <dgm:alg type="tx">
-                      <dgm:param type="parTxLTRAlign" val="r"/>
-                    </dgm:alg>
-                    <dgm:shape xmlns:r="http://schemas.openxmlformats.org/officeDocument/2006/relationships" type="rect" r:blip="">
-                      <dgm:adjLst/>
-                    </dgm:shape>
-                    <dgm:presOf axis="followSib" ptType="sibTrans" hideLastTrans="0" cnt="1"/>
-                    <dgm:constrLst>
-                      <dgm:constr type="primFontSz" val="65"/>
-                      <dgm:constr type="lMarg" refType="primFontSz" fact="0.2"/>
-                      <dgm:constr type="rMarg" refType="primFontSz" fact="0.2"/>
-                      <dgm:constr type="tMarg" refType="primFontSz" fact="0.05"/>
-                      <dgm:constr type="bMarg" refType="primFontSz" fact="0.05"/>
-                    </dgm:constrLst>
-                    <dgm:ruleLst>
-                      <dgm:rule type="primFontSz" val="5" fact="NaN" max="NaN"/>
-                    </dgm:ruleLst>
-                  </dgm:layoutNode>
-                  <dgm:layoutNode name="rootConnector" moveWith="rootText">
-                    <dgm:alg type="sp"/>
-                    <dgm:shape xmlns:r="http://schemas.openxmlformats.org/officeDocument/2006/relationships" type="rect" r:blip="" hideGeom="1">
-                      <dgm:adjLst/>
-                    </dgm:shape>
-                    <dgm:presOf axis="self" ptType="node" cnt="1"/>
-                    <dgm:constrLst/>
-                    <dgm:ruleLst/>
-                  </dgm:layoutNode>
-                </dgm:layoutNode>
-                <dgm:layoutNode name="hierChild4">
-                  <dgm:choose name="Name71">
-                    <dgm:if name="Name72" func="var" arg="hierBranch" op="equ" val="l">
-                      <dgm:alg type="hierChild">
-                        <dgm:param type="chAlign" val="r"/>
-                        <dgm:param type="linDir" val="fromT"/>
-                      </dgm:alg>
-                    </dgm:if>
-                    <dgm:if name="Name73" func="var" arg="hierBranch" op="equ" val="r">
-                      <dgm:alg type="hierChild">
-                        <dgm:param type="chAlign" val="l"/>
-                        <dgm:param type="linDir" val="fromT"/>
-                      </dgm:alg>
-                    </dgm:if>
-                    <dgm:if name="Name74" func="var" arg="hierBranch" op="equ" val="hang">
-                      <dgm:choose name="Name75">
-                        <dgm:if name="Name76" func="var" arg="dir" op="equ" val="norm">
-                          <dgm:alg type="hierChild">
-                            <dgm:param type="chAlign" val="l"/>
-                            <dgm:param type="linDir" val="fromL"/>
-                            <dgm:param type="secChAlign" val="t"/>
-                            <dgm:param type="secLinDir" val="fromT"/>
-                          </dgm:alg>
-                        </dgm:if>
-                        <dgm:else name="Name77">
-                          <dgm:alg type="hierChild">
-                            <dgm:param type="chAlign" val="l"/>
-                            <dgm:param type="linDir" val="fromR"/>
-                            <dgm:param type="secChAlign" val="t"/>
-                            <dgm:param type="secLinDir" val="fromT"/>
-                          </dgm:alg>
-                        </dgm:else>
-                      </dgm:choose>
-                    </dgm:if>
-                    <dgm:if name="Name78" func="var" arg="hierBranch" op="equ" val="std">
-                      <dgm:choose name="Name79">
-                        <dgm:if name="Name80" func="var" arg="dir" op="equ" val="norm">
-                          <dgm:alg type="hierChild"/>
-                        </dgm:if>
-                        <dgm:else name="Name81">
-                          <dgm:alg type="hierChild">
-                            <dgm:param type="linDir" val="fromR"/>
-                          </dgm:alg>
-                        </dgm:else>
-                      </dgm:choose>
-                    </dgm:if>
-                    <dgm:if name="Name82" func="var" arg="hierBranch" op="equ" val="init">
-                      <dgm:choose name="Name83">
-                        <dgm:if name="Name84" func="var" arg="dir" op="equ" val="norm">
-                          <dgm:alg type="hierChild"/>
-                        </dgm:if>
-                        <dgm:else name="Name85">
-                          <dgm:alg type="hierChild">
-                            <dgm:param type="linDir" val="fromR"/>
-                          </dgm:alg>
-                        </dgm:else>
-                      </dgm:choose>
-                    </dgm:if>
-                    <dgm:else name="Name86"/>
-                  </dgm:choose>
-                  <dgm:shape xmlns:r="http://schemas.openxmlformats.org/officeDocument/2006/relationships" r:blip="">
-                    <dgm:adjLst/>
-                  </dgm:shape>
-                  <dgm:presOf/>
-                  <dgm:constrLst/>
-                  <dgm:ruleLst/>
-                  <dgm:forEach name="Name87" ref="rep2a"/>
-                </dgm:layoutNode>
-                <dgm:layoutNode name="hierChild5">
-                  <dgm:choose name="Name88">
-                    <dgm:if name="Name89" func="var" arg="dir" op="equ" val="norm">
-                      <dgm:alg type="hierChild">
-                        <dgm:param type="chAlign" val="l"/>
-                        <dgm:param type="linDir" val="fromL"/>
-                        <dgm:param type="secChAlign" val="t"/>
-                        <dgm:param type="secLinDir" val="fromT"/>
-                      </dgm:alg>
-                    </dgm:if>
-                    <dgm:else name="Name90">
-                      <dgm:alg type="hierChild">
-                        <dgm:param type="chAlign" val="l"/>
-                        <dgm:param type="linDir" val="fromR"/>
-                        <dgm:param type="secChAlign" val="t"/>
-                        <dgm:param type="secLinDir" val="fromT"/>
-                      </dgm:alg>
-                    </dgm:else>
-                  </dgm:choose>
-                  <dgm:shape xmlns:r="http://schemas.openxmlformats.org/officeDocument/2006/relationships" r:blip="">
-                    <dgm:adjLst/>
-                  </dgm:shape>
-                  <dgm:presOf/>
-                  <dgm:constrLst/>
-                  <dgm:ruleLst/>
-                  <dgm:forEach name="Name91" ref="rep2b"/>
-                </dgm:layoutNode>
-              </dgm:layoutNode>
-            </dgm:forEach>
-          </dgm:layoutNode>
-          <dgm:layoutNode name="hierChild3">
-            <dgm:choose name="Name92">
-              <dgm:if name="Name93" func="var" arg="dir" op="equ" val="norm">
-                <dgm:alg type="hierChild">
-                  <dgm:param type="chAlign" val="l"/>
-                  <dgm:param type="linDir" val="fromL"/>
-                  <dgm:param type="secChAlign" val="t"/>
-                  <dgm:param type="secLinDir" val="fromT"/>
-                </dgm:alg>
-              </dgm:if>
-              <dgm:else name="Name94">
-                <dgm:alg type="hierChild">
-                  <dgm:param type="chAlign" val="l"/>
-                  <dgm:param type="linDir" val="fromR"/>
-                  <dgm:param type="secChAlign" val="t"/>
-                  <dgm:param type="secLinDir" val="fromT"/>
-                </dgm:alg>
-              </dgm:else>
-            </dgm:choose>
-            <dgm:shape xmlns:r="http://schemas.openxmlformats.org/officeDocument/2006/relationships" r:blip="">
-              <dgm:adjLst/>
-            </dgm:shape>
-            <dgm:presOf/>
-            <dgm:constrLst/>
-            <dgm:ruleLst/>
-            <dgm:forEach name="rep2b" axis="ch" ptType="asst">
-              <dgm:forEach name="Name95" axis="precedSib" ptType="parTrans" st="-1" cnt="1">
-                <dgm:layoutNode name="Name96">
-                  <dgm:alg type="conn">
-                    <dgm:param type="connRout" val="bend"/>
-                    <dgm:param type="dim" val="1D"/>
-                    <dgm:param type="endSty" val="noArr"/>
-                    <dgm:param type="begPts" val="bCtr"/>
-                    <dgm:param type="endPts" val="midL midR"/>
-                  </dgm:alg>
-                  <dgm:shape xmlns:r="http://schemas.openxmlformats.org/officeDocument/2006/relationships" type="conn" r:blip="" zOrderOff="-99999">
-                    <dgm:adjLst/>
-                  </dgm:shape>
-                  <dgm:presOf axis="self"/>
-                  <dgm:constrLst>
-                    <dgm:constr type="begPad"/>
-                    <dgm:constr type="endPad"/>
-                  </dgm:constrLst>
-                  <dgm:ruleLst/>
-                </dgm:layoutNode>
-              </dgm:forEach>
-              <dgm:layoutNode name="hierRoot3">
-                <dgm:varLst>
-                  <dgm:hierBranch val="init"/>
-                </dgm:varLst>
-                <dgm:choose name="Name97">
-                  <dgm:if name="Name98" func="var" arg="hierBranch" op="equ" val="l">
-                    <dgm:alg type="hierRoot">
-                      <dgm:param type="hierAlign" val="tR"/>
-                    </dgm:alg>
-                    <dgm:shape xmlns:r="http://schemas.openxmlformats.org/officeDocument/2006/relationships" r:blip="">
-                      <dgm:adjLst/>
-                    </dgm:shape>
-                    <dgm:presOf/>
-                    <dgm:constrLst>
-                      <dgm:constr type="alignOff" val="0.65"/>
-                    </dgm:constrLst>
-                  </dgm:if>
-                  <dgm:if name="Name99" func="var" arg="hierBranch" op="equ" val="r">
-                    <dgm:alg type="hierRoot">
-                      <dgm:param type="hierAlign" val="tL"/>
-                    </dgm:alg>
-                    <dgm:shape xmlns:r="http://schemas.openxmlformats.org/officeDocument/2006/relationships" r:blip="">
-                      <dgm:adjLst/>
-                    </dgm:shape>
-                    <dgm:presOf/>
-                    <dgm:constrLst>
-                      <dgm:constr type="alignOff" val="0.65"/>
-                    </dgm:constrLst>
-                  </dgm:if>
-                  <dgm:if name="Name100" func="var" arg="hierBranch" op="equ" val="hang">
-                    <dgm:alg type="hierRoot"/>
-                    <dgm:shape xmlns:r="http://schemas.openxmlformats.org/officeDocument/2006/relationships" r:blip="">
-                      <dgm:adjLst/>
-                    </dgm:shape>
-                    <dgm:presOf/>
-                    <dgm:constrLst>
-                      <dgm:constr type="alignOff" val="0.65"/>
-                    </dgm:constrLst>
-                  </dgm:if>
-                  <dgm:if name="Name101" func="var" arg="hierBranch" op="equ" val="std">
-                    <dgm:alg type="hierRoot"/>
-                    <dgm:shape xmlns:r="http://schemas.openxmlformats.org/officeDocument/2006/relationships" r:blip="">
-                      <dgm:adjLst/>
-                    </dgm:shape>
-                    <dgm:presOf/>
-                    <dgm:constrLst>
-                      <dgm:constr type="alignOff"/>
-                      <dgm:constr type="bendDist" for="des" ptType="parTrans" refType="sp" fact="0.5"/>
-                    </dgm:constrLst>
-                  </dgm:if>
-                  <dgm:if name="Name102" func="var" arg="hierBranch" op="equ" val="init">
-                    <dgm:alg type="hierRoot"/>
-                    <dgm:shape xmlns:r="http://schemas.openxmlformats.org/officeDocument/2006/relationships" r:blip="">
-                      <dgm:adjLst/>
-                    </dgm:shape>
-                    <dgm:presOf/>
-                    <dgm:constrLst>
-                      <dgm:constr type="alignOff"/>
-                      <dgm:constr type="bendDist" for="des" ptType="parTrans" refType="sp" fact="0.5"/>
-                    </dgm:constrLst>
-                  </dgm:if>
-                  <dgm:else name="Name103"/>
-                </dgm:choose>
-                <dgm:ruleLst/>
-                <dgm:layoutNode name="rootComposite3">
-                  <dgm:alg type="composite"/>
-                  <dgm:shape xmlns:r="http://schemas.openxmlformats.org/officeDocument/2006/relationships" r:blip="">
-                    <dgm:adjLst/>
-                  </dgm:shape>
-                  <dgm:presOf axis="self" ptType="node" cnt="1"/>
-                  <dgm:choose name="Name104">
-                    <dgm:if name="Name105" func="var" arg="hierBranch" op="equ" val="init">
-                      <dgm:constrLst>
-                        <dgm:constr type="l" for="ch" forName="rootText3"/>
-                        <dgm:constr type="t" for="ch" forName="rootText3"/>
-                        <dgm:constr type="w" for="ch" forName="rootText3" refType="w"/>
-                        <dgm:constr type="h" for="ch" forName="rootText3" refType="h" fact="0.9"/>
-                        <dgm:constr type="l" for="ch" forName="titleText3" refType="w" fact="0.2"/>
-                        <dgm:constr type="t" for="ch" forName="titleText3" refType="h" fact="0.7"/>
-                        <dgm:constr type="w" for="ch" forName="titleText3" refType="w" fact="0.9"/>
-                        <dgm:constr type="h" for="ch" forName="titleText3" refType="h" fact="0.3"/>
-                        <dgm:constr type="primFontSz" for="des" forName="titleText3" refType="primFontSz" refFor="des" refForName="rootText3" op="lte"/>
-                        <dgm:constr type="l" for="ch" forName="rootConnector3"/>
-                        <dgm:constr type="t" for="ch" forName="rootConnector3"/>
-                        <dgm:constr type="w" for="ch" forName="rootConnector3" refType="w" refFor="ch" refForName="rootText3" fact="0.2"/>
-                        <dgm:constr type="h" for="ch" forName="rootConnector3" refType="h" refFor="ch" refForName="rootText3"/>
-                      </dgm:constrLst>
-                    </dgm:if>
-                    <dgm:if name="Name106" func="var" arg="hierBranch" op="equ" val="l">
-                      <dgm:constrLst>
-                        <dgm:constr type="l" for="ch" forName="rootText3"/>
-                        <dgm:constr type="t" for="ch" forName="rootText3"/>
-                        <dgm:constr type="w" for="ch" forName="rootText3" refType="w"/>
-                        <dgm:constr type="h" for="ch" forName="rootText3" refType="h" fact="0.9"/>
-                        <dgm:constr type="l" for="ch" forName="titleText3" refType="w" fact="0.2"/>
-                        <dgm:constr type="t" for="ch" forName="titleText3" refType="h" fact="0.7"/>
-                        <dgm:constr type="w" for="ch" forName="titleText3" refType="w" fact="0.9"/>
-                        <dgm:constr type="h" for="ch" forName="titleText3" refType="h" fact="0.3"/>
-                        <dgm:constr type="primFontSz" for="des" forName="titleText3" refType="primFontSz" refFor="des" refForName="rootText3" op="lte"/>
-                        <dgm:constr type="r" for="ch" forName="rootConnector3" refType="w"/>
-                        <dgm:constr type="t" for="ch" forName="rootConnector3"/>
-                        <dgm:constr type="w" for="ch" forName="rootConnector3" refType="w" refFor="ch" refForName="rootText3" fact="0.2"/>
-                        <dgm:constr type="h" for="ch" forName="rootConnector3" refType="h" refFor="ch" refForName="rootText3"/>
-                      </dgm:constrLst>
-                    </dgm:if>
-                    <dgm:if name="Name107" func="var" arg="hierBranch" op="equ" val="r">
-                      <dgm:constrLst>
-                        <dgm:constr type="l" for="ch" forName="rootText3"/>
-                        <dgm:constr type="t" for="ch" forName="rootText3"/>
-                        <dgm:constr type="w" for="ch" forName="rootText3" refType="w"/>
-                        <dgm:constr type="h" for="ch" forName="rootText3" refType="h" fact="0.9"/>
-                        <dgm:constr type="l" for="ch" forName="titleText3" refType="w" fact="0.2"/>
-                        <dgm:constr type="t" for="ch" forName="titleText3" refType="h" fact="0.7"/>
-                        <dgm:constr type="w" for="ch" forName="titleText3" refType="w" fact="0.9"/>
-                        <dgm:constr type="h" for="ch" forName="titleText3" refType="h" fact="0.3"/>
-                        <dgm:constr type="primFontSz" for="des" forName="titleText3" refType="primFontSz" refFor="des" refForName="rootText3" op="lte"/>
-                        <dgm:constr type="l" for="ch" forName="rootConnector3"/>
-                        <dgm:constr type="t" for="ch" forName="rootConnector3"/>
-                        <dgm:constr type="w" for="ch" forName="rootConnector3" refType="w" refFor="ch" refForName="rootText3" fact="0.2"/>
-                        <dgm:constr type="h" for="ch" forName="rootConnector3" refType="h" refFor="ch" refForName="rootText3"/>
-                      </dgm:constrLst>
-                    </dgm:if>
-                    <dgm:else name="Name108">
-                      <dgm:constrLst>
-                        <dgm:constr type="l" for="ch" forName="rootText3"/>
-                        <dgm:constr type="t" for="ch" forName="rootText3"/>
-                        <dgm:constr type="w" for="ch" forName="rootText3" refType="w"/>
-                        <dgm:constr type="h" for="ch" forName="rootText3" refType="h" fact="0.9"/>
-                        <dgm:constr type="l" for="ch" forName="titleText3" refType="w" fact="0.2"/>
-                        <dgm:constr type="t" for="ch" forName="titleText3" refType="h" fact="0.7"/>
-                        <dgm:constr type="w" for="ch" forName="titleText3" refType="w" fact="0.9"/>
-                        <dgm:constr type="h" for="ch" forName="titleText3" refType="h" fact="0.3"/>
-                        <dgm:constr type="primFontSz" for="des" forName="titleText3" refType="primFontSz" refFor="des" refForName="rootText3" op="lte"/>
-                        <dgm:constr type="r" for="ch" forName="rootConnector3" refType="w"/>
-                        <dgm:constr type="t" for="ch" forName="rootConnector3"/>
-                        <dgm:constr type="w" for="ch" forName="rootConnector3" refType="w" refFor="ch" refForName="rootText3" fact="0.2"/>
-                        <dgm:constr type="h" for="ch" forName="rootConnector3" refType="h" refFor="ch" refForName="rootText3"/>
-                      </dgm:constrLst>
-                    </dgm:else>
-                  </dgm:choose>
-                  <dgm:ruleLst/>
-                  <dgm:layoutNode name="rootText3" styleLbl="asst1">
-                    <dgm:varLst>
-                      <dgm:chPref val="3"/>
-                    </dgm:varLst>
-                    <dgm:alg type="tx"/>
-                    <dgm:shape xmlns:r="http://schemas.openxmlformats.org/officeDocument/2006/relationships" type="rect" r:blip="">
-                      <dgm:adjLst/>
-                    </dgm:shape>
-                    <dgm:presOf axis="self" ptType="node" cnt="1"/>
-                    <dgm:constrLst>
-                      <dgm:constr type="primFontSz" val="65"/>
-                      <dgm:constr type="lMarg" refType="primFontSz" fact="0.05"/>
-                      <dgm:constr type="rMarg" refType="primFontSz" fact="0.05"/>
-                      <dgm:constr type="tMarg" refType="primFontSz" fact="0.05"/>
-                      <dgm:constr type="bMarg" refType="h" fact="0.4"/>
-                    </dgm:constrLst>
-                    <dgm:ruleLst>
-                      <dgm:rule type="primFontSz" val="5" fact="NaN" max="NaN"/>
-                    </dgm:ruleLst>
-                  </dgm:layoutNode>
-                  <dgm:layoutNode name="titleText3" styleLbl="fgAcc2">
-                    <dgm:varLst>
-                      <dgm:chMax val="0"/>
-                      <dgm:chPref val="0"/>
-                    </dgm:varLst>
-                    <dgm:alg type="tx">
-                      <dgm:param type="parTxLTRAlign" val="r"/>
-                    </dgm:alg>
-                    <dgm:shape xmlns:r="http://schemas.openxmlformats.org/officeDocument/2006/relationships" type="rect" r:blip="">
-                      <dgm:adjLst/>
-                    </dgm:shape>
-                    <dgm:presOf axis="followSib" ptType="sibTrans" hideLastTrans="0" cnt="1"/>
-                    <dgm:constrLst>
-                      <dgm:constr type="primFontSz" val="65"/>
-                      <dgm:constr type="lMarg" refType="primFontSz" fact="0.2"/>
-                      <dgm:constr type="rMarg" refType="primFontSz" fact="0.2"/>
-                      <dgm:constr type="tMarg" refType="primFontSz" fact="0.05"/>
-                      <dgm:constr type="bMarg" refType="primFontSz" fact="0.05"/>
-                    </dgm:constrLst>
-                    <dgm:ruleLst>
-                      <dgm:rule type="primFontSz" val="5" fact="NaN" max="NaN"/>
-                    </dgm:ruleLst>
-                  </dgm:layoutNode>
-                  <dgm:layoutNode name="rootConnector3" moveWith="rootText1">
-                    <dgm:alg type="sp"/>
-                    <dgm:shape xmlns:r="http://schemas.openxmlformats.org/officeDocument/2006/relationships" type="rect" r:blip="" hideGeom="1">
-                      <dgm:adjLst/>
-                    </dgm:shape>
-                    <dgm:presOf axis="self" ptType="node" cnt="1"/>
-                    <dgm:constrLst/>
-                    <dgm:ruleLst/>
-                  </dgm:layoutNode>
-                </dgm:layoutNode>
-                <dgm:layoutNode name="hierChild6">
-                  <dgm:choose name="Name109">
-                    <dgm:if name="Name110" func="var" arg="hierBranch" op="equ" val="l">
-                      <dgm:alg type="hierChild">
-                        <dgm:param type="chAlign" val="r"/>
-                        <dgm:param type="linDir" val="fromT"/>
-                      </dgm:alg>
-                    </dgm:if>
-                    <dgm:if name="Name111" func="var" arg="hierBranch" op="equ" val="r">
-                      <dgm:alg type="hierChild">
-                        <dgm:param type="chAlign" val="l"/>
-                        <dgm:param type="linDir" val="fromT"/>
-                      </dgm:alg>
-                    </dgm:if>
-                    <dgm:if name="Name112" func="var" arg="hierBranch" op="equ" val="hang">
-                      <dgm:choose name="Name113">
-                        <dgm:if name="Name114" func="var" arg="dir" op="equ" val="norm">
-                          <dgm:alg type="hierChild">
-                            <dgm:param type="chAlign" val="l"/>
-                            <dgm:param type="linDir" val="fromL"/>
-                            <dgm:param type="secChAlign" val="t"/>
-                            <dgm:param type="secLinDir" val="fromT"/>
-                          </dgm:alg>
-                        </dgm:if>
-                        <dgm:else name="Name115">
-                          <dgm:alg type="hierChild">
-                            <dgm:param type="chAlign" val="l"/>
-                            <dgm:param type="linDir" val="fromR"/>
-                            <dgm:param type="secChAlign" val="t"/>
-                            <dgm:param type="secLinDir" val="fromT"/>
-                          </dgm:alg>
-                        </dgm:else>
-                      </dgm:choose>
-                    </dgm:if>
-                    <dgm:if name="Name116" func="var" arg="hierBranch" op="equ" val="std">
-                      <dgm:choose name="Name117">
-                        <dgm:if name="Name118" func="var" arg="dir" op="equ" val="norm">
-                          <dgm:alg type="hierChild"/>
-                        </dgm:if>
-                        <dgm:else name="Name119">
-                          <dgm:alg type="hierChild">
-                            <dgm:param type="linDir" val="fromR"/>
-                          </dgm:alg>
-                        </dgm:else>
-                      </dgm:choose>
-                    </dgm:if>
-                    <dgm:if name="Name120" func="var" arg="hierBranch" op="equ" val="init">
-                      <dgm:alg type="hierChild"/>
-                    </dgm:if>
-                    <dgm:else name="Name121"/>
-                  </dgm:choose>
-                  <dgm:shape xmlns:r="http://schemas.openxmlformats.org/officeDocument/2006/relationships" r:blip="">
-                    <dgm:adjLst/>
-                  </dgm:shape>
-                  <dgm:presOf/>
-                  <dgm:constrLst/>
-                  <dgm:ruleLst/>
-                  <dgm:forEach name="Name122" ref="rep2a"/>
-                </dgm:layoutNode>
-                <dgm:layoutNode name="hierChild7">
-                  <dgm:choose name="Name123">
-                    <dgm:if name="Name124" func="var" arg="dir" op="equ" val="norm">
-                      <dgm:alg type="hierChild">
-                        <dgm:param type="chAlign" val="l"/>
-                        <dgm:param type="linDir" val="fromL"/>
-                        <dgm:param type="secChAlign" val="t"/>
-                        <dgm:param type="secLinDir" val="fromT"/>
-                      </dgm:alg>
-                    </dgm:if>
-                    <dgm:else name="Name125">
-                      <dgm:alg type="hierChild">
-                        <dgm:param type="chAlign" val="l"/>
-                        <dgm:param type="linDir" val="fromR"/>
-                        <dgm:param type="secChAlign" val="t"/>
-                        <dgm:param type="secLinDir" val="fromT"/>
-                      </dgm:alg>
-                    </dgm:else>
-                  </dgm:choose>
-                  <dgm:shape xmlns:r="http://schemas.openxmlformats.org/officeDocument/2006/relationships" r:blip="">
-                    <dgm:adjLst/>
-                  </dgm:shape>
-                  <dgm:presOf/>
-                  <dgm:constrLst/>
-                  <dgm:ruleLst/>
-                  <dgm:forEach name="Name126" ref="rep2b"/>
-                </dgm:layoutNode>
-              </dgm:layoutNode>
-            </dgm:forEach>
-          </dgm:layoutNode>
         </dgm:layoutNode>
       </dgm:forEach>
     </dgm:forEach>
@@ -8419,7 +7500,7 @@
             <a:fld id="{F7637903-34D2-4395-AB8A-F37BC36B49A1}" type="datetimeFigureOut">
               <a:rPr lang="en-ZA" smtClean="0"/>
               <a:pPr/>
-              <a:t>2016/06/18</a:t>
+              <a:t>2016/06/19</a:t>
             </a:fld>
             <a:endParaRPr lang="en-ZA"/>
           </a:p>
@@ -8871,7 +7952,7 @@
             <a:fld id="{414FF194-0FD9-45B7-958E-9E8663E82257}" type="datetimeFigureOut">
               <a:rPr lang="en-ZA" smtClean="0"/>
               <a:pPr/>
-              <a:t>2016/06/18</a:t>
+              <a:t>2016/06/19</a:t>
             </a:fld>
             <a:endParaRPr lang="en-ZA"/>
           </a:p>
@@ -9061,7 +8142,7 @@
             <a:fld id="{414FF194-0FD9-45B7-958E-9E8663E82257}" type="datetimeFigureOut">
               <a:rPr lang="en-ZA" smtClean="0"/>
               <a:pPr/>
-              <a:t>2016/06/18</a:t>
+              <a:t>2016/06/19</a:t>
             </a:fld>
             <a:endParaRPr lang="en-ZA"/>
           </a:p>
@@ -9261,7 +8342,7 @@
             <a:fld id="{414FF194-0FD9-45B7-958E-9E8663E82257}" type="datetimeFigureOut">
               <a:rPr lang="en-ZA" smtClean="0"/>
               <a:pPr/>
-              <a:t>2016/06/18</a:t>
+              <a:t>2016/06/19</a:t>
             </a:fld>
             <a:endParaRPr lang="en-ZA"/>
           </a:p>
@@ -9451,7 +8532,7 @@
             <a:fld id="{414FF194-0FD9-45B7-958E-9E8663E82257}" type="datetimeFigureOut">
               <a:rPr lang="en-ZA" smtClean="0"/>
               <a:pPr/>
-              <a:t>2016/06/18</a:t>
+              <a:t>2016/06/19</a:t>
             </a:fld>
             <a:endParaRPr lang="en-ZA"/>
           </a:p>
@@ -9717,7 +8798,7 @@
             <a:fld id="{414FF194-0FD9-45B7-958E-9E8663E82257}" type="datetimeFigureOut">
               <a:rPr lang="en-ZA" smtClean="0"/>
               <a:pPr/>
-              <a:t>2016/06/18</a:t>
+              <a:t>2016/06/19</a:t>
             </a:fld>
             <a:endParaRPr lang="en-ZA"/>
           </a:p>
@@ -10025,7 +9106,7 @@
             <a:fld id="{414FF194-0FD9-45B7-958E-9E8663E82257}" type="datetimeFigureOut">
               <a:rPr lang="en-ZA" smtClean="0"/>
               <a:pPr/>
-              <a:t>2016/06/18</a:t>
+              <a:t>2016/06/19</a:t>
             </a:fld>
             <a:endParaRPr lang="en-ZA"/>
           </a:p>
@@ -10467,7 +9548,7 @@
             <a:fld id="{414FF194-0FD9-45B7-958E-9E8663E82257}" type="datetimeFigureOut">
               <a:rPr lang="en-ZA" smtClean="0"/>
               <a:pPr/>
-              <a:t>2016/06/18</a:t>
+              <a:t>2016/06/19</a:t>
             </a:fld>
             <a:endParaRPr lang="en-ZA"/>
           </a:p>
@@ -10605,7 +9686,7 @@
             <a:fld id="{414FF194-0FD9-45B7-958E-9E8663E82257}" type="datetimeFigureOut">
               <a:rPr lang="en-ZA" smtClean="0"/>
               <a:pPr/>
-              <a:t>2016/06/18</a:t>
+              <a:t>2016/06/19</a:t>
             </a:fld>
             <a:endParaRPr lang="en-ZA"/>
           </a:p>
@@ -10720,7 +9801,7 @@
             <a:fld id="{414FF194-0FD9-45B7-958E-9E8663E82257}" type="datetimeFigureOut">
               <a:rPr lang="en-ZA" smtClean="0"/>
               <a:pPr/>
-              <a:t>2016/06/18</a:t>
+              <a:t>2016/06/19</a:t>
             </a:fld>
             <a:endParaRPr lang="en-ZA"/>
           </a:p>
@@ -11080,7 +10161,7 @@
             <a:fld id="{414FF194-0FD9-45B7-958E-9E8663E82257}" type="datetimeFigureOut">
               <a:rPr lang="en-ZA" smtClean="0"/>
               <a:pPr/>
-              <a:t>2016/06/18</a:t>
+              <a:t>2016/06/19</a:t>
             </a:fld>
             <a:endParaRPr lang="en-ZA"/>
           </a:p>
@@ -11353,7 +10434,7 @@
             <a:fld id="{414FF194-0FD9-45B7-958E-9E8663E82257}" type="datetimeFigureOut">
               <a:rPr lang="en-ZA" smtClean="0"/>
               <a:pPr/>
-              <a:t>2016/06/18</a:t>
+              <a:t>2016/06/19</a:t>
             </a:fld>
             <a:endParaRPr lang="en-ZA"/>
           </a:p>
@@ -11586,7 +10667,7 @@
             <a:fld id="{414FF194-0FD9-45B7-958E-9E8663E82257}" type="datetimeFigureOut">
               <a:rPr lang="en-ZA" smtClean="0"/>
               <a:pPr/>
-              <a:t>2016/06/18</a:t>
+              <a:t>2016/06/19</a:t>
             </a:fld>
             <a:endParaRPr lang="en-ZA"/>
           </a:p>
@@ -11956,19 +11037,45 @@
         </p:nvSpPr>
         <p:spPr>
           <a:xfrm>
-            <a:off x="683568" y="1700808"/>
+            <a:off x="683568" y="2247007"/>
             <a:ext cx="7772400" cy="1470025"/>
           </a:xfrm>
         </p:spPr>
         <p:txBody>
           <a:bodyPr>
-            <a:normAutofit/>
+            <a:normAutofit fontScale="90000"/>
           </a:bodyPr>
           <a:lstStyle/>
           <a:p>
             <a:r>
               <a:rPr lang="en-ZA" sz="4000" dirty="0" smtClean="0"/>
-              <a:t>ELEN7046: Data Visualization – Big Data</a:t>
+              <a:t>ELEN7046: </a:t>
+            </a:r>
+            <a:r>
+              <a:rPr lang="en-ZA" sz="4000" dirty="0"/>
+              <a:t>Big </a:t>
+            </a:r>
+            <a:r>
+              <a:rPr lang="en-ZA" sz="4000" dirty="0" smtClean="0"/>
+              <a:t>Data </a:t>
+            </a:r>
+            <a:r>
+              <a:rPr lang="en-ZA" sz="4000" dirty="0" smtClean="0"/>
+              <a:t>Visualization</a:t>
+            </a:r>
+            <a:br>
+              <a:rPr lang="en-ZA" sz="4000" dirty="0" smtClean="0"/>
+            </a:br>
+            <a:r>
+              <a:rPr lang="en-ZA" sz="4000" dirty="0" smtClean="0"/>
+              <a:t>Using Commodity Hardware</a:t>
+            </a:r>
+            <a:br>
+              <a:rPr lang="en-ZA" sz="4000" dirty="0" smtClean="0"/>
+            </a:br>
+            <a:r>
+              <a:rPr lang="en-ZA" sz="4000" dirty="0" smtClean="0"/>
+              <a:t>and Open Source Software</a:t>
             </a:r>
             <a:endParaRPr lang="en-ZA" sz="4000" dirty="0"/>
           </a:p>
@@ -11986,8 +11093,8 @@
         </p:nvSpPr>
         <p:spPr>
           <a:xfrm>
-            <a:off x="1403648" y="2852936"/>
-            <a:ext cx="6400800" cy="1752600"/>
+            <a:off x="5940152" y="4052664"/>
+            <a:ext cx="2664296" cy="1176536"/>
           </a:xfrm>
         </p:spPr>
         <p:txBody>
@@ -12546,12 +11653,215 @@
           <a:lstStyle/>
           <a:p>
             <a:r>
+              <a:rPr lang="en-ZA" dirty="0"/>
+              <a:t>Role, Tools and Technologies</a:t>
+            </a:r>
+          </a:p>
+        </p:txBody>
+      </p:sp>
+      <p:sp>
+        <p:nvSpPr>
+          <p:cNvPr id="6" name="Content Placeholder 2"/>
+          <p:cNvSpPr>
+            <a:spLocks noGrp="1"/>
+          </p:cNvSpPr>
+          <p:nvPr>
+            <p:ph idx="1"/>
+          </p:nvPr>
+        </p:nvSpPr>
+        <p:spPr>
+          <a:xfrm>
+            <a:off x="457200" y="1600200"/>
+            <a:ext cx="8229600" cy="4525963"/>
+          </a:xfrm>
+        </p:spPr>
+        <p:txBody>
+          <a:bodyPr/>
+          <a:lstStyle/>
+          <a:p>
+            <a:r>
               <a:rPr lang="en-ZA" dirty="0" smtClean="0"/>
+              <a:t>Data sourcing – history data</a:t>
+            </a:r>
+          </a:p>
+          <a:p>
+            <a:r>
+              <a:rPr lang="en-ZA" dirty="0" smtClean="0">
+                <a:sym typeface="Wingdings" pitchFamily="2" charset="2"/>
+              </a:rPr>
+              <a:t>A bit of data visualisation</a:t>
+            </a:r>
+          </a:p>
+          <a:p>
+            <a:r>
+              <a:rPr lang="en-ZA" dirty="0" smtClean="0">
+                <a:sym typeface="Wingdings" pitchFamily="2" charset="2"/>
+              </a:rPr>
+              <a:t>Tools and Technologies used:</a:t>
+            </a:r>
+          </a:p>
+          <a:p>
+            <a:pPr lvl="1"/>
+            <a:r>
+              <a:rPr lang="en-ZA" dirty="0" smtClean="0">
+                <a:sym typeface="Wingdings" pitchFamily="2" charset="2"/>
+              </a:rPr>
+              <a:t>Java SE 8, Java EE 7, </a:t>
+            </a:r>
+            <a:r>
+              <a:rPr lang="en-ZA" dirty="0" err="1" smtClean="0">
+                <a:sym typeface="Wingdings" pitchFamily="2" charset="2"/>
+              </a:rPr>
+              <a:t>Jboss</a:t>
+            </a:r>
+            <a:r>
+              <a:rPr lang="en-ZA" dirty="0" smtClean="0">
+                <a:sym typeface="Wingdings" pitchFamily="2" charset="2"/>
+              </a:rPr>
+              <a:t> </a:t>
+            </a:r>
+            <a:r>
+              <a:rPr lang="en-ZA" dirty="0" err="1" smtClean="0">
+                <a:sym typeface="Wingdings" pitchFamily="2" charset="2"/>
+              </a:rPr>
+              <a:t>WildFly</a:t>
+            </a:r>
+            <a:r>
+              <a:rPr lang="en-ZA" dirty="0" smtClean="0">
+                <a:sym typeface="Wingdings" pitchFamily="2" charset="2"/>
+              </a:rPr>
+              <a:t> 10</a:t>
+            </a:r>
+          </a:p>
+          <a:p>
+            <a:pPr lvl="1"/>
+            <a:r>
+              <a:rPr lang="en-ZA" dirty="0" err="1" smtClean="0">
+                <a:sym typeface="Wingdings" pitchFamily="2" charset="2"/>
+              </a:rPr>
+              <a:t>Netbeans</a:t>
+            </a:r>
+            <a:r>
+              <a:rPr lang="en-ZA" dirty="0" smtClean="0">
+                <a:sym typeface="Wingdings" pitchFamily="2" charset="2"/>
+              </a:rPr>
+              <a:t> 8.1 IDE </a:t>
+            </a:r>
+          </a:p>
+          <a:p>
+            <a:pPr lvl="1"/>
+            <a:r>
+              <a:rPr lang="en-ZA" dirty="0" err="1" smtClean="0">
+                <a:sym typeface="Wingdings" pitchFamily="2" charset="2"/>
+              </a:rPr>
+              <a:t>MongoDB</a:t>
+            </a:r>
+            <a:r>
+              <a:rPr lang="en-ZA" dirty="0" smtClean="0">
+                <a:sym typeface="Wingdings" pitchFamily="2" charset="2"/>
+              </a:rPr>
+              <a:t> </a:t>
+            </a:r>
+            <a:r>
+              <a:rPr lang="en-ZA" dirty="0">
+                <a:sym typeface="Wingdings" pitchFamily="2" charset="2"/>
+              </a:rPr>
+              <a:t>and</a:t>
+            </a:r>
+            <a:endParaRPr lang="en-ZA" dirty="0" smtClean="0">
+              <a:sym typeface="Wingdings" pitchFamily="2" charset="2"/>
+            </a:endParaRPr>
+          </a:p>
+          <a:p>
+            <a:pPr lvl="1"/>
+            <a:r>
+              <a:rPr lang="en-ZA" dirty="0" smtClean="0">
+                <a:sym typeface="Wingdings" pitchFamily="2" charset="2"/>
+              </a:rPr>
+              <a:t>Google Maps </a:t>
+            </a:r>
+            <a:r>
+              <a:rPr lang="en-ZA" dirty="0" err="1" smtClean="0">
+                <a:sym typeface="Wingdings" pitchFamily="2" charset="2"/>
+              </a:rPr>
+              <a:t>GeoCode</a:t>
+            </a:r>
+            <a:r>
+              <a:rPr lang="en-ZA" dirty="0" smtClean="0">
+                <a:sym typeface="Wingdings" pitchFamily="2" charset="2"/>
+              </a:rPr>
+              <a:t> API</a:t>
+            </a:r>
+          </a:p>
+          <a:p>
+            <a:endParaRPr lang="en-ZA" dirty="0" smtClean="0"/>
+          </a:p>
+          <a:p>
+            <a:endParaRPr lang="en-ZA" dirty="0"/>
+          </a:p>
+        </p:txBody>
+      </p:sp>
+    </p:spTree>
+    <p:extLst>
+      <p:ext uri="{BB962C8B-B14F-4D97-AF65-F5344CB8AC3E}">
+        <p14:creationId xmlns:p14="http://schemas.microsoft.com/office/powerpoint/2010/main" val="1661560080"/>
+      </p:ext>
+    </p:extLst>
+  </p:cSld>
+  <p:clrMapOvr>
+    <a:masterClrMapping/>
+  </p:clrMapOvr>
+  <p:timing>
+    <p:tnLst>
+      <p:par>
+        <p:cTn id="1" dur="indefinite" restart="never" nodeType="tmRoot"/>
+      </p:par>
+    </p:tnLst>
+  </p:timing>
+</p:sld>
+</file>
+
+<file path=ppt/slides/slide12.xml><?xml version="1.0" encoding="utf-8"?>
+<p:sld xmlns:a="http://schemas.openxmlformats.org/drawingml/2006/main" xmlns:r="http://schemas.openxmlformats.org/officeDocument/2006/relationships" xmlns:p="http://schemas.openxmlformats.org/presentationml/2006/main">
+  <p:cSld>
+    <p:spTree>
+      <p:nvGrpSpPr>
+        <p:cNvPr id="1" name=""/>
+        <p:cNvGrpSpPr/>
+        <p:nvPr/>
+      </p:nvGrpSpPr>
+      <p:grpSpPr>
+        <a:xfrm>
+          <a:off x="0" y="0"/>
+          <a:ext cx="0" cy="0"/>
+          <a:chOff x="0" y="0"/>
+          <a:chExt cx="0" cy="0"/>
+        </a:xfrm>
+      </p:grpSpPr>
+      <p:sp>
+        <p:nvSpPr>
+          <p:cNvPr id="2" name="Title 1"/>
+          <p:cNvSpPr>
+            <a:spLocks noGrp="1"/>
+          </p:cNvSpPr>
+          <p:nvPr>
+            <p:ph type="title"/>
+          </p:nvPr>
+        </p:nvSpPr>
+        <p:spPr/>
+        <p:txBody>
+          <a:bodyPr>
+            <a:normAutofit/>
+          </a:bodyPr>
+          <a:lstStyle/>
+          <a:p>
+            <a:r>
+              <a:rPr lang="en-ZA" dirty="0"/>
               <a:t>Detailed Design: </a:t>
             </a:r>
             <a:r>
               <a:rPr lang="en-ZA" dirty="0" smtClean="0"/>
-              <a:t>History/ Batch Data</a:t>
+              <a:t>History Data</a:t>
             </a:r>
             <a:endParaRPr lang="en-ZA" dirty="0"/>
           </a:p>
@@ -12559,7 +11869,7 @@
       </p:sp>
       <p:pic>
         <p:nvPicPr>
-          <p:cNvPr id="5" name="Picture 2"/>
+          <p:cNvPr id="1026" name="Picture 2"/>
           <p:cNvPicPr>
             <a:picLocks noChangeAspect="1" noChangeArrowheads="1"/>
           </p:cNvPicPr>
@@ -12580,8 +11890,8 @@
         </p:blipFill>
         <p:spPr bwMode="auto">
           <a:xfrm>
-            <a:off x="107504" y="1268759"/>
-            <a:ext cx="8856983" cy="5328593"/>
+            <a:off x="72009" y="1267916"/>
+            <a:ext cx="9036495" cy="5590084"/>
           </a:xfrm>
           <a:prstGeom prst="rect">
             <a:avLst/>
@@ -12621,231 +11931,82 @@
           </a:extLst>
         </p:spPr>
       </p:pic>
-    </p:spTree>
-    <p:extLst>
-      <p:ext uri="{BB962C8B-B14F-4D97-AF65-F5344CB8AC3E}">
-        <p14:creationId xmlns:p14="http://schemas.microsoft.com/office/powerpoint/2010/main" val="3418122668"/>
-      </p:ext>
-    </p:extLst>
-  </p:cSld>
-  <p:clrMapOvr>
-    <a:masterClrMapping/>
-  </p:clrMapOvr>
-  <p:timing>
-    <p:tnLst>
-      <p:par>
-        <p:cTn id="1" dur="indefinite" restart="never" nodeType="tmRoot"/>
-      </p:par>
-    </p:tnLst>
-  </p:timing>
-</p:sld>
-</file>
-
-<file path=ppt/slides/slide12.xml><?xml version="1.0" encoding="utf-8"?>
-<p:sld xmlns:a="http://schemas.openxmlformats.org/drawingml/2006/main" xmlns:r="http://schemas.openxmlformats.org/officeDocument/2006/relationships" xmlns:p="http://schemas.openxmlformats.org/presentationml/2006/main">
-  <p:cSld>
-    <p:spTree>
-      <p:nvGrpSpPr>
-        <p:cNvPr id="1" name=""/>
-        <p:cNvGrpSpPr/>
-        <p:nvPr/>
-      </p:nvGrpSpPr>
-      <p:grpSpPr>
-        <a:xfrm>
-          <a:off x="0" y="0"/>
-          <a:ext cx="0" cy="0"/>
-          <a:chOff x="0" y="0"/>
-          <a:chExt cx="0" cy="0"/>
-        </a:xfrm>
-      </p:grpSpPr>
       <p:sp>
         <p:nvSpPr>
-          <p:cNvPr id="5" name="Subtitle 2"/>
-          <p:cNvSpPr txBox="1">
-            <a:spLocks/>
-          </p:cNvSpPr>
+          <p:cNvPr id="3" name="Rectangle 2"/>
+          <p:cNvSpPr/>
           <p:nvPr/>
         </p:nvSpPr>
         <p:spPr>
           <a:xfrm>
-            <a:off x="1403648" y="2852936"/>
-            <a:ext cx="6400800" cy="1752600"/>
+            <a:off x="5364088" y="5373216"/>
+            <a:ext cx="3672408" cy="1130424"/>
           </a:xfrm>
           <a:prstGeom prst="rect">
             <a:avLst/>
           </a:prstGeom>
+          <a:solidFill>
+            <a:schemeClr val="accent1">
+              <a:lumMod val="20000"/>
+              <a:lumOff val="80000"/>
+            </a:schemeClr>
+          </a:solidFill>
+          <a:ln>
+            <a:noFill/>
+          </a:ln>
         </p:spPr>
+        <p:style>
+          <a:lnRef idx="2">
+            <a:schemeClr val="accent1">
+              <a:shade val="50000"/>
+            </a:schemeClr>
+          </a:lnRef>
+          <a:fillRef idx="1">
+            <a:schemeClr val="accent1"/>
+          </a:fillRef>
+          <a:effectRef idx="0">
+            <a:schemeClr val="accent1"/>
+          </a:effectRef>
+          <a:fontRef idx="minor">
+            <a:schemeClr val="lt1"/>
+          </a:fontRef>
+        </p:style>
         <p:txBody>
-          <a:bodyPr vert="horz" lIns="91440" tIns="45720" rIns="91440" bIns="45720" rtlCol="0">
-            <a:normAutofit/>
-          </a:bodyPr>
-          <a:lstStyle>
-            <a:lvl1pPr marL="342900" indent="-342900" algn="l" defTabSz="914400" rtl="0" eaLnBrk="1" latinLnBrk="0" hangingPunct="1">
-              <a:spcBef>
-                <a:spcPct val="20000"/>
-              </a:spcBef>
-              <a:buFont typeface="Arial" pitchFamily="34" charset="0"/>
-              <a:buChar char="•"/>
-              <a:defRPr sz="3200" kern="1200">
-                <a:solidFill>
-                  <a:schemeClr val="accent5">
-                    <a:lumMod val="75000"/>
-                  </a:schemeClr>
-                </a:solidFill>
-                <a:latin typeface="+mn-lt"/>
-                <a:ea typeface="+mn-ea"/>
-                <a:cs typeface="+mn-cs"/>
-              </a:defRPr>
-            </a:lvl1pPr>
-            <a:lvl2pPr marL="742950" indent="-285750" algn="l" defTabSz="914400" rtl="0" eaLnBrk="1" latinLnBrk="0" hangingPunct="1">
-              <a:spcBef>
-                <a:spcPct val="20000"/>
-              </a:spcBef>
-              <a:buFont typeface="Arial" pitchFamily="34" charset="0"/>
-              <a:buChar char="–"/>
-              <a:defRPr sz="2800" kern="1200">
-                <a:solidFill>
-                  <a:schemeClr val="accent5">
-                    <a:lumMod val="75000"/>
-                  </a:schemeClr>
-                </a:solidFill>
-                <a:latin typeface="+mn-lt"/>
-                <a:ea typeface="+mn-ea"/>
-                <a:cs typeface="+mn-cs"/>
-              </a:defRPr>
-            </a:lvl2pPr>
-            <a:lvl3pPr marL="1143000" indent="-228600" algn="l" defTabSz="914400" rtl="0" eaLnBrk="1" latinLnBrk="0" hangingPunct="1">
-              <a:spcBef>
-                <a:spcPct val="20000"/>
-              </a:spcBef>
-              <a:buFont typeface="Arial" pitchFamily="34" charset="0"/>
-              <a:buChar char="•"/>
-              <a:defRPr sz="2400" kern="1200">
-                <a:solidFill>
-                  <a:schemeClr val="accent5">
-                    <a:lumMod val="75000"/>
-                  </a:schemeClr>
-                </a:solidFill>
-                <a:latin typeface="+mn-lt"/>
-                <a:ea typeface="+mn-ea"/>
-                <a:cs typeface="+mn-cs"/>
-              </a:defRPr>
-            </a:lvl3pPr>
-            <a:lvl4pPr marL="1600200" indent="-228600" algn="l" defTabSz="914400" rtl="0" eaLnBrk="1" latinLnBrk="0" hangingPunct="1">
-              <a:spcBef>
-                <a:spcPct val="20000"/>
-              </a:spcBef>
-              <a:buFont typeface="Arial" pitchFamily="34" charset="0"/>
-              <a:buChar char="–"/>
-              <a:defRPr sz="2000" kern="1200">
-                <a:solidFill>
-                  <a:schemeClr val="accent5">
-                    <a:lumMod val="75000"/>
-                  </a:schemeClr>
-                </a:solidFill>
-                <a:latin typeface="+mn-lt"/>
-                <a:ea typeface="+mn-ea"/>
-                <a:cs typeface="+mn-cs"/>
-              </a:defRPr>
-            </a:lvl4pPr>
-            <a:lvl5pPr marL="2057400" indent="-228600" algn="l" defTabSz="914400" rtl="0" eaLnBrk="1" latinLnBrk="0" hangingPunct="1">
-              <a:spcBef>
-                <a:spcPct val="20000"/>
-              </a:spcBef>
-              <a:buFont typeface="Arial" pitchFamily="34" charset="0"/>
-              <a:buChar char="»"/>
-              <a:defRPr sz="2000" kern="1200">
-                <a:solidFill>
-                  <a:schemeClr val="accent5">
-                    <a:lumMod val="75000"/>
-                  </a:schemeClr>
-                </a:solidFill>
-                <a:latin typeface="+mn-lt"/>
-                <a:ea typeface="+mn-ea"/>
-                <a:cs typeface="+mn-cs"/>
-              </a:defRPr>
-            </a:lvl5pPr>
-            <a:lvl6pPr marL="2514600" indent="-228600" algn="l" defTabSz="914400" rtl="0" eaLnBrk="1" latinLnBrk="0" hangingPunct="1">
-              <a:spcBef>
-                <a:spcPct val="20000"/>
-              </a:spcBef>
-              <a:buFont typeface="Arial" pitchFamily="34" charset="0"/>
-              <a:buChar char="•"/>
-              <a:defRPr sz="2000" kern="1200">
+          <a:bodyPr rtlCol="0" anchor="ctr"/>
+          <a:lstStyle/>
+          <a:p>
+            <a:pPr algn="ctr"/>
+            <a:r>
+              <a:rPr lang="en-ZA" dirty="0" smtClean="0">
                 <a:solidFill>
                   <a:schemeClr val="tx1"/>
                 </a:solidFill>
-                <a:latin typeface="+mn-lt"/>
-                <a:ea typeface="+mn-ea"/>
-                <a:cs typeface="+mn-cs"/>
-              </a:defRPr>
-            </a:lvl6pPr>
-            <a:lvl7pPr marL="2971800" indent="-228600" algn="l" defTabSz="914400" rtl="0" eaLnBrk="1" latinLnBrk="0" hangingPunct="1">
-              <a:spcBef>
-                <a:spcPct val="20000"/>
-              </a:spcBef>
-              <a:buFont typeface="Arial" pitchFamily="34" charset="0"/>
-              <a:buChar char="•"/>
-              <a:defRPr sz="2000" kern="1200">
+              </a:rPr>
+              <a:t>Design – Façade and Singleton, DI </a:t>
+            </a:r>
+          </a:p>
+          <a:p>
+            <a:pPr algn="ctr"/>
+            <a:r>
+              <a:rPr lang="en-ZA" dirty="0" smtClean="0">
                 <a:solidFill>
                   <a:schemeClr val="tx1"/>
                 </a:solidFill>
-                <a:latin typeface="+mn-lt"/>
-                <a:ea typeface="+mn-ea"/>
-                <a:cs typeface="+mn-cs"/>
-              </a:defRPr>
-            </a:lvl7pPr>
-            <a:lvl8pPr marL="3429000" indent="-228600" algn="l" defTabSz="914400" rtl="0" eaLnBrk="1" latinLnBrk="0" hangingPunct="1">
-              <a:spcBef>
-                <a:spcPct val="20000"/>
-              </a:spcBef>
-              <a:buFont typeface="Arial" pitchFamily="34" charset="0"/>
-              <a:buChar char="•"/>
-              <a:defRPr sz="2000" kern="1200">
-                <a:solidFill>
-                  <a:schemeClr val="tx1"/>
-                </a:solidFill>
-                <a:latin typeface="+mn-lt"/>
-                <a:ea typeface="+mn-ea"/>
-                <a:cs typeface="+mn-cs"/>
-              </a:defRPr>
-            </a:lvl8pPr>
-            <a:lvl9pPr marL="3886200" indent="-228600" algn="l" defTabSz="914400" rtl="0" eaLnBrk="1" latinLnBrk="0" hangingPunct="1">
-              <a:spcBef>
-                <a:spcPct val="20000"/>
-              </a:spcBef>
-              <a:buFont typeface="Arial" pitchFamily="34" charset="0"/>
-              <a:buChar char="•"/>
-              <a:defRPr sz="2000" kern="1200">
-                <a:solidFill>
-                  <a:schemeClr val="tx1"/>
-                </a:solidFill>
-                <a:latin typeface="+mn-lt"/>
-                <a:ea typeface="+mn-ea"/>
-                <a:cs typeface="+mn-cs"/>
-              </a:defRPr>
-            </a:lvl9pPr>
-          </a:lstStyle>
-          <a:p>
-            <a:pPr marL="0" indent="0" algn="ctr">
-              <a:buNone/>
-            </a:pPr>
-            <a:r>
-              <a:rPr lang="en-ZA" dirty="0" smtClean="0"/>
-              <a:t>Kyle </a:t>
-            </a:r>
-            <a:r>
-              <a:rPr lang="en-ZA" dirty="0" err="1"/>
-              <a:t>Trehaeven</a:t>
-            </a:r>
-            <a:endParaRPr lang="en-ZA" dirty="0"/>
+              </a:rPr>
+              <a:t>Approach – TDD and UDD</a:t>
+            </a:r>
+            <a:endParaRPr lang="en-ZA" dirty="0">
+              <a:solidFill>
+                <a:schemeClr val="tx1"/>
+              </a:solidFill>
+            </a:endParaRPr>
           </a:p>
         </p:txBody>
       </p:sp>
     </p:spTree>
     <p:extLst>
       <p:ext uri="{BB962C8B-B14F-4D97-AF65-F5344CB8AC3E}">
-        <p14:creationId xmlns:p14="http://schemas.microsoft.com/office/powerpoint/2010/main" val="4037141250"/>
+        <p14:creationId xmlns:p14="http://schemas.microsoft.com/office/powerpoint/2010/main" val="56458089"/>
       </p:ext>
     </p:extLst>
   </p:cSld>
@@ -12891,211 +12052,24 @@
         </p:nvSpPr>
         <p:spPr/>
         <p:txBody>
-          <a:bodyPr>
-            <a:normAutofit/>
-          </a:bodyPr>
+          <a:bodyPr/>
           <a:lstStyle/>
           <a:p>
             <a:r>
+              <a:rPr lang="en-ZA" dirty="0"/>
+              <a:t>Detailed Design: </a:t>
+            </a:r>
+            <a:r>
               <a:rPr lang="en-ZA" dirty="0" smtClean="0"/>
-              <a:t>Detailed Design: Streaming </a:t>
-            </a:r>
-            <a:r>
-              <a:rPr lang="en-ZA" dirty="0" smtClean="0"/>
-              <a:t>Data</a:t>
+              <a:t>History Data</a:t>
             </a:r>
             <a:endParaRPr lang="en-ZA" dirty="0"/>
-          </a:p>
-        </p:txBody>
-      </p:sp>
-      <p:sp>
-        <p:nvSpPr>
-          <p:cNvPr id="8" name="Rectangle 7"/>
-          <p:cNvSpPr/>
-          <p:nvPr/>
-        </p:nvSpPr>
-        <p:spPr>
-          <a:xfrm>
-            <a:off x="6732240" y="1268760"/>
-            <a:ext cx="2304256" cy="4968551"/>
-          </a:xfrm>
-          <a:prstGeom prst="rect">
-            <a:avLst/>
-          </a:prstGeom>
-          <a:noFill/>
-        </p:spPr>
-        <p:style>
-          <a:lnRef idx="2">
-            <a:schemeClr val="accent1">
-              <a:shade val="50000"/>
-            </a:schemeClr>
-          </a:lnRef>
-          <a:fillRef idx="1">
-            <a:schemeClr val="accent1"/>
-          </a:fillRef>
-          <a:effectRef idx="0">
-            <a:schemeClr val="accent1"/>
-          </a:effectRef>
-          <a:fontRef idx="minor">
-            <a:schemeClr val="lt1"/>
-          </a:fontRef>
-        </p:style>
-        <p:txBody>
-          <a:bodyPr rtlCol="0" anchor="t" anchorCtr="0"/>
-          <a:lstStyle/>
-          <a:p>
-            <a:pPr marL="342900" indent="-342900">
-              <a:buFont typeface="+mj-lt"/>
-              <a:buAutoNum type="arabicPeriod"/>
-            </a:pPr>
-            <a:r>
-              <a:rPr lang="en-ZA" sz="1400" dirty="0">
-                <a:solidFill>
-                  <a:schemeClr val="tx1"/>
-                </a:solidFill>
-              </a:rPr>
-              <a:t>U</a:t>
-            </a:r>
-            <a:r>
-              <a:rPr lang="en-ZA" sz="1400" dirty="0" smtClean="0">
-                <a:solidFill>
-                  <a:schemeClr val="tx1"/>
-                </a:solidFill>
-              </a:rPr>
-              <a:t>ser shall connect to the data visualization front-end using a browser</a:t>
-            </a:r>
-          </a:p>
-          <a:p>
-            <a:pPr marL="342900" indent="-342900">
-              <a:buFont typeface="+mj-lt"/>
-              <a:buAutoNum type="arabicPeriod"/>
-            </a:pPr>
-            <a:r>
-              <a:rPr lang="en-ZA" sz="1400" dirty="0" smtClean="0">
-                <a:solidFill>
-                  <a:schemeClr val="tx1"/>
-                </a:solidFill>
-              </a:rPr>
-              <a:t>Back-End service shall be exposed using .NET and IIS to present data to the user and to query </a:t>
-            </a:r>
-            <a:r>
-              <a:rPr lang="en-ZA" sz="1400" dirty="0" err="1" smtClean="0">
-                <a:solidFill>
-                  <a:schemeClr val="tx1"/>
-                </a:solidFill>
-              </a:rPr>
-              <a:t>Hadoop</a:t>
-            </a:r>
-            <a:endParaRPr lang="en-ZA" sz="1400" dirty="0" smtClean="0">
-              <a:solidFill>
-                <a:schemeClr val="tx1"/>
-              </a:solidFill>
-            </a:endParaRPr>
-          </a:p>
-          <a:p>
-            <a:pPr marL="342900" indent="-342900">
-              <a:buFont typeface="+mj-lt"/>
-              <a:buAutoNum type="arabicPeriod"/>
-            </a:pPr>
-            <a:r>
-              <a:rPr lang="en-ZA" sz="1400" dirty="0" smtClean="0">
-                <a:solidFill>
-                  <a:schemeClr val="tx1"/>
-                </a:solidFill>
-              </a:rPr>
-              <a:t>Twitter data shall be persisted here and user(s) will query it/ subscribe to a topic</a:t>
-            </a:r>
-          </a:p>
-          <a:p>
-            <a:pPr marL="342900" indent="-342900">
-              <a:buFont typeface="+mj-lt"/>
-              <a:buAutoNum type="arabicPeriod"/>
-            </a:pPr>
-            <a:r>
-              <a:rPr lang="en-ZA" sz="1400" dirty="0" smtClean="0">
-                <a:solidFill>
-                  <a:schemeClr val="tx1"/>
-                </a:solidFill>
-              </a:rPr>
-              <a:t>This component will be used to get twitter data/ streams</a:t>
-            </a:r>
-          </a:p>
-          <a:p>
-            <a:pPr marL="342900" indent="-342900">
-              <a:buFont typeface="+mj-lt"/>
-              <a:buAutoNum type="arabicPeriod"/>
-            </a:pPr>
-            <a:r>
-              <a:rPr lang="en-ZA" sz="1400" dirty="0" smtClean="0">
-                <a:solidFill>
-                  <a:schemeClr val="tx1"/>
-                </a:solidFill>
-              </a:rPr>
-              <a:t>Twitter will be the main source of our big data for the project.</a:t>
-            </a:r>
-          </a:p>
-          <a:p>
-            <a:pPr marL="342900" indent="-342900">
-              <a:buFont typeface="+mj-lt"/>
-              <a:buAutoNum type="arabicPeriod"/>
-            </a:pPr>
-            <a:r>
-              <a:rPr lang="en-ZA" sz="1400" dirty="0" err="1" smtClean="0">
-                <a:solidFill>
-                  <a:schemeClr val="tx1"/>
-                </a:solidFill>
-              </a:rPr>
-              <a:t>MongoDB</a:t>
-            </a:r>
-            <a:r>
-              <a:rPr lang="en-ZA" sz="1400" dirty="0" smtClean="0">
-                <a:solidFill>
-                  <a:schemeClr val="tx1"/>
-                </a:solidFill>
-              </a:rPr>
-              <a:t> will be used as temporary storage for the data before it is moved to </a:t>
-            </a:r>
-            <a:r>
-              <a:rPr lang="en-ZA" sz="1400" dirty="0" err="1" smtClean="0">
-                <a:solidFill>
-                  <a:schemeClr val="tx1"/>
-                </a:solidFill>
-              </a:rPr>
-              <a:t>Hadoop</a:t>
-            </a:r>
-            <a:endParaRPr lang="en-ZA" sz="1400" dirty="0" smtClean="0">
-              <a:solidFill>
-                <a:schemeClr val="tx1"/>
-              </a:solidFill>
-            </a:endParaRPr>
-          </a:p>
-          <a:p>
-            <a:pPr marL="342900" indent="-342900">
-              <a:buFont typeface="+mj-lt"/>
-              <a:buAutoNum type="arabicPeriod"/>
-            </a:pPr>
-            <a:endParaRPr lang="en-ZA" sz="1400" dirty="0" smtClean="0">
-              <a:solidFill>
-                <a:schemeClr val="tx1"/>
-              </a:solidFill>
-            </a:endParaRPr>
-          </a:p>
-          <a:p>
-            <a:pPr marL="342900" indent="-342900">
-              <a:buFont typeface="+mj-lt"/>
-              <a:buAutoNum type="arabicPeriod"/>
-            </a:pPr>
-            <a:endParaRPr lang="en-ZA" sz="1400" dirty="0">
-              <a:solidFill>
-                <a:schemeClr val="tx1"/>
-              </a:solidFill>
-            </a:endParaRPr>
           </a:p>
         </p:txBody>
       </p:sp>
       <p:pic>
         <p:nvPicPr>
-          <p:cNvPr id="5" name="Picture 2"/>
+          <p:cNvPr id="3" name="Picture 2"/>
           <p:cNvPicPr>
             <a:picLocks noChangeAspect="1" noChangeArrowheads="1"/>
           </p:cNvPicPr>
@@ -13116,8 +12090,8 @@
         </p:blipFill>
         <p:spPr bwMode="auto">
           <a:xfrm>
-            <a:off x="107504" y="1268759"/>
-            <a:ext cx="6552729" cy="4968551"/>
+            <a:off x="35496" y="1196752"/>
+            <a:ext cx="9036496" cy="5661248"/>
           </a:xfrm>
           <a:prstGeom prst="rect">
             <a:avLst/>
@@ -13157,10 +12131,71 @@
           </a:extLst>
         </p:spPr>
       </p:pic>
+      <p:sp>
+        <p:nvSpPr>
+          <p:cNvPr id="4" name="Rectangle 3"/>
+          <p:cNvSpPr/>
+          <p:nvPr/>
+        </p:nvSpPr>
+        <p:spPr>
+          <a:xfrm>
+            <a:off x="5364088" y="5229200"/>
+            <a:ext cx="3672408" cy="1274440"/>
+          </a:xfrm>
+          <a:prstGeom prst="rect">
+            <a:avLst/>
+          </a:prstGeom>
+          <a:solidFill>
+            <a:schemeClr val="accent1">
+              <a:lumMod val="20000"/>
+              <a:lumOff val="80000"/>
+            </a:schemeClr>
+          </a:solidFill>
+          <a:ln>
+            <a:noFill/>
+          </a:ln>
+        </p:spPr>
+        <p:style>
+          <a:lnRef idx="2">
+            <a:schemeClr val="accent1">
+              <a:shade val="50000"/>
+            </a:schemeClr>
+          </a:lnRef>
+          <a:fillRef idx="1">
+            <a:schemeClr val="accent1"/>
+          </a:fillRef>
+          <a:effectRef idx="0">
+            <a:schemeClr val="accent1"/>
+          </a:effectRef>
+          <a:fontRef idx="minor">
+            <a:schemeClr val="lt1"/>
+          </a:fontRef>
+        </p:style>
+        <p:txBody>
+          <a:bodyPr rtlCol="0" anchor="ctr"/>
+          <a:lstStyle/>
+          <a:p>
+            <a:pPr algn="ctr"/>
+            <a:r>
+              <a:rPr lang="en-ZA" dirty="0">
+                <a:solidFill>
+                  <a:schemeClr val="tx1"/>
+                </a:solidFill>
+              </a:rPr>
+              <a:t>Challenges – Location and Usage limits</a:t>
+            </a:r>
+            <a:endParaRPr lang="en-ZA" dirty="0">
+              <a:solidFill>
+                <a:schemeClr val="tx1"/>
+              </a:solidFill>
+            </a:endParaRPr>
+          </a:p>
+        </p:txBody>
+      </p:sp>
     </p:spTree>
     <p:extLst>
       <p:ext uri="{BB962C8B-B14F-4D97-AF65-F5344CB8AC3E}">
-        <p14:creationId xmlns:p14="http://schemas.microsoft.com/office/powerpoint/2010/main" val="1562890518"/>
+        <p14:creationId xmlns:p14="http://schemas.microsoft.com/office/powerpoint/2010/main" val="1778595501"/>
       </p:ext>
     </p:extLst>
   </p:cSld>
@@ -13368,7 +12403,11 @@
             </a:pPr>
             <a:r>
               <a:rPr lang="en-ZA" dirty="0" smtClean="0"/>
-              <a:t>Gareth Stephenson</a:t>
+              <a:t>Kyle </a:t>
+            </a:r>
+            <a:r>
+              <a:rPr lang="en-ZA" dirty="0" err="1"/>
+              <a:t>Trehaeven</a:t>
             </a:r>
             <a:endParaRPr lang="en-ZA" dirty="0"/>
           </a:p>
@@ -13377,7 +12416,7 @@
     </p:spTree>
     <p:extLst>
       <p:ext uri="{BB962C8B-B14F-4D97-AF65-F5344CB8AC3E}">
-        <p14:creationId xmlns:p14="http://schemas.microsoft.com/office/powerpoint/2010/main" val="1016632405"/>
+        <p14:creationId xmlns:p14="http://schemas.microsoft.com/office/powerpoint/2010/main" val="4037141250"/>
       </p:ext>
     </p:extLst>
   </p:cSld>
@@ -13423,14 +12462,193 @@
         </p:nvSpPr>
         <p:spPr/>
         <p:txBody>
+          <a:bodyPr/>
+          <a:lstStyle/>
+          <a:p>
+            <a:r>
+              <a:rPr lang="en-ZA" dirty="0" smtClean="0"/>
+              <a:t>Role, Tools and Technologies</a:t>
+            </a:r>
+            <a:endParaRPr lang="en-ZA" dirty="0"/>
+          </a:p>
+        </p:txBody>
+      </p:sp>
+      <p:sp>
+        <p:nvSpPr>
+          <p:cNvPr id="3" name="Content Placeholder 2"/>
+          <p:cNvSpPr>
+            <a:spLocks noGrp="1"/>
+          </p:cNvSpPr>
+          <p:nvPr>
+            <p:ph idx="1"/>
+          </p:nvPr>
+        </p:nvSpPr>
+        <p:spPr/>
+        <p:txBody>
+          <a:bodyPr/>
+          <a:lstStyle/>
+          <a:p>
+            <a:r>
+              <a:rPr lang="en-ZA" dirty="0" smtClean="0"/>
+              <a:t>Data sourcing (Streaming/ Online Data;</a:t>
+            </a:r>
+          </a:p>
+          <a:p>
+            <a:r>
+              <a:rPr lang="en-ZA" dirty="0" smtClean="0"/>
+              <a:t>Transformation application development (Apprentice </a:t>
+            </a:r>
+            <a:r>
+              <a:rPr lang="en-ZA" dirty="0" err="1" smtClean="0"/>
+              <a:t>Scala</a:t>
+            </a:r>
+            <a:r>
+              <a:rPr lang="en-ZA" dirty="0" smtClean="0"/>
+              <a:t> Developer) </a:t>
+            </a:r>
+            <a:r>
+              <a:rPr lang="en-ZA" dirty="0" smtClean="0">
+                <a:sym typeface="Wingdings" pitchFamily="2" charset="2"/>
+              </a:rPr>
+              <a:t>;</a:t>
+            </a:r>
+          </a:p>
+          <a:p>
+            <a:r>
+              <a:rPr lang="en-ZA" dirty="0" smtClean="0">
+                <a:sym typeface="Wingdings" pitchFamily="2" charset="2"/>
+              </a:rPr>
+              <a:t>Tools and Tech included:</a:t>
+            </a:r>
+          </a:p>
+          <a:p>
+            <a:pPr lvl="1"/>
+            <a:r>
+              <a:rPr lang="en-ZA" dirty="0" smtClean="0">
+                <a:sym typeface="Wingdings" pitchFamily="2" charset="2"/>
+              </a:rPr>
+              <a:t>.NET;</a:t>
+            </a:r>
+          </a:p>
+          <a:p>
+            <a:pPr lvl="1"/>
+            <a:r>
+              <a:rPr lang="en-ZA" dirty="0" smtClean="0">
+                <a:sym typeface="Wingdings" pitchFamily="2" charset="2"/>
+              </a:rPr>
+              <a:t>Tweet-</a:t>
+            </a:r>
+            <a:r>
+              <a:rPr lang="en-ZA" dirty="0" err="1" smtClean="0">
+                <a:sym typeface="Wingdings" pitchFamily="2" charset="2"/>
+              </a:rPr>
+              <a:t>Invi</a:t>
+            </a:r>
+            <a:r>
+              <a:rPr lang="en-ZA" dirty="0" smtClean="0">
+                <a:sym typeface="Wingdings" pitchFamily="2" charset="2"/>
+              </a:rPr>
+              <a:t>; </a:t>
+            </a:r>
+          </a:p>
+          <a:p>
+            <a:pPr lvl="1"/>
+            <a:r>
+              <a:rPr lang="en-ZA" dirty="0" err="1" smtClean="0">
+                <a:sym typeface="Wingdings" pitchFamily="2" charset="2"/>
+              </a:rPr>
+              <a:t>MongoDB</a:t>
+            </a:r>
+            <a:r>
+              <a:rPr lang="en-ZA" dirty="0" smtClean="0">
+                <a:sym typeface="Wingdings" pitchFamily="2" charset="2"/>
+              </a:rPr>
+              <a:t>; </a:t>
+            </a:r>
+            <a:r>
+              <a:rPr lang="en-ZA" dirty="0">
+                <a:sym typeface="Wingdings" pitchFamily="2" charset="2"/>
+              </a:rPr>
+              <a:t>and</a:t>
+            </a:r>
+            <a:endParaRPr lang="en-ZA" dirty="0" smtClean="0">
+              <a:sym typeface="Wingdings" pitchFamily="2" charset="2"/>
+            </a:endParaRPr>
+          </a:p>
+          <a:p>
+            <a:pPr lvl="1"/>
+            <a:r>
+              <a:rPr lang="en-ZA" dirty="0" smtClean="0">
+                <a:sym typeface="Wingdings" pitchFamily="2" charset="2"/>
+              </a:rPr>
+              <a:t>Google-Maps API</a:t>
+            </a:r>
+          </a:p>
+          <a:p>
+            <a:endParaRPr lang="en-ZA" dirty="0" smtClean="0"/>
+          </a:p>
+          <a:p>
+            <a:endParaRPr lang="en-ZA" dirty="0"/>
+          </a:p>
+        </p:txBody>
+      </p:sp>
+    </p:spTree>
+    <p:extLst>
+      <p:ext uri="{BB962C8B-B14F-4D97-AF65-F5344CB8AC3E}">
+        <p14:creationId xmlns:p14="http://schemas.microsoft.com/office/powerpoint/2010/main" val="87904249"/>
+      </p:ext>
+    </p:extLst>
+  </p:cSld>
+  <p:clrMapOvr>
+    <a:masterClrMapping/>
+  </p:clrMapOvr>
+  <p:timing>
+    <p:tnLst>
+      <p:par>
+        <p:cTn id="1" dur="indefinite" restart="never" nodeType="tmRoot"/>
+      </p:par>
+    </p:tnLst>
+  </p:timing>
+</p:sld>
+</file>
+
+<file path=ppt/slides/slide16.xml><?xml version="1.0" encoding="utf-8"?>
+<p:sld xmlns:a="http://schemas.openxmlformats.org/drawingml/2006/main" xmlns:r="http://schemas.openxmlformats.org/officeDocument/2006/relationships" xmlns:p="http://schemas.openxmlformats.org/presentationml/2006/main">
+  <p:cSld>
+    <p:spTree>
+      <p:nvGrpSpPr>
+        <p:cNvPr id="1" name=""/>
+        <p:cNvGrpSpPr/>
+        <p:nvPr/>
+      </p:nvGrpSpPr>
+      <p:grpSpPr>
+        <a:xfrm>
+          <a:off x="0" y="0"/>
+          <a:ext cx="0" cy="0"/>
+          <a:chOff x="0" y="0"/>
+          <a:chExt cx="0" cy="0"/>
+        </a:xfrm>
+      </p:grpSpPr>
+      <p:sp>
+        <p:nvSpPr>
+          <p:cNvPr id="2" name="Title 1"/>
+          <p:cNvSpPr>
+            <a:spLocks noGrp="1"/>
+          </p:cNvSpPr>
+          <p:nvPr>
+            <p:ph type="title"/>
+          </p:nvPr>
+        </p:nvSpPr>
+        <p:spPr/>
+        <p:txBody>
           <a:bodyPr>
-            <a:normAutofit fontScale="90000"/>
+            <a:normAutofit/>
           </a:bodyPr>
           <a:lstStyle/>
           <a:p>
             <a:r>
               <a:rPr lang="en-ZA" dirty="0" smtClean="0"/>
-              <a:t>Detailed Design: Data Processing (MAP Reduce)</a:t>
+              <a:t>Detailed Design: Streaming Data</a:t>
             </a:r>
             <a:endParaRPr lang="en-ZA" dirty="0"/>
           </a:p>
@@ -13445,7 +12663,7 @@
         <p:spPr>
           <a:xfrm>
             <a:off x="6732240" y="1268760"/>
-            <a:ext cx="2304256" cy="4968551"/>
+            <a:ext cx="2304256" cy="4896543"/>
           </a:xfrm>
           <a:prstGeom prst="rect">
             <a:avLst/>
@@ -13472,17 +12690,13 @@
           <a:bodyPr rtlCol="0" anchor="t" anchorCtr="0"/>
           <a:lstStyle/>
           <a:p>
-            <a:pPr marL="342900" indent="-342900">
-              <a:buFont typeface="+mj-lt"/>
-              <a:buAutoNum type="arabicPeriod"/>
-            </a:pPr>
-            <a:r>
-              <a:rPr lang="en-ZA" sz="1400" dirty="0">
+            <a:r>
+              <a:rPr lang="en-ZA" sz="1400" b="1" u="sng" dirty="0" smtClean="0">
                 <a:solidFill>
                   <a:schemeClr val="tx1"/>
                 </a:solidFill>
               </a:rPr>
-              <a:t>U</a:t>
+              <a:t>Approach</a:t>
             </a:r>
             <a:r>
               <a:rPr lang="en-ZA" sz="1400" dirty="0" smtClean="0">
@@ -13490,90 +12704,45 @@
                   <a:schemeClr val="tx1"/>
                 </a:solidFill>
               </a:rPr>
-              <a:t>ser shall connect to the data visualization front-end using a browser</a:t>
-            </a:r>
-          </a:p>
-          <a:p>
-            <a:pPr marL="342900" indent="-342900">
-              <a:buFont typeface="+mj-lt"/>
-              <a:buAutoNum type="arabicPeriod"/>
-            </a:pPr>
-            <a:r>
+              <a:t>:</a:t>
+            </a:r>
+            <a:br>
               <a:rPr lang="en-ZA" sz="1400" dirty="0" smtClean="0">
                 <a:solidFill>
                   <a:schemeClr val="tx1"/>
                 </a:solidFill>
               </a:rPr>
-              <a:t>Back-End service shall be exposed using .NET and IIS to present data to the user and to query </a:t>
-            </a:r>
-            <a:r>
-              <a:rPr lang="en-ZA" sz="1400" dirty="0" err="1" smtClean="0">
-                <a:solidFill>
-                  <a:schemeClr val="tx1"/>
-                </a:solidFill>
-              </a:rPr>
-              <a:t>Hadoop</a:t>
-            </a:r>
-            <a:endParaRPr lang="en-ZA" sz="1400" dirty="0" smtClean="0">
-              <a:solidFill>
-                <a:schemeClr val="tx1"/>
-              </a:solidFill>
-            </a:endParaRPr>
-          </a:p>
-          <a:p>
-            <a:pPr marL="342900" indent="-342900">
-              <a:buFont typeface="+mj-lt"/>
-              <a:buAutoNum type="arabicPeriod"/>
-            </a:pPr>
+            </a:br>
             <a:r>
               <a:rPr lang="en-ZA" sz="1400" dirty="0" smtClean="0">
                 <a:solidFill>
                   <a:schemeClr val="tx1"/>
                 </a:solidFill>
               </a:rPr>
-              <a:t>Twitter data shall be persisted here and user(s) will query it/ subscribe to a topic</a:t>
-            </a:r>
-          </a:p>
-          <a:p>
-            <a:pPr marL="342900" indent="-342900">
-              <a:buFont typeface="+mj-lt"/>
-              <a:buAutoNum type="arabicPeriod"/>
-            </a:pPr>
-            <a:r>
+              <a:t/>
+            </a:r>
+            <a:br>
               <a:rPr lang="en-ZA" sz="1400" dirty="0" smtClean="0">
                 <a:solidFill>
                   <a:schemeClr val="tx1"/>
                 </a:solidFill>
               </a:rPr>
-              <a:t>This component will be used to get twitter data/ streams</a:t>
-            </a:r>
-          </a:p>
-          <a:p>
-            <a:pPr marL="342900" indent="-342900">
-              <a:buFont typeface="+mj-lt"/>
-              <a:buAutoNum type="arabicPeriod"/>
-            </a:pPr>
+            </a:br>
             <a:r>
               <a:rPr lang="en-ZA" sz="1400" dirty="0" smtClean="0">
                 <a:solidFill>
                   <a:schemeClr val="tx1"/>
                 </a:solidFill>
               </a:rPr>
-              <a:t>Twitter will be the main source of our big data for the project.</a:t>
-            </a:r>
-          </a:p>
-          <a:p>
-            <a:pPr marL="342900" indent="-342900">
-              <a:buFont typeface="+mj-lt"/>
-              <a:buAutoNum type="arabicPeriod"/>
-            </a:pPr>
-            <a:r>
-              <a:rPr lang="en-ZA" sz="1400" dirty="0" err="1" smtClean="0">
+              <a:t>Component was developed as a </a:t>
+            </a:r>
+            <a:r>
+              <a:rPr lang="en-ZA" sz="1400" b="1" dirty="0" smtClean="0">
                 <a:solidFill>
                   <a:schemeClr val="tx1"/>
                 </a:solidFill>
               </a:rPr>
-              <a:t>MongoDB</a:t>
+              <a:t>standard-alone</a:t>
             </a:r>
             <a:r>
               <a:rPr lang="en-ZA" sz="1400" dirty="0" smtClean="0">
@@ -13581,21 +12750,33 @@
                   <a:schemeClr val="tx1"/>
                 </a:solidFill>
               </a:rPr>
-              <a:t> will be used as temporary storage for the data before it is moved to </a:t>
-            </a:r>
-            <a:r>
-              <a:rPr lang="en-ZA" sz="1400" dirty="0" err="1" smtClean="0">
+              <a:t>  .NET application.</a:t>
+            </a:r>
+          </a:p>
+          <a:p>
+            <a:endParaRPr lang="en-ZA" sz="1400" dirty="0">
+              <a:solidFill>
+                <a:schemeClr val="tx1"/>
+              </a:solidFill>
+            </a:endParaRPr>
+          </a:p>
+          <a:p>
+            <a:r>
+              <a:rPr lang="en-ZA" sz="1400" b="1" u="sng" dirty="0" smtClean="0">
                 <a:solidFill>
                   <a:schemeClr val="tx1"/>
                 </a:solidFill>
               </a:rPr>
-              <a:t>Hadoop</a:t>
-            </a:r>
-            <a:endParaRPr lang="en-ZA" sz="1400" dirty="0" smtClean="0">
-              <a:solidFill>
-                <a:schemeClr val="tx1"/>
-              </a:solidFill>
-            </a:endParaRPr>
+              <a:t>Challenges</a:t>
+            </a:r>
+            <a:r>
+              <a:rPr lang="en-ZA" sz="1400" dirty="0" smtClean="0">
+                <a:solidFill>
+                  <a:schemeClr val="tx1"/>
+                </a:solidFill>
+              </a:rPr>
+              <a:t>:</a:t>
+            </a:r>
           </a:p>
           <a:p>
             <a:pPr marL="342900" indent="-342900">
@@ -13609,23 +12790,111 @@
             </a:endParaRPr>
           </a:p>
           <a:p>
-            <a:pPr marL="342900" indent="-342900">
-              <a:buFont typeface="+mj-lt"/>
-              <a:buAutoNum type="arabicPeriod"/>
-            </a:pPr>
+            <a:r>
+              <a:rPr lang="en-ZA" sz="1400" dirty="0" smtClean="0">
+                <a:solidFill>
+                  <a:schemeClr val="tx1"/>
+                </a:solidFill>
+              </a:rPr>
+              <a:t>Sourcing the data to interrogate it to see what was available.</a:t>
+            </a:r>
+          </a:p>
+          <a:p>
             <a:endParaRPr lang="en-ZA" sz="1400" dirty="0">
               <a:solidFill>
                 <a:schemeClr val="tx1"/>
               </a:solidFill>
             </a:endParaRPr>
           </a:p>
+          <a:p>
+            <a:r>
+              <a:rPr lang="en-ZA" sz="1400" dirty="0" smtClean="0">
+                <a:solidFill>
+                  <a:schemeClr val="tx1"/>
+                </a:solidFill>
+              </a:rPr>
+              <a:t>Verify the validity of the data (</a:t>
+            </a:r>
+            <a:r>
+              <a:rPr lang="en-ZA" sz="1400" b="1" dirty="0" smtClean="0">
+                <a:solidFill>
+                  <a:schemeClr val="tx1"/>
+                </a:solidFill>
+              </a:rPr>
+              <a:t>Location Data</a:t>
+            </a:r>
+            <a:r>
+              <a:rPr lang="en-ZA" sz="1400" dirty="0" smtClean="0">
+                <a:solidFill>
+                  <a:schemeClr val="tx1"/>
+                </a:solidFill>
+              </a:rPr>
+              <a:t>).</a:t>
+            </a:r>
+          </a:p>
+          <a:p>
+            <a:endParaRPr lang="en-ZA" sz="1400" dirty="0">
+              <a:solidFill>
+                <a:schemeClr val="tx1"/>
+              </a:solidFill>
+            </a:endParaRPr>
+          </a:p>
+          <a:p>
+            <a:r>
+              <a:rPr lang="en-ZA" sz="1400" dirty="0" smtClean="0">
+                <a:solidFill>
+                  <a:schemeClr val="tx1"/>
+                </a:solidFill>
+              </a:rPr>
+              <a:t>Consolidating output (both </a:t>
+            </a:r>
+            <a:r>
+              <a:rPr lang="en-ZA" sz="1400" b="1" dirty="0" smtClean="0">
+                <a:solidFill>
+                  <a:schemeClr val="tx1"/>
+                </a:solidFill>
+              </a:rPr>
+              <a:t>History</a:t>
+            </a:r>
+            <a:r>
+              <a:rPr lang="en-ZA" sz="1400" dirty="0" smtClean="0">
+                <a:solidFill>
+                  <a:schemeClr val="tx1"/>
+                </a:solidFill>
+              </a:rPr>
+              <a:t> and </a:t>
+            </a:r>
+            <a:r>
+              <a:rPr lang="en-ZA" sz="1400" b="1" dirty="0" smtClean="0">
+                <a:solidFill>
+                  <a:schemeClr val="tx1"/>
+                </a:solidFill>
+              </a:rPr>
+              <a:t>Streaming</a:t>
+            </a:r>
+            <a:r>
+              <a:rPr lang="en-ZA" sz="1400" dirty="0" smtClean="0">
+                <a:solidFill>
+                  <a:schemeClr val="tx1"/>
+                </a:solidFill>
+              </a:rPr>
+              <a:t>) for downstream processing.</a:t>
+            </a:r>
+          </a:p>
+          <a:p>
+            <a:endParaRPr lang="en-ZA" sz="1400" dirty="0" smtClean="0">
+              <a:solidFill>
+                <a:schemeClr val="tx1"/>
+              </a:solidFill>
+            </a:endParaRPr>
+          </a:p>
         </p:txBody>
       </p:sp>
       <p:pic>
         <p:nvPicPr>
-          <p:cNvPr id="3" name="Picture 2"/>
+          <p:cNvPr id="5" name="Picture 2"/>
           <p:cNvPicPr>
-            <a:picLocks noChangeAspect="1"/>
+            <a:picLocks noChangeAspect="1" noChangeArrowheads="1"/>
           </p:cNvPicPr>
           <p:nvPr/>
         </p:nvPicPr>
@@ -13637,24 +12906,58 @@
               </a:ext>
             </a:extLst>
           </a:blip>
+          <a:srcRect/>
           <a:stretch>
             <a:fillRect/>
           </a:stretch>
         </p:blipFill>
-        <p:spPr>
+        <p:spPr bwMode="auto">
           <a:xfrm>
-            <a:off x="107504" y="1340768"/>
-            <a:ext cx="6552728" cy="4896544"/>
+            <a:off x="107504" y="1196752"/>
+            <a:ext cx="6552729" cy="4968551"/>
           </a:xfrm>
           <a:prstGeom prst="rect">
             <a:avLst/>
           </a:prstGeom>
+          <a:noFill/>
+          <a:ln>
+            <a:noFill/>
+          </a:ln>
+          <a:effectLst/>
+          <a:extLst>
+            <a:ext uri="{909E8E84-426E-40DD-AFC4-6F175D3DCCD1}">
+              <a14:hiddenFill xmlns:a14="http://schemas.microsoft.com/office/drawing/2010/main">
+                <a:solidFill>
+                  <a:schemeClr val="accent1"/>
+                </a:solidFill>
+              </a14:hiddenFill>
+            </a:ext>
+            <a:ext uri="{91240B29-F687-4F45-9708-019B960494DF}">
+              <a14:hiddenLine xmlns:a14="http://schemas.microsoft.com/office/drawing/2010/main" w="9525">
+                <a:solidFill>
+                  <a:schemeClr val="tx1"/>
+                </a:solidFill>
+                <a:miter lim="800000"/>
+                <a:headEnd/>
+                <a:tailEnd/>
+              </a14:hiddenLine>
+            </a:ext>
+            <a:ext uri="{AF507438-7753-43E0-B8FC-AC1667EBCBE1}">
+              <a14:hiddenEffects xmlns:a14="http://schemas.microsoft.com/office/drawing/2010/main">
+                <a:effectLst>
+                  <a:outerShdw dist="35921" dir="2700000" algn="ctr" rotWithShape="0">
+                    <a:schemeClr val="bg2"/>
+                  </a:outerShdw>
+                </a:effectLst>
+              </a14:hiddenEffects>
+            </a:ext>
+          </a:extLst>
         </p:spPr>
       </p:pic>
     </p:spTree>
     <p:extLst>
       <p:ext uri="{BB962C8B-B14F-4D97-AF65-F5344CB8AC3E}">
-        <p14:creationId xmlns:p14="http://schemas.microsoft.com/office/powerpoint/2010/main" val="1310017144"/>
+        <p14:creationId xmlns:p14="http://schemas.microsoft.com/office/powerpoint/2010/main" val="1562890518"/>
       </p:ext>
     </p:extLst>
   </p:cSld>
@@ -13671,7 +12974,7 @@
 </p:sld>
 </file>
 
-<file path=ppt/slides/slide16.xml><?xml version="1.0" encoding="utf-8"?>
+<file path=ppt/slides/slide17.xml><?xml version="1.0" encoding="utf-8"?>
 <p:sld xmlns:a="http://schemas.openxmlformats.org/drawingml/2006/main" xmlns:r="http://schemas.openxmlformats.org/officeDocument/2006/relationships" xmlns:p="http://schemas.openxmlformats.org/presentationml/2006/main">
   <p:cSld>
     <p:spTree>
@@ -13862,11 +13165,7 @@
             </a:pPr>
             <a:r>
               <a:rPr lang="en-ZA" dirty="0" smtClean="0"/>
-              <a:t>Dave </a:t>
-            </a:r>
-            <a:r>
-              <a:rPr lang="en-ZA" dirty="0" err="1" smtClean="0"/>
-              <a:t>Cloete</a:t>
+              <a:t>Gareth Stephenson</a:t>
             </a:r>
             <a:endParaRPr lang="en-ZA" dirty="0"/>
           </a:p>
@@ -13875,7 +13174,7 @@
     </p:spTree>
     <p:extLst>
       <p:ext uri="{BB962C8B-B14F-4D97-AF65-F5344CB8AC3E}">
-        <p14:creationId xmlns:p14="http://schemas.microsoft.com/office/powerpoint/2010/main" val="3180541986"/>
+        <p14:creationId xmlns:p14="http://schemas.microsoft.com/office/powerpoint/2010/main" val="1016632405"/>
       </p:ext>
     </p:extLst>
   </p:cSld>
@@ -13892,7 +13191,7 @@
 </p:sld>
 </file>
 
-<file path=ppt/slides/slide17.xml><?xml version="1.0" encoding="utf-8"?>
+<file path=ppt/slides/slide18.xml><?xml version="1.0" encoding="utf-8"?>
 <p:sld xmlns:a="http://schemas.openxmlformats.org/drawingml/2006/main" xmlns:r="http://schemas.openxmlformats.org/officeDocument/2006/relationships" xmlns:p="http://schemas.openxmlformats.org/presentationml/2006/main">
   <p:cSld>
     <p:spTree>
@@ -13922,13 +13221,13 @@
         <p:spPr/>
         <p:txBody>
           <a:bodyPr>
-            <a:normAutofit/>
+            <a:normAutofit fontScale="90000"/>
           </a:bodyPr>
           <a:lstStyle/>
           <a:p>
             <a:r>
               <a:rPr lang="en-ZA" dirty="0" smtClean="0"/>
-              <a:t>Detailed Design: Data Visualization (UX)</a:t>
+              <a:t>Detailed Design: Data Processing (MAP Reduce)</a:t>
             </a:r>
             <a:endParaRPr lang="en-ZA" dirty="0"/>
           </a:p>
@@ -14127,7 +13426,7 @@
           </p:cNvPicPr>
           <p:nvPr/>
         </p:nvPicPr>
-        <p:blipFill>
+        <p:blipFill rotWithShape="1">
           <a:blip r:embed="rId2">
             <a:extLst>
               <a:ext uri="{28A0092B-C50C-407E-A947-70E740481C1C}">
@@ -14135,14 +13434,13 @@
               </a:ext>
             </a:extLst>
           </a:blip>
-          <a:stretch>
-            <a:fillRect/>
-          </a:stretch>
+          <a:srcRect t="8754"/>
+          <a:stretch/>
         </p:blipFill>
         <p:spPr>
           <a:xfrm>
-            <a:off x="179512" y="1268759"/>
-            <a:ext cx="6440598" cy="4968551"/>
+            <a:off x="107504" y="1268760"/>
+            <a:ext cx="6552728" cy="4968551"/>
           </a:xfrm>
           <a:prstGeom prst="rect">
             <a:avLst/>
@@ -14152,7 +13450,7 @@
     </p:spTree>
     <p:extLst>
       <p:ext uri="{BB962C8B-B14F-4D97-AF65-F5344CB8AC3E}">
-        <p14:creationId xmlns:p14="http://schemas.microsoft.com/office/powerpoint/2010/main" val="977686890"/>
+        <p14:creationId xmlns:p14="http://schemas.microsoft.com/office/powerpoint/2010/main" val="1758195528"/>
       </p:ext>
     </p:extLst>
   </p:cSld>
@@ -14169,8 +13467,1316 @@
 </p:sld>
 </file>
 
-<file path=ppt/slides/slide18.xml><?xml version="1.0" encoding="utf-8"?>
+<file path=ppt/slides/slide19.xml><?xml version="1.0" encoding="utf-8"?>
 <p:sld xmlns:a="http://schemas.openxmlformats.org/drawingml/2006/main" xmlns:r="http://schemas.openxmlformats.org/officeDocument/2006/relationships" xmlns:p="http://schemas.openxmlformats.org/presentationml/2006/main">
+  <p:cSld>
+    <p:spTree>
+      <p:nvGrpSpPr>
+        <p:cNvPr id="1" name=""/>
+        <p:cNvGrpSpPr/>
+        <p:nvPr/>
+      </p:nvGrpSpPr>
+      <p:grpSpPr>
+        <a:xfrm>
+          <a:off x="0" y="0"/>
+          <a:ext cx="0" cy="0"/>
+          <a:chOff x="0" y="0"/>
+          <a:chExt cx="0" cy="0"/>
+        </a:xfrm>
+      </p:grpSpPr>
+      <p:sp>
+        <p:nvSpPr>
+          <p:cNvPr id="2" name="Title 1"/>
+          <p:cNvSpPr>
+            <a:spLocks noGrp="1"/>
+          </p:cNvSpPr>
+          <p:nvPr>
+            <p:ph type="title"/>
+          </p:nvPr>
+        </p:nvSpPr>
+        <p:spPr/>
+        <p:txBody>
+          <a:bodyPr>
+            <a:normAutofit fontScale="90000"/>
+          </a:bodyPr>
+          <a:lstStyle/>
+          <a:p>
+            <a:r>
+              <a:rPr lang="en-ZA" dirty="0" smtClean="0"/>
+              <a:t>Detailed Design: Data Processing (Class Diagram)</a:t>
+            </a:r>
+            <a:endParaRPr lang="en-ZA" dirty="0"/>
+          </a:p>
+        </p:txBody>
+      </p:sp>
+      <p:pic>
+        <p:nvPicPr>
+          <p:cNvPr id="4" name="Picture 3"/>
+          <p:cNvPicPr>
+            <a:picLocks noChangeAspect="1"/>
+          </p:cNvPicPr>
+          <p:nvPr/>
+        </p:nvPicPr>
+        <p:blipFill>
+          <a:blip r:embed="rId2">
+            <a:extLst>
+              <a:ext uri="{28A0092B-C50C-407E-A947-70E740481C1C}">
+                <a14:useLocalDpi xmlns:a14="http://schemas.microsoft.com/office/drawing/2010/main" val="0"/>
+              </a:ext>
+            </a:extLst>
+          </a:blip>
+          <a:stretch>
+            <a:fillRect/>
+          </a:stretch>
+        </p:blipFill>
+        <p:spPr>
+          <a:xfrm>
+            <a:off x="107504" y="1187956"/>
+            <a:ext cx="8928992" cy="5670044"/>
+          </a:xfrm>
+          <a:prstGeom prst="rect">
+            <a:avLst/>
+          </a:prstGeom>
+        </p:spPr>
+      </p:pic>
+    </p:spTree>
+    <p:extLst>
+      <p:ext uri="{BB962C8B-B14F-4D97-AF65-F5344CB8AC3E}">
+        <p14:creationId xmlns:p14="http://schemas.microsoft.com/office/powerpoint/2010/main" val="1758195528"/>
+      </p:ext>
+    </p:extLst>
+  </p:cSld>
+  <p:clrMapOvr>
+    <a:masterClrMapping/>
+  </p:clrMapOvr>
+  <p:timing>
+    <p:tnLst>
+      <p:par>
+        <p:cTn id="1" dur="indefinite" restart="never" nodeType="tmRoot"/>
+      </p:par>
+    </p:tnLst>
+  </p:timing>
+</p:sld>
+</file>
+
+<file path=ppt/slides/slide2.xml><?xml version="1.0" encoding="utf-8"?>
+<p:sld xmlns:a="http://schemas.openxmlformats.org/drawingml/2006/main" xmlns:r="http://schemas.openxmlformats.org/officeDocument/2006/relationships" xmlns:p="http://schemas.openxmlformats.org/presentationml/2006/main">
+  <p:cSld>
+    <p:spTree>
+      <p:nvGrpSpPr>
+        <p:cNvPr id="1" name=""/>
+        <p:cNvGrpSpPr/>
+        <p:nvPr/>
+      </p:nvGrpSpPr>
+      <p:grpSpPr>
+        <a:xfrm>
+          <a:off x="0" y="0"/>
+          <a:ext cx="0" cy="0"/>
+          <a:chOff x="0" y="0"/>
+          <a:chExt cx="0" cy="0"/>
+        </a:xfrm>
+      </p:grpSpPr>
+      <p:sp>
+        <p:nvSpPr>
+          <p:cNvPr id="5" name="Subtitle 2"/>
+          <p:cNvSpPr txBox="1">
+            <a:spLocks/>
+          </p:cNvSpPr>
+          <p:nvPr/>
+        </p:nvSpPr>
+        <p:spPr>
+          <a:xfrm>
+            <a:off x="1403648" y="2852936"/>
+            <a:ext cx="6400800" cy="1752600"/>
+          </a:xfrm>
+          <a:prstGeom prst="rect">
+            <a:avLst/>
+          </a:prstGeom>
+        </p:spPr>
+        <p:txBody>
+          <a:bodyPr vert="horz" lIns="91440" tIns="45720" rIns="91440" bIns="45720" rtlCol="0">
+            <a:normAutofit/>
+          </a:bodyPr>
+          <a:lstStyle>
+            <a:lvl1pPr marL="342900" indent="-342900" algn="l" defTabSz="914400" rtl="0" eaLnBrk="1" latinLnBrk="0" hangingPunct="1">
+              <a:spcBef>
+                <a:spcPct val="20000"/>
+              </a:spcBef>
+              <a:buFont typeface="Arial" pitchFamily="34" charset="0"/>
+              <a:buChar char="•"/>
+              <a:defRPr sz="3200" kern="1200">
+                <a:solidFill>
+                  <a:schemeClr val="accent5">
+                    <a:lumMod val="75000"/>
+                  </a:schemeClr>
+                </a:solidFill>
+                <a:latin typeface="+mn-lt"/>
+                <a:ea typeface="+mn-ea"/>
+                <a:cs typeface="+mn-cs"/>
+              </a:defRPr>
+            </a:lvl1pPr>
+            <a:lvl2pPr marL="742950" indent="-285750" algn="l" defTabSz="914400" rtl="0" eaLnBrk="1" latinLnBrk="0" hangingPunct="1">
+              <a:spcBef>
+                <a:spcPct val="20000"/>
+              </a:spcBef>
+              <a:buFont typeface="Arial" pitchFamily="34" charset="0"/>
+              <a:buChar char="–"/>
+              <a:defRPr sz="2800" kern="1200">
+                <a:solidFill>
+                  <a:schemeClr val="accent5">
+                    <a:lumMod val="75000"/>
+                  </a:schemeClr>
+                </a:solidFill>
+                <a:latin typeface="+mn-lt"/>
+                <a:ea typeface="+mn-ea"/>
+                <a:cs typeface="+mn-cs"/>
+              </a:defRPr>
+            </a:lvl2pPr>
+            <a:lvl3pPr marL="1143000" indent="-228600" algn="l" defTabSz="914400" rtl="0" eaLnBrk="1" latinLnBrk="0" hangingPunct="1">
+              <a:spcBef>
+                <a:spcPct val="20000"/>
+              </a:spcBef>
+              <a:buFont typeface="Arial" pitchFamily="34" charset="0"/>
+              <a:buChar char="•"/>
+              <a:defRPr sz="2400" kern="1200">
+                <a:solidFill>
+                  <a:schemeClr val="accent5">
+                    <a:lumMod val="75000"/>
+                  </a:schemeClr>
+                </a:solidFill>
+                <a:latin typeface="+mn-lt"/>
+                <a:ea typeface="+mn-ea"/>
+                <a:cs typeface="+mn-cs"/>
+              </a:defRPr>
+            </a:lvl3pPr>
+            <a:lvl4pPr marL="1600200" indent="-228600" algn="l" defTabSz="914400" rtl="0" eaLnBrk="1" latinLnBrk="0" hangingPunct="1">
+              <a:spcBef>
+                <a:spcPct val="20000"/>
+              </a:spcBef>
+              <a:buFont typeface="Arial" pitchFamily="34" charset="0"/>
+              <a:buChar char="–"/>
+              <a:defRPr sz="2000" kern="1200">
+                <a:solidFill>
+                  <a:schemeClr val="accent5">
+                    <a:lumMod val="75000"/>
+                  </a:schemeClr>
+                </a:solidFill>
+                <a:latin typeface="+mn-lt"/>
+                <a:ea typeface="+mn-ea"/>
+                <a:cs typeface="+mn-cs"/>
+              </a:defRPr>
+            </a:lvl4pPr>
+            <a:lvl5pPr marL="2057400" indent="-228600" algn="l" defTabSz="914400" rtl="0" eaLnBrk="1" latinLnBrk="0" hangingPunct="1">
+              <a:spcBef>
+                <a:spcPct val="20000"/>
+              </a:spcBef>
+              <a:buFont typeface="Arial" pitchFamily="34" charset="0"/>
+              <a:buChar char="»"/>
+              <a:defRPr sz="2000" kern="1200">
+                <a:solidFill>
+                  <a:schemeClr val="accent5">
+                    <a:lumMod val="75000"/>
+                  </a:schemeClr>
+                </a:solidFill>
+                <a:latin typeface="+mn-lt"/>
+                <a:ea typeface="+mn-ea"/>
+                <a:cs typeface="+mn-cs"/>
+              </a:defRPr>
+            </a:lvl5pPr>
+            <a:lvl6pPr marL="2514600" indent="-228600" algn="l" defTabSz="914400" rtl="0" eaLnBrk="1" latinLnBrk="0" hangingPunct="1">
+              <a:spcBef>
+                <a:spcPct val="20000"/>
+              </a:spcBef>
+              <a:buFont typeface="Arial" pitchFamily="34" charset="0"/>
+              <a:buChar char="•"/>
+              <a:defRPr sz="2000" kern="1200">
+                <a:solidFill>
+                  <a:schemeClr val="tx1"/>
+                </a:solidFill>
+                <a:latin typeface="+mn-lt"/>
+                <a:ea typeface="+mn-ea"/>
+                <a:cs typeface="+mn-cs"/>
+              </a:defRPr>
+            </a:lvl6pPr>
+            <a:lvl7pPr marL="2971800" indent="-228600" algn="l" defTabSz="914400" rtl="0" eaLnBrk="1" latinLnBrk="0" hangingPunct="1">
+              <a:spcBef>
+                <a:spcPct val="20000"/>
+              </a:spcBef>
+              <a:buFont typeface="Arial" pitchFamily="34" charset="0"/>
+              <a:buChar char="•"/>
+              <a:defRPr sz="2000" kern="1200">
+                <a:solidFill>
+                  <a:schemeClr val="tx1"/>
+                </a:solidFill>
+                <a:latin typeface="+mn-lt"/>
+                <a:ea typeface="+mn-ea"/>
+                <a:cs typeface="+mn-cs"/>
+              </a:defRPr>
+            </a:lvl7pPr>
+            <a:lvl8pPr marL="3429000" indent="-228600" algn="l" defTabSz="914400" rtl="0" eaLnBrk="1" latinLnBrk="0" hangingPunct="1">
+              <a:spcBef>
+                <a:spcPct val="20000"/>
+              </a:spcBef>
+              <a:buFont typeface="Arial" pitchFamily="34" charset="0"/>
+              <a:buChar char="•"/>
+              <a:defRPr sz="2000" kern="1200">
+                <a:solidFill>
+                  <a:schemeClr val="tx1"/>
+                </a:solidFill>
+                <a:latin typeface="+mn-lt"/>
+                <a:ea typeface="+mn-ea"/>
+                <a:cs typeface="+mn-cs"/>
+              </a:defRPr>
+            </a:lvl8pPr>
+            <a:lvl9pPr marL="3886200" indent="-228600" algn="l" defTabSz="914400" rtl="0" eaLnBrk="1" latinLnBrk="0" hangingPunct="1">
+              <a:spcBef>
+                <a:spcPct val="20000"/>
+              </a:spcBef>
+              <a:buFont typeface="Arial" pitchFamily="34" charset="0"/>
+              <a:buChar char="•"/>
+              <a:defRPr sz="2000" kern="1200">
+                <a:solidFill>
+                  <a:schemeClr val="tx1"/>
+                </a:solidFill>
+                <a:latin typeface="+mn-lt"/>
+                <a:ea typeface="+mn-ea"/>
+                <a:cs typeface="+mn-cs"/>
+              </a:defRPr>
+            </a:lvl9pPr>
+          </a:lstStyle>
+          <a:p>
+            <a:pPr marL="0" indent="0" algn="ctr">
+              <a:buNone/>
+            </a:pPr>
+            <a:r>
+              <a:rPr lang="en-ZA" dirty="0" err="1" smtClean="0"/>
+              <a:t>Sidwell</a:t>
+            </a:r>
+            <a:r>
+              <a:rPr lang="en-ZA" dirty="0" smtClean="0"/>
+              <a:t> </a:t>
+            </a:r>
+            <a:r>
+              <a:rPr lang="en-ZA" dirty="0" err="1" smtClean="0"/>
+              <a:t>Mokhemisa</a:t>
+            </a:r>
+            <a:endParaRPr lang="en-ZA" dirty="0"/>
+          </a:p>
+        </p:txBody>
+      </p:sp>
+    </p:spTree>
+    <p:extLst>
+      <p:ext uri="{BB962C8B-B14F-4D97-AF65-F5344CB8AC3E}">
+        <p14:creationId xmlns:p14="http://schemas.microsoft.com/office/powerpoint/2010/main" val="986255435"/>
+      </p:ext>
+    </p:extLst>
+  </p:cSld>
+  <p:clrMapOvr>
+    <a:masterClrMapping/>
+  </p:clrMapOvr>
+  <p:timing>
+    <p:tnLst>
+      <p:par>
+        <p:cTn id="1" dur="indefinite" restart="never" nodeType="tmRoot"/>
+      </p:par>
+    </p:tnLst>
+  </p:timing>
+</p:sld>
+</file>
+
+<file path=ppt/slides/slide20.xml><?xml version="1.0" encoding="utf-8"?>
+<p:sld xmlns:a="http://schemas.openxmlformats.org/drawingml/2006/main" xmlns:r="http://schemas.openxmlformats.org/officeDocument/2006/relationships" xmlns:p="http://schemas.openxmlformats.org/presentationml/2006/main">
+  <p:cSld>
+    <p:spTree>
+      <p:nvGrpSpPr>
+        <p:cNvPr id="1" name=""/>
+        <p:cNvGrpSpPr/>
+        <p:nvPr/>
+      </p:nvGrpSpPr>
+      <p:grpSpPr>
+        <a:xfrm>
+          <a:off x="0" y="0"/>
+          <a:ext cx="0" cy="0"/>
+          <a:chOff x="0" y="0"/>
+          <a:chExt cx="0" cy="0"/>
+        </a:xfrm>
+      </p:grpSpPr>
+      <p:sp>
+        <p:nvSpPr>
+          <p:cNvPr id="2" name="Title 1"/>
+          <p:cNvSpPr>
+            <a:spLocks noGrp="1"/>
+          </p:cNvSpPr>
+          <p:nvPr>
+            <p:ph type="title"/>
+          </p:nvPr>
+        </p:nvSpPr>
+        <p:spPr/>
+        <p:txBody>
+          <a:bodyPr>
+            <a:normAutofit fontScale="90000"/>
+          </a:bodyPr>
+          <a:lstStyle/>
+          <a:p>
+            <a:r>
+              <a:rPr lang="en-ZA" dirty="0" smtClean="0"/>
+              <a:t>Detailed Design: Data Processing (MAP Reduce)</a:t>
+            </a:r>
+            <a:endParaRPr lang="en-ZA" dirty="0"/>
+          </a:p>
+        </p:txBody>
+      </p:sp>
+      <p:pic>
+        <p:nvPicPr>
+          <p:cNvPr id="4" name="Picture 3"/>
+          <p:cNvPicPr>
+            <a:picLocks noChangeAspect="1"/>
+          </p:cNvPicPr>
+          <p:nvPr/>
+        </p:nvPicPr>
+        <p:blipFill>
+          <a:blip r:embed="rId2">
+            <a:extLst>
+              <a:ext uri="{28A0092B-C50C-407E-A947-70E740481C1C}">
+                <a14:useLocalDpi xmlns:a14="http://schemas.microsoft.com/office/drawing/2010/main" val="0"/>
+              </a:ext>
+            </a:extLst>
+          </a:blip>
+          <a:stretch>
+            <a:fillRect/>
+          </a:stretch>
+        </p:blipFill>
+        <p:spPr>
+          <a:xfrm>
+            <a:off x="1187624" y="1340768"/>
+            <a:ext cx="4032448" cy="5131894"/>
+          </a:xfrm>
+          <a:prstGeom prst="rect">
+            <a:avLst/>
+          </a:prstGeom>
+        </p:spPr>
+      </p:pic>
+      <p:sp>
+        <p:nvSpPr>
+          <p:cNvPr id="5" name="Rectangle 4"/>
+          <p:cNvSpPr/>
+          <p:nvPr/>
+        </p:nvSpPr>
+        <p:spPr>
+          <a:xfrm>
+            <a:off x="6732240" y="1268760"/>
+            <a:ext cx="2304256" cy="4896543"/>
+          </a:xfrm>
+          <a:prstGeom prst="rect">
+            <a:avLst/>
+          </a:prstGeom>
+          <a:noFill/>
+        </p:spPr>
+        <p:style>
+          <a:lnRef idx="2">
+            <a:schemeClr val="accent1">
+              <a:shade val="50000"/>
+            </a:schemeClr>
+          </a:lnRef>
+          <a:fillRef idx="1">
+            <a:schemeClr val="accent1"/>
+          </a:fillRef>
+          <a:effectRef idx="0">
+            <a:schemeClr val="accent1"/>
+          </a:effectRef>
+          <a:fontRef idx="minor">
+            <a:schemeClr val="lt1"/>
+          </a:fontRef>
+        </p:style>
+        <p:txBody>
+          <a:bodyPr rtlCol="0" anchor="t" anchorCtr="0"/>
+          <a:lstStyle/>
+          <a:p>
+            <a:r>
+              <a:rPr lang="en-ZA" sz="1400" b="1" u="sng" dirty="0" smtClean="0">
+                <a:solidFill>
+                  <a:schemeClr val="tx1"/>
+                </a:solidFill>
+              </a:rPr>
+              <a:t>Approach</a:t>
+            </a:r>
+            <a:r>
+              <a:rPr lang="en-ZA" sz="1400" dirty="0" smtClean="0">
+                <a:solidFill>
+                  <a:schemeClr val="tx1"/>
+                </a:solidFill>
+              </a:rPr>
+              <a:t>:</a:t>
+            </a:r>
+            <a:br>
+              <a:rPr lang="en-ZA" sz="1400" dirty="0" smtClean="0">
+                <a:solidFill>
+                  <a:schemeClr val="tx1"/>
+                </a:solidFill>
+              </a:rPr>
+            </a:br>
+            <a:r>
+              <a:rPr lang="en-ZA" sz="1400" dirty="0" smtClean="0">
+                <a:solidFill>
+                  <a:schemeClr val="tx1"/>
+                </a:solidFill>
+              </a:rPr>
+              <a:t/>
+            </a:r>
+            <a:br>
+              <a:rPr lang="en-ZA" sz="1400" dirty="0" smtClean="0">
+                <a:solidFill>
+                  <a:schemeClr val="tx1"/>
+                </a:solidFill>
+              </a:rPr>
+            </a:br>
+            <a:r>
+              <a:rPr lang="en-ZA" sz="1400" dirty="0" smtClean="0">
+                <a:solidFill>
+                  <a:schemeClr val="tx1"/>
+                </a:solidFill>
+              </a:rPr>
+              <a:t>Component was developed as a </a:t>
+            </a:r>
+            <a:r>
+              <a:rPr lang="en-ZA" sz="1400" b="1" dirty="0" smtClean="0">
+                <a:solidFill>
+                  <a:schemeClr val="tx1"/>
+                </a:solidFill>
+              </a:rPr>
+              <a:t>standard-alone</a:t>
+            </a:r>
+            <a:r>
+              <a:rPr lang="en-ZA" sz="1400" dirty="0" smtClean="0">
+                <a:solidFill>
+                  <a:schemeClr val="tx1"/>
+                </a:solidFill>
+              </a:rPr>
+              <a:t>  .NET application.</a:t>
+            </a:r>
+          </a:p>
+          <a:p>
+            <a:endParaRPr lang="en-ZA" sz="1400" dirty="0">
+              <a:solidFill>
+                <a:schemeClr val="tx1"/>
+              </a:solidFill>
+            </a:endParaRPr>
+          </a:p>
+          <a:p>
+            <a:r>
+              <a:rPr lang="en-ZA" sz="1400" b="1" u="sng" dirty="0" smtClean="0">
+                <a:solidFill>
+                  <a:schemeClr val="tx1"/>
+                </a:solidFill>
+              </a:rPr>
+              <a:t>Challenges</a:t>
+            </a:r>
+            <a:r>
+              <a:rPr lang="en-ZA" sz="1400" dirty="0" smtClean="0">
+                <a:solidFill>
+                  <a:schemeClr val="tx1"/>
+                </a:solidFill>
+              </a:rPr>
+              <a:t>:</a:t>
+            </a:r>
+          </a:p>
+          <a:p>
+            <a:pPr marL="342900" indent="-342900">
+              <a:buFont typeface="+mj-lt"/>
+              <a:buAutoNum type="arabicPeriod"/>
+            </a:pPr>
+            <a:endParaRPr lang="en-ZA" sz="1400" dirty="0" smtClean="0">
+              <a:solidFill>
+                <a:schemeClr val="tx1"/>
+              </a:solidFill>
+            </a:endParaRPr>
+          </a:p>
+          <a:p>
+            <a:r>
+              <a:rPr lang="en-ZA" sz="1400" dirty="0" smtClean="0">
+                <a:solidFill>
+                  <a:schemeClr val="tx1"/>
+                </a:solidFill>
+              </a:rPr>
+              <a:t>Sourcing the data to interrogate it to see what was available.</a:t>
+            </a:r>
+          </a:p>
+          <a:p>
+            <a:endParaRPr lang="en-ZA" sz="1400" dirty="0">
+              <a:solidFill>
+                <a:schemeClr val="tx1"/>
+              </a:solidFill>
+            </a:endParaRPr>
+          </a:p>
+          <a:p>
+            <a:r>
+              <a:rPr lang="en-ZA" sz="1400" dirty="0" smtClean="0">
+                <a:solidFill>
+                  <a:schemeClr val="tx1"/>
+                </a:solidFill>
+              </a:rPr>
+              <a:t>Verify the validity of the data (</a:t>
+            </a:r>
+            <a:r>
+              <a:rPr lang="en-ZA" sz="1400" b="1" dirty="0" smtClean="0">
+                <a:solidFill>
+                  <a:schemeClr val="tx1"/>
+                </a:solidFill>
+              </a:rPr>
+              <a:t>Location Data</a:t>
+            </a:r>
+            <a:r>
+              <a:rPr lang="en-ZA" sz="1400" dirty="0" smtClean="0">
+                <a:solidFill>
+                  <a:schemeClr val="tx1"/>
+                </a:solidFill>
+              </a:rPr>
+              <a:t>).</a:t>
+            </a:r>
+          </a:p>
+          <a:p>
+            <a:endParaRPr lang="en-ZA" sz="1400" dirty="0">
+              <a:solidFill>
+                <a:schemeClr val="tx1"/>
+              </a:solidFill>
+            </a:endParaRPr>
+          </a:p>
+          <a:p>
+            <a:r>
+              <a:rPr lang="en-ZA" sz="1400" dirty="0" smtClean="0">
+                <a:solidFill>
+                  <a:schemeClr val="tx1"/>
+                </a:solidFill>
+              </a:rPr>
+              <a:t>Consolidating output (both </a:t>
+            </a:r>
+            <a:r>
+              <a:rPr lang="en-ZA" sz="1400" b="1" dirty="0" smtClean="0">
+                <a:solidFill>
+                  <a:schemeClr val="tx1"/>
+                </a:solidFill>
+              </a:rPr>
+              <a:t>History</a:t>
+            </a:r>
+            <a:r>
+              <a:rPr lang="en-ZA" sz="1400" dirty="0" smtClean="0">
+                <a:solidFill>
+                  <a:schemeClr val="tx1"/>
+                </a:solidFill>
+              </a:rPr>
+              <a:t> and </a:t>
+            </a:r>
+            <a:r>
+              <a:rPr lang="en-ZA" sz="1400" b="1" dirty="0" smtClean="0">
+                <a:solidFill>
+                  <a:schemeClr val="tx1"/>
+                </a:solidFill>
+              </a:rPr>
+              <a:t>Streaming</a:t>
+            </a:r>
+            <a:r>
+              <a:rPr lang="en-ZA" sz="1400" dirty="0" smtClean="0">
+                <a:solidFill>
+                  <a:schemeClr val="tx1"/>
+                </a:solidFill>
+              </a:rPr>
+              <a:t>) for downstream processing.</a:t>
+            </a:r>
+          </a:p>
+          <a:p>
+            <a:endParaRPr lang="en-ZA" sz="1400" dirty="0" smtClean="0">
+              <a:solidFill>
+                <a:schemeClr val="tx1"/>
+              </a:solidFill>
+            </a:endParaRPr>
+          </a:p>
+        </p:txBody>
+      </p:sp>
+    </p:spTree>
+    <p:extLst>
+      <p:ext uri="{BB962C8B-B14F-4D97-AF65-F5344CB8AC3E}">
+        <p14:creationId xmlns:p14="http://schemas.microsoft.com/office/powerpoint/2010/main" val="1310017144"/>
+      </p:ext>
+    </p:extLst>
+  </p:cSld>
+  <p:clrMapOvr>
+    <a:masterClrMapping/>
+  </p:clrMapOvr>
+  <p:timing>
+    <p:tnLst>
+      <p:par>
+        <p:cTn id="1" dur="indefinite" restart="never" nodeType="tmRoot"/>
+      </p:par>
+    </p:tnLst>
+  </p:timing>
+</p:sld>
+</file>
+
+<file path=ppt/slides/slide21.xml><?xml version="1.0" encoding="utf-8"?>
+<p:sld xmlns:a="http://schemas.openxmlformats.org/drawingml/2006/main" xmlns:r="http://schemas.openxmlformats.org/officeDocument/2006/relationships" xmlns:p="http://schemas.openxmlformats.org/presentationml/2006/main">
+  <p:cSld>
+    <p:spTree>
+      <p:nvGrpSpPr>
+        <p:cNvPr id="1" name=""/>
+        <p:cNvGrpSpPr/>
+        <p:nvPr/>
+      </p:nvGrpSpPr>
+      <p:grpSpPr>
+        <a:xfrm>
+          <a:off x="0" y="0"/>
+          <a:ext cx="0" cy="0"/>
+          <a:chOff x="0" y="0"/>
+          <a:chExt cx="0" cy="0"/>
+        </a:xfrm>
+      </p:grpSpPr>
+      <p:sp>
+        <p:nvSpPr>
+          <p:cNvPr id="5" name="Subtitle 2"/>
+          <p:cNvSpPr txBox="1">
+            <a:spLocks/>
+          </p:cNvSpPr>
+          <p:nvPr/>
+        </p:nvSpPr>
+        <p:spPr>
+          <a:xfrm>
+            <a:off x="1403648" y="2852936"/>
+            <a:ext cx="6400800" cy="1752600"/>
+          </a:xfrm>
+          <a:prstGeom prst="rect">
+            <a:avLst/>
+          </a:prstGeom>
+        </p:spPr>
+        <p:txBody>
+          <a:bodyPr vert="horz" lIns="91440" tIns="45720" rIns="91440" bIns="45720" rtlCol="0">
+            <a:normAutofit/>
+          </a:bodyPr>
+          <a:lstStyle>
+            <a:lvl1pPr marL="342900" indent="-342900" algn="l" defTabSz="914400" rtl="0" eaLnBrk="1" latinLnBrk="0" hangingPunct="1">
+              <a:spcBef>
+                <a:spcPct val="20000"/>
+              </a:spcBef>
+              <a:buFont typeface="Arial" pitchFamily="34" charset="0"/>
+              <a:buChar char="•"/>
+              <a:defRPr sz="3200" kern="1200">
+                <a:solidFill>
+                  <a:schemeClr val="accent5">
+                    <a:lumMod val="75000"/>
+                  </a:schemeClr>
+                </a:solidFill>
+                <a:latin typeface="+mn-lt"/>
+                <a:ea typeface="+mn-ea"/>
+                <a:cs typeface="+mn-cs"/>
+              </a:defRPr>
+            </a:lvl1pPr>
+            <a:lvl2pPr marL="742950" indent="-285750" algn="l" defTabSz="914400" rtl="0" eaLnBrk="1" latinLnBrk="0" hangingPunct="1">
+              <a:spcBef>
+                <a:spcPct val="20000"/>
+              </a:spcBef>
+              <a:buFont typeface="Arial" pitchFamily="34" charset="0"/>
+              <a:buChar char="–"/>
+              <a:defRPr sz="2800" kern="1200">
+                <a:solidFill>
+                  <a:schemeClr val="accent5">
+                    <a:lumMod val="75000"/>
+                  </a:schemeClr>
+                </a:solidFill>
+                <a:latin typeface="+mn-lt"/>
+                <a:ea typeface="+mn-ea"/>
+                <a:cs typeface="+mn-cs"/>
+              </a:defRPr>
+            </a:lvl2pPr>
+            <a:lvl3pPr marL="1143000" indent="-228600" algn="l" defTabSz="914400" rtl="0" eaLnBrk="1" latinLnBrk="0" hangingPunct="1">
+              <a:spcBef>
+                <a:spcPct val="20000"/>
+              </a:spcBef>
+              <a:buFont typeface="Arial" pitchFamily="34" charset="0"/>
+              <a:buChar char="•"/>
+              <a:defRPr sz="2400" kern="1200">
+                <a:solidFill>
+                  <a:schemeClr val="accent5">
+                    <a:lumMod val="75000"/>
+                  </a:schemeClr>
+                </a:solidFill>
+                <a:latin typeface="+mn-lt"/>
+                <a:ea typeface="+mn-ea"/>
+                <a:cs typeface="+mn-cs"/>
+              </a:defRPr>
+            </a:lvl3pPr>
+            <a:lvl4pPr marL="1600200" indent="-228600" algn="l" defTabSz="914400" rtl="0" eaLnBrk="1" latinLnBrk="0" hangingPunct="1">
+              <a:spcBef>
+                <a:spcPct val="20000"/>
+              </a:spcBef>
+              <a:buFont typeface="Arial" pitchFamily="34" charset="0"/>
+              <a:buChar char="–"/>
+              <a:defRPr sz="2000" kern="1200">
+                <a:solidFill>
+                  <a:schemeClr val="accent5">
+                    <a:lumMod val="75000"/>
+                  </a:schemeClr>
+                </a:solidFill>
+                <a:latin typeface="+mn-lt"/>
+                <a:ea typeface="+mn-ea"/>
+                <a:cs typeface="+mn-cs"/>
+              </a:defRPr>
+            </a:lvl4pPr>
+            <a:lvl5pPr marL="2057400" indent="-228600" algn="l" defTabSz="914400" rtl="0" eaLnBrk="1" latinLnBrk="0" hangingPunct="1">
+              <a:spcBef>
+                <a:spcPct val="20000"/>
+              </a:spcBef>
+              <a:buFont typeface="Arial" pitchFamily="34" charset="0"/>
+              <a:buChar char="»"/>
+              <a:defRPr sz="2000" kern="1200">
+                <a:solidFill>
+                  <a:schemeClr val="accent5">
+                    <a:lumMod val="75000"/>
+                  </a:schemeClr>
+                </a:solidFill>
+                <a:latin typeface="+mn-lt"/>
+                <a:ea typeface="+mn-ea"/>
+                <a:cs typeface="+mn-cs"/>
+              </a:defRPr>
+            </a:lvl5pPr>
+            <a:lvl6pPr marL="2514600" indent="-228600" algn="l" defTabSz="914400" rtl="0" eaLnBrk="1" latinLnBrk="0" hangingPunct="1">
+              <a:spcBef>
+                <a:spcPct val="20000"/>
+              </a:spcBef>
+              <a:buFont typeface="Arial" pitchFamily="34" charset="0"/>
+              <a:buChar char="•"/>
+              <a:defRPr sz="2000" kern="1200">
+                <a:solidFill>
+                  <a:schemeClr val="tx1"/>
+                </a:solidFill>
+                <a:latin typeface="+mn-lt"/>
+                <a:ea typeface="+mn-ea"/>
+                <a:cs typeface="+mn-cs"/>
+              </a:defRPr>
+            </a:lvl6pPr>
+            <a:lvl7pPr marL="2971800" indent="-228600" algn="l" defTabSz="914400" rtl="0" eaLnBrk="1" latinLnBrk="0" hangingPunct="1">
+              <a:spcBef>
+                <a:spcPct val="20000"/>
+              </a:spcBef>
+              <a:buFont typeface="Arial" pitchFamily="34" charset="0"/>
+              <a:buChar char="•"/>
+              <a:defRPr sz="2000" kern="1200">
+                <a:solidFill>
+                  <a:schemeClr val="tx1"/>
+                </a:solidFill>
+                <a:latin typeface="+mn-lt"/>
+                <a:ea typeface="+mn-ea"/>
+                <a:cs typeface="+mn-cs"/>
+              </a:defRPr>
+            </a:lvl7pPr>
+            <a:lvl8pPr marL="3429000" indent="-228600" algn="l" defTabSz="914400" rtl="0" eaLnBrk="1" latinLnBrk="0" hangingPunct="1">
+              <a:spcBef>
+                <a:spcPct val="20000"/>
+              </a:spcBef>
+              <a:buFont typeface="Arial" pitchFamily="34" charset="0"/>
+              <a:buChar char="•"/>
+              <a:defRPr sz="2000" kern="1200">
+                <a:solidFill>
+                  <a:schemeClr val="tx1"/>
+                </a:solidFill>
+                <a:latin typeface="+mn-lt"/>
+                <a:ea typeface="+mn-ea"/>
+                <a:cs typeface="+mn-cs"/>
+              </a:defRPr>
+            </a:lvl8pPr>
+            <a:lvl9pPr marL="3886200" indent="-228600" algn="l" defTabSz="914400" rtl="0" eaLnBrk="1" latinLnBrk="0" hangingPunct="1">
+              <a:spcBef>
+                <a:spcPct val="20000"/>
+              </a:spcBef>
+              <a:buFont typeface="Arial" pitchFamily="34" charset="0"/>
+              <a:buChar char="•"/>
+              <a:defRPr sz="2000" kern="1200">
+                <a:solidFill>
+                  <a:schemeClr val="tx1"/>
+                </a:solidFill>
+                <a:latin typeface="+mn-lt"/>
+                <a:ea typeface="+mn-ea"/>
+                <a:cs typeface="+mn-cs"/>
+              </a:defRPr>
+            </a:lvl9pPr>
+          </a:lstStyle>
+          <a:p>
+            <a:pPr marL="0" indent="0" algn="ctr">
+              <a:buNone/>
+            </a:pPr>
+            <a:r>
+              <a:rPr lang="en-ZA" dirty="0" smtClean="0"/>
+              <a:t>Dave </a:t>
+            </a:r>
+            <a:r>
+              <a:rPr lang="en-ZA" dirty="0" err="1" smtClean="0"/>
+              <a:t>Cloete</a:t>
+            </a:r>
+            <a:endParaRPr lang="en-ZA" dirty="0"/>
+          </a:p>
+        </p:txBody>
+      </p:sp>
+    </p:spTree>
+    <p:extLst>
+      <p:ext uri="{BB962C8B-B14F-4D97-AF65-F5344CB8AC3E}">
+        <p14:creationId xmlns:p14="http://schemas.microsoft.com/office/powerpoint/2010/main" val="3180541986"/>
+      </p:ext>
+    </p:extLst>
+  </p:cSld>
+  <p:clrMapOvr>
+    <a:masterClrMapping/>
+  </p:clrMapOvr>
+  <p:timing>
+    <p:tnLst>
+      <p:par>
+        <p:cTn id="1" dur="indefinite" restart="never" nodeType="tmRoot"/>
+      </p:par>
+    </p:tnLst>
+  </p:timing>
+</p:sld>
+</file>
+
+<file path=ppt/slides/slide22.xml><?xml version="1.0" encoding="utf-8"?>
+<p:sld xmlns:a="http://schemas.openxmlformats.org/drawingml/2006/main" xmlns:r="http://schemas.openxmlformats.org/officeDocument/2006/relationships" xmlns:p="http://schemas.openxmlformats.org/presentationml/2006/main">
+  <p:cSld>
+    <p:spTree>
+      <p:nvGrpSpPr>
+        <p:cNvPr id="1" name=""/>
+        <p:cNvGrpSpPr/>
+        <p:nvPr/>
+      </p:nvGrpSpPr>
+      <p:grpSpPr>
+        <a:xfrm>
+          <a:off x="0" y="0"/>
+          <a:ext cx="0" cy="0"/>
+          <a:chOff x="0" y="0"/>
+          <a:chExt cx="0" cy="0"/>
+        </a:xfrm>
+      </p:grpSpPr>
+      <p:sp>
+        <p:nvSpPr>
+          <p:cNvPr id="2" name="Title 1"/>
+          <p:cNvSpPr>
+            <a:spLocks noGrp="1"/>
+          </p:cNvSpPr>
+          <p:nvPr>
+            <p:ph type="title"/>
+          </p:nvPr>
+        </p:nvSpPr>
+        <p:spPr/>
+        <p:txBody>
+          <a:bodyPr/>
+          <a:lstStyle/>
+          <a:p>
+            <a:r>
+              <a:rPr lang="en-ZA" dirty="0" smtClean="0"/>
+              <a:t>Detailed Design: Data Visualization (UX)</a:t>
+            </a:r>
+            <a:endParaRPr lang="en-ZA" dirty="0"/>
+          </a:p>
+        </p:txBody>
+      </p:sp>
+      <p:pic>
+        <p:nvPicPr>
+          <p:cNvPr id="3075" name="Picture 3"/>
+          <p:cNvPicPr>
+            <a:picLocks noChangeAspect="1" noChangeArrowheads="1"/>
+          </p:cNvPicPr>
+          <p:nvPr/>
+        </p:nvPicPr>
+        <p:blipFill rotWithShape="1">
+          <a:blip r:embed="rId2">
+            <a:extLst>
+              <a:ext uri="{28A0092B-C50C-407E-A947-70E740481C1C}">
+                <a14:useLocalDpi xmlns:a14="http://schemas.microsoft.com/office/drawing/2010/main" val="0"/>
+              </a:ext>
+            </a:extLst>
+          </a:blip>
+          <a:srcRect r="61456"/>
+          <a:stretch/>
+        </p:blipFill>
+        <p:spPr bwMode="auto">
+          <a:xfrm>
+            <a:off x="1619672" y="1348755"/>
+            <a:ext cx="4098942" cy="5184576"/>
+          </a:xfrm>
+          <a:prstGeom prst="rect">
+            <a:avLst/>
+          </a:prstGeom>
+          <a:noFill/>
+          <a:ln>
+            <a:noFill/>
+          </a:ln>
+          <a:effectLst/>
+          <a:extLst>
+            <a:ext uri="{909E8E84-426E-40DD-AFC4-6F175D3DCCD1}">
+              <a14:hiddenFill xmlns:a14="http://schemas.microsoft.com/office/drawing/2010/main">
+                <a:solidFill>
+                  <a:schemeClr val="accent1"/>
+                </a:solidFill>
+              </a14:hiddenFill>
+            </a:ext>
+            <a:ext uri="{91240B29-F687-4F45-9708-019B960494DF}">
+              <a14:hiddenLine xmlns:a14="http://schemas.microsoft.com/office/drawing/2010/main" w="9525">
+                <a:solidFill>
+                  <a:schemeClr val="tx1"/>
+                </a:solidFill>
+                <a:miter lim="800000"/>
+                <a:headEnd/>
+                <a:tailEnd/>
+              </a14:hiddenLine>
+            </a:ext>
+            <a:ext uri="{AF507438-7753-43E0-B8FC-AC1667EBCBE1}">
+              <a14:hiddenEffects xmlns:a14="http://schemas.microsoft.com/office/drawing/2010/main">
+                <a:effectLst>
+                  <a:outerShdw dist="35921" dir="2700000" algn="ctr" rotWithShape="0">
+                    <a:schemeClr val="bg2"/>
+                  </a:outerShdw>
+                </a:effectLst>
+              </a14:hiddenEffects>
+            </a:ext>
+          </a:extLst>
+        </p:spPr>
+      </p:pic>
+      <p:sp>
+        <p:nvSpPr>
+          <p:cNvPr id="4" name="Rectangle 3"/>
+          <p:cNvSpPr/>
+          <p:nvPr/>
+        </p:nvSpPr>
+        <p:spPr>
+          <a:xfrm>
+            <a:off x="251520" y="1375444"/>
+            <a:ext cx="1584176" cy="1333475"/>
+          </a:xfrm>
+          <a:prstGeom prst="rect">
+            <a:avLst/>
+          </a:prstGeom>
+          <a:solidFill>
+            <a:schemeClr val="tx2">
+              <a:lumMod val="20000"/>
+              <a:lumOff val="80000"/>
+            </a:schemeClr>
+          </a:solidFill>
+        </p:spPr>
+        <p:style>
+          <a:lnRef idx="2">
+            <a:schemeClr val="accent1">
+              <a:shade val="50000"/>
+            </a:schemeClr>
+          </a:lnRef>
+          <a:fillRef idx="1">
+            <a:schemeClr val="accent1"/>
+          </a:fillRef>
+          <a:effectRef idx="0">
+            <a:schemeClr val="accent1"/>
+          </a:effectRef>
+          <a:fontRef idx="minor">
+            <a:schemeClr val="lt1"/>
+          </a:fontRef>
+        </p:style>
+        <p:txBody>
+          <a:bodyPr rtlCol="0" anchor="ctr"/>
+          <a:lstStyle/>
+          <a:p>
+            <a:pPr algn="ctr"/>
+            <a:r>
+              <a:rPr lang="en-ZA" b="1" dirty="0" smtClean="0">
+                <a:solidFill>
+                  <a:schemeClr val="tx1"/>
+                </a:solidFill>
+              </a:rPr>
+              <a:t>View Layer</a:t>
+            </a:r>
+            <a:endParaRPr lang="en-ZA" b="1" dirty="0">
+              <a:solidFill>
+                <a:schemeClr val="tx1"/>
+              </a:solidFill>
+            </a:endParaRPr>
+          </a:p>
+        </p:txBody>
+      </p:sp>
+      <p:sp>
+        <p:nvSpPr>
+          <p:cNvPr id="7" name="Rectangle 6"/>
+          <p:cNvSpPr/>
+          <p:nvPr/>
+        </p:nvSpPr>
+        <p:spPr>
+          <a:xfrm>
+            <a:off x="251520" y="3274305"/>
+            <a:ext cx="1584176" cy="1333475"/>
+          </a:xfrm>
+          <a:prstGeom prst="rect">
+            <a:avLst/>
+          </a:prstGeom>
+          <a:solidFill>
+            <a:schemeClr val="tx2">
+              <a:lumMod val="20000"/>
+              <a:lumOff val="80000"/>
+            </a:schemeClr>
+          </a:solidFill>
+        </p:spPr>
+        <p:style>
+          <a:lnRef idx="2">
+            <a:schemeClr val="accent1">
+              <a:shade val="50000"/>
+            </a:schemeClr>
+          </a:lnRef>
+          <a:fillRef idx="1">
+            <a:schemeClr val="accent1"/>
+          </a:fillRef>
+          <a:effectRef idx="0">
+            <a:schemeClr val="accent1"/>
+          </a:effectRef>
+          <a:fontRef idx="minor">
+            <a:schemeClr val="lt1"/>
+          </a:fontRef>
+        </p:style>
+        <p:txBody>
+          <a:bodyPr rtlCol="0" anchor="ctr"/>
+          <a:lstStyle/>
+          <a:p>
+            <a:pPr algn="ctr"/>
+            <a:r>
+              <a:rPr lang="en-ZA" b="1" dirty="0" smtClean="0">
+                <a:solidFill>
+                  <a:schemeClr val="tx1"/>
+                </a:solidFill>
+              </a:rPr>
+              <a:t>Controller Layer</a:t>
+            </a:r>
+            <a:endParaRPr lang="en-ZA" b="1" dirty="0">
+              <a:solidFill>
+                <a:schemeClr val="tx1"/>
+              </a:solidFill>
+            </a:endParaRPr>
+          </a:p>
+        </p:txBody>
+      </p:sp>
+      <p:sp>
+        <p:nvSpPr>
+          <p:cNvPr id="8" name="Rectangle 7"/>
+          <p:cNvSpPr/>
+          <p:nvPr/>
+        </p:nvSpPr>
+        <p:spPr>
+          <a:xfrm>
+            <a:off x="251520" y="5301208"/>
+            <a:ext cx="1584176" cy="1333475"/>
+          </a:xfrm>
+          <a:prstGeom prst="rect">
+            <a:avLst/>
+          </a:prstGeom>
+          <a:solidFill>
+            <a:schemeClr val="tx2">
+              <a:lumMod val="20000"/>
+              <a:lumOff val="80000"/>
+            </a:schemeClr>
+          </a:solidFill>
+        </p:spPr>
+        <p:style>
+          <a:lnRef idx="2">
+            <a:schemeClr val="accent1">
+              <a:shade val="50000"/>
+            </a:schemeClr>
+          </a:lnRef>
+          <a:fillRef idx="1">
+            <a:schemeClr val="accent1"/>
+          </a:fillRef>
+          <a:effectRef idx="0">
+            <a:schemeClr val="accent1"/>
+          </a:effectRef>
+          <a:fontRef idx="minor">
+            <a:schemeClr val="lt1"/>
+          </a:fontRef>
+        </p:style>
+        <p:txBody>
+          <a:bodyPr rtlCol="0" anchor="ctr"/>
+          <a:lstStyle/>
+          <a:p>
+            <a:pPr algn="ctr"/>
+            <a:r>
+              <a:rPr lang="en-ZA" b="1" dirty="0" smtClean="0">
+                <a:solidFill>
+                  <a:schemeClr val="tx1"/>
+                </a:solidFill>
+              </a:rPr>
+              <a:t>Model Layer</a:t>
+            </a:r>
+            <a:endParaRPr lang="en-ZA" b="1" dirty="0">
+              <a:solidFill>
+                <a:schemeClr val="tx1"/>
+              </a:solidFill>
+            </a:endParaRPr>
+          </a:p>
+        </p:txBody>
+      </p:sp>
+      <p:sp>
+        <p:nvSpPr>
+          <p:cNvPr id="5" name="Oval 4"/>
+          <p:cNvSpPr/>
+          <p:nvPr/>
+        </p:nvSpPr>
+        <p:spPr>
+          <a:xfrm>
+            <a:off x="35496" y="1052736"/>
+            <a:ext cx="720080" cy="681211"/>
+          </a:xfrm>
+          <a:prstGeom prst="ellipse">
+            <a:avLst/>
+          </a:prstGeom>
+          <a:ln>
+            <a:solidFill>
+              <a:schemeClr val="bg1"/>
+            </a:solidFill>
+          </a:ln>
+        </p:spPr>
+        <p:style>
+          <a:lnRef idx="2">
+            <a:schemeClr val="accent1">
+              <a:shade val="50000"/>
+            </a:schemeClr>
+          </a:lnRef>
+          <a:fillRef idx="1">
+            <a:schemeClr val="accent1"/>
+          </a:fillRef>
+          <a:effectRef idx="0">
+            <a:schemeClr val="accent1"/>
+          </a:effectRef>
+          <a:fontRef idx="minor">
+            <a:schemeClr val="lt1"/>
+          </a:fontRef>
+        </p:style>
+        <p:txBody>
+          <a:bodyPr rtlCol="0" anchor="ctr"/>
+          <a:lstStyle/>
+          <a:p>
+            <a:pPr algn="ctr"/>
+            <a:r>
+              <a:rPr lang="en-ZA" b="1" dirty="0" smtClean="0"/>
+              <a:t>V</a:t>
+            </a:r>
+            <a:endParaRPr lang="en-ZA" b="1" dirty="0"/>
+          </a:p>
+        </p:txBody>
+      </p:sp>
+      <p:sp>
+        <p:nvSpPr>
+          <p:cNvPr id="10" name="Oval 9"/>
+          <p:cNvSpPr/>
+          <p:nvPr/>
+        </p:nvSpPr>
+        <p:spPr>
+          <a:xfrm>
+            <a:off x="35496" y="2933699"/>
+            <a:ext cx="720080" cy="681211"/>
+          </a:xfrm>
+          <a:prstGeom prst="ellipse">
+            <a:avLst/>
+          </a:prstGeom>
+          <a:ln>
+            <a:solidFill>
+              <a:schemeClr val="bg1"/>
+            </a:solidFill>
+          </a:ln>
+        </p:spPr>
+        <p:style>
+          <a:lnRef idx="2">
+            <a:schemeClr val="accent1">
+              <a:shade val="50000"/>
+            </a:schemeClr>
+          </a:lnRef>
+          <a:fillRef idx="1">
+            <a:schemeClr val="accent1"/>
+          </a:fillRef>
+          <a:effectRef idx="0">
+            <a:schemeClr val="accent1"/>
+          </a:effectRef>
+          <a:fontRef idx="minor">
+            <a:schemeClr val="lt1"/>
+          </a:fontRef>
+        </p:style>
+        <p:txBody>
+          <a:bodyPr rtlCol="0" anchor="ctr"/>
+          <a:lstStyle/>
+          <a:p>
+            <a:pPr algn="ctr"/>
+            <a:r>
+              <a:rPr lang="en-ZA" b="1" dirty="0"/>
+              <a:t>C</a:t>
+            </a:r>
+          </a:p>
+        </p:txBody>
+      </p:sp>
+      <p:sp>
+        <p:nvSpPr>
+          <p:cNvPr id="11" name="Oval 10"/>
+          <p:cNvSpPr/>
+          <p:nvPr/>
+        </p:nvSpPr>
+        <p:spPr>
+          <a:xfrm>
+            <a:off x="35496" y="4960602"/>
+            <a:ext cx="720080" cy="681211"/>
+          </a:xfrm>
+          <a:prstGeom prst="ellipse">
+            <a:avLst/>
+          </a:prstGeom>
+          <a:ln>
+            <a:solidFill>
+              <a:schemeClr val="bg1"/>
+            </a:solidFill>
+          </a:ln>
+        </p:spPr>
+        <p:style>
+          <a:lnRef idx="2">
+            <a:schemeClr val="accent1">
+              <a:shade val="50000"/>
+            </a:schemeClr>
+          </a:lnRef>
+          <a:fillRef idx="1">
+            <a:schemeClr val="accent1"/>
+          </a:fillRef>
+          <a:effectRef idx="0">
+            <a:schemeClr val="accent1"/>
+          </a:effectRef>
+          <a:fontRef idx="minor">
+            <a:schemeClr val="lt1"/>
+          </a:fontRef>
+        </p:style>
+        <p:txBody>
+          <a:bodyPr rtlCol="0" anchor="ctr"/>
+          <a:lstStyle/>
+          <a:p>
+            <a:pPr algn="ctr"/>
+            <a:r>
+              <a:rPr lang="en-ZA" b="1" dirty="0" smtClean="0"/>
+              <a:t>M</a:t>
+            </a:r>
+            <a:endParaRPr lang="en-ZA" b="1" dirty="0"/>
+          </a:p>
+        </p:txBody>
+      </p:sp>
+    </p:spTree>
+    <p:extLst>
+      <p:ext uri="{BB962C8B-B14F-4D97-AF65-F5344CB8AC3E}">
+        <p14:creationId xmlns:p14="http://schemas.microsoft.com/office/powerpoint/2010/main" val="1401204748"/>
+      </p:ext>
+    </p:extLst>
+  </p:cSld>
+  <p:clrMapOvr>
+    <a:masterClrMapping/>
+  </p:clrMapOvr>
+  <p:timing>
+    <p:tnLst>
+      <p:par>
+        <p:cTn id="1" dur="indefinite" restart="never" nodeType="tmRoot"/>
+      </p:par>
+    </p:tnLst>
+  </p:timing>
+</p:sld>
+</file>
+
+<file path=ppt/slides/slide23.xml><?xml version="1.0" encoding="utf-8"?>
+<p:sld xmlns:a="http://schemas.openxmlformats.org/drawingml/2006/main" xmlns:r="http://schemas.openxmlformats.org/officeDocument/2006/relationships" xmlns:p="http://schemas.openxmlformats.org/presentationml/2006/main" show="0">
   <p:cSld>
     <p:spTree>
       <p:nvGrpSpPr>
@@ -14479,6 +15085,14 @@
   <p:clrMapOvr>
     <a:masterClrMapping/>
   </p:clrMapOvr>
+  <mc:AlternateContent xmlns:mc="http://schemas.openxmlformats.org/markup-compatibility/2006">
+    <mc:Choice xmlns:p14="http://schemas.microsoft.com/office/powerpoint/2010/main" Requires="p14">
+      <p:transition spd="slow" p14:dur="2000"/>
+    </mc:Choice>
+    <mc:Fallback>
+      <p:transition spd="slow"/>
+    </mc:Fallback>
+  </mc:AlternateContent>
   <p:timing>
     <p:tnLst>
       <p:par>
@@ -14489,7 +15103,7 @@
 </p:sld>
 </file>
 
-<file path=ppt/slides/slide19.xml><?xml version="1.0" encoding="utf-8"?>
+<file path=ppt/slides/slide24.xml><?xml version="1.0" encoding="utf-8"?>
 <p:sld xmlns:a="http://schemas.openxmlformats.org/drawingml/2006/main" xmlns:r="http://schemas.openxmlformats.org/officeDocument/2006/relationships" xmlns:p="http://schemas.openxmlformats.org/presentationml/2006/main">
   <p:cSld>
     <p:spTree>
@@ -14546,7 +15160,87 @@
           </a:bodyPr>
           <a:lstStyle/>
           <a:p>
-            <a:endParaRPr lang="en-ZA" sz="1600" dirty="0"/>
+            <a:r>
+              <a:rPr lang="en-ZA" sz="2400" dirty="0" smtClean="0"/>
+              <a:t>All this </a:t>
+            </a:r>
+            <a:r>
+              <a:rPr lang="en-ZA" sz="2400" b="1" dirty="0" smtClean="0"/>
+              <a:t>hardware</a:t>
+            </a:r>
+            <a:r>
+              <a:rPr lang="en-ZA" sz="2400" dirty="0" smtClean="0"/>
+              <a:t> and </a:t>
+            </a:r>
+            <a:r>
+              <a:rPr lang="en-ZA" sz="2400" b="1" dirty="0" smtClean="0"/>
+              <a:t>software</a:t>
+            </a:r>
+            <a:r>
+              <a:rPr lang="en-ZA" sz="2400" dirty="0" smtClean="0"/>
+              <a:t> is available to anybody interested in </a:t>
+            </a:r>
+            <a:r>
+              <a:rPr lang="en-ZA" sz="2400" b="1" dirty="0" smtClean="0"/>
+              <a:t>Big Data </a:t>
+            </a:r>
+            <a:r>
+              <a:rPr lang="en-ZA" sz="2400" dirty="0" smtClean="0"/>
+              <a:t>processing.</a:t>
+            </a:r>
+            <a:br>
+              <a:rPr lang="en-ZA" sz="2400" dirty="0" smtClean="0"/>
+            </a:br>
+            <a:endParaRPr lang="en-ZA" sz="2400" dirty="0" smtClean="0"/>
+          </a:p>
+          <a:p>
+            <a:r>
+              <a:rPr lang="en-ZA" sz="2400" dirty="0" smtClean="0"/>
+              <a:t>The hardware is </a:t>
+            </a:r>
+            <a:r>
+              <a:rPr lang="en-ZA" sz="2400" b="1" dirty="0" smtClean="0"/>
+              <a:t>cheap</a:t>
+            </a:r>
+            <a:r>
+              <a:rPr lang="en-ZA" sz="2400" dirty="0" smtClean="0"/>
+              <a:t> and the software is </a:t>
+            </a:r>
+            <a:r>
+              <a:rPr lang="en-ZA" sz="2400" b="1" dirty="0" smtClean="0"/>
+              <a:t>free</a:t>
+            </a:r>
+            <a:r>
+              <a:rPr lang="en-ZA" sz="2400" dirty="0" smtClean="0"/>
+              <a:t>.</a:t>
+            </a:r>
+            <a:br>
+              <a:rPr lang="en-ZA" sz="2400" dirty="0" smtClean="0"/>
+            </a:br>
+            <a:endParaRPr lang="en-ZA" sz="2400" dirty="0" smtClean="0"/>
+          </a:p>
+          <a:p>
+            <a:r>
+              <a:rPr lang="en-ZA" sz="2400" dirty="0" smtClean="0"/>
+              <a:t>The </a:t>
+            </a:r>
+            <a:r>
+              <a:rPr lang="en-ZA" sz="2400" b="1" dirty="0" smtClean="0"/>
+              <a:t>learning curve </a:t>
+            </a:r>
+            <a:r>
+              <a:rPr lang="en-ZA" sz="2400" dirty="0" smtClean="0"/>
+              <a:t>in the beginning can be quite steep but is ultimately very rewarding in terms of what can be achieved with so little </a:t>
+            </a:r>
+            <a:r>
+              <a:rPr lang="en-ZA" sz="2400" b="1" dirty="0" smtClean="0"/>
+              <a:t>financial investment</a:t>
+            </a:r>
+            <a:r>
+              <a:rPr lang="en-ZA" sz="2400" dirty="0" smtClean="0"/>
+              <a:t>.</a:t>
+            </a:r>
+            <a:endParaRPr lang="en-ZA" sz="2400" dirty="0"/>
           </a:p>
         </p:txBody>
       </p:sp>
@@ -14570,233 +15264,8 @@
 </p:sld>
 </file>
 
-<file path=ppt/slides/slide2.xml><?xml version="1.0" encoding="utf-8"?>
-<p:sld xmlns:a="http://schemas.openxmlformats.org/drawingml/2006/main" xmlns:r="http://schemas.openxmlformats.org/officeDocument/2006/relationships" xmlns:p="http://schemas.openxmlformats.org/presentationml/2006/main">
-  <p:cSld>
-    <p:spTree>
-      <p:nvGrpSpPr>
-        <p:cNvPr id="1" name=""/>
-        <p:cNvGrpSpPr/>
-        <p:nvPr/>
-      </p:nvGrpSpPr>
-      <p:grpSpPr>
-        <a:xfrm>
-          <a:off x="0" y="0"/>
-          <a:ext cx="0" cy="0"/>
-          <a:chOff x="0" y="0"/>
-          <a:chExt cx="0" cy="0"/>
-        </a:xfrm>
-      </p:grpSpPr>
-      <p:sp>
-        <p:nvSpPr>
-          <p:cNvPr id="5" name="Subtitle 2"/>
-          <p:cNvSpPr txBox="1">
-            <a:spLocks/>
-          </p:cNvSpPr>
-          <p:nvPr/>
-        </p:nvSpPr>
-        <p:spPr>
-          <a:xfrm>
-            <a:off x="1403648" y="2852936"/>
-            <a:ext cx="6400800" cy="1752600"/>
-          </a:xfrm>
-          <a:prstGeom prst="rect">
-            <a:avLst/>
-          </a:prstGeom>
-        </p:spPr>
-        <p:txBody>
-          <a:bodyPr vert="horz" lIns="91440" tIns="45720" rIns="91440" bIns="45720" rtlCol="0">
-            <a:normAutofit/>
-          </a:bodyPr>
-          <a:lstStyle>
-            <a:lvl1pPr marL="342900" indent="-342900" algn="l" defTabSz="914400" rtl="0" eaLnBrk="1" latinLnBrk="0" hangingPunct="1">
-              <a:spcBef>
-                <a:spcPct val="20000"/>
-              </a:spcBef>
-              <a:buFont typeface="Arial" pitchFamily="34" charset="0"/>
-              <a:buChar char="•"/>
-              <a:defRPr sz="3200" kern="1200">
-                <a:solidFill>
-                  <a:schemeClr val="accent5">
-                    <a:lumMod val="75000"/>
-                  </a:schemeClr>
-                </a:solidFill>
-                <a:latin typeface="+mn-lt"/>
-                <a:ea typeface="+mn-ea"/>
-                <a:cs typeface="+mn-cs"/>
-              </a:defRPr>
-            </a:lvl1pPr>
-            <a:lvl2pPr marL="742950" indent="-285750" algn="l" defTabSz="914400" rtl="0" eaLnBrk="1" latinLnBrk="0" hangingPunct="1">
-              <a:spcBef>
-                <a:spcPct val="20000"/>
-              </a:spcBef>
-              <a:buFont typeface="Arial" pitchFamily="34" charset="0"/>
-              <a:buChar char="–"/>
-              <a:defRPr sz="2800" kern="1200">
-                <a:solidFill>
-                  <a:schemeClr val="accent5">
-                    <a:lumMod val="75000"/>
-                  </a:schemeClr>
-                </a:solidFill>
-                <a:latin typeface="+mn-lt"/>
-                <a:ea typeface="+mn-ea"/>
-                <a:cs typeface="+mn-cs"/>
-              </a:defRPr>
-            </a:lvl2pPr>
-            <a:lvl3pPr marL="1143000" indent="-228600" algn="l" defTabSz="914400" rtl="0" eaLnBrk="1" latinLnBrk="0" hangingPunct="1">
-              <a:spcBef>
-                <a:spcPct val="20000"/>
-              </a:spcBef>
-              <a:buFont typeface="Arial" pitchFamily="34" charset="0"/>
-              <a:buChar char="•"/>
-              <a:defRPr sz="2400" kern="1200">
-                <a:solidFill>
-                  <a:schemeClr val="accent5">
-                    <a:lumMod val="75000"/>
-                  </a:schemeClr>
-                </a:solidFill>
-                <a:latin typeface="+mn-lt"/>
-                <a:ea typeface="+mn-ea"/>
-                <a:cs typeface="+mn-cs"/>
-              </a:defRPr>
-            </a:lvl3pPr>
-            <a:lvl4pPr marL="1600200" indent="-228600" algn="l" defTabSz="914400" rtl="0" eaLnBrk="1" latinLnBrk="0" hangingPunct="1">
-              <a:spcBef>
-                <a:spcPct val="20000"/>
-              </a:spcBef>
-              <a:buFont typeface="Arial" pitchFamily="34" charset="0"/>
-              <a:buChar char="–"/>
-              <a:defRPr sz="2000" kern="1200">
-                <a:solidFill>
-                  <a:schemeClr val="accent5">
-                    <a:lumMod val="75000"/>
-                  </a:schemeClr>
-                </a:solidFill>
-                <a:latin typeface="+mn-lt"/>
-                <a:ea typeface="+mn-ea"/>
-                <a:cs typeface="+mn-cs"/>
-              </a:defRPr>
-            </a:lvl4pPr>
-            <a:lvl5pPr marL="2057400" indent="-228600" algn="l" defTabSz="914400" rtl="0" eaLnBrk="1" latinLnBrk="0" hangingPunct="1">
-              <a:spcBef>
-                <a:spcPct val="20000"/>
-              </a:spcBef>
-              <a:buFont typeface="Arial" pitchFamily="34" charset="0"/>
-              <a:buChar char="»"/>
-              <a:defRPr sz="2000" kern="1200">
-                <a:solidFill>
-                  <a:schemeClr val="accent5">
-                    <a:lumMod val="75000"/>
-                  </a:schemeClr>
-                </a:solidFill>
-                <a:latin typeface="+mn-lt"/>
-                <a:ea typeface="+mn-ea"/>
-                <a:cs typeface="+mn-cs"/>
-              </a:defRPr>
-            </a:lvl5pPr>
-            <a:lvl6pPr marL="2514600" indent="-228600" algn="l" defTabSz="914400" rtl="0" eaLnBrk="1" latinLnBrk="0" hangingPunct="1">
-              <a:spcBef>
-                <a:spcPct val="20000"/>
-              </a:spcBef>
-              <a:buFont typeface="Arial" pitchFamily="34" charset="0"/>
-              <a:buChar char="•"/>
-              <a:defRPr sz="2000" kern="1200">
-                <a:solidFill>
-                  <a:schemeClr val="tx1"/>
-                </a:solidFill>
-                <a:latin typeface="+mn-lt"/>
-                <a:ea typeface="+mn-ea"/>
-                <a:cs typeface="+mn-cs"/>
-              </a:defRPr>
-            </a:lvl6pPr>
-            <a:lvl7pPr marL="2971800" indent="-228600" algn="l" defTabSz="914400" rtl="0" eaLnBrk="1" latinLnBrk="0" hangingPunct="1">
-              <a:spcBef>
-                <a:spcPct val="20000"/>
-              </a:spcBef>
-              <a:buFont typeface="Arial" pitchFamily="34" charset="0"/>
-              <a:buChar char="•"/>
-              <a:defRPr sz="2000" kern="1200">
-                <a:solidFill>
-                  <a:schemeClr val="tx1"/>
-                </a:solidFill>
-                <a:latin typeface="+mn-lt"/>
-                <a:ea typeface="+mn-ea"/>
-                <a:cs typeface="+mn-cs"/>
-              </a:defRPr>
-            </a:lvl7pPr>
-            <a:lvl8pPr marL="3429000" indent="-228600" algn="l" defTabSz="914400" rtl="0" eaLnBrk="1" latinLnBrk="0" hangingPunct="1">
-              <a:spcBef>
-                <a:spcPct val="20000"/>
-              </a:spcBef>
-              <a:buFont typeface="Arial" pitchFamily="34" charset="0"/>
-              <a:buChar char="•"/>
-              <a:defRPr sz="2000" kern="1200">
-                <a:solidFill>
-                  <a:schemeClr val="tx1"/>
-                </a:solidFill>
-                <a:latin typeface="+mn-lt"/>
-                <a:ea typeface="+mn-ea"/>
-                <a:cs typeface="+mn-cs"/>
-              </a:defRPr>
-            </a:lvl8pPr>
-            <a:lvl9pPr marL="3886200" indent="-228600" algn="l" defTabSz="914400" rtl="0" eaLnBrk="1" latinLnBrk="0" hangingPunct="1">
-              <a:spcBef>
-                <a:spcPct val="20000"/>
-              </a:spcBef>
-              <a:buFont typeface="Arial" pitchFamily="34" charset="0"/>
-              <a:buChar char="•"/>
-              <a:defRPr sz="2000" kern="1200">
-                <a:solidFill>
-                  <a:schemeClr val="tx1"/>
-                </a:solidFill>
-                <a:latin typeface="+mn-lt"/>
-                <a:ea typeface="+mn-ea"/>
-                <a:cs typeface="+mn-cs"/>
-              </a:defRPr>
-            </a:lvl9pPr>
-          </a:lstStyle>
-          <a:p>
-            <a:pPr marL="0" indent="0" algn="ctr">
-              <a:buNone/>
-            </a:pPr>
-            <a:r>
-              <a:rPr lang="en-ZA" dirty="0" err="1" smtClean="0"/>
-              <a:t>Sidwell</a:t>
-            </a:r>
-            <a:r>
-              <a:rPr lang="en-ZA" dirty="0" smtClean="0"/>
-              <a:t> </a:t>
-            </a:r>
-            <a:r>
-              <a:rPr lang="en-ZA" dirty="0" err="1" smtClean="0"/>
-              <a:t>Mokhemisa</a:t>
-            </a:r>
-            <a:endParaRPr lang="en-ZA" dirty="0"/>
-          </a:p>
-        </p:txBody>
-      </p:sp>
-    </p:spTree>
-    <p:extLst>
-      <p:ext uri="{BB962C8B-B14F-4D97-AF65-F5344CB8AC3E}">
-        <p14:creationId xmlns:p14="http://schemas.microsoft.com/office/powerpoint/2010/main" val="986255435"/>
-      </p:ext>
-    </p:extLst>
-  </p:cSld>
-  <p:clrMapOvr>
-    <a:masterClrMapping/>
-  </p:clrMapOvr>
-  <p:timing>
-    <p:tnLst>
-      <p:par>
-        <p:cTn id="1" dur="indefinite" restart="never" nodeType="tmRoot"/>
-      </p:par>
-    </p:tnLst>
-  </p:timing>
-</p:sld>
-</file>
-
-<file path=ppt/slides/slide20.xml><?xml version="1.0" encoding="utf-8"?>
-<p:sld xmlns:a="http://schemas.openxmlformats.org/drawingml/2006/main" xmlns:r="http://schemas.openxmlformats.org/officeDocument/2006/relationships" xmlns:p="http://schemas.openxmlformats.org/presentationml/2006/main">
+<file path=ppt/slides/slide25.xml><?xml version="1.0" encoding="utf-8"?>
+<p:sld xmlns:a="http://schemas.openxmlformats.org/drawingml/2006/main" xmlns:r="http://schemas.openxmlformats.org/officeDocument/2006/relationships" xmlns:p="http://schemas.openxmlformats.org/presentationml/2006/main" show="0">
   <p:cSld>
     <p:spTree>
       <p:nvGrpSpPr>
@@ -14866,6 +15335,14 @@
   <p:clrMapOvr>
     <a:masterClrMapping/>
   </p:clrMapOvr>
+  <mc:AlternateContent xmlns:mc="http://schemas.openxmlformats.org/markup-compatibility/2006">
+    <mc:Choice xmlns:p14="http://schemas.microsoft.com/office/powerpoint/2010/main" Requires="p14">
+      <p:transition spd="slow" p14:dur="2000"/>
+    </mc:Choice>
+    <mc:Fallback>
+      <p:transition spd="slow"/>
+    </mc:Fallback>
+  </mc:AlternateContent>
   <p:timing>
     <p:tnLst>
       <p:par>
@@ -14876,7 +15353,7 @@
 </p:sld>
 </file>
 
-<file path=ppt/slides/slide21.xml><?xml version="1.0" encoding="utf-8"?>
+<file path=ppt/slides/slide26.xml><?xml version="1.0" encoding="utf-8"?>
 <p:sld xmlns:a="http://schemas.openxmlformats.org/drawingml/2006/main" xmlns:r="http://schemas.openxmlformats.org/officeDocument/2006/relationships" xmlns:p="http://schemas.openxmlformats.org/presentationml/2006/main">
   <p:cSld>
     <p:spTree>
@@ -14945,7 +15422,7 @@
           <a:p>
             <a:r>
               <a:rPr lang="en-ZA" dirty="0" smtClean="0"/>
-              <a:t>Demo and Q &amp; A</a:t>
+              <a:t>Demo</a:t>
             </a:r>
             <a:endParaRPr lang="en-ZA" dirty="0"/>
           </a:p>
@@ -14955,6 +15432,259 @@
     <p:extLst>
       <p:ext uri="{BB962C8B-B14F-4D97-AF65-F5344CB8AC3E}">
         <p14:creationId xmlns:p14="http://schemas.microsoft.com/office/powerpoint/2010/main" val="1715853773"/>
+      </p:ext>
+    </p:extLst>
+  </p:cSld>
+  <p:clrMapOvr>
+    <a:masterClrMapping/>
+  </p:clrMapOvr>
+  <p:timing>
+    <p:tnLst>
+      <p:par>
+        <p:cTn id="1" dur="indefinite" restart="never" nodeType="tmRoot"/>
+      </p:par>
+    </p:tnLst>
+  </p:timing>
+</p:sld>
+</file>
+
+<file path=ppt/slides/slide27.xml><?xml version="1.0" encoding="utf-8"?>
+<p:sld xmlns:a="http://schemas.openxmlformats.org/drawingml/2006/main" xmlns:r="http://schemas.openxmlformats.org/officeDocument/2006/relationships" xmlns:p="http://schemas.openxmlformats.org/presentationml/2006/main">
+  <p:cSld>
+    <p:spTree>
+      <p:nvGrpSpPr>
+        <p:cNvPr id="1" name=""/>
+        <p:cNvGrpSpPr/>
+        <p:nvPr/>
+      </p:nvGrpSpPr>
+      <p:grpSpPr>
+        <a:xfrm>
+          <a:off x="0" y="0"/>
+          <a:ext cx="0" cy="0"/>
+          <a:chOff x="0" y="0"/>
+          <a:chExt cx="0" cy="0"/>
+        </a:xfrm>
+      </p:grpSpPr>
+      <p:pic>
+        <p:nvPicPr>
+          <p:cNvPr id="4" name="Picture 3"/>
+          <p:cNvPicPr>
+            <a:picLocks noChangeAspect="1"/>
+          </p:cNvPicPr>
+          <p:nvPr/>
+        </p:nvPicPr>
+        <p:blipFill>
+          <a:blip r:embed="rId2" cstate="print">
+            <a:extLst>
+              <a:ext uri="{28A0092B-C50C-407E-A947-70E740481C1C}">
+                <a14:useLocalDpi xmlns:a14="http://schemas.microsoft.com/office/drawing/2010/main" val="0"/>
+              </a:ext>
+            </a:extLst>
+          </a:blip>
+          <a:stretch>
+            <a:fillRect/>
+          </a:stretch>
+        </p:blipFill>
+        <p:spPr>
+          <a:xfrm>
+            <a:off x="3419872" y="2348880"/>
+            <a:ext cx="2316645" cy="2016917"/>
+          </a:xfrm>
+          <a:prstGeom prst="rect">
+            <a:avLst/>
+          </a:prstGeom>
+        </p:spPr>
+      </p:pic>
+      <p:sp>
+        <p:nvSpPr>
+          <p:cNvPr id="5" name="Title 1"/>
+          <p:cNvSpPr>
+            <a:spLocks noGrp="1"/>
+          </p:cNvSpPr>
+          <p:nvPr>
+            <p:ph type="title"/>
+          </p:nvPr>
+        </p:nvSpPr>
+        <p:spPr>
+          <a:xfrm>
+            <a:off x="539552" y="365125"/>
+            <a:ext cx="8352928" cy="1325563"/>
+          </a:xfrm>
+        </p:spPr>
+        <p:txBody>
+          <a:bodyPr/>
+          <a:lstStyle/>
+          <a:p>
+            <a:r>
+              <a:rPr lang="en-ZA" dirty="0" smtClean="0"/>
+              <a:t>Q &amp; A</a:t>
+            </a:r>
+            <a:endParaRPr lang="en-ZA" dirty="0"/>
+          </a:p>
+        </p:txBody>
+      </p:sp>
+    </p:spTree>
+    <p:extLst>
+      <p:ext uri="{BB962C8B-B14F-4D97-AF65-F5344CB8AC3E}">
+        <p14:creationId xmlns:p14="http://schemas.microsoft.com/office/powerpoint/2010/main" val="3353626696"/>
+      </p:ext>
+    </p:extLst>
+  </p:cSld>
+  <p:clrMapOvr>
+    <a:masterClrMapping/>
+  </p:clrMapOvr>
+  <p:timing>
+    <p:tnLst>
+      <p:par>
+        <p:cTn id="1" dur="indefinite" restart="never" nodeType="tmRoot"/>
+      </p:par>
+    </p:tnLst>
+  </p:timing>
+</p:sld>
+</file>
+
+<file path=ppt/slides/slide28.xml><?xml version="1.0" encoding="utf-8"?>
+<p:sld xmlns:a="http://schemas.openxmlformats.org/drawingml/2006/main" xmlns:r="http://schemas.openxmlformats.org/officeDocument/2006/relationships" xmlns:p="http://schemas.openxmlformats.org/presentationml/2006/main">
+  <p:cSld>
+    <p:spTree>
+      <p:nvGrpSpPr>
+        <p:cNvPr id="1" name=""/>
+        <p:cNvGrpSpPr/>
+        <p:nvPr/>
+      </p:nvGrpSpPr>
+      <p:grpSpPr>
+        <a:xfrm>
+          <a:off x="0" y="0"/>
+          <a:ext cx="0" cy="0"/>
+          <a:chOff x="0" y="0"/>
+          <a:chExt cx="0" cy="0"/>
+        </a:xfrm>
+      </p:grpSpPr>
+      <p:sp>
+        <p:nvSpPr>
+          <p:cNvPr id="2" name="Title 1"/>
+          <p:cNvSpPr>
+            <a:spLocks noGrp="1"/>
+          </p:cNvSpPr>
+          <p:nvPr>
+            <p:ph type="title"/>
+          </p:nvPr>
+        </p:nvSpPr>
+        <p:spPr/>
+        <p:txBody>
+          <a:bodyPr>
+            <a:normAutofit/>
+          </a:bodyPr>
+          <a:lstStyle/>
+          <a:p>
+            <a:r>
+              <a:rPr lang="en-ZA" dirty="0" smtClean="0"/>
+              <a:t>Demo: Data </a:t>
+            </a:r>
+            <a:r>
+              <a:rPr lang="en-ZA" dirty="0" smtClean="0"/>
+              <a:t>Visualization (UX)</a:t>
+            </a:r>
+            <a:endParaRPr lang="en-ZA" dirty="0"/>
+          </a:p>
+        </p:txBody>
+      </p:sp>
+    </p:spTree>
+    <p:extLst>
+      <p:ext uri="{BB962C8B-B14F-4D97-AF65-F5344CB8AC3E}">
+        <p14:creationId xmlns:p14="http://schemas.microsoft.com/office/powerpoint/2010/main" val="977686890"/>
+      </p:ext>
+    </p:extLst>
+  </p:cSld>
+  <p:clrMapOvr>
+    <a:masterClrMapping/>
+  </p:clrMapOvr>
+  <p:timing>
+    <p:tnLst>
+      <p:par>
+        <p:cTn id="1" dur="indefinite" restart="never" nodeType="tmRoot"/>
+      </p:par>
+    </p:tnLst>
+  </p:timing>
+</p:sld>
+</file>
+
+<file path=ppt/slides/slide29.xml><?xml version="1.0" encoding="utf-8"?>
+<p:sld xmlns:a="http://schemas.openxmlformats.org/drawingml/2006/main" xmlns:r="http://schemas.openxmlformats.org/officeDocument/2006/relationships" xmlns:p="http://schemas.openxmlformats.org/presentationml/2006/main">
+  <p:cSld>
+    <p:spTree>
+      <p:nvGrpSpPr>
+        <p:cNvPr id="1" name=""/>
+        <p:cNvGrpSpPr/>
+        <p:nvPr/>
+      </p:nvGrpSpPr>
+      <p:grpSpPr>
+        <a:xfrm>
+          <a:off x="0" y="0"/>
+          <a:ext cx="0" cy="0"/>
+          <a:chOff x="0" y="0"/>
+          <a:chExt cx="0" cy="0"/>
+        </a:xfrm>
+      </p:grpSpPr>
+      <p:sp>
+        <p:nvSpPr>
+          <p:cNvPr id="2" name="Title 1"/>
+          <p:cNvSpPr>
+            <a:spLocks noGrp="1"/>
+          </p:cNvSpPr>
+          <p:nvPr>
+            <p:ph type="title"/>
+          </p:nvPr>
+        </p:nvSpPr>
+        <p:spPr/>
+        <p:txBody>
+          <a:bodyPr>
+            <a:normAutofit/>
+          </a:bodyPr>
+          <a:lstStyle/>
+          <a:p>
+            <a:r>
+              <a:rPr lang="en-ZA" dirty="0" smtClean="0"/>
+              <a:t>Demo: Input Data</a:t>
+            </a:r>
+            <a:endParaRPr lang="en-ZA" dirty="0"/>
+          </a:p>
+        </p:txBody>
+      </p:sp>
+      <p:pic>
+        <p:nvPicPr>
+          <p:cNvPr id="5" name="Picture 4"/>
+          <p:cNvPicPr>
+            <a:picLocks noChangeAspect="1"/>
+          </p:cNvPicPr>
+          <p:nvPr/>
+        </p:nvPicPr>
+        <p:blipFill>
+          <a:blip r:embed="rId2">
+            <a:extLst>
+              <a:ext uri="{28A0092B-C50C-407E-A947-70E740481C1C}">
+                <a14:useLocalDpi xmlns:a14="http://schemas.microsoft.com/office/drawing/2010/main" val="0"/>
+              </a:ext>
+            </a:extLst>
+          </a:blip>
+          <a:stretch>
+            <a:fillRect/>
+          </a:stretch>
+        </p:blipFill>
+        <p:spPr>
+          <a:xfrm>
+            <a:off x="107504" y="1196752"/>
+            <a:ext cx="8784976" cy="4944042"/>
+          </a:xfrm>
+          <a:prstGeom prst="rect">
+            <a:avLst/>
+          </a:prstGeom>
+        </p:spPr>
+      </p:pic>
+    </p:spTree>
+    <p:extLst>
+      <p:ext uri="{BB962C8B-B14F-4D97-AF65-F5344CB8AC3E}">
+        <p14:creationId xmlns:p14="http://schemas.microsoft.com/office/powerpoint/2010/main" val="1680803548"/>
       </p:ext>
     </p:extLst>
   </p:cSld>
@@ -15036,7 +15766,6 @@
               <a:rPr lang="en-ZA" sz="2400" dirty="0" smtClean="0"/>
               <a:t>Context</a:t>
             </a:r>
-            <a:endParaRPr lang="en-ZA" sz="2400" dirty="0" smtClean="0"/>
           </a:p>
           <a:p>
             <a:pPr marL="457200" indent="-457200">
@@ -15134,6 +15863,98 @@
     <p:extLst>
       <p:ext uri="{BB962C8B-B14F-4D97-AF65-F5344CB8AC3E}">
         <p14:creationId xmlns:p14="http://schemas.microsoft.com/office/powerpoint/2010/main" val="2466588836"/>
+      </p:ext>
+    </p:extLst>
+  </p:cSld>
+  <p:clrMapOvr>
+    <a:masterClrMapping/>
+  </p:clrMapOvr>
+  <p:timing>
+    <p:tnLst>
+      <p:par>
+        <p:cTn id="1" dur="indefinite" restart="never" nodeType="tmRoot"/>
+      </p:par>
+    </p:tnLst>
+  </p:timing>
+</p:sld>
+</file>
+
+<file path=ppt/slides/slide30.xml><?xml version="1.0" encoding="utf-8"?>
+<p:sld xmlns:a="http://schemas.openxmlformats.org/drawingml/2006/main" xmlns:r="http://schemas.openxmlformats.org/officeDocument/2006/relationships" xmlns:p="http://schemas.openxmlformats.org/presentationml/2006/main">
+  <p:cSld>
+    <p:spTree>
+      <p:nvGrpSpPr>
+        <p:cNvPr id="1" name=""/>
+        <p:cNvGrpSpPr/>
+        <p:nvPr/>
+      </p:nvGrpSpPr>
+      <p:grpSpPr>
+        <a:xfrm>
+          <a:off x="0" y="0"/>
+          <a:ext cx="0" cy="0"/>
+          <a:chOff x="0" y="0"/>
+          <a:chExt cx="0" cy="0"/>
+        </a:xfrm>
+      </p:grpSpPr>
+      <p:sp>
+        <p:nvSpPr>
+          <p:cNvPr id="2" name="Title 1"/>
+          <p:cNvSpPr>
+            <a:spLocks noGrp="1"/>
+          </p:cNvSpPr>
+          <p:nvPr>
+            <p:ph type="title"/>
+          </p:nvPr>
+        </p:nvSpPr>
+        <p:spPr/>
+        <p:txBody>
+          <a:bodyPr>
+            <a:normAutofit/>
+          </a:bodyPr>
+          <a:lstStyle/>
+          <a:p>
+            <a:r>
+              <a:rPr lang="en-ZA" dirty="0" smtClean="0"/>
+              <a:t>Hardware: Raspberry Pi Cluster</a:t>
+            </a:r>
+            <a:endParaRPr lang="en-ZA" dirty="0"/>
+          </a:p>
+        </p:txBody>
+      </p:sp>
+      <p:pic>
+        <p:nvPicPr>
+          <p:cNvPr id="5" name="Picture 4"/>
+          <p:cNvPicPr>
+            <a:picLocks noChangeAspect="1"/>
+          </p:cNvPicPr>
+          <p:nvPr/>
+        </p:nvPicPr>
+        <p:blipFill>
+          <a:blip r:embed="rId2">
+            <a:extLst>
+              <a:ext uri="{28A0092B-C50C-407E-A947-70E740481C1C}">
+                <a14:useLocalDpi xmlns:a14="http://schemas.microsoft.com/office/drawing/2010/main" val="0"/>
+              </a:ext>
+            </a:extLst>
+          </a:blip>
+          <a:stretch>
+            <a:fillRect/>
+          </a:stretch>
+        </p:blipFill>
+        <p:spPr>
+          <a:xfrm>
+            <a:off x="107504" y="1196752"/>
+            <a:ext cx="8784976" cy="4944042"/>
+          </a:xfrm>
+          <a:prstGeom prst="rect">
+            <a:avLst/>
+          </a:prstGeom>
+        </p:spPr>
+      </p:pic>
+    </p:spTree>
+    <p:extLst>
+      <p:ext uri="{BB962C8B-B14F-4D97-AF65-F5344CB8AC3E}">
+        <p14:creationId xmlns:p14="http://schemas.microsoft.com/office/powerpoint/2010/main" val="2042531502"/>
       </p:ext>
     </p:extLst>
   </p:cSld>
@@ -15200,13 +16021,13 @@
             <p:ph idx="1"/>
             <p:extLst>
               <p:ext uri="{D42A27DB-BD31-4B8C-83A1-F6EECF244321}">
-                <p14:modId xmlns:p14="http://schemas.microsoft.com/office/powerpoint/2010/main" val="200611198"/>
+                <p14:modId xmlns:p14="http://schemas.microsoft.com/office/powerpoint/2010/main" val="295814344"/>
               </p:ext>
             </p:extLst>
           </p:nvPr>
         </p:nvGraphicFramePr>
         <p:xfrm>
-          <a:off x="457200" y="1600200"/>
+          <a:off x="457200" y="1196752"/>
           <a:ext cx="8229600" cy="4525963"/>
         </p:xfrm>
         <a:graphic>
@@ -15215,6 +16036,50 @@
           </a:graphicData>
         </a:graphic>
       </p:graphicFrame>
+      <p:sp>
+        <p:nvSpPr>
+          <p:cNvPr id="3" name="Rectangle 2"/>
+          <p:cNvSpPr/>
+          <p:nvPr/>
+        </p:nvSpPr>
+        <p:spPr>
+          <a:xfrm>
+            <a:off x="467544" y="5085184"/>
+            <a:ext cx="8064896" cy="914400"/>
+          </a:xfrm>
+          <a:prstGeom prst="rect">
+            <a:avLst/>
+          </a:prstGeom>
+        </p:spPr>
+        <p:style>
+          <a:lnRef idx="2">
+            <a:schemeClr val="accent1">
+              <a:shade val="50000"/>
+            </a:schemeClr>
+          </a:lnRef>
+          <a:fillRef idx="1">
+            <a:schemeClr val="accent1"/>
+          </a:fillRef>
+          <a:effectRef idx="0">
+            <a:schemeClr val="accent1"/>
+          </a:effectRef>
+          <a:fontRef idx="minor">
+            <a:schemeClr val="lt1"/>
+          </a:fontRef>
+        </p:style>
+        <p:txBody>
+          <a:bodyPr rtlCol="0" anchor="ctr"/>
+          <a:lstStyle/>
+          <a:p>
+            <a:pPr algn="ctr"/>
+            <a:r>
+              <a:rPr lang="en-ZA" dirty="0" smtClean="0"/>
+              <a:t>All of the above running mainly on Commodity Hardware</a:t>
+            </a:r>
+            <a:endParaRPr lang="en-ZA" dirty="0"/>
+          </a:p>
+        </p:txBody>
+      </p:sp>
     </p:spTree>
     <p:extLst>
       <p:ext uri="{BB962C8B-B14F-4D97-AF65-F5344CB8AC3E}">
@@ -15285,7 +16150,7 @@
             <p:ph idx="1"/>
             <p:extLst>
               <p:ext uri="{D42A27DB-BD31-4B8C-83A1-F6EECF244321}">
-                <p14:modId xmlns:p14="http://schemas.microsoft.com/office/powerpoint/2010/main" val="2158796656"/>
+                <p14:modId xmlns:p14="http://schemas.microsoft.com/office/powerpoint/2010/main" val="266484504"/>
               </p:ext>
             </p:extLst>
           </p:nvPr>
@@ -15434,11 +16299,11 @@
   <p:clrMapOvr>
     <a:masterClrMapping/>
   </p:clrMapOvr>
-  <mc:AlternateContent xmlns:mc="http://schemas.openxmlformats.org/markup-compatibility/2006">
-    <mc:Choice xmlns:p14="http://schemas.microsoft.com/office/powerpoint/2010/main" Requires="p14">
+  <mc:AlternateContent xmlns:mc="http://schemas.openxmlformats.org/markup-compatibility/2006" xmlns:p14="http://schemas.microsoft.com/office/powerpoint/2010/main">
+    <mc:Choice Requires="p14">
       <p:transition spd="slow" p14:dur="2000"/>
     </mc:Choice>
-    <mc:Fallback>
+    <mc:Fallback xmlns="">
       <p:transition spd="slow"/>
     </mc:Fallback>
   </mc:AlternateContent>
@@ -15486,11 +16351,7 @@
           <a:p>
             <a:r>
               <a:rPr lang="en-ZA" dirty="0" smtClean="0"/>
-              <a:t>Lifecycle Method: IBM RUP (</a:t>
-            </a:r>
-            <a:r>
-              <a:rPr lang="en-ZA" dirty="0" smtClean="0"/>
-              <a:t>Tailoring Process)</a:t>
+              <a:t>Lifecycle Method: IBM RUP (Tailoring Process)</a:t>
             </a:r>
             <a:endParaRPr lang="en-ZA" dirty="0"/>
           </a:p>
@@ -17068,7 +17929,7 @@
 </file>
 
 <file path=ppt/slides/slide8.xml><?xml version="1.0" encoding="utf-8"?>
-<p:sld xmlns:a="http://schemas.openxmlformats.org/drawingml/2006/main" xmlns:r="http://schemas.openxmlformats.org/officeDocument/2006/relationships" xmlns:p="http://schemas.openxmlformats.org/presentationml/2006/main">
+<p:sld xmlns:a="http://schemas.openxmlformats.org/drawingml/2006/main" xmlns:r="http://schemas.openxmlformats.org/officeDocument/2006/relationships" xmlns:p="http://schemas.openxmlformats.org/presentationml/2006/main" show="0">
   <p:cSld>
     <p:spTree>
       <p:nvGrpSpPr>
@@ -17100,18 +17961,17 @@
           <a:lstStyle/>
           <a:p>
             <a:r>
-              <a:rPr lang="en-ZA" dirty="0" smtClean="0"/>
+              <a:rPr lang="en-ZA" dirty="0"/>
               <a:t>Architecture: High Level Component Model</a:t>
             </a:r>
-            <a:endParaRPr lang="en-ZA" dirty="0"/>
           </a:p>
         </p:txBody>
       </p:sp>
       <p:pic>
         <p:nvPicPr>
-          <p:cNvPr id="4" name="Picture 3"/>
+          <p:cNvPr id="1027" name="Picture 3"/>
           <p:cNvPicPr>
-            <a:picLocks noChangeAspect="1"/>
+            <a:picLocks noChangeAspect="1" noChangeArrowheads="1"/>
           </p:cNvPicPr>
           <p:nvPr/>
         </p:nvPicPr>
@@ -17123,23 +17983,57 @@
               </a:ext>
             </a:extLst>
           </a:blip>
+          <a:srcRect/>
           <a:stretch>
             <a:fillRect/>
           </a:stretch>
         </p:blipFill>
-        <p:spPr>
+        <p:spPr bwMode="auto">
           <a:xfrm>
-            <a:off x="107504" y="1224415"/>
-            <a:ext cx="6624736" cy="4868881"/>
+            <a:off x="0" y="1268760"/>
+            <a:ext cx="6732240" cy="4968551"/>
           </a:xfrm>
           <a:prstGeom prst="rect">
             <a:avLst/>
           </a:prstGeom>
+          <a:noFill/>
+          <a:ln>
+            <a:noFill/>
+          </a:ln>
+          <a:effectLst/>
+          <a:extLst>
+            <a:ext uri="{909E8E84-426E-40DD-AFC4-6F175D3DCCD1}">
+              <a14:hiddenFill xmlns:a14="http://schemas.microsoft.com/office/drawing/2010/main">
+                <a:solidFill>
+                  <a:schemeClr val="accent1"/>
+                </a:solidFill>
+              </a14:hiddenFill>
+            </a:ext>
+            <a:ext uri="{91240B29-F687-4F45-9708-019B960494DF}">
+              <a14:hiddenLine xmlns:a14="http://schemas.microsoft.com/office/drawing/2010/main" w="9525">
+                <a:solidFill>
+                  <a:schemeClr val="tx1"/>
+                </a:solidFill>
+                <a:miter lim="800000"/>
+                <a:headEnd/>
+                <a:tailEnd/>
+              </a14:hiddenLine>
+            </a:ext>
+            <a:ext uri="{AF507438-7753-43E0-B8FC-AC1667EBCBE1}">
+              <a14:hiddenEffects xmlns:a14="http://schemas.microsoft.com/office/drawing/2010/main">
+                <a:effectLst>
+                  <a:outerShdw dist="35921" dir="2700000" algn="ctr" rotWithShape="0">
+                    <a:schemeClr val="bg2"/>
+                  </a:outerShdw>
+                </a:effectLst>
+              </a14:hiddenEffects>
+            </a:ext>
+          </a:extLst>
         </p:spPr>
       </p:pic>
       <p:sp>
         <p:nvSpPr>
-          <p:cNvPr id="8" name="Rectangle 7"/>
+          <p:cNvPr id="4" name="Rectangle 3"/>
           <p:cNvSpPr/>
           <p:nvPr/>
         </p:nvSpPr>
@@ -17191,35 +18085,32 @@
                   <a:schemeClr val="tx1"/>
                 </a:solidFill>
               </a:rPr>
-              <a:t>ser shall connect to the data visualization front-end using a browser</a:t>
-            </a:r>
-          </a:p>
-          <a:p>
-            <a:pPr marL="342900" indent="-342900">
-              <a:buFont typeface="+mj-lt"/>
-              <a:buAutoNum type="arabicPeriod"/>
-            </a:pPr>
+              <a:t>ser shall connect to the data visualization front-end using a Web browser. This was built using </a:t>
+            </a:r>
+            <a:r>
+              <a:rPr lang="en-ZA" sz="1400" b="1" dirty="0" smtClean="0">
+                <a:solidFill>
+                  <a:schemeClr val="tx1"/>
+                </a:solidFill>
+              </a:rPr>
+              <a:t>D3 </a:t>
+            </a:r>
+            <a:r>
+              <a:rPr lang="en-ZA" sz="1400" b="1" dirty="0" err="1" smtClean="0">
+                <a:solidFill>
+                  <a:schemeClr val="tx1"/>
+                </a:solidFill>
+              </a:rPr>
+              <a:t>Chartz</a:t>
+            </a:r>
             <a:r>
               <a:rPr lang="en-ZA" sz="1400" dirty="0" smtClean="0">
                 <a:solidFill>
                   <a:schemeClr val="tx1"/>
                 </a:solidFill>
               </a:rPr>
-              <a:t>Back-End service shall be exposed using .NET and IIS to present data to the user and to query </a:t>
-            </a:r>
-            <a:r>
-              <a:rPr lang="en-ZA" sz="1400" dirty="0" err="1" smtClean="0">
-                <a:solidFill>
-                  <a:schemeClr val="tx1"/>
-                </a:solidFill>
-              </a:rPr>
-              <a:t>Hadoop</a:t>
-            </a:r>
-            <a:endParaRPr lang="en-ZA" sz="1400" dirty="0" smtClean="0">
-              <a:solidFill>
-                <a:schemeClr val="tx1"/>
-              </a:solidFill>
-            </a:endParaRPr>
+              <a:t>.</a:t>
+            </a:r>
           </a:p>
           <a:p>
             <a:pPr marL="342900" indent="-342900">
@@ -17232,21 +18123,23 @@
                   <a:schemeClr val="tx1"/>
                 </a:solidFill>
               </a:rPr>
-              <a:t>Twitter data shall be persisted here and user(s) will query it/ subscribe to a topic</a:t>
-            </a:r>
-          </a:p>
-          <a:p>
-            <a:pPr marL="342900" indent="-342900">
-              <a:buFont typeface="+mj-lt"/>
-              <a:buAutoNum type="arabicPeriod"/>
-            </a:pPr>
+              <a:t>Data Processing shall be done using </a:t>
+            </a:r>
+            <a:r>
+              <a:rPr lang="en-ZA" sz="1400" b="1" dirty="0" err="1" smtClean="0">
+                <a:solidFill>
+                  <a:schemeClr val="tx1"/>
+                </a:solidFill>
+              </a:rPr>
+              <a:t>MapReduce</a:t>
+            </a:r>
             <a:r>
               <a:rPr lang="en-ZA" sz="1400" dirty="0" smtClean="0">
                 <a:solidFill>
                   <a:schemeClr val="tx1"/>
                 </a:solidFill>
               </a:rPr>
-              <a:t>This component will be used to get twitter data/ streams</a:t>
+              <a:t> principles using JSON files directly stored on file system.</a:t>
             </a:r>
           </a:p>
           <a:p>
@@ -17260,21 +18153,15 @@
                   <a:schemeClr val="tx1"/>
                 </a:solidFill>
               </a:rPr>
-              <a:t>Twitter will be the main source of our big data for the project.</a:t>
-            </a:r>
-          </a:p>
-          <a:p>
-            <a:pPr marL="342900" indent="-342900">
-              <a:buFont typeface="+mj-lt"/>
-              <a:buAutoNum type="arabicPeriod"/>
-            </a:pPr>
-            <a:r>
-              <a:rPr lang="en-ZA" sz="1400" dirty="0" err="1" smtClean="0">
+              <a:t>The data source used for the project is social media based and comes from Twitter (</a:t>
+            </a:r>
+            <a:r>
+              <a:rPr lang="en-ZA" sz="1400" b="1" dirty="0" smtClean="0">
                 <a:solidFill>
                   <a:schemeClr val="tx1"/>
                 </a:solidFill>
               </a:rPr>
-              <a:t>MongoDB</a:t>
+              <a:t>History</a:t>
             </a:r>
             <a:r>
               <a:rPr lang="en-ZA" sz="1400" dirty="0" smtClean="0">
@@ -17282,38 +18169,88 @@
                   <a:schemeClr val="tx1"/>
                 </a:solidFill>
               </a:rPr>
-              <a:t> will be used as temporary storage for the data before it is moved to </a:t>
-            </a:r>
-            <a:r>
-              <a:rPr lang="en-ZA" sz="1400" dirty="0" err="1" smtClean="0">
+              <a:t> and </a:t>
+            </a:r>
+            <a:r>
+              <a:rPr lang="en-ZA" sz="1400" b="1" dirty="0" smtClean="0">
                 <a:solidFill>
                   <a:schemeClr val="tx1"/>
                 </a:solidFill>
               </a:rPr>
-              <a:t>Hadoop</a:t>
-            </a:r>
-            <a:endParaRPr lang="en-ZA" sz="1400" dirty="0" smtClean="0">
-              <a:solidFill>
-                <a:schemeClr val="tx1"/>
-              </a:solidFill>
-            </a:endParaRPr>
+              <a:t>Streaming</a:t>
+            </a:r>
+            <a:r>
+              <a:rPr lang="en-ZA" sz="1400" dirty="0" smtClean="0">
+                <a:solidFill>
+                  <a:schemeClr val="tx1"/>
+                </a:solidFill>
+              </a:rPr>
+              <a:t>) </a:t>
+            </a:r>
           </a:p>
           <a:p>
             <a:pPr marL="342900" indent="-342900">
               <a:buFont typeface="+mj-lt"/>
               <a:buAutoNum type="arabicPeriod"/>
             </a:pPr>
-            <a:endParaRPr lang="en-ZA" sz="1400" dirty="0" smtClean="0">
-              <a:solidFill>
-                <a:schemeClr val="tx1"/>
-              </a:solidFill>
-            </a:endParaRPr>
-          </a:p>
-          <a:p>
-            <a:pPr marL="342900" indent="-342900">
-              <a:buFont typeface="+mj-lt"/>
-              <a:buAutoNum type="arabicPeriod"/>
-            </a:pPr>
+            <a:r>
+              <a:rPr lang="en-ZA" sz="1400" dirty="0" smtClean="0">
+                <a:solidFill>
+                  <a:schemeClr val="tx1"/>
+                </a:solidFill>
+              </a:rPr>
+              <a:t>Integration to Twitter was established using </a:t>
+            </a:r>
+            <a:r>
+              <a:rPr lang="en-ZA" sz="1400" b="1" dirty="0" smtClean="0">
+                <a:solidFill>
+                  <a:schemeClr val="tx1"/>
+                </a:solidFill>
+              </a:rPr>
+              <a:t>Java</a:t>
+            </a:r>
+            <a:r>
+              <a:rPr lang="en-ZA" sz="1400" dirty="0" smtClean="0">
+                <a:solidFill>
+                  <a:schemeClr val="tx1"/>
+                </a:solidFill>
+              </a:rPr>
+              <a:t> (History Data) and </a:t>
+            </a:r>
+            <a:r>
+              <a:rPr lang="en-ZA" sz="1400" b="1" dirty="0" smtClean="0">
+                <a:solidFill>
+                  <a:schemeClr val="tx1"/>
+                </a:solidFill>
+              </a:rPr>
+              <a:t>C#</a:t>
+            </a:r>
+            <a:r>
+              <a:rPr lang="en-ZA" sz="1400" dirty="0" smtClean="0">
+                <a:solidFill>
+                  <a:schemeClr val="tx1"/>
+                </a:solidFill>
+              </a:rPr>
+              <a:t> (Streaming Data) with Google Maps used to validate  “tweet” location where </a:t>
+            </a:r>
+            <a:r>
+              <a:rPr lang="en-ZA" sz="1400" b="1" dirty="0" smtClean="0">
+                <a:solidFill>
+                  <a:schemeClr val="tx1"/>
+                </a:solidFill>
+              </a:rPr>
+              <a:t>possible</a:t>
+            </a:r>
+            <a:r>
+              <a:rPr lang="en-ZA" sz="1400" dirty="0" smtClean="0">
+                <a:solidFill>
+                  <a:schemeClr val="tx1"/>
+                </a:solidFill>
+              </a:rPr>
+              <a:t>. </a:t>
+            </a:r>
+          </a:p>
+          <a:p>
             <a:endParaRPr lang="en-ZA" sz="1400" dirty="0">
               <a:solidFill>
                 <a:schemeClr val="tx1"/>
@@ -17324,13 +18261,13 @@
       </p:sp>
       <p:sp>
         <p:nvSpPr>
-          <p:cNvPr id="11" name="Flowchart: Connector 10"/>
+          <p:cNvPr id="5" name="Flowchart: Connector 4"/>
           <p:cNvSpPr/>
           <p:nvPr/>
         </p:nvSpPr>
         <p:spPr>
           <a:xfrm>
-            <a:off x="1594520" y="2025502"/>
+            <a:off x="1907704" y="2213073"/>
             <a:ext cx="313184" cy="323378"/>
           </a:xfrm>
           <a:prstGeom prst="flowChartConnector">
@@ -17377,13 +18314,13 @@
       </p:sp>
       <p:sp>
         <p:nvSpPr>
-          <p:cNvPr id="13" name="Flowchart: Connector 12"/>
+          <p:cNvPr id="6" name="Flowchart: Connector 5"/>
           <p:cNvSpPr/>
           <p:nvPr/>
         </p:nvSpPr>
         <p:spPr>
           <a:xfrm>
-            <a:off x="1403648" y="3465662"/>
+            <a:off x="1259632" y="4689798"/>
             <a:ext cx="313184" cy="323378"/>
           </a:xfrm>
           <a:prstGeom prst="flowChartConnector">
@@ -17429,13 +18366,59 @@
       </p:sp>
       <p:sp>
         <p:nvSpPr>
-          <p:cNvPr id="14" name="Flowchart: Connector 13"/>
+          <p:cNvPr id="3" name="Rounded Rectangle 2"/>
           <p:cNvSpPr/>
           <p:nvPr/>
         </p:nvSpPr>
         <p:spPr>
           <a:xfrm>
-            <a:off x="1403648" y="5337870"/>
+            <a:off x="2555776" y="3741591"/>
+            <a:ext cx="4104456" cy="2495719"/>
+          </a:xfrm>
+          <a:prstGeom prst="roundRect">
+            <a:avLst/>
+          </a:prstGeom>
+          <a:noFill/>
+          <a:ln>
+            <a:solidFill>
+              <a:srgbClr val="FF0000"/>
+            </a:solidFill>
+          </a:ln>
+        </p:spPr>
+        <p:style>
+          <a:lnRef idx="2">
+            <a:schemeClr val="accent1">
+              <a:shade val="50000"/>
+            </a:schemeClr>
+          </a:lnRef>
+          <a:fillRef idx="1">
+            <a:schemeClr val="accent1"/>
+          </a:fillRef>
+          <a:effectRef idx="0">
+            <a:schemeClr val="accent1"/>
+          </a:effectRef>
+          <a:fontRef idx="minor">
+            <a:schemeClr val="lt1"/>
+          </a:fontRef>
+        </p:style>
+        <p:txBody>
+          <a:bodyPr rtlCol="0" anchor="ctr"/>
+          <a:lstStyle/>
+          <a:p>
+            <a:pPr algn="ctr"/>
+            <a:endParaRPr lang="en-ZA"/>
+          </a:p>
+        </p:txBody>
+      </p:sp>
+      <p:sp>
+        <p:nvSpPr>
+          <p:cNvPr id="8" name="Flowchart: Connector 7"/>
+          <p:cNvSpPr/>
+          <p:nvPr/>
+        </p:nvSpPr>
+        <p:spPr>
+          <a:xfrm>
+            <a:off x="6228184" y="3579902"/>
             <a:ext cx="313184" cy="323378"/>
           </a:xfrm>
           <a:prstGeom prst="flowChartConnector">
@@ -17474,7 +18457,7 @@
             <a:pPr algn="ctr"/>
             <a:r>
               <a:rPr lang="en-ZA" sz="1200" b="1" dirty="0" smtClean="0"/>
-              <a:t>3</a:t>
+              <a:t>4</a:t>
             </a:r>
             <a:endParaRPr lang="en-ZA" sz="1200" b="1" dirty="0"/>
           </a:p>
@@ -17482,13 +18465,13 @@
       </p:sp>
       <p:sp>
         <p:nvSpPr>
-          <p:cNvPr id="15" name="Flowchart: Connector 14"/>
+          <p:cNvPr id="9" name="Flowchart: Connector 8"/>
           <p:cNvSpPr/>
           <p:nvPr/>
         </p:nvSpPr>
         <p:spPr>
           <a:xfrm>
-            <a:off x="3779912" y="3429000"/>
+            <a:off x="5076056" y="2529558"/>
             <a:ext cx="313184" cy="323378"/>
           </a:xfrm>
           <a:prstGeom prst="flowChartConnector">
@@ -17526,127 +18509,31 @@
           <a:p>
             <a:pPr algn="ctr"/>
             <a:r>
-              <a:rPr lang="en-ZA" sz="1200" b="1" dirty="0"/>
-              <a:t>4</a:t>
-            </a:r>
-          </a:p>
-        </p:txBody>
-      </p:sp>
-      <p:sp>
-        <p:nvSpPr>
-          <p:cNvPr id="16" name="Flowchart: Connector 15"/>
-          <p:cNvSpPr/>
-          <p:nvPr/>
-        </p:nvSpPr>
-        <p:spPr>
-          <a:xfrm>
-            <a:off x="5626968" y="3068960"/>
-            <a:ext cx="313184" cy="323378"/>
-          </a:xfrm>
-          <a:prstGeom prst="flowChartConnector">
-            <a:avLst/>
-          </a:prstGeom>
-          <a:solidFill>
-            <a:schemeClr val="tx2">
-              <a:lumMod val="60000"/>
-              <a:lumOff val="40000"/>
-            </a:schemeClr>
-          </a:solidFill>
-          <a:ln>
-            <a:noFill/>
-          </a:ln>
-        </p:spPr>
-        <p:style>
-          <a:lnRef idx="2">
-            <a:schemeClr val="accent1">
-              <a:shade val="50000"/>
-            </a:schemeClr>
-          </a:lnRef>
-          <a:fillRef idx="1">
-            <a:schemeClr val="accent1"/>
-          </a:fillRef>
-          <a:effectRef idx="0">
-            <a:schemeClr val="accent1"/>
-          </a:effectRef>
-          <a:fontRef idx="minor">
-            <a:schemeClr val="lt1"/>
-          </a:fontRef>
-        </p:style>
-        <p:txBody>
-          <a:bodyPr rtlCol="0" anchor="ctr"/>
-          <a:lstStyle/>
-          <a:p>
-            <a:pPr algn="ctr"/>
-            <a:r>
               <a:rPr lang="en-ZA" sz="1200" b="1" dirty="0" smtClean="0"/>
-              <a:t>5</a:t>
+              <a:t>3</a:t>
             </a:r>
             <a:endParaRPr lang="en-ZA" sz="1200" b="1" dirty="0"/>
-          </a:p>
-        </p:txBody>
-      </p:sp>
-      <p:sp>
-        <p:nvSpPr>
-          <p:cNvPr id="17" name="Flowchart: Connector 16"/>
-          <p:cNvSpPr/>
-          <p:nvPr/>
-        </p:nvSpPr>
-        <p:spPr>
-          <a:xfrm>
-            <a:off x="3923928" y="5301208"/>
-            <a:ext cx="313184" cy="323378"/>
-          </a:xfrm>
-          <a:prstGeom prst="flowChartConnector">
-            <a:avLst/>
-          </a:prstGeom>
-          <a:solidFill>
-            <a:schemeClr val="tx2">
-              <a:lumMod val="60000"/>
-              <a:lumOff val="40000"/>
-            </a:schemeClr>
-          </a:solidFill>
-          <a:ln>
-            <a:noFill/>
-          </a:ln>
-        </p:spPr>
-        <p:style>
-          <a:lnRef idx="2">
-            <a:schemeClr val="accent1">
-              <a:shade val="50000"/>
-            </a:schemeClr>
-          </a:lnRef>
-          <a:fillRef idx="1">
-            <a:schemeClr val="accent1"/>
-          </a:fillRef>
-          <a:effectRef idx="0">
-            <a:schemeClr val="accent1"/>
-          </a:effectRef>
-          <a:fontRef idx="minor">
-            <a:schemeClr val="lt1"/>
-          </a:fontRef>
-        </p:style>
-        <p:txBody>
-          <a:bodyPr rtlCol="0" anchor="ctr"/>
-          <a:lstStyle/>
-          <a:p>
-            <a:pPr algn="ctr"/>
-            <a:r>
-              <a:rPr lang="en-ZA" sz="1200" b="1" dirty="0"/>
-              <a:t>6</a:t>
-            </a:r>
           </a:p>
         </p:txBody>
       </p:sp>
     </p:spTree>
     <p:extLst>
       <p:ext uri="{BB962C8B-B14F-4D97-AF65-F5344CB8AC3E}">
-        <p14:creationId xmlns:p14="http://schemas.microsoft.com/office/powerpoint/2010/main" val="99767509"/>
+        <p14:creationId xmlns:p14="http://schemas.microsoft.com/office/powerpoint/2010/main" val="997506218"/>
       </p:ext>
     </p:extLst>
   </p:cSld>
   <p:clrMapOvr>
     <a:masterClrMapping/>
   </p:clrMapOvr>
+  <mc:AlternateContent xmlns:mc="http://schemas.openxmlformats.org/markup-compatibility/2006">
+    <mc:Choice xmlns:p14="http://schemas.microsoft.com/office/powerpoint/2010/main" Requires="p14">
+      <p:transition spd="slow" p14:dur="2000"/>
+    </mc:Choice>
+    <mc:Fallback>
+      <p:transition spd="slow"/>
+    </mc:Fallback>
+  </mc:AlternateContent>
   <p:timing>
     <p:tnLst>
       <p:par>
@@ -17686,16 +18573,13 @@
         </p:nvSpPr>
         <p:spPr/>
         <p:txBody>
-          <a:bodyPr>
-            <a:normAutofit/>
-          </a:bodyPr>
+          <a:bodyPr/>
           <a:lstStyle/>
           <a:p>
             <a:r>
-              <a:rPr lang="en-ZA" dirty="0" smtClean="0"/>
+              <a:rPr lang="en-ZA" dirty="0"/>
               <a:t>Architecture: Infrastructure Design</a:t>
             </a:r>
-            <a:endParaRPr lang="en-ZA" dirty="0"/>
           </a:p>
         </p:txBody>
       </p:sp>
@@ -17721,8 +18605,8 @@
         </p:blipFill>
         <p:spPr>
           <a:xfrm>
-            <a:off x="144016" y="1196752"/>
-            <a:ext cx="8748464" cy="5419188"/>
+            <a:off x="179512" y="1196752"/>
+            <a:ext cx="8712968" cy="5407128"/>
           </a:xfrm>
           <a:prstGeom prst="rect">
             <a:avLst/>
@@ -17732,7 +18616,7 @@
     </p:spTree>
     <p:extLst>
       <p:ext uri="{BB962C8B-B14F-4D97-AF65-F5344CB8AC3E}">
-        <p14:creationId xmlns:p14="http://schemas.microsoft.com/office/powerpoint/2010/main" val="3459415122"/>
+        <p14:creationId xmlns:p14="http://schemas.microsoft.com/office/powerpoint/2010/main" val="1502672680"/>
       </p:ext>
     </p:extLst>
   </p:cSld>
